--- a/Abschluss_präsi.pptx
+++ b/Abschluss_präsi.pptx
@@ -5,7 +5,7 @@
     <p:sldMasterId id="2147483648" r:id="rId1"/>
   </p:sldMasterIdLst>
   <p:notesMasterIdLst>
-    <p:notesMasterId r:id="rId20"/>
+    <p:notesMasterId r:id="rId21"/>
   </p:notesMasterIdLst>
   <p:sldIdLst>
     <p:sldId id="256" r:id="rId4"/>
@@ -24,6 +24,7 @@
     <p:sldId id="269" r:id="rId17"/>
     <p:sldId id="270" r:id="rId18"/>
     <p:sldId id="271" r:id="rId19"/>
+    <p:sldId id="272" r:id="rId20"/>
   </p:sldIdLst>
   <p:sldSz cx="9144000" cy="6858000" type="screen4x3"/>
   <p:notesSz cx="9144000" cy="6858000"/>
@@ -553,9 +554,9 @@
             </a:pPr>
             <a:r>
               <a:rPr lang="de-DE"/>
-              <a:t>Projektbegründung hier auffassen</a:t>
-            </a:r>
-            <a:endParaRPr/>
+              <a:t>Thema des Vortrags - </a:t>
+            </a:r>
+            <a:endParaRPr lang="de-DE"/>
           </a:p>
         </p:txBody>
       </p:sp>
@@ -565,6 +566,148 @@
 </file>
 
 <file path=ppt/notesSlides/notesSlide2.xml><?xml version="1.0" encoding="utf-8"?>
+<p:notes xmlns:a="http://schemas.openxmlformats.org/drawingml/2006/main" xmlns:r="http://schemas.openxmlformats.org/officeDocument/2006/relationships" xmlns:p="http://schemas.openxmlformats.org/presentationml/2006/main" xmlns:m="http://schemas.openxmlformats.org/officeDocument/2006/math" xmlns:w="http://schemas.openxmlformats.org/wordprocessingml/2006/main">
+  <p:cSld name="">
+    <p:spTree>
+      <p:nvGrpSpPr>
+        <p:cNvPr id="1" name="" hidden="0"/>
+        <p:cNvGrpSpPr/>
+        <p:nvPr isPhoto="0" userDrawn="0"/>
+      </p:nvGrpSpPr>
+      <p:grpSpPr bwMode="auto">
+        <a:xfrm>
+          <a:off x="0" y="0"/>
+          <a:ext cx="0" cy="0"/>
+          <a:chOff x="0" y="0"/>
+          <a:chExt cx="0" cy="0"/>
+        </a:xfrm>
+      </p:grpSpPr>
+      <p:sp>
+        <p:nvSpPr>
+          <p:cNvPr id="2" name="Slide Image Placeholder 1" hidden="0"/>
+          <p:cNvSpPr>
+            <a:spLocks noChangeAspect="1" noGrp="1" noRot="1"/>
+          </p:cNvSpPr>
+          <p:nvPr isPhoto="0" userDrawn="0">
+            <p:ph type="sldImg" hasCustomPrompt="0"/>
+          </p:nvPr>
+        </p:nvSpPr>
+        <p:spPr bwMode="auto"/>
+      </p:sp>
+      <p:sp>
+        <p:nvSpPr>
+          <p:cNvPr id="3" name="Notes Placeholder 2" hidden="0"/>
+          <p:cNvSpPr>
+            <a:spLocks noGrp="1"/>
+          </p:cNvSpPr>
+          <p:nvPr isPhoto="0" userDrawn="0">
+            <p:ph type="body" idx="1" hasCustomPrompt="0"/>
+          </p:nvPr>
+        </p:nvSpPr>
+        <p:spPr bwMode="auto"/>
+        <p:txBody>
+          <a:bodyPr/>
+          <a:lstStyle/>
+          <a:p>
+            <a:pPr>
+              <a:defRPr/>
+            </a:pPr>
+            <a:r>
+              <a:rPr/>
+              <a:t>Ist-Analyse</a:t>
+            </a:r>
+            <a:endParaRPr/>
+          </a:p>
+        </p:txBody>
+      </p:sp>
+      <p:sp>
+        <p:nvSpPr>
+          <p:cNvPr id="4" name="Slide Number Placeholder 3" hidden="0"/>
+          <p:cNvSpPr>
+            <a:spLocks noGrp="1"/>
+          </p:cNvSpPr>
+          <p:nvPr isPhoto="0" userDrawn="0">
+            <p:ph type="sldNum" sz="quarter" idx="10" hasCustomPrompt="0"/>
+          </p:nvPr>
+        </p:nvSpPr>
+        <p:spPr bwMode="auto"/>
+        <p:txBody>
+          <a:bodyPr/>
+          <a:lstStyle/>
+          <a:p>
+            <a:pPr>
+              <a:defRPr/>
+            </a:pPr>
+            <a:endParaRPr/>
+          </a:p>
+        </p:txBody>
+      </p:sp>
+    </p:spTree>
+  </p:cSld>
+</p:notes>
+</file>
+
+<file path=ppt/notesSlides/notesSlide3.xml><?xml version="1.0" encoding="utf-8"?>
+<p:notes xmlns:a="http://schemas.openxmlformats.org/drawingml/2006/main" xmlns:r="http://schemas.openxmlformats.org/officeDocument/2006/relationships" xmlns:p="http://schemas.openxmlformats.org/presentationml/2006/main" xmlns:m="http://schemas.openxmlformats.org/officeDocument/2006/math" xmlns:w="http://schemas.openxmlformats.org/wordprocessingml/2006/main">
+  <p:cSld name="">
+    <p:spTree>
+      <p:nvGrpSpPr>
+        <p:cNvPr id="1" name="" hidden="0"/>
+        <p:cNvGrpSpPr/>
+        <p:nvPr isPhoto="0" userDrawn="0"/>
+      </p:nvGrpSpPr>
+      <p:grpSpPr bwMode="auto">
+        <a:xfrm>
+          <a:off x="0" y="0"/>
+          <a:ext cx="0" cy="0"/>
+          <a:chOff x="0" y="0"/>
+          <a:chExt cx="0" cy="0"/>
+        </a:xfrm>
+      </p:grpSpPr>
+      <p:sp>
+        <p:nvSpPr>
+          <p:cNvPr id="2" name="Folienbildplatzhalter 1" hidden="0"/>
+          <p:cNvSpPr>
+            <a:spLocks noChangeAspect="1" noGrp="1" noRot="1"/>
+          </p:cNvSpPr>
+          <p:nvPr isPhoto="0" userDrawn="0">
+            <p:ph type="sldImg" hasCustomPrompt="0"/>
+          </p:nvPr>
+        </p:nvSpPr>
+        <p:spPr bwMode="auto"/>
+      </p:sp>
+      <p:sp>
+        <p:nvSpPr>
+          <p:cNvPr id="3" name="Notizenplatzhalter 2" hidden="0"/>
+          <p:cNvSpPr>
+            <a:spLocks noGrp="1"/>
+          </p:cNvSpPr>
+          <p:nvPr isPhoto="0" userDrawn="0">
+            <p:ph type="body" idx="1" hasCustomPrompt="0"/>
+          </p:nvPr>
+        </p:nvSpPr>
+        <p:spPr bwMode="auto"/>
+        <p:txBody>
+          <a:bodyPr/>
+          <a:lstStyle/>
+          <a:p>
+            <a:pPr>
+              <a:defRPr/>
+            </a:pPr>
+            <a:r>
+              <a:rPr lang="de-DE"/>
+              <a:t>Projektbegründung hier auffassen</a:t>
+            </a:r>
+            <a:endParaRPr/>
+          </a:p>
+        </p:txBody>
+      </p:sp>
+    </p:spTree>
+  </p:cSld>
+</p:notes>
+</file>
+
+<file path=ppt/notesSlides/notesSlide4.xml><?xml version="1.0" encoding="utf-8"?>
 <p:notes xmlns:a="http://schemas.openxmlformats.org/drawingml/2006/main" xmlns:r="http://schemas.openxmlformats.org/officeDocument/2006/relationships" xmlns:p="http://schemas.openxmlformats.org/presentationml/2006/main" xmlns:m="http://schemas.openxmlformats.org/officeDocument/2006/math" xmlns:w="http://schemas.openxmlformats.org/wordprocessingml/2006/main">
   <p:cSld name="">
     <p:spTree>
@@ -6691,7 +6834,7 @@
       </p:grpSpPr>
       <p:sp>
         <p:nvSpPr>
-          <p:cNvPr id="343558477" name="Title 18" hidden="0"/>
+          <p:cNvPr id="309489504" name="Title 18" hidden="0"/>
           <p:cNvSpPr>
             <a:spLocks noGrp="1"/>
           </p:cNvSpPr>
@@ -6725,7 +6868,7 @@
       </p:sp>
       <p:sp>
         <p:nvSpPr>
-          <p:cNvPr id="2022981892" name="Content Placeholder 16" hidden="0"/>
+          <p:cNvPr id="1850719009" name="Content Placeholder 16" hidden="0"/>
           <p:cNvSpPr>
             <a:spLocks noGrp="1"/>
           </p:cNvSpPr>
@@ -6812,7 +6955,7 @@
             <a:r>
               <a:rPr lang="en-US" sz="1800">
                 <a:solidFill>
-                  <a:srgbClr val="D0D1D9"/>
+                  <a:srgbClr val="22E298"/>
                 </a:solidFill>
               </a:rPr>
               <a:t>Entwurf</a:t>
@@ -6827,11 +6970,7 @@
               <a:defRPr/>
             </a:pPr>
             <a:r>
-              <a:rPr lang="en-US" sz="1800">
-                <a:solidFill>
-                  <a:srgbClr val="22E298"/>
-                </a:solidFill>
-              </a:rPr>
+              <a:rPr lang="en-US" sz="1800"/>
               <a:t>Implementierung</a:t>
             </a:r>
             <a:endParaRPr lang="en-US" sz="1800"/>
@@ -6861,7 +7000,7 @@
       </p:sp>
       <p:sp>
         <p:nvSpPr>
-          <p:cNvPr id="1199490996" name="Fußzeilenplatzhalter 1" hidden="0"/>
+          <p:cNvPr id="19557407" name="Fußzeilenplatzhalter 1" hidden="0"/>
           <p:cNvSpPr>
             <a:spLocks noGrp="1"/>
           </p:cNvSpPr>
@@ -6920,7 +7059,7 @@
       </p:grpSpPr>
       <p:sp>
         <p:nvSpPr>
-          <p:cNvPr id="812698438" name="Title 18" hidden="0"/>
+          <p:cNvPr id="343558477" name="Title 18" hidden="0"/>
           <p:cNvSpPr>
             <a:spLocks noGrp="1"/>
           </p:cNvSpPr>
@@ -6954,7 +7093,7 @@
       </p:sp>
       <p:sp>
         <p:nvSpPr>
-          <p:cNvPr id="959296412" name="Content Placeholder 16" hidden="0"/>
+          <p:cNvPr id="2022981892" name="Content Placeholder 16" hidden="0"/>
           <p:cNvSpPr>
             <a:spLocks noGrp="1"/>
           </p:cNvSpPr>
@@ -7046,11 +7185,7 @@
               </a:rPr>
               <a:t>Entwurf</a:t>
             </a:r>
-            <a:endParaRPr sz="1800">
-              <a:solidFill>
-                <a:srgbClr val="D0D1D9"/>
-              </a:solidFill>
-            </a:endParaRPr>
+            <a:endParaRPr lang="en-US" sz="1800"/>
           </a:p>
           <a:p>
             <a:pPr>
@@ -7062,16 +7197,12 @@
             <a:r>
               <a:rPr lang="en-US" sz="1800">
                 <a:solidFill>
-                  <a:srgbClr val="D0D1D9"/>
+                  <a:srgbClr val="22E298"/>
                 </a:solidFill>
               </a:rPr>
               <a:t>Implementierung</a:t>
             </a:r>
-            <a:endParaRPr sz="1800">
-              <a:solidFill>
-                <a:srgbClr val="D0D1D9"/>
-              </a:solidFill>
-            </a:endParaRPr>
+            <a:endParaRPr lang="en-US" sz="1800"/>
           </a:p>
           <a:p>
             <a:pPr>
@@ -7081,40 +7212,24 @@
               <a:defRPr/>
             </a:pPr>
             <a:r>
-              <a:rPr lang="en-US" sz="1800">
-                <a:solidFill>
-                  <a:srgbClr val="22E298"/>
-                </a:solidFill>
-              </a:rPr>
+              <a:rPr lang="en-US" sz="1800"/>
               <a:t>Fazit</a:t>
             </a:r>
             <a:r>
-              <a:rPr lang="en-US" sz="1800">
-                <a:solidFill>
-                  <a:srgbClr val="22E298"/>
-                </a:solidFill>
-              </a:rPr>
+              <a:rPr lang="en-US" sz="1800"/>
               <a:t> und </a:t>
             </a:r>
             <a:r>
-              <a:rPr lang="en-US" sz="1800">
-                <a:solidFill>
-                  <a:srgbClr val="22E298"/>
-                </a:solidFill>
-              </a:rPr>
+              <a:rPr lang="en-US" sz="1800"/>
               <a:t>Ausblick</a:t>
             </a:r>
-            <a:endParaRPr sz="1800">
-              <a:solidFill>
-                <a:srgbClr val="22E298"/>
-              </a:solidFill>
-            </a:endParaRPr>
-          </a:p>
-        </p:txBody>
-      </p:sp>
-      <p:sp>
-        <p:nvSpPr>
-          <p:cNvPr id="847358779" name="Fußzeilenplatzhalter 1" hidden="0"/>
+            <a:endParaRPr lang="en-US" sz="1800"/>
+          </a:p>
+        </p:txBody>
+      </p:sp>
+      <p:sp>
+        <p:nvSpPr>
+          <p:cNvPr id="1199490996" name="Fußzeilenplatzhalter 1" hidden="0"/>
           <p:cNvSpPr>
             <a:spLocks noGrp="1"/>
           </p:cNvSpPr>
@@ -7155,6 +7270,259 @@
 </file>
 
 <file path=ppt/slides/slide12.xml><?xml version="1.0" encoding="utf-8"?>
+<p:sld xmlns:a="http://schemas.openxmlformats.org/drawingml/2006/main" xmlns:r="http://schemas.openxmlformats.org/officeDocument/2006/relationships" xmlns:p="http://schemas.openxmlformats.org/presentationml/2006/main" xmlns:m="http://schemas.openxmlformats.org/officeDocument/2006/math" xmlns:w="http://schemas.openxmlformats.org/wordprocessingml/2006/main" showMasterPhAnim="0" show="1">
+  <p:cSld name="">
+    <p:spTree>
+      <p:nvGrpSpPr>
+        <p:cNvPr id="1" name="" hidden="0"/>
+        <p:cNvGrpSpPr/>
+        <p:nvPr isPhoto="0" userDrawn="0"/>
+      </p:nvGrpSpPr>
+      <p:grpSpPr bwMode="auto">
+        <a:xfrm>
+          <a:off x="0" y="0"/>
+          <a:ext cx="0" cy="0"/>
+          <a:chOff x="0" y="0"/>
+          <a:chExt cx="0" cy="0"/>
+        </a:xfrm>
+      </p:grpSpPr>
+      <p:sp>
+        <p:nvSpPr>
+          <p:cNvPr id="812698438" name="Title 18" hidden="0"/>
+          <p:cNvSpPr>
+            <a:spLocks noGrp="1"/>
+          </p:cNvSpPr>
+          <p:nvPr isPhoto="0" userDrawn="0">
+            <p:ph type="title" hasCustomPrompt="0"/>
+          </p:nvPr>
+        </p:nvSpPr>
+        <p:spPr bwMode="auto"/>
+        <p:txBody>
+          <a:bodyPr/>
+          <a:lstStyle/>
+          <a:p>
+            <a:pPr>
+              <a:defRPr/>
+            </a:pPr>
+            <a:r>
+              <a:rPr lang="en-US">
+                <a:solidFill>
+                  <a:schemeClr val="tx1"/>
+                </a:solidFill>
+              </a:rPr>
+              <a:t>Inhalt</a:t>
+            </a:r>
+            <a:endParaRPr lang="en-US">
+              <a:solidFill>
+                <a:schemeClr val="tx1"/>
+              </a:solidFill>
+            </a:endParaRPr>
+          </a:p>
+        </p:txBody>
+      </p:sp>
+      <p:sp>
+        <p:nvSpPr>
+          <p:cNvPr id="959296412" name="Content Placeholder 16" hidden="0"/>
+          <p:cNvSpPr>
+            <a:spLocks noGrp="1"/>
+          </p:cNvSpPr>
+          <p:nvPr isPhoto="0" userDrawn="0">
+            <p:ph sz="half" idx="2" hasCustomPrompt="0"/>
+          </p:nvPr>
+        </p:nvSpPr>
+        <p:spPr bwMode="auto"/>
+        <p:txBody>
+          <a:bodyPr>
+            <a:normAutofit/>
+          </a:bodyPr>
+          <a:lstStyle/>
+          <a:p>
+            <a:pPr>
+              <a:lnSpc>
+                <a:spcPct val="150000"/>
+              </a:lnSpc>
+              <a:defRPr/>
+            </a:pPr>
+            <a:r>
+              <a:rPr lang="en-US" sz="1800">
+                <a:solidFill>
+                  <a:srgbClr val="D0D1D9"/>
+                </a:solidFill>
+              </a:rPr>
+              <a:t>Vorstellung</a:t>
+            </a:r>
+            <a:endParaRPr lang="en-US" sz="1800">
+              <a:solidFill>
+                <a:srgbClr val="D0D1D9"/>
+              </a:solidFill>
+            </a:endParaRPr>
+          </a:p>
+          <a:p>
+            <a:pPr>
+              <a:lnSpc>
+                <a:spcPct val="150000"/>
+              </a:lnSpc>
+              <a:defRPr/>
+            </a:pPr>
+            <a:r>
+              <a:rPr lang="en-US" sz="1800">
+                <a:solidFill>
+                  <a:srgbClr val="D0D1D9"/>
+                </a:solidFill>
+              </a:rPr>
+              <a:t>Thematik</a:t>
+            </a:r>
+            <a:endParaRPr lang="en-US" sz="1800">
+              <a:solidFill>
+                <a:srgbClr val="D0D1D9"/>
+              </a:solidFill>
+            </a:endParaRPr>
+          </a:p>
+          <a:p>
+            <a:pPr>
+              <a:lnSpc>
+                <a:spcPct val="150000"/>
+              </a:lnSpc>
+              <a:defRPr/>
+            </a:pPr>
+            <a:r>
+              <a:rPr lang="en-US" sz="1800">
+                <a:solidFill>
+                  <a:srgbClr val="D0D1D9"/>
+                </a:solidFill>
+              </a:rPr>
+              <a:t>Analyse</a:t>
+            </a:r>
+            <a:endParaRPr lang="en-US" sz="1800">
+              <a:solidFill>
+                <a:srgbClr val="22E298"/>
+              </a:solidFill>
+            </a:endParaRPr>
+          </a:p>
+          <a:p>
+            <a:pPr>
+              <a:lnSpc>
+                <a:spcPct val="150000"/>
+              </a:lnSpc>
+              <a:defRPr/>
+            </a:pPr>
+            <a:r>
+              <a:rPr lang="en-US" sz="1800">
+                <a:solidFill>
+                  <a:srgbClr val="D0D1D9"/>
+                </a:solidFill>
+              </a:rPr>
+              <a:t>Entwurf</a:t>
+            </a:r>
+            <a:endParaRPr sz="1800">
+              <a:solidFill>
+                <a:srgbClr val="D0D1D9"/>
+              </a:solidFill>
+            </a:endParaRPr>
+          </a:p>
+          <a:p>
+            <a:pPr>
+              <a:lnSpc>
+                <a:spcPct val="150000"/>
+              </a:lnSpc>
+              <a:defRPr/>
+            </a:pPr>
+            <a:r>
+              <a:rPr lang="en-US" sz="1800">
+                <a:solidFill>
+                  <a:srgbClr val="D0D1D9"/>
+                </a:solidFill>
+              </a:rPr>
+              <a:t>Implementierung</a:t>
+            </a:r>
+            <a:endParaRPr sz="1800">
+              <a:solidFill>
+                <a:srgbClr val="D0D1D9"/>
+              </a:solidFill>
+            </a:endParaRPr>
+          </a:p>
+          <a:p>
+            <a:pPr>
+              <a:lnSpc>
+                <a:spcPct val="150000"/>
+              </a:lnSpc>
+              <a:defRPr/>
+            </a:pPr>
+            <a:r>
+              <a:rPr lang="en-US" sz="1800">
+                <a:solidFill>
+                  <a:srgbClr val="22E298"/>
+                </a:solidFill>
+              </a:rPr>
+              <a:t>Fazit</a:t>
+            </a:r>
+            <a:r>
+              <a:rPr lang="en-US" sz="1800">
+                <a:solidFill>
+                  <a:srgbClr val="22E298"/>
+                </a:solidFill>
+              </a:rPr>
+              <a:t> und </a:t>
+            </a:r>
+            <a:r>
+              <a:rPr lang="en-US" sz="1800">
+                <a:solidFill>
+                  <a:srgbClr val="22E298"/>
+                </a:solidFill>
+              </a:rPr>
+              <a:t>Ausblick</a:t>
+            </a:r>
+            <a:endParaRPr sz="1800">
+              <a:solidFill>
+                <a:srgbClr val="22E298"/>
+              </a:solidFill>
+            </a:endParaRPr>
+          </a:p>
+        </p:txBody>
+      </p:sp>
+      <p:sp>
+        <p:nvSpPr>
+          <p:cNvPr id="847358779" name="Fußzeilenplatzhalter 1" hidden="0"/>
+          <p:cNvSpPr>
+            <a:spLocks noGrp="1"/>
+          </p:cNvSpPr>
+          <p:nvPr isPhoto="0" userDrawn="0">
+            <p:ph type="ftr" sz="quarter" idx="3" hasCustomPrompt="0"/>
+          </p:nvPr>
+        </p:nvSpPr>
+        <p:spPr bwMode="auto"/>
+        <p:txBody>
+          <a:bodyPr/>
+          <a:lstStyle/>
+          <a:p>
+            <a:pPr>
+              <a:defRPr/>
+            </a:pPr>
+            <a:r>
+              <a:rPr lang="en-US"/>
+              <a:t>Control Center – zwei komponenten Monitoring Tool</a:t>
+            </a:r>
+            <a:endParaRPr lang="en-US"/>
+          </a:p>
+        </p:txBody>
+      </p:sp>
+    </p:spTree>
+  </p:cSld>
+  <p:clrMapOvr>
+    <a:masterClrMapping/>
+  </p:clrMapOvr>
+  <mc:AlternateContent xmlns:mc="http://schemas.openxmlformats.org/markup-compatibility/2006">
+    <mc:Choice xmlns:p14="http://schemas.microsoft.com/office/powerpoint/2010/main" Requires="p14">
+      <p:transition p14:dur="2000" advClick="1"/>
+    </mc:Choice>
+    <mc:Fallback>
+      <p:transition advClick="1"/>
+    </mc:Fallback>
+  </mc:AlternateContent>
+</p:sld>
+</file>
+
+<file path=ppt/slides/slide13.xml><?xml version="1.0" encoding="utf-8"?>
 <p:sld xmlns:a="http://schemas.openxmlformats.org/drawingml/2006/main" xmlns:r="http://schemas.openxmlformats.org/officeDocument/2006/relationships" xmlns:p="http://schemas.openxmlformats.org/presentationml/2006/main" xmlns:m="http://schemas.openxmlformats.org/officeDocument/2006/math" xmlns:w="http://schemas.openxmlformats.org/wordprocessingml/2006/main" showMasterPhAnim="0" show="1">
   <p:cSld name="">
     <p:bg>
@@ -7313,7 +7681,7 @@
 </p:sld>
 </file>
 
-<file path=ppt/slides/slide13.xml><?xml version="1.0" encoding="utf-8"?>
+<file path=ppt/slides/slide14.xml><?xml version="1.0" encoding="utf-8"?>
 <p:sld xmlns:a="http://schemas.openxmlformats.org/drawingml/2006/main" xmlns:r="http://schemas.openxmlformats.org/officeDocument/2006/relationships" xmlns:p="http://schemas.openxmlformats.org/presentationml/2006/main" xmlns:m="http://schemas.openxmlformats.org/officeDocument/2006/math" xmlns:w="http://schemas.openxmlformats.org/wordprocessingml/2006/main" showMasterPhAnim="0" show="1">
   <p:cSld name="">
     <p:spTree>
@@ -7435,7 +7803,7 @@
 </p:sld>
 </file>
 
-<file path=ppt/slides/slide14.xml><?xml version="1.0" encoding="utf-8"?>
+<file path=ppt/slides/slide15.xml><?xml version="1.0" encoding="utf-8"?>
 <p:sld xmlns:a="http://schemas.openxmlformats.org/drawingml/2006/main" xmlns:r="http://schemas.openxmlformats.org/officeDocument/2006/relationships" xmlns:p="http://schemas.openxmlformats.org/presentationml/2006/main" xmlns:m="http://schemas.openxmlformats.org/officeDocument/2006/math" xmlns:w="http://schemas.openxmlformats.org/wordprocessingml/2006/main" showMasterPhAnim="0" show="1">
   <p:cSld name="">
     <p:bg>
@@ -7681,7 +8049,7 @@
 </p:sld>
 </file>
 
-<file path=ppt/slides/slide15.xml><?xml version="1.0" encoding="utf-8"?>
+<file path=ppt/slides/slide16.xml><?xml version="1.0" encoding="utf-8"?>
 <p:sld xmlns:a="http://schemas.openxmlformats.org/drawingml/2006/main" xmlns:r="http://schemas.openxmlformats.org/officeDocument/2006/relationships" xmlns:p="http://schemas.openxmlformats.org/presentationml/2006/main" xmlns:m="http://schemas.openxmlformats.org/officeDocument/2006/math" xmlns:w="http://schemas.openxmlformats.org/wordprocessingml/2006/main" showMasterPhAnim="0" show="1">
   <p:cSld name="">
     <p:spTree>
@@ -7982,7 +8350,7 @@
 </p:sld>
 </file>
 
-<file path=ppt/slides/slide16.xml><?xml version="1.0" encoding="utf-8"?>
+<file path=ppt/slides/slide17.xml><?xml version="1.0" encoding="utf-8"?>
 <p:sld xmlns:a="http://schemas.openxmlformats.org/drawingml/2006/main" xmlns:r="http://schemas.openxmlformats.org/officeDocument/2006/relationships" xmlns:p="http://schemas.openxmlformats.org/presentationml/2006/main" xmlns:m="http://schemas.openxmlformats.org/officeDocument/2006/math" xmlns:w="http://schemas.openxmlformats.org/wordprocessingml/2006/main" showMasterPhAnim="0" show="1">
   <p:cSld name="">
     <p:spTree>
@@ -8891,20 +9259,15 @@
       </p:grpSpPr>
       <p:sp>
         <p:nvSpPr>
-          <p:cNvPr id="9" name="Title 8" hidden="0"/>
-          <p:cNvSpPr>
-            <a:spLocks noGrp="1"/>
-          </p:cNvSpPr>
-          <p:nvPr isPhoto="0" userDrawn="0">
-            <p:ph type="title" hasCustomPrompt="0"/>
-          </p:nvPr>
-        </p:nvSpPr>
-        <p:spPr bwMode="auto">
-          <a:xfrm>
-            <a:off x="822960" y="1564403"/>
-            <a:ext cx="7543800" cy="966977"/>
-          </a:xfrm>
-        </p:spPr>
+          <p:cNvPr id="403032716" name="Fußzeilenplatzhalter 2" hidden="0"/>
+          <p:cNvSpPr>
+            <a:spLocks noGrp="1"/>
+          </p:cNvSpPr>
+          <p:nvPr isPhoto="0" userDrawn="0">
+            <p:ph type="ftr" sz="quarter" idx="3" hasCustomPrompt="0"/>
+          </p:nvPr>
+        </p:nvSpPr>
+        <p:spPr bwMode="auto"/>
         <p:txBody>
           <a:bodyPr/>
           <a:lstStyle/>
@@ -8914,7 +9277,7 @@
             </a:pPr>
             <a:r>
               <a:rPr lang="en-US"/>
-              <a:t>Thematik</a:t>
+              <a:t>Control Center – zwei komponenten Monitoring Tool</a:t>
             </a:r>
             <a:endParaRPr lang="en-US"/>
           </a:p>
@@ -8922,115 +9285,12 @@
       </p:sp>
       <p:sp>
         <p:nvSpPr>
-          <p:cNvPr id="19" name="Text Placeholder 18" hidden="0"/>
-          <p:cNvSpPr>
-            <a:spLocks noGrp="1"/>
-          </p:cNvSpPr>
-          <p:nvPr isPhoto="0" userDrawn="0">
-            <p:ph type="body" sz="half" idx="2" hasCustomPrompt="0"/>
-          </p:nvPr>
-        </p:nvSpPr>
-        <p:spPr bwMode="auto">
-          <a:xfrm>
-            <a:off x="822960" y="4426480"/>
-            <a:ext cx="2189560" cy="583534"/>
-          </a:xfrm>
-        </p:spPr>
-        <p:txBody>
-          <a:bodyPr>
-            <a:normAutofit/>
-          </a:bodyPr>
-          <a:lstStyle/>
-          <a:p>
-            <a:pPr>
-              <a:defRPr/>
-            </a:pPr>
-            <a:r>
-              <a:rPr lang="en-US" sz="1800"/>
-              <a:t>Kompliziert</a:t>
-            </a:r>
-            <a:endParaRPr lang="en-US" sz="1800"/>
-          </a:p>
-        </p:txBody>
-      </p:sp>
-      <p:sp>
-        <p:nvSpPr>
-          <p:cNvPr id="23" name="Text Placeholder 22" hidden="0"/>
-          <p:cNvSpPr>
-            <a:spLocks noGrp="1"/>
-          </p:cNvSpPr>
-          <p:nvPr isPhoto="0" userDrawn="0">
-            <p:ph type="body" sz="half" idx="16" hasCustomPrompt="0"/>
-          </p:nvPr>
-        </p:nvSpPr>
-        <p:spPr bwMode="auto">
-          <a:xfrm>
-            <a:off x="3500080" y="4426480"/>
-            <a:ext cx="2189560" cy="583534"/>
-          </a:xfrm>
-        </p:spPr>
-        <p:txBody>
-          <a:bodyPr>
-            <a:normAutofit/>
-          </a:bodyPr>
-          <a:lstStyle/>
-          <a:p>
-            <a:pPr>
-              <a:defRPr/>
-            </a:pPr>
-            <a:r>
-              <a:rPr lang="en-US" sz="1800"/>
-              <a:t>Unvollständig</a:t>
-            </a:r>
-            <a:endParaRPr lang="en-US" sz="1800"/>
-          </a:p>
-        </p:txBody>
-      </p:sp>
-      <p:sp>
-        <p:nvSpPr>
-          <p:cNvPr id="24" name="Text Placeholder 23" hidden="0"/>
-          <p:cNvSpPr>
-            <a:spLocks noGrp="1"/>
-          </p:cNvSpPr>
-          <p:nvPr isPhoto="0" userDrawn="0">
-            <p:ph type="body" sz="half" idx="17" hasCustomPrompt="0"/>
-          </p:nvPr>
-        </p:nvSpPr>
-        <p:spPr bwMode="auto">
-          <a:xfrm>
-            <a:off x="6177200" y="4426480"/>
-            <a:ext cx="2189560" cy="583534"/>
-          </a:xfrm>
-        </p:spPr>
-        <p:txBody>
-          <a:bodyPr>
-            <a:normAutofit/>
-          </a:bodyPr>
-          <a:lstStyle/>
-          <a:p>
-            <a:pPr>
-              <a:defRPr/>
-            </a:pPr>
-            <a:r>
-              <a:rPr lang="en-US" sz="1800"/>
-              <a:t>DSGVO </a:t>
-            </a:r>
-            <a:r>
-              <a:rPr lang="en-US" sz="1800"/>
-              <a:t>Konform</a:t>
-            </a:r>
-            <a:endParaRPr lang="en-US" sz="1800"/>
-          </a:p>
-        </p:txBody>
-      </p:sp>
-      <p:sp>
-        <p:nvSpPr>
-          <p:cNvPr id="2" name="Fußzeilenplatzhalter 1" hidden="0"/>
-          <p:cNvSpPr>
-            <a:spLocks noGrp="1"/>
-          </p:cNvSpPr>
-          <p:nvPr isPhoto="0" userDrawn="0">
-            <p:ph type="ftr" sz="quarter" idx="3" hasCustomPrompt="0"/>
+          <p:cNvPr id="728445948" name="Foliennummernplatzhalter 3" hidden="0"/>
+          <p:cNvSpPr>
+            <a:spLocks noGrp="1"/>
+          </p:cNvSpPr>
+          <p:nvPr isPhoto="0" userDrawn="0">
+            <p:ph type="sldNum" sz="quarter" idx="4" hasCustomPrompt="0"/>
           </p:nvPr>
         </p:nvSpPr>
         <p:spPr bwMode="auto"/>
@@ -9041,33 +9301,7 @@
             <a:pPr>
               <a:defRPr/>
             </a:pPr>
-            <a:r>
-              <a:rPr lang="en-US"/>
-              <a:t>Control Center – zwei komponenten Monitoring Tool</a:t>
-            </a:r>
-            <a:endParaRPr lang="en-US"/>
-          </a:p>
-        </p:txBody>
-      </p:sp>
-      <p:sp>
-        <p:nvSpPr>
-          <p:cNvPr id="4" name="Foliennummernplatzhalter 3" hidden="0"/>
-          <p:cNvSpPr>
-            <a:spLocks noGrp="1"/>
-          </p:cNvSpPr>
-          <p:nvPr isPhoto="0" userDrawn="0">
-            <p:ph type="sldNum" sz="quarter" idx="4" hasCustomPrompt="0"/>
-          </p:nvPr>
-        </p:nvSpPr>
-        <p:spPr bwMode="auto"/>
-        <p:txBody>
-          <a:bodyPr/>
-          <a:lstStyle/>
-          <a:p>
-            <a:pPr>
-              <a:defRPr/>
-            </a:pPr>
-            <a:fld id="{3A98EE3D-8CD1-4C3F-BD1C-C98C9596463C}" type="slidenum">
+            <a:fld id="{B2B4E8D7-C268-AC94-A460-735CDF9A87A9}" type="slidenum">
               <a:rPr lang="en-US"/>
               <a:t/>
             </a:fld>
@@ -9077,12 +9311,12 @@
       </p:sp>
       <p:sp>
         <p:nvSpPr>
-          <p:cNvPr id="6" name="Datumsplatzhalter 5" hidden="0"/>
-          <p:cNvSpPr>
-            <a:spLocks noGrp="1"/>
-          </p:cNvSpPr>
-          <p:nvPr isPhoto="0" userDrawn="0">
-            <p:ph type="dt" sz="half" idx="18" hasCustomPrompt="0"/>
+          <p:cNvPr id="102687658" name="Datumsplatzhalter 4" hidden="0"/>
+          <p:cNvSpPr>
+            <a:spLocks noGrp="1"/>
+          </p:cNvSpPr>
+          <p:nvPr isPhoto="0" userDrawn="0">
+            <p:ph type="dt" sz="half" idx="10" hasCustomPrompt="0"/>
           </p:nvPr>
         </p:nvSpPr>
         <p:spPr bwMode="auto"/>
@@ -9103,64 +9337,20 @@
       </p:sp>
       <p:pic>
         <p:nvPicPr>
-          <p:cNvPr id="25" name="Grafik 24" hidden="0"/>
+          <p:cNvPr id="1076115293" name="" hidden="0"/>
           <p:cNvPicPr>
             <a:picLocks noChangeAspect="1"/>
           </p:cNvPicPr>
           <p:nvPr isPhoto="0" userDrawn="0"/>
         </p:nvPicPr>
         <p:blipFill>
-          <a:blip r:embed="rId3"/>
+          <a:blip r:embed="rId2"/>
           <a:stretch/>
         </p:blipFill>
         <p:spPr bwMode="auto">
           <a:xfrm>
-            <a:off x="6622112" y="2974946"/>
-            <a:ext cx="1299736" cy="1299736"/>
-          </a:xfrm>
-          <a:prstGeom prst="rect">
-            <a:avLst/>
-          </a:prstGeom>
-        </p:spPr>
-      </p:pic>
-      <p:pic>
-        <p:nvPicPr>
-          <p:cNvPr id="27" name="Grafik 26" hidden="0"/>
-          <p:cNvPicPr>
-            <a:picLocks noChangeAspect="1"/>
-          </p:cNvPicPr>
-          <p:nvPr isPhoto="0" userDrawn="0"/>
-        </p:nvPicPr>
-        <p:blipFill>
-          <a:blip r:embed="rId4"/>
-          <a:stretch/>
-        </p:blipFill>
-        <p:spPr bwMode="auto">
-          <a:xfrm>
-            <a:off x="1349104" y="2974946"/>
-            <a:ext cx="1137269" cy="1299736"/>
-          </a:xfrm>
-          <a:prstGeom prst="rect">
-            <a:avLst/>
-          </a:prstGeom>
-        </p:spPr>
-      </p:pic>
-      <p:pic>
-        <p:nvPicPr>
-          <p:cNvPr id="29" name="Grafik 28" hidden="0"/>
-          <p:cNvPicPr>
-            <a:picLocks noChangeAspect="1"/>
-          </p:cNvPicPr>
-          <p:nvPr isPhoto="0" userDrawn="0"/>
-        </p:nvPicPr>
-        <p:blipFill>
-          <a:blip r:embed="rId5"/>
-          <a:stretch/>
-        </p:blipFill>
-        <p:spPr bwMode="auto">
-          <a:xfrm>
-            <a:off x="3904375" y="2974946"/>
-            <a:ext cx="1299736" cy="1299736"/>
+            <a:off x="1138237" y="1281112"/>
+            <a:ext cx="6867524" cy="4295774"/>
           </a:xfrm>
           <a:prstGeom prst="rect">
             <a:avLst/>
@@ -9253,11 +9443,7 @@
             </a:pPr>
             <a:r>
               <a:rPr lang="en-US"/>
-              <a:t>Control Center – zwei</a:t>
-            </a:r>
-            <a:r>
-              <a:rPr lang="en-US"/>
-              <a:t> komponenten Monitoring Tool</a:t>
+              <a:t>Control Center – zwei komponenten Monitoring Tool</a:t>
             </a:r>
             <a:endParaRPr lang="en-US"/>
           </a:p>
@@ -9291,506 +9477,14 @@
       </p:sp>
       <p:sp>
         <p:nvSpPr>
-          <p:cNvPr id="7" name="Title 8" hidden="0"/>
-          <p:cNvSpPr>
-            <a:spLocks noGrp="1"/>
-          </p:cNvSpPr>
-          <p:nvPr isPhoto="0" userDrawn="0">
-            <p:ph type="title" hasCustomPrompt="0"/>
-          </p:nvPr>
-        </p:nvSpPr>
-        <p:spPr bwMode="auto">
-          <a:xfrm>
-            <a:off x="822960" y="1564403"/>
-            <a:ext cx="7543800" cy="966977"/>
-          </a:xfrm>
-        </p:spPr>
-        <p:txBody>
-          <a:bodyPr/>
-          <a:lstStyle/>
-          <a:p>
-            <a:pPr>
-              <a:defRPr/>
-            </a:pPr>
-            <a:r>
-              <a:rPr lang="en-US"/>
-              <a:t>Thematik</a:t>
-            </a:r>
-            <a:endParaRPr lang="en-US"/>
-          </a:p>
-        </p:txBody>
-      </p:sp>
-      <p:pic>
-        <p:nvPicPr>
-          <p:cNvPr id="11" name="Grafik 10" hidden="0"/>
-          <p:cNvPicPr>
-            <a:picLocks noChangeAspect="1"/>
-          </p:cNvPicPr>
-          <p:nvPr isPhoto="0" userDrawn="0"/>
-        </p:nvPicPr>
-        <p:blipFill>
-          <a:blip r:embed="rId3"/>
-          <a:stretch/>
-        </p:blipFill>
-        <p:spPr bwMode="auto">
-          <a:xfrm>
-            <a:off x="6622112" y="2974946"/>
-            <a:ext cx="1299736" cy="1299736"/>
-          </a:xfrm>
-          <a:prstGeom prst="rect">
-            <a:avLst/>
-          </a:prstGeom>
-        </p:spPr>
-      </p:pic>
-      <p:pic>
-        <p:nvPicPr>
-          <p:cNvPr id="12" name="Grafik 11" hidden="0"/>
-          <p:cNvPicPr>
-            <a:picLocks noChangeAspect="1"/>
-          </p:cNvPicPr>
-          <p:nvPr isPhoto="0" userDrawn="0"/>
-        </p:nvPicPr>
-        <p:blipFill>
-          <a:blip r:embed="rId4"/>
-          <a:stretch/>
-        </p:blipFill>
-        <p:spPr bwMode="auto">
-          <a:xfrm>
-            <a:off x="1222152" y="2974948"/>
-            <a:ext cx="1299735" cy="1299735"/>
-          </a:xfrm>
-          <a:prstGeom prst="rect">
-            <a:avLst/>
-          </a:prstGeom>
-        </p:spPr>
-      </p:pic>
-      <p:pic>
-        <p:nvPicPr>
-          <p:cNvPr id="13" name="Grafik 12" hidden="0"/>
-          <p:cNvPicPr>
-            <a:picLocks noChangeAspect="1"/>
-          </p:cNvPicPr>
-          <p:nvPr isPhoto="0" userDrawn="0"/>
-        </p:nvPicPr>
-        <p:blipFill>
-          <a:blip r:embed="rId5"/>
-          <a:stretch/>
-        </p:blipFill>
-        <p:spPr bwMode="auto">
-          <a:xfrm>
-            <a:off x="3922132" y="2974946"/>
-            <a:ext cx="1299735" cy="1299735"/>
-          </a:xfrm>
-          <a:prstGeom prst="rect">
-            <a:avLst/>
-          </a:prstGeom>
-        </p:spPr>
-      </p:pic>
-      <p:sp>
-        <p:nvSpPr>
-          <p:cNvPr id="14" name="Text Placeholder 18" hidden="0"/>
-          <p:cNvSpPr txBox="1"/>
-          <p:nvPr isPhoto="0" userDrawn="0"/>
-        </p:nvSpPr>
-        <p:spPr bwMode="auto">
-          <a:xfrm>
-            <a:off x="777239" y="4426480"/>
-            <a:ext cx="2189560" cy="583534"/>
-          </a:xfrm>
-          <a:prstGeom prst="rect">
-            <a:avLst/>
-          </a:prstGeom>
-        </p:spPr>
-        <p:txBody>
-          <a:bodyPr vert="horz" lIns="91440" tIns="45720" rIns="91440" bIns="45720" rtlCol="0" anchor="ctr">
-            <a:normAutofit/>
-          </a:bodyPr>
-          <a:lstStyle>
-            <a:defPPr>
-              <a:defRPr lang="en-US"/>
-            </a:defPPr>
-            <a:lvl1pPr marL="0" algn="r" defTabSz="914400">
-              <a:defRPr sz="700">
-                <a:solidFill>
-                  <a:srgbClr val="191919"/>
-                </a:solidFill>
-                <a:latin typeface="Nunito"/>
-                <a:ea typeface="+mn-ea"/>
-                <a:cs typeface="+mn-cs"/>
-              </a:defRPr>
-            </a:lvl1pPr>
-            <a:lvl2pPr marL="457200" algn="l" defTabSz="914400">
-              <a:defRPr sz="1800">
-                <a:solidFill>
-                  <a:schemeClr val="tx1"/>
-                </a:solidFill>
-                <a:latin typeface="+mn-lt"/>
-                <a:ea typeface="+mn-ea"/>
-                <a:cs typeface="+mn-cs"/>
-              </a:defRPr>
-            </a:lvl2pPr>
-            <a:lvl3pPr marL="914400" algn="l" defTabSz="914400">
-              <a:defRPr sz="1800">
-                <a:solidFill>
-                  <a:schemeClr val="tx1"/>
-                </a:solidFill>
-                <a:latin typeface="+mn-lt"/>
-                <a:ea typeface="+mn-ea"/>
-                <a:cs typeface="+mn-cs"/>
-              </a:defRPr>
-            </a:lvl3pPr>
-            <a:lvl4pPr marL="1371600" algn="l" defTabSz="914400">
-              <a:defRPr sz="1800">
-                <a:solidFill>
-                  <a:schemeClr val="tx1"/>
-                </a:solidFill>
-                <a:latin typeface="+mn-lt"/>
-                <a:ea typeface="+mn-ea"/>
-                <a:cs typeface="+mn-cs"/>
-              </a:defRPr>
-            </a:lvl4pPr>
-            <a:lvl5pPr marL="1828800" algn="l" defTabSz="914400">
-              <a:defRPr sz="1800">
-                <a:solidFill>
-                  <a:schemeClr val="tx1"/>
-                </a:solidFill>
-                <a:latin typeface="+mn-lt"/>
-                <a:ea typeface="+mn-ea"/>
-                <a:cs typeface="+mn-cs"/>
-              </a:defRPr>
-            </a:lvl5pPr>
-            <a:lvl6pPr marL="2286000" algn="l" defTabSz="914400">
-              <a:defRPr sz="1800">
-                <a:solidFill>
-                  <a:schemeClr val="tx1"/>
-                </a:solidFill>
-                <a:latin typeface="+mn-lt"/>
-                <a:ea typeface="+mn-ea"/>
-                <a:cs typeface="+mn-cs"/>
-              </a:defRPr>
-            </a:lvl6pPr>
-            <a:lvl7pPr marL="2743200" algn="l" defTabSz="914400">
-              <a:defRPr sz="1800">
-                <a:solidFill>
-                  <a:schemeClr val="tx1"/>
-                </a:solidFill>
-                <a:latin typeface="+mn-lt"/>
-                <a:ea typeface="+mn-ea"/>
-                <a:cs typeface="+mn-cs"/>
-              </a:defRPr>
-            </a:lvl7pPr>
-            <a:lvl8pPr marL="3200400" algn="l" defTabSz="914400">
-              <a:defRPr sz="1800">
-                <a:solidFill>
-                  <a:schemeClr val="tx1"/>
-                </a:solidFill>
-                <a:latin typeface="+mn-lt"/>
-                <a:ea typeface="+mn-ea"/>
-                <a:cs typeface="+mn-cs"/>
-              </a:defRPr>
-            </a:lvl8pPr>
-            <a:lvl9pPr marL="3657600" algn="l" defTabSz="914400">
-              <a:defRPr sz="1800">
-                <a:solidFill>
-                  <a:schemeClr val="tx1"/>
-                </a:solidFill>
-                <a:latin typeface="+mn-lt"/>
-                <a:ea typeface="+mn-ea"/>
-                <a:cs typeface="+mn-cs"/>
-              </a:defRPr>
-            </a:lvl9pPr>
-          </a:lstStyle>
-          <a:p>
-            <a:pPr algn="ctr">
-              <a:defRPr/>
-            </a:pPr>
-            <a:r>
-              <a:rPr lang="en-US" sz="1800"/>
-              <a:t>EINFACH</a:t>
-            </a:r>
-            <a:endParaRPr/>
-          </a:p>
-        </p:txBody>
-      </p:sp>
-      <p:sp>
-        <p:nvSpPr>
           <p:cNvPr id="15" name="Text Placeholder 22" hidden="0"/>
           <p:cNvSpPr txBox="1"/>
           <p:nvPr isPhoto="0" userDrawn="0"/>
         </p:nvSpPr>
         <p:spPr bwMode="auto">
           <a:xfrm>
-            <a:off x="3477219" y="4426480"/>
-            <a:ext cx="2189560" cy="583534"/>
-          </a:xfrm>
-          <a:prstGeom prst="rect">
-            <a:avLst/>
-          </a:prstGeom>
-        </p:spPr>
-        <p:txBody>
-          <a:bodyPr anchor="ctr">
-            <a:normAutofit/>
-          </a:bodyPr>
-          <a:lstStyle>
-            <a:lvl1pPr marL="68580" indent="-68580" algn="l" defTabSz="685800">
-              <a:lnSpc>
-                <a:spcPct val="100000"/>
-              </a:lnSpc>
-              <a:spcBef>
-                <a:spcPts val="900"/>
-              </a:spcBef>
-              <a:spcAft>
-                <a:spcPts val="150"/>
-              </a:spcAft>
-              <a:buClr>
-                <a:schemeClr val="accent1"/>
-              </a:buClr>
-              <a:buSzPct val="100000"/>
-              <a:buFont typeface="Calibri"/>
-              <a:buChar char=" "/>
-              <a:defRPr sz="1500">
-                <a:solidFill>
-                  <a:schemeClr val="tx1">
-                    <a:lumMod val="75000"/>
-                    <a:lumOff val="25000"/>
-                  </a:schemeClr>
-                </a:solidFill>
-                <a:latin typeface="Nunito"/>
-                <a:ea typeface="+mn-ea"/>
-                <a:cs typeface="+mn-cs"/>
-              </a:defRPr>
-            </a:lvl1pPr>
-            <a:lvl2pPr marL="288036" indent="-137160" algn="l" defTabSz="685800">
-              <a:lnSpc>
-                <a:spcPct val="100000"/>
-              </a:lnSpc>
-              <a:spcBef>
-                <a:spcPts val="150"/>
-              </a:spcBef>
-              <a:spcAft>
-                <a:spcPts val="300"/>
-              </a:spcAft>
-              <a:buClrTx/>
-              <a:buFont typeface="Calibri"/>
-              <a:buChar char="◦"/>
-              <a:defRPr sz="1350">
-                <a:solidFill>
-                  <a:schemeClr val="tx1">
-                    <a:lumMod val="75000"/>
-                    <a:lumOff val="25000"/>
-                  </a:schemeClr>
-                </a:solidFill>
-                <a:latin typeface="Nunito"/>
-                <a:ea typeface="+mn-ea"/>
-                <a:cs typeface="+mn-cs"/>
-              </a:defRPr>
-            </a:lvl2pPr>
-            <a:lvl3pPr marL="425196" indent="-137160" algn="l" defTabSz="685800">
-              <a:lnSpc>
-                <a:spcPct val="100000"/>
-              </a:lnSpc>
-              <a:spcBef>
-                <a:spcPts val="150"/>
-              </a:spcBef>
-              <a:spcAft>
-                <a:spcPts val="300"/>
-              </a:spcAft>
-              <a:buClrTx/>
-              <a:buFont typeface="Calibri"/>
-              <a:buChar char="◦"/>
-              <a:defRPr sz="1050">
-                <a:solidFill>
-                  <a:schemeClr val="tx1">
-                    <a:lumMod val="75000"/>
-                    <a:lumOff val="25000"/>
-                  </a:schemeClr>
-                </a:solidFill>
-                <a:latin typeface="Nunito"/>
-                <a:ea typeface="+mn-ea"/>
-                <a:cs typeface="+mn-cs"/>
-              </a:defRPr>
-            </a:lvl3pPr>
-            <a:lvl4pPr marL="562356" indent="-137160" algn="l" defTabSz="685800">
-              <a:lnSpc>
-                <a:spcPct val="100000"/>
-              </a:lnSpc>
-              <a:spcBef>
-                <a:spcPts val="150"/>
-              </a:spcBef>
-              <a:spcAft>
-                <a:spcPts val="300"/>
-              </a:spcAft>
-              <a:buClrTx/>
-              <a:buFont typeface="Calibri"/>
-              <a:buChar char="◦"/>
-              <a:defRPr sz="1050">
-                <a:solidFill>
-                  <a:schemeClr val="tx1">
-                    <a:lumMod val="75000"/>
-                    <a:lumOff val="25000"/>
-                  </a:schemeClr>
-                </a:solidFill>
-                <a:latin typeface="Nunito"/>
-                <a:ea typeface="+mn-ea"/>
-                <a:cs typeface="+mn-cs"/>
-              </a:defRPr>
-            </a:lvl4pPr>
-            <a:lvl5pPr marL="699516" indent="-137160" algn="l" defTabSz="685800">
-              <a:lnSpc>
-                <a:spcPct val="100000"/>
-              </a:lnSpc>
-              <a:spcBef>
-                <a:spcPts val="150"/>
-              </a:spcBef>
-              <a:spcAft>
-                <a:spcPts val="300"/>
-              </a:spcAft>
-              <a:buClrTx/>
-              <a:buFont typeface="Calibri"/>
-              <a:buChar char="◦"/>
-              <a:defRPr sz="1050">
-                <a:solidFill>
-                  <a:schemeClr val="tx1">
-                    <a:lumMod val="75000"/>
-                    <a:lumOff val="25000"/>
-                  </a:schemeClr>
-                </a:solidFill>
-                <a:latin typeface="Nunito"/>
-                <a:ea typeface="+mn-ea"/>
-                <a:cs typeface="+mn-cs"/>
-              </a:defRPr>
-            </a:lvl5pPr>
-            <a:lvl6pPr marL="825000" indent="-171450" algn="l" defTabSz="685800">
-              <a:lnSpc>
-                <a:spcPct val="90000"/>
-              </a:lnSpc>
-              <a:spcBef>
-                <a:spcPts val="150"/>
-              </a:spcBef>
-              <a:spcAft>
-                <a:spcPts val="300"/>
-              </a:spcAft>
-              <a:buClr>
-                <a:schemeClr val="accent1"/>
-              </a:buClr>
-              <a:buFont typeface="Calibri"/>
-              <a:buChar char="◦"/>
-              <a:defRPr sz="1050">
-                <a:solidFill>
-                  <a:schemeClr val="tx1">
-                    <a:lumMod val="75000"/>
-                    <a:lumOff val="25000"/>
-                  </a:schemeClr>
-                </a:solidFill>
-                <a:latin typeface="+mn-lt"/>
-                <a:ea typeface="+mn-ea"/>
-                <a:cs typeface="+mn-cs"/>
-              </a:defRPr>
-            </a:lvl6pPr>
-            <a:lvl7pPr marL="975000" indent="-171450" algn="l" defTabSz="685800">
-              <a:lnSpc>
-                <a:spcPct val="90000"/>
-              </a:lnSpc>
-              <a:spcBef>
-                <a:spcPts val="150"/>
-              </a:spcBef>
-              <a:spcAft>
-                <a:spcPts val="300"/>
-              </a:spcAft>
-              <a:buClr>
-                <a:schemeClr val="accent1"/>
-              </a:buClr>
-              <a:buFont typeface="Calibri"/>
-              <a:buChar char="◦"/>
-              <a:defRPr sz="1050">
-                <a:solidFill>
-                  <a:schemeClr val="tx1">
-                    <a:lumMod val="75000"/>
-                    <a:lumOff val="25000"/>
-                  </a:schemeClr>
-                </a:solidFill>
-                <a:latin typeface="+mn-lt"/>
-                <a:ea typeface="+mn-ea"/>
-                <a:cs typeface="+mn-cs"/>
-              </a:defRPr>
-            </a:lvl7pPr>
-            <a:lvl8pPr marL="1125000" indent="-171450" algn="l" defTabSz="685800">
-              <a:lnSpc>
-                <a:spcPct val="90000"/>
-              </a:lnSpc>
-              <a:spcBef>
-                <a:spcPts val="150"/>
-              </a:spcBef>
-              <a:spcAft>
-                <a:spcPts val="300"/>
-              </a:spcAft>
-              <a:buClr>
-                <a:schemeClr val="accent1"/>
-              </a:buClr>
-              <a:buFont typeface="Calibri"/>
-              <a:buChar char="◦"/>
-              <a:defRPr sz="1050">
-                <a:solidFill>
-                  <a:schemeClr val="tx1">
-                    <a:lumMod val="75000"/>
-                    <a:lumOff val="25000"/>
-                  </a:schemeClr>
-                </a:solidFill>
-                <a:latin typeface="+mn-lt"/>
-                <a:ea typeface="+mn-ea"/>
-                <a:cs typeface="+mn-cs"/>
-              </a:defRPr>
-            </a:lvl8pPr>
-            <a:lvl9pPr marL="1275000" indent="-171450" algn="l" defTabSz="685800">
-              <a:lnSpc>
-                <a:spcPct val="90000"/>
-              </a:lnSpc>
-              <a:spcBef>
-                <a:spcPts val="150"/>
-              </a:spcBef>
-              <a:spcAft>
-                <a:spcPts val="300"/>
-              </a:spcAft>
-              <a:buClr>
-                <a:schemeClr val="accent1"/>
-              </a:buClr>
-              <a:buFont typeface="Calibri"/>
-              <a:buChar char="◦"/>
-              <a:defRPr sz="1050">
-                <a:solidFill>
-                  <a:schemeClr val="tx1">
-                    <a:lumMod val="75000"/>
-                    <a:lumOff val="25000"/>
-                  </a:schemeClr>
-                </a:solidFill>
-                <a:latin typeface="+mn-lt"/>
-                <a:ea typeface="+mn-ea"/>
-                <a:cs typeface="+mn-cs"/>
-              </a:defRPr>
-            </a:lvl9pPr>
-          </a:lstStyle>
-          <a:p>
-            <a:pPr algn="ctr">
-              <a:defRPr/>
-            </a:pPr>
-            <a:r>
-              <a:rPr lang="en-US" sz="1800"/>
-              <a:t>VOLLSTÄNDIG</a:t>
-            </a:r>
-            <a:endParaRPr/>
-          </a:p>
-        </p:txBody>
-      </p:sp>
-      <p:sp>
-        <p:nvSpPr>
-          <p:cNvPr id="16" name="Text Placeholder 23" hidden="0"/>
-          <p:cNvSpPr txBox="1"/>
-          <p:nvPr isPhoto="0" userDrawn="0"/>
-        </p:nvSpPr>
-        <p:spPr bwMode="auto">
-          <a:xfrm>
-            <a:off x="6136600" y="4426480"/>
-            <a:ext cx="2270760" cy="583534"/>
+            <a:off x="1484607" y="4081827"/>
+            <a:ext cx="6174781" cy="583534"/>
           </a:xfrm>
           <a:prstGeom prst="rect">
             <a:avLst/>
@@ -10043,13 +9737,35 @@
               <a:defRPr/>
             </a:pPr>
             <a:r>
-              <a:rPr lang="en-US" sz="1800"/>
-              <a:t>DSGVO KONFORM</a:t>
+              <a:rPr lang="en-US" sz="4500"/>
+              <a:t>CONTROL CENTER</a:t>
             </a:r>
             <a:endParaRPr/>
           </a:p>
         </p:txBody>
       </p:sp>
+      <p:pic>
+        <p:nvPicPr>
+          <p:cNvPr id="17" name="Grafik 16" hidden="0"/>
+          <p:cNvPicPr>
+            <a:picLocks noChangeAspect="1"/>
+          </p:cNvPicPr>
+          <p:nvPr isPhoto="0" userDrawn="0"/>
+        </p:nvPicPr>
+        <p:blipFill>
+          <a:blip r:embed="rId3"/>
+          <a:stretch/>
+        </p:blipFill>
+        <p:spPr bwMode="auto">
+          <a:xfrm>
+            <a:off x="3498574" y="2242772"/>
+            <a:ext cx="2146845" cy="1432655"/>
+          </a:xfrm>
+          <a:prstGeom prst="rect">
+            <a:avLst/>
+          </a:prstGeom>
+        </p:spPr>
+      </p:pic>
     </p:spTree>
   </p:cSld>
   <p:clrMapOvr>
@@ -10069,13 +9785,6 @@
 <file path=ppt/slides/slide7.xml><?xml version="1.0" encoding="utf-8"?>
 <p:sld xmlns:a="http://schemas.openxmlformats.org/drawingml/2006/main" xmlns:r="http://schemas.openxmlformats.org/officeDocument/2006/relationships" xmlns:p="http://schemas.openxmlformats.org/presentationml/2006/main" xmlns:m="http://schemas.openxmlformats.org/officeDocument/2006/math" xmlns:w="http://schemas.openxmlformats.org/wordprocessingml/2006/main" showMasterPhAnim="0" show="1">
   <p:cSld name="">
-    <p:bg>
-      <p:bgPr shadeToTitle="0">
-        <a:solidFill>
-          <a:srgbClr val="22E298"/>
-        </a:solidFill>
-      </p:bgPr>
-    </p:bg>
     <p:spTree>
       <p:nvGrpSpPr>
         <p:cNvPr id="1" name="" hidden="0"/>
@@ -10092,12 +9801,12 @@
       </p:grpSpPr>
       <p:sp>
         <p:nvSpPr>
-          <p:cNvPr id="4" name="Datumsplatzhalter 3" hidden="0"/>
-          <p:cNvSpPr>
-            <a:spLocks noGrp="1"/>
-          </p:cNvSpPr>
-          <p:nvPr isPhoto="0" userDrawn="0">
-            <p:ph type="dt" sz="half" idx="2" hasCustomPrompt="0"/>
+          <p:cNvPr id="19" name="Title 18" hidden="0"/>
+          <p:cNvSpPr>
+            <a:spLocks noGrp="1"/>
+          </p:cNvSpPr>
+          <p:nvPr isPhoto="0" userDrawn="0">
+            <p:ph type="title" hasCustomPrompt="0"/>
           </p:nvPr>
         </p:nvSpPr>
         <p:spPr bwMode="auto"/>
@@ -10109,16 +9818,152 @@
               <a:defRPr/>
             </a:pPr>
             <a:r>
-              <a:rPr lang="de-DE"/>
-              <a:t>Eduard Schwarzkopf </a:t>
-            </a:r>
-            <a:endParaRPr lang="en-US"/>
-          </a:p>
-        </p:txBody>
-      </p:sp>
-      <p:sp>
-        <p:nvSpPr>
-          <p:cNvPr id="5" name="Fußzeilenplatzhalter 4" hidden="0"/>
+              <a:rPr lang="en-US">
+                <a:solidFill>
+                  <a:schemeClr val="tx1"/>
+                </a:solidFill>
+              </a:rPr>
+              <a:t>Inhalt</a:t>
+            </a:r>
+            <a:endParaRPr lang="en-US">
+              <a:solidFill>
+                <a:schemeClr val="tx1"/>
+              </a:solidFill>
+            </a:endParaRPr>
+          </a:p>
+        </p:txBody>
+      </p:sp>
+      <p:sp>
+        <p:nvSpPr>
+          <p:cNvPr id="17" name="Content Placeholder 16" hidden="0"/>
+          <p:cNvSpPr>
+            <a:spLocks noGrp="1"/>
+          </p:cNvSpPr>
+          <p:nvPr isPhoto="0" userDrawn="0">
+            <p:ph sz="half" idx="2" hasCustomPrompt="0"/>
+          </p:nvPr>
+        </p:nvSpPr>
+        <p:spPr bwMode="auto"/>
+        <p:txBody>
+          <a:bodyPr>
+            <a:normAutofit/>
+          </a:bodyPr>
+          <a:lstStyle/>
+          <a:p>
+            <a:pPr>
+              <a:lnSpc>
+                <a:spcPct val="150000"/>
+              </a:lnSpc>
+              <a:defRPr/>
+            </a:pPr>
+            <a:r>
+              <a:rPr lang="en-US" sz="1800">
+                <a:solidFill>
+                  <a:srgbClr val="D0D1D9"/>
+                </a:solidFill>
+              </a:rPr>
+              <a:t>Vorstellung</a:t>
+            </a:r>
+            <a:endParaRPr lang="en-US" sz="1800">
+              <a:solidFill>
+                <a:srgbClr val="D0D1D9"/>
+              </a:solidFill>
+            </a:endParaRPr>
+          </a:p>
+          <a:p>
+            <a:pPr>
+              <a:lnSpc>
+                <a:spcPct val="150000"/>
+              </a:lnSpc>
+              <a:defRPr/>
+            </a:pPr>
+            <a:r>
+              <a:rPr lang="en-US" sz="1800">
+                <a:solidFill>
+                  <a:srgbClr val="D0D1D9"/>
+                </a:solidFill>
+              </a:rPr>
+              <a:t>Thematik</a:t>
+            </a:r>
+            <a:endParaRPr lang="en-US" sz="1800">
+              <a:solidFill>
+                <a:srgbClr val="D0D1D9"/>
+              </a:solidFill>
+            </a:endParaRPr>
+          </a:p>
+          <a:p>
+            <a:pPr>
+              <a:lnSpc>
+                <a:spcPct val="150000"/>
+              </a:lnSpc>
+              <a:defRPr/>
+            </a:pPr>
+            <a:r>
+              <a:rPr lang="en-US" sz="1800">
+                <a:solidFill>
+                  <a:srgbClr val="22E298"/>
+                </a:solidFill>
+              </a:rPr>
+              <a:t>Analyse</a:t>
+            </a:r>
+            <a:endParaRPr lang="en-US" sz="1800">
+              <a:solidFill>
+                <a:srgbClr val="22E298"/>
+              </a:solidFill>
+            </a:endParaRPr>
+          </a:p>
+          <a:p>
+            <a:pPr>
+              <a:lnSpc>
+                <a:spcPct val="150000"/>
+              </a:lnSpc>
+              <a:defRPr/>
+            </a:pPr>
+            <a:r>
+              <a:rPr lang="en-US" sz="1800"/>
+              <a:t>Entwurf</a:t>
+            </a:r>
+            <a:endParaRPr lang="en-US" sz="1800"/>
+          </a:p>
+          <a:p>
+            <a:pPr>
+              <a:lnSpc>
+                <a:spcPct val="150000"/>
+              </a:lnSpc>
+              <a:defRPr/>
+            </a:pPr>
+            <a:r>
+              <a:rPr lang="en-US" sz="1800"/>
+              <a:t>Implementierung</a:t>
+            </a:r>
+            <a:endParaRPr lang="en-US" sz="1800"/>
+          </a:p>
+          <a:p>
+            <a:pPr>
+              <a:lnSpc>
+                <a:spcPct val="150000"/>
+              </a:lnSpc>
+              <a:defRPr/>
+            </a:pPr>
+            <a:r>
+              <a:rPr lang="en-US" sz="1800"/>
+              <a:t>Fazit</a:t>
+            </a:r>
+            <a:r>
+              <a:rPr lang="en-US" sz="1800"/>
+              <a:t> und </a:t>
+            </a:r>
+            <a:r>
+              <a:rPr lang="en-US" sz="1800"/>
+              <a:t>Ausblick</a:t>
+            </a:r>
+            <a:endParaRPr lang="en-US" sz="1800"/>
+          </a:p>
+        </p:txBody>
+      </p:sp>
+      <p:sp>
+        <p:nvSpPr>
+          <p:cNvPr id="2" name="Fußzeilenplatzhalter 1" hidden="0"/>
           <p:cNvSpPr>
             <a:spLocks noGrp="1"/>
           </p:cNvSpPr>
@@ -10142,323 +9987,6 @@
           </a:p>
         </p:txBody>
       </p:sp>
-      <p:sp>
-        <p:nvSpPr>
-          <p:cNvPr id="6" name="Foliennummernplatzhalter 5" hidden="0"/>
-          <p:cNvSpPr>
-            <a:spLocks noGrp="1"/>
-          </p:cNvSpPr>
-          <p:nvPr isPhoto="0" userDrawn="0">
-            <p:ph type="sldNum" sz="quarter" idx="4" hasCustomPrompt="0"/>
-          </p:nvPr>
-        </p:nvSpPr>
-        <p:spPr bwMode="auto"/>
-        <p:txBody>
-          <a:bodyPr/>
-          <a:lstStyle/>
-          <a:p>
-            <a:pPr>
-              <a:defRPr/>
-            </a:pPr>
-            <a:fld id="{3A98EE3D-8CD1-4C3F-BD1C-C98C9596463C}" type="slidenum">
-              <a:rPr lang="en-US"/>
-              <a:t/>
-            </a:fld>
-            <a:endParaRPr lang="en-US"/>
-          </a:p>
-        </p:txBody>
-      </p:sp>
-      <p:sp>
-        <p:nvSpPr>
-          <p:cNvPr id="15" name="Text Placeholder 22" hidden="0"/>
-          <p:cNvSpPr txBox="1"/>
-          <p:nvPr isPhoto="0" userDrawn="0"/>
-        </p:nvSpPr>
-        <p:spPr bwMode="auto">
-          <a:xfrm>
-            <a:off x="1484607" y="4081827"/>
-            <a:ext cx="6174781" cy="583534"/>
-          </a:xfrm>
-          <a:prstGeom prst="rect">
-            <a:avLst/>
-          </a:prstGeom>
-        </p:spPr>
-        <p:txBody>
-          <a:bodyPr anchor="ctr">
-            <a:noAutofit/>
-          </a:bodyPr>
-          <a:lstStyle>
-            <a:lvl1pPr marL="68580" indent="-68580" algn="l" defTabSz="685800">
-              <a:lnSpc>
-                <a:spcPct val="100000"/>
-              </a:lnSpc>
-              <a:spcBef>
-                <a:spcPts val="900"/>
-              </a:spcBef>
-              <a:spcAft>
-                <a:spcPts val="150"/>
-              </a:spcAft>
-              <a:buClr>
-                <a:schemeClr val="accent1"/>
-              </a:buClr>
-              <a:buSzPct val="100000"/>
-              <a:buFont typeface="Calibri"/>
-              <a:buChar char=" "/>
-              <a:defRPr sz="1500">
-                <a:solidFill>
-                  <a:schemeClr val="tx1">
-                    <a:lumMod val="75000"/>
-                    <a:lumOff val="25000"/>
-                  </a:schemeClr>
-                </a:solidFill>
-                <a:latin typeface="Nunito"/>
-                <a:ea typeface="+mn-ea"/>
-                <a:cs typeface="+mn-cs"/>
-              </a:defRPr>
-            </a:lvl1pPr>
-            <a:lvl2pPr marL="288036" indent="-137160" algn="l" defTabSz="685800">
-              <a:lnSpc>
-                <a:spcPct val="100000"/>
-              </a:lnSpc>
-              <a:spcBef>
-                <a:spcPts val="150"/>
-              </a:spcBef>
-              <a:spcAft>
-                <a:spcPts val="300"/>
-              </a:spcAft>
-              <a:buClrTx/>
-              <a:buFont typeface="Calibri"/>
-              <a:buChar char="◦"/>
-              <a:defRPr sz="1350">
-                <a:solidFill>
-                  <a:schemeClr val="tx1">
-                    <a:lumMod val="75000"/>
-                    <a:lumOff val="25000"/>
-                  </a:schemeClr>
-                </a:solidFill>
-                <a:latin typeface="Nunito"/>
-                <a:ea typeface="+mn-ea"/>
-                <a:cs typeface="+mn-cs"/>
-              </a:defRPr>
-            </a:lvl2pPr>
-            <a:lvl3pPr marL="425196" indent="-137160" algn="l" defTabSz="685800">
-              <a:lnSpc>
-                <a:spcPct val="100000"/>
-              </a:lnSpc>
-              <a:spcBef>
-                <a:spcPts val="150"/>
-              </a:spcBef>
-              <a:spcAft>
-                <a:spcPts val="300"/>
-              </a:spcAft>
-              <a:buClrTx/>
-              <a:buFont typeface="Calibri"/>
-              <a:buChar char="◦"/>
-              <a:defRPr sz="1050">
-                <a:solidFill>
-                  <a:schemeClr val="tx1">
-                    <a:lumMod val="75000"/>
-                    <a:lumOff val="25000"/>
-                  </a:schemeClr>
-                </a:solidFill>
-                <a:latin typeface="Nunito"/>
-                <a:ea typeface="+mn-ea"/>
-                <a:cs typeface="+mn-cs"/>
-              </a:defRPr>
-            </a:lvl3pPr>
-            <a:lvl4pPr marL="562356" indent="-137160" algn="l" defTabSz="685800">
-              <a:lnSpc>
-                <a:spcPct val="100000"/>
-              </a:lnSpc>
-              <a:spcBef>
-                <a:spcPts val="150"/>
-              </a:spcBef>
-              <a:spcAft>
-                <a:spcPts val="300"/>
-              </a:spcAft>
-              <a:buClrTx/>
-              <a:buFont typeface="Calibri"/>
-              <a:buChar char="◦"/>
-              <a:defRPr sz="1050">
-                <a:solidFill>
-                  <a:schemeClr val="tx1">
-                    <a:lumMod val="75000"/>
-                    <a:lumOff val="25000"/>
-                  </a:schemeClr>
-                </a:solidFill>
-                <a:latin typeface="Nunito"/>
-                <a:ea typeface="+mn-ea"/>
-                <a:cs typeface="+mn-cs"/>
-              </a:defRPr>
-            </a:lvl4pPr>
-            <a:lvl5pPr marL="699516" indent="-137160" algn="l" defTabSz="685800">
-              <a:lnSpc>
-                <a:spcPct val="100000"/>
-              </a:lnSpc>
-              <a:spcBef>
-                <a:spcPts val="150"/>
-              </a:spcBef>
-              <a:spcAft>
-                <a:spcPts val="300"/>
-              </a:spcAft>
-              <a:buClrTx/>
-              <a:buFont typeface="Calibri"/>
-              <a:buChar char="◦"/>
-              <a:defRPr sz="1050">
-                <a:solidFill>
-                  <a:schemeClr val="tx1">
-                    <a:lumMod val="75000"/>
-                    <a:lumOff val="25000"/>
-                  </a:schemeClr>
-                </a:solidFill>
-                <a:latin typeface="Nunito"/>
-                <a:ea typeface="+mn-ea"/>
-                <a:cs typeface="+mn-cs"/>
-              </a:defRPr>
-            </a:lvl5pPr>
-            <a:lvl6pPr marL="825000" indent="-171450" algn="l" defTabSz="685800">
-              <a:lnSpc>
-                <a:spcPct val="90000"/>
-              </a:lnSpc>
-              <a:spcBef>
-                <a:spcPts val="150"/>
-              </a:spcBef>
-              <a:spcAft>
-                <a:spcPts val="300"/>
-              </a:spcAft>
-              <a:buClr>
-                <a:schemeClr val="accent1"/>
-              </a:buClr>
-              <a:buFont typeface="Calibri"/>
-              <a:buChar char="◦"/>
-              <a:defRPr sz="1050">
-                <a:solidFill>
-                  <a:schemeClr val="tx1">
-                    <a:lumMod val="75000"/>
-                    <a:lumOff val="25000"/>
-                  </a:schemeClr>
-                </a:solidFill>
-                <a:latin typeface="+mn-lt"/>
-                <a:ea typeface="+mn-ea"/>
-                <a:cs typeface="+mn-cs"/>
-              </a:defRPr>
-            </a:lvl6pPr>
-            <a:lvl7pPr marL="975000" indent="-171450" algn="l" defTabSz="685800">
-              <a:lnSpc>
-                <a:spcPct val="90000"/>
-              </a:lnSpc>
-              <a:spcBef>
-                <a:spcPts val="150"/>
-              </a:spcBef>
-              <a:spcAft>
-                <a:spcPts val="300"/>
-              </a:spcAft>
-              <a:buClr>
-                <a:schemeClr val="accent1"/>
-              </a:buClr>
-              <a:buFont typeface="Calibri"/>
-              <a:buChar char="◦"/>
-              <a:defRPr sz="1050">
-                <a:solidFill>
-                  <a:schemeClr val="tx1">
-                    <a:lumMod val="75000"/>
-                    <a:lumOff val="25000"/>
-                  </a:schemeClr>
-                </a:solidFill>
-                <a:latin typeface="+mn-lt"/>
-                <a:ea typeface="+mn-ea"/>
-                <a:cs typeface="+mn-cs"/>
-              </a:defRPr>
-            </a:lvl7pPr>
-            <a:lvl8pPr marL="1125000" indent="-171450" algn="l" defTabSz="685800">
-              <a:lnSpc>
-                <a:spcPct val="90000"/>
-              </a:lnSpc>
-              <a:spcBef>
-                <a:spcPts val="150"/>
-              </a:spcBef>
-              <a:spcAft>
-                <a:spcPts val="300"/>
-              </a:spcAft>
-              <a:buClr>
-                <a:schemeClr val="accent1"/>
-              </a:buClr>
-              <a:buFont typeface="Calibri"/>
-              <a:buChar char="◦"/>
-              <a:defRPr sz="1050">
-                <a:solidFill>
-                  <a:schemeClr val="tx1">
-                    <a:lumMod val="75000"/>
-                    <a:lumOff val="25000"/>
-                  </a:schemeClr>
-                </a:solidFill>
-                <a:latin typeface="+mn-lt"/>
-                <a:ea typeface="+mn-ea"/>
-                <a:cs typeface="+mn-cs"/>
-              </a:defRPr>
-            </a:lvl8pPr>
-            <a:lvl9pPr marL="1275000" indent="-171450" algn="l" defTabSz="685800">
-              <a:lnSpc>
-                <a:spcPct val="90000"/>
-              </a:lnSpc>
-              <a:spcBef>
-                <a:spcPts val="150"/>
-              </a:spcBef>
-              <a:spcAft>
-                <a:spcPts val="300"/>
-              </a:spcAft>
-              <a:buClr>
-                <a:schemeClr val="accent1"/>
-              </a:buClr>
-              <a:buFont typeface="Calibri"/>
-              <a:buChar char="◦"/>
-              <a:defRPr sz="1050">
-                <a:solidFill>
-                  <a:schemeClr val="tx1">
-                    <a:lumMod val="75000"/>
-                    <a:lumOff val="25000"/>
-                  </a:schemeClr>
-                </a:solidFill>
-                <a:latin typeface="+mn-lt"/>
-                <a:ea typeface="+mn-ea"/>
-                <a:cs typeface="+mn-cs"/>
-              </a:defRPr>
-            </a:lvl9pPr>
-          </a:lstStyle>
-          <a:p>
-            <a:pPr algn="ctr">
-              <a:defRPr/>
-            </a:pPr>
-            <a:r>
-              <a:rPr lang="en-US" sz="4500"/>
-              <a:t>CONTROL CENTER</a:t>
-            </a:r>
-            <a:endParaRPr/>
-          </a:p>
-        </p:txBody>
-      </p:sp>
-      <p:pic>
-        <p:nvPicPr>
-          <p:cNvPr id="17" name="Grafik 16" hidden="0"/>
-          <p:cNvPicPr>
-            <a:picLocks noChangeAspect="1"/>
-          </p:cNvPicPr>
-          <p:nvPr isPhoto="0" userDrawn="0"/>
-        </p:nvPicPr>
-        <p:blipFill>
-          <a:blip r:embed="rId2"/>
-          <a:stretch/>
-        </p:blipFill>
-        <p:spPr bwMode="auto">
-          <a:xfrm>
-            <a:off x="3498574" y="2242772"/>
-            <a:ext cx="2146845" cy="1432655"/>
-          </a:xfrm>
-          <a:prstGeom prst="rect">
-            <a:avLst/>
-          </a:prstGeom>
-        </p:spPr>
-      </p:pic>
     </p:spTree>
   </p:cSld>
   <p:clrMapOvr>
@@ -10494,7 +10022,7 @@
       </p:grpSpPr>
       <p:sp>
         <p:nvSpPr>
-          <p:cNvPr id="19" name="Title 18" hidden="0"/>
+          <p:cNvPr id="9" name="Title 8" hidden="0"/>
           <p:cNvSpPr>
             <a:spLocks noGrp="1"/>
           </p:cNvSpPr>
@@ -10502,7 +10030,12 @@
             <p:ph type="title" hasCustomPrompt="0"/>
           </p:nvPr>
         </p:nvSpPr>
-        <p:spPr bwMode="auto"/>
+        <p:spPr bwMode="auto">
+          <a:xfrm>
+            <a:off x="822960" y="1564403"/>
+            <a:ext cx="7543800" cy="966977"/>
+          </a:xfrm>
+        </p:spPr>
         <p:txBody>
           <a:bodyPr/>
           <a:lstStyle/>
@@ -10511,32 +10044,29 @@
               <a:defRPr/>
             </a:pPr>
             <a:r>
-              <a:rPr lang="en-US">
-                <a:solidFill>
-                  <a:schemeClr val="tx1"/>
-                </a:solidFill>
-              </a:rPr>
-              <a:t>Inhalt</a:t>
-            </a:r>
-            <a:endParaRPr lang="en-US">
-              <a:solidFill>
-                <a:schemeClr val="tx1"/>
-              </a:solidFill>
-            </a:endParaRPr>
-          </a:p>
-        </p:txBody>
-      </p:sp>
-      <p:sp>
-        <p:nvSpPr>
-          <p:cNvPr id="17" name="Content Placeholder 16" hidden="0"/>
-          <p:cNvSpPr>
-            <a:spLocks noGrp="1"/>
-          </p:cNvSpPr>
-          <p:nvPr isPhoto="0" userDrawn="0">
-            <p:ph sz="half" idx="2" hasCustomPrompt="0"/>
-          </p:nvPr>
-        </p:nvSpPr>
-        <p:spPr bwMode="auto"/>
+              <a:rPr lang="en-US"/>
+              <a:t>Ist-zustand</a:t>
+            </a:r>
+            <a:endParaRPr lang="en-US"/>
+          </a:p>
+        </p:txBody>
+      </p:sp>
+      <p:sp>
+        <p:nvSpPr>
+          <p:cNvPr id="19" name="Text Placeholder 18" hidden="0"/>
+          <p:cNvSpPr>
+            <a:spLocks noGrp="1"/>
+          </p:cNvSpPr>
+          <p:nvPr isPhoto="0" userDrawn="0">
+            <p:ph type="body" sz="half" idx="2" hasCustomPrompt="0"/>
+          </p:nvPr>
+        </p:nvSpPr>
+        <p:spPr bwMode="auto">
+          <a:xfrm>
+            <a:off x="822960" y="4426480"/>
+            <a:ext cx="2189560" cy="583534"/>
+          </a:xfrm>
+        </p:spPr>
         <p:txBody>
           <a:bodyPr>
             <a:normAutofit/>
@@ -10544,111 +10074,81 @@
           <a:lstStyle/>
           <a:p>
             <a:pPr>
-              <a:lnSpc>
-                <a:spcPct val="150000"/>
-              </a:lnSpc>
-              <a:defRPr/>
-            </a:pPr>
-            <a:r>
-              <a:rPr lang="en-US" sz="1800">
-                <a:solidFill>
-                  <a:srgbClr val="D0D1D9"/>
-                </a:solidFill>
-              </a:rPr>
-              <a:t>Vorstellung</a:t>
-            </a:r>
-            <a:endParaRPr lang="en-US" sz="1800">
-              <a:solidFill>
-                <a:srgbClr val="D0D1D9"/>
-              </a:solidFill>
-            </a:endParaRPr>
-          </a:p>
-          <a:p>
-            <a:pPr>
-              <a:lnSpc>
-                <a:spcPct val="150000"/>
-              </a:lnSpc>
-              <a:defRPr/>
-            </a:pPr>
-            <a:r>
-              <a:rPr lang="en-US" sz="1800">
-                <a:solidFill>
-                  <a:srgbClr val="D0D1D9"/>
-                </a:solidFill>
-              </a:rPr>
-              <a:t>Thematik</a:t>
-            </a:r>
-            <a:endParaRPr lang="en-US" sz="1800">
-              <a:solidFill>
-                <a:srgbClr val="D0D1D9"/>
-              </a:solidFill>
-            </a:endParaRPr>
-          </a:p>
-          <a:p>
-            <a:pPr>
-              <a:lnSpc>
-                <a:spcPct val="150000"/>
-              </a:lnSpc>
-              <a:defRPr/>
-            </a:pPr>
-            <a:r>
-              <a:rPr lang="en-US" sz="1800">
-                <a:solidFill>
-                  <a:srgbClr val="22E298"/>
-                </a:solidFill>
-              </a:rPr>
-              <a:t>Analyse</a:t>
-            </a:r>
-            <a:endParaRPr lang="en-US" sz="1800">
-              <a:solidFill>
-                <a:srgbClr val="22E298"/>
-              </a:solidFill>
-            </a:endParaRPr>
-          </a:p>
-          <a:p>
-            <a:pPr>
-              <a:lnSpc>
-                <a:spcPct val="150000"/>
-              </a:lnSpc>
               <a:defRPr/>
             </a:pPr>
             <a:r>
               <a:rPr lang="en-US" sz="1800"/>
-              <a:t>Entwurf</a:t>
+              <a:t>Kompliziert</a:t>
             </a:r>
             <a:endParaRPr lang="en-US" sz="1800"/>
           </a:p>
-          <a:p>
-            <a:pPr>
-              <a:lnSpc>
-                <a:spcPct val="150000"/>
-              </a:lnSpc>
+        </p:txBody>
+      </p:sp>
+      <p:sp>
+        <p:nvSpPr>
+          <p:cNvPr id="23" name="Text Placeholder 22" hidden="0"/>
+          <p:cNvSpPr>
+            <a:spLocks noGrp="1"/>
+          </p:cNvSpPr>
+          <p:nvPr isPhoto="0" userDrawn="0">
+            <p:ph type="body" sz="half" idx="16" hasCustomPrompt="0"/>
+          </p:nvPr>
+        </p:nvSpPr>
+        <p:spPr bwMode="auto">
+          <a:xfrm>
+            <a:off x="3500080" y="4426480"/>
+            <a:ext cx="2189560" cy="583534"/>
+          </a:xfrm>
+        </p:spPr>
+        <p:txBody>
+          <a:bodyPr>
+            <a:normAutofit/>
+          </a:bodyPr>
+          <a:lstStyle/>
+          <a:p>
+            <a:pPr>
               <a:defRPr/>
             </a:pPr>
             <a:r>
               <a:rPr lang="en-US" sz="1800"/>
-              <a:t>Implementierung</a:t>
+              <a:t>Unvollständig</a:t>
             </a:r>
             <a:endParaRPr lang="en-US" sz="1800"/>
           </a:p>
-          <a:p>
-            <a:pPr>
-              <a:lnSpc>
-                <a:spcPct val="150000"/>
-              </a:lnSpc>
+        </p:txBody>
+      </p:sp>
+      <p:sp>
+        <p:nvSpPr>
+          <p:cNvPr id="24" name="Text Placeholder 23" hidden="0"/>
+          <p:cNvSpPr>
+            <a:spLocks noGrp="1"/>
+          </p:cNvSpPr>
+          <p:nvPr isPhoto="0" userDrawn="0">
+            <p:ph type="body" sz="half" idx="17" hasCustomPrompt="0"/>
+          </p:nvPr>
+        </p:nvSpPr>
+        <p:spPr bwMode="auto">
+          <a:xfrm>
+            <a:off x="6177200" y="4426480"/>
+            <a:ext cx="2189560" cy="583534"/>
+          </a:xfrm>
+        </p:spPr>
+        <p:txBody>
+          <a:bodyPr>
+            <a:normAutofit/>
+          </a:bodyPr>
+          <a:lstStyle/>
+          <a:p>
+            <a:pPr>
               <a:defRPr/>
             </a:pPr>
             <a:r>
               <a:rPr lang="en-US" sz="1800"/>
-              <a:t>Fazit</a:t>
+              <a:t>DSGVO </a:t>
             </a:r>
             <a:r>
               <a:rPr lang="en-US" sz="1800"/>
-              <a:t> und </a:t>
-            </a:r>
-            <a:r>
-              <a:rPr lang="en-US" sz="1800"/>
-              <a:t>Ausblick</a:t>
+              <a:t>Konform</a:t>
             </a:r>
             <a:endParaRPr lang="en-US" sz="1800"/>
           </a:p>
@@ -10680,6 +10180,124 @@
           </a:p>
         </p:txBody>
       </p:sp>
+      <p:sp>
+        <p:nvSpPr>
+          <p:cNvPr id="4" name="Foliennummernplatzhalter 3" hidden="0"/>
+          <p:cNvSpPr>
+            <a:spLocks noGrp="1"/>
+          </p:cNvSpPr>
+          <p:nvPr isPhoto="0" userDrawn="0">
+            <p:ph type="sldNum" sz="quarter" idx="4" hasCustomPrompt="0"/>
+          </p:nvPr>
+        </p:nvSpPr>
+        <p:spPr bwMode="auto"/>
+        <p:txBody>
+          <a:bodyPr/>
+          <a:lstStyle/>
+          <a:p>
+            <a:pPr>
+              <a:defRPr/>
+            </a:pPr>
+            <a:fld id="{3A98EE3D-8CD1-4C3F-BD1C-C98C9596463C}" type="slidenum">
+              <a:rPr lang="en-US"/>
+              <a:t/>
+            </a:fld>
+            <a:endParaRPr lang="en-US"/>
+          </a:p>
+        </p:txBody>
+      </p:sp>
+      <p:sp>
+        <p:nvSpPr>
+          <p:cNvPr id="6" name="Datumsplatzhalter 5" hidden="0"/>
+          <p:cNvSpPr>
+            <a:spLocks noGrp="1"/>
+          </p:cNvSpPr>
+          <p:nvPr isPhoto="0" userDrawn="0">
+            <p:ph type="dt" sz="half" idx="18" hasCustomPrompt="0"/>
+          </p:nvPr>
+        </p:nvSpPr>
+        <p:spPr bwMode="auto"/>
+        <p:txBody>
+          <a:bodyPr/>
+          <a:lstStyle/>
+          <a:p>
+            <a:pPr>
+              <a:defRPr/>
+            </a:pPr>
+            <a:r>
+              <a:rPr lang="de-DE"/>
+              <a:t>Eduard Schwarzkopf </a:t>
+            </a:r>
+            <a:endParaRPr lang="en-US"/>
+          </a:p>
+        </p:txBody>
+      </p:sp>
+      <p:pic>
+        <p:nvPicPr>
+          <p:cNvPr id="25" name="Grafik 24" hidden="0"/>
+          <p:cNvPicPr>
+            <a:picLocks noChangeAspect="1"/>
+          </p:cNvPicPr>
+          <p:nvPr isPhoto="0" userDrawn="0"/>
+        </p:nvPicPr>
+        <p:blipFill>
+          <a:blip r:embed="rId3"/>
+          <a:stretch/>
+        </p:blipFill>
+        <p:spPr bwMode="auto">
+          <a:xfrm>
+            <a:off x="6622112" y="2974946"/>
+            <a:ext cx="1299736" cy="1299736"/>
+          </a:xfrm>
+          <a:prstGeom prst="rect">
+            <a:avLst/>
+          </a:prstGeom>
+        </p:spPr>
+      </p:pic>
+      <p:pic>
+        <p:nvPicPr>
+          <p:cNvPr id="27" name="Grafik 26" hidden="0"/>
+          <p:cNvPicPr>
+            <a:picLocks noChangeAspect="1"/>
+          </p:cNvPicPr>
+          <p:nvPr isPhoto="0" userDrawn="0"/>
+        </p:nvPicPr>
+        <p:blipFill>
+          <a:blip r:embed="rId4"/>
+          <a:stretch/>
+        </p:blipFill>
+        <p:spPr bwMode="auto">
+          <a:xfrm>
+            <a:off x="1349104" y="2974946"/>
+            <a:ext cx="1137269" cy="1299736"/>
+          </a:xfrm>
+          <a:prstGeom prst="rect">
+            <a:avLst/>
+          </a:prstGeom>
+        </p:spPr>
+      </p:pic>
+      <p:pic>
+        <p:nvPicPr>
+          <p:cNvPr id="29" name="Grafik 28" hidden="0"/>
+          <p:cNvPicPr>
+            <a:picLocks noChangeAspect="1"/>
+          </p:cNvPicPr>
+          <p:nvPr isPhoto="0" userDrawn="0"/>
+        </p:nvPicPr>
+        <p:blipFill>
+          <a:blip r:embed="rId5"/>
+          <a:stretch/>
+        </p:blipFill>
+        <p:spPr bwMode="auto">
+          <a:xfrm>
+            <a:off x="3904375" y="2974946"/>
+            <a:ext cx="1299736" cy="1299736"/>
+          </a:xfrm>
+          <a:prstGeom prst="rect">
+            <a:avLst/>
+          </a:prstGeom>
+        </p:spPr>
+      </p:pic>
     </p:spTree>
   </p:cSld>
   <p:clrMapOvr>
@@ -10699,6 +10317,13 @@
 <file path=ppt/slides/slide9.xml><?xml version="1.0" encoding="utf-8"?>
 <p:sld xmlns:a="http://schemas.openxmlformats.org/drawingml/2006/main" xmlns:r="http://schemas.openxmlformats.org/officeDocument/2006/relationships" xmlns:p="http://schemas.openxmlformats.org/presentationml/2006/main" xmlns:m="http://schemas.openxmlformats.org/officeDocument/2006/math" xmlns:w="http://schemas.openxmlformats.org/wordprocessingml/2006/main" showMasterPhAnim="0" show="1">
   <p:cSld name="">
+    <p:bg>
+      <p:bgPr shadeToTitle="0">
+        <a:solidFill>
+          <a:srgbClr val="22E298"/>
+        </a:solidFill>
+      </p:bgPr>
+    </p:bg>
     <p:spTree>
       <p:nvGrpSpPr>
         <p:cNvPr id="1" name="" hidden="0"/>
@@ -10715,12 +10340,12 @@
       </p:grpSpPr>
       <p:sp>
         <p:nvSpPr>
-          <p:cNvPr id="309489504" name="Title 18" hidden="0"/>
-          <p:cNvSpPr>
-            <a:spLocks noGrp="1"/>
-          </p:cNvSpPr>
-          <p:nvPr isPhoto="0" userDrawn="0">
-            <p:ph type="title" hasCustomPrompt="0"/>
+          <p:cNvPr id="4" name="Datumsplatzhalter 3" hidden="0"/>
+          <p:cNvSpPr>
+            <a:spLocks noGrp="1"/>
+          </p:cNvSpPr>
+          <p:nvPr isPhoto="0" userDrawn="0">
+            <p:ph type="dt" sz="half" idx="2" hasCustomPrompt="0"/>
           </p:nvPr>
         </p:nvSpPr>
         <p:spPr bwMode="auto"/>
@@ -10732,176 +10357,827 @@
               <a:defRPr/>
             </a:pPr>
             <a:r>
-              <a:rPr lang="en-US">
-                <a:solidFill>
-                  <a:schemeClr val="tx1"/>
-                </a:solidFill>
-              </a:rPr>
-              <a:t>Inhalt</a:t>
-            </a:r>
-            <a:endParaRPr lang="en-US">
-              <a:solidFill>
-                <a:schemeClr val="tx1"/>
-              </a:solidFill>
-            </a:endParaRPr>
-          </a:p>
-        </p:txBody>
-      </p:sp>
-      <p:sp>
-        <p:nvSpPr>
-          <p:cNvPr id="1850719009" name="Content Placeholder 16" hidden="0"/>
-          <p:cNvSpPr>
-            <a:spLocks noGrp="1"/>
-          </p:cNvSpPr>
-          <p:nvPr isPhoto="0" userDrawn="0">
-            <p:ph sz="half" idx="2" hasCustomPrompt="0"/>
+              <a:rPr lang="de-DE"/>
+              <a:t>Eduard Schwarzkopf </a:t>
+            </a:r>
+            <a:endParaRPr lang="en-US"/>
+          </a:p>
+        </p:txBody>
+      </p:sp>
+      <p:sp>
+        <p:nvSpPr>
+          <p:cNvPr id="5" name="Fußzeilenplatzhalter 4" hidden="0"/>
+          <p:cNvSpPr>
+            <a:spLocks noGrp="1"/>
+          </p:cNvSpPr>
+          <p:nvPr isPhoto="0" userDrawn="0">
+            <p:ph type="ftr" sz="quarter" idx="3" hasCustomPrompt="0"/>
           </p:nvPr>
         </p:nvSpPr>
         <p:spPr bwMode="auto"/>
         <p:txBody>
-          <a:bodyPr>
+          <a:bodyPr/>
+          <a:lstStyle/>
+          <a:p>
+            <a:pPr>
+              <a:defRPr/>
+            </a:pPr>
+            <a:r>
+              <a:rPr lang="en-US"/>
+              <a:t>Control Center – zwei</a:t>
+            </a:r>
+            <a:r>
+              <a:rPr lang="en-US"/>
+              <a:t> komponenten Monitoring Tool</a:t>
+            </a:r>
+            <a:endParaRPr lang="en-US"/>
+          </a:p>
+        </p:txBody>
+      </p:sp>
+      <p:sp>
+        <p:nvSpPr>
+          <p:cNvPr id="6" name="Foliennummernplatzhalter 5" hidden="0"/>
+          <p:cNvSpPr>
+            <a:spLocks noGrp="1"/>
+          </p:cNvSpPr>
+          <p:nvPr isPhoto="0" userDrawn="0">
+            <p:ph type="sldNum" sz="quarter" idx="4" hasCustomPrompt="0"/>
+          </p:nvPr>
+        </p:nvSpPr>
+        <p:spPr bwMode="auto"/>
+        <p:txBody>
+          <a:bodyPr/>
+          <a:lstStyle/>
+          <a:p>
+            <a:pPr>
+              <a:defRPr/>
+            </a:pPr>
+            <a:fld id="{3A98EE3D-8CD1-4C3F-BD1C-C98C9596463C}" type="slidenum">
+              <a:rPr lang="en-US"/>
+              <a:t/>
+            </a:fld>
+            <a:endParaRPr lang="en-US"/>
+          </a:p>
+        </p:txBody>
+      </p:sp>
+      <p:sp>
+        <p:nvSpPr>
+          <p:cNvPr id="7" name="Title 8" hidden="0"/>
+          <p:cNvSpPr>
+            <a:spLocks noGrp="1"/>
+          </p:cNvSpPr>
+          <p:nvPr isPhoto="0" userDrawn="0">
+            <p:ph type="title" hasCustomPrompt="0"/>
+          </p:nvPr>
+        </p:nvSpPr>
+        <p:spPr bwMode="auto">
+          <a:xfrm>
+            <a:off x="822960" y="1564403"/>
+            <a:ext cx="7543800" cy="966977"/>
+          </a:xfrm>
+        </p:spPr>
+        <p:txBody>
+          <a:bodyPr/>
+          <a:lstStyle/>
+          <a:p>
+            <a:pPr>
+              <a:defRPr/>
+            </a:pPr>
+            <a:r>
+              <a:rPr lang="en-US"/>
+              <a:t>Soll-zustand</a:t>
+            </a:r>
+            <a:endParaRPr lang="en-US"/>
+          </a:p>
+        </p:txBody>
+      </p:sp>
+      <p:pic>
+        <p:nvPicPr>
+          <p:cNvPr id="11" name="Grafik 10" hidden="0"/>
+          <p:cNvPicPr>
+            <a:picLocks noChangeAspect="1"/>
+          </p:cNvPicPr>
+          <p:nvPr isPhoto="0" userDrawn="0"/>
+        </p:nvPicPr>
+        <p:blipFill>
+          <a:blip r:embed="rId3"/>
+          <a:stretch/>
+        </p:blipFill>
+        <p:spPr bwMode="auto">
+          <a:xfrm>
+            <a:off x="6622112" y="2974946"/>
+            <a:ext cx="1299736" cy="1299736"/>
+          </a:xfrm>
+          <a:prstGeom prst="rect">
+            <a:avLst/>
+          </a:prstGeom>
+        </p:spPr>
+      </p:pic>
+      <p:pic>
+        <p:nvPicPr>
+          <p:cNvPr id="12" name="Grafik 11" hidden="0"/>
+          <p:cNvPicPr>
+            <a:picLocks noChangeAspect="1"/>
+          </p:cNvPicPr>
+          <p:nvPr isPhoto="0" userDrawn="0"/>
+        </p:nvPicPr>
+        <p:blipFill>
+          <a:blip r:embed="rId4"/>
+          <a:stretch/>
+        </p:blipFill>
+        <p:spPr bwMode="auto">
+          <a:xfrm>
+            <a:off x="1222152" y="2974948"/>
+            <a:ext cx="1299735" cy="1299735"/>
+          </a:xfrm>
+          <a:prstGeom prst="rect">
+            <a:avLst/>
+          </a:prstGeom>
+        </p:spPr>
+      </p:pic>
+      <p:pic>
+        <p:nvPicPr>
+          <p:cNvPr id="13" name="Grafik 12" hidden="0"/>
+          <p:cNvPicPr>
+            <a:picLocks noChangeAspect="1"/>
+          </p:cNvPicPr>
+          <p:nvPr isPhoto="0" userDrawn="0"/>
+        </p:nvPicPr>
+        <p:blipFill>
+          <a:blip r:embed="rId5"/>
+          <a:stretch/>
+        </p:blipFill>
+        <p:spPr bwMode="auto">
+          <a:xfrm>
+            <a:off x="3922132" y="2974946"/>
+            <a:ext cx="1299735" cy="1299735"/>
+          </a:xfrm>
+          <a:prstGeom prst="rect">
+            <a:avLst/>
+          </a:prstGeom>
+        </p:spPr>
+      </p:pic>
+      <p:sp>
+        <p:nvSpPr>
+          <p:cNvPr id="14" name="Text Placeholder 18" hidden="0"/>
+          <p:cNvSpPr txBox="1"/>
+          <p:nvPr isPhoto="0" userDrawn="0"/>
+        </p:nvSpPr>
+        <p:spPr bwMode="auto">
+          <a:xfrm>
+            <a:off x="777239" y="4426480"/>
+            <a:ext cx="2189560" cy="583534"/>
+          </a:xfrm>
+          <a:prstGeom prst="rect">
+            <a:avLst/>
+          </a:prstGeom>
+        </p:spPr>
+        <p:txBody>
+          <a:bodyPr vert="horz" lIns="91440" tIns="45720" rIns="91440" bIns="45720" rtlCol="0" anchor="ctr">
             <a:normAutofit/>
           </a:bodyPr>
-          <a:lstStyle/>
-          <a:p>
-            <a:pPr>
+          <a:lstStyle>
+            <a:defPPr>
+              <a:defRPr lang="en-US"/>
+            </a:defPPr>
+            <a:lvl1pPr marL="0" algn="r" defTabSz="914400">
+              <a:defRPr sz="700">
+                <a:solidFill>
+                  <a:srgbClr val="191919"/>
+                </a:solidFill>
+                <a:latin typeface="Nunito"/>
+                <a:ea typeface="+mn-ea"/>
+                <a:cs typeface="+mn-cs"/>
+              </a:defRPr>
+            </a:lvl1pPr>
+            <a:lvl2pPr marL="457200" algn="l" defTabSz="914400">
+              <a:defRPr sz="1800">
+                <a:solidFill>
+                  <a:schemeClr val="tx1"/>
+                </a:solidFill>
+                <a:latin typeface="+mn-lt"/>
+                <a:ea typeface="+mn-ea"/>
+                <a:cs typeface="+mn-cs"/>
+              </a:defRPr>
+            </a:lvl2pPr>
+            <a:lvl3pPr marL="914400" algn="l" defTabSz="914400">
+              <a:defRPr sz="1800">
+                <a:solidFill>
+                  <a:schemeClr val="tx1"/>
+                </a:solidFill>
+                <a:latin typeface="+mn-lt"/>
+                <a:ea typeface="+mn-ea"/>
+                <a:cs typeface="+mn-cs"/>
+              </a:defRPr>
+            </a:lvl3pPr>
+            <a:lvl4pPr marL="1371600" algn="l" defTabSz="914400">
+              <a:defRPr sz="1800">
+                <a:solidFill>
+                  <a:schemeClr val="tx1"/>
+                </a:solidFill>
+                <a:latin typeface="+mn-lt"/>
+                <a:ea typeface="+mn-ea"/>
+                <a:cs typeface="+mn-cs"/>
+              </a:defRPr>
+            </a:lvl4pPr>
+            <a:lvl5pPr marL="1828800" algn="l" defTabSz="914400">
+              <a:defRPr sz="1800">
+                <a:solidFill>
+                  <a:schemeClr val="tx1"/>
+                </a:solidFill>
+                <a:latin typeface="+mn-lt"/>
+                <a:ea typeface="+mn-ea"/>
+                <a:cs typeface="+mn-cs"/>
+              </a:defRPr>
+            </a:lvl5pPr>
+            <a:lvl6pPr marL="2286000" algn="l" defTabSz="914400">
+              <a:defRPr sz="1800">
+                <a:solidFill>
+                  <a:schemeClr val="tx1"/>
+                </a:solidFill>
+                <a:latin typeface="+mn-lt"/>
+                <a:ea typeface="+mn-ea"/>
+                <a:cs typeface="+mn-cs"/>
+              </a:defRPr>
+            </a:lvl6pPr>
+            <a:lvl7pPr marL="2743200" algn="l" defTabSz="914400">
+              <a:defRPr sz="1800">
+                <a:solidFill>
+                  <a:schemeClr val="tx1"/>
+                </a:solidFill>
+                <a:latin typeface="+mn-lt"/>
+                <a:ea typeface="+mn-ea"/>
+                <a:cs typeface="+mn-cs"/>
+              </a:defRPr>
+            </a:lvl7pPr>
+            <a:lvl8pPr marL="3200400" algn="l" defTabSz="914400">
+              <a:defRPr sz="1800">
+                <a:solidFill>
+                  <a:schemeClr val="tx1"/>
+                </a:solidFill>
+                <a:latin typeface="+mn-lt"/>
+                <a:ea typeface="+mn-ea"/>
+                <a:cs typeface="+mn-cs"/>
+              </a:defRPr>
+            </a:lvl8pPr>
+            <a:lvl9pPr marL="3657600" algn="l" defTabSz="914400">
+              <a:defRPr sz="1800">
+                <a:solidFill>
+                  <a:schemeClr val="tx1"/>
+                </a:solidFill>
+                <a:latin typeface="+mn-lt"/>
+                <a:ea typeface="+mn-ea"/>
+                <a:cs typeface="+mn-cs"/>
+              </a:defRPr>
+            </a:lvl9pPr>
+          </a:lstStyle>
+          <a:p>
+            <a:pPr algn="ctr">
+              <a:defRPr/>
+            </a:pPr>
+            <a:r>
+              <a:rPr lang="en-US" sz="1800"/>
+              <a:t>EINFACH</a:t>
+            </a:r>
+            <a:endParaRPr/>
+          </a:p>
+        </p:txBody>
+      </p:sp>
+      <p:sp>
+        <p:nvSpPr>
+          <p:cNvPr id="15" name="Text Placeholder 22" hidden="0"/>
+          <p:cNvSpPr txBox="1"/>
+          <p:nvPr isPhoto="0" userDrawn="0"/>
+        </p:nvSpPr>
+        <p:spPr bwMode="auto">
+          <a:xfrm>
+            <a:off x="3477219" y="4426480"/>
+            <a:ext cx="2189560" cy="583534"/>
+          </a:xfrm>
+          <a:prstGeom prst="rect">
+            <a:avLst/>
+          </a:prstGeom>
+        </p:spPr>
+        <p:txBody>
+          <a:bodyPr anchor="ctr">
+            <a:normAutofit/>
+          </a:bodyPr>
+          <a:lstStyle>
+            <a:lvl1pPr marL="68580" indent="-68580" algn="l" defTabSz="685800">
               <a:lnSpc>
-                <a:spcPct val="150000"/>
+                <a:spcPct val="100000"/>
               </a:lnSpc>
-              <a:defRPr/>
-            </a:pPr>
-            <a:r>
-              <a:rPr lang="en-US" sz="1800">
-                <a:solidFill>
-                  <a:srgbClr val="D0D1D9"/>
-                </a:solidFill>
-              </a:rPr>
-              <a:t>Vorstellung</a:t>
-            </a:r>
-            <a:endParaRPr lang="en-US" sz="1800">
-              <a:solidFill>
-                <a:srgbClr val="D0D1D9"/>
-              </a:solidFill>
-            </a:endParaRPr>
-          </a:p>
-          <a:p>
-            <a:pPr>
+              <a:spcBef>
+                <a:spcPts val="900"/>
+              </a:spcBef>
+              <a:spcAft>
+                <a:spcPts val="150"/>
+              </a:spcAft>
+              <a:buClr>
+                <a:schemeClr val="accent1"/>
+              </a:buClr>
+              <a:buSzPct val="100000"/>
+              <a:buFont typeface="Calibri"/>
+              <a:buChar char=" "/>
+              <a:defRPr sz="1500">
+                <a:solidFill>
+                  <a:schemeClr val="tx1">
+                    <a:lumMod val="75000"/>
+                    <a:lumOff val="25000"/>
+                  </a:schemeClr>
+                </a:solidFill>
+                <a:latin typeface="Nunito"/>
+                <a:ea typeface="+mn-ea"/>
+                <a:cs typeface="+mn-cs"/>
+              </a:defRPr>
+            </a:lvl1pPr>
+            <a:lvl2pPr marL="288036" indent="-137160" algn="l" defTabSz="685800">
               <a:lnSpc>
-                <a:spcPct val="150000"/>
+                <a:spcPct val="100000"/>
               </a:lnSpc>
-              <a:defRPr/>
-            </a:pPr>
-            <a:r>
-              <a:rPr lang="en-US" sz="1800">
-                <a:solidFill>
-                  <a:srgbClr val="D0D1D9"/>
-                </a:solidFill>
-              </a:rPr>
-              <a:t>Thematik</a:t>
-            </a:r>
-            <a:endParaRPr lang="en-US" sz="1800">
-              <a:solidFill>
-                <a:srgbClr val="D0D1D9"/>
-              </a:solidFill>
-            </a:endParaRPr>
-          </a:p>
-          <a:p>
-            <a:pPr>
+              <a:spcBef>
+                <a:spcPts val="150"/>
+              </a:spcBef>
+              <a:spcAft>
+                <a:spcPts val="300"/>
+              </a:spcAft>
+              <a:buClrTx/>
+              <a:buFont typeface="Calibri"/>
+              <a:buChar char="◦"/>
+              <a:defRPr sz="1350">
+                <a:solidFill>
+                  <a:schemeClr val="tx1">
+                    <a:lumMod val="75000"/>
+                    <a:lumOff val="25000"/>
+                  </a:schemeClr>
+                </a:solidFill>
+                <a:latin typeface="Nunito"/>
+                <a:ea typeface="+mn-ea"/>
+                <a:cs typeface="+mn-cs"/>
+              </a:defRPr>
+            </a:lvl2pPr>
+            <a:lvl3pPr marL="425196" indent="-137160" algn="l" defTabSz="685800">
               <a:lnSpc>
-                <a:spcPct val="150000"/>
+                <a:spcPct val="100000"/>
               </a:lnSpc>
-              <a:defRPr/>
-            </a:pPr>
-            <a:r>
-              <a:rPr lang="en-US" sz="1800">
-                <a:solidFill>
-                  <a:srgbClr val="D0D1D9"/>
-                </a:solidFill>
-              </a:rPr>
-              <a:t>Analyse</a:t>
-            </a:r>
-            <a:endParaRPr lang="en-US" sz="1800">
-              <a:solidFill>
-                <a:srgbClr val="22E298"/>
-              </a:solidFill>
-            </a:endParaRPr>
-          </a:p>
-          <a:p>
-            <a:pPr>
+              <a:spcBef>
+                <a:spcPts val="150"/>
+              </a:spcBef>
+              <a:spcAft>
+                <a:spcPts val="300"/>
+              </a:spcAft>
+              <a:buClrTx/>
+              <a:buFont typeface="Calibri"/>
+              <a:buChar char="◦"/>
+              <a:defRPr sz="1050">
+                <a:solidFill>
+                  <a:schemeClr val="tx1">
+                    <a:lumMod val="75000"/>
+                    <a:lumOff val="25000"/>
+                  </a:schemeClr>
+                </a:solidFill>
+                <a:latin typeface="Nunito"/>
+                <a:ea typeface="+mn-ea"/>
+                <a:cs typeface="+mn-cs"/>
+              </a:defRPr>
+            </a:lvl3pPr>
+            <a:lvl4pPr marL="562356" indent="-137160" algn="l" defTabSz="685800">
               <a:lnSpc>
-                <a:spcPct val="150000"/>
+                <a:spcPct val="100000"/>
               </a:lnSpc>
-              <a:defRPr/>
-            </a:pPr>
-            <a:r>
-              <a:rPr lang="en-US" sz="1800">
-                <a:solidFill>
-                  <a:srgbClr val="22E298"/>
-                </a:solidFill>
-              </a:rPr>
-              <a:t>Entwurf</a:t>
-            </a:r>
-            <a:endParaRPr lang="en-US" sz="1800"/>
-          </a:p>
-          <a:p>
-            <a:pPr>
+              <a:spcBef>
+                <a:spcPts val="150"/>
+              </a:spcBef>
+              <a:spcAft>
+                <a:spcPts val="300"/>
+              </a:spcAft>
+              <a:buClrTx/>
+              <a:buFont typeface="Calibri"/>
+              <a:buChar char="◦"/>
+              <a:defRPr sz="1050">
+                <a:solidFill>
+                  <a:schemeClr val="tx1">
+                    <a:lumMod val="75000"/>
+                    <a:lumOff val="25000"/>
+                  </a:schemeClr>
+                </a:solidFill>
+                <a:latin typeface="Nunito"/>
+                <a:ea typeface="+mn-ea"/>
+                <a:cs typeface="+mn-cs"/>
+              </a:defRPr>
+            </a:lvl4pPr>
+            <a:lvl5pPr marL="699516" indent="-137160" algn="l" defTabSz="685800">
               <a:lnSpc>
-                <a:spcPct val="150000"/>
+                <a:spcPct val="100000"/>
               </a:lnSpc>
+              <a:spcBef>
+                <a:spcPts val="150"/>
+              </a:spcBef>
+              <a:spcAft>
+                <a:spcPts val="300"/>
+              </a:spcAft>
+              <a:buClrTx/>
+              <a:buFont typeface="Calibri"/>
+              <a:buChar char="◦"/>
+              <a:defRPr sz="1050">
+                <a:solidFill>
+                  <a:schemeClr val="tx1">
+                    <a:lumMod val="75000"/>
+                    <a:lumOff val="25000"/>
+                  </a:schemeClr>
+                </a:solidFill>
+                <a:latin typeface="Nunito"/>
+                <a:ea typeface="+mn-ea"/>
+                <a:cs typeface="+mn-cs"/>
+              </a:defRPr>
+            </a:lvl5pPr>
+            <a:lvl6pPr marL="825000" indent="-171450" algn="l" defTabSz="685800">
+              <a:lnSpc>
+                <a:spcPct val="90000"/>
+              </a:lnSpc>
+              <a:spcBef>
+                <a:spcPts val="150"/>
+              </a:spcBef>
+              <a:spcAft>
+                <a:spcPts val="300"/>
+              </a:spcAft>
+              <a:buClr>
+                <a:schemeClr val="accent1"/>
+              </a:buClr>
+              <a:buFont typeface="Calibri"/>
+              <a:buChar char="◦"/>
+              <a:defRPr sz="1050">
+                <a:solidFill>
+                  <a:schemeClr val="tx1">
+                    <a:lumMod val="75000"/>
+                    <a:lumOff val="25000"/>
+                  </a:schemeClr>
+                </a:solidFill>
+                <a:latin typeface="+mn-lt"/>
+                <a:ea typeface="+mn-ea"/>
+                <a:cs typeface="+mn-cs"/>
+              </a:defRPr>
+            </a:lvl6pPr>
+            <a:lvl7pPr marL="975000" indent="-171450" algn="l" defTabSz="685800">
+              <a:lnSpc>
+                <a:spcPct val="90000"/>
+              </a:lnSpc>
+              <a:spcBef>
+                <a:spcPts val="150"/>
+              </a:spcBef>
+              <a:spcAft>
+                <a:spcPts val="300"/>
+              </a:spcAft>
+              <a:buClr>
+                <a:schemeClr val="accent1"/>
+              </a:buClr>
+              <a:buFont typeface="Calibri"/>
+              <a:buChar char="◦"/>
+              <a:defRPr sz="1050">
+                <a:solidFill>
+                  <a:schemeClr val="tx1">
+                    <a:lumMod val="75000"/>
+                    <a:lumOff val="25000"/>
+                  </a:schemeClr>
+                </a:solidFill>
+                <a:latin typeface="+mn-lt"/>
+                <a:ea typeface="+mn-ea"/>
+                <a:cs typeface="+mn-cs"/>
+              </a:defRPr>
+            </a:lvl7pPr>
+            <a:lvl8pPr marL="1125000" indent="-171450" algn="l" defTabSz="685800">
+              <a:lnSpc>
+                <a:spcPct val="90000"/>
+              </a:lnSpc>
+              <a:spcBef>
+                <a:spcPts val="150"/>
+              </a:spcBef>
+              <a:spcAft>
+                <a:spcPts val="300"/>
+              </a:spcAft>
+              <a:buClr>
+                <a:schemeClr val="accent1"/>
+              </a:buClr>
+              <a:buFont typeface="Calibri"/>
+              <a:buChar char="◦"/>
+              <a:defRPr sz="1050">
+                <a:solidFill>
+                  <a:schemeClr val="tx1">
+                    <a:lumMod val="75000"/>
+                    <a:lumOff val="25000"/>
+                  </a:schemeClr>
+                </a:solidFill>
+                <a:latin typeface="+mn-lt"/>
+                <a:ea typeface="+mn-ea"/>
+                <a:cs typeface="+mn-cs"/>
+              </a:defRPr>
+            </a:lvl8pPr>
+            <a:lvl9pPr marL="1275000" indent="-171450" algn="l" defTabSz="685800">
+              <a:lnSpc>
+                <a:spcPct val="90000"/>
+              </a:lnSpc>
+              <a:spcBef>
+                <a:spcPts val="150"/>
+              </a:spcBef>
+              <a:spcAft>
+                <a:spcPts val="300"/>
+              </a:spcAft>
+              <a:buClr>
+                <a:schemeClr val="accent1"/>
+              </a:buClr>
+              <a:buFont typeface="Calibri"/>
+              <a:buChar char="◦"/>
+              <a:defRPr sz="1050">
+                <a:solidFill>
+                  <a:schemeClr val="tx1">
+                    <a:lumMod val="75000"/>
+                    <a:lumOff val="25000"/>
+                  </a:schemeClr>
+                </a:solidFill>
+                <a:latin typeface="+mn-lt"/>
+                <a:ea typeface="+mn-ea"/>
+                <a:cs typeface="+mn-cs"/>
+              </a:defRPr>
+            </a:lvl9pPr>
+          </a:lstStyle>
+          <a:p>
+            <a:pPr algn="ctr">
               <a:defRPr/>
             </a:pPr>
             <a:r>
               <a:rPr lang="en-US" sz="1800"/>
-              <a:t>Implementierung</a:t>
-            </a:r>
-            <a:endParaRPr lang="en-US" sz="1800"/>
-          </a:p>
-          <a:p>
-            <a:pPr>
+              <a:t>VOLLSTÄNDIG</a:t>
+            </a:r>
+            <a:endParaRPr/>
+          </a:p>
+        </p:txBody>
+      </p:sp>
+      <p:sp>
+        <p:nvSpPr>
+          <p:cNvPr id="16" name="Text Placeholder 23" hidden="0"/>
+          <p:cNvSpPr txBox="1"/>
+          <p:nvPr isPhoto="0" userDrawn="0"/>
+        </p:nvSpPr>
+        <p:spPr bwMode="auto">
+          <a:xfrm>
+            <a:off x="6136600" y="4426480"/>
+            <a:ext cx="2270760" cy="583534"/>
+          </a:xfrm>
+          <a:prstGeom prst="rect">
+            <a:avLst/>
+          </a:prstGeom>
+        </p:spPr>
+        <p:txBody>
+          <a:bodyPr anchor="ctr">
+            <a:noAutofit/>
+          </a:bodyPr>
+          <a:lstStyle>
+            <a:lvl1pPr marL="68580" indent="-68580" algn="l" defTabSz="685800">
               <a:lnSpc>
-                <a:spcPct val="150000"/>
+                <a:spcPct val="100000"/>
               </a:lnSpc>
+              <a:spcBef>
+                <a:spcPts val="900"/>
+              </a:spcBef>
+              <a:spcAft>
+                <a:spcPts val="150"/>
+              </a:spcAft>
+              <a:buClr>
+                <a:schemeClr val="accent1"/>
+              </a:buClr>
+              <a:buSzPct val="100000"/>
+              <a:buFont typeface="Calibri"/>
+              <a:buChar char=" "/>
+              <a:defRPr sz="1500">
+                <a:solidFill>
+                  <a:schemeClr val="tx1">
+                    <a:lumMod val="75000"/>
+                    <a:lumOff val="25000"/>
+                  </a:schemeClr>
+                </a:solidFill>
+                <a:latin typeface="Nunito"/>
+                <a:ea typeface="+mn-ea"/>
+                <a:cs typeface="+mn-cs"/>
+              </a:defRPr>
+            </a:lvl1pPr>
+            <a:lvl2pPr marL="288036" indent="-137160" algn="l" defTabSz="685800">
+              <a:lnSpc>
+                <a:spcPct val="100000"/>
+              </a:lnSpc>
+              <a:spcBef>
+                <a:spcPts val="150"/>
+              </a:spcBef>
+              <a:spcAft>
+                <a:spcPts val="300"/>
+              </a:spcAft>
+              <a:buClrTx/>
+              <a:buFont typeface="Calibri"/>
+              <a:buChar char="◦"/>
+              <a:defRPr sz="1350">
+                <a:solidFill>
+                  <a:schemeClr val="tx1">
+                    <a:lumMod val="75000"/>
+                    <a:lumOff val="25000"/>
+                  </a:schemeClr>
+                </a:solidFill>
+                <a:latin typeface="Nunito"/>
+                <a:ea typeface="+mn-ea"/>
+                <a:cs typeface="+mn-cs"/>
+              </a:defRPr>
+            </a:lvl2pPr>
+            <a:lvl3pPr marL="425196" indent="-137160" algn="l" defTabSz="685800">
+              <a:lnSpc>
+                <a:spcPct val="100000"/>
+              </a:lnSpc>
+              <a:spcBef>
+                <a:spcPts val="150"/>
+              </a:spcBef>
+              <a:spcAft>
+                <a:spcPts val="300"/>
+              </a:spcAft>
+              <a:buClrTx/>
+              <a:buFont typeface="Calibri"/>
+              <a:buChar char="◦"/>
+              <a:defRPr sz="1050">
+                <a:solidFill>
+                  <a:schemeClr val="tx1">
+                    <a:lumMod val="75000"/>
+                    <a:lumOff val="25000"/>
+                  </a:schemeClr>
+                </a:solidFill>
+                <a:latin typeface="Nunito"/>
+                <a:ea typeface="+mn-ea"/>
+                <a:cs typeface="+mn-cs"/>
+              </a:defRPr>
+            </a:lvl3pPr>
+            <a:lvl4pPr marL="562356" indent="-137160" algn="l" defTabSz="685800">
+              <a:lnSpc>
+                <a:spcPct val="100000"/>
+              </a:lnSpc>
+              <a:spcBef>
+                <a:spcPts val="150"/>
+              </a:spcBef>
+              <a:spcAft>
+                <a:spcPts val="300"/>
+              </a:spcAft>
+              <a:buClrTx/>
+              <a:buFont typeface="Calibri"/>
+              <a:buChar char="◦"/>
+              <a:defRPr sz="1050">
+                <a:solidFill>
+                  <a:schemeClr val="tx1">
+                    <a:lumMod val="75000"/>
+                    <a:lumOff val="25000"/>
+                  </a:schemeClr>
+                </a:solidFill>
+                <a:latin typeface="Nunito"/>
+                <a:ea typeface="+mn-ea"/>
+                <a:cs typeface="+mn-cs"/>
+              </a:defRPr>
+            </a:lvl4pPr>
+            <a:lvl5pPr marL="699516" indent="-137160" algn="l" defTabSz="685800">
+              <a:lnSpc>
+                <a:spcPct val="100000"/>
+              </a:lnSpc>
+              <a:spcBef>
+                <a:spcPts val="150"/>
+              </a:spcBef>
+              <a:spcAft>
+                <a:spcPts val="300"/>
+              </a:spcAft>
+              <a:buClrTx/>
+              <a:buFont typeface="Calibri"/>
+              <a:buChar char="◦"/>
+              <a:defRPr sz="1050">
+                <a:solidFill>
+                  <a:schemeClr val="tx1">
+                    <a:lumMod val="75000"/>
+                    <a:lumOff val="25000"/>
+                  </a:schemeClr>
+                </a:solidFill>
+                <a:latin typeface="Nunito"/>
+                <a:ea typeface="+mn-ea"/>
+                <a:cs typeface="+mn-cs"/>
+              </a:defRPr>
+            </a:lvl5pPr>
+            <a:lvl6pPr marL="825000" indent="-171450" algn="l" defTabSz="685800">
+              <a:lnSpc>
+                <a:spcPct val="90000"/>
+              </a:lnSpc>
+              <a:spcBef>
+                <a:spcPts val="150"/>
+              </a:spcBef>
+              <a:spcAft>
+                <a:spcPts val="300"/>
+              </a:spcAft>
+              <a:buClr>
+                <a:schemeClr val="accent1"/>
+              </a:buClr>
+              <a:buFont typeface="Calibri"/>
+              <a:buChar char="◦"/>
+              <a:defRPr sz="1050">
+                <a:solidFill>
+                  <a:schemeClr val="tx1">
+                    <a:lumMod val="75000"/>
+                    <a:lumOff val="25000"/>
+                  </a:schemeClr>
+                </a:solidFill>
+                <a:latin typeface="+mn-lt"/>
+                <a:ea typeface="+mn-ea"/>
+                <a:cs typeface="+mn-cs"/>
+              </a:defRPr>
+            </a:lvl6pPr>
+            <a:lvl7pPr marL="975000" indent="-171450" algn="l" defTabSz="685800">
+              <a:lnSpc>
+                <a:spcPct val="90000"/>
+              </a:lnSpc>
+              <a:spcBef>
+                <a:spcPts val="150"/>
+              </a:spcBef>
+              <a:spcAft>
+                <a:spcPts val="300"/>
+              </a:spcAft>
+              <a:buClr>
+                <a:schemeClr val="accent1"/>
+              </a:buClr>
+              <a:buFont typeface="Calibri"/>
+              <a:buChar char="◦"/>
+              <a:defRPr sz="1050">
+                <a:solidFill>
+                  <a:schemeClr val="tx1">
+                    <a:lumMod val="75000"/>
+                    <a:lumOff val="25000"/>
+                  </a:schemeClr>
+                </a:solidFill>
+                <a:latin typeface="+mn-lt"/>
+                <a:ea typeface="+mn-ea"/>
+                <a:cs typeface="+mn-cs"/>
+              </a:defRPr>
+            </a:lvl7pPr>
+            <a:lvl8pPr marL="1125000" indent="-171450" algn="l" defTabSz="685800">
+              <a:lnSpc>
+                <a:spcPct val="90000"/>
+              </a:lnSpc>
+              <a:spcBef>
+                <a:spcPts val="150"/>
+              </a:spcBef>
+              <a:spcAft>
+                <a:spcPts val="300"/>
+              </a:spcAft>
+              <a:buClr>
+                <a:schemeClr val="accent1"/>
+              </a:buClr>
+              <a:buFont typeface="Calibri"/>
+              <a:buChar char="◦"/>
+              <a:defRPr sz="1050">
+                <a:solidFill>
+                  <a:schemeClr val="tx1">
+                    <a:lumMod val="75000"/>
+                    <a:lumOff val="25000"/>
+                  </a:schemeClr>
+                </a:solidFill>
+                <a:latin typeface="+mn-lt"/>
+                <a:ea typeface="+mn-ea"/>
+                <a:cs typeface="+mn-cs"/>
+              </a:defRPr>
+            </a:lvl8pPr>
+            <a:lvl9pPr marL="1275000" indent="-171450" algn="l" defTabSz="685800">
+              <a:lnSpc>
+                <a:spcPct val="90000"/>
+              </a:lnSpc>
+              <a:spcBef>
+                <a:spcPts val="150"/>
+              </a:spcBef>
+              <a:spcAft>
+                <a:spcPts val="300"/>
+              </a:spcAft>
+              <a:buClr>
+                <a:schemeClr val="accent1"/>
+              </a:buClr>
+              <a:buFont typeface="Calibri"/>
+              <a:buChar char="◦"/>
+              <a:defRPr sz="1050">
+                <a:solidFill>
+                  <a:schemeClr val="tx1">
+                    <a:lumMod val="75000"/>
+                    <a:lumOff val="25000"/>
+                  </a:schemeClr>
+                </a:solidFill>
+                <a:latin typeface="+mn-lt"/>
+                <a:ea typeface="+mn-ea"/>
+                <a:cs typeface="+mn-cs"/>
+              </a:defRPr>
+            </a:lvl9pPr>
+          </a:lstStyle>
+          <a:p>
+            <a:pPr algn="ctr">
               <a:defRPr/>
             </a:pPr>
             <a:r>
               <a:rPr lang="en-US" sz="1800"/>
-              <a:t>Fazit</a:t>
-            </a:r>
-            <a:r>
-              <a:rPr lang="en-US" sz="1800"/>
-              <a:t> und </a:t>
-            </a:r>
-            <a:r>
-              <a:rPr lang="en-US" sz="1800"/>
-              <a:t>Ausblick</a:t>
-            </a:r>
-            <a:endParaRPr lang="en-US" sz="1800"/>
-          </a:p>
-        </p:txBody>
-      </p:sp>
-      <p:sp>
-        <p:nvSpPr>
-          <p:cNvPr id="19557407" name="Fußzeilenplatzhalter 1" hidden="0"/>
-          <p:cNvSpPr>
-            <a:spLocks noGrp="1"/>
-          </p:cNvSpPr>
-          <p:nvPr isPhoto="0" userDrawn="0">
-            <p:ph type="ftr" sz="quarter" idx="3" hasCustomPrompt="0"/>
-          </p:nvPr>
-        </p:nvSpPr>
-        <p:spPr bwMode="auto"/>
-        <p:txBody>
-          <a:bodyPr/>
-          <a:lstStyle/>
-          <a:p>
-            <a:pPr>
-              <a:defRPr/>
-            </a:pPr>
-            <a:r>
-              <a:rPr lang="en-US"/>
-              <a:t>Control Center – zwei komponenten Monitoring Tool</a:t>
-            </a:r>
-            <a:endParaRPr lang="en-US"/>
+              <a:t>DSGVO KONFORM</a:t>
+            </a:r>
+            <a:endParaRPr/>
           </a:p>
         </p:txBody>
       </p:sp>

--- a/Abschluss_präsi.pptx
+++ b/Abschluss_präsi.pptx
@@ -1,30 +1,34 @@
 
 <file path=ppt/presentation.xml><?xml version="1.0" encoding="utf-8"?>
-<p:presentation xmlns:a="http://schemas.openxmlformats.org/drawingml/2006/main" xmlns:r="http://schemas.openxmlformats.org/officeDocument/2006/relationships" xmlns:p="http://schemas.openxmlformats.org/presentationml/2006/main" xmlns:m="http://schemas.openxmlformats.org/officeDocument/2006/math" xmlns:w="http://schemas.openxmlformats.org/wordprocessingml/2006/main" autoCompressPictures="0" saveSubsetFonts="1">
+<p:presentation xmlns:a="http://schemas.openxmlformats.org/drawingml/2006/main" xmlns:r="http://schemas.openxmlformats.org/officeDocument/2006/relationships" xmlns:p="http://schemas.openxmlformats.org/presentationml/2006/main" saveSubsetFonts="1" autoCompressPictures="0">
   <p:sldMasterIdLst>
     <p:sldMasterId id="2147483648" r:id="rId1"/>
   </p:sldMasterIdLst>
   <p:notesMasterIdLst>
-    <p:notesMasterId r:id="rId21"/>
+    <p:notesMasterId r:id="rId23"/>
   </p:notesMasterIdLst>
   <p:sldIdLst>
-    <p:sldId id="256" r:id="rId4"/>
-    <p:sldId id="257" r:id="rId5"/>
-    <p:sldId id="258" r:id="rId6"/>
-    <p:sldId id="259" r:id="rId7"/>
-    <p:sldId id="260" r:id="rId8"/>
-    <p:sldId id="261" r:id="rId9"/>
-    <p:sldId id="262" r:id="rId10"/>
-    <p:sldId id="263" r:id="rId11"/>
-    <p:sldId id="264" r:id="rId12"/>
-    <p:sldId id="265" r:id="rId13"/>
+    <p:sldId id="256" r:id="rId2"/>
+    <p:sldId id="257" r:id="rId3"/>
+    <p:sldId id="258" r:id="rId4"/>
+    <p:sldId id="259" r:id="rId5"/>
+    <p:sldId id="260" r:id="rId6"/>
+    <p:sldId id="261" r:id="rId7"/>
+    <p:sldId id="262" r:id="rId8"/>
+    <p:sldId id="263" r:id="rId9"/>
+    <p:sldId id="264" r:id="rId10"/>
+    <p:sldId id="265" r:id="rId11"/>
+    <p:sldId id="274" r:id="rId12"/>
+    <p:sldId id="275" r:id="rId13"/>
     <p:sldId id="266" r:id="rId14"/>
-    <p:sldId id="267" r:id="rId15"/>
-    <p:sldId id="268" r:id="rId16"/>
-    <p:sldId id="269" r:id="rId17"/>
-    <p:sldId id="270" r:id="rId18"/>
-    <p:sldId id="271" r:id="rId19"/>
-    <p:sldId id="272" r:id="rId20"/>
+    <p:sldId id="277" r:id="rId15"/>
+    <p:sldId id="267" r:id="rId16"/>
+    <p:sldId id="276" r:id="rId17"/>
+    <p:sldId id="268" r:id="rId18"/>
+    <p:sldId id="269" r:id="rId19"/>
+    <p:sldId id="270" r:id="rId20"/>
+    <p:sldId id="271" r:id="rId21"/>
+    <p:sldId id="272" r:id="rId22"/>
   </p:sldIdLst>
   <p:sldSz cx="9144000" cy="6858000" type="screen4x3"/>
   <p:notesSz cx="9144000" cy="6858000"/>
@@ -123,12 +127,28 @@
       </a:defRPr>
     </a:lvl9pPr>
   </p:defaultTextStyle>
+  <p:extLst>
+    <p:ext uri="{EFAFB233-063F-42B5-8137-9DF3F51BA10A}">
+      <p15:sldGuideLst xmlns:p15="http://schemas.microsoft.com/office/powerpoint/2012/main">
+        <p15:guide id="1" orient="horz" pos="2160">
+          <p15:clr>
+            <a:srgbClr val="A4A3A4"/>
+          </p15:clr>
+        </p15:guide>
+        <p15:guide id="2" pos="2880">
+          <p15:clr>
+            <a:srgbClr val="A4A3A4"/>
+          </p15:clr>
+        </p15:guide>
+      </p15:sldGuideLst>
+    </p:ext>
+  </p:extLst>
 </p:presentation>
 </file>
 
 <file path=ppt/notesMasters/notesMaster1.xml><?xml version="1.0" encoding="utf-8"?>
 <p:notesMaster xmlns:a="http://schemas.openxmlformats.org/drawingml/2006/main" xmlns:r="http://schemas.openxmlformats.org/officeDocument/2006/relationships" xmlns:p="http://schemas.openxmlformats.org/presentationml/2006/main">
-  <p:cSld name="">
+  <p:cSld>
     <p:bg>
       <p:bgRef idx="1001">
         <a:schemeClr val="bg1"/>
@@ -136,9 +156,9 @@
     </p:bg>
     <p:spTree>
       <p:nvGrpSpPr>
-        <p:cNvPr id="1" name="" hidden="0"/>
+        <p:cNvPr id="1" name=""/>
         <p:cNvGrpSpPr/>
-        <p:nvPr isPhoto="0" userDrawn="0"/>
+        <p:nvPr/>
       </p:nvGrpSpPr>
       <p:grpSpPr bwMode="auto">
         <a:xfrm>
@@ -150,12 +170,12 @@
       </p:grpSpPr>
       <p:sp>
         <p:nvSpPr>
-          <p:cNvPr id="2" name="Header Placeholder 1" hidden="0"/>
-          <p:cNvSpPr>
-            <a:spLocks noGrp="1"/>
-          </p:cNvSpPr>
-          <p:nvPr isPhoto="0" userDrawn="0">
-            <p:ph type="hdr" sz="quarter" hasCustomPrompt="0"/>
+          <p:cNvPr id="2" name="Header Placeholder 1"/>
+          <p:cNvSpPr>
+            <a:spLocks noGrp="1"/>
+          </p:cNvSpPr>
+          <p:nvPr>
+            <p:ph type="hdr" sz="quarter"/>
           </p:nvPr>
         </p:nvSpPr>
         <p:spPr bwMode="auto">
@@ -184,12 +204,12 @@
       </p:sp>
       <p:sp>
         <p:nvSpPr>
-          <p:cNvPr id="3" name="Date Placeholder 2" hidden="0"/>
-          <p:cNvSpPr>
-            <a:spLocks noGrp="1"/>
-          </p:cNvSpPr>
-          <p:nvPr isPhoto="0" userDrawn="0">
-            <p:ph type="dt" idx="1" hasCustomPrompt="0"/>
+          <p:cNvPr id="3" name="Date Placeholder 2"/>
+          <p:cNvSpPr>
+            <a:spLocks noGrp="1"/>
+          </p:cNvSpPr>
+          <p:nvPr>
+            <p:ph type="dt" idx="1"/>
           </p:nvPr>
         </p:nvSpPr>
         <p:spPr bwMode="auto">
@@ -214,7 +234,7 @@
             </a:pPr>
             <a:fld id="{FA086365-1DE3-4206-8631-568DB8EFC2CA}" type="datetimeFigureOut">
               <a:rPr lang="en-US"/>
-              <a:t/>
+              <a:t>6/9/2022</a:t>
             </a:fld>
             <a:endParaRPr lang="en-US"/>
           </a:p>
@@ -222,12 +242,12 @@
       </p:sp>
       <p:sp>
         <p:nvSpPr>
-          <p:cNvPr id="4" name="Slide Image Placeholder 3" hidden="0"/>
-          <p:cNvSpPr>
-            <a:spLocks noChangeAspect="1" noGrp="1" noRot="1"/>
-          </p:cNvSpPr>
-          <p:nvPr isPhoto="0" userDrawn="0">
-            <p:ph type="sldImg" idx="2" hasCustomPrompt="0"/>
+          <p:cNvPr id="4" name="Slide Image Placeholder 3"/>
+          <p:cNvSpPr>
+            <a:spLocks noGrp="1" noRot="1" noChangeAspect="1"/>
+          </p:cNvSpPr>
+          <p:nvPr>
+            <p:ph type="sldImg" idx="2"/>
           </p:nvPr>
         </p:nvSpPr>
         <p:spPr bwMode="auto">
@@ -258,12 +278,12 @@
       </p:sp>
       <p:sp>
         <p:nvSpPr>
-          <p:cNvPr id="5" name="Notes Placeholder 4" hidden="0"/>
-          <p:cNvSpPr>
-            <a:spLocks noGrp="1"/>
-          </p:cNvSpPr>
-          <p:nvPr isPhoto="0" userDrawn="0">
-            <p:ph type="body" sz="quarter" idx="3" hasCustomPrompt="0"/>
+          <p:cNvPr id="5" name="Notes Placeholder 4"/>
+          <p:cNvSpPr>
+            <a:spLocks noGrp="1"/>
+          </p:cNvSpPr>
+          <p:nvPr>
+            <p:ph type="body" sz="quarter" idx="3"/>
           </p:nvPr>
         </p:nvSpPr>
         <p:spPr bwMode="auto">
@@ -332,12 +352,12 @@
       </p:sp>
       <p:sp>
         <p:nvSpPr>
-          <p:cNvPr id="6" name="Footer Placeholder 5" hidden="0"/>
-          <p:cNvSpPr>
-            <a:spLocks noGrp="1"/>
-          </p:cNvSpPr>
-          <p:nvPr isPhoto="0" userDrawn="0">
-            <p:ph type="ftr" sz="quarter" idx="4" hasCustomPrompt="0"/>
+          <p:cNvPr id="6" name="Footer Placeholder 5"/>
+          <p:cNvSpPr>
+            <a:spLocks noGrp="1"/>
+          </p:cNvSpPr>
+          <p:nvPr>
+            <p:ph type="ftr" sz="quarter" idx="4"/>
           </p:nvPr>
         </p:nvSpPr>
         <p:spPr bwMode="auto">
@@ -364,18 +384,17 @@
               <a:rPr lang="en-US"/>
               <a:t>Eduard Schwarzkopf</a:t>
             </a:r>
-            <a:endParaRPr lang="en-US"/>
-          </a:p>
-        </p:txBody>
-      </p:sp>
-      <p:sp>
-        <p:nvSpPr>
-          <p:cNvPr id="7" name="Slide Number Placeholder 6" hidden="0"/>
-          <p:cNvSpPr>
-            <a:spLocks noGrp="1"/>
-          </p:cNvSpPr>
-          <p:nvPr isPhoto="0" userDrawn="0">
-            <p:ph type="sldNum" sz="quarter" idx="5" hasCustomPrompt="0"/>
+          </a:p>
+        </p:txBody>
+      </p:sp>
+      <p:sp>
+        <p:nvSpPr>
+          <p:cNvPr id="7" name="Slide Number Placeholder 6"/>
+          <p:cNvSpPr>
+            <a:spLocks noGrp="1"/>
+          </p:cNvSpPr>
+          <p:nvPr>
+            <p:ph type="sldNum" sz="quarter" idx="5"/>
           </p:nvPr>
         </p:nvSpPr>
         <p:spPr bwMode="auto">
@@ -400,7 +419,7 @@
             </a:pPr>
             <a:fld id="{767E557C-9E66-43F1-9F87-179A985BA47D}" type="slidenum">
               <a:rPr lang="en-US"/>
-              <a:t/>
+              <a:t>‹Nr.›</a:t>
             </a:fld>
             <a:endParaRPr lang="en-US"/>
           </a:p>
@@ -409,7 +428,7 @@
     </p:spTree>
   </p:cSld>
   <p:clrMap bg1="lt1" tx1="dk1" bg2="lt2" tx2="dk2" accent1="accent1" accent2="accent2" accent3="accent3" accent4="accent4" accent5="accent5" accent6="accent6" hlink="hlink" folHlink="folHlink"/>
-  <p:hf dt="0" ftr="0" hdr="0" sldNum="0"/>
+  <p:hf sldNum="0" hdr="0" ftr="0" dt="0"/>
   <p:notesStyle>
     <a:lvl1pPr marL="0" algn="l" defTabSz="914400">
       <a:defRPr sz="1200">
@@ -506,13 +525,74 @@
 </file>
 
 <file path=ppt/notesSlides/notesSlide1.xml><?xml version="1.0" encoding="utf-8"?>
-<p:notes xmlns:a="http://schemas.openxmlformats.org/drawingml/2006/main" xmlns:r="http://schemas.openxmlformats.org/officeDocument/2006/relationships" xmlns:p="http://schemas.openxmlformats.org/presentationml/2006/main" xmlns:m="http://schemas.openxmlformats.org/officeDocument/2006/math" xmlns:w="http://schemas.openxmlformats.org/wordprocessingml/2006/main">
-  <p:cSld name="">
+<p:notes xmlns:a="http://schemas.openxmlformats.org/drawingml/2006/main" xmlns:r="http://schemas.openxmlformats.org/officeDocument/2006/relationships" xmlns:p="http://schemas.openxmlformats.org/presentationml/2006/main">
+  <p:cSld>
     <p:spTree>
       <p:nvGrpSpPr>
-        <p:cNvPr id="1" name="" hidden="0"/>
+        <p:cNvPr id="1" name=""/>
         <p:cNvGrpSpPr/>
-        <p:nvPr isPhoto="0" userDrawn="0"/>
+        <p:nvPr/>
+      </p:nvGrpSpPr>
+      <p:grpSpPr>
+        <a:xfrm>
+          <a:off x="0" y="0"/>
+          <a:ext cx="0" cy="0"/>
+          <a:chOff x="0" y="0"/>
+          <a:chExt cx="0" cy="0"/>
+        </a:xfrm>
+      </p:grpSpPr>
+      <p:sp>
+        <p:nvSpPr>
+          <p:cNvPr id="2" name="Folienbildplatzhalter 1"/>
+          <p:cNvSpPr>
+            <a:spLocks noGrp="1" noRot="1" noChangeAspect="1"/>
+          </p:cNvSpPr>
+          <p:nvPr>
+            <p:ph type="sldImg"/>
+          </p:nvPr>
+        </p:nvSpPr>
+        <p:spPr/>
+      </p:sp>
+      <p:sp>
+        <p:nvSpPr>
+          <p:cNvPr id="3" name="Notizenplatzhalter 2"/>
+          <p:cNvSpPr>
+            <a:spLocks noGrp="1"/>
+          </p:cNvSpPr>
+          <p:nvPr>
+            <p:ph type="body" idx="1"/>
+          </p:nvPr>
+        </p:nvSpPr>
+        <p:spPr/>
+        <p:txBody>
+          <a:bodyPr/>
+          <a:lstStyle/>
+          <a:p>
+            <a:endParaRPr lang="de-DE" dirty="0"/>
+          </a:p>
+        </p:txBody>
+      </p:sp>
+    </p:spTree>
+    <p:extLst>
+      <p:ext uri="{BB962C8B-B14F-4D97-AF65-F5344CB8AC3E}">
+        <p14:creationId xmlns:p14="http://schemas.microsoft.com/office/powerpoint/2010/main" val="2236722410"/>
+      </p:ext>
+    </p:extLst>
+  </p:cSld>
+  <p:clrMapOvr>
+    <a:masterClrMapping/>
+  </p:clrMapOvr>
+</p:notes>
+</file>
+
+<file path=ppt/notesSlides/notesSlide2.xml><?xml version="1.0" encoding="utf-8"?>
+<p:notes xmlns:a="http://schemas.openxmlformats.org/drawingml/2006/main" xmlns:r="http://schemas.openxmlformats.org/officeDocument/2006/relationships" xmlns:p="http://schemas.openxmlformats.org/presentationml/2006/main">
+  <p:cSld>
+    <p:spTree>
+      <p:nvGrpSpPr>
+        <p:cNvPr id="1" name=""/>
+        <p:cNvGrpSpPr/>
+        <p:nvPr/>
       </p:nvGrpSpPr>
       <p:grpSpPr bwMode="auto">
         <a:xfrm>
@@ -524,24 +604,24 @@
       </p:grpSpPr>
       <p:sp>
         <p:nvSpPr>
-          <p:cNvPr id="2" name="Folienbildplatzhalter 1" hidden="0"/>
-          <p:cNvSpPr>
-            <a:spLocks noChangeAspect="1" noGrp="1" noRot="1"/>
-          </p:cNvSpPr>
-          <p:nvPr isPhoto="0" userDrawn="0">
-            <p:ph type="sldImg" hasCustomPrompt="0"/>
+          <p:cNvPr id="2" name="Folienbildplatzhalter 1"/>
+          <p:cNvSpPr>
+            <a:spLocks noGrp="1" noRot="1" noChangeAspect="1"/>
+          </p:cNvSpPr>
+          <p:nvPr>
+            <p:ph type="sldImg"/>
           </p:nvPr>
         </p:nvSpPr>
         <p:spPr bwMode="auto"/>
       </p:sp>
       <p:sp>
         <p:nvSpPr>
-          <p:cNvPr id="3" name="Notizenplatzhalter 2" hidden="0"/>
-          <p:cNvSpPr>
-            <a:spLocks noGrp="1"/>
-          </p:cNvSpPr>
-          <p:nvPr isPhoto="0" userDrawn="0">
-            <p:ph type="body" idx="1" hasCustomPrompt="0"/>
+          <p:cNvPr id="3" name="Notizenplatzhalter 2"/>
+          <p:cNvSpPr>
+            <a:spLocks noGrp="1"/>
+          </p:cNvSpPr>
+          <p:nvPr>
+            <p:ph type="body" idx="1"/>
           </p:nvPr>
         </p:nvSpPr>
         <p:spPr bwMode="auto"/>
@@ -556,23 +636,25 @@
               <a:rPr lang="de-DE"/>
               <a:t>Thema des Vortrags - </a:t>
             </a:r>
-            <a:endParaRPr lang="de-DE"/>
           </a:p>
         </p:txBody>
       </p:sp>
     </p:spTree>
   </p:cSld>
+  <p:clrMapOvr>
+    <a:masterClrMapping/>
+  </p:clrMapOvr>
 </p:notes>
 </file>
 
-<file path=ppt/notesSlides/notesSlide2.xml><?xml version="1.0" encoding="utf-8"?>
-<p:notes xmlns:a="http://schemas.openxmlformats.org/drawingml/2006/main" xmlns:r="http://schemas.openxmlformats.org/officeDocument/2006/relationships" xmlns:p="http://schemas.openxmlformats.org/presentationml/2006/main" xmlns:m="http://schemas.openxmlformats.org/officeDocument/2006/math" xmlns:w="http://schemas.openxmlformats.org/wordprocessingml/2006/main">
-  <p:cSld name="">
+<file path=ppt/notesSlides/notesSlide3.xml><?xml version="1.0" encoding="utf-8"?>
+<p:notes xmlns:a="http://schemas.openxmlformats.org/drawingml/2006/main" xmlns:r="http://schemas.openxmlformats.org/officeDocument/2006/relationships" xmlns:p="http://schemas.openxmlformats.org/presentationml/2006/main">
+  <p:cSld>
     <p:spTree>
       <p:nvGrpSpPr>
-        <p:cNvPr id="1" name="" hidden="0"/>
+        <p:cNvPr id="1" name=""/>
         <p:cNvGrpSpPr/>
-        <p:nvPr isPhoto="0" userDrawn="0"/>
+        <p:nvPr/>
       </p:nvGrpSpPr>
       <p:grpSpPr bwMode="auto">
         <a:xfrm>
@@ -584,24 +666,24 @@
       </p:grpSpPr>
       <p:sp>
         <p:nvSpPr>
-          <p:cNvPr id="2" name="Slide Image Placeholder 1" hidden="0"/>
-          <p:cNvSpPr>
-            <a:spLocks noChangeAspect="1" noGrp="1" noRot="1"/>
-          </p:cNvSpPr>
-          <p:nvPr isPhoto="0" userDrawn="0">
-            <p:ph type="sldImg" hasCustomPrompt="0"/>
+          <p:cNvPr id="2" name="Slide Image Placeholder 1"/>
+          <p:cNvSpPr>
+            <a:spLocks noGrp="1" noRot="1" noChangeAspect="1"/>
+          </p:cNvSpPr>
+          <p:nvPr>
+            <p:ph type="sldImg"/>
           </p:nvPr>
         </p:nvSpPr>
         <p:spPr bwMode="auto"/>
       </p:sp>
       <p:sp>
         <p:nvSpPr>
-          <p:cNvPr id="3" name="Notes Placeholder 2" hidden="0"/>
-          <p:cNvSpPr>
-            <a:spLocks noGrp="1"/>
-          </p:cNvSpPr>
-          <p:nvPr isPhoto="0" userDrawn="0">
-            <p:ph type="body" idx="1" hasCustomPrompt="0"/>
+          <p:cNvPr id="3" name="Notes Placeholder 2"/>
+          <p:cNvSpPr>
+            <a:spLocks noGrp="1"/>
+          </p:cNvSpPr>
+          <p:nvPr>
+            <p:ph type="body" idx="1"/>
           </p:nvPr>
         </p:nvSpPr>
         <p:spPr bwMode="auto"/>
@@ -613,21 +695,19 @@
               <a:defRPr/>
             </a:pPr>
             <a:r>
-              <a:rPr/>
               <a:t>Ist-Analyse</a:t>
             </a:r>
-            <a:endParaRPr/>
-          </a:p>
-        </p:txBody>
-      </p:sp>
-      <p:sp>
-        <p:nvSpPr>
-          <p:cNvPr id="4" name="Slide Number Placeholder 3" hidden="0"/>
-          <p:cNvSpPr>
-            <a:spLocks noGrp="1"/>
-          </p:cNvSpPr>
-          <p:nvPr isPhoto="0" userDrawn="0">
-            <p:ph type="sldNum" sz="quarter" idx="10" hasCustomPrompt="0"/>
+          </a:p>
+        </p:txBody>
+      </p:sp>
+      <p:sp>
+        <p:nvSpPr>
+          <p:cNvPr id="4" name="Slide Number Placeholder 3"/>
+          <p:cNvSpPr>
+            <a:spLocks noGrp="1"/>
+          </p:cNvSpPr>
+          <p:nvPr>
+            <p:ph type="sldNum" sz="quarter" idx="10"/>
           </p:nvPr>
         </p:nvSpPr>
         <p:spPr bwMode="auto"/>
@@ -644,17 +724,20 @@
       </p:sp>
     </p:spTree>
   </p:cSld>
+  <p:clrMapOvr>
+    <a:masterClrMapping/>
+  </p:clrMapOvr>
 </p:notes>
 </file>
 
-<file path=ppt/notesSlides/notesSlide3.xml><?xml version="1.0" encoding="utf-8"?>
-<p:notes xmlns:a="http://schemas.openxmlformats.org/drawingml/2006/main" xmlns:r="http://schemas.openxmlformats.org/officeDocument/2006/relationships" xmlns:p="http://schemas.openxmlformats.org/presentationml/2006/main" xmlns:m="http://schemas.openxmlformats.org/officeDocument/2006/math" xmlns:w="http://schemas.openxmlformats.org/wordprocessingml/2006/main">
-  <p:cSld name="">
+<file path=ppt/notesSlides/notesSlide4.xml><?xml version="1.0" encoding="utf-8"?>
+<p:notes xmlns:a="http://schemas.openxmlformats.org/drawingml/2006/main" xmlns:r="http://schemas.openxmlformats.org/officeDocument/2006/relationships" xmlns:p="http://schemas.openxmlformats.org/presentationml/2006/main">
+  <p:cSld>
     <p:spTree>
       <p:nvGrpSpPr>
-        <p:cNvPr id="1" name="" hidden="0"/>
+        <p:cNvPr id="1" name=""/>
         <p:cNvGrpSpPr/>
-        <p:nvPr isPhoto="0" userDrawn="0"/>
+        <p:nvPr/>
       </p:nvGrpSpPr>
       <p:grpSpPr bwMode="auto">
         <a:xfrm>
@@ -666,24 +749,24 @@
       </p:grpSpPr>
       <p:sp>
         <p:nvSpPr>
-          <p:cNvPr id="2" name="Folienbildplatzhalter 1" hidden="0"/>
-          <p:cNvSpPr>
-            <a:spLocks noChangeAspect="1" noGrp="1" noRot="1"/>
-          </p:cNvSpPr>
-          <p:nvPr isPhoto="0" userDrawn="0">
-            <p:ph type="sldImg" hasCustomPrompt="0"/>
+          <p:cNvPr id="2" name="Folienbildplatzhalter 1"/>
+          <p:cNvSpPr>
+            <a:spLocks noGrp="1" noRot="1" noChangeAspect="1"/>
+          </p:cNvSpPr>
+          <p:nvPr>
+            <p:ph type="sldImg"/>
           </p:nvPr>
         </p:nvSpPr>
         <p:spPr bwMode="auto"/>
       </p:sp>
       <p:sp>
         <p:nvSpPr>
-          <p:cNvPr id="3" name="Notizenplatzhalter 2" hidden="0"/>
-          <p:cNvSpPr>
-            <a:spLocks noGrp="1"/>
-          </p:cNvSpPr>
-          <p:nvPr isPhoto="0" userDrawn="0">
-            <p:ph type="body" idx="1" hasCustomPrompt="0"/>
+          <p:cNvPr id="3" name="Notizenplatzhalter 2"/>
+          <p:cNvSpPr>
+            <a:spLocks noGrp="1"/>
+          </p:cNvSpPr>
+          <p:nvPr>
+            <p:ph type="body" idx="1"/>
           </p:nvPr>
         </p:nvSpPr>
         <p:spPr bwMode="auto"/>
@@ -704,17 +787,20 @@
       </p:sp>
     </p:spTree>
   </p:cSld>
+  <p:clrMapOvr>
+    <a:masterClrMapping/>
+  </p:clrMapOvr>
 </p:notes>
 </file>
 
-<file path=ppt/notesSlides/notesSlide4.xml><?xml version="1.0" encoding="utf-8"?>
-<p:notes xmlns:a="http://schemas.openxmlformats.org/drawingml/2006/main" xmlns:r="http://schemas.openxmlformats.org/officeDocument/2006/relationships" xmlns:p="http://schemas.openxmlformats.org/presentationml/2006/main" xmlns:m="http://schemas.openxmlformats.org/officeDocument/2006/math" xmlns:w="http://schemas.openxmlformats.org/wordprocessingml/2006/main">
-  <p:cSld name="">
+<file path=ppt/notesSlides/notesSlide5.xml><?xml version="1.0" encoding="utf-8"?>
+<p:notes xmlns:a="http://schemas.openxmlformats.org/drawingml/2006/main" xmlns:r="http://schemas.openxmlformats.org/officeDocument/2006/relationships" xmlns:p="http://schemas.openxmlformats.org/presentationml/2006/main">
+  <p:cSld>
     <p:spTree>
       <p:nvGrpSpPr>
-        <p:cNvPr id="1" name="" hidden="0"/>
+        <p:cNvPr id="1" name=""/>
         <p:cNvGrpSpPr/>
-        <p:nvPr isPhoto="0" userDrawn="0"/>
+        <p:nvPr/>
       </p:nvGrpSpPr>
       <p:grpSpPr bwMode="auto">
         <a:xfrm>
@@ -726,24 +812,24 @@
       </p:grpSpPr>
       <p:sp>
         <p:nvSpPr>
-          <p:cNvPr id="2" name="Folienbildplatzhalter 1" hidden="0"/>
-          <p:cNvSpPr>
-            <a:spLocks noChangeAspect="1" noGrp="1" noRot="1"/>
-          </p:cNvSpPr>
-          <p:nvPr isPhoto="0" userDrawn="0">
-            <p:ph type="sldImg" hasCustomPrompt="0"/>
+          <p:cNvPr id="2" name="Folienbildplatzhalter 1"/>
+          <p:cNvSpPr>
+            <a:spLocks noGrp="1" noRot="1" noChangeAspect="1"/>
+          </p:cNvSpPr>
+          <p:nvPr>
+            <p:ph type="sldImg"/>
           </p:nvPr>
         </p:nvSpPr>
         <p:spPr bwMode="auto"/>
       </p:sp>
       <p:sp>
         <p:nvSpPr>
-          <p:cNvPr id="3" name="Notizenplatzhalter 2" hidden="0"/>
-          <p:cNvSpPr>
-            <a:spLocks noGrp="1"/>
-          </p:cNvSpPr>
-          <p:nvPr isPhoto="0" userDrawn="0">
-            <p:ph type="body" idx="1" hasCustomPrompt="0"/>
+          <p:cNvPr id="3" name="Notizenplatzhalter 2"/>
+          <p:cNvSpPr>
+            <a:spLocks noGrp="1"/>
+          </p:cNvSpPr>
+          <p:nvPr>
+            <p:ph type="body" idx="1"/>
           </p:nvPr>
         </p:nvSpPr>
         <p:spPr bwMode="auto"/>
@@ -764,24 +850,20 @@
       </p:sp>
     </p:spTree>
   </p:cSld>
+  <p:clrMapOvr>
+    <a:masterClrMapping/>
+  </p:clrMapOvr>
 </p:notes>
 </file>
 
-<file path=ppt/slideLayouts/slideLayout1.xml><?xml version="1.0" encoding="utf-8"?>
-<p:sldLayout xmlns:a="http://schemas.openxmlformats.org/drawingml/2006/main" xmlns:r="http://schemas.openxmlformats.org/officeDocument/2006/relationships" xmlns:p="http://schemas.openxmlformats.org/presentationml/2006/main" xmlns:m="http://schemas.openxmlformats.org/officeDocument/2006/math" xmlns:w="http://schemas.openxmlformats.org/wordprocessingml/2006/main" matchingName="" preserve="1" showMasterPhAnim="0" showMasterSp="0" type="title" userDrawn="1">
-  <p:cSld name="Titelfolie">
-    <p:bg>
-      <p:bgPr shadeToTitle="0">
-        <a:solidFill>
-          <a:schemeClr val="bg1"/>
-        </a:solidFill>
-      </p:bgPr>
-    </p:bg>
+<file path=ppt/notesSlides/notesSlide6.xml><?xml version="1.0" encoding="utf-8"?>
+<p:notes xmlns:a="http://schemas.openxmlformats.org/drawingml/2006/main" xmlns:r="http://schemas.openxmlformats.org/officeDocument/2006/relationships" xmlns:p="http://schemas.openxmlformats.org/presentationml/2006/main">
+  <p:cSld>
     <p:spTree>
       <p:nvGrpSpPr>
-        <p:cNvPr id="1" name="" hidden="0"/>
+        <p:cNvPr id="1" name=""/>
         <p:cNvGrpSpPr/>
-        <p:nvPr isPhoto="0" userDrawn="0"/>
+        <p:nvPr/>
       </p:nvGrpSpPr>
       <p:grpSpPr bwMode="auto">
         <a:xfrm>
@@ -793,9 +875,149 @@
       </p:grpSpPr>
       <p:sp>
         <p:nvSpPr>
-          <p:cNvPr id="12" name="Rectangle" hidden="0"/>
+          <p:cNvPr id="2" name="Folienbildplatzhalter 1"/>
+          <p:cNvSpPr>
+            <a:spLocks noGrp="1" noRot="1" noChangeAspect="1"/>
+          </p:cNvSpPr>
+          <p:nvPr>
+            <p:ph type="sldImg"/>
+          </p:nvPr>
+        </p:nvSpPr>
+        <p:spPr bwMode="auto"/>
+      </p:sp>
+      <p:sp>
+        <p:nvSpPr>
+          <p:cNvPr id="3" name="Notizenplatzhalter 2"/>
+          <p:cNvSpPr>
+            <a:spLocks noGrp="1"/>
+          </p:cNvSpPr>
+          <p:nvPr>
+            <p:ph type="body" idx="1"/>
+          </p:nvPr>
+        </p:nvSpPr>
+        <p:spPr bwMode="auto"/>
+        <p:txBody>
+          <a:bodyPr/>
+          <a:lstStyle/>
+          <a:p>
+            <a:pPr>
+              <a:defRPr/>
+            </a:pPr>
+            <a:r>
+              <a:rPr lang="de-DE"/>
+              <a:t>Projektbegründung hier auffassen</a:t>
+            </a:r>
+            <a:endParaRPr/>
+          </a:p>
+        </p:txBody>
+      </p:sp>
+    </p:spTree>
+    <p:extLst>
+      <p:ext uri="{BB962C8B-B14F-4D97-AF65-F5344CB8AC3E}">
+        <p14:creationId xmlns:p14="http://schemas.microsoft.com/office/powerpoint/2010/main" val="2087071544"/>
+      </p:ext>
+    </p:extLst>
+  </p:cSld>
+  <p:clrMapOvr>
+    <a:masterClrMapping/>
+  </p:clrMapOvr>
+</p:notes>
+</file>
+
+<file path=ppt/notesSlides/notesSlide7.xml><?xml version="1.0" encoding="utf-8"?>
+<p:notes xmlns:a="http://schemas.openxmlformats.org/drawingml/2006/main" xmlns:r="http://schemas.openxmlformats.org/officeDocument/2006/relationships" xmlns:p="http://schemas.openxmlformats.org/presentationml/2006/main">
+  <p:cSld>
+    <p:spTree>
+      <p:nvGrpSpPr>
+        <p:cNvPr id="1" name=""/>
+        <p:cNvGrpSpPr/>
+        <p:nvPr/>
+      </p:nvGrpSpPr>
+      <p:grpSpPr>
+        <a:xfrm>
+          <a:off x="0" y="0"/>
+          <a:ext cx="0" cy="0"/>
+          <a:chOff x="0" y="0"/>
+          <a:chExt cx="0" cy="0"/>
+        </a:xfrm>
+      </p:grpSpPr>
+      <p:sp>
+        <p:nvSpPr>
+          <p:cNvPr id="2" name="Folienbildplatzhalter 1"/>
+          <p:cNvSpPr>
+            <a:spLocks noGrp="1" noRot="1" noChangeAspect="1"/>
+          </p:cNvSpPr>
+          <p:nvPr>
+            <p:ph type="sldImg"/>
+          </p:nvPr>
+        </p:nvSpPr>
+        <p:spPr/>
+      </p:sp>
+      <p:sp>
+        <p:nvSpPr>
+          <p:cNvPr id="3" name="Notizenplatzhalter 2"/>
+          <p:cNvSpPr>
+            <a:spLocks noGrp="1"/>
+          </p:cNvSpPr>
+          <p:nvPr>
+            <p:ph type="body" idx="1"/>
+          </p:nvPr>
+        </p:nvSpPr>
+        <p:spPr/>
+        <p:txBody>
+          <a:bodyPr/>
+          <a:lstStyle/>
+          <a:p>
+            <a:r>
+              <a:rPr lang="de-DE" dirty="0"/>
+              <a:t>Alle Punkte erklären + Aufgabe des Clients &gt; Er ist dumm und kann nur ausführen</a:t>
+            </a:r>
+          </a:p>
+        </p:txBody>
+      </p:sp>
+    </p:spTree>
+    <p:extLst>
+      <p:ext uri="{BB962C8B-B14F-4D97-AF65-F5344CB8AC3E}">
+        <p14:creationId xmlns:p14="http://schemas.microsoft.com/office/powerpoint/2010/main" val="2427134969"/>
+      </p:ext>
+    </p:extLst>
+  </p:cSld>
+  <p:clrMapOvr>
+    <a:masterClrMapping/>
+  </p:clrMapOvr>
+</p:notes>
+</file>
+
+<file path=ppt/slideLayouts/slideLayout1.xml><?xml version="1.0" encoding="utf-8"?>
+<p:sldLayout xmlns:a="http://schemas.openxmlformats.org/drawingml/2006/main" xmlns:r="http://schemas.openxmlformats.org/officeDocument/2006/relationships" xmlns:p="http://schemas.openxmlformats.org/presentationml/2006/main" showMasterSp="0" showMasterPhAnim="0" type="title" preserve="1" userDrawn="1">
+  <p:cSld name="Titelfolie">
+    <p:bg>
+      <p:bgPr>
+        <a:solidFill>
+          <a:schemeClr val="bg1"/>
+        </a:solidFill>
+        <a:effectLst/>
+      </p:bgPr>
+    </p:bg>
+    <p:spTree>
+      <p:nvGrpSpPr>
+        <p:cNvPr id="1" name=""/>
+        <p:cNvGrpSpPr/>
+        <p:nvPr/>
+      </p:nvGrpSpPr>
+      <p:grpSpPr bwMode="auto">
+        <a:xfrm>
+          <a:off x="0" y="0"/>
+          <a:ext cx="0" cy="0"/>
+          <a:chOff x="0" y="0"/>
+          <a:chExt cx="0" cy="0"/>
+        </a:xfrm>
+      </p:grpSpPr>
+      <p:sp>
+        <p:nvSpPr>
+          <p:cNvPr id="12" name="Rectangle"/>
           <p:cNvSpPr/>
-          <p:nvPr isPhoto="0" userDrawn="1"/>
+          <p:nvPr userDrawn="1"/>
         </p:nvSpPr>
         <p:spPr bwMode="auto">
           <a:xfrm flipH="1">
@@ -832,9 +1054,9 @@
       </p:sp>
       <p:sp>
         <p:nvSpPr>
-          <p:cNvPr id="11" name="Rectangle" hidden="0"/>
+          <p:cNvPr id="11" name="Rectangle"/>
           <p:cNvSpPr/>
-          <p:nvPr isPhoto="0" userDrawn="1"/>
+          <p:nvPr userDrawn="1"/>
         </p:nvSpPr>
         <p:spPr bwMode="auto">
           <a:xfrm>
@@ -881,12 +1103,12 @@
       </p:sp>
       <p:sp>
         <p:nvSpPr>
-          <p:cNvPr id="2" name="Title 1" hidden="0"/>
-          <p:cNvSpPr>
-            <a:spLocks noGrp="1"/>
-          </p:cNvSpPr>
-          <p:nvPr isPhoto="0" userDrawn="0">
-            <p:ph type="ctrTitle" hasCustomPrompt="0"/>
+          <p:cNvPr id="2" name="Title 1"/>
+          <p:cNvSpPr>
+            <a:spLocks noGrp="1"/>
+          </p:cNvSpPr>
+          <p:nvPr>
+            <p:ph type="ctrTitle"/>
           </p:nvPr>
         </p:nvSpPr>
         <p:spPr bwMode="auto">
@@ -931,12 +1153,12 @@
       </p:sp>
       <p:sp>
         <p:nvSpPr>
-          <p:cNvPr id="3" name="Subtitle 2" hidden="0"/>
-          <p:cNvSpPr>
-            <a:spLocks noGrp="1"/>
-          </p:cNvSpPr>
-          <p:nvPr isPhoto="0" userDrawn="0">
-            <p:ph type="subTitle" idx="1" hasCustomPrompt="0"/>
+          <p:cNvPr id="3" name="Subtitle 2"/>
+          <p:cNvSpPr>
+            <a:spLocks noGrp="1"/>
+          </p:cNvSpPr>
+          <p:nvPr>
+            <p:ph type="subTitle" idx="1"/>
           </p:nvPr>
         </p:nvSpPr>
         <p:spPr bwMode="auto">
@@ -1006,12 +1228,12 @@
       </p:sp>
       <p:sp>
         <p:nvSpPr>
-          <p:cNvPr id="14" name="Date Placeholder 3" hidden="0"/>
-          <p:cNvSpPr>
-            <a:spLocks noGrp="1"/>
-          </p:cNvSpPr>
-          <p:nvPr isPhoto="0" userDrawn="0">
-            <p:ph type="dt" sz="half" idx="2" hasCustomPrompt="0"/>
+          <p:cNvPr id="14" name="Date Placeholder 3"/>
+          <p:cNvSpPr>
+            <a:spLocks noGrp="1"/>
+          </p:cNvSpPr>
+          <p:nvPr>
+            <p:ph type="dt" sz="half" idx="2"/>
           </p:nvPr>
         </p:nvSpPr>
         <p:spPr bwMode="auto">
@@ -1048,12 +1270,12 @@
       </p:sp>
       <p:sp>
         <p:nvSpPr>
-          <p:cNvPr id="15" name="Footer Placeholder 4" hidden="0"/>
-          <p:cNvSpPr>
-            <a:spLocks noGrp="1"/>
-          </p:cNvSpPr>
-          <p:nvPr isPhoto="0" userDrawn="0">
-            <p:ph type="ftr" sz="quarter" idx="3" hasCustomPrompt="0"/>
+          <p:cNvPr id="15" name="Footer Placeholder 4"/>
+          <p:cNvSpPr>
+            <a:spLocks noGrp="1"/>
+          </p:cNvSpPr>
+          <p:nvPr>
+            <p:ph type="ftr" sz="quarter" idx="3"/>
           </p:nvPr>
         </p:nvSpPr>
         <p:spPr bwMode="auto">
@@ -1083,23 +1305,7 @@
             </a:pPr>
             <a:r>
               <a:rPr lang="en-US"/>
-              <a:t>Control Center – </a:t>
-            </a:r>
-            <a:r>
-              <a:rPr lang="en-US"/>
-              <a:t>zwei</a:t>
-            </a:r>
-            <a:r>
-              <a:rPr lang="en-US"/>
-              <a:t> </a:t>
-            </a:r>
-            <a:r>
-              <a:rPr lang="en-US"/>
-              <a:t>komponenten</a:t>
-            </a:r>
-            <a:r>
-              <a:rPr lang="en-US"/>
-              <a:t> Monitoring Tool</a:t>
+              <a:t>Control Center – zwei komponenten Monitoring Tool</a:t>
             </a:r>
             <a:endParaRPr/>
           </a:p>
@@ -1107,12 +1313,12 @@
       </p:sp>
       <p:sp>
         <p:nvSpPr>
-          <p:cNvPr id="16" name="Slide Number Placeholder 5" hidden="0"/>
-          <p:cNvSpPr>
-            <a:spLocks noGrp="1"/>
-          </p:cNvSpPr>
-          <p:nvPr isPhoto="0" userDrawn="0">
-            <p:ph type="sldNum" sz="quarter" idx="4" hasCustomPrompt="0"/>
+          <p:cNvPr id="16" name="Slide Number Placeholder 5"/>
+          <p:cNvSpPr>
+            <a:spLocks noGrp="1"/>
+          </p:cNvSpPr>
+          <p:nvPr>
+            <p:ph type="sldNum" sz="quarter" idx="4"/>
           </p:nvPr>
         </p:nvSpPr>
         <p:spPr bwMode="auto">
@@ -1141,7 +1347,7 @@
             </a:pPr>
             <a:fld id="{3A98EE3D-8CD1-4C3F-BD1C-C98C9596463C}" type="slidenum">
               <a:rPr lang="en-US"/>
-              <a:t/>
+              <a:t>‹Nr.›</a:t>
             </a:fld>
             <a:endParaRPr lang="en-US"/>
           </a:p>
@@ -1149,11 +1355,11 @@
       </p:sp>
       <p:pic>
         <p:nvPicPr>
-          <p:cNvPr id="17" name="Grafik 16" hidden="0"/>
+          <p:cNvPr id="17" name="Grafik 16"/>
           <p:cNvPicPr>
             <a:picLocks noChangeAspect="1"/>
           </p:cNvPicPr>
-          <p:nvPr isPhoto="0" userDrawn="1"/>
+          <p:nvPr userDrawn="1"/>
         </p:nvPicPr>
         <p:blipFill>
           <a:blip r:embed="rId2"/>
@@ -1178,20 +1384,21 @@
 </file>
 
 <file path=ppt/slideLayouts/slideLayout2.xml><?xml version="1.0" encoding="utf-8"?>
-<p:sldLayout xmlns:a="http://schemas.openxmlformats.org/drawingml/2006/main" xmlns:r="http://schemas.openxmlformats.org/officeDocument/2006/relationships" xmlns:p="http://schemas.openxmlformats.org/presentationml/2006/main" xmlns:m="http://schemas.openxmlformats.org/officeDocument/2006/math" xmlns:w="http://schemas.openxmlformats.org/wordprocessingml/2006/main" matchingName="" preserve="1" showMasterPhAnim="0" userDrawn="1">
+<p:sldLayout xmlns:a="http://schemas.openxmlformats.org/drawingml/2006/main" xmlns:r="http://schemas.openxmlformats.org/officeDocument/2006/relationships" xmlns:p="http://schemas.openxmlformats.org/presentationml/2006/main" showMasterPhAnim="0" preserve="1" userDrawn="1">
   <p:cSld name="Titel und Inhalt">
     <p:bg>
-      <p:bgPr shadeToTitle="0">
+      <p:bgPr>
         <a:solidFill>
           <a:schemeClr val="bg1"/>
         </a:solidFill>
+        <a:effectLst/>
       </p:bgPr>
     </p:bg>
     <p:spTree>
       <p:nvGrpSpPr>
-        <p:cNvPr id="1" name="" hidden="0"/>
+        <p:cNvPr id="1" name=""/>
         <p:cNvGrpSpPr/>
-        <p:nvPr isPhoto="0" userDrawn="0"/>
+        <p:nvPr/>
       </p:nvGrpSpPr>
       <p:grpSpPr bwMode="auto">
         <a:xfrm>
@@ -1203,9 +1410,9 @@
       </p:grpSpPr>
       <p:sp>
         <p:nvSpPr>
-          <p:cNvPr id="13" name="Rectangle" hidden="0"/>
+          <p:cNvPr id="13" name="Rectangle"/>
           <p:cNvSpPr/>
-          <p:nvPr isPhoto="0" userDrawn="1"/>
+          <p:nvPr userDrawn="1"/>
         </p:nvSpPr>
         <p:spPr bwMode="auto">
           <a:xfrm>
@@ -1252,12 +1459,12 @@
       </p:sp>
       <p:sp>
         <p:nvSpPr>
-          <p:cNvPr id="3" name="Content Placeholder 2" hidden="0"/>
-          <p:cNvSpPr>
-            <a:spLocks noGrp="1"/>
-          </p:cNvSpPr>
-          <p:nvPr isPhoto="0" userDrawn="0">
-            <p:ph idx="1" hasCustomPrompt="0"/>
+          <p:cNvPr id="3" name="Content Placeholder 2"/>
+          <p:cNvSpPr>
+            <a:spLocks noGrp="1"/>
+          </p:cNvSpPr>
+          <p:nvPr>
+            <p:ph idx="1"/>
           </p:nvPr>
         </p:nvSpPr>
         <p:spPr bwMode="auto">
@@ -1363,11 +1570,11 @@
       </p:sp>
       <p:sp>
         <p:nvSpPr>
-          <p:cNvPr id="11" name="Title Placeholder 1" hidden="0"/>
-          <p:cNvSpPr>
-            <a:spLocks noGrp="1"/>
-          </p:cNvSpPr>
-          <p:nvPr isPhoto="0" userDrawn="0">
+          <p:cNvPr id="11" name="Title Placeholder 1"/>
+          <p:cNvSpPr>
+            <a:spLocks noGrp="1"/>
+          </p:cNvSpPr>
+          <p:nvPr>
             <p:ph type="title" hasCustomPrompt="1"/>
           </p:nvPr>
         </p:nvSpPr>
@@ -1403,12 +1610,12 @@
       </p:sp>
       <p:sp>
         <p:nvSpPr>
-          <p:cNvPr id="9" name="Date Placeholder 3" hidden="0"/>
-          <p:cNvSpPr>
-            <a:spLocks noGrp="1"/>
-          </p:cNvSpPr>
-          <p:nvPr isPhoto="0" userDrawn="0">
-            <p:ph type="dt" sz="half" idx="2" hasCustomPrompt="0"/>
+          <p:cNvPr id="9" name="Date Placeholder 3"/>
+          <p:cNvSpPr>
+            <a:spLocks noGrp="1"/>
+          </p:cNvSpPr>
+          <p:nvPr>
+            <p:ph type="dt" sz="half" idx="2"/>
           </p:nvPr>
         </p:nvSpPr>
         <p:spPr bwMode="auto">
@@ -1445,12 +1652,12 @@
       </p:sp>
       <p:sp>
         <p:nvSpPr>
-          <p:cNvPr id="10" name="Footer Placeholder 4" hidden="0"/>
-          <p:cNvSpPr>
-            <a:spLocks noGrp="1"/>
-          </p:cNvSpPr>
-          <p:nvPr isPhoto="0" userDrawn="0">
-            <p:ph type="ftr" sz="quarter" idx="3" hasCustomPrompt="0"/>
+          <p:cNvPr id="10" name="Footer Placeholder 4"/>
+          <p:cNvSpPr>
+            <a:spLocks noGrp="1"/>
+          </p:cNvSpPr>
+          <p:nvPr>
+            <p:ph type="ftr" sz="quarter" idx="3"/>
           </p:nvPr>
         </p:nvSpPr>
         <p:spPr bwMode="auto">
@@ -1480,23 +1687,7 @@
             </a:pPr>
             <a:r>
               <a:rPr lang="en-US"/>
-              <a:t>Control Center – </a:t>
-            </a:r>
-            <a:r>
-              <a:rPr lang="en-US"/>
-              <a:t>zwei</a:t>
-            </a:r>
-            <a:r>
-              <a:rPr lang="en-US"/>
-              <a:t> </a:t>
-            </a:r>
-            <a:r>
-              <a:rPr lang="en-US"/>
-              <a:t>komponenten</a:t>
-            </a:r>
-            <a:r>
-              <a:rPr lang="en-US"/>
-              <a:t> Monitoring Tool</a:t>
+              <a:t>Control Center – zwei komponenten Monitoring Tool</a:t>
             </a:r>
             <a:endParaRPr/>
           </a:p>
@@ -1504,12 +1695,12 @@
       </p:sp>
       <p:sp>
         <p:nvSpPr>
-          <p:cNvPr id="12" name="Slide Number Placeholder 5" hidden="0"/>
-          <p:cNvSpPr>
-            <a:spLocks noGrp="1"/>
-          </p:cNvSpPr>
-          <p:nvPr isPhoto="0" userDrawn="0">
-            <p:ph type="sldNum" sz="quarter" idx="4" hasCustomPrompt="0"/>
+          <p:cNvPr id="12" name="Slide Number Placeholder 5"/>
+          <p:cNvSpPr>
+            <a:spLocks noGrp="1"/>
+          </p:cNvSpPr>
+          <p:nvPr>
+            <p:ph type="sldNum" sz="quarter" idx="4"/>
           </p:nvPr>
         </p:nvSpPr>
         <p:spPr bwMode="auto">
@@ -1538,7 +1729,7 @@
             </a:pPr>
             <a:fld id="{3A98EE3D-8CD1-4C3F-BD1C-C98C9596463C}" type="slidenum">
               <a:rPr lang="en-US"/>
-              <a:t/>
+              <a:t>‹Nr.›</a:t>
             </a:fld>
             <a:endParaRPr lang="en-US"/>
           </a:p>
@@ -1546,11 +1737,11 @@
       </p:sp>
       <p:pic>
         <p:nvPicPr>
-          <p:cNvPr id="14" name="Grafik 13" hidden="0"/>
+          <p:cNvPr id="14" name="Grafik 13"/>
           <p:cNvPicPr>
             <a:picLocks noChangeAspect="1"/>
           </p:cNvPicPr>
-          <p:nvPr isPhoto="0" userDrawn="1"/>
+          <p:nvPr userDrawn="1"/>
         </p:nvPicPr>
         <p:blipFill>
           <a:blip r:embed="rId2"/>
@@ -1575,20 +1766,21 @@
 </file>
 
 <file path=ppt/slideLayouts/slideLayout3.xml><?xml version="1.0" encoding="utf-8"?>
-<p:sldLayout xmlns:a="http://schemas.openxmlformats.org/drawingml/2006/main" xmlns:r="http://schemas.openxmlformats.org/officeDocument/2006/relationships" xmlns:p="http://schemas.openxmlformats.org/presentationml/2006/main" xmlns:m="http://schemas.openxmlformats.org/officeDocument/2006/math" xmlns:w="http://schemas.openxmlformats.org/wordprocessingml/2006/main" matchingName="" preserve="1" showMasterPhAnim="0" userDrawn="1">
+<p:sldLayout xmlns:a="http://schemas.openxmlformats.org/drawingml/2006/main" xmlns:r="http://schemas.openxmlformats.org/officeDocument/2006/relationships" xmlns:p="http://schemas.openxmlformats.org/presentationml/2006/main" showMasterPhAnim="0" preserve="1" userDrawn="1">
   <p:cSld name="1_Title and Vidow">
     <p:bg>
-      <p:bgPr shadeToTitle="0">
+      <p:bgPr>
         <a:solidFill>
           <a:schemeClr val="bg1"/>
         </a:solidFill>
+        <a:effectLst/>
       </p:bgPr>
     </p:bg>
     <p:spTree>
       <p:nvGrpSpPr>
-        <p:cNvPr id="1" name="" hidden="0"/>
+        <p:cNvPr id="1" name=""/>
         <p:cNvGrpSpPr/>
-        <p:nvPr isPhoto="0" userDrawn="0"/>
+        <p:nvPr/>
       </p:nvGrpSpPr>
       <p:grpSpPr bwMode="auto">
         <a:xfrm>
@@ -1600,9 +1792,9 @@
       </p:grpSpPr>
       <p:sp>
         <p:nvSpPr>
-          <p:cNvPr id="12" name="Rectangle" hidden="0"/>
+          <p:cNvPr id="12" name="Rectangle"/>
           <p:cNvSpPr/>
-          <p:nvPr isPhoto="0" userDrawn="1"/>
+          <p:nvPr userDrawn="1"/>
         </p:nvSpPr>
         <p:spPr bwMode="auto">
           <a:xfrm flipH="1">
@@ -1639,9 +1831,9 @@
       </p:sp>
       <p:sp>
         <p:nvSpPr>
-          <p:cNvPr id="13" name="Rectangle" hidden="0"/>
+          <p:cNvPr id="13" name="Rectangle"/>
           <p:cNvSpPr/>
-          <p:nvPr isPhoto="0" userDrawn="1"/>
+          <p:nvPr userDrawn="1"/>
         </p:nvSpPr>
         <p:spPr bwMode="auto">
           <a:xfrm>
@@ -1686,11 +1878,11 @@
       </p:sp>
       <p:sp>
         <p:nvSpPr>
-          <p:cNvPr id="3" name="Content Placeholder 2" hidden="0"/>
-          <p:cNvSpPr>
-            <a:spLocks noGrp="1"/>
-          </p:cNvSpPr>
-          <p:nvPr isPhoto="0" userDrawn="0">
+          <p:cNvPr id="3" name="Content Placeholder 2"/>
+          <p:cNvSpPr>
+            <a:spLocks noGrp="1"/>
+          </p:cNvSpPr>
+          <p:nvPr>
             <p:ph idx="1" hasCustomPrompt="1"/>
           </p:nvPr>
         </p:nvSpPr>
@@ -1759,11 +1951,11 @@
       </p:sp>
       <p:sp>
         <p:nvSpPr>
-          <p:cNvPr id="11" name="Title Placeholder 1" hidden="0"/>
-          <p:cNvSpPr>
-            <a:spLocks noGrp="1"/>
-          </p:cNvSpPr>
-          <p:nvPr isPhoto="0" userDrawn="0">
+          <p:cNvPr id="11" name="Title Placeholder 1"/>
+          <p:cNvSpPr>
+            <a:spLocks noGrp="1"/>
+          </p:cNvSpPr>
+          <p:nvPr>
             <p:ph type="title" hasCustomPrompt="1"/>
           </p:nvPr>
         </p:nvSpPr>
@@ -1799,12 +1991,12 @@
       </p:sp>
       <p:sp>
         <p:nvSpPr>
-          <p:cNvPr id="9" name="Date Placeholder 3" hidden="0"/>
-          <p:cNvSpPr>
-            <a:spLocks noGrp="1"/>
-          </p:cNvSpPr>
-          <p:nvPr isPhoto="0" userDrawn="0">
-            <p:ph type="dt" sz="half" idx="2" hasCustomPrompt="0"/>
+          <p:cNvPr id="9" name="Date Placeholder 3"/>
+          <p:cNvSpPr>
+            <a:spLocks noGrp="1"/>
+          </p:cNvSpPr>
+          <p:nvPr>
+            <p:ph type="dt" sz="half" idx="2"/>
           </p:nvPr>
         </p:nvSpPr>
         <p:spPr bwMode="auto">
@@ -1841,12 +2033,12 @@
       </p:sp>
       <p:sp>
         <p:nvSpPr>
-          <p:cNvPr id="10" name="Footer Placeholder 4" hidden="0"/>
-          <p:cNvSpPr>
-            <a:spLocks noGrp="1"/>
-          </p:cNvSpPr>
-          <p:nvPr isPhoto="0" userDrawn="0">
-            <p:ph type="ftr" sz="quarter" idx="3" hasCustomPrompt="0"/>
+          <p:cNvPr id="10" name="Footer Placeholder 4"/>
+          <p:cNvSpPr>
+            <a:spLocks noGrp="1"/>
+          </p:cNvSpPr>
+          <p:nvPr>
+            <p:ph type="ftr" sz="quarter" idx="3"/>
           </p:nvPr>
         </p:nvSpPr>
         <p:spPr bwMode="auto">
@@ -1876,23 +2068,7 @@
             </a:pPr>
             <a:r>
               <a:rPr lang="en-US"/>
-              <a:t>Control Center – </a:t>
-            </a:r>
-            <a:r>
-              <a:rPr lang="en-US"/>
-              <a:t>zwei</a:t>
-            </a:r>
-            <a:r>
-              <a:rPr lang="en-US"/>
-              <a:t> </a:t>
-            </a:r>
-            <a:r>
-              <a:rPr lang="en-US"/>
-              <a:t>komponenten</a:t>
-            </a:r>
-            <a:r>
-              <a:rPr lang="en-US"/>
-              <a:t> Monitoring Tool</a:t>
+              <a:t>Control Center – zwei komponenten Monitoring Tool</a:t>
             </a:r>
             <a:endParaRPr/>
           </a:p>
@@ -1900,12 +2076,12 @@
       </p:sp>
       <p:sp>
         <p:nvSpPr>
-          <p:cNvPr id="14" name="Slide Number Placeholder 5" hidden="0"/>
-          <p:cNvSpPr>
-            <a:spLocks noGrp="1"/>
-          </p:cNvSpPr>
-          <p:nvPr isPhoto="0" userDrawn="0">
-            <p:ph type="sldNum" sz="quarter" idx="4" hasCustomPrompt="0"/>
+          <p:cNvPr id="14" name="Slide Number Placeholder 5"/>
+          <p:cNvSpPr>
+            <a:spLocks noGrp="1"/>
+          </p:cNvSpPr>
+          <p:nvPr>
+            <p:ph type="sldNum" sz="quarter" idx="4"/>
           </p:nvPr>
         </p:nvSpPr>
         <p:spPr bwMode="auto">
@@ -1934,7 +2110,7 @@
             </a:pPr>
             <a:fld id="{3A98EE3D-8CD1-4C3F-BD1C-C98C9596463C}" type="slidenum">
               <a:rPr lang="en-US"/>
-              <a:t/>
+              <a:t>‹Nr.›</a:t>
             </a:fld>
             <a:endParaRPr lang="en-US"/>
           </a:p>
@@ -1942,11 +2118,11 @@
       </p:sp>
       <p:pic>
         <p:nvPicPr>
-          <p:cNvPr id="15" name="Grafik 14" hidden="0"/>
+          <p:cNvPr id="15" name="Grafik 14"/>
           <p:cNvPicPr>
             <a:picLocks noChangeAspect="1"/>
           </p:cNvPicPr>
-          <p:nvPr isPhoto="0" userDrawn="1"/>
+          <p:nvPr userDrawn="1"/>
         </p:nvPicPr>
         <p:blipFill>
           <a:blip r:embed="rId2"/>
@@ -1971,20 +2147,21 @@
 </file>
 
 <file path=ppt/slideLayouts/slideLayout4.xml><?xml version="1.0" encoding="utf-8"?>
-<p:sldLayout xmlns:a="http://schemas.openxmlformats.org/drawingml/2006/main" xmlns:r="http://schemas.openxmlformats.org/officeDocument/2006/relationships" xmlns:p="http://schemas.openxmlformats.org/presentationml/2006/main" xmlns:m="http://schemas.openxmlformats.org/officeDocument/2006/math" xmlns:w="http://schemas.openxmlformats.org/wordprocessingml/2006/main" matchingName="" preserve="1" showMasterPhAnim="0" userDrawn="1">
+<p:sldLayout xmlns:a="http://schemas.openxmlformats.org/drawingml/2006/main" xmlns:r="http://schemas.openxmlformats.org/officeDocument/2006/relationships" xmlns:p="http://schemas.openxmlformats.org/presentationml/2006/main" showMasterPhAnim="0" preserve="1" userDrawn="1">
   <p:cSld name="Team ">
     <p:bg>
-      <p:bgPr shadeToTitle="0">
+      <p:bgPr>
         <a:solidFill>
           <a:schemeClr val="bg1"/>
         </a:solidFill>
+        <a:effectLst/>
       </p:bgPr>
     </p:bg>
     <p:spTree>
       <p:nvGrpSpPr>
-        <p:cNvPr id="1" name="" hidden="0"/>
+        <p:cNvPr id="1" name=""/>
         <p:cNvGrpSpPr/>
-        <p:nvPr isPhoto="0" userDrawn="0"/>
+        <p:nvPr/>
       </p:nvGrpSpPr>
       <p:grpSpPr bwMode="auto">
         <a:xfrm>
@@ -1996,9 +2173,9 @@
       </p:grpSpPr>
       <p:sp>
         <p:nvSpPr>
-          <p:cNvPr id="11" name="Rectangle" hidden="0"/>
+          <p:cNvPr id="11" name="Rectangle"/>
           <p:cNvSpPr/>
-          <p:nvPr isPhoto="0" userDrawn="1"/>
+          <p:nvPr userDrawn="1"/>
         </p:nvSpPr>
         <p:spPr bwMode="auto">
           <a:xfrm>
@@ -2035,9 +2212,9 @@
       </p:sp>
       <p:sp>
         <p:nvSpPr>
-          <p:cNvPr id="10" name="Rectangle" hidden="0"/>
+          <p:cNvPr id="10" name="Rectangle"/>
           <p:cNvSpPr/>
-          <p:nvPr isPhoto="0" userDrawn="1"/>
+          <p:nvPr userDrawn="1"/>
         </p:nvSpPr>
         <p:spPr bwMode="auto">
           <a:xfrm>
@@ -2084,12 +2261,12 @@
       </p:sp>
       <p:sp>
         <p:nvSpPr>
-          <p:cNvPr id="19" name="Picture Placeholder 3" hidden="0"/>
-          <p:cNvSpPr>
-            <a:spLocks noGrp="1"/>
-          </p:cNvSpPr>
-          <p:nvPr isPhoto="0" userDrawn="0">
-            <p:ph type="pic" sz="quarter" idx="13" hasCustomPrompt="0"/>
+          <p:cNvPr id="19" name="Picture Placeholder 3"/>
+          <p:cNvSpPr>
+            <a:spLocks noGrp="1"/>
+          </p:cNvSpPr>
+          <p:nvPr>
+            <p:ph type="pic" sz="quarter" idx="13"/>
           </p:nvPr>
         </p:nvSpPr>
         <p:spPr bwMode="auto">
@@ -2125,12 +2302,12 @@
       </p:sp>
       <p:sp>
         <p:nvSpPr>
-          <p:cNvPr id="20" name="Picture Placeholder 3" hidden="0"/>
-          <p:cNvSpPr>
-            <a:spLocks noGrp="1"/>
-          </p:cNvSpPr>
-          <p:nvPr isPhoto="0" userDrawn="0">
-            <p:ph type="pic" sz="quarter" idx="14" hasCustomPrompt="0"/>
+          <p:cNvPr id="20" name="Picture Placeholder 3"/>
+          <p:cNvSpPr>
+            <a:spLocks noGrp="1"/>
+          </p:cNvSpPr>
+          <p:nvPr>
+            <p:ph type="pic" sz="quarter" idx="14"/>
           </p:nvPr>
         </p:nvSpPr>
         <p:spPr bwMode="auto">
@@ -2166,12 +2343,12 @@
       </p:sp>
       <p:sp>
         <p:nvSpPr>
-          <p:cNvPr id="21" name="Picture Placeholder 3" hidden="0"/>
-          <p:cNvSpPr>
-            <a:spLocks noGrp="1"/>
-          </p:cNvSpPr>
-          <p:nvPr isPhoto="0" userDrawn="0">
-            <p:ph type="pic" sz="quarter" idx="15" hasCustomPrompt="0"/>
+          <p:cNvPr id="21" name="Picture Placeholder 3"/>
+          <p:cNvSpPr>
+            <a:spLocks noGrp="1"/>
+          </p:cNvSpPr>
+          <p:nvPr>
+            <p:ph type="pic" sz="quarter" idx="15"/>
           </p:nvPr>
         </p:nvSpPr>
         <p:spPr bwMode="auto">
@@ -2207,11 +2384,11 @@
       </p:sp>
       <p:sp>
         <p:nvSpPr>
-          <p:cNvPr id="22" name="Text Placeholder 3" hidden="0"/>
-          <p:cNvSpPr>
-            <a:spLocks noGrp="1"/>
-          </p:cNvSpPr>
-          <p:nvPr isPhoto="0" userDrawn="0">
+          <p:cNvPr id="22" name="Text Placeholder 3"/>
+          <p:cNvSpPr>
+            <a:spLocks noGrp="1"/>
+          </p:cNvSpPr>
+          <p:nvPr>
             <p:ph type="body" sz="half" idx="2" hasCustomPrompt="1"/>
           </p:nvPr>
         </p:nvSpPr>
@@ -2281,11 +2458,11 @@
       </p:sp>
       <p:sp>
         <p:nvSpPr>
-          <p:cNvPr id="23" name="Text Placeholder 3" hidden="0"/>
-          <p:cNvSpPr>
-            <a:spLocks noGrp="1"/>
-          </p:cNvSpPr>
-          <p:nvPr isPhoto="0" userDrawn="0">
+          <p:cNvPr id="23" name="Text Placeholder 3"/>
+          <p:cNvSpPr>
+            <a:spLocks noGrp="1"/>
+          </p:cNvSpPr>
+          <p:nvPr>
             <p:ph type="body" sz="half" idx="16" hasCustomPrompt="1"/>
           </p:nvPr>
         </p:nvSpPr>
@@ -2355,11 +2532,11 @@
       </p:sp>
       <p:sp>
         <p:nvSpPr>
-          <p:cNvPr id="24" name="Text Placeholder 3" hidden="0"/>
-          <p:cNvSpPr>
-            <a:spLocks noGrp="1"/>
-          </p:cNvSpPr>
-          <p:nvPr isPhoto="0" userDrawn="0">
+          <p:cNvPr id="24" name="Text Placeholder 3"/>
+          <p:cNvSpPr>
+            <a:spLocks noGrp="1"/>
+          </p:cNvSpPr>
+          <p:nvPr>
             <p:ph type="body" sz="half" idx="17" hasCustomPrompt="1"/>
           </p:nvPr>
         </p:nvSpPr>
@@ -2429,11 +2606,11 @@
       </p:sp>
       <p:sp>
         <p:nvSpPr>
-          <p:cNvPr id="25" name="Title Placeholder 1" hidden="0"/>
-          <p:cNvSpPr>
-            <a:spLocks noGrp="1"/>
-          </p:cNvSpPr>
-          <p:nvPr isPhoto="0" userDrawn="0">
+          <p:cNvPr id="25" name="Title Placeholder 1"/>
+          <p:cNvSpPr>
+            <a:spLocks noGrp="1"/>
+          </p:cNvSpPr>
+          <p:nvPr>
             <p:ph type="title" hasCustomPrompt="1"/>
           </p:nvPr>
         </p:nvSpPr>
@@ -2469,12 +2646,12 @@
       </p:sp>
       <p:sp>
         <p:nvSpPr>
-          <p:cNvPr id="15" name="Date Placeholder 3" hidden="0"/>
-          <p:cNvSpPr>
-            <a:spLocks noGrp="1"/>
-          </p:cNvSpPr>
-          <p:nvPr isPhoto="0" userDrawn="0">
-            <p:ph type="dt" sz="half" idx="18" hasCustomPrompt="0"/>
+          <p:cNvPr id="15" name="Date Placeholder 3"/>
+          <p:cNvSpPr>
+            <a:spLocks noGrp="1"/>
+          </p:cNvSpPr>
+          <p:nvPr>
+            <p:ph type="dt" sz="half" idx="18"/>
           </p:nvPr>
         </p:nvSpPr>
         <p:spPr bwMode="auto">
@@ -2511,12 +2688,12 @@
       </p:sp>
       <p:sp>
         <p:nvSpPr>
-          <p:cNvPr id="16" name="Footer Placeholder 4" hidden="0"/>
-          <p:cNvSpPr>
-            <a:spLocks noGrp="1"/>
-          </p:cNvSpPr>
-          <p:nvPr isPhoto="0" userDrawn="0">
-            <p:ph type="ftr" sz="quarter" idx="3" hasCustomPrompt="0"/>
+          <p:cNvPr id="16" name="Footer Placeholder 4"/>
+          <p:cNvSpPr>
+            <a:spLocks noGrp="1"/>
+          </p:cNvSpPr>
+          <p:nvPr>
+            <p:ph type="ftr" sz="quarter" idx="3"/>
           </p:nvPr>
         </p:nvSpPr>
         <p:spPr bwMode="auto">
@@ -2546,23 +2723,7 @@
             </a:pPr>
             <a:r>
               <a:rPr lang="en-US"/>
-              <a:t>Control Center – </a:t>
-            </a:r>
-            <a:r>
-              <a:rPr lang="en-US"/>
-              <a:t>zwei</a:t>
-            </a:r>
-            <a:r>
-              <a:rPr lang="en-US"/>
-              <a:t> </a:t>
-            </a:r>
-            <a:r>
-              <a:rPr lang="en-US"/>
-              <a:t>komponenten</a:t>
-            </a:r>
-            <a:r>
-              <a:rPr lang="en-US"/>
-              <a:t> Monitoring Tool</a:t>
+              <a:t>Control Center – zwei komponenten Monitoring Tool</a:t>
             </a:r>
             <a:endParaRPr/>
           </a:p>
@@ -2570,12 +2731,12 @@
       </p:sp>
       <p:sp>
         <p:nvSpPr>
-          <p:cNvPr id="17" name="Slide Number Placeholder 5" hidden="0"/>
-          <p:cNvSpPr>
-            <a:spLocks noGrp="1"/>
-          </p:cNvSpPr>
-          <p:nvPr isPhoto="0" userDrawn="0">
-            <p:ph type="sldNum" sz="quarter" idx="4" hasCustomPrompt="0"/>
+          <p:cNvPr id="17" name="Slide Number Placeholder 5"/>
+          <p:cNvSpPr>
+            <a:spLocks noGrp="1"/>
+          </p:cNvSpPr>
+          <p:nvPr>
+            <p:ph type="sldNum" sz="quarter" idx="4"/>
           </p:nvPr>
         </p:nvSpPr>
         <p:spPr bwMode="auto">
@@ -2604,7 +2765,7 @@
             </a:pPr>
             <a:fld id="{3A98EE3D-8CD1-4C3F-BD1C-C98C9596463C}" type="slidenum">
               <a:rPr lang="en-US"/>
-              <a:t/>
+              <a:t>‹Nr.›</a:t>
             </a:fld>
             <a:endParaRPr lang="en-US"/>
           </a:p>
@@ -2612,11 +2773,11 @@
       </p:sp>
       <p:pic>
         <p:nvPicPr>
-          <p:cNvPr id="18" name="Grafik 17" hidden="0"/>
+          <p:cNvPr id="18" name="Grafik 17"/>
           <p:cNvPicPr>
             <a:picLocks noChangeAspect="1"/>
           </p:cNvPicPr>
-          <p:nvPr isPhoto="0" userDrawn="1"/>
+          <p:nvPr userDrawn="1"/>
         </p:nvPicPr>
         <p:blipFill>
           <a:blip r:embed="rId2"/>
@@ -2641,20 +2802,21 @@
 </file>
 
 <file path=ppt/slideLayouts/slideLayout5.xml><?xml version="1.0" encoding="utf-8"?>
-<p:sldLayout xmlns:a="http://schemas.openxmlformats.org/drawingml/2006/main" xmlns:r="http://schemas.openxmlformats.org/officeDocument/2006/relationships" xmlns:p="http://schemas.openxmlformats.org/presentationml/2006/main" xmlns:m="http://schemas.openxmlformats.org/officeDocument/2006/math" xmlns:w="http://schemas.openxmlformats.org/wordprocessingml/2006/main" matchingName="" preserve="1" showMasterPhAnim="0" showMasterSp="0" userDrawn="1">
+<p:sldLayout xmlns:a="http://schemas.openxmlformats.org/drawingml/2006/main" xmlns:r="http://schemas.openxmlformats.org/officeDocument/2006/relationships" xmlns:p="http://schemas.openxmlformats.org/presentationml/2006/main" showMasterSp="0" showMasterPhAnim="0" preserve="1" userDrawn="1">
   <p:cSld name="Content and Image">
     <p:bg>
-      <p:bgPr shadeToTitle="0">
+      <p:bgPr>
         <a:solidFill>
           <a:schemeClr val="bg1"/>
         </a:solidFill>
+        <a:effectLst/>
       </p:bgPr>
     </p:bg>
     <p:spTree>
       <p:nvGrpSpPr>
-        <p:cNvPr id="1" name="" hidden="0"/>
+        <p:cNvPr id="1" name=""/>
         <p:cNvGrpSpPr/>
-        <p:nvPr isPhoto="0" userDrawn="0"/>
+        <p:nvPr/>
       </p:nvGrpSpPr>
       <p:grpSpPr bwMode="auto">
         <a:xfrm>
@@ -2666,9 +2828,9 @@
       </p:grpSpPr>
       <p:sp>
         <p:nvSpPr>
-          <p:cNvPr id="5" name="Rectangle" hidden="0"/>
+          <p:cNvPr id="5" name="Rectangle"/>
           <p:cNvSpPr/>
-          <p:nvPr isPhoto="0" userDrawn="1"/>
+          <p:nvPr userDrawn="1"/>
         </p:nvSpPr>
         <p:spPr bwMode="auto">
           <a:xfrm flipH="1">
@@ -2705,9 +2867,9 @@
       </p:sp>
       <p:sp>
         <p:nvSpPr>
-          <p:cNvPr id="6" name="Rectangle" hidden="0"/>
+          <p:cNvPr id="6" name="Rectangle"/>
           <p:cNvSpPr/>
-          <p:nvPr isPhoto="0" userDrawn="1"/>
+          <p:nvPr userDrawn="1"/>
         </p:nvSpPr>
         <p:spPr bwMode="auto">
           <a:xfrm>
@@ -2752,12 +2914,12 @@
       </p:sp>
       <p:sp>
         <p:nvSpPr>
-          <p:cNvPr id="10" name="Picture Placeholder 8" hidden="0"/>
-          <p:cNvSpPr>
-            <a:spLocks noGrp="1"/>
-          </p:cNvSpPr>
-          <p:nvPr isPhoto="0" userDrawn="0">
-            <p:ph type="pic" sz="quarter" idx="13" hasCustomPrompt="0"/>
+          <p:cNvPr id="10" name="Picture Placeholder 8"/>
+          <p:cNvSpPr>
+            <a:spLocks noGrp="1"/>
+          </p:cNvSpPr>
+          <p:nvPr>
+            <p:ph type="pic" sz="quarter" idx="13"/>
           </p:nvPr>
         </p:nvSpPr>
         <p:spPr bwMode="auto">
@@ -2797,11 +2959,11 @@
       </p:sp>
       <p:sp>
         <p:nvSpPr>
-          <p:cNvPr id="11" name="Title Placeholder 1" hidden="0"/>
-          <p:cNvSpPr>
-            <a:spLocks noGrp="1"/>
-          </p:cNvSpPr>
-          <p:nvPr isPhoto="0" userDrawn="0">
+          <p:cNvPr id="11" name="Title Placeholder 1"/>
+          <p:cNvSpPr>
+            <a:spLocks noGrp="1"/>
+          </p:cNvSpPr>
+          <p:nvPr>
             <p:ph type="title" hasCustomPrompt="1"/>
           </p:nvPr>
         </p:nvSpPr>
@@ -2837,12 +2999,12 @@
       </p:sp>
       <p:sp>
         <p:nvSpPr>
-          <p:cNvPr id="12" name="Content Placeholder 3" hidden="0"/>
-          <p:cNvSpPr>
-            <a:spLocks noGrp="1"/>
-          </p:cNvSpPr>
-          <p:nvPr isPhoto="0" userDrawn="0">
-            <p:ph sz="half" idx="2" hasCustomPrompt="0"/>
+          <p:cNvPr id="12" name="Content Placeholder 3"/>
+          <p:cNvSpPr>
+            <a:spLocks noGrp="1"/>
+          </p:cNvSpPr>
+          <p:nvPr>
+            <p:ph sz="half" idx="2"/>
           </p:nvPr>
         </p:nvSpPr>
         <p:spPr bwMode="auto">
@@ -2970,12 +3132,12 @@
       </p:sp>
       <p:sp>
         <p:nvSpPr>
-          <p:cNvPr id="13" name="Date Placeholder 3" hidden="0"/>
-          <p:cNvSpPr>
-            <a:spLocks noGrp="1"/>
-          </p:cNvSpPr>
-          <p:nvPr isPhoto="0" userDrawn="0">
-            <p:ph type="dt" sz="half" idx="14" hasCustomPrompt="0"/>
+          <p:cNvPr id="13" name="Date Placeholder 3"/>
+          <p:cNvSpPr>
+            <a:spLocks noGrp="1"/>
+          </p:cNvSpPr>
+          <p:nvPr>
+            <p:ph type="dt" sz="half" idx="14"/>
           </p:nvPr>
         </p:nvSpPr>
         <p:spPr bwMode="auto">
@@ -3012,12 +3174,12 @@
       </p:sp>
       <p:sp>
         <p:nvSpPr>
-          <p:cNvPr id="14" name="Footer Placeholder 4" hidden="0"/>
-          <p:cNvSpPr>
-            <a:spLocks noGrp="1"/>
-          </p:cNvSpPr>
-          <p:nvPr isPhoto="0" userDrawn="0">
-            <p:ph type="ftr" sz="quarter" idx="3" hasCustomPrompt="0"/>
+          <p:cNvPr id="14" name="Footer Placeholder 4"/>
+          <p:cNvSpPr>
+            <a:spLocks noGrp="1"/>
+          </p:cNvSpPr>
+          <p:nvPr>
+            <p:ph type="ftr" sz="quarter" idx="3"/>
           </p:nvPr>
         </p:nvSpPr>
         <p:spPr bwMode="auto">
@@ -3047,23 +3209,7 @@
             </a:pPr>
             <a:r>
               <a:rPr lang="en-US"/>
-              <a:t>Control Center – </a:t>
-            </a:r>
-            <a:r>
-              <a:rPr lang="en-US"/>
-              <a:t>zwei</a:t>
-            </a:r>
-            <a:r>
-              <a:rPr lang="en-US"/>
-              <a:t> </a:t>
-            </a:r>
-            <a:r>
-              <a:rPr lang="en-US"/>
-              <a:t>komponenten</a:t>
-            </a:r>
-            <a:r>
-              <a:rPr lang="en-US"/>
-              <a:t> Monitoring Tool</a:t>
+              <a:t>Control Center – zwei komponenten Monitoring Tool</a:t>
             </a:r>
             <a:endParaRPr/>
           </a:p>
@@ -3071,12 +3217,12 @@
       </p:sp>
       <p:sp>
         <p:nvSpPr>
-          <p:cNvPr id="15" name="Slide Number Placeholder 5" hidden="0"/>
-          <p:cNvSpPr>
-            <a:spLocks noGrp="1"/>
-          </p:cNvSpPr>
-          <p:nvPr isPhoto="0" userDrawn="0">
-            <p:ph type="sldNum" sz="quarter" idx="4" hasCustomPrompt="0"/>
+          <p:cNvPr id="15" name="Slide Number Placeholder 5"/>
+          <p:cNvSpPr>
+            <a:spLocks noGrp="1"/>
+          </p:cNvSpPr>
+          <p:nvPr>
+            <p:ph type="sldNum" sz="quarter" idx="4"/>
           </p:nvPr>
         </p:nvSpPr>
         <p:spPr bwMode="auto">
@@ -3105,7 +3251,7 @@
             </a:pPr>
             <a:fld id="{3A98EE3D-8CD1-4C3F-BD1C-C98C9596463C}" type="slidenum">
               <a:rPr lang="en-US"/>
-              <a:t/>
+              <a:t>‹Nr.›</a:t>
             </a:fld>
             <a:endParaRPr lang="en-US"/>
           </a:p>
@@ -3120,20 +3266,21 @@
 </file>
 
 <file path=ppt/slideLayouts/slideLayout6.xml><?xml version="1.0" encoding="utf-8"?>
-<p:sldLayout xmlns:a="http://schemas.openxmlformats.org/drawingml/2006/main" xmlns:r="http://schemas.openxmlformats.org/officeDocument/2006/relationships" xmlns:p="http://schemas.openxmlformats.org/presentationml/2006/main" xmlns:m="http://schemas.openxmlformats.org/officeDocument/2006/math" xmlns:w="http://schemas.openxmlformats.org/wordprocessingml/2006/main" matchingName="" preserve="1" showMasterPhAnim="0" showMasterSp="0" userDrawn="1">
+<p:sldLayout xmlns:a="http://schemas.openxmlformats.org/drawingml/2006/main" xmlns:r="http://schemas.openxmlformats.org/officeDocument/2006/relationships" xmlns:p="http://schemas.openxmlformats.org/presentationml/2006/main" showMasterSp="0" showMasterPhAnim="0" preserve="1" userDrawn="1">
   <p:cSld name="Quote">
     <p:bg>
-      <p:bgPr shadeToTitle="0">
+      <p:bgPr>
         <a:solidFill>
           <a:schemeClr val="bg1"/>
         </a:solidFill>
+        <a:effectLst/>
       </p:bgPr>
     </p:bg>
     <p:spTree>
       <p:nvGrpSpPr>
-        <p:cNvPr id="1" name="" hidden="0"/>
+        <p:cNvPr id="1" name=""/>
         <p:cNvGrpSpPr/>
-        <p:nvPr isPhoto="0" userDrawn="0"/>
+        <p:nvPr/>
       </p:nvGrpSpPr>
       <p:grpSpPr bwMode="auto">
         <a:xfrm>
@@ -3145,12 +3292,12 @@
       </p:grpSpPr>
       <p:sp>
         <p:nvSpPr>
-          <p:cNvPr id="2" name="Date Placeholder 1" hidden="0"/>
-          <p:cNvSpPr>
-            <a:spLocks noGrp="1"/>
-          </p:cNvSpPr>
-          <p:nvPr isPhoto="0" userDrawn="0">
-            <p:ph type="dt" sz="half" idx="10" hasCustomPrompt="0"/>
+          <p:cNvPr id="2" name="Date Placeholder 1"/>
+          <p:cNvSpPr>
+            <a:spLocks noGrp="1"/>
+          </p:cNvSpPr>
+          <p:nvPr>
+            <p:ph type="dt" sz="half" idx="10"/>
           </p:nvPr>
         </p:nvSpPr>
         <p:spPr bwMode="auto"/>
@@ -3171,12 +3318,12 @@
       </p:sp>
       <p:sp>
         <p:nvSpPr>
-          <p:cNvPr id="3" name="Footer Placeholder 2" hidden="0"/>
-          <p:cNvSpPr>
-            <a:spLocks noGrp="1"/>
-          </p:cNvSpPr>
-          <p:nvPr isPhoto="0" userDrawn="0">
-            <p:ph type="ftr" sz="quarter" idx="11" hasCustomPrompt="0"/>
+          <p:cNvPr id="3" name="Footer Placeholder 2"/>
+          <p:cNvSpPr>
+            <a:spLocks noGrp="1"/>
+          </p:cNvSpPr>
+          <p:nvPr>
+            <p:ph type="ftr" sz="quarter" idx="11"/>
           </p:nvPr>
         </p:nvSpPr>
         <p:spPr bwMode="auto"/>
@@ -3197,12 +3344,12 @@
       </p:sp>
       <p:sp>
         <p:nvSpPr>
-          <p:cNvPr id="4" name="Slide Number Placeholder 3" hidden="0"/>
-          <p:cNvSpPr>
-            <a:spLocks noGrp="1"/>
-          </p:cNvSpPr>
-          <p:nvPr isPhoto="0" userDrawn="0">
-            <p:ph type="sldNum" sz="quarter" idx="12" hasCustomPrompt="0"/>
+          <p:cNvPr id="4" name="Slide Number Placeholder 3"/>
+          <p:cNvSpPr>
+            <a:spLocks noGrp="1"/>
+          </p:cNvSpPr>
+          <p:nvPr>
+            <p:ph type="sldNum" sz="quarter" idx="12"/>
           </p:nvPr>
         </p:nvSpPr>
         <p:spPr bwMode="auto"/>
@@ -3215,7 +3362,7 @@
             </a:pPr>
             <a:fld id="{3A98EE3D-8CD1-4C3F-BD1C-C98C9596463C}" type="slidenum">
               <a:rPr lang="en-US"/>
-              <a:t/>
+              <a:t>‹Nr.›</a:t>
             </a:fld>
             <a:endParaRPr lang="en-US"/>
           </a:p>
@@ -3223,9 +3370,9 @@
       </p:sp>
       <p:sp>
         <p:nvSpPr>
-          <p:cNvPr id="5" name="Rectangle" hidden="0"/>
+          <p:cNvPr id="5" name="Rectangle"/>
           <p:cNvSpPr/>
-          <p:nvPr isPhoto="0" userDrawn="1"/>
+          <p:nvPr userDrawn="1"/>
         </p:nvSpPr>
         <p:spPr bwMode="auto">
           <a:xfrm flipH="1">
@@ -3262,9 +3409,9 @@
       </p:sp>
       <p:sp>
         <p:nvSpPr>
-          <p:cNvPr id="6" name="Rectangle" hidden="0"/>
+          <p:cNvPr id="6" name="Rectangle"/>
           <p:cNvSpPr/>
-          <p:nvPr isPhoto="0" userDrawn="1"/>
+          <p:nvPr userDrawn="1"/>
         </p:nvSpPr>
         <p:spPr bwMode="auto">
           <a:xfrm>
@@ -3309,11 +3456,11 @@
       </p:sp>
       <p:cxnSp>
         <p:nvCxnSpPr>
-          <p:cNvPr id="7" name="Straight Connector 6" hidden="0"/>
+          <p:cNvPr id="7" name="Straight Connector 6"/>
           <p:cNvCxnSpPr>
             <a:cxnSpLocks/>
           </p:cNvCxnSpPr>
-          <p:nvPr isPhoto="0" userDrawn="1"/>
+          <p:nvPr userDrawn="1"/>
         </p:nvCxnSpPr>
         <p:spPr bwMode="auto">
           <a:xfrm>
@@ -3346,11 +3493,11 @@
       </p:cxnSp>
       <p:sp>
         <p:nvSpPr>
-          <p:cNvPr id="10" name="Title Placeholder 1" hidden="0"/>
-          <p:cNvSpPr>
-            <a:spLocks noGrp="1"/>
-          </p:cNvSpPr>
-          <p:nvPr isPhoto="0" userDrawn="0">
+          <p:cNvPr id="10" name="Title Placeholder 1"/>
+          <p:cNvSpPr>
+            <a:spLocks noGrp="1"/>
+          </p:cNvSpPr>
+          <p:nvPr>
             <p:ph type="title" hasCustomPrompt="1"/>
           </p:nvPr>
         </p:nvSpPr>
@@ -3386,11 +3533,11 @@
       </p:sp>
       <p:sp>
         <p:nvSpPr>
-          <p:cNvPr id="12" name="Content Placeholder 3" hidden="0"/>
-          <p:cNvSpPr>
-            <a:spLocks noGrp="1"/>
-          </p:cNvSpPr>
-          <p:nvPr isPhoto="0" userDrawn="0">
+          <p:cNvPr id="12" name="Content Placeholder 3"/>
+          <p:cNvSpPr>
+            <a:spLocks noGrp="1"/>
+          </p:cNvSpPr>
+          <p:nvPr>
             <p:ph sz="half" idx="2" hasCustomPrompt="1"/>
           </p:nvPr>
         </p:nvSpPr>
@@ -3464,9 +3611,9 @@
       </p:sp>
       <p:sp>
         <p:nvSpPr>
-          <p:cNvPr id="18" name="Date Placeholder 3" hidden="0"/>
+          <p:cNvPr id="18" name="Date Placeholder 3"/>
           <p:cNvSpPr txBox="1"/>
-          <p:nvPr isPhoto="0" userDrawn="1"/>
+          <p:nvPr userDrawn="1"/>
         </p:nvSpPr>
         <p:spPr bwMode="auto">
           <a:xfrm>
@@ -3582,15 +3729,14 @@
               <a:rPr lang="en-US"/>
               <a:t>Eduard Schwarzkopf </a:t>
             </a:r>
-            <a:endParaRPr lang="en-US"/>
-          </a:p>
-        </p:txBody>
-      </p:sp>
-      <p:sp>
-        <p:nvSpPr>
-          <p:cNvPr id="19" name="Footer Placeholder 4" hidden="0"/>
+          </a:p>
+        </p:txBody>
+      </p:sp>
+      <p:sp>
+        <p:nvSpPr>
+          <p:cNvPr id="19" name="Footer Placeholder 4"/>
           <p:cNvSpPr txBox="1"/>
-          <p:nvPr isPhoto="0" userDrawn="1"/>
+          <p:nvPr userDrawn="1"/>
         </p:nvSpPr>
         <p:spPr bwMode="auto">
           <a:xfrm>
@@ -3706,15 +3852,14 @@
               <a:rPr lang="en-US"/>
               <a:t>Control Center – zwei komponenten Monitoring Tool</a:t>
             </a:r>
-            <a:endParaRPr lang="en-US"/>
-          </a:p>
-        </p:txBody>
-      </p:sp>
-      <p:sp>
-        <p:nvSpPr>
-          <p:cNvPr id="20" name="Slide Number Placeholder 5" hidden="0"/>
+          </a:p>
+        </p:txBody>
+      </p:sp>
+      <p:sp>
+        <p:nvSpPr>
+          <p:cNvPr id="20" name="Slide Number Placeholder 5"/>
           <p:cNvSpPr txBox="1"/>
-          <p:nvPr isPhoto="0" userDrawn="1"/>
+          <p:nvPr userDrawn="1"/>
         </p:nvSpPr>
         <p:spPr bwMode="auto">
           <a:xfrm>
@@ -3828,7 +3973,7 @@
             </a:pPr>
             <a:fld id="{3A98EE3D-8CD1-4C3F-BD1C-C98C9596463C}" type="slidenum">
               <a:rPr lang="en-US"/>
-              <a:t/>
+              <a:t>‹Nr.›</a:t>
             </a:fld>
             <a:endParaRPr lang="en-US"/>
           </a:p>
@@ -3836,11 +3981,11 @@
       </p:sp>
       <p:pic>
         <p:nvPicPr>
-          <p:cNvPr id="21" name="Grafik 20" hidden="0"/>
+          <p:cNvPr id="21" name="Grafik 20"/>
           <p:cNvPicPr>
             <a:picLocks noChangeAspect="1"/>
           </p:cNvPicPr>
-          <p:nvPr isPhoto="0" userDrawn="1"/>
+          <p:nvPr userDrawn="1"/>
         </p:nvPicPr>
         <p:blipFill>
           <a:blip r:embed="rId2"/>
@@ -3865,20 +4010,21 @@
 </file>
 
 <file path=ppt/slideLayouts/slideLayout7.xml><?xml version="1.0" encoding="utf-8"?>
-<p:sldLayout xmlns:a="http://schemas.openxmlformats.org/drawingml/2006/main" xmlns:r="http://schemas.openxmlformats.org/officeDocument/2006/relationships" xmlns:p="http://schemas.openxmlformats.org/presentationml/2006/main" xmlns:m="http://schemas.openxmlformats.org/officeDocument/2006/math" xmlns:w="http://schemas.openxmlformats.org/wordprocessingml/2006/main" matchingName="" preserve="1" showMasterPhAnim="0" showMasterSp="0" userDrawn="1">
+<p:sldLayout xmlns:a="http://schemas.openxmlformats.org/drawingml/2006/main" xmlns:r="http://schemas.openxmlformats.org/officeDocument/2006/relationships" xmlns:p="http://schemas.openxmlformats.org/presentationml/2006/main" showMasterSp="0" showMasterPhAnim="0" preserve="1" userDrawn="1">
   <p:cSld name="Agenda">
     <p:bg>
-      <p:bgPr shadeToTitle="0">
+      <p:bgPr>
         <a:solidFill>
           <a:schemeClr val="bg1"/>
         </a:solidFill>
+        <a:effectLst/>
       </p:bgPr>
     </p:bg>
     <p:spTree>
       <p:nvGrpSpPr>
-        <p:cNvPr id="1" name="" hidden="0"/>
+        <p:cNvPr id="1" name=""/>
         <p:cNvGrpSpPr/>
-        <p:nvPr isPhoto="0" userDrawn="0"/>
+        <p:nvPr/>
       </p:nvGrpSpPr>
       <p:grpSpPr bwMode="auto">
         <a:xfrm>
@@ -3890,12 +4036,12 @@
       </p:grpSpPr>
       <p:sp>
         <p:nvSpPr>
-          <p:cNvPr id="2" name="Date Placeholder 1" hidden="0"/>
-          <p:cNvSpPr>
-            <a:spLocks noGrp="1"/>
-          </p:cNvSpPr>
-          <p:nvPr isPhoto="0" userDrawn="0">
-            <p:ph type="dt" sz="half" idx="10" hasCustomPrompt="0"/>
+          <p:cNvPr id="2" name="Date Placeholder 1"/>
+          <p:cNvSpPr>
+            <a:spLocks noGrp="1"/>
+          </p:cNvSpPr>
+          <p:nvPr>
+            <p:ph type="dt" sz="half" idx="10"/>
           </p:nvPr>
         </p:nvSpPr>
         <p:spPr bwMode="auto"/>
@@ -3916,12 +4062,12 @@
       </p:sp>
       <p:sp>
         <p:nvSpPr>
-          <p:cNvPr id="4" name="Slide Number Placeholder 3" hidden="0"/>
-          <p:cNvSpPr>
-            <a:spLocks noGrp="1"/>
-          </p:cNvSpPr>
-          <p:nvPr isPhoto="0" userDrawn="0">
-            <p:ph type="sldNum" sz="quarter" idx="12" hasCustomPrompt="0"/>
+          <p:cNvPr id="4" name="Slide Number Placeholder 3"/>
+          <p:cNvSpPr>
+            <a:spLocks noGrp="1"/>
+          </p:cNvSpPr>
+          <p:nvPr>
+            <p:ph type="sldNum" sz="quarter" idx="12"/>
           </p:nvPr>
         </p:nvSpPr>
         <p:spPr bwMode="auto"/>
@@ -3934,7 +4080,7 @@
             </a:pPr>
             <a:fld id="{3A98EE3D-8CD1-4C3F-BD1C-C98C9596463C}" type="slidenum">
               <a:rPr lang="en-US"/>
-              <a:t/>
+              <a:t>‹Nr.›</a:t>
             </a:fld>
             <a:endParaRPr lang="en-US"/>
           </a:p>
@@ -3942,9 +4088,9 @@
       </p:sp>
       <p:sp>
         <p:nvSpPr>
-          <p:cNvPr id="5" name="Rectangle" hidden="0"/>
+          <p:cNvPr id="5" name="Rectangle"/>
           <p:cNvSpPr/>
-          <p:nvPr isPhoto="0" userDrawn="1"/>
+          <p:nvPr userDrawn="1"/>
         </p:nvSpPr>
         <p:spPr bwMode="auto">
           <a:xfrm>
@@ -3981,9 +4127,9 @@
       </p:sp>
       <p:sp>
         <p:nvSpPr>
-          <p:cNvPr id="6" name="Rectangle" hidden="0"/>
+          <p:cNvPr id="6" name="Rectangle"/>
           <p:cNvSpPr/>
-          <p:nvPr isPhoto="0" userDrawn="1"/>
+          <p:nvPr userDrawn="1"/>
         </p:nvSpPr>
         <p:spPr bwMode="auto">
           <a:xfrm>
@@ -4028,11 +4174,11 @@
       </p:sp>
       <p:sp>
         <p:nvSpPr>
-          <p:cNvPr id="10" name="Title Placeholder 1" hidden="0"/>
-          <p:cNvSpPr>
-            <a:spLocks noGrp="1"/>
-          </p:cNvSpPr>
-          <p:nvPr isPhoto="0" userDrawn="0">
+          <p:cNvPr id="10" name="Title Placeholder 1"/>
+          <p:cNvSpPr>
+            <a:spLocks noGrp="1"/>
+          </p:cNvSpPr>
+          <p:nvPr>
             <p:ph type="title" hasCustomPrompt="1"/>
           </p:nvPr>
         </p:nvSpPr>
@@ -4068,12 +4214,12 @@
       </p:sp>
       <p:sp>
         <p:nvSpPr>
-          <p:cNvPr id="12" name="Content Placeholder 3" hidden="0"/>
-          <p:cNvSpPr>
-            <a:spLocks noGrp="1"/>
-          </p:cNvSpPr>
-          <p:nvPr isPhoto="0" userDrawn="0">
-            <p:ph sz="half" idx="2" hasCustomPrompt="0"/>
+          <p:cNvPr id="12" name="Content Placeholder 3"/>
+          <p:cNvSpPr>
+            <a:spLocks noGrp="1"/>
+          </p:cNvSpPr>
+          <p:nvPr>
+            <p:ph sz="half" idx="2"/>
           </p:nvPr>
         </p:nvSpPr>
         <p:spPr bwMode="auto">
@@ -4217,9 +4363,9 @@
       </p:sp>
       <p:sp>
         <p:nvSpPr>
-          <p:cNvPr id="16" name="Date Placeholder 3" hidden="0"/>
+          <p:cNvPr id="16" name="Date Placeholder 3"/>
           <p:cNvSpPr txBox="1"/>
-          <p:nvPr isPhoto="0" userDrawn="1"/>
+          <p:nvPr userDrawn="1"/>
         </p:nvSpPr>
         <p:spPr bwMode="auto">
           <a:xfrm>
@@ -4335,18 +4481,17 @@
               <a:rPr lang="en-US"/>
               <a:t>Eduard Schwarzkopf </a:t>
             </a:r>
-            <a:endParaRPr lang="en-US"/>
-          </a:p>
-        </p:txBody>
-      </p:sp>
-      <p:sp>
-        <p:nvSpPr>
-          <p:cNvPr id="17" name="Footer Placeholder 4" hidden="0"/>
-          <p:cNvSpPr>
-            <a:spLocks noGrp="1"/>
-          </p:cNvSpPr>
-          <p:nvPr isPhoto="0" userDrawn="0">
-            <p:ph type="ftr" sz="quarter" idx="3" hasCustomPrompt="0"/>
+          </a:p>
+        </p:txBody>
+      </p:sp>
+      <p:sp>
+        <p:nvSpPr>
+          <p:cNvPr id="17" name="Footer Placeholder 4"/>
+          <p:cNvSpPr>
+            <a:spLocks noGrp="1"/>
+          </p:cNvSpPr>
+          <p:nvPr>
+            <p:ph type="ftr" sz="quarter" idx="3"/>
           </p:nvPr>
         </p:nvSpPr>
         <p:spPr bwMode="auto">
@@ -4376,23 +4521,7 @@
             </a:pPr>
             <a:r>
               <a:rPr lang="en-US"/>
-              <a:t>Control Center – </a:t>
-            </a:r>
-            <a:r>
-              <a:rPr lang="en-US"/>
-              <a:t>zwei</a:t>
-            </a:r>
-            <a:r>
-              <a:rPr lang="en-US"/>
-              <a:t> </a:t>
-            </a:r>
-            <a:r>
-              <a:rPr lang="en-US"/>
-              <a:t>komponenten</a:t>
-            </a:r>
-            <a:r>
-              <a:rPr lang="en-US"/>
-              <a:t> Monitoring Tool</a:t>
+              <a:t>Control Center – zwei komponenten Monitoring Tool</a:t>
             </a:r>
             <a:endParaRPr/>
           </a:p>
@@ -4400,9 +4529,9 @@
       </p:sp>
       <p:sp>
         <p:nvSpPr>
-          <p:cNvPr id="18" name="Slide Number Placeholder 5" hidden="0"/>
+          <p:cNvPr id="18" name="Slide Number Placeholder 5"/>
           <p:cNvSpPr txBox="1"/>
-          <p:nvPr isPhoto="0" userDrawn="1"/>
+          <p:nvPr userDrawn="1"/>
         </p:nvSpPr>
         <p:spPr bwMode="auto">
           <a:xfrm>
@@ -4516,7 +4645,7 @@
             </a:pPr>
             <a:fld id="{3A98EE3D-8CD1-4C3F-BD1C-C98C9596463C}" type="slidenum">
               <a:rPr lang="en-US"/>
-              <a:t/>
+              <a:t>‹Nr.›</a:t>
             </a:fld>
             <a:endParaRPr lang="en-US"/>
           </a:p>
@@ -4524,11 +4653,11 @@
       </p:sp>
       <p:pic>
         <p:nvPicPr>
-          <p:cNvPr id="19" name="Grafik 18" hidden="0"/>
+          <p:cNvPr id="19" name="Grafik 18"/>
           <p:cNvPicPr>
             <a:picLocks noChangeAspect="1"/>
           </p:cNvPicPr>
-          <p:nvPr isPhoto="0" userDrawn="1"/>
+          <p:nvPr userDrawn="1"/>
         </p:nvPicPr>
         <p:blipFill>
           <a:blip r:embed="rId2"/>
@@ -4553,20 +4682,21 @@
 </file>
 
 <file path=ppt/slideLayouts/slideLayout8.xml><?xml version="1.0" encoding="utf-8"?>
-<p:sldLayout xmlns:a="http://schemas.openxmlformats.org/drawingml/2006/main" xmlns:r="http://schemas.openxmlformats.org/officeDocument/2006/relationships" xmlns:p="http://schemas.openxmlformats.org/presentationml/2006/main" xmlns:m="http://schemas.openxmlformats.org/officeDocument/2006/math" xmlns:w="http://schemas.openxmlformats.org/wordprocessingml/2006/main" matchingName="" preserve="1" showMasterPhAnim="0" showMasterSp="0" userDrawn="1">
+<p:sldLayout xmlns:a="http://schemas.openxmlformats.org/drawingml/2006/main" xmlns:r="http://schemas.openxmlformats.org/officeDocument/2006/relationships" xmlns:p="http://schemas.openxmlformats.org/presentationml/2006/main" showMasterSp="0" showMasterPhAnim="0" preserve="1" userDrawn="1">
   <p:cSld name="Zwei Inhalte">
     <p:bg>
-      <p:bgPr shadeToTitle="0">
+      <p:bgPr>
         <a:solidFill>
           <a:schemeClr val="bg1"/>
         </a:solidFill>
+        <a:effectLst/>
       </p:bgPr>
     </p:bg>
     <p:spTree>
       <p:nvGrpSpPr>
-        <p:cNvPr id="1" name="" hidden="0"/>
+        <p:cNvPr id="1" name=""/>
         <p:cNvGrpSpPr/>
-        <p:nvPr isPhoto="0" userDrawn="0"/>
+        <p:nvPr/>
       </p:nvGrpSpPr>
       <p:grpSpPr bwMode="auto">
         <a:xfrm>
@@ -4578,9 +4708,9 @@
       </p:grpSpPr>
       <p:sp>
         <p:nvSpPr>
-          <p:cNvPr id="5" name="Rectangle" hidden="0"/>
+          <p:cNvPr id="5" name="Rectangle"/>
           <p:cNvSpPr/>
-          <p:nvPr isPhoto="0" userDrawn="1"/>
+          <p:nvPr userDrawn="1"/>
         </p:nvSpPr>
         <p:spPr bwMode="auto">
           <a:xfrm>
@@ -4617,9 +4747,9 @@
       </p:sp>
       <p:sp>
         <p:nvSpPr>
-          <p:cNvPr id="6" name="Rectangle" hidden="0"/>
+          <p:cNvPr id="6" name="Rectangle"/>
           <p:cNvSpPr/>
-          <p:nvPr isPhoto="0" userDrawn="1"/>
+          <p:nvPr userDrawn="1"/>
         </p:nvSpPr>
         <p:spPr bwMode="auto">
           <a:xfrm>
@@ -4664,11 +4794,11 @@
       </p:sp>
       <p:sp>
         <p:nvSpPr>
-          <p:cNvPr id="7" name="Title Placeholder 1" hidden="0"/>
-          <p:cNvSpPr>
-            <a:spLocks noGrp="1"/>
-          </p:cNvSpPr>
-          <p:nvPr isPhoto="0" userDrawn="0">
+          <p:cNvPr id="7" name="Title Placeholder 1"/>
+          <p:cNvSpPr>
+            <a:spLocks noGrp="1"/>
+          </p:cNvSpPr>
+          <p:nvPr>
             <p:ph type="title" hasCustomPrompt="1"/>
           </p:nvPr>
         </p:nvSpPr>
@@ -4700,12 +4830,12 @@
       </p:sp>
       <p:sp>
         <p:nvSpPr>
-          <p:cNvPr id="9" name="Content Placeholder 3" hidden="0"/>
-          <p:cNvSpPr>
-            <a:spLocks noGrp="1"/>
-          </p:cNvSpPr>
-          <p:nvPr isPhoto="0" userDrawn="0">
-            <p:ph sz="half" idx="2" hasCustomPrompt="0"/>
+          <p:cNvPr id="9" name="Content Placeholder 3"/>
+          <p:cNvSpPr>
+            <a:spLocks noGrp="1"/>
+          </p:cNvSpPr>
+          <p:nvPr>
+            <p:ph sz="half" idx="2"/>
           </p:nvPr>
         </p:nvSpPr>
         <p:spPr bwMode="auto">
@@ -4832,12 +4962,12 @@
       </p:sp>
       <p:sp>
         <p:nvSpPr>
-          <p:cNvPr id="14" name="Content Placeholder 3" hidden="0"/>
-          <p:cNvSpPr>
-            <a:spLocks noGrp="1"/>
-          </p:cNvSpPr>
-          <p:nvPr isPhoto="0" userDrawn="0">
-            <p:ph sz="half" idx="14" hasCustomPrompt="0"/>
+          <p:cNvPr id="14" name="Content Placeholder 3"/>
+          <p:cNvSpPr>
+            <a:spLocks noGrp="1"/>
+          </p:cNvSpPr>
+          <p:nvPr>
+            <p:ph sz="half" idx="14"/>
           </p:nvPr>
         </p:nvSpPr>
         <p:spPr bwMode="auto">
@@ -4970,12 +5100,12 @@
       </p:sp>
       <p:sp>
         <p:nvSpPr>
-          <p:cNvPr id="12" name="Date Placeholder 3" hidden="0"/>
-          <p:cNvSpPr>
-            <a:spLocks noGrp="1"/>
-          </p:cNvSpPr>
-          <p:nvPr isPhoto="0" userDrawn="0">
-            <p:ph type="dt" sz="half" idx="15" hasCustomPrompt="0"/>
+          <p:cNvPr id="12" name="Date Placeholder 3"/>
+          <p:cNvSpPr>
+            <a:spLocks noGrp="1"/>
+          </p:cNvSpPr>
+          <p:nvPr>
+            <p:ph type="dt" sz="half" idx="15"/>
           </p:nvPr>
         </p:nvSpPr>
         <p:spPr bwMode="auto">
@@ -5012,12 +5142,12 @@
       </p:sp>
       <p:sp>
         <p:nvSpPr>
-          <p:cNvPr id="13" name="Footer Placeholder 4" hidden="0"/>
-          <p:cNvSpPr>
-            <a:spLocks noGrp="1"/>
-          </p:cNvSpPr>
-          <p:nvPr isPhoto="0" userDrawn="0">
-            <p:ph type="ftr" sz="quarter" idx="3" hasCustomPrompt="0"/>
+          <p:cNvPr id="13" name="Footer Placeholder 4"/>
+          <p:cNvSpPr>
+            <a:spLocks noGrp="1"/>
+          </p:cNvSpPr>
+          <p:nvPr>
+            <p:ph type="ftr" sz="quarter" idx="3"/>
           </p:nvPr>
         </p:nvSpPr>
         <p:spPr bwMode="auto">
@@ -5047,23 +5177,7 @@
             </a:pPr>
             <a:r>
               <a:rPr lang="en-US"/>
-              <a:t>Control Center – </a:t>
-            </a:r>
-            <a:r>
-              <a:rPr lang="en-US"/>
-              <a:t>zwei</a:t>
-            </a:r>
-            <a:r>
-              <a:rPr lang="en-US"/>
-              <a:t> </a:t>
-            </a:r>
-            <a:r>
-              <a:rPr lang="en-US"/>
-              <a:t>komponenten</a:t>
-            </a:r>
-            <a:r>
-              <a:rPr lang="en-US"/>
-              <a:t> Monitoring Tool</a:t>
+              <a:t>Control Center – zwei komponenten Monitoring Tool</a:t>
             </a:r>
             <a:endParaRPr/>
           </a:p>
@@ -5071,12 +5185,12 @@
       </p:sp>
       <p:sp>
         <p:nvSpPr>
-          <p:cNvPr id="15" name="Slide Number Placeholder 5" hidden="0"/>
-          <p:cNvSpPr>
-            <a:spLocks noGrp="1"/>
-          </p:cNvSpPr>
-          <p:nvPr isPhoto="0" userDrawn="0">
-            <p:ph type="sldNum" sz="quarter" idx="4" hasCustomPrompt="0"/>
+          <p:cNvPr id="15" name="Slide Number Placeholder 5"/>
+          <p:cNvSpPr>
+            <a:spLocks noGrp="1"/>
+          </p:cNvSpPr>
+          <p:nvPr>
+            <p:ph type="sldNum" sz="quarter" idx="4"/>
           </p:nvPr>
         </p:nvSpPr>
         <p:spPr bwMode="auto">
@@ -5105,7 +5219,7 @@
             </a:pPr>
             <a:fld id="{3A98EE3D-8CD1-4C3F-BD1C-C98C9596463C}" type="slidenum">
               <a:rPr lang="en-US"/>
-              <a:t/>
+              <a:t>‹Nr.›</a:t>
             </a:fld>
             <a:endParaRPr lang="en-US"/>
           </a:p>
@@ -5113,11 +5227,11 @@
       </p:sp>
       <p:pic>
         <p:nvPicPr>
-          <p:cNvPr id="16" name="Grafik 15" hidden="0"/>
+          <p:cNvPr id="16" name="Grafik 15"/>
           <p:cNvPicPr>
             <a:picLocks noChangeAspect="1"/>
           </p:cNvPicPr>
-          <p:nvPr isPhoto="0" userDrawn="1"/>
+          <p:nvPr userDrawn="1"/>
         </p:nvPicPr>
         <p:blipFill>
           <a:blip r:embed="rId2"/>
@@ -5142,20 +5256,21 @@
 </file>
 
 <file path=ppt/slideLayouts/slideLayout9.xml><?xml version="1.0" encoding="utf-8"?>
-<p:sldLayout xmlns:a="http://schemas.openxmlformats.org/drawingml/2006/main" xmlns:r="http://schemas.openxmlformats.org/officeDocument/2006/relationships" xmlns:p="http://schemas.openxmlformats.org/presentationml/2006/main" xmlns:m="http://schemas.openxmlformats.org/officeDocument/2006/math" xmlns:w="http://schemas.openxmlformats.org/wordprocessingml/2006/main" matchingName="" preserve="1" showMasterPhAnim="0" showMasterSp="0" type="picTx" userDrawn="1">
+<p:sldLayout xmlns:a="http://schemas.openxmlformats.org/drawingml/2006/main" xmlns:r="http://schemas.openxmlformats.org/officeDocument/2006/relationships" xmlns:p="http://schemas.openxmlformats.org/presentationml/2006/main" showMasterSp="0" showMasterPhAnim="0" type="picTx" preserve="1" userDrawn="1">
   <p:cSld name="Bild mit Überschrift">
     <p:bg>
-      <p:bgPr shadeToTitle="0">
+      <p:bgPr>
         <a:solidFill>
           <a:schemeClr val="bg1"/>
         </a:solidFill>
+        <a:effectLst/>
       </p:bgPr>
     </p:bg>
     <p:spTree>
       <p:nvGrpSpPr>
-        <p:cNvPr id="1" name="" hidden="0"/>
+        <p:cNvPr id="1" name=""/>
         <p:cNvGrpSpPr/>
-        <p:nvPr isPhoto="0" userDrawn="0"/>
+        <p:nvPr/>
       </p:nvGrpSpPr>
       <p:grpSpPr bwMode="auto">
         <a:xfrm>
@@ -5167,9 +5282,9 @@
       </p:grpSpPr>
       <p:sp>
         <p:nvSpPr>
-          <p:cNvPr id="9" name="Rectangle" hidden="0"/>
+          <p:cNvPr id="9" name="Rectangle"/>
           <p:cNvSpPr/>
-          <p:nvPr isPhoto="0" userDrawn="1"/>
+          <p:nvPr userDrawn="1"/>
         </p:nvSpPr>
         <p:spPr bwMode="auto">
           <a:xfrm>
@@ -5206,9 +5321,9 @@
       </p:sp>
       <p:sp>
         <p:nvSpPr>
-          <p:cNvPr id="10" name="Rectangle" hidden="0"/>
+          <p:cNvPr id="10" name="Rectangle"/>
           <p:cNvSpPr/>
-          <p:nvPr isPhoto="0" userDrawn="1"/>
+          <p:nvPr userDrawn="1"/>
         </p:nvSpPr>
         <p:spPr bwMode="auto">
           <a:xfrm>
@@ -5253,9 +5368,9 @@
       </p:sp>
       <p:sp>
         <p:nvSpPr>
-          <p:cNvPr id="8" name="Rectangle 7" hidden="0"/>
+          <p:cNvPr id="8" name="Rectangle 7"/>
           <p:cNvSpPr/>
-          <p:nvPr isPhoto="0" userDrawn="0"/>
+          <p:nvPr/>
         </p:nvSpPr>
         <p:spPr bwMode="auto">
           <a:xfrm>
@@ -5291,12 +5406,12 @@
       </p:sp>
       <p:sp>
         <p:nvSpPr>
-          <p:cNvPr id="3" name="Picture Placeholder 2" hidden="0"/>
-          <p:cNvSpPr>
-            <a:spLocks noChangeAspect="1" noGrp="1"/>
-          </p:cNvSpPr>
-          <p:nvPr isPhoto="0" userDrawn="0">
-            <p:ph type="pic" idx="1" hasCustomPrompt="0"/>
+          <p:cNvPr id="3" name="Picture Placeholder 2"/>
+          <p:cNvSpPr>
+            <a:spLocks noGrp="1" noChangeAspect="1"/>
+          </p:cNvSpPr>
+          <p:nvPr>
+            <p:ph type="pic" idx="1"/>
           </p:nvPr>
         </p:nvSpPr>
         <p:spPr bwMode="auto">
@@ -5365,12 +5480,12 @@
       </p:sp>
       <p:sp>
         <p:nvSpPr>
-          <p:cNvPr id="2" name="Title 1" hidden="0"/>
-          <p:cNvSpPr>
-            <a:spLocks noGrp="1"/>
-          </p:cNvSpPr>
-          <p:nvPr isPhoto="0" userDrawn="0">
-            <p:ph type="title" hasCustomPrompt="0"/>
+          <p:cNvPr id="2" name="Title 1"/>
+          <p:cNvSpPr>
+            <a:spLocks noGrp="1"/>
+          </p:cNvSpPr>
+          <p:nvPr>
+            <p:ph type="title"/>
           </p:nvPr>
         </p:nvSpPr>
         <p:spPr bwMode="auto">
@@ -5409,12 +5524,12 @@
       </p:sp>
       <p:sp>
         <p:nvSpPr>
-          <p:cNvPr id="4" name="Text Placeholder 3" hidden="0"/>
-          <p:cNvSpPr>
-            <a:spLocks noGrp="1"/>
-          </p:cNvSpPr>
-          <p:nvPr isPhoto="0" userDrawn="0">
-            <p:ph type="body" sz="half" idx="2" hasCustomPrompt="0"/>
+          <p:cNvPr id="4" name="Text Placeholder 3"/>
+          <p:cNvSpPr>
+            <a:spLocks noGrp="1"/>
+          </p:cNvSpPr>
+          <p:nvPr>
+            <p:ph type="body" sz="half" idx="2"/>
           </p:nvPr>
         </p:nvSpPr>
         <p:spPr bwMode="auto">
@@ -5489,12 +5604,12 @@
       </p:sp>
       <p:sp>
         <p:nvSpPr>
-          <p:cNvPr id="17" name="Date Placeholder 3" hidden="0"/>
-          <p:cNvSpPr>
-            <a:spLocks noGrp="1"/>
-          </p:cNvSpPr>
-          <p:nvPr isPhoto="0" userDrawn="0">
-            <p:ph type="dt" sz="half" idx="10" hasCustomPrompt="0"/>
+          <p:cNvPr id="17" name="Date Placeholder 3"/>
+          <p:cNvSpPr>
+            <a:spLocks noGrp="1"/>
+          </p:cNvSpPr>
+          <p:nvPr>
+            <p:ph type="dt" sz="half" idx="10"/>
           </p:nvPr>
         </p:nvSpPr>
         <p:spPr bwMode="auto">
@@ -5531,12 +5646,12 @@
       </p:sp>
       <p:sp>
         <p:nvSpPr>
-          <p:cNvPr id="18" name="Footer Placeholder 4" hidden="0"/>
-          <p:cNvSpPr>
-            <a:spLocks noGrp="1"/>
-          </p:cNvSpPr>
-          <p:nvPr isPhoto="0" userDrawn="0">
-            <p:ph type="ftr" sz="quarter" idx="3" hasCustomPrompt="0"/>
+          <p:cNvPr id="18" name="Footer Placeholder 4"/>
+          <p:cNvSpPr>
+            <a:spLocks noGrp="1"/>
+          </p:cNvSpPr>
+          <p:nvPr>
+            <p:ph type="ftr" sz="quarter" idx="3"/>
           </p:nvPr>
         </p:nvSpPr>
         <p:spPr bwMode="auto">
@@ -5566,23 +5681,7 @@
             </a:pPr>
             <a:r>
               <a:rPr lang="en-US"/>
-              <a:t>Control Center – </a:t>
-            </a:r>
-            <a:r>
-              <a:rPr lang="en-US"/>
-              <a:t>zwei</a:t>
-            </a:r>
-            <a:r>
-              <a:rPr lang="en-US"/>
-              <a:t> </a:t>
-            </a:r>
-            <a:r>
-              <a:rPr lang="en-US"/>
-              <a:t>komponenten</a:t>
-            </a:r>
-            <a:r>
-              <a:rPr lang="en-US"/>
-              <a:t> Monitoring Tool</a:t>
+              <a:t>Control Center – zwei komponenten Monitoring Tool</a:t>
             </a:r>
             <a:endParaRPr/>
           </a:p>
@@ -5590,12 +5689,12 @@
       </p:sp>
       <p:sp>
         <p:nvSpPr>
-          <p:cNvPr id="19" name="Slide Number Placeholder 5" hidden="0"/>
-          <p:cNvSpPr>
-            <a:spLocks noGrp="1"/>
-          </p:cNvSpPr>
-          <p:nvPr isPhoto="0" userDrawn="0">
-            <p:ph type="sldNum" sz="quarter" idx="4" hasCustomPrompt="0"/>
+          <p:cNvPr id="19" name="Slide Number Placeholder 5"/>
+          <p:cNvSpPr>
+            <a:spLocks noGrp="1"/>
+          </p:cNvSpPr>
+          <p:nvPr>
+            <p:ph type="sldNum" sz="quarter" idx="4"/>
           </p:nvPr>
         </p:nvSpPr>
         <p:spPr bwMode="auto">
@@ -5624,7 +5723,7 @@
             </a:pPr>
             <a:fld id="{3A98EE3D-8CD1-4C3F-BD1C-C98C9596463C}" type="slidenum">
               <a:rPr lang="en-US"/>
-              <a:t/>
+              <a:t>‹Nr.›</a:t>
             </a:fld>
             <a:endParaRPr lang="en-US"/>
           </a:p>
@@ -5639,20 +5738,21 @@
 </file>
 
 <file path=ppt/slideMasters/slideMaster1.xml><?xml version="1.0" encoding="utf-8"?>
-<p:sldMaster xmlns:a="http://schemas.openxmlformats.org/drawingml/2006/main" xmlns:r="http://schemas.openxmlformats.org/officeDocument/2006/relationships" xmlns:p="http://schemas.openxmlformats.org/presentationml/2006/main" xmlns:m="http://schemas.openxmlformats.org/officeDocument/2006/math" xmlns:w="http://schemas.openxmlformats.org/wordprocessingml/2006/main" preserve="0">
-  <p:cSld name="">
+<p:sldMaster xmlns:a="http://schemas.openxmlformats.org/drawingml/2006/main" xmlns:r="http://schemas.openxmlformats.org/officeDocument/2006/relationships" xmlns:p="http://schemas.openxmlformats.org/presentationml/2006/main">
+  <p:cSld>
     <p:bg>
-      <p:bgPr shadeToTitle="0">
+      <p:bgPr>
         <a:solidFill>
           <a:schemeClr val="bg1"/>
         </a:solidFill>
+        <a:effectLst/>
       </p:bgPr>
     </p:bg>
     <p:spTree>
       <p:nvGrpSpPr>
-        <p:cNvPr id="1" name="" hidden="0"/>
+        <p:cNvPr id="1" name=""/>
         <p:cNvGrpSpPr/>
-        <p:nvPr isPhoto="0" userDrawn="0"/>
+        <p:nvPr/>
       </p:nvGrpSpPr>
       <p:grpSpPr bwMode="auto">
         <a:xfrm>
@@ -5664,9 +5764,9 @@
       </p:grpSpPr>
       <p:sp>
         <p:nvSpPr>
-          <p:cNvPr id="11" name="Rectangle" hidden="0"/>
+          <p:cNvPr id="11" name="Rectangle"/>
           <p:cNvSpPr/>
-          <p:nvPr isPhoto="0" userDrawn="1"/>
+          <p:nvPr userDrawn="1"/>
         </p:nvSpPr>
         <p:spPr bwMode="auto">
           <a:xfrm>
@@ -5713,12 +5813,12 @@
       </p:sp>
       <p:sp>
         <p:nvSpPr>
-          <p:cNvPr id="2" name="Title Placeholder 1" hidden="0"/>
-          <p:cNvSpPr>
-            <a:spLocks noGrp="1"/>
-          </p:cNvSpPr>
-          <p:nvPr isPhoto="0" userDrawn="0">
-            <p:ph type="title" hasCustomPrompt="0"/>
+          <p:cNvPr id="2" name="Title Placeholder 1"/>
+          <p:cNvSpPr>
+            <a:spLocks noGrp="1"/>
+          </p:cNvSpPr>
+          <p:nvPr>
+            <p:ph type="title"/>
           </p:nvPr>
         </p:nvSpPr>
         <p:spPr bwMode="auto">
@@ -5749,12 +5849,12 @@
       </p:sp>
       <p:sp>
         <p:nvSpPr>
-          <p:cNvPr id="3" name="Text Placeholder 2" hidden="0"/>
-          <p:cNvSpPr>
-            <a:spLocks noGrp="1"/>
-          </p:cNvSpPr>
-          <p:nvPr isPhoto="0" userDrawn="0">
-            <p:ph type="body" idx="1" hasCustomPrompt="0"/>
+          <p:cNvPr id="3" name="Text Placeholder 2"/>
+          <p:cNvSpPr>
+            <a:spLocks noGrp="1"/>
+          </p:cNvSpPr>
+          <p:nvPr>
+            <p:ph type="body" idx="1"/>
           </p:nvPr>
         </p:nvSpPr>
         <p:spPr bwMode="auto">
@@ -5825,12 +5925,12 @@
       </p:sp>
       <p:sp>
         <p:nvSpPr>
-          <p:cNvPr id="4" name="Date Placeholder 3" hidden="0"/>
-          <p:cNvSpPr>
-            <a:spLocks noGrp="1"/>
-          </p:cNvSpPr>
-          <p:nvPr isPhoto="0" userDrawn="0">
-            <p:ph type="dt" sz="half" idx="2" hasCustomPrompt="0"/>
+          <p:cNvPr id="4" name="Date Placeholder 3"/>
+          <p:cNvSpPr>
+            <a:spLocks noGrp="1"/>
+          </p:cNvSpPr>
+          <p:nvPr>
+            <p:ph type="dt" sz="half" idx="2"/>
           </p:nvPr>
         </p:nvSpPr>
         <p:spPr bwMode="auto">
@@ -5868,12 +5968,12 @@
       </p:sp>
       <p:sp>
         <p:nvSpPr>
-          <p:cNvPr id="5" name="Footer Placeholder 4" hidden="0"/>
-          <p:cNvSpPr>
-            <a:spLocks noGrp="1"/>
-          </p:cNvSpPr>
-          <p:nvPr isPhoto="0" userDrawn="0">
-            <p:ph type="ftr" sz="quarter" idx="3" hasCustomPrompt="0"/>
+          <p:cNvPr id="5" name="Footer Placeholder 4"/>
+          <p:cNvSpPr>
+            <a:spLocks noGrp="1"/>
+          </p:cNvSpPr>
+          <p:nvPr>
+            <p:ph type="ftr" sz="quarter" idx="3"/>
           </p:nvPr>
         </p:nvSpPr>
         <p:spPr bwMode="auto">
@@ -5903,23 +6003,7 @@
             </a:pPr>
             <a:r>
               <a:rPr lang="en-US"/>
-              <a:t>Control Center – </a:t>
-            </a:r>
-            <a:r>
-              <a:rPr lang="en-US"/>
-              <a:t>zwei</a:t>
-            </a:r>
-            <a:r>
-              <a:rPr lang="en-US"/>
-              <a:t> </a:t>
-            </a:r>
-            <a:r>
-              <a:rPr lang="en-US"/>
-              <a:t>komponenten</a:t>
-            </a:r>
-            <a:r>
-              <a:rPr lang="en-US"/>
-              <a:t> Monitoring Tool</a:t>
+              <a:t>Control Center – zwei komponenten Monitoring Tool</a:t>
             </a:r>
             <a:endParaRPr/>
           </a:p>
@@ -5927,12 +6011,12 @@
       </p:sp>
       <p:sp>
         <p:nvSpPr>
-          <p:cNvPr id="6" name="Slide Number Placeholder 5" hidden="0"/>
-          <p:cNvSpPr>
-            <a:spLocks noGrp="1"/>
-          </p:cNvSpPr>
-          <p:nvPr isPhoto="0" userDrawn="0">
-            <p:ph type="sldNum" sz="quarter" idx="4" hasCustomPrompt="0"/>
+          <p:cNvPr id="6" name="Slide Number Placeholder 5"/>
+          <p:cNvSpPr>
+            <a:spLocks noGrp="1"/>
+          </p:cNvSpPr>
+          <p:nvPr>
+            <p:ph type="sldNum" sz="quarter" idx="4"/>
           </p:nvPr>
         </p:nvSpPr>
         <p:spPr bwMode="auto">
@@ -5962,7 +6046,7 @@
             </a:pPr>
             <a:fld id="{3A98EE3D-8CD1-4C3F-BD1C-C98C9596463C}" type="slidenum">
               <a:rPr lang="en-US"/>
-              <a:t/>
+              <a:t>‹Nr.›</a:t>
             </a:fld>
             <a:endParaRPr lang="en-US"/>
           </a:p>
@@ -5970,11 +6054,11 @@
       </p:sp>
       <p:pic>
         <p:nvPicPr>
-          <p:cNvPr id="9" name="Grafik 8" hidden="0"/>
+          <p:cNvPr id="9" name="Grafik 8"/>
           <p:cNvPicPr>
             <a:picLocks noChangeAspect="1"/>
           </p:cNvPicPr>
-          <p:nvPr isPhoto="0" userDrawn="1"/>
+          <p:nvPr userDrawn="1"/>
         </p:nvPicPr>
         <p:blipFill>
           <a:blip r:embed="rId11"/>
@@ -6004,7 +6088,7 @@
     <p:sldLayoutId id="2147483656" r:id="rId8"/>
     <p:sldLayoutId id="2147483657" r:id="rId9"/>
   </p:sldLayoutIdLst>
-  <p:hf dt="1" ftr="1" hdr="0" sldNum="1"/>
+  <p:hf hdr="0"/>
   <p:txStyles>
     <p:titleStyle>
       <a:lvl1pPr algn="l" defTabSz="685800">
@@ -6366,13 +6450,13 @@
 </file>
 
 <file path=ppt/slides/slide1.xml><?xml version="1.0" encoding="utf-8"?>
-<p:sld xmlns:a="http://schemas.openxmlformats.org/drawingml/2006/main" xmlns:r="http://schemas.openxmlformats.org/officeDocument/2006/relationships" xmlns:p="http://schemas.openxmlformats.org/presentationml/2006/main" xmlns:m="http://schemas.openxmlformats.org/officeDocument/2006/math" xmlns:w="http://schemas.openxmlformats.org/wordprocessingml/2006/main" showMasterPhAnim="0" show="1">
-  <p:cSld name="">
+<p:sld xmlns:a="http://schemas.openxmlformats.org/drawingml/2006/main" xmlns:r="http://schemas.openxmlformats.org/officeDocument/2006/relationships" xmlns:p="http://schemas.openxmlformats.org/presentationml/2006/main" showMasterPhAnim="0">
+  <p:cSld>
     <p:spTree>
       <p:nvGrpSpPr>
-        <p:cNvPr id="1" name="" hidden="0"/>
+        <p:cNvPr id="1" name=""/>
         <p:cNvGrpSpPr/>
-        <p:nvPr isPhoto="0" userDrawn="0"/>
+        <p:nvPr/>
       </p:nvGrpSpPr>
       <p:grpSpPr bwMode="auto">
         <a:xfrm>
@@ -6384,12 +6468,12 @@
       </p:grpSpPr>
       <p:sp>
         <p:nvSpPr>
-          <p:cNvPr id="4" name="Title 3" hidden="0"/>
-          <p:cNvSpPr>
-            <a:spLocks noGrp="1"/>
-          </p:cNvSpPr>
-          <p:nvPr isPhoto="0" userDrawn="0">
-            <p:ph type="ctrTitle" hasCustomPrompt="0"/>
+          <p:cNvPr id="4" name="Title 3"/>
+          <p:cNvSpPr>
+            <a:spLocks noGrp="1"/>
+          </p:cNvSpPr>
+          <p:nvPr>
+            <p:ph type="ctrTitle"/>
           </p:nvPr>
         </p:nvSpPr>
         <p:spPr bwMode="auto">
@@ -6424,12 +6508,12 @@
       </p:sp>
       <p:sp>
         <p:nvSpPr>
-          <p:cNvPr id="5" name="Subtitle 4" hidden="0"/>
-          <p:cNvSpPr>
-            <a:spLocks noGrp="1"/>
-          </p:cNvSpPr>
-          <p:nvPr isPhoto="0" userDrawn="0">
-            <p:ph type="subTitle" idx="1" hasCustomPrompt="0"/>
+          <p:cNvPr id="5" name="Subtitle 4"/>
+          <p:cNvSpPr>
+            <a:spLocks noGrp="1"/>
+          </p:cNvSpPr>
+          <p:nvPr>
+            <p:ph type="subTitle" idx="1"/>
           </p:nvPr>
         </p:nvSpPr>
         <p:spPr bwMode="auto">
@@ -6449,15 +6533,7 @@
             </a:pPr>
             <a:r>
               <a:rPr lang="en-US"/>
-              <a:t>Zwei </a:t>
-            </a:r>
-            <a:r>
-              <a:rPr lang="en-US"/>
-              <a:t>Komponenten</a:t>
-            </a:r>
-            <a:r>
-              <a:rPr lang="en-US"/>
-              <a:t> Monitoring Tool</a:t>
+              <a:t>Zwei Komponenten Monitoring Tool</a:t>
             </a:r>
             <a:endParaRPr/>
           </a:p>
@@ -6465,9 +6541,9 @@
       </p:sp>
       <p:sp>
         <p:nvSpPr>
-          <p:cNvPr id="7" name="Subtitle 4" hidden="0"/>
+          <p:cNvPr id="7" name="Subtitle 4"/>
           <p:cNvSpPr txBox="1"/>
-          <p:nvPr isPhoto="0" userDrawn="0"/>
+          <p:nvPr/>
         </p:nvSpPr>
         <p:spPr bwMode="auto">
           <a:xfrm>
@@ -6731,14 +6807,14 @@
       </p:sp>
       <p:pic>
         <p:nvPicPr>
-          <p:cNvPr id="3" name="Grafik 2" hidden="0"/>
+          <p:cNvPr id="3" name="Grafik 2"/>
           <p:cNvPicPr>
             <a:picLocks noChangeAspect="1"/>
           </p:cNvPicPr>
-          <p:nvPr isPhoto="0" userDrawn="0"/>
+          <p:nvPr/>
         </p:nvPicPr>
         <p:blipFill>
-          <a:blip r:embed="rId2"/>
+          <a:blip r:embed="rId3"/>
           <a:stretch/>
         </p:blipFill>
         <p:spPr bwMode="auto">
@@ -6753,9 +6829,9 @@
       </p:pic>
       <p:sp>
         <p:nvSpPr>
-          <p:cNvPr id="13" name="Rechteck 12" hidden="0"/>
+          <p:cNvPr id="13" name="Rechteck 12"/>
           <p:cNvSpPr/>
-          <p:nvPr isPhoto="0" userDrawn="0"/>
+          <p:nvPr/>
         </p:nvSpPr>
         <p:spPr bwMode="auto">
           <a:xfrm>
@@ -6804,25 +6880,17 @@
   <p:clrMapOvr>
     <a:masterClrMapping/>
   </p:clrMapOvr>
-  <mc:AlternateContent xmlns:mc="http://schemas.openxmlformats.org/markup-compatibility/2006">
-    <mc:Choice xmlns:p14="http://schemas.microsoft.com/office/powerpoint/2010/main" Requires="p14">
-      <p:transition p14:dur="2000" advClick="1"/>
-    </mc:Choice>
-    <mc:Fallback>
-      <p:transition advClick="1"/>
-    </mc:Fallback>
-  </mc:AlternateContent>
 </p:sld>
 </file>
 
 <file path=ppt/slides/slide10.xml><?xml version="1.0" encoding="utf-8"?>
-<p:sld xmlns:a="http://schemas.openxmlformats.org/drawingml/2006/main" xmlns:r="http://schemas.openxmlformats.org/officeDocument/2006/relationships" xmlns:p="http://schemas.openxmlformats.org/presentationml/2006/main" xmlns:m="http://schemas.openxmlformats.org/officeDocument/2006/math" xmlns:w="http://schemas.openxmlformats.org/wordprocessingml/2006/main" showMasterPhAnim="0" show="1">
-  <p:cSld name="">
+<p:sld xmlns:a="http://schemas.openxmlformats.org/drawingml/2006/main" xmlns:r="http://schemas.openxmlformats.org/officeDocument/2006/relationships" xmlns:p="http://schemas.openxmlformats.org/presentationml/2006/main" showMasterPhAnim="0">
+  <p:cSld>
     <p:spTree>
       <p:nvGrpSpPr>
-        <p:cNvPr id="1" name="" hidden="0"/>
+        <p:cNvPr id="1" name=""/>
         <p:cNvGrpSpPr/>
-        <p:nvPr isPhoto="0" userDrawn="0"/>
+        <p:nvPr/>
       </p:nvGrpSpPr>
       <p:grpSpPr bwMode="auto">
         <a:xfrm>
@@ -6834,12 +6902,12 @@
       </p:grpSpPr>
       <p:sp>
         <p:nvSpPr>
-          <p:cNvPr id="309489504" name="Title 18" hidden="0"/>
-          <p:cNvSpPr>
-            <a:spLocks noGrp="1"/>
-          </p:cNvSpPr>
-          <p:nvPr isPhoto="0" userDrawn="0">
-            <p:ph type="title" hasCustomPrompt="0"/>
+          <p:cNvPr id="309489504" name="Title 18"/>
+          <p:cNvSpPr>
+            <a:spLocks noGrp="1"/>
+          </p:cNvSpPr>
+          <p:nvPr>
+            <p:ph type="title"/>
           </p:nvPr>
         </p:nvSpPr>
         <p:spPr bwMode="auto"/>
@@ -6858,22 +6926,17 @@
               </a:rPr>
               <a:t>Inhalt</a:t>
             </a:r>
-            <a:endParaRPr lang="en-US">
-              <a:solidFill>
-                <a:schemeClr val="tx1"/>
-              </a:solidFill>
-            </a:endParaRPr>
-          </a:p>
-        </p:txBody>
-      </p:sp>
-      <p:sp>
-        <p:nvSpPr>
-          <p:cNvPr id="1850719009" name="Content Placeholder 16" hidden="0"/>
-          <p:cNvSpPr>
-            <a:spLocks noGrp="1"/>
-          </p:cNvSpPr>
-          <p:nvPr isPhoto="0" userDrawn="0">
-            <p:ph sz="half" idx="2" hasCustomPrompt="0"/>
+          </a:p>
+        </p:txBody>
+      </p:sp>
+      <p:sp>
+        <p:nvSpPr>
+          <p:cNvPr id="1850719009" name="Content Placeholder 16"/>
+          <p:cNvSpPr>
+            <a:spLocks noGrp="1"/>
+          </p:cNvSpPr>
+          <p:nvPr>
+            <p:ph sz="half" idx="2"/>
           </p:nvPr>
         </p:nvSpPr>
         <p:spPr bwMode="auto"/>
@@ -6897,11 +6960,6 @@
               </a:rPr>
               <a:t>Vorstellung</a:t>
             </a:r>
-            <a:endParaRPr lang="en-US" sz="1800">
-              <a:solidFill>
-                <a:srgbClr val="D0D1D9"/>
-              </a:solidFill>
-            </a:endParaRPr>
           </a:p>
           <a:p>
             <a:pPr>
@@ -6918,11 +6976,6 @@
               </a:rPr>
               <a:t>Thematik</a:t>
             </a:r>
-            <a:endParaRPr lang="en-US" sz="1800">
-              <a:solidFill>
-                <a:srgbClr val="D0D1D9"/>
-              </a:solidFill>
-            </a:endParaRPr>
           </a:p>
           <a:p>
             <a:pPr>
@@ -6973,7 +7026,6 @@
               <a:rPr lang="en-US" sz="1800"/>
               <a:t>Implementierung</a:t>
             </a:r>
-            <a:endParaRPr lang="en-US" sz="1800"/>
           </a:p>
           <a:p>
             <a:pPr>
@@ -6984,28 +7036,19 @@
             </a:pPr>
             <a:r>
               <a:rPr lang="en-US" sz="1800"/>
-              <a:t>Fazit</a:t>
-            </a:r>
-            <a:r>
-              <a:rPr lang="en-US" sz="1800"/>
-              <a:t> und </a:t>
-            </a:r>
-            <a:r>
-              <a:rPr lang="en-US" sz="1800"/>
-              <a:t>Ausblick</a:t>
-            </a:r>
-            <a:endParaRPr lang="en-US" sz="1800"/>
-          </a:p>
-        </p:txBody>
-      </p:sp>
-      <p:sp>
-        <p:nvSpPr>
-          <p:cNvPr id="19557407" name="Fußzeilenplatzhalter 1" hidden="0"/>
-          <p:cNvSpPr>
-            <a:spLocks noGrp="1"/>
-          </p:cNvSpPr>
-          <p:nvPr isPhoto="0" userDrawn="0">
-            <p:ph type="ftr" sz="quarter" idx="3" hasCustomPrompt="0"/>
+              <a:t>Fazit und Ausblick</a:t>
+            </a:r>
+          </a:p>
+        </p:txBody>
+      </p:sp>
+      <p:sp>
+        <p:nvSpPr>
+          <p:cNvPr id="19557407" name="Fußzeilenplatzhalter 1"/>
+          <p:cNvSpPr>
+            <a:spLocks noGrp="1"/>
+          </p:cNvSpPr>
+          <p:nvPr>
+            <p:ph type="ftr" sz="quarter" idx="3"/>
           </p:nvPr>
         </p:nvSpPr>
         <p:spPr bwMode="auto"/>
@@ -7020,7 +7063,6 @@
               <a:rPr lang="en-US"/>
               <a:t>Control Center – zwei komponenten Monitoring Tool</a:t>
             </a:r>
-            <a:endParaRPr lang="en-US"/>
           </a:p>
         </p:txBody>
       </p:sp>
@@ -7029,25 +7071,199 @@
   <p:clrMapOvr>
     <a:masterClrMapping/>
   </p:clrMapOvr>
-  <mc:AlternateContent xmlns:mc="http://schemas.openxmlformats.org/markup-compatibility/2006">
-    <mc:Choice xmlns:p14="http://schemas.microsoft.com/office/powerpoint/2010/main" Requires="p14">
-      <p:transition p14:dur="2000" advClick="1"/>
-    </mc:Choice>
-    <mc:Fallback>
-      <p:transition advClick="1"/>
-    </mc:Fallback>
-  </mc:AlternateContent>
 </p:sld>
 </file>
 
 <file path=ppt/slides/slide11.xml><?xml version="1.0" encoding="utf-8"?>
-<p:sld xmlns:a="http://schemas.openxmlformats.org/drawingml/2006/main" xmlns:r="http://schemas.openxmlformats.org/officeDocument/2006/relationships" xmlns:p="http://schemas.openxmlformats.org/presentationml/2006/main" xmlns:m="http://schemas.openxmlformats.org/officeDocument/2006/math" xmlns:w="http://schemas.openxmlformats.org/wordprocessingml/2006/main" showMasterPhAnim="0" show="1">
-  <p:cSld name="">
+<p:sld xmlns:a="http://schemas.openxmlformats.org/drawingml/2006/main" xmlns:r="http://schemas.openxmlformats.org/officeDocument/2006/relationships" xmlns:p="http://schemas.openxmlformats.org/presentationml/2006/main">
+  <p:cSld>
     <p:spTree>
       <p:nvGrpSpPr>
-        <p:cNvPr id="1" name="" hidden="0"/>
+        <p:cNvPr id="1" name=""/>
         <p:cNvGrpSpPr/>
-        <p:nvPr isPhoto="0" userDrawn="0"/>
+        <p:nvPr/>
+      </p:nvGrpSpPr>
+      <p:grpSpPr>
+        <a:xfrm>
+          <a:off x="0" y="0"/>
+          <a:ext cx="0" cy="0"/>
+          <a:chOff x="0" y="0"/>
+          <a:chExt cx="0" cy="0"/>
+        </a:xfrm>
+      </p:grpSpPr>
+      <p:pic>
+        <p:nvPicPr>
+          <p:cNvPr id="8" name="Inhaltsplatzhalter 7">
+            <a:extLst>
+              <a:ext uri="{FF2B5EF4-FFF2-40B4-BE49-F238E27FC236}">
+                <a16:creationId xmlns:a16="http://schemas.microsoft.com/office/drawing/2014/main" id="{4D725708-EF10-C9EA-A377-C4E84AAB9D5A}"/>
+              </a:ext>
+            </a:extLst>
+          </p:cNvPr>
+          <p:cNvPicPr>
+            <a:picLocks noGrp="1" noChangeAspect="1"/>
+          </p:cNvPicPr>
+          <p:nvPr>
+            <p:ph idx="1"/>
+          </p:nvPr>
+        </p:nvPicPr>
+        <p:blipFill>
+          <a:blip r:embed="rId2"/>
+          <a:stretch>
+            <a:fillRect/>
+          </a:stretch>
+        </p:blipFill>
+        <p:spPr>
+          <a:xfrm>
+            <a:off x="1306732" y="1882681"/>
+            <a:ext cx="6530536" cy="4032448"/>
+          </a:xfrm>
+        </p:spPr>
+      </p:pic>
+      <p:sp>
+        <p:nvSpPr>
+          <p:cNvPr id="3" name="Titel 2">
+            <a:extLst>
+              <a:ext uri="{FF2B5EF4-FFF2-40B4-BE49-F238E27FC236}">
+                <a16:creationId xmlns:a16="http://schemas.microsoft.com/office/drawing/2014/main" id="{9942A9EC-F73A-0662-68E8-67A59EEE8C5C}"/>
+              </a:ext>
+            </a:extLst>
+          </p:cNvPr>
+          <p:cNvSpPr>
+            <a:spLocks noGrp="1"/>
+          </p:cNvSpPr>
+          <p:nvPr>
+            <p:ph type="title"/>
+          </p:nvPr>
+        </p:nvSpPr>
+        <p:spPr/>
+        <p:txBody>
+          <a:bodyPr/>
+          <a:lstStyle/>
+          <a:p>
+            <a:r>
+              <a:rPr lang="de-DE" dirty="0"/>
+              <a:t>Entwurf</a:t>
+            </a:r>
+          </a:p>
+        </p:txBody>
+      </p:sp>
+      <p:sp>
+        <p:nvSpPr>
+          <p:cNvPr id="4" name="Datumsplatzhalter 3">
+            <a:extLst>
+              <a:ext uri="{FF2B5EF4-FFF2-40B4-BE49-F238E27FC236}">
+                <a16:creationId xmlns:a16="http://schemas.microsoft.com/office/drawing/2014/main" id="{8C9E7DE5-A1FF-F4B8-D57C-BA12144A4853}"/>
+              </a:ext>
+            </a:extLst>
+          </p:cNvPr>
+          <p:cNvSpPr>
+            <a:spLocks noGrp="1"/>
+          </p:cNvSpPr>
+          <p:nvPr>
+            <p:ph type="dt" sz="half" idx="2"/>
+          </p:nvPr>
+        </p:nvSpPr>
+        <p:spPr/>
+        <p:txBody>
+          <a:bodyPr/>
+          <a:lstStyle/>
+          <a:p>
+            <a:pPr>
+              <a:defRPr/>
+            </a:pPr>
+            <a:r>
+              <a:rPr lang="de-DE"/>
+              <a:t>Eduard Schwarzkopf </a:t>
+            </a:r>
+            <a:endParaRPr lang="en-US"/>
+          </a:p>
+        </p:txBody>
+      </p:sp>
+      <p:sp>
+        <p:nvSpPr>
+          <p:cNvPr id="5" name="Fußzeilenplatzhalter 4">
+            <a:extLst>
+              <a:ext uri="{FF2B5EF4-FFF2-40B4-BE49-F238E27FC236}">
+                <a16:creationId xmlns:a16="http://schemas.microsoft.com/office/drawing/2014/main" id="{B6B829F3-0C3C-EC39-6553-B1289AEB08C9}"/>
+              </a:ext>
+            </a:extLst>
+          </p:cNvPr>
+          <p:cNvSpPr>
+            <a:spLocks noGrp="1"/>
+          </p:cNvSpPr>
+          <p:nvPr>
+            <p:ph type="ftr" sz="quarter" idx="3"/>
+          </p:nvPr>
+        </p:nvSpPr>
+        <p:spPr/>
+        <p:txBody>
+          <a:bodyPr/>
+          <a:lstStyle/>
+          <a:p>
+            <a:pPr>
+              <a:defRPr/>
+            </a:pPr>
+            <a:r>
+              <a:rPr lang="nl-NL"/>
+              <a:t>Control Center – zwei komponenten Monitoring Tool</a:t>
+            </a:r>
+          </a:p>
+        </p:txBody>
+      </p:sp>
+      <p:sp>
+        <p:nvSpPr>
+          <p:cNvPr id="6" name="Foliennummernplatzhalter 5">
+            <a:extLst>
+              <a:ext uri="{FF2B5EF4-FFF2-40B4-BE49-F238E27FC236}">
+                <a16:creationId xmlns:a16="http://schemas.microsoft.com/office/drawing/2014/main" id="{1A982EEF-5B3E-BCA2-52C4-7A2024CB4A5B}"/>
+              </a:ext>
+            </a:extLst>
+          </p:cNvPr>
+          <p:cNvSpPr>
+            <a:spLocks noGrp="1"/>
+          </p:cNvSpPr>
+          <p:nvPr>
+            <p:ph type="sldNum" sz="quarter" idx="4"/>
+          </p:nvPr>
+        </p:nvSpPr>
+        <p:spPr/>
+        <p:txBody>
+          <a:bodyPr/>
+          <a:lstStyle/>
+          <a:p>
+            <a:pPr>
+              <a:defRPr/>
+            </a:pPr>
+            <a:fld id="{3A98EE3D-8CD1-4C3F-BD1C-C98C9596463C}" type="slidenum">
+              <a:rPr lang="en-US" smtClean="0"/>
+              <a:t>11</a:t>
+            </a:fld>
+            <a:endParaRPr lang="en-US"/>
+          </a:p>
+        </p:txBody>
+      </p:sp>
+    </p:spTree>
+    <p:extLst>
+      <p:ext uri="{BB962C8B-B14F-4D97-AF65-F5344CB8AC3E}">
+        <p14:creationId xmlns:p14="http://schemas.microsoft.com/office/powerpoint/2010/main" val="2890958246"/>
+      </p:ext>
+    </p:extLst>
+  </p:cSld>
+  <p:clrMapOvr>
+    <a:masterClrMapping/>
+  </p:clrMapOvr>
+</p:sld>
+</file>
+
+<file path=ppt/slides/slide12.xml><?xml version="1.0" encoding="utf-8"?>
+<p:sld xmlns:a="http://schemas.openxmlformats.org/drawingml/2006/main" xmlns:r="http://schemas.openxmlformats.org/officeDocument/2006/relationships" xmlns:p="http://schemas.openxmlformats.org/presentationml/2006/main" showMasterPhAnim="0">
+  <p:cSld>
+    <p:spTree>
+      <p:nvGrpSpPr>
+        <p:cNvPr id="1" name=""/>
+        <p:cNvGrpSpPr/>
+        <p:nvPr/>
       </p:nvGrpSpPr>
       <p:grpSpPr bwMode="auto">
         <a:xfrm>
@@ -7059,12 +7275,12 @@
       </p:grpSpPr>
       <p:sp>
         <p:nvSpPr>
-          <p:cNvPr id="343558477" name="Title 18" hidden="0"/>
-          <p:cNvSpPr>
-            <a:spLocks noGrp="1"/>
-          </p:cNvSpPr>
-          <p:nvPr isPhoto="0" userDrawn="0">
-            <p:ph type="title" hasCustomPrompt="0"/>
+          <p:cNvPr id="2" name="Fußzeilenplatzhalter 1"/>
+          <p:cNvSpPr>
+            <a:spLocks noGrp="1"/>
+          </p:cNvSpPr>
+          <p:nvPr>
+            <p:ph type="ftr" sz="quarter" idx="3"/>
           </p:nvPr>
         </p:nvSpPr>
         <p:spPr bwMode="auto"/>
@@ -7076,207 +7292,661 @@
               <a:defRPr/>
             </a:pPr>
             <a:r>
-              <a:rPr lang="en-US">
-                <a:solidFill>
-                  <a:schemeClr val="tx1"/>
-                </a:solidFill>
-              </a:rPr>
-              <a:t>Inhalt</a:t>
-            </a:r>
-            <a:endParaRPr lang="en-US">
-              <a:solidFill>
-                <a:schemeClr val="tx1"/>
-              </a:solidFill>
-            </a:endParaRPr>
-          </a:p>
-        </p:txBody>
-      </p:sp>
-      <p:sp>
-        <p:nvSpPr>
-          <p:cNvPr id="2022981892" name="Content Placeholder 16" hidden="0"/>
-          <p:cNvSpPr>
-            <a:spLocks noGrp="1"/>
-          </p:cNvSpPr>
-          <p:nvPr isPhoto="0" userDrawn="0">
-            <p:ph sz="half" idx="2" hasCustomPrompt="0"/>
+              <a:rPr lang="en-US"/>
+              <a:t>Control Center – zwei komponenten Monitoring Tool</a:t>
+            </a:r>
+          </a:p>
+        </p:txBody>
+      </p:sp>
+      <p:sp>
+        <p:nvSpPr>
+          <p:cNvPr id="4" name="Foliennummernplatzhalter 3"/>
+          <p:cNvSpPr>
+            <a:spLocks noGrp="1"/>
+          </p:cNvSpPr>
+          <p:nvPr>
+            <p:ph type="sldNum" sz="quarter" idx="4"/>
           </p:nvPr>
         </p:nvSpPr>
         <p:spPr bwMode="auto"/>
         <p:txBody>
-          <a:bodyPr>
+          <a:bodyPr/>
+          <a:lstStyle/>
+          <a:p>
+            <a:pPr>
+              <a:defRPr/>
+            </a:pPr>
+            <a:fld id="{3A98EE3D-8CD1-4C3F-BD1C-C98C9596463C}" type="slidenum">
+              <a:rPr lang="en-US"/>
+              <a:t>12</a:t>
+            </a:fld>
+            <a:endParaRPr lang="en-US"/>
+          </a:p>
+        </p:txBody>
+      </p:sp>
+      <p:sp>
+        <p:nvSpPr>
+          <p:cNvPr id="6" name="Datumsplatzhalter 5"/>
+          <p:cNvSpPr>
+            <a:spLocks noGrp="1"/>
+          </p:cNvSpPr>
+          <p:nvPr>
+            <p:ph type="dt" sz="half" idx="18"/>
+          </p:nvPr>
+        </p:nvSpPr>
+        <p:spPr bwMode="auto"/>
+        <p:txBody>
+          <a:bodyPr/>
+          <a:lstStyle/>
+          <a:p>
+            <a:pPr>
+              <a:defRPr/>
+            </a:pPr>
+            <a:r>
+              <a:rPr lang="de-DE"/>
+              <a:t>Eduard Schwarzkopf </a:t>
+            </a:r>
+            <a:endParaRPr lang="en-US"/>
+          </a:p>
+        </p:txBody>
+      </p:sp>
+      <p:sp>
+        <p:nvSpPr>
+          <p:cNvPr id="41" name="Text Placeholder 18">
+            <a:extLst>
+              <a:ext uri="{FF2B5EF4-FFF2-40B4-BE49-F238E27FC236}">
+                <a16:creationId xmlns:a16="http://schemas.microsoft.com/office/drawing/2014/main" id="{10C441DB-EF9F-520A-CCF3-9F88C4966BBF}"/>
+              </a:ext>
+            </a:extLst>
+          </p:cNvPr>
+          <p:cNvSpPr txBox="1"/>
+          <p:nvPr/>
+        </p:nvSpPr>
+        <p:spPr bwMode="auto">
+          <a:xfrm>
+            <a:off x="3407008" y="2842108"/>
+            <a:ext cx="2189560" cy="583534"/>
+          </a:xfrm>
+          <a:prstGeom prst="rect">
+            <a:avLst/>
+          </a:prstGeom>
+        </p:spPr>
+        <p:txBody>
+          <a:bodyPr vert="horz" lIns="91440" tIns="45720" rIns="91440" bIns="45720" rtlCol="0" anchor="ctr">
             <a:normAutofit/>
           </a:bodyPr>
-          <a:lstStyle/>
-          <a:p>
-            <a:pPr>
-              <a:lnSpc>
-                <a:spcPct val="150000"/>
-              </a:lnSpc>
-              <a:defRPr/>
-            </a:pPr>
-            <a:r>
-              <a:rPr lang="en-US" sz="1800">
-                <a:solidFill>
-                  <a:srgbClr val="D0D1D9"/>
-                </a:solidFill>
-              </a:rPr>
-              <a:t>Vorstellung</a:t>
-            </a:r>
-            <a:endParaRPr lang="en-US" sz="1800">
-              <a:solidFill>
-                <a:srgbClr val="D0D1D9"/>
-              </a:solidFill>
-            </a:endParaRPr>
-          </a:p>
-          <a:p>
-            <a:pPr>
-              <a:lnSpc>
-                <a:spcPct val="150000"/>
-              </a:lnSpc>
-              <a:defRPr/>
-            </a:pPr>
-            <a:r>
-              <a:rPr lang="en-US" sz="1800">
-                <a:solidFill>
-                  <a:srgbClr val="D0D1D9"/>
-                </a:solidFill>
-              </a:rPr>
-              <a:t>Thematik</a:t>
-            </a:r>
-            <a:endParaRPr lang="en-US" sz="1800">
-              <a:solidFill>
-                <a:srgbClr val="D0D1D9"/>
-              </a:solidFill>
-            </a:endParaRPr>
-          </a:p>
-          <a:p>
-            <a:pPr>
-              <a:lnSpc>
-                <a:spcPct val="150000"/>
-              </a:lnSpc>
-              <a:defRPr/>
-            </a:pPr>
-            <a:r>
-              <a:rPr lang="en-US" sz="1800">
-                <a:solidFill>
-                  <a:srgbClr val="D0D1D9"/>
-                </a:solidFill>
-              </a:rPr>
-              <a:t>Analyse</a:t>
-            </a:r>
-            <a:endParaRPr lang="en-US" sz="1800">
-              <a:solidFill>
-                <a:srgbClr val="22E298"/>
-              </a:solidFill>
-            </a:endParaRPr>
-          </a:p>
-          <a:p>
-            <a:pPr>
-              <a:lnSpc>
-                <a:spcPct val="150000"/>
-              </a:lnSpc>
-              <a:defRPr/>
-            </a:pPr>
-            <a:r>
-              <a:rPr lang="en-US" sz="1800">
-                <a:solidFill>
-                  <a:srgbClr val="D0D1D9"/>
-                </a:solidFill>
-              </a:rPr>
-              <a:t>Entwurf</a:t>
-            </a:r>
-            <a:endParaRPr lang="en-US" sz="1800"/>
-          </a:p>
-          <a:p>
-            <a:pPr>
-              <a:lnSpc>
-                <a:spcPct val="150000"/>
-              </a:lnSpc>
-              <a:defRPr/>
-            </a:pPr>
-            <a:r>
-              <a:rPr lang="en-US" sz="1800">
-                <a:solidFill>
-                  <a:srgbClr val="22E298"/>
-                </a:solidFill>
-              </a:rPr>
-              <a:t>Implementierung</a:t>
-            </a:r>
-            <a:endParaRPr lang="en-US" sz="1800"/>
-          </a:p>
-          <a:p>
-            <a:pPr>
-              <a:lnSpc>
-                <a:spcPct val="150000"/>
-              </a:lnSpc>
-              <a:defRPr/>
-            </a:pPr>
-            <a:r>
-              <a:rPr lang="en-US" sz="1800"/>
-              <a:t>Fazit</a:t>
-            </a:r>
-            <a:r>
-              <a:rPr lang="en-US" sz="1800"/>
-              <a:t> und </a:t>
-            </a:r>
-            <a:r>
-              <a:rPr lang="en-US" sz="1800"/>
-              <a:t>Ausblick</a:t>
-            </a:r>
-            <a:endParaRPr lang="en-US" sz="1800"/>
-          </a:p>
-        </p:txBody>
-      </p:sp>
-      <p:sp>
-        <p:nvSpPr>
-          <p:cNvPr id="1199490996" name="Fußzeilenplatzhalter 1" hidden="0"/>
-          <p:cNvSpPr>
-            <a:spLocks noGrp="1"/>
-          </p:cNvSpPr>
-          <p:nvPr isPhoto="0" userDrawn="0">
-            <p:ph type="ftr" sz="quarter" idx="3" hasCustomPrompt="0"/>
-          </p:nvPr>
-        </p:nvSpPr>
-        <p:spPr bwMode="auto"/>
-        <p:txBody>
-          <a:bodyPr/>
-          <a:lstStyle/>
-          <a:p>
-            <a:pPr>
-              <a:defRPr/>
-            </a:pPr>
-            <a:r>
-              <a:rPr lang="en-US"/>
-              <a:t>Control Center – zwei komponenten Monitoring Tool</a:t>
-            </a:r>
-            <a:endParaRPr lang="en-US"/>
+          <a:lstStyle>
+            <a:defPPr>
+              <a:defRPr lang="en-US"/>
+            </a:defPPr>
+            <a:lvl1pPr marL="0" algn="r" defTabSz="914400">
+              <a:defRPr sz="700">
+                <a:solidFill>
+                  <a:srgbClr val="191919"/>
+                </a:solidFill>
+                <a:latin typeface="Nunito"/>
+                <a:ea typeface="+mn-ea"/>
+                <a:cs typeface="+mn-cs"/>
+              </a:defRPr>
+            </a:lvl1pPr>
+            <a:lvl2pPr marL="457200" algn="l" defTabSz="914400">
+              <a:defRPr sz="1800">
+                <a:solidFill>
+                  <a:schemeClr val="tx1"/>
+                </a:solidFill>
+                <a:latin typeface="+mn-lt"/>
+                <a:ea typeface="+mn-ea"/>
+                <a:cs typeface="+mn-cs"/>
+              </a:defRPr>
+            </a:lvl2pPr>
+            <a:lvl3pPr marL="914400" algn="l" defTabSz="914400">
+              <a:defRPr sz="1800">
+                <a:solidFill>
+                  <a:schemeClr val="tx1"/>
+                </a:solidFill>
+                <a:latin typeface="+mn-lt"/>
+                <a:ea typeface="+mn-ea"/>
+                <a:cs typeface="+mn-cs"/>
+              </a:defRPr>
+            </a:lvl3pPr>
+            <a:lvl4pPr marL="1371600" algn="l" defTabSz="914400">
+              <a:defRPr sz="1800">
+                <a:solidFill>
+                  <a:schemeClr val="tx1"/>
+                </a:solidFill>
+                <a:latin typeface="+mn-lt"/>
+                <a:ea typeface="+mn-ea"/>
+                <a:cs typeface="+mn-cs"/>
+              </a:defRPr>
+            </a:lvl4pPr>
+            <a:lvl5pPr marL="1828800" algn="l" defTabSz="914400">
+              <a:defRPr sz="1800">
+                <a:solidFill>
+                  <a:schemeClr val="tx1"/>
+                </a:solidFill>
+                <a:latin typeface="+mn-lt"/>
+                <a:ea typeface="+mn-ea"/>
+                <a:cs typeface="+mn-cs"/>
+              </a:defRPr>
+            </a:lvl5pPr>
+            <a:lvl6pPr marL="2286000" algn="l" defTabSz="914400">
+              <a:defRPr sz="1800">
+                <a:solidFill>
+                  <a:schemeClr val="tx1"/>
+                </a:solidFill>
+                <a:latin typeface="+mn-lt"/>
+                <a:ea typeface="+mn-ea"/>
+                <a:cs typeface="+mn-cs"/>
+              </a:defRPr>
+            </a:lvl6pPr>
+            <a:lvl7pPr marL="2743200" algn="l" defTabSz="914400">
+              <a:defRPr sz="1800">
+                <a:solidFill>
+                  <a:schemeClr val="tx1"/>
+                </a:solidFill>
+                <a:latin typeface="+mn-lt"/>
+                <a:ea typeface="+mn-ea"/>
+                <a:cs typeface="+mn-cs"/>
+              </a:defRPr>
+            </a:lvl7pPr>
+            <a:lvl8pPr marL="3200400" algn="l" defTabSz="914400">
+              <a:defRPr sz="1800">
+                <a:solidFill>
+                  <a:schemeClr val="tx1"/>
+                </a:solidFill>
+                <a:latin typeface="+mn-lt"/>
+                <a:ea typeface="+mn-ea"/>
+                <a:cs typeface="+mn-cs"/>
+              </a:defRPr>
+            </a:lvl8pPr>
+            <a:lvl9pPr marL="3657600" algn="l" defTabSz="914400">
+              <a:defRPr sz="1800">
+                <a:solidFill>
+                  <a:schemeClr val="tx1"/>
+                </a:solidFill>
+                <a:latin typeface="+mn-lt"/>
+                <a:ea typeface="+mn-ea"/>
+                <a:cs typeface="+mn-cs"/>
+              </a:defRPr>
+            </a:lvl9pPr>
+          </a:lstStyle>
+          <a:p>
+            <a:pPr algn="ctr">
+              <a:defRPr/>
+            </a:pPr>
+            <a:r>
+              <a:rPr lang="en-US" sz="1800" dirty="0"/>
+              <a:t>TAILWINDCSS</a:t>
+            </a:r>
+            <a:endParaRPr dirty="0"/>
+          </a:p>
+        </p:txBody>
+      </p:sp>
+      <p:pic>
+        <p:nvPicPr>
+          <p:cNvPr id="42" name="Grafik 41">
+            <a:extLst>
+              <a:ext uri="{FF2B5EF4-FFF2-40B4-BE49-F238E27FC236}">
+                <a16:creationId xmlns:a16="http://schemas.microsoft.com/office/drawing/2014/main" id="{3C05D57D-5257-AACA-A115-01F3AAF03C8C}"/>
+              </a:ext>
+            </a:extLst>
+          </p:cNvPr>
+          <p:cNvPicPr>
+            <a:picLocks noChangeAspect="1"/>
+          </p:cNvPicPr>
+          <p:nvPr/>
+        </p:nvPicPr>
+        <p:blipFill>
+          <a:blip r:embed="rId3">
+            <a:extLst>
+              <a:ext uri="{96DAC541-7B7A-43D3-8B79-37D633B846F1}">
+                <asvg:svgBlip xmlns:asvg="http://schemas.microsoft.com/office/drawing/2016/SVG/main" r:embed="rId4"/>
+              </a:ext>
+            </a:extLst>
+          </a:blip>
+          <a:stretch>
+            <a:fillRect/>
+          </a:stretch>
+        </p:blipFill>
+        <p:spPr bwMode="auto">
+          <a:xfrm>
+            <a:off x="3851920" y="1643301"/>
+            <a:ext cx="1299735" cy="794283"/>
+          </a:xfrm>
+          <a:prstGeom prst="rect">
+            <a:avLst/>
+          </a:prstGeom>
+        </p:spPr>
+      </p:pic>
+      <p:sp>
+        <p:nvSpPr>
+          <p:cNvPr id="43" name="Text Placeholder 18">
+            <a:extLst>
+              <a:ext uri="{FF2B5EF4-FFF2-40B4-BE49-F238E27FC236}">
+                <a16:creationId xmlns:a16="http://schemas.microsoft.com/office/drawing/2014/main" id="{51B58529-B6A8-F62E-9145-8DEBC389863C}"/>
+              </a:ext>
+            </a:extLst>
+          </p:cNvPr>
+          <p:cNvSpPr txBox="1"/>
+          <p:nvPr/>
+        </p:nvSpPr>
+        <p:spPr bwMode="auto">
+          <a:xfrm>
+            <a:off x="752747" y="2845466"/>
+            <a:ext cx="2189560" cy="583534"/>
+          </a:xfrm>
+          <a:prstGeom prst="rect">
+            <a:avLst/>
+          </a:prstGeom>
+        </p:spPr>
+        <p:txBody>
+          <a:bodyPr vert="horz" lIns="91440" tIns="45720" rIns="91440" bIns="45720" rtlCol="0" anchor="ctr">
+            <a:normAutofit/>
+          </a:bodyPr>
+          <a:lstStyle>
+            <a:defPPr>
+              <a:defRPr lang="en-US"/>
+            </a:defPPr>
+            <a:lvl1pPr marL="0" algn="r" defTabSz="914400">
+              <a:defRPr sz="700">
+                <a:solidFill>
+                  <a:srgbClr val="191919"/>
+                </a:solidFill>
+                <a:latin typeface="Nunito"/>
+                <a:ea typeface="+mn-ea"/>
+                <a:cs typeface="+mn-cs"/>
+              </a:defRPr>
+            </a:lvl1pPr>
+            <a:lvl2pPr marL="457200" algn="l" defTabSz="914400">
+              <a:defRPr sz="1800">
+                <a:solidFill>
+                  <a:schemeClr val="tx1"/>
+                </a:solidFill>
+                <a:latin typeface="+mn-lt"/>
+                <a:ea typeface="+mn-ea"/>
+                <a:cs typeface="+mn-cs"/>
+              </a:defRPr>
+            </a:lvl2pPr>
+            <a:lvl3pPr marL="914400" algn="l" defTabSz="914400">
+              <a:defRPr sz="1800">
+                <a:solidFill>
+                  <a:schemeClr val="tx1"/>
+                </a:solidFill>
+                <a:latin typeface="+mn-lt"/>
+                <a:ea typeface="+mn-ea"/>
+                <a:cs typeface="+mn-cs"/>
+              </a:defRPr>
+            </a:lvl3pPr>
+            <a:lvl4pPr marL="1371600" algn="l" defTabSz="914400">
+              <a:defRPr sz="1800">
+                <a:solidFill>
+                  <a:schemeClr val="tx1"/>
+                </a:solidFill>
+                <a:latin typeface="+mn-lt"/>
+                <a:ea typeface="+mn-ea"/>
+                <a:cs typeface="+mn-cs"/>
+              </a:defRPr>
+            </a:lvl4pPr>
+            <a:lvl5pPr marL="1828800" algn="l" defTabSz="914400">
+              <a:defRPr sz="1800">
+                <a:solidFill>
+                  <a:schemeClr val="tx1"/>
+                </a:solidFill>
+                <a:latin typeface="+mn-lt"/>
+                <a:ea typeface="+mn-ea"/>
+                <a:cs typeface="+mn-cs"/>
+              </a:defRPr>
+            </a:lvl5pPr>
+            <a:lvl6pPr marL="2286000" algn="l" defTabSz="914400">
+              <a:defRPr sz="1800">
+                <a:solidFill>
+                  <a:schemeClr val="tx1"/>
+                </a:solidFill>
+                <a:latin typeface="+mn-lt"/>
+                <a:ea typeface="+mn-ea"/>
+                <a:cs typeface="+mn-cs"/>
+              </a:defRPr>
+            </a:lvl6pPr>
+            <a:lvl7pPr marL="2743200" algn="l" defTabSz="914400">
+              <a:defRPr sz="1800">
+                <a:solidFill>
+                  <a:schemeClr val="tx1"/>
+                </a:solidFill>
+                <a:latin typeface="+mn-lt"/>
+                <a:ea typeface="+mn-ea"/>
+                <a:cs typeface="+mn-cs"/>
+              </a:defRPr>
+            </a:lvl7pPr>
+            <a:lvl8pPr marL="3200400" algn="l" defTabSz="914400">
+              <a:defRPr sz="1800">
+                <a:solidFill>
+                  <a:schemeClr val="tx1"/>
+                </a:solidFill>
+                <a:latin typeface="+mn-lt"/>
+                <a:ea typeface="+mn-ea"/>
+                <a:cs typeface="+mn-cs"/>
+              </a:defRPr>
+            </a:lvl8pPr>
+            <a:lvl9pPr marL="3657600" algn="l" defTabSz="914400">
+              <a:defRPr sz="1800">
+                <a:solidFill>
+                  <a:schemeClr val="tx1"/>
+                </a:solidFill>
+                <a:latin typeface="+mn-lt"/>
+                <a:ea typeface="+mn-ea"/>
+                <a:cs typeface="+mn-cs"/>
+              </a:defRPr>
+            </a:lvl9pPr>
+          </a:lstStyle>
+          <a:p>
+            <a:pPr algn="ctr">
+              <a:defRPr/>
+            </a:pPr>
+            <a:r>
+              <a:rPr lang="en-US" sz="1800" dirty="0"/>
+              <a:t>VUE</a:t>
+            </a:r>
+            <a:endParaRPr dirty="0"/>
+          </a:p>
+        </p:txBody>
+      </p:sp>
+      <p:pic>
+        <p:nvPicPr>
+          <p:cNvPr id="44" name="Grafik 43">
+            <a:extLst>
+              <a:ext uri="{FF2B5EF4-FFF2-40B4-BE49-F238E27FC236}">
+                <a16:creationId xmlns:a16="http://schemas.microsoft.com/office/drawing/2014/main" id="{9252C5EF-2DB3-1C10-A2D1-A90970872D7F}"/>
+              </a:ext>
+            </a:extLst>
+          </p:cNvPr>
+          <p:cNvPicPr>
+            <a:picLocks noChangeAspect="1"/>
+          </p:cNvPicPr>
+          <p:nvPr/>
+        </p:nvPicPr>
+        <p:blipFill>
+          <a:blip r:embed="rId5">
+            <a:extLst>
+              <a:ext uri="{96DAC541-7B7A-43D3-8B79-37D633B846F1}">
+                <asvg:svgBlip xmlns:asvg="http://schemas.microsoft.com/office/drawing/2016/SVG/main" r:embed="rId6"/>
+              </a:ext>
+            </a:extLst>
+          </a:blip>
+          <a:stretch>
+            <a:fillRect/>
+          </a:stretch>
+        </p:blipFill>
+        <p:spPr bwMode="auto">
+          <a:xfrm>
+            <a:off x="5410774" y="4009251"/>
+            <a:ext cx="1299735" cy="1039788"/>
+          </a:xfrm>
+          <a:prstGeom prst="rect">
+            <a:avLst/>
+          </a:prstGeom>
+        </p:spPr>
+      </p:pic>
+      <p:pic>
+        <p:nvPicPr>
+          <p:cNvPr id="45" name="Grafik 44">
+            <a:extLst>
+              <a:ext uri="{FF2B5EF4-FFF2-40B4-BE49-F238E27FC236}">
+                <a16:creationId xmlns:a16="http://schemas.microsoft.com/office/drawing/2014/main" id="{E75F59BD-1118-568C-4D46-2BEB54D5715F}"/>
+              </a:ext>
+            </a:extLst>
+          </p:cNvPr>
+          <p:cNvPicPr>
+            <a:picLocks noChangeAspect="1"/>
+          </p:cNvPicPr>
+          <p:nvPr/>
+        </p:nvPicPr>
+        <p:blipFill>
+          <a:blip r:embed="rId7">
+            <a:extLst>
+              <a:ext uri="{96DAC541-7B7A-43D3-8B79-37D633B846F1}">
+                <asvg:svgBlip xmlns:asvg="http://schemas.microsoft.com/office/drawing/2016/SVG/main" r:embed="rId8"/>
+              </a:ext>
+            </a:extLst>
+          </a:blip>
+          <a:stretch>
+            <a:fillRect/>
+          </a:stretch>
+        </p:blipFill>
+        <p:spPr bwMode="auto">
+          <a:xfrm>
+            <a:off x="2291759" y="3998215"/>
+            <a:ext cx="1301095" cy="1061861"/>
+          </a:xfrm>
+          <a:prstGeom prst="rect">
+            <a:avLst/>
+          </a:prstGeom>
+        </p:spPr>
+      </p:pic>
+      <p:pic>
+        <p:nvPicPr>
+          <p:cNvPr id="46" name="Grafik 45">
+            <a:extLst>
+              <a:ext uri="{FF2B5EF4-FFF2-40B4-BE49-F238E27FC236}">
+                <a16:creationId xmlns:a16="http://schemas.microsoft.com/office/drawing/2014/main" id="{31950948-5581-8356-8BA0-BCC40389C232}"/>
+              </a:ext>
+            </a:extLst>
+          </p:cNvPr>
+          <p:cNvPicPr>
+            <a:picLocks noChangeAspect="1"/>
+          </p:cNvPicPr>
+          <p:nvPr/>
+        </p:nvPicPr>
+        <p:blipFill>
+          <a:blip r:embed="rId9">
+            <a:extLst>
+              <a:ext uri="{96DAC541-7B7A-43D3-8B79-37D633B846F1}">
+                <asvg:svgBlip xmlns:asvg="http://schemas.microsoft.com/office/drawing/2016/SVG/main" r:embed="rId10"/>
+              </a:ext>
+            </a:extLst>
+          </a:blip>
+          <a:stretch>
+            <a:fillRect/>
+          </a:stretch>
+        </p:blipFill>
+        <p:spPr bwMode="auto">
+          <a:xfrm>
+            <a:off x="1324512" y="1442711"/>
+            <a:ext cx="1046029" cy="1195462"/>
+          </a:xfrm>
+          <a:prstGeom prst="rect">
+            <a:avLst/>
+          </a:prstGeom>
+        </p:spPr>
+      </p:pic>
+      <p:pic>
+        <p:nvPicPr>
+          <p:cNvPr id="47" name="Grafik 46">
+            <a:extLst>
+              <a:ext uri="{FF2B5EF4-FFF2-40B4-BE49-F238E27FC236}">
+                <a16:creationId xmlns:a16="http://schemas.microsoft.com/office/drawing/2014/main" id="{D24E40E8-847F-547F-6EE7-CC2F84CD956D}"/>
+              </a:ext>
+            </a:extLst>
+          </p:cNvPr>
+          <p:cNvPicPr>
+            <a:picLocks noChangeAspect="1"/>
+          </p:cNvPicPr>
+          <p:nvPr/>
+        </p:nvPicPr>
+        <p:blipFill>
+          <a:blip r:embed="rId11">
+            <a:extLst>
+              <a:ext uri="{96DAC541-7B7A-43D3-8B79-37D633B846F1}">
+                <asvg:svgBlip xmlns:asvg="http://schemas.microsoft.com/office/drawing/2016/SVG/main" r:embed="rId12"/>
+              </a:ext>
+            </a:extLst>
+          </a:blip>
+          <a:stretch>
+            <a:fillRect/>
+          </a:stretch>
+        </p:blipFill>
+        <p:spPr bwMode="auto">
+          <a:xfrm>
+            <a:off x="6633034" y="1464378"/>
+            <a:ext cx="1152128" cy="1152128"/>
+          </a:xfrm>
+          <a:prstGeom prst="rect">
+            <a:avLst/>
+          </a:prstGeom>
+        </p:spPr>
+      </p:pic>
+      <p:sp>
+        <p:nvSpPr>
+          <p:cNvPr id="48" name="Text Placeholder 18">
+            <a:extLst>
+              <a:ext uri="{FF2B5EF4-FFF2-40B4-BE49-F238E27FC236}">
+                <a16:creationId xmlns:a16="http://schemas.microsoft.com/office/drawing/2014/main" id="{3AC2BF28-F9A6-7A2E-4553-F0CA24FE4AB4}"/>
+              </a:ext>
+            </a:extLst>
+          </p:cNvPr>
+          <p:cNvSpPr txBox="1"/>
+          <p:nvPr/>
+        </p:nvSpPr>
+        <p:spPr bwMode="auto">
+          <a:xfrm>
+            <a:off x="6060642" y="2835903"/>
+            <a:ext cx="2189560" cy="583534"/>
+          </a:xfrm>
+          <a:prstGeom prst="rect">
+            <a:avLst/>
+          </a:prstGeom>
+        </p:spPr>
+        <p:txBody>
+          <a:bodyPr vert="horz" lIns="91440" tIns="45720" rIns="91440" bIns="45720" rtlCol="0" anchor="ctr">
+            <a:normAutofit/>
+          </a:bodyPr>
+          <a:lstStyle>
+            <a:defPPr>
+              <a:defRPr lang="en-US"/>
+            </a:defPPr>
+            <a:lvl1pPr marL="0" algn="r" defTabSz="914400">
+              <a:defRPr sz="700">
+                <a:solidFill>
+                  <a:srgbClr val="191919"/>
+                </a:solidFill>
+                <a:latin typeface="Nunito"/>
+                <a:ea typeface="+mn-ea"/>
+                <a:cs typeface="+mn-cs"/>
+              </a:defRPr>
+            </a:lvl1pPr>
+            <a:lvl2pPr marL="457200" algn="l" defTabSz="914400">
+              <a:defRPr sz="1800">
+                <a:solidFill>
+                  <a:schemeClr val="tx1"/>
+                </a:solidFill>
+                <a:latin typeface="+mn-lt"/>
+                <a:ea typeface="+mn-ea"/>
+                <a:cs typeface="+mn-cs"/>
+              </a:defRPr>
+            </a:lvl2pPr>
+            <a:lvl3pPr marL="914400" algn="l" defTabSz="914400">
+              <a:defRPr sz="1800">
+                <a:solidFill>
+                  <a:schemeClr val="tx1"/>
+                </a:solidFill>
+                <a:latin typeface="+mn-lt"/>
+                <a:ea typeface="+mn-ea"/>
+                <a:cs typeface="+mn-cs"/>
+              </a:defRPr>
+            </a:lvl3pPr>
+            <a:lvl4pPr marL="1371600" algn="l" defTabSz="914400">
+              <a:defRPr sz="1800">
+                <a:solidFill>
+                  <a:schemeClr val="tx1"/>
+                </a:solidFill>
+                <a:latin typeface="+mn-lt"/>
+                <a:ea typeface="+mn-ea"/>
+                <a:cs typeface="+mn-cs"/>
+              </a:defRPr>
+            </a:lvl4pPr>
+            <a:lvl5pPr marL="1828800" algn="l" defTabSz="914400">
+              <a:defRPr sz="1800">
+                <a:solidFill>
+                  <a:schemeClr val="tx1"/>
+                </a:solidFill>
+                <a:latin typeface="+mn-lt"/>
+                <a:ea typeface="+mn-ea"/>
+                <a:cs typeface="+mn-cs"/>
+              </a:defRPr>
+            </a:lvl5pPr>
+            <a:lvl6pPr marL="2286000" algn="l" defTabSz="914400">
+              <a:defRPr sz="1800">
+                <a:solidFill>
+                  <a:schemeClr val="tx1"/>
+                </a:solidFill>
+                <a:latin typeface="+mn-lt"/>
+                <a:ea typeface="+mn-ea"/>
+                <a:cs typeface="+mn-cs"/>
+              </a:defRPr>
+            </a:lvl6pPr>
+            <a:lvl7pPr marL="2743200" algn="l" defTabSz="914400">
+              <a:defRPr sz="1800">
+                <a:solidFill>
+                  <a:schemeClr val="tx1"/>
+                </a:solidFill>
+                <a:latin typeface="+mn-lt"/>
+                <a:ea typeface="+mn-ea"/>
+                <a:cs typeface="+mn-cs"/>
+              </a:defRPr>
+            </a:lvl7pPr>
+            <a:lvl8pPr marL="3200400" algn="l" defTabSz="914400">
+              <a:defRPr sz="1800">
+                <a:solidFill>
+                  <a:schemeClr val="tx1"/>
+                </a:solidFill>
+                <a:latin typeface="+mn-lt"/>
+                <a:ea typeface="+mn-ea"/>
+                <a:cs typeface="+mn-cs"/>
+              </a:defRPr>
+            </a:lvl8pPr>
+            <a:lvl9pPr marL="3657600" algn="l" defTabSz="914400">
+              <a:defRPr sz="1800">
+                <a:solidFill>
+                  <a:schemeClr val="tx1"/>
+                </a:solidFill>
+                <a:latin typeface="+mn-lt"/>
+                <a:ea typeface="+mn-ea"/>
+                <a:cs typeface="+mn-cs"/>
+              </a:defRPr>
+            </a:lvl9pPr>
+          </a:lstStyle>
+          <a:p>
+            <a:pPr algn="ctr">
+              <a:defRPr/>
+            </a:pPr>
+            <a:r>
+              <a:rPr lang="en-US" sz="1800" dirty="0"/>
+              <a:t>LARAVEL</a:t>
+            </a:r>
+            <a:endParaRPr dirty="0"/>
           </a:p>
         </p:txBody>
       </p:sp>
     </p:spTree>
+    <p:extLst>
+      <p:ext uri="{BB962C8B-B14F-4D97-AF65-F5344CB8AC3E}">
+        <p14:creationId xmlns:p14="http://schemas.microsoft.com/office/powerpoint/2010/main" val="852532940"/>
+      </p:ext>
+    </p:extLst>
   </p:cSld>
   <p:clrMapOvr>
     <a:masterClrMapping/>
   </p:clrMapOvr>
-  <mc:AlternateContent xmlns:mc="http://schemas.openxmlformats.org/markup-compatibility/2006">
-    <mc:Choice xmlns:p14="http://schemas.microsoft.com/office/powerpoint/2010/main" Requires="p14">
-      <p:transition p14:dur="2000" advClick="1"/>
-    </mc:Choice>
-    <mc:Fallback>
-      <p:transition advClick="1"/>
-    </mc:Fallback>
-  </mc:AlternateContent>
 </p:sld>
 </file>
 
-<file path=ppt/slides/slide12.xml><?xml version="1.0" encoding="utf-8"?>
-<p:sld xmlns:a="http://schemas.openxmlformats.org/drawingml/2006/main" xmlns:r="http://schemas.openxmlformats.org/officeDocument/2006/relationships" xmlns:p="http://schemas.openxmlformats.org/presentationml/2006/main" xmlns:m="http://schemas.openxmlformats.org/officeDocument/2006/math" xmlns:w="http://schemas.openxmlformats.org/wordprocessingml/2006/main" showMasterPhAnim="0" show="1">
-  <p:cSld name="">
+<file path=ppt/slides/slide13.xml><?xml version="1.0" encoding="utf-8"?>
+<p:sld xmlns:a="http://schemas.openxmlformats.org/drawingml/2006/main" xmlns:r="http://schemas.openxmlformats.org/officeDocument/2006/relationships" xmlns:p="http://schemas.openxmlformats.org/presentationml/2006/main" showMasterPhAnim="0">
+  <p:cSld>
     <p:spTree>
       <p:nvGrpSpPr>
-        <p:cNvPr id="1" name="" hidden="0"/>
+        <p:cNvPr id="1" name=""/>
         <p:cNvGrpSpPr/>
-        <p:nvPr isPhoto="0" userDrawn="0"/>
+        <p:nvPr/>
       </p:nvGrpSpPr>
       <p:grpSpPr bwMode="auto">
         <a:xfrm>
@@ -7288,12 +7958,12 @@
       </p:grpSpPr>
       <p:sp>
         <p:nvSpPr>
-          <p:cNvPr id="812698438" name="Title 18" hidden="0"/>
-          <p:cNvSpPr>
-            <a:spLocks noGrp="1"/>
-          </p:cNvSpPr>
-          <p:nvPr isPhoto="0" userDrawn="0">
-            <p:ph type="title" hasCustomPrompt="0"/>
+          <p:cNvPr id="343558477" name="Title 18"/>
+          <p:cNvSpPr>
+            <a:spLocks noGrp="1"/>
+          </p:cNvSpPr>
+          <p:nvPr>
+            <p:ph type="title"/>
           </p:nvPr>
         </p:nvSpPr>
         <p:spPr bwMode="auto"/>
@@ -7312,22 +7982,17 @@
               </a:rPr>
               <a:t>Inhalt</a:t>
             </a:r>
-            <a:endParaRPr lang="en-US">
-              <a:solidFill>
-                <a:schemeClr val="tx1"/>
-              </a:solidFill>
-            </a:endParaRPr>
-          </a:p>
-        </p:txBody>
-      </p:sp>
-      <p:sp>
-        <p:nvSpPr>
-          <p:cNvPr id="959296412" name="Content Placeholder 16" hidden="0"/>
-          <p:cNvSpPr>
-            <a:spLocks noGrp="1"/>
-          </p:cNvSpPr>
-          <p:nvPr isPhoto="0" userDrawn="0">
-            <p:ph sz="half" idx="2" hasCustomPrompt="0"/>
+          </a:p>
+        </p:txBody>
+      </p:sp>
+      <p:sp>
+        <p:nvSpPr>
+          <p:cNvPr id="2022981892" name="Content Placeholder 16"/>
+          <p:cNvSpPr>
+            <a:spLocks noGrp="1"/>
+          </p:cNvSpPr>
+          <p:nvPr>
+            <p:ph sz="half" idx="2"/>
           </p:nvPr>
         </p:nvSpPr>
         <p:spPr bwMode="auto"/>
@@ -7344,14 +8009,14 @@
               <a:defRPr/>
             </a:pPr>
             <a:r>
-              <a:rPr lang="en-US" sz="1800">
+              <a:rPr lang="en-US" sz="1800" dirty="0" err="1">
                 <a:solidFill>
                   <a:srgbClr val="D0D1D9"/>
                 </a:solidFill>
               </a:rPr>
               <a:t>Vorstellung</a:t>
             </a:r>
-            <a:endParaRPr lang="en-US" sz="1800">
+            <a:endParaRPr lang="en-US" sz="1800" dirty="0">
               <a:solidFill>
                 <a:srgbClr val="D0D1D9"/>
               </a:solidFill>
@@ -7365,14 +8030,14 @@
               <a:defRPr/>
             </a:pPr>
             <a:r>
-              <a:rPr lang="en-US" sz="1800">
+              <a:rPr lang="en-US" sz="1800" dirty="0" err="1">
                 <a:solidFill>
                   <a:srgbClr val="D0D1D9"/>
                 </a:solidFill>
               </a:rPr>
               <a:t>Thematik</a:t>
             </a:r>
-            <a:endParaRPr lang="en-US" sz="1800">
+            <a:endParaRPr lang="en-US" sz="1800" dirty="0">
               <a:solidFill>
                 <a:srgbClr val="D0D1D9"/>
               </a:solidFill>
@@ -7386,14 +8051,14 @@
               <a:defRPr/>
             </a:pPr>
             <a:r>
-              <a:rPr lang="en-US" sz="1800">
+              <a:rPr lang="en-US" sz="1800" dirty="0" err="1">
                 <a:solidFill>
                   <a:srgbClr val="D0D1D9"/>
                 </a:solidFill>
               </a:rPr>
               <a:t>Analyse</a:t>
             </a:r>
-            <a:endParaRPr lang="en-US" sz="1800">
+            <a:endParaRPr lang="en-US" sz="1800" dirty="0">
               <a:solidFill>
                 <a:srgbClr val="22E298"/>
               </a:solidFill>
@@ -7407,18 +8072,14 @@
               <a:defRPr/>
             </a:pPr>
             <a:r>
-              <a:rPr lang="en-US" sz="1800">
+              <a:rPr lang="en-US" sz="1800" dirty="0" err="1">
                 <a:solidFill>
                   <a:srgbClr val="D0D1D9"/>
                 </a:solidFill>
               </a:rPr>
               <a:t>Entwurf</a:t>
             </a:r>
-            <a:endParaRPr sz="1800">
-              <a:solidFill>
-                <a:srgbClr val="D0D1D9"/>
-              </a:solidFill>
-            </a:endParaRPr>
+            <a:endParaRPr lang="en-US" sz="1800" dirty="0"/>
           </a:p>
           <a:p>
             <a:pPr>
@@ -7428,18 +8089,14 @@
               <a:defRPr/>
             </a:pPr>
             <a:r>
-              <a:rPr lang="en-US" sz="1800">
-                <a:solidFill>
-                  <a:srgbClr val="D0D1D9"/>
+              <a:rPr lang="en-US" sz="1800" dirty="0" err="1">
+                <a:solidFill>
+                  <a:srgbClr val="22E298"/>
                 </a:solidFill>
               </a:rPr>
               <a:t>Implementierung</a:t>
             </a:r>
-            <a:endParaRPr sz="1800">
-              <a:solidFill>
-                <a:srgbClr val="D0D1D9"/>
-              </a:solidFill>
-            </a:endParaRPr>
+            <a:endParaRPr lang="en-US" sz="1800" dirty="0"/>
           </a:p>
           <a:p>
             <a:pPr>
@@ -7449,45 +8106,29 @@
               <a:defRPr/>
             </a:pPr>
             <a:r>
-              <a:rPr lang="en-US" sz="1800">
-                <a:solidFill>
-                  <a:srgbClr val="22E298"/>
-                </a:solidFill>
-              </a:rPr>
+              <a:rPr lang="en-US" sz="1800" dirty="0" err="1"/>
               <a:t>Fazit</a:t>
             </a:r>
             <a:r>
-              <a:rPr lang="en-US" sz="1800">
-                <a:solidFill>
-                  <a:srgbClr val="22E298"/>
-                </a:solidFill>
-              </a:rPr>
+              <a:rPr lang="en-US" sz="1800" dirty="0"/>
               <a:t> und </a:t>
             </a:r>
             <a:r>
-              <a:rPr lang="en-US" sz="1800">
-                <a:solidFill>
-                  <a:srgbClr val="22E298"/>
-                </a:solidFill>
-              </a:rPr>
+              <a:rPr lang="en-US" sz="1800" dirty="0" err="1"/>
               <a:t>Ausblick</a:t>
             </a:r>
-            <a:endParaRPr sz="1800">
-              <a:solidFill>
-                <a:srgbClr val="22E298"/>
-              </a:solidFill>
-            </a:endParaRPr>
-          </a:p>
-        </p:txBody>
-      </p:sp>
-      <p:sp>
-        <p:nvSpPr>
-          <p:cNvPr id="847358779" name="Fußzeilenplatzhalter 1" hidden="0"/>
-          <p:cNvSpPr>
-            <a:spLocks noGrp="1"/>
-          </p:cNvSpPr>
-          <p:nvPr isPhoto="0" userDrawn="0">
-            <p:ph type="ftr" sz="quarter" idx="3" hasCustomPrompt="0"/>
+            <a:endParaRPr lang="en-US" sz="1800" dirty="0"/>
+          </a:p>
+        </p:txBody>
+      </p:sp>
+      <p:sp>
+        <p:nvSpPr>
+          <p:cNvPr id="1199490996" name="Fußzeilenplatzhalter 1"/>
+          <p:cNvSpPr>
+            <a:spLocks noGrp="1"/>
+          </p:cNvSpPr>
+          <p:nvPr>
+            <p:ph type="ftr" sz="quarter" idx="3"/>
           </p:nvPr>
         </p:nvSpPr>
         <p:spPr bwMode="auto"/>
@@ -7502,7 +8143,6 @@
               <a:rPr lang="en-US"/>
               <a:t>Control Center – zwei komponenten Monitoring Tool</a:t>
             </a:r>
-            <a:endParaRPr lang="en-US"/>
           </a:p>
         </p:txBody>
       </p:sp>
@@ -7511,32 +8151,17 @@
   <p:clrMapOvr>
     <a:masterClrMapping/>
   </p:clrMapOvr>
-  <mc:AlternateContent xmlns:mc="http://schemas.openxmlformats.org/markup-compatibility/2006">
-    <mc:Choice xmlns:p14="http://schemas.microsoft.com/office/powerpoint/2010/main" Requires="p14">
-      <p:transition p14:dur="2000" advClick="1"/>
-    </mc:Choice>
-    <mc:Fallback>
-      <p:transition advClick="1"/>
-    </mc:Fallback>
-  </mc:AlternateContent>
 </p:sld>
 </file>
 
-<file path=ppt/slides/slide13.xml><?xml version="1.0" encoding="utf-8"?>
-<p:sld xmlns:a="http://schemas.openxmlformats.org/drawingml/2006/main" xmlns:r="http://schemas.openxmlformats.org/officeDocument/2006/relationships" xmlns:p="http://schemas.openxmlformats.org/presentationml/2006/main" xmlns:m="http://schemas.openxmlformats.org/officeDocument/2006/math" xmlns:w="http://schemas.openxmlformats.org/wordprocessingml/2006/main" showMasterPhAnim="0" show="1">
-  <p:cSld name="">
-    <p:bg>
-      <p:bgPr shadeToTitle="0">
-        <a:solidFill>
-          <a:srgbClr val="EDEFF7"/>
-        </a:solidFill>
-      </p:bgPr>
-    </p:bg>
+<file path=ppt/slides/slide14.xml><?xml version="1.0" encoding="utf-8"?>
+<p:sld xmlns:a="http://schemas.openxmlformats.org/drawingml/2006/main" xmlns:r="http://schemas.openxmlformats.org/officeDocument/2006/relationships" xmlns:p="http://schemas.openxmlformats.org/presentationml/2006/main" showMasterPhAnim="0">
+  <p:cSld>
     <p:spTree>
       <p:nvGrpSpPr>
-        <p:cNvPr id="1" name="" hidden="0"/>
+        <p:cNvPr id="1" name=""/>
         <p:cNvGrpSpPr/>
-        <p:nvPr isPhoto="0" userDrawn="0"/>
+        <p:nvPr/>
       </p:nvGrpSpPr>
       <p:grpSpPr bwMode="auto">
         <a:xfrm>
@@ -7548,12 +8173,12 @@
       </p:grpSpPr>
       <p:sp>
         <p:nvSpPr>
-          <p:cNvPr id="19" name="Title 18" hidden="0"/>
-          <p:cNvSpPr>
-            <a:spLocks noGrp="1"/>
-          </p:cNvSpPr>
-          <p:nvPr isPhoto="0" userDrawn="0">
-            <p:ph type="title" hasCustomPrompt="0"/>
+          <p:cNvPr id="8" name="Title 7"/>
+          <p:cNvSpPr>
+            <a:spLocks noGrp="1"/>
+          </p:cNvSpPr>
+          <p:nvPr>
+            <p:ph type="title"/>
           </p:nvPr>
         </p:nvSpPr>
         <p:spPr bwMode="auto"/>
@@ -7565,25 +8190,147 @@
               <a:defRPr/>
             </a:pPr>
             <a:r>
-              <a:rPr lang="en-US">
-                <a:solidFill>
-                  <a:schemeClr val="tx1"/>
-                </a:solidFill>
-              </a:rPr>
-              <a:t>Choose a theme</a:t>
-            </a:r>
+              <a:rPr lang="en-US" dirty="0"/>
+              <a:t>CLIENT</a:t>
+            </a:r>
+            <a:endParaRPr dirty="0"/>
+          </a:p>
+        </p:txBody>
+      </p:sp>
+      <p:sp>
+        <p:nvSpPr>
+          <p:cNvPr id="12" name="Content Placeholder 11"/>
+          <p:cNvSpPr>
+            <a:spLocks noGrp="1"/>
+          </p:cNvSpPr>
+          <p:nvPr>
+            <p:ph sz="half" idx="2"/>
+          </p:nvPr>
+        </p:nvSpPr>
+        <p:spPr bwMode="auto"/>
+        <p:txBody>
+          <a:bodyPr>
+            <a:normAutofit/>
+          </a:bodyPr>
+          <a:lstStyle/>
+          <a:p>
+            <a:pPr marL="214313" indent="-214313">
+              <a:lnSpc>
+                <a:spcPct val="150000"/>
+              </a:lnSpc>
+              <a:buFont typeface="Arial"/>
+              <a:buChar char="•"/>
+              <a:defRPr/>
+            </a:pPr>
+            <a:r>
+              <a:rPr lang="de-DE" sz="1800" dirty="0"/>
+              <a:t>Alle Webhoster</a:t>
+            </a:r>
+          </a:p>
+          <a:p>
+            <a:pPr marL="214313" indent="-214313">
+              <a:lnSpc>
+                <a:spcPct val="150000"/>
+              </a:lnSpc>
+              <a:buFont typeface="Arial"/>
+              <a:buChar char="•"/>
+              <a:defRPr/>
+            </a:pPr>
+            <a:r>
+              <a:rPr lang="de-DE" sz="1800" dirty="0"/>
+              <a:t>Backups</a:t>
+            </a:r>
+          </a:p>
+          <a:p>
+            <a:pPr marL="214313" indent="-214313">
+              <a:lnSpc>
+                <a:spcPct val="150000"/>
+              </a:lnSpc>
+              <a:buFont typeface="Arial"/>
+              <a:buChar char="•"/>
+              <a:defRPr/>
+            </a:pPr>
+            <a:r>
+              <a:rPr lang="de-DE" sz="1800" dirty="0"/>
+              <a:t>Sicherheit</a:t>
+            </a:r>
+          </a:p>
+          <a:p>
+            <a:pPr marL="214313" indent="-214313">
+              <a:lnSpc>
+                <a:spcPct val="150000"/>
+              </a:lnSpc>
+              <a:buFont typeface="Arial"/>
+              <a:buChar char="•"/>
+              <a:defRPr/>
+            </a:pPr>
+            <a:r>
+              <a:rPr lang="de-DE" sz="1800" dirty="0"/>
+              <a:t>Logs</a:t>
+            </a:r>
+          </a:p>
+          <a:p>
+            <a:pPr marL="214313" indent="-214313">
+              <a:lnSpc>
+                <a:spcPct val="150000"/>
+              </a:lnSpc>
+              <a:buFont typeface="Arial"/>
+              <a:buChar char="•"/>
+              <a:defRPr/>
+            </a:pPr>
+            <a:endParaRPr lang="de-DE" sz="1800" dirty="0"/>
+          </a:p>
+        </p:txBody>
+      </p:sp>
+      <p:sp>
+        <p:nvSpPr>
+          <p:cNvPr id="61500539" name="Picture Placeholder 8"/>
+          <p:cNvSpPr>
+            <a:spLocks noGrp="1"/>
+          </p:cNvSpPr>
+          <p:nvPr>
+            <p:ph type="pic" sz="quarter" idx="13"/>
+          </p:nvPr>
+        </p:nvSpPr>
+        <p:spPr bwMode="auto">
+          <a:xfrm>
+            <a:off x="4443411" y="633875"/>
+            <a:ext cx="4224337" cy="5591174"/>
+          </a:xfrm>
+          <a:prstGeom prst="rect">
+            <a:avLst/>
+          </a:prstGeom>
+          <a:solidFill>
+            <a:srgbClr val="22E298"/>
+          </a:solidFill>
+        </p:spPr>
+        <p:txBody>
+          <a:bodyPr anchor="ctr"/>
+          <a:lstStyle>
+            <a:lvl1pPr algn="ctr">
+              <a:defRPr>
+                <a:solidFill>
+                  <a:schemeClr val="bg1"/>
+                </a:solidFill>
+              </a:defRPr>
+            </a:lvl1pPr>
+          </a:lstStyle>
+          <a:p>
+            <a:pPr>
+              <a:defRPr/>
+            </a:pPr>
             <a:endParaRPr/>
           </a:p>
         </p:txBody>
       </p:sp>
       <p:sp>
         <p:nvSpPr>
-          <p:cNvPr id="17" name="Content Placeholder 16" hidden="0"/>
-          <p:cNvSpPr>
-            <a:spLocks noGrp="1"/>
-          </p:cNvSpPr>
-          <p:nvPr isPhoto="0" userDrawn="0">
-            <p:ph sz="half" idx="2" hasCustomPrompt="0"/>
+          <p:cNvPr id="2" name="Fußzeilenplatzhalter 1"/>
+          <p:cNvSpPr>
+            <a:spLocks noGrp="1"/>
+          </p:cNvSpPr>
+          <p:nvPr>
+            <p:ph type="ftr" sz="quarter" idx="3"/>
           </p:nvPr>
         </p:nvSpPr>
         <p:spPr bwMode="auto"/>
@@ -7591,62 +8338,24 @@
           <a:bodyPr/>
           <a:lstStyle/>
           <a:p>
-            <a:pPr marL="0" indent="0">
-              <a:buNone/>
+            <a:pPr>
               <a:defRPr/>
             </a:pPr>
             <a:r>
               <a:rPr lang="en-US"/>
-              <a:t>Your theme can be anything you want. Here are some examples to start:</a:t>
-            </a:r>
-            <a:endParaRPr/>
-          </a:p>
-          <a:p>
-            <a:pPr>
-              <a:defRPr/>
-            </a:pPr>
-            <a:r>
-              <a:rPr lang="en-US"/>
-              <a:t>Explain why [subject] is your favorite movie.</a:t>
-            </a:r>
-            <a:endParaRPr/>
-          </a:p>
-          <a:p>
-            <a:pPr>
-              <a:defRPr/>
-            </a:pPr>
-            <a:r>
-              <a:rPr lang="en-US"/>
-              <a:t>Teach about a famous person in history.</a:t>
-            </a:r>
-            <a:endParaRPr/>
-          </a:p>
-          <a:p>
-            <a:pPr>
-              <a:defRPr/>
-            </a:pPr>
-            <a:r>
-              <a:rPr lang="en-US"/>
-              <a:t>Introduce the group to your hidden talent.</a:t>
-            </a:r>
-            <a:endParaRPr/>
-          </a:p>
-          <a:p>
-            <a:pPr>
-              <a:defRPr/>
-            </a:pPr>
-            <a:endParaRPr lang="en-US"/>
-          </a:p>
-        </p:txBody>
-      </p:sp>
-      <p:sp>
-        <p:nvSpPr>
-          <p:cNvPr id="2" name="Fußzeilenplatzhalter 1" hidden="0"/>
-          <p:cNvSpPr>
-            <a:spLocks noGrp="1"/>
-          </p:cNvSpPr>
-          <p:nvPr isPhoto="0" userDrawn="0">
-            <p:ph type="ftr" sz="quarter" idx="3" hasCustomPrompt="0"/>
+              <a:t>Control Center – zwei komponenten Monitoring Tool</a:t>
+            </a:r>
+          </a:p>
+        </p:txBody>
+      </p:sp>
+      <p:sp>
+        <p:nvSpPr>
+          <p:cNvPr id="3" name="Foliennummernplatzhalter 2"/>
+          <p:cNvSpPr>
+            <a:spLocks noGrp="1"/>
+          </p:cNvSpPr>
+          <p:nvPr>
+            <p:ph type="sldNum" sz="quarter" idx="4"/>
           </p:nvPr>
         </p:nvSpPr>
         <p:spPr bwMode="auto"/>
@@ -7657,38 +8366,61 @@
             <a:pPr>
               <a:defRPr/>
             </a:pPr>
-            <a:r>
+            <a:fld id="{3A98EE3D-8CD1-4C3F-BD1C-C98C9596463C}" type="slidenum">
               <a:rPr lang="en-US"/>
-              <a:t>Control Center – zwei komponenten Monitoring Tool</a:t>
-            </a:r>
+              <a:t>14</a:t>
+            </a:fld>
             <a:endParaRPr lang="en-US"/>
           </a:p>
         </p:txBody>
       </p:sp>
+      <p:sp>
+        <p:nvSpPr>
+          <p:cNvPr id="4" name="Datumsplatzhalter 3"/>
+          <p:cNvSpPr>
+            <a:spLocks noGrp="1"/>
+          </p:cNvSpPr>
+          <p:nvPr>
+            <p:ph type="dt" sz="half" idx="14"/>
+          </p:nvPr>
+        </p:nvSpPr>
+        <p:spPr bwMode="auto"/>
+        <p:txBody>
+          <a:bodyPr/>
+          <a:lstStyle/>
+          <a:p>
+            <a:pPr>
+              <a:defRPr/>
+            </a:pPr>
+            <a:r>
+              <a:rPr lang="de-DE"/>
+              <a:t>Eduard Schwarzkopf </a:t>
+            </a:r>
+            <a:endParaRPr lang="en-US"/>
+          </a:p>
+        </p:txBody>
+      </p:sp>
     </p:spTree>
+    <p:extLst>
+      <p:ext uri="{BB962C8B-B14F-4D97-AF65-F5344CB8AC3E}">
+        <p14:creationId xmlns:p14="http://schemas.microsoft.com/office/powerpoint/2010/main" val="3952315707"/>
+      </p:ext>
+    </p:extLst>
   </p:cSld>
   <p:clrMapOvr>
     <a:masterClrMapping/>
   </p:clrMapOvr>
-  <mc:AlternateContent xmlns:mc="http://schemas.openxmlformats.org/markup-compatibility/2006">
-    <mc:Choice xmlns:p14="http://schemas.microsoft.com/office/powerpoint/2010/main" Requires="p14">
-      <p:transition p14:dur="2000" advClick="1"/>
-    </mc:Choice>
-    <mc:Fallback>
-      <p:transition advClick="1"/>
-    </mc:Fallback>
-  </mc:AlternateContent>
 </p:sld>
 </file>
 
-<file path=ppt/slides/slide14.xml><?xml version="1.0" encoding="utf-8"?>
-<p:sld xmlns:a="http://schemas.openxmlformats.org/drawingml/2006/main" xmlns:r="http://schemas.openxmlformats.org/officeDocument/2006/relationships" xmlns:p="http://schemas.openxmlformats.org/presentationml/2006/main" xmlns:m="http://schemas.openxmlformats.org/officeDocument/2006/math" xmlns:w="http://schemas.openxmlformats.org/wordprocessingml/2006/main" showMasterPhAnim="0" show="1">
-  <p:cSld name="">
+<file path=ppt/slides/slide15.xml><?xml version="1.0" encoding="utf-8"?>
+<p:sld xmlns:a="http://schemas.openxmlformats.org/drawingml/2006/main" xmlns:r="http://schemas.openxmlformats.org/officeDocument/2006/relationships" xmlns:p="http://schemas.openxmlformats.org/presentationml/2006/main" showMasterPhAnim="0">
+  <p:cSld>
     <p:spTree>
       <p:nvGrpSpPr>
-        <p:cNvPr id="1" name="" hidden="0"/>
+        <p:cNvPr id="1" name=""/>
         <p:cNvGrpSpPr/>
-        <p:nvPr isPhoto="0" userDrawn="0"/>
+        <p:nvPr/>
       </p:nvGrpSpPr>
       <p:grpSpPr bwMode="auto">
         <a:xfrm>
@@ -7700,12 +8432,12 @@
       </p:grpSpPr>
       <p:sp>
         <p:nvSpPr>
-          <p:cNvPr id="4" name="Title 3" hidden="0"/>
-          <p:cNvSpPr>
-            <a:spLocks noGrp="1"/>
-          </p:cNvSpPr>
-          <p:nvPr isPhoto="0" userDrawn="0">
-            <p:ph type="title" hasCustomPrompt="0"/>
+          <p:cNvPr id="812698438" name="Title 18"/>
+          <p:cNvSpPr>
+            <a:spLocks noGrp="1"/>
+          </p:cNvSpPr>
+          <p:nvPr>
+            <p:ph type="title"/>
           </p:nvPr>
         </p:nvSpPr>
         <p:spPr bwMode="auto"/>
@@ -7714,34 +8446,161 @@
           <a:lstStyle/>
           <a:p>
             <a:pPr>
-              <a:tabLst>
-                <a:tab pos="2481263" algn="l"/>
-              </a:tabLst>
               <a:defRPr/>
             </a:pPr>
             <a:r>
               <a:rPr lang="en-US">
                 <a:solidFill>
-                  <a:schemeClr val="tx1">
-                    <a:lumMod val="85000"/>
-                    <a:lumOff val="15000"/>
-                  </a:schemeClr>
+                  <a:schemeClr val="tx1"/>
                 </a:solidFill>
               </a:rPr>
-              <a:t>Add a funny Quote</a:t>
-            </a:r>
-            <a:endParaRPr/>
-          </a:p>
-        </p:txBody>
-      </p:sp>
-      <p:sp>
-        <p:nvSpPr>
-          <p:cNvPr id="5" name="Content Placeholder 4" hidden="0"/>
-          <p:cNvSpPr>
-            <a:spLocks noGrp="1"/>
-          </p:cNvSpPr>
-          <p:nvPr isPhoto="0" userDrawn="0">
-            <p:ph sz="half" idx="2" hasCustomPrompt="0"/>
+              <a:t>Inhalt</a:t>
+            </a:r>
+          </a:p>
+        </p:txBody>
+      </p:sp>
+      <p:sp>
+        <p:nvSpPr>
+          <p:cNvPr id="959296412" name="Content Placeholder 16"/>
+          <p:cNvSpPr>
+            <a:spLocks noGrp="1"/>
+          </p:cNvSpPr>
+          <p:nvPr>
+            <p:ph sz="half" idx="2"/>
+          </p:nvPr>
+        </p:nvSpPr>
+        <p:spPr bwMode="auto"/>
+        <p:txBody>
+          <a:bodyPr>
+            <a:normAutofit/>
+          </a:bodyPr>
+          <a:lstStyle/>
+          <a:p>
+            <a:pPr>
+              <a:lnSpc>
+                <a:spcPct val="150000"/>
+              </a:lnSpc>
+              <a:defRPr/>
+            </a:pPr>
+            <a:r>
+              <a:rPr lang="en-US" sz="1800">
+                <a:solidFill>
+                  <a:srgbClr val="D0D1D9"/>
+                </a:solidFill>
+              </a:rPr>
+              <a:t>Vorstellung</a:t>
+            </a:r>
+          </a:p>
+          <a:p>
+            <a:pPr>
+              <a:lnSpc>
+                <a:spcPct val="150000"/>
+              </a:lnSpc>
+              <a:defRPr/>
+            </a:pPr>
+            <a:r>
+              <a:rPr lang="en-US" sz="1800">
+                <a:solidFill>
+                  <a:srgbClr val="D0D1D9"/>
+                </a:solidFill>
+              </a:rPr>
+              <a:t>Thematik</a:t>
+            </a:r>
+          </a:p>
+          <a:p>
+            <a:pPr>
+              <a:lnSpc>
+                <a:spcPct val="150000"/>
+              </a:lnSpc>
+              <a:defRPr/>
+            </a:pPr>
+            <a:r>
+              <a:rPr lang="en-US" sz="1800">
+                <a:solidFill>
+                  <a:srgbClr val="D0D1D9"/>
+                </a:solidFill>
+              </a:rPr>
+              <a:t>Analyse</a:t>
+            </a:r>
+            <a:endParaRPr lang="en-US" sz="1800">
+              <a:solidFill>
+                <a:srgbClr val="22E298"/>
+              </a:solidFill>
+            </a:endParaRPr>
+          </a:p>
+          <a:p>
+            <a:pPr>
+              <a:lnSpc>
+                <a:spcPct val="150000"/>
+              </a:lnSpc>
+              <a:defRPr/>
+            </a:pPr>
+            <a:r>
+              <a:rPr lang="en-US" sz="1800">
+                <a:solidFill>
+                  <a:srgbClr val="D0D1D9"/>
+                </a:solidFill>
+              </a:rPr>
+              <a:t>Entwurf</a:t>
+            </a:r>
+            <a:endParaRPr sz="1800">
+              <a:solidFill>
+                <a:srgbClr val="D0D1D9"/>
+              </a:solidFill>
+            </a:endParaRPr>
+          </a:p>
+          <a:p>
+            <a:pPr>
+              <a:lnSpc>
+                <a:spcPct val="150000"/>
+              </a:lnSpc>
+              <a:defRPr/>
+            </a:pPr>
+            <a:r>
+              <a:rPr lang="en-US" sz="1800">
+                <a:solidFill>
+                  <a:srgbClr val="D0D1D9"/>
+                </a:solidFill>
+              </a:rPr>
+              <a:t>Implementierung</a:t>
+            </a:r>
+            <a:endParaRPr sz="1800">
+              <a:solidFill>
+                <a:srgbClr val="D0D1D9"/>
+              </a:solidFill>
+            </a:endParaRPr>
+          </a:p>
+          <a:p>
+            <a:pPr>
+              <a:lnSpc>
+                <a:spcPct val="150000"/>
+              </a:lnSpc>
+              <a:defRPr/>
+            </a:pPr>
+            <a:r>
+              <a:rPr lang="en-US" sz="1800">
+                <a:solidFill>
+                  <a:srgbClr val="22E298"/>
+                </a:solidFill>
+              </a:rPr>
+              <a:t>Fazit und Ausblick</a:t>
+            </a:r>
+            <a:endParaRPr sz="1800">
+              <a:solidFill>
+                <a:srgbClr val="22E298"/>
+              </a:solidFill>
+            </a:endParaRPr>
+          </a:p>
+        </p:txBody>
+      </p:sp>
+      <p:sp>
+        <p:nvSpPr>
+          <p:cNvPr id="847358779" name="Fußzeilenplatzhalter 1"/>
+          <p:cNvSpPr>
+            <a:spLocks noGrp="1"/>
+          </p:cNvSpPr>
+          <p:nvPr>
+            <p:ph type="ftr" sz="quarter" idx="3"/>
           </p:nvPr>
         </p:nvSpPr>
         <p:spPr bwMode="auto"/>
@@ -7749,41 +8608,13 @@
           <a:bodyPr/>
           <a:lstStyle/>
           <a:p>
-            <a:pPr marL="0" indent="0">
-              <a:buNone/>
-              <a:defRPr/>
-            </a:pPr>
-            <a:r>
-              <a:rPr lang="en-US" spc="150"/>
-              <a:t>“QUOTES…</a:t>
-            </a:r>
-            <a:endParaRPr/>
-          </a:p>
-        </p:txBody>
-      </p:sp>
-      <p:sp>
-        <p:nvSpPr>
-          <p:cNvPr id="2" name="Fußzeilenplatzhalter 1" hidden="0"/>
-          <p:cNvSpPr>
-            <a:spLocks noGrp="1"/>
-          </p:cNvSpPr>
-          <p:nvPr isPhoto="0" userDrawn="0">
-            <p:ph type="ftr" sz="quarter" idx="11" hasCustomPrompt="0"/>
-          </p:nvPr>
-        </p:nvSpPr>
-        <p:spPr bwMode="auto"/>
-        <p:txBody>
-          <a:bodyPr/>
-          <a:lstStyle/>
-          <a:p>
-            <a:pPr>
-              <a:defRPr/>
-            </a:pPr>
-            <a:r>
-              <a:rPr lang="nl-NL"/>
+            <a:pPr>
+              <a:defRPr/>
+            </a:pPr>
+            <a:r>
+              <a:rPr lang="en-US"/>
               <a:t>Control Center – zwei komponenten Monitoring Tool</a:t>
             </a:r>
-            <a:endParaRPr lang="en-US"/>
           </a:p>
         </p:txBody>
       </p:sp>
@@ -7792,32 +8623,17 @@
   <p:clrMapOvr>
     <a:masterClrMapping/>
   </p:clrMapOvr>
-  <mc:AlternateContent xmlns:mc="http://schemas.openxmlformats.org/markup-compatibility/2006">
-    <mc:Choice xmlns:p14="http://schemas.microsoft.com/office/powerpoint/2010/main" Requires="p14">
-      <p:transition p14:dur="2000" advClick="1"/>
-    </mc:Choice>
-    <mc:Fallback>
-      <p:transition advClick="1"/>
-    </mc:Fallback>
-  </mc:AlternateContent>
 </p:sld>
 </file>
 
-<file path=ppt/slides/slide15.xml><?xml version="1.0" encoding="utf-8"?>
-<p:sld xmlns:a="http://schemas.openxmlformats.org/drawingml/2006/main" xmlns:r="http://schemas.openxmlformats.org/officeDocument/2006/relationships" xmlns:p="http://schemas.openxmlformats.org/presentationml/2006/main" xmlns:m="http://schemas.openxmlformats.org/officeDocument/2006/math" xmlns:w="http://schemas.openxmlformats.org/wordprocessingml/2006/main" showMasterPhAnim="0" show="1">
-  <p:cSld name="">
-    <p:bg>
-      <p:bgPr shadeToTitle="0">
-        <a:solidFill>
-          <a:srgbClr val="EDEFF7"/>
-        </a:solidFill>
-      </p:bgPr>
-    </p:bg>
+<file path=ppt/slides/slide16.xml><?xml version="1.0" encoding="utf-8"?>
+<p:sld xmlns:a="http://schemas.openxmlformats.org/drawingml/2006/main" xmlns:r="http://schemas.openxmlformats.org/officeDocument/2006/relationships" xmlns:p="http://schemas.openxmlformats.org/presentationml/2006/main" showMasterPhAnim="0">
+  <p:cSld>
     <p:spTree>
       <p:nvGrpSpPr>
-        <p:cNvPr id="1" name="" hidden="0"/>
+        <p:cNvPr id="1" name=""/>
         <p:cNvGrpSpPr/>
-        <p:nvPr isPhoto="0" userDrawn="0"/>
+        <p:nvPr/>
       </p:nvGrpSpPr>
       <p:grpSpPr bwMode="auto">
         <a:xfrm>
@@ -7829,12 +8645,12 @@
       </p:grpSpPr>
       <p:sp>
         <p:nvSpPr>
-          <p:cNvPr id="8" name="Title 7" hidden="0"/>
-          <p:cNvSpPr>
-            <a:spLocks noGrp="1"/>
-          </p:cNvSpPr>
-          <p:nvPr isPhoto="0" userDrawn="0">
-            <p:ph type="title" hasCustomPrompt="0"/>
+          <p:cNvPr id="8" name="Title 7"/>
+          <p:cNvSpPr>
+            <a:spLocks noGrp="1"/>
+          </p:cNvSpPr>
+          <p:nvPr>
+            <p:ph type="title"/>
           </p:nvPr>
         </p:nvSpPr>
         <p:spPr bwMode="auto"/>
@@ -7846,21 +8662,21 @@
               <a:defRPr/>
             </a:pPr>
             <a:r>
-              <a:rPr lang="en-US"/>
+              <a:rPr lang="en-US" dirty="0"/>
               <a:t>about Your theme</a:t>
             </a:r>
-            <a:endParaRPr/>
-          </a:p>
-        </p:txBody>
-      </p:sp>
-      <p:sp>
-        <p:nvSpPr>
-          <p:cNvPr id="12" name="Content Placeholder 11" hidden="0"/>
-          <p:cNvSpPr>
-            <a:spLocks noGrp="1"/>
-          </p:cNvSpPr>
-          <p:nvPr isPhoto="0" userDrawn="0">
-            <p:ph sz="half" idx="2" hasCustomPrompt="0"/>
+            <a:endParaRPr dirty="0"/>
+          </a:p>
+        </p:txBody>
+      </p:sp>
+      <p:sp>
+        <p:nvSpPr>
+          <p:cNvPr id="12" name="Content Placeholder 11"/>
+          <p:cNvSpPr>
+            <a:spLocks noGrp="1"/>
+          </p:cNvSpPr>
+          <p:nvPr>
+            <p:ph sz="half" idx="2"/>
           </p:nvPr>
         </p:nvSpPr>
         <p:spPr bwMode="auto"/>
@@ -7877,10 +8693,10 @@
               <a:defRPr/>
             </a:pPr>
             <a:r>
-              <a:rPr lang="en-US"/>
+              <a:rPr lang="en-US" dirty="0"/>
               <a:t>You can write about your theme here.</a:t>
             </a:r>
-            <a:endParaRPr/>
+            <a:endParaRPr dirty="0"/>
           </a:p>
           <a:p>
             <a:pPr marL="214313" indent="-214313">
@@ -7892,10 +8708,10 @@
               <a:defRPr/>
             </a:pPr>
             <a:r>
-              <a:rPr lang="en-US"/>
+              <a:rPr lang="en-US" dirty="0"/>
               <a:t>You can explain why you chose the theme. </a:t>
             </a:r>
-            <a:endParaRPr/>
+            <a:endParaRPr dirty="0"/>
           </a:p>
           <a:p>
             <a:pPr marL="214313" indent="-214313">
@@ -7907,21 +8723,21 @@
               <a:defRPr/>
             </a:pPr>
             <a:r>
-              <a:rPr lang="en-US"/>
+              <a:rPr lang="en-US" dirty="0"/>
               <a:t>The goal is to be light-hearted, playful, and funny</a:t>
             </a:r>
-            <a:endParaRPr/>
-          </a:p>
-        </p:txBody>
-      </p:sp>
-      <p:sp>
-        <p:nvSpPr>
-          <p:cNvPr id="61500539" name="Picture Placeholder 8" hidden="0"/>
-          <p:cNvSpPr>
-            <a:spLocks noGrp="1"/>
-          </p:cNvSpPr>
-          <p:nvPr isPhoto="0" userDrawn="0">
-            <p:ph type="pic" sz="quarter" idx="13" hasCustomPrompt="0"/>
+            <a:endParaRPr dirty="0"/>
+          </a:p>
+        </p:txBody>
+      </p:sp>
+      <p:sp>
+        <p:nvSpPr>
+          <p:cNvPr id="61500539" name="Picture Placeholder 8"/>
+          <p:cNvSpPr>
+            <a:spLocks noGrp="1"/>
+          </p:cNvSpPr>
+          <p:nvPr>
+            <p:ph type="pic" sz="quarter" idx="13"/>
           </p:nvPr>
         </p:nvSpPr>
         <p:spPr bwMode="auto">
@@ -7957,12 +8773,12 @@
       </p:sp>
       <p:sp>
         <p:nvSpPr>
-          <p:cNvPr id="2" name="Fußzeilenplatzhalter 1" hidden="0"/>
-          <p:cNvSpPr>
-            <a:spLocks noGrp="1"/>
-          </p:cNvSpPr>
-          <p:nvPr isPhoto="0" userDrawn="0">
-            <p:ph type="ftr" sz="quarter" idx="3" hasCustomPrompt="0"/>
+          <p:cNvPr id="2" name="Fußzeilenplatzhalter 1"/>
+          <p:cNvSpPr>
+            <a:spLocks noGrp="1"/>
+          </p:cNvSpPr>
+          <p:nvPr>
+            <p:ph type="ftr" sz="quarter" idx="3"/>
           </p:nvPr>
         </p:nvSpPr>
         <p:spPr bwMode="auto"/>
@@ -7977,18 +8793,17 @@
               <a:rPr lang="en-US"/>
               <a:t>Control Center – zwei komponenten Monitoring Tool</a:t>
             </a:r>
-            <a:endParaRPr lang="en-US"/>
-          </a:p>
-        </p:txBody>
-      </p:sp>
-      <p:sp>
-        <p:nvSpPr>
-          <p:cNvPr id="3" name="Foliennummernplatzhalter 2" hidden="0"/>
-          <p:cNvSpPr>
-            <a:spLocks noGrp="1"/>
-          </p:cNvSpPr>
-          <p:nvPr isPhoto="0" userDrawn="0">
-            <p:ph type="sldNum" sz="quarter" idx="4" hasCustomPrompt="0"/>
+          </a:p>
+        </p:txBody>
+      </p:sp>
+      <p:sp>
+        <p:nvSpPr>
+          <p:cNvPr id="3" name="Foliennummernplatzhalter 2"/>
+          <p:cNvSpPr>
+            <a:spLocks noGrp="1"/>
+          </p:cNvSpPr>
+          <p:nvPr>
+            <p:ph type="sldNum" sz="quarter" idx="4"/>
           </p:nvPr>
         </p:nvSpPr>
         <p:spPr bwMode="auto"/>
@@ -8001,7 +8816,7 @@
             </a:pPr>
             <a:fld id="{3A98EE3D-8CD1-4C3F-BD1C-C98C9596463C}" type="slidenum">
               <a:rPr lang="en-US"/>
-              <a:t/>
+              <a:t>16</a:t>
             </a:fld>
             <a:endParaRPr lang="en-US"/>
           </a:p>
@@ -8009,12 +8824,12 @@
       </p:sp>
       <p:sp>
         <p:nvSpPr>
-          <p:cNvPr id="4" name="Datumsplatzhalter 3" hidden="0"/>
-          <p:cNvSpPr>
-            <a:spLocks noGrp="1"/>
-          </p:cNvSpPr>
-          <p:nvPr isPhoto="0" userDrawn="0">
-            <p:ph type="dt" sz="half" idx="14" hasCustomPrompt="0"/>
+          <p:cNvPr id="4" name="Datumsplatzhalter 3"/>
+          <p:cNvSpPr>
+            <a:spLocks noGrp="1"/>
+          </p:cNvSpPr>
+          <p:nvPr>
+            <p:ph type="dt" sz="half" idx="14"/>
           </p:nvPr>
         </p:nvSpPr>
         <p:spPr bwMode="auto"/>
@@ -8034,29 +8849,34 @@
         </p:txBody>
       </p:sp>
     </p:spTree>
+    <p:extLst>
+      <p:ext uri="{BB962C8B-B14F-4D97-AF65-F5344CB8AC3E}">
+        <p14:creationId xmlns:p14="http://schemas.microsoft.com/office/powerpoint/2010/main" val="2973029928"/>
+      </p:ext>
+    </p:extLst>
   </p:cSld>
   <p:clrMapOvr>
     <a:masterClrMapping/>
   </p:clrMapOvr>
-  <mc:AlternateContent xmlns:mc="http://schemas.openxmlformats.org/markup-compatibility/2006">
-    <mc:Choice xmlns:p14="http://schemas.microsoft.com/office/powerpoint/2010/main" Requires="p14">
-      <p:transition p14:dur="2000" advClick="1"/>
-    </mc:Choice>
-    <mc:Fallback>
-      <p:transition advClick="1"/>
-    </mc:Fallback>
-  </mc:AlternateContent>
 </p:sld>
 </file>
 
-<file path=ppt/slides/slide16.xml><?xml version="1.0" encoding="utf-8"?>
-<p:sld xmlns:a="http://schemas.openxmlformats.org/drawingml/2006/main" xmlns:r="http://schemas.openxmlformats.org/officeDocument/2006/relationships" xmlns:p="http://schemas.openxmlformats.org/presentationml/2006/main" xmlns:m="http://schemas.openxmlformats.org/officeDocument/2006/math" xmlns:w="http://schemas.openxmlformats.org/wordprocessingml/2006/main" showMasterPhAnim="0" show="1">
-  <p:cSld name="">
+<file path=ppt/slides/slide17.xml><?xml version="1.0" encoding="utf-8"?>
+<p:sld xmlns:a="http://schemas.openxmlformats.org/drawingml/2006/main" xmlns:r="http://schemas.openxmlformats.org/officeDocument/2006/relationships" xmlns:p="http://schemas.openxmlformats.org/presentationml/2006/main" showMasterPhAnim="0">
+  <p:cSld>
+    <p:bg>
+      <p:bgPr>
+        <a:solidFill>
+          <a:srgbClr val="EDEFF7"/>
+        </a:solidFill>
+        <a:effectLst/>
+      </p:bgPr>
+    </p:bg>
     <p:spTree>
       <p:nvGrpSpPr>
-        <p:cNvPr id="1" name="" hidden="0"/>
+        <p:cNvPr id="1" name=""/>
         <p:cNvGrpSpPr/>
-        <p:nvPr isPhoto="0" userDrawn="0"/>
+        <p:nvPr/>
       </p:nvGrpSpPr>
       <p:grpSpPr bwMode="auto">
         <a:xfrm>
@@ -8068,12 +8888,654 @@
       </p:grpSpPr>
       <p:sp>
         <p:nvSpPr>
-          <p:cNvPr id="2" name="Title 1" hidden="0"/>
-          <p:cNvSpPr>
-            <a:spLocks noGrp="1"/>
-          </p:cNvSpPr>
-          <p:nvPr isPhoto="0" userDrawn="0">
-            <p:ph type="title" hasCustomPrompt="0"/>
+          <p:cNvPr id="19" name="Title 18"/>
+          <p:cNvSpPr>
+            <a:spLocks noGrp="1"/>
+          </p:cNvSpPr>
+          <p:nvPr>
+            <p:ph type="title"/>
+          </p:nvPr>
+        </p:nvSpPr>
+        <p:spPr bwMode="auto"/>
+        <p:txBody>
+          <a:bodyPr/>
+          <a:lstStyle/>
+          <a:p>
+            <a:pPr>
+              <a:defRPr/>
+            </a:pPr>
+            <a:r>
+              <a:rPr lang="en-US">
+                <a:solidFill>
+                  <a:schemeClr val="tx1"/>
+                </a:solidFill>
+              </a:rPr>
+              <a:t>Choose a theme</a:t>
+            </a:r>
+            <a:endParaRPr/>
+          </a:p>
+        </p:txBody>
+      </p:sp>
+      <p:sp>
+        <p:nvSpPr>
+          <p:cNvPr id="17" name="Content Placeholder 16"/>
+          <p:cNvSpPr>
+            <a:spLocks noGrp="1"/>
+          </p:cNvSpPr>
+          <p:nvPr>
+            <p:ph sz="half" idx="2"/>
+          </p:nvPr>
+        </p:nvSpPr>
+        <p:spPr bwMode="auto"/>
+        <p:txBody>
+          <a:bodyPr/>
+          <a:lstStyle/>
+          <a:p>
+            <a:pPr marL="0" indent="0">
+              <a:buNone/>
+              <a:defRPr/>
+            </a:pPr>
+            <a:r>
+              <a:rPr lang="en-US"/>
+              <a:t>Your theme can be anything you want. Here are some examples to start:</a:t>
+            </a:r>
+            <a:endParaRPr/>
+          </a:p>
+          <a:p>
+            <a:pPr>
+              <a:defRPr/>
+            </a:pPr>
+            <a:r>
+              <a:rPr lang="en-US"/>
+              <a:t>Explain why [subject] is your favorite movie.</a:t>
+            </a:r>
+            <a:endParaRPr/>
+          </a:p>
+          <a:p>
+            <a:pPr>
+              <a:defRPr/>
+            </a:pPr>
+            <a:r>
+              <a:rPr lang="en-US"/>
+              <a:t>Teach about a famous person in history.</a:t>
+            </a:r>
+            <a:endParaRPr/>
+          </a:p>
+          <a:p>
+            <a:pPr>
+              <a:defRPr/>
+            </a:pPr>
+            <a:r>
+              <a:rPr lang="en-US"/>
+              <a:t>Introduce the group to your hidden talent.</a:t>
+            </a:r>
+            <a:endParaRPr/>
+          </a:p>
+          <a:p>
+            <a:pPr>
+              <a:defRPr/>
+            </a:pPr>
+            <a:endParaRPr lang="en-US"/>
+          </a:p>
+        </p:txBody>
+      </p:sp>
+      <p:sp>
+        <p:nvSpPr>
+          <p:cNvPr id="2" name="Fußzeilenplatzhalter 1"/>
+          <p:cNvSpPr>
+            <a:spLocks noGrp="1"/>
+          </p:cNvSpPr>
+          <p:nvPr>
+            <p:ph type="ftr" sz="quarter" idx="3"/>
+          </p:nvPr>
+        </p:nvSpPr>
+        <p:spPr bwMode="auto"/>
+        <p:txBody>
+          <a:bodyPr/>
+          <a:lstStyle/>
+          <a:p>
+            <a:pPr>
+              <a:defRPr/>
+            </a:pPr>
+            <a:r>
+              <a:rPr lang="en-US"/>
+              <a:t>Control Center – zwei komponenten Monitoring Tool</a:t>
+            </a:r>
+          </a:p>
+        </p:txBody>
+      </p:sp>
+    </p:spTree>
+  </p:cSld>
+  <p:clrMapOvr>
+    <a:masterClrMapping/>
+  </p:clrMapOvr>
+</p:sld>
+</file>
+
+<file path=ppt/slides/slide18.xml><?xml version="1.0" encoding="utf-8"?>
+<p:sld xmlns:a="http://schemas.openxmlformats.org/drawingml/2006/main" xmlns:r="http://schemas.openxmlformats.org/officeDocument/2006/relationships" xmlns:p="http://schemas.openxmlformats.org/presentationml/2006/main" showMasterPhAnim="0">
+  <p:cSld>
+    <p:spTree>
+      <p:nvGrpSpPr>
+        <p:cNvPr id="1" name=""/>
+        <p:cNvGrpSpPr/>
+        <p:nvPr/>
+      </p:nvGrpSpPr>
+      <p:grpSpPr bwMode="auto">
+        <a:xfrm>
+          <a:off x="0" y="0"/>
+          <a:ext cx="0" cy="0"/>
+          <a:chOff x="0" y="0"/>
+          <a:chExt cx="0" cy="0"/>
+        </a:xfrm>
+      </p:grpSpPr>
+      <p:sp>
+        <p:nvSpPr>
+          <p:cNvPr id="4" name="Title 3"/>
+          <p:cNvSpPr>
+            <a:spLocks noGrp="1"/>
+          </p:cNvSpPr>
+          <p:nvPr>
+            <p:ph type="title"/>
+          </p:nvPr>
+        </p:nvSpPr>
+        <p:spPr bwMode="auto"/>
+        <p:txBody>
+          <a:bodyPr/>
+          <a:lstStyle/>
+          <a:p>
+            <a:pPr>
+              <a:tabLst>
+                <a:tab pos="2481263" algn="l"/>
+              </a:tabLst>
+              <a:defRPr/>
+            </a:pPr>
+            <a:r>
+              <a:rPr lang="en-US">
+                <a:solidFill>
+                  <a:schemeClr val="tx1">
+                    <a:lumMod val="85000"/>
+                    <a:lumOff val="15000"/>
+                  </a:schemeClr>
+                </a:solidFill>
+              </a:rPr>
+              <a:t>Add a funny Quote</a:t>
+            </a:r>
+            <a:endParaRPr/>
+          </a:p>
+        </p:txBody>
+      </p:sp>
+      <p:sp>
+        <p:nvSpPr>
+          <p:cNvPr id="5" name="Content Placeholder 4"/>
+          <p:cNvSpPr>
+            <a:spLocks noGrp="1"/>
+          </p:cNvSpPr>
+          <p:nvPr>
+            <p:ph sz="half" idx="2"/>
+          </p:nvPr>
+        </p:nvSpPr>
+        <p:spPr bwMode="auto"/>
+        <p:txBody>
+          <a:bodyPr/>
+          <a:lstStyle/>
+          <a:p>
+            <a:pPr marL="0" indent="0">
+              <a:buNone/>
+              <a:defRPr/>
+            </a:pPr>
+            <a:r>
+              <a:rPr lang="en-US" spc="150"/>
+              <a:t>“QUOTES…</a:t>
+            </a:r>
+            <a:endParaRPr/>
+          </a:p>
+        </p:txBody>
+      </p:sp>
+    </p:spTree>
+  </p:cSld>
+  <p:clrMapOvr>
+    <a:masterClrMapping/>
+  </p:clrMapOvr>
+</p:sld>
+</file>
+
+<file path=ppt/slides/slide19.xml><?xml version="1.0" encoding="utf-8"?>
+<p:sld xmlns:a="http://schemas.openxmlformats.org/drawingml/2006/main" xmlns:r="http://schemas.openxmlformats.org/officeDocument/2006/relationships" xmlns:p="http://schemas.openxmlformats.org/presentationml/2006/main" showMasterPhAnim="0">
+  <p:cSld>
+    <p:bg>
+      <p:bgPr>
+        <a:solidFill>
+          <a:srgbClr val="EDEFF7"/>
+        </a:solidFill>
+        <a:effectLst/>
+      </p:bgPr>
+    </p:bg>
+    <p:spTree>
+      <p:nvGrpSpPr>
+        <p:cNvPr id="1" name=""/>
+        <p:cNvGrpSpPr/>
+        <p:nvPr/>
+      </p:nvGrpSpPr>
+      <p:grpSpPr bwMode="auto">
+        <a:xfrm>
+          <a:off x="0" y="0"/>
+          <a:ext cx="0" cy="0"/>
+          <a:chOff x="0" y="0"/>
+          <a:chExt cx="0" cy="0"/>
+        </a:xfrm>
+      </p:grpSpPr>
+      <p:sp>
+        <p:nvSpPr>
+          <p:cNvPr id="8" name="Title 7"/>
+          <p:cNvSpPr>
+            <a:spLocks noGrp="1"/>
+          </p:cNvSpPr>
+          <p:nvPr>
+            <p:ph type="title"/>
+          </p:nvPr>
+        </p:nvSpPr>
+        <p:spPr bwMode="auto"/>
+        <p:txBody>
+          <a:bodyPr/>
+          <a:lstStyle/>
+          <a:p>
+            <a:pPr>
+              <a:defRPr/>
+            </a:pPr>
+            <a:r>
+              <a:rPr lang="en-US"/>
+              <a:t>about Your theme</a:t>
+            </a:r>
+            <a:endParaRPr/>
+          </a:p>
+        </p:txBody>
+      </p:sp>
+      <p:sp>
+        <p:nvSpPr>
+          <p:cNvPr id="12" name="Content Placeholder 11"/>
+          <p:cNvSpPr>
+            <a:spLocks noGrp="1"/>
+          </p:cNvSpPr>
+          <p:nvPr>
+            <p:ph sz="half" idx="2"/>
+          </p:nvPr>
+        </p:nvSpPr>
+        <p:spPr bwMode="auto"/>
+        <p:txBody>
+          <a:bodyPr/>
+          <a:lstStyle/>
+          <a:p>
+            <a:pPr marL="214313" indent="-214313">
+              <a:lnSpc>
+                <a:spcPts val="1500"/>
+              </a:lnSpc>
+              <a:buFont typeface="Arial"/>
+              <a:buChar char="•"/>
+              <a:defRPr/>
+            </a:pPr>
+            <a:r>
+              <a:rPr lang="en-US"/>
+              <a:t>You can write about your theme here.</a:t>
+            </a:r>
+            <a:endParaRPr/>
+          </a:p>
+          <a:p>
+            <a:pPr marL="214313" indent="-214313">
+              <a:lnSpc>
+                <a:spcPts val="1500"/>
+              </a:lnSpc>
+              <a:buFont typeface="Arial"/>
+              <a:buChar char="•"/>
+              <a:defRPr/>
+            </a:pPr>
+            <a:r>
+              <a:rPr lang="en-US"/>
+              <a:t>You can explain why you chose the theme. </a:t>
+            </a:r>
+            <a:endParaRPr/>
+          </a:p>
+          <a:p>
+            <a:pPr marL="214313" indent="-214313">
+              <a:lnSpc>
+                <a:spcPts val="1500"/>
+              </a:lnSpc>
+              <a:buFont typeface="Arial"/>
+              <a:buChar char="•"/>
+              <a:defRPr/>
+            </a:pPr>
+            <a:r>
+              <a:rPr lang="en-US"/>
+              <a:t>The goal is to be light-hearted, playful, and funny</a:t>
+            </a:r>
+            <a:endParaRPr/>
+          </a:p>
+        </p:txBody>
+      </p:sp>
+      <p:sp>
+        <p:nvSpPr>
+          <p:cNvPr id="61500539" name="Picture Placeholder 8"/>
+          <p:cNvSpPr>
+            <a:spLocks noGrp="1"/>
+          </p:cNvSpPr>
+          <p:nvPr>
+            <p:ph type="pic" sz="quarter" idx="13"/>
+          </p:nvPr>
+        </p:nvSpPr>
+        <p:spPr bwMode="auto">
+          <a:xfrm>
+            <a:off x="4443411" y="633875"/>
+            <a:ext cx="4224337" cy="5591174"/>
+          </a:xfrm>
+          <a:prstGeom prst="rect">
+            <a:avLst/>
+          </a:prstGeom>
+          <a:solidFill>
+            <a:srgbClr val="22E298"/>
+          </a:solidFill>
+        </p:spPr>
+        <p:txBody>
+          <a:bodyPr anchor="ctr"/>
+          <a:lstStyle>
+            <a:lvl1pPr algn="ctr">
+              <a:defRPr>
+                <a:solidFill>
+                  <a:schemeClr val="bg1"/>
+                </a:solidFill>
+              </a:defRPr>
+            </a:lvl1pPr>
+          </a:lstStyle>
+          <a:p>
+            <a:pPr>
+              <a:defRPr/>
+            </a:pPr>
+            <a:endParaRPr/>
+          </a:p>
+        </p:txBody>
+      </p:sp>
+      <p:sp>
+        <p:nvSpPr>
+          <p:cNvPr id="2" name="Fußzeilenplatzhalter 1"/>
+          <p:cNvSpPr>
+            <a:spLocks noGrp="1"/>
+          </p:cNvSpPr>
+          <p:nvPr>
+            <p:ph type="ftr" sz="quarter" idx="3"/>
+          </p:nvPr>
+        </p:nvSpPr>
+        <p:spPr bwMode="auto"/>
+        <p:txBody>
+          <a:bodyPr/>
+          <a:lstStyle/>
+          <a:p>
+            <a:pPr>
+              <a:defRPr/>
+            </a:pPr>
+            <a:r>
+              <a:rPr lang="en-US"/>
+              <a:t>Control Center – zwei komponenten Monitoring Tool</a:t>
+            </a:r>
+          </a:p>
+        </p:txBody>
+      </p:sp>
+      <p:sp>
+        <p:nvSpPr>
+          <p:cNvPr id="3" name="Foliennummernplatzhalter 2"/>
+          <p:cNvSpPr>
+            <a:spLocks noGrp="1"/>
+          </p:cNvSpPr>
+          <p:nvPr>
+            <p:ph type="sldNum" sz="quarter" idx="4"/>
+          </p:nvPr>
+        </p:nvSpPr>
+        <p:spPr bwMode="auto"/>
+        <p:txBody>
+          <a:bodyPr/>
+          <a:lstStyle/>
+          <a:p>
+            <a:pPr>
+              <a:defRPr/>
+            </a:pPr>
+            <a:fld id="{3A98EE3D-8CD1-4C3F-BD1C-C98C9596463C}" type="slidenum">
+              <a:rPr lang="en-US"/>
+              <a:t>19</a:t>
+            </a:fld>
+            <a:endParaRPr lang="en-US"/>
+          </a:p>
+        </p:txBody>
+      </p:sp>
+      <p:sp>
+        <p:nvSpPr>
+          <p:cNvPr id="4" name="Datumsplatzhalter 3"/>
+          <p:cNvSpPr>
+            <a:spLocks noGrp="1"/>
+          </p:cNvSpPr>
+          <p:nvPr>
+            <p:ph type="dt" sz="half" idx="14"/>
+          </p:nvPr>
+        </p:nvSpPr>
+        <p:spPr bwMode="auto"/>
+        <p:txBody>
+          <a:bodyPr/>
+          <a:lstStyle/>
+          <a:p>
+            <a:pPr>
+              <a:defRPr/>
+            </a:pPr>
+            <a:r>
+              <a:rPr lang="de-DE"/>
+              <a:t>Eduard Schwarzkopf </a:t>
+            </a:r>
+            <a:endParaRPr lang="en-US"/>
+          </a:p>
+        </p:txBody>
+      </p:sp>
+    </p:spTree>
+  </p:cSld>
+  <p:clrMapOvr>
+    <a:masterClrMapping/>
+  </p:clrMapOvr>
+</p:sld>
+</file>
+
+<file path=ppt/slides/slide2.xml><?xml version="1.0" encoding="utf-8"?>
+<p:sld xmlns:a="http://schemas.openxmlformats.org/drawingml/2006/main" xmlns:r="http://schemas.openxmlformats.org/officeDocument/2006/relationships" xmlns:p="http://schemas.openxmlformats.org/presentationml/2006/main" showMasterPhAnim="0">
+  <p:cSld>
+    <p:spTree>
+      <p:nvGrpSpPr>
+        <p:cNvPr id="1" name=""/>
+        <p:cNvGrpSpPr/>
+        <p:nvPr/>
+      </p:nvGrpSpPr>
+      <p:grpSpPr bwMode="auto">
+        <a:xfrm>
+          <a:off x="0" y="0"/>
+          <a:ext cx="0" cy="0"/>
+          <a:chOff x="0" y="0"/>
+          <a:chExt cx="0" cy="0"/>
+        </a:xfrm>
+      </p:grpSpPr>
+      <p:sp>
+        <p:nvSpPr>
+          <p:cNvPr id="19" name="Title 18"/>
+          <p:cNvSpPr>
+            <a:spLocks noGrp="1"/>
+          </p:cNvSpPr>
+          <p:nvPr>
+            <p:ph type="title"/>
+          </p:nvPr>
+        </p:nvSpPr>
+        <p:spPr bwMode="auto"/>
+        <p:txBody>
+          <a:bodyPr/>
+          <a:lstStyle/>
+          <a:p>
+            <a:pPr>
+              <a:defRPr/>
+            </a:pPr>
+            <a:r>
+              <a:rPr lang="en-US">
+                <a:solidFill>
+                  <a:schemeClr val="tx1"/>
+                </a:solidFill>
+              </a:rPr>
+              <a:t>Inhalt</a:t>
+            </a:r>
+          </a:p>
+        </p:txBody>
+      </p:sp>
+      <p:sp>
+        <p:nvSpPr>
+          <p:cNvPr id="17" name="Content Placeholder 16"/>
+          <p:cNvSpPr>
+            <a:spLocks noGrp="1"/>
+          </p:cNvSpPr>
+          <p:nvPr>
+            <p:ph sz="half" idx="2"/>
+          </p:nvPr>
+        </p:nvSpPr>
+        <p:spPr bwMode="auto"/>
+        <p:txBody>
+          <a:bodyPr>
+            <a:normAutofit/>
+          </a:bodyPr>
+          <a:lstStyle/>
+          <a:p>
+            <a:pPr>
+              <a:lnSpc>
+                <a:spcPct val="150000"/>
+              </a:lnSpc>
+              <a:defRPr/>
+            </a:pPr>
+            <a:r>
+              <a:rPr lang="en-US" sz="1800">
+                <a:solidFill>
+                  <a:srgbClr val="22E298"/>
+                </a:solidFill>
+              </a:rPr>
+              <a:t>Vorstellung</a:t>
+            </a:r>
+          </a:p>
+          <a:p>
+            <a:pPr>
+              <a:lnSpc>
+                <a:spcPct val="150000"/>
+              </a:lnSpc>
+              <a:defRPr/>
+            </a:pPr>
+            <a:r>
+              <a:rPr lang="en-US" sz="1800"/>
+              <a:t>Thematik</a:t>
+            </a:r>
+          </a:p>
+          <a:p>
+            <a:pPr>
+              <a:lnSpc>
+                <a:spcPct val="150000"/>
+              </a:lnSpc>
+              <a:defRPr/>
+            </a:pPr>
+            <a:r>
+              <a:rPr lang="en-US" sz="1800"/>
+              <a:t>Analyse</a:t>
+            </a:r>
+          </a:p>
+          <a:p>
+            <a:pPr>
+              <a:lnSpc>
+                <a:spcPct val="150000"/>
+              </a:lnSpc>
+              <a:defRPr/>
+            </a:pPr>
+            <a:r>
+              <a:rPr lang="en-US" sz="1800"/>
+              <a:t>Entwurf</a:t>
+            </a:r>
+          </a:p>
+          <a:p>
+            <a:pPr>
+              <a:lnSpc>
+                <a:spcPct val="150000"/>
+              </a:lnSpc>
+              <a:defRPr/>
+            </a:pPr>
+            <a:r>
+              <a:rPr lang="en-US" sz="1800"/>
+              <a:t>Implementierung</a:t>
+            </a:r>
+          </a:p>
+          <a:p>
+            <a:pPr>
+              <a:lnSpc>
+                <a:spcPct val="150000"/>
+              </a:lnSpc>
+              <a:defRPr/>
+            </a:pPr>
+            <a:r>
+              <a:rPr lang="en-US" sz="1800"/>
+              <a:t>Fazit und Ausblick</a:t>
+            </a:r>
+          </a:p>
+        </p:txBody>
+      </p:sp>
+      <p:sp>
+        <p:nvSpPr>
+          <p:cNvPr id="2" name="Fußzeilenplatzhalter 1"/>
+          <p:cNvSpPr>
+            <a:spLocks noGrp="1"/>
+          </p:cNvSpPr>
+          <p:nvPr>
+            <p:ph type="ftr" sz="quarter" idx="3"/>
+          </p:nvPr>
+        </p:nvSpPr>
+        <p:spPr bwMode="auto"/>
+        <p:txBody>
+          <a:bodyPr/>
+          <a:lstStyle/>
+          <a:p>
+            <a:pPr>
+              <a:defRPr/>
+            </a:pPr>
+            <a:r>
+              <a:rPr lang="en-US"/>
+              <a:t>Control Center – zwei komponenten Monitoring Tool</a:t>
+            </a:r>
+          </a:p>
+        </p:txBody>
+      </p:sp>
+    </p:spTree>
+  </p:cSld>
+  <p:clrMapOvr>
+    <a:masterClrMapping/>
+  </p:clrMapOvr>
+</p:sld>
+</file>
+
+<file path=ppt/slides/slide20.xml><?xml version="1.0" encoding="utf-8"?>
+<p:sld xmlns:a="http://schemas.openxmlformats.org/drawingml/2006/main" xmlns:r="http://schemas.openxmlformats.org/officeDocument/2006/relationships" xmlns:p="http://schemas.openxmlformats.org/presentationml/2006/main" showMasterPhAnim="0">
+  <p:cSld>
+    <p:spTree>
+      <p:nvGrpSpPr>
+        <p:cNvPr id="1" name=""/>
+        <p:cNvGrpSpPr/>
+        <p:nvPr/>
+      </p:nvGrpSpPr>
+      <p:grpSpPr bwMode="auto">
+        <a:xfrm>
+          <a:off x="0" y="0"/>
+          <a:ext cx="0" cy="0"/>
+          <a:chOff x="0" y="0"/>
+          <a:chExt cx="0" cy="0"/>
+        </a:xfrm>
+      </p:grpSpPr>
+      <p:sp>
+        <p:nvSpPr>
+          <p:cNvPr id="2" name="Title 1"/>
+          <p:cNvSpPr>
+            <a:spLocks noGrp="1"/>
+          </p:cNvSpPr>
+          <p:nvPr>
+            <p:ph type="title"/>
           </p:nvPr>
         </p:nvSpPr>
         <p:spPr bwMode="auto">
@@ -8099,12 +9561,12 @@
       </p:sp>
       <p:sp>
         <p:nvSpPr>
-          <p:cNvPr id="163238572" name="Content Placeholder 3" hidden="0"/>
-          <p:cNvSpPr>
-            <a:spLocks noGrp="1"/>
-          </p:cNvSpPr>
-          <p:nvPr isPhoto="0" userDrawn="0">
-            <p:ph sz="half" idx="14" hasCustomPrompt="0"/>
+          <p:cNvPr id="163238572" name="Content Placeholder 3"/>
+          <p:cNvSpPr>
+            <a:spLocks noGrp="1"/>
+          </p:cNvSpPr>
+          <p:nvPr>
+            <p:ph sz="half" idx="14"/>
           </p:nvPr>
         </p:nvSpPr>
         <p:spPr bwMode="auto">
@@ -8193,12 +9655,12 @@
       </p:sp>
       <p:sp>
         <p:nvSpPr>
-          <p:cNvPr id="3" name="Content Placeholder 2" hidden="0"/>
-          <p:cNvSpPr>
-            <a:spLocks noGrp="1"/>
-          </p:cNvSpPr>
-          <p:nvPr isPhoto="0" userDrawn="0">
-            <p:ph sz="half" idx="2" hasCustomPrompt="0"/>
+          <p:cNvPr id="3" name="Content Placeholder 2"/>
+          <p:cNvSpPr>
+            <a:spLocks noGrp="1"/>
+          </p:cNvSpPr>
+          <p:nvPr>
+            <p:ph sz="half" idx="2"/>
           </p:nvPr>
         </p:nvSpPr>
         <p:spPr bwMode="auto">
@@ -8258,12 +9720,12 @@
       </p:sp>
       <p:sp>
         <p:nvSpPr>
-          <p:cNvPr id="4" name="Fußzeilenplatzhalter 3" hidden="0"/>
-          <p:cNvSpPr>
-            <a:spLocks noGrp="1"/>
-          </p:cNvSpPr>
-          <p:nvPr isPhoto="0" userDrawn="0">
-            <p:ph type="ftr" sz="quarter" idx="3" hasCustomPrompt="0"/>
+          <p:cNvPr id="4" name="Fußzeilenplatzhalter 3"/>
+          <p:cNvSpPr>
+            <a:spLocks noGrp="1"/>
+          </p:cNvSpPr>
+          <p:nvPr>
+            <p:ph type="ftr" sz="quarter" idx="3"/>
           </p:nvPr>
         </p:nvSpPr>
         <p:spPr bwMode="auto"/>
@@ -8278,18 +9740,17 @@
               <a:rPr lang="en-US"/>
               <a:t>Control Center – zwei komponenten Monitoring Tool</a:t>
             </a:r>
-            <a:endParaRPr lang="en-US"/>
-          </a:p>
-        </p:txBody>
-      </p:sp>
-      <p:sp>
-        <p:nvSpPr>
-          <p:cNvPr id="5" name="Foliennummernplatzhalter 4" hidden="0"/>
-          <p:cNvSpPr>
-            <a:spLocks noGrp="1"/>
-          </p:cNvSpPr>
-          <p:nvPr isPhoto="0" userDrawn="0">
-            <p:ph type="sldNum" sz="quarter" idx="4" hasCustomPrompt="0"/>
+          </a:p>
+        </p:txBody>
+      </p:sp>
+      <p:sp>
+        <p:nvSpPr>
+          <p:cNvPr id="5" name="Foliennummernplatzhalter 4"/>
+          <p:cNvSpPr>
+            <a:spLocks noGrp="1"/>
+          </p:cNvSpPr>
+          <p:nvPr>
+            <p:ph type="sldNum" sz="quarter" idx="4"/>
           </p:nvPr>
         </p:nvSpPr>
         <p:spPr bwMode="auto"/>
@@ -8302,7 +9763,7 @@
             </a:pPr>
             <a:fld id="{3A98EE3D-8CD1-4C3F-BD1C-C98C9596463C}" type="slidenum">
               <a:rPr lang="en-US"/>
-              <a:t/>
+              <a:t>20</a:t>
             </a:fld>
             <a:endParaRPr lang="en-US"/>
           </a:p>
@@ -8310,12 +9771,12 @@
       </p:sp>
       <p:sp>
         <p:nvSpPr>
-          <p:cNvPr id="6" name="Datumsplatzhalter 5" hidden="0"/>
-          <p:cNvSpPr>
-            <a:spLocks noGrp="1"/>
-          </p:cNvSpPr>
-          <p:nvPr isPhoto="0" userDrawn="0">
-            <p:ph type="dt" sz="half" idx="15" hasCustomPrompt="0"/>
+          <p:cNvPr id="6" name="Datumsplatzhalter 5"/>
+          <p:cNvSpPr>
+            <a:spLocks noGrp="1"/>
+          </p:cNvSpPr>
+          <p:nvPr>
+            <p:ph type="dt" sz="half" idx="15"/>
           </p:nvPr>
         </p:nvSpPr>
         <p:spPr bwMode="auto"/>
@@ -8339,25 +9800,17 @@
   <p:clrMapOvr>
     <a:masterClrMapping/>
   </p:clrMapOvr>
-  <mc:AlternateContent xmlns:mc="http://schemas.openxmlformats.org/markup-compatibility/2006">
-    <mc:Choice xmlns:p14="http://schemas.microsoft.com/office/powerpoint/2010/main" Requires="p14">
-      <p:transition p14:dur="2000" advClick="1"/>
-    </mc:Choice>
-    <mc:Fallback>
-      <p:transition advClick="1"/>
-    </mc:Fallback>
-  </mc:AlternateContent>
 </p:sld>
 </file>
 
-<file path=ppt/slides/slide17.xml><?xml version="1.0" encoding="utf-8"?>
-<p:sld xmlns:a="http://schemas.openxmlformats.org/drawingml/2006/main" xmlns:r="http://schemas.openxmlformats.org/officeDocument/2006/relationships" xmlns:p="http://schemas.openxmlformats.org/presentationml/2006/main" xmlns:m="http://schemas.openxmlformats.org/officeDocument/2006/math" xmlns:w="http://schemas.openxmlformats.org/wordprocessingml/2006/main" showMasterPhAnim="0" show="1">
-  <p:cSld name="">
+<file path=ppt/slides/slide21.xml><?xml version="1.0" encoding="utf-8"?>
+<p:sld xmlns:a="http://schemas.openxmlformats.org/drawingml/2006/main" xmlns:r="http://schemas.openxmlformats.org/officeDocument/2006/relationships" xmlns:p="http://schemas.openxmlformats.org/presentationml/2006/main" showMasterPhAnim="0">
+  <p:cSld>
     <p:spTree>
       <p:nvGrpSpPr>
-        <p:cNvPr id="1" name="" hidden="0"/>
+        <p:cNvPr id="1" name=""/>
         <p:cNvGrpSpPr/>
-        <p:nvPr isPhoto="0" userDrawn="0"/>
+        <p:nvPr/>
       </p:nvGrpSpPr>
       <p:grpSpPr bwMode="auto">
         <a:xfrm>
@@ -8369,12 +9822,12 @@
       </p:grpSpPr>
       <p:sp>
         <p:nvSpPr>
-          <p:cNvPr id="2" name="Title 1" hidden="0"/>
-          <p:cNvSpPr>
-            <a:spLocks noGrp="1"/>
-          </p:cNvSpPr>
-          <p:nvPr isPhoto="0" userDrawn="0">
-            <p:ph type="title" hasCustomPrompt="0"/>
+          <p:cNvPr id="2" name="Title 1"/>
+          <p:cNvSpPr>
+            <a:spLocks noGrp="1"/>
+          </p:cNvSpPr>
+          <p:nvPr>
+            <p:ph type="title"/>
           </p:nvPr>
         </p:nvSpPr>
         <p:spPr bwMode="auto"/>
@@ -8395,12 +9848,12 @@
       </p:sp>
       <p:sp>
         <p:nvSpPr>
-          <p:cNvPr id="20" name="Text Placeholder 19" hidden="0"/>
-          <p:cNvSpPr>
-            <a:spLocks noGrp="1"/>
-          </p:cNvSpPr>
-          <p:nvPr isPhoto="0" userDrawn="0">
-            <p:ph type="body" sz="half" idx="2" hasCustomPrompt="0"/>
+          <p:cNvPr id="20" name="Text Placeholder 19"/>
+          <p:cNvSpPr>
+            <a:spLocks noGrp="1"/>
+          </p:cNvSpPr>
+          <p:nvPr>
+            <p:ph type="body" sz="half" idx="2"/>
           </p:nvPr>
         </p:nvSpPr>
         <p:spPr bwMode="auto"/>
@@ -8426,12 +9879,12 @@
       </p:sp>
       <p:sp>
         <p:nvSpPr>
-          <p:cNvPr id="954232242" name="Picture Placeholder 2" hidden="0"/>
-          <p:cNvSpPr>
-            <a:spLocks noChangeAspect="1" noGrp="1"/>
-          </p:cNvSpPr>
-          <p:nvPr isPhoto="0" userDrawn="0">
-            <p:ph type="pic" idx="1" hasCustomPrompt="0"/>
+          <p:cNvPr id="954232242" name="Picture Placeholder 2"/>
+          <p:cNvSpPr>
+            <a:spLocks noGrp="1" noChangeAspect="1"/>
+          </p:cNvSpPr>
+          <p:nvPr>
+            <p:ph type="pic" idx="1"/>
           </p:nvPr>
         </p:nvSpPr>
         <p:spPr bwMode="auto">
@@ -8496,12 +9949,12 @@
       </p:sp>
       <p:sp>
         <p:nvSpPr>
-          <p:cNvPr id="3" name="Fußzeilenplatzhalter 2" hidden="0"/>
-          <p:cNvSpPr>
-            <a:spLocks noGrp="1"/>
-          </p:cNvSpPr>
-          <p:nvPr isPhoto="0" userDrawn="0">
-            <p:ph type="ftr" sz="quarter" idx="3" hasCustomPrompt="0"/>
+          <p:cNvPr id="3" name="Fußzeilenplatzhalter 2"/>
+          <p:cNvSpPr>
+            <a:spLocks noGrp="1"/>
+          </p:cNvSpPr>
+          <p:nvPr>
+            <p:ph type="ftr" sz="quarter" idx="3"/>
           </p:nvPr>
         </p:nvSpPr>
         <p:spPr bwMode="auto"/>
@@ -8516,18 +9969,17 @@
               <a:rPr lang="en-US"/>
               <a:t>Control Center – zwei komponenten Monitoring Tool</a:t>
             </a:r>
-            <a:endParaRPr lang="en-US"/>
-          </a:p>
-        </p:txBody>
-      </p:sp>
-      <p:sp>
-        <p:nvSpPr>
-          <p:cNvPr id="4" name="Foliennummernplatzhalter 3" hidden="0"/>
-          <p:cNvSpPr>
-            <a:spLocks noGrp="1"/>
-          </p:cNvSpPr>
-          <p:nvPr isPhoto="0" userDrawn="0">
-            <p:ph type="sldNum" sz="quarter" idx="4" hasCustomPrompt="0"/>
+          </a:p>
+        </p:txBody>
+      </p:sp>
+      <p:sp>
+        <p:nvSpPr>
+          <p:cNvPr id="4" name="Foliennummernplatzhalter 3"/>
+          <p:cNvSpPr>
+            <a:spLocks noGrp="1"/>
+          </p:cNvSpPr>
+          <p:nvPr>
+            <p:ph type="sldNum" sz="quarter" idx="4"/>
           </p:nvPr>
         </p:nvSpPr>
         <p:spPr bwMode="auto"/>
@@ -8540,7 +9992,7 @@
             </a:pPr>
             <a:fld id="{3A98EE3D-8CD1-4C3F-BD1C-C98C9596463C}" type="slidenum">
               <a:rPr lang="en-US"/>
-              <a:t/>
+              <a:t>21</a:t>
             </a:fld>
             <a:endParaRPr lang="en-US"/>
           </a:p>
@@ -8548,12 +10000,12 @@
       </p:sp>
       <p:sp>
         <p:nvSpPr>
-          <p:cNvPr id="5" name="Datumsplatzhalter 4" hidden="0"/>
-          <p:cNvSpPr>
-            <a:spLocks noGrp="1"/>
-          </p:cNvSpPr>
-          <p:nvPr isPhoto="0" userDrawn="0">
-            <p:ph type="dt" sz="half" idx="10" hasCustomPrompt="0"/>
+          <p:cNvPr id="5" name="Datumsplatzhalter 4"/>
+          <p:cNvSpPr>
+            <a:spLocks noGrp="1"/>
+          </p:cNvSpPr>
+          <p:nvPr>
+            <p:ph type="dt" sz="half" idx="10"/>
           </p:nvPr>
         </p:nvSpPr>
         <p:spPr bwMode="auto"/>
@@ -8577,230 +10029,17 @@
   <p:clrMapOvr>
     <a:masterClrMapping/>
   </p:clrMapOvr>
-  <mc:AlternateContent xmlns:mc="http://schemas.openxmlformats.org/markup-compatibility/2006">
-    <mc:Choice xmlns:p14="http://schemas.microsoft.com/office/powerpoint/2010/main" Requires="p14">
-      <p:transition p14:dur="2000" advClick="1"/>
-    </mc:Choice>
-    <mc:Fallback>
-      <p:transition advClick="1"/>
-    </mc:Fallback>
-  </mc:AlternateContent>
-</p:sld>
-</file>
-
-<file path=ppt/slides/slide2.xml><?xml version="1.0" encoding="utf-8"?>
-<p:sld xmlns:a="http://schemas.openxmlformats.org/drawingml/2006/main" xmlns:r="http://schemas.openxmlformats.org/officeDocument/2006/relationships" xmlns:p="http://schemas.openxmlformats.org/presentationml/2006/main" xmlns:m="http://schemas.openxmlformats.org/officeDocument/2006/math" xmlns:w="http://schemas.openxmlformats.org/wordprocessingml/2006/main" showMasterPhAnim="0" show="1">
-  <p:cSld name="">
-    <p:spTree>
-      <p:nvGrpSpPr>
-        <p:cNvPr id="1" name="" hidden="0"/>
-        <p:cNvGrpSpPr/>
-        <p:nvPr isPhoto="0" userDrawn="0"/>
-      </p:nvGrpSpPr>
-      <p:grpSpPr bwMode="auto">
-        <a:xfrm>
-          <a:off x="0" y="0"/>
-          <a:ext cx="0" cy="0"/>
-          <a:chOff x="0" y="0"/>
-          <a:chExt cx="0" cy="0"/>
-        </a:xfrm>
-      </p:grpSpPr>
-      <p:sp>
-        <p:nvSpPr>
-          <p:cNvPr id="19" name="Title 18" hidden="0"/>
-          <p:cNvSpPr>
-            <a:spLocks noGrp="1"/>
-          </p:cNvSpPr>
-          <p:nvPr isPhoto="0" userDrawn="0">
-            <p:ph type="title" hasCustomPrompt="0"/>
-          </p:nvPr>
-        </p:nvSpPr>
-        <p:spPr bwMode="auto"/>
-        <p:txBody>
-          <a:bodyPr/>
-          <a:lstStyle/>
-          <a:p>
-            <a:pPr>
-              <a:defRPr/>
-            </a:pPr>
-            <a:r>
-              <a:rPr lang="en-US">
-                <a:solidFill>
-                  <a:schemeClr val="tx1"/>
-                </a:solidFill>
-              </a:rPr>
-              <a:t>Inhalt</a:t>
-            </a:r>
-            <a:endParaRPr lang="en-US">
-              <a:solidFill>
-                <a:schemeClr val="tx1"/>
-              </a:solidFill>
-            </a:endParaRPr>
-          </a:p>
-        </p:txBody>
-      </p:sp>
-      <p:sp>
-        <p:nvSpPr>
-          <p:cNvPr id="17" name="Content Placeholder 16" hidden="0"/>
-          <p:cNvSpPr>
-            <a:spLocks noGrp="1"/>
-          </p:cNvSpPr>
-          <p:nvPr isPhoto="0" userDrawn="0">
-            <p:ph sz="half" idx="2" hasCustomPrompt="0"/>
-          </p:nvPr>
-        </p:nvSpPr>
-        <p:spPr bwMode="auto"/>
-        <p:txBody>
-          <a:bodyPr>
-            <a:normAutofit/>
-          </a:bodyPr>
-          <a:lstStyle/>
-          <a:p>
-            <a:pPr>
-              <a:lnSpc>
-                <a:spcPct val="150000"/>
-              </a:lnSpc>
-              <a:defRPr/>
-            </a:pPr>
-            <a:r>
-              <a:rPr lang="en-US" sz="1800">
-                <a:solidFill>
-                  <a:srgbClr val="22E298"/>
-                </a:solidFill>
-              </a:rPr>
-              <a:t>Vorstellung</a:t>
-            </a:r>
-            <a:endParaRPr lang="en-US" sz="1800">
-              <a:solidFill>
-                <a:srgbClr val="22E298"/>
-              </a:solidFill>
-            </a:endParaRPr>
-          </a:p>
-          <a:p>
-            <a:pPr>
-              <a:lnSpc>
-                <a:spcPct val="150000"/>
-              </a:lnSpc>
-              <a:defRPr/>
-            </a:pPr>
-            <a:r>
-              <a:rPr lang="en-US" sz="1800"/>
-              <a:t>Thematik</a:t>
-            </a:r>
-            <a:endParaRPr lang="en-US" sz="1800"/>
-          </a:p>
-          <a:p>
-            <a:pPr>
-              <a:lnSpc>
-                <a:spcPct val="150000"/>
-              </a:lnSpc>
-              <a:defRPr/>
-            </a:pPr>
-            <a:r>
-              <a:rPr lang="en-US" sz="1800"/>
-              <a:t>Analyse</a:t>
-            </a:r>
-            <a:endParaRPr lang="en-US" sz="1800"/>
-          </a:p>
-          <a:p>
-            <a:pPr>
-              <a:lnSpc>
-                <a:spcPct val="150000"/>
-              </a:lnSpc>
-              <a:defRPr/>
-            </a:pPr>
-            <a:r>
-              <a:rPr lang="en-US" sz="1800"/>
-              <a:t>Entwurf</a:t>
-            </a:r>
-            <a:endParaRPr lang="en-US" sz="1800"/>
-          </a:p>
-          <a:p>
-            <a:pPr>
-              <a:lnSpc>
-                <a:spcPct val="150000"/>
-              </a:lnSpc>
-              <a:defRPr/>
-            </a:pPr>
-            <a:r>
-              <a:rPr lang="en-US" sz="1800"/>
-              <a:t>Implementierung</a:t>
-            </a:r>
-            <a:endParaRPr lang="en-US" sz="1800"/>
-          </a:p>
-          <a:p>
-            <a:pPr>
-              <a:lnSpc>
-                <a:spcPct val="150000"/>
-              </a:lnSpc>
-              <a:defRPr/>
-            </a:pPr>
-            <a:r>
-              <a:rPr lang="en-US" sz="1800"/>
-              <a:t>Fazit</a:t>
-            </a:r>
-            <a:r>
-              <a:rPr lang="en-US" sz="1800"/>
-              <a:t> und </a:t>
-            </a:r>
-            <a:r>
-              <a:rPr lang="en-US" sz="1800"/>
-              <a:t>Ausblick</a:t>
-            </a:r>
-            <a:endParaRPr lang="en-US" sz="1800"/>
-          </a:p>
-        </p:txBody>
-      </p:sp>
-      <p:sp>
-        <p:nvSpPr>
-          <p:cNvPr id="2" name="Fußzeilenplatzhalter 1" hidden="0"/>
-          <p:cNvSpPr>
-            <a:spLocks noGrp="1"/>
-          </p:cNvSpPr>
-          <p:nvPr isPhoto="0" userDrawn="0">
-            <p:ph type="ftr" sz="quarter" idx="3" hasCustomPrompt="0"/>
-          </p:nvPr>
-        </p:nvSpPr>
-        <p:spPr bwMode="auto"/>
-        <p:txBody>
-          <a:bodyPr/>
-          <a:lstStyle/>
-          <a:p>
-            <a:pPr>
-              <a:defRPr/>
-            </a:pPr>
-            <a:r>
-              <a:rPr lang="en-US"/>
-              <a:t>Control Center – zwei komponenten Monitoring Tool</a:t>
-            </a:r>
-            <a:endParaRPr lang="en-US"/>
-          </a:p>
-        </p:txBody>
-      </p:sp>
-    </p:spTree>
-  </p:cSld>
-  <p:clrMapOvr>
-    <a:masterClrMapping/>
-  </p:clrMapOvr>
-  <mc:AlternateContent xmlns:mc="http://schemas.openxmlformats.org/markup-compatibility/2006">
-    <mc:Choice xmlns:p14="http://schemas.microsoft.com/office/powerpoint/2010/main" Requires="p14">
-      <p:transition p14:dur="2000" advClick="1"/>
-    </mc:Choice>
-    <mc:Fallback>
-      <p:transition advClick="1"/>
-    </mc:Fallback>
-  </mc:AlternateContent>
 </p:sld>
 </file>
 
 <file path=ppt/slides/slide3.xml><?xml version="1.0" encoding="utf-8"?>
-<p:sld xmlns:a="http://schemas.openxmlformats.org/drawingml/2006/main" xmlns:r="http://schemas.openxmlformats.org/officeDocument/2006/relationships" xmlns:p="http://schemas.openxmlformats.org/presentationml/2006/main" xmlns:m="http://schemas.openxmlformats.org/officeDocument/2006/math" xmlns:w="http://schemas.openxmlformats.org/wordprocessingml/2006/main" showMasterPhAnim="0" show="1">
-  <p:cSld name="">
+<p:sld xmlns:a="http://schemas.openxmlformats.org/drawingml/2006/main" xmlns:r="http://schemas.openxmlformats.org/officeDocument/2006/relationships" xmlns:p="http://schemas.openxmlformats.org/presentationml/2006/main" showMasterPhAnim="0">
+  <p:cSld>
     <p:spTree>
       <p:nvGrpSpPr>
-        <p:cNvPr id="1" name="" hidden="0"/>
+        <p:cNvPr id="1" name=""/>
         <p:cNvGrpSpPr/>
-        <p:nvPr isPhoto="0" userDrawn="0"/>
+        <p:nvPr/>
       </p:nvGrpSpPr>
       <p:grpSpPr bwMode="auto">
         <a:xfrm>
@@ -8812,17 +10051,17 @@
       </p:grpSpPr>
       <p:pic>
         <p:nvPicPr>
-          <p:cNvPr id="9" name="Bildplatzhalter 8" hidden="0"/>
+          <p:cNvPr id="9" name="Bildplatzhalter 8"/>
           <p:cNvPicPr>
-            <a:picLocks noChangeAspect="1" noGrp="1"/>
+            <a:picLocks noGrp="1" noChangeAspect="1"/>
           </p:cNvPicPr>
-          <p:nvPr isPhoto="0" userDrawn="0">
-            <p:ph type="pic" sz="quarter" idx="13" hasCustomPrompt="0"/>
+          <p:nvPr>
+            <p:ph type="pic" sz="quarter" idx="13"/>
           </p:nvPr>
         </p:nvPicPr>
         <p:blipFill>
           <a:blip r:embed="rId2"/>
-          <a:srcRect l="28787" t="0" r="28787" b="0"/>
+          <a:srcRect l="28787" r="28787"/>
           <a:stretch/>
         </p:blipFill>
         <p:spPr bwMode="auto">
@@ -8833,12 +10072,12 @@
       </p:pic>
       <p:sp>
         <p:nvSpPr>
-          <p:cNvPr id="3" name="Titel 2" hidden="0"/>
-          <p:cNvSpPr>
-            <a:spLocks noGrp="1"/>
-          </p:cNvSpPr>
-          <p:nvPr isPhoto="0" userDrawn="0">
-            <p:ph type="title" hasCustomPrompt="0"/>
+          <p:cNvPr id="3" name="Titel 2"/>
+          <p:cNvSpPr>
+            <a:spLocks noGrp="1"/>
+          </p:cNvSpPr>
+          <p:nvPr>
+            <p:ph type="title"/>
           </p:nvPr>
         </p:nvSpPr>
         <p:spPr bwMode="auto"/>
@@ -8859,12 +10098,12 @@
       </p:sp>
       <p:sp>
         <p:nvSpPr>
-          <p:cNvPr id="4" name="Inhaltsplatzhalter 3" hidden="0"/>
-          <p:cNvSpPr>
-            <a:spLocks noGrp="1"/>
-          </p:cNvSpPr>
-          <p:nvPr isPhoto="0" userDrawn="0">
-            <p:ph sz="half" idx="2" hasCustomPrompt="0"/>
+          <p:cNvPr id="4" name="Inhaltsplatzhalter 3"/>
+          <p:cNvSpPr>
+            <a:spLocks noGrp="1"/>
+          </p:cNvSpPr>
+          <p:nvPr>
+            <p:ph sz="half" idx="2"/>
           </p:nvPr>
         </p:nvSpPr>
         <p:spPr bwMode="auto"/>
@@ -8913,12 +10152,12 @@
       </p:sp>
       <p:sp>
         <p:nvSpPr>
-          <p:cNvPr id="5" name="Datumsplatzhalter 4" hidden="0"/>
-          <p:cNvSpPr>
-            <a:spLocks noGrp="1"/>
-          </p:cNvSpPr>
-          <p:nvPr isPhoto="0" userDrawn="0">
-            <p:ph type="dt" sz="half" idx="14" hasCustomPrompt="0"/>
+          <p:cNvPr id="5" name="Datumsplatzhalter 4"/>
+          <p:cNvSpPr>
+            <a:spLocks noGrp="1"/>
+          </p:cNvSpPr>
+          <p:nvPr>
+            <p:ph type="dt" sz="half" idx="14"/>
           </p:nvPr>
         </p:nvSpPr>
         <p:spPr bwMode="auto"/>
@@ -8939,12 +10178,12 @@
       </p:sp>
       <p:sp>
         <p:nvSpPr>
-          <p:cNvPr id="6" name="Fußzeilenplatzhalter 5" hidden="0"/>
-          <p:cNvSpPr>
-            <a:spLocks noGrp="1"/>
-          </p:cNvSpPr>
-          <p:nvPr isPhoto="0" userDrawn="0">
-            <p:ph type="ftr" sz="quarter" idx="3" hasCustomPrompt="0"/>
+          <p:cNvPr id="6" name="Fußzeilenplatzhalter 5"/>
+          <p:cNvSpPr>
+            <a:spLocks noGrp="1"/>
+          </p:cNvSpPr>
+          <p:nvPr>
+            <p:ph type="ftr" sz="quarter" idx="3"/>
           </p:nvPr>
         </p:nvSpPr>
         <p:spPr bwMode="auto"/>
@@ -8959,18 +10198,17 @@
               <a:rPr lang="en-US"/>
               <a:t>Control Center – zwei komponenten Monitoring Tool</a:t>
             </a:r>
-            <a:endParaRPr lang="en-US"/>
-          </a:p>
-        </p:txBody>
-      </p:sp>
-      <p:sp>
-        <p:nvSpPr>
-          <p:cNvPr id="7" name="Foliennummernplatzhalter 6" hidden="0"/>
-          <p:cNvSpPr>
-            <a:spLocks noGrp="1"/>
-          </p:cNvSpPr>
-          <p:nvPr isPhoto="0" userDrawn="0">
-            <p:ph type="sldNum" sz="quarter" idx="4" hasCustomPrompt="0"/>
+          </a:p>
+        </p:txBody>
+      </p:sp>
+      <p:sp>
+        <p:nvSpPr>
+          <p:cNvPr id="7" name="Foliennummernplatzhalter 6"/>
+          <p:cNvSpPr>
+            <a:spLocks noGrp="1"/>
+          </p:cNvSpPr>
+          <p:nvPr>
+            <p:ph type="sldNum" sz="quarter" idx="4"/>
           </p:nvPr>
         </p:nvSpPr>
         <p:spPr bwMode="auto"/>
@@ -8983,7 +10221,7 @@
             </a:pPr>
             <a:fld id="{3A98EE3D-8CD1-4C3F-BD1C-C98C9596463C}" type="slidenum">
               <a:rPr lang="en-US"/>
-              <a:t/>
+              <a:t>3</a:t>
             </a:fld>
             <a:endParaRPr lang="en-US"/>
           </a:p>
@@ -8991,11 +10229,11 @@
       </p:sp>
       <p:pic>
         <p:nvPicPr>
-          <p:cNvPr id="10" name="Grafik 9" hidden="0"/>
+          <p:cNvPr id="10" name="Grafik 9"/>
           <p:cNvPicPr>
             <a:picLocks noChangeAspect="1"/>
           </p:cNvPicPr>
-          <p:nvPr isPhoto="0" userDrawn="0"/>
+          <p:nvPr/>
         </p:nvPicPr>
         <p:blipFill>
           <a:blip r:embed="rId3"/>
@@ -9016,25 +10254,17 @@
   <p:clrMapOvr>
     <a:masterClrMapping/>
   </p:clrMapOvr>
-  <mc:AlternateContent xmlns:mc="http://schemas.openxmlformats.org/markup-compatibility/2006">
-    <mc:Choice xmlns:p14="http://schemas.microsoft.com/office/powerpoint/2010/main" Requires="p14">
-      <p:transition p14:dur="2000" advClick="1"/>
-    </mc:Choice>
-    <mc:Fallback>
-      <p:transition advClick="1"/>
-    </mc:Fallback>
-  </mc:AlternateContent>
 </p:sld>
 </file>
 
 <file path=ppt/slides/slide4.xml><?xml version="1.0" encoding="utf-8"?>
-<p:sld xmlns:a="http://schemas.openxmlformats.org/drawingml/2006/main" xmlns:r="http://schemas.openxmlformats.org/officeDocument/2006/relationships" xmlns:p="http://schemas.openxmlformats.org/presentationml/2006/main" xmlns:m="http://schemas.openxmlformats.org/officeDocument/2006/math" xmlns:w="http://schemas.openxmlformats.org/wordprocessingml/2006/main" showMasterPhAnim="0" show="1">
-  <p:cSld name="">
+<p:sld xmlns:a="http://schemas.openxmlformats.org/drawingml/2006/main" xmlns:r="http://schemas.openxmlformats.org/officeDocument/2006/relationships" xmlns:p="http://schemas.openxmlformats.org/presentationml/2006/main" showMasterPhAnim="0">
+  <p:cSld>
     <p:spTree>
       <p:nvGrpSpPr>
-        <p:cNvPr id="1" name="" hidden="0"/>
+        <p:cNvPr id="1" name=""/>
         <p:cNvGrpSpPr/>
-        <p:nvPr isPhoto="0" userDrawn="0"/>
+        <p:nvPr/>
       </p:nvGrpSpPr>
       <p:grpSpPr bwMode="auto">
         <a:xfrm>
@@ -9046,12 +10276,12 @@
       </p:grpSpPr>
       <p:sp>
         <p:nvSpPr>
-          <p:cNvPr id="19" name="Title 18" hidden="0"/>
-          <p:cNvSpPr>
-            <a:spLocks noGrp="1"/>
-          </p:cNvSpPr>
-          <p:nvPr isPhoto="0" userDrawn="0">
-            <p:ph type="title" hasCustomPrompt="0"/>
+          <p:cNvPr id="19" name="Title 18"/>
+          <p:cNvSpPr>
+            <a:spLocks noGrp="1"/>
+          </p:cNvSpPr>
+          <p:nvPr>
+            <p:ph type="title"/>
           </p:nvPr>
         </p:nvSpPr>
         <p:spPr bwMode="auto"/>
@@ -9070,22 +10300,17 @@
               </a:rPr>
               <a:t>Inhalt</a:t>
             </a:r>
-            <a:endParaRPr lang="en-US">
-              <a:solidFill>
-                <a:schemeClr val="tx1"/>
-              </a:solidFill>
-            </a:endParaRPr>
-          </a:p>
-        </p:txBody>
-      </p:sp>
-      <p:sp>
-        <p:nvSpPr>
-          <p:cNvPr id="17" name="Content Placeholder 16" hidden="0"/>
-          <p:cNvSpPr>
-            <a:spLocks noGrp="1"/>
-          </p:cNvSpPr>
-          <p:nvPr isPhoto="0" userDrawn="0">
-            <p:ph sz="half" idx="2" hasCustomPrompt="0"/>
+          </a:p>
+        </p:txBody>
+      </p:sp>
+      <p:sp>
+        <p:nvSpPr>
+          <p:cNvPr id="17" name="Content Placeholder 16"/>
+          <p:cNvSpPr>
+            <a:spLocks noGrp="1"/>
+          </p:cNvSpPr>
+          <p:nvPr>
+            <p:ph sz="half" idx="2"/>
           </p:nvPr>
         </p:nvSpPr>
         <p:spPr bwMode="auto"/>
@@ -9109,11 +10334,6 @@
               </a:rPr>
               <a:t>Vorstellung</a:t>
             </a:r>
-            <a:endParaRPr lang="en-US" sz="1800">
-              <a:solidFill>
-                <a:srgbClr val="D0D1D9"/>
-              </a:solidFill>
-            </a:endParaRPr>
           </a:p>
           <a:p>
             <a:pPr>
@@ -9130,11 +10350,6 @@
               </a:rPr>
               <a:t>Thematik</a:t>
             </a:r>
-            <a:endParaRPr lang="en-US" sz="1800">
-              <a:solidFill>
-                <a:srgbClr val="22E298"/>
-              </a:solidFill>
-            </a:endParaRPr>
           </a:p>
           <a:p>
             <a:pPr>
@@ -9147,7 +10362,6 @@
               <a:rPr lang="en-US" sz="1800"/>
               <a:t>Analyse</a:t>
             </a:r>
-            <a:endParaRPr lang="en-US" sz="1800"/>
           </a:p>
           <a:p>
             <a:pPr>
@@ -9160,7 +10374,6 @@
               <a:rPr lang="en-US" sz="1800"/>
               <a:t>Entwurf</a:t>
             </a:r>
-            <a:endParaRPr lang="en-US" sz="1800"/>
           </a:p>
           <a:p>
             <a:pPr>
@@ -9173,7 +10386,6 @@
               <a:rPr lang="en-US" sz="1800"/>
               <a:t>Implementierung</a:t>
             </a:r>
-            <a:endParaRPr lang="en-US" sz="1800"/>
           </a:p>
           <a:p>
             <a:pPr>
@@ -9184,28 +10396,19 @@
             </a:pPr>
             <a:r>
               <a:rPr lang="en-US" sz="1800"/>
-              <a:t>Fazit</a:t>
-            </a:r>
-            <a:r>
-              <a:rPr lang="en-US" sz="1800"/>
-              <a:t> und </a:t>
-            </a:r>
-            <a:r>
-              <a:rPr lang="en-US" sz="1800"/>
-              <a:t>Ausblick</a:t>
-            </a:r>
-            <a:endParaRPr lang="en-US" sz="1800"/>
-          </a:p>
-        </p:txBody>
-      </p:sp>
-      <p:sp>
-        <p:nvSpPr>
-          <p:cNvPr id="2" name="Fußzeilenplatzhalter 1" hidden="0"/>
-          <p:cNvSpPr>
-            <a:spLocks noGrp="1"/>
-          </p:cNvSpPr>
-          <p:nvPr isPhoto="0" userDrawn="0">
-            <p:ph type="ftr" sz="quarter" idx="3" hasCustomPrompt="0"/>
+              <a:t>Fazit und Ausblick</a:t>
+            </a:r>
+          </a:p>
+        </p:txBody>
+      </p:sp>
+      <p:sp>
+        <p:nvSpPr>
+          <p:cNvPr id="2" name="Fußzeilenplatzhalter 1"/>
+          <p:cNvSpPr>
+            <a:spLocks noGrp="1"/>
+          </p:cNvSpPr>
+          <p:nvPr>
+            <p:ph type="ftr" sz="quarter" idx="3"/>
           </p:nvPr>
         </p:nvSpPr>
         <p:spPr bwMode="auto"/>
@@ -9220,7 +10423,6 @@
               <a:rPr lang="en-US"/>
               <a:t>Control Center – zwei komponenten Monitoring Tool</a:t>
             </a:r>
-            <a:endParaRPr lang="en-US"/>
           </a:p>
         </p:txBody>
       </p:sp>
@@ -9229,25 +10431,17 @@
   <p:clrMapOvr>
     <a:masterClrMapping/>
   </p:clrMapOvr>
-  <mc:AlternateContent xmlns:mc="http://schemas.openxmlformats.org/markup-compatibility/2006">
-    <mc:Choice xmlns:p14="http://schemas.microsoft.com/office/powerpoint/2010/main" Requires="p14">
-      <p:transition p14:dur="2000" advClick="1"/>
-    </mc:Choice>
-    <mc:Fallback>
-      <p:transition advClick="1"/>
-    </mc:Fallback>
-  </mc:AlternateContent>
 </p:sld>
 </file>
 
 <file path=ppt/slides/slide5.xml><?xml version="1.0" encoding="utf-8"?>
-<p:sld xmlns:a="http://schemas.openxmlformats.org/drawingml/2006/main" xmlns:r="http://schemas.openxmlformats.org/officeDocument/2006/relationships" xmlns:p="http://schemas.openxmlformats.org/presentationml/2006/main" xmlns:m="http://schemas.openxmlformats.org/officeDocument/2006/math" xmlns:w="http://schemas.openxmlformats.org/wordprocessingml/2006/main" showMasterPhAnim="0" show="1">
-  <p:cSld name="">
+<p:sld xmlns:a="http://schemas.openxmlformats.org/drawingml/2006/main" xmlns:r="http://schemas.openxmlformats.org/officeDocument/2006/relationships" xmlns:p="http://schemas.openxmlformats.org/presentationml/2006/main" showMasterPhAnim="0">
+  <p:cSld>
     <p:spTree>
       <p:nvGrpSpPr>
-        <p:cNvPr id="1" name="" hidden="0"/>
+        <p:cNvPr id="1" name=""/>
         <p:cNvGrpSpPr/>
-        <p:nvPr isPhoto="0" userDrawn="0"/>
+        <p:nvPr/>
       </p:nvGrpSpPr>
       <p:grpSpPr bwMode="auto">
         <a:xfrm>
@@ -9259,12 +10453,12 @@
       </p:grpSpPr>
       <p:sp>
         <p:nvSpPr>
-          <p:cNvPr id="403032716" name="Fußzeilenplatzhalter 2" hidden="0"/>
-          <p:cNvSpPr>
-            <a:spLocks noGrp="1"/>
-          </p:cNvSpPr>
-          <p:nvPr isPhoto="0" userDrawn="0">
-            <p:ph type="ftr" sz="quarter" idx="3" hasCustomPrompt="0"/>
+          <p:cNvPr id="403032716" name="Fußzeilenplatzhalter 2"/>
+          <p:cNvSpPr>
+            <a:spLocks noGrp="1"/>
+          </p:cNvSpPr>
+          <p:nvPr>
+            <p:ph type="ftr" sz="quarter" idx="3"/>
           </p:nvPr>
         </p:nvSpPr>
         <p:spPr bwMode="auto"/>
@@ -9279,18 +10473,17 @@
               <a:rPr lang="en-US"/>
               <a:t>Control Center – zwei komponenten Monitoring Tool</a:t>
             </a:r>
-            <a:endParaRPr lang="en-US"/>
-          </a:p>
-        </p:txBody>
-      </p:sp>
-      <p:sp>
-        <p:nvSpPr>
-          <p:cNvPr id="728445948" name="Foliennummernplatzhalter 3" hidden="0"/>
-          <p:cNvSpPr>
-            <a:spLocks noGrp="1"/>
-          </p:cNvSpPr>
-          <p:nvPr isPhoto="0" userDrawn="0">
-            <p:ph type="sldNum" sz="quarter" idx="4" hasCustomPrompt="0"/>
+          </a:p>
+        </p:txBody>
+      </p:sp>
+      <p:sp>
+        <p:nvSpPr>
+          <p:cNvPr id="728445948" name="Foliennummernplatzhalter 3"/>
+          <p:cNvSpPr>
+            <a:spLocks noGrp="1"/>
+          </p:cNvSpPr>
+          <p:nvPr>
+            <p:ph type="sldNum" sz="quarter" idx="4"/>
           </p:nvPr>
         </p:nvSpPr>
         <p:spPr bwMode="auto"/>
@@ -9303,7 +10496,7 @@
             </a:pPr>
             <a:fld id="{B2B4E8D7-C268-AC94-A460-735CDF9A87A9}" type="slidenum">
               <a:rPr lang="en-US"/>
-              <a:t/>
+              <a:t>5</a:t>
             </a:fld>
             <a:endParaRPr lang="en-US"/>
           </a:p>
@@ -9311,12 +10504,12 @@
       </p:sp>
       <p:sp>
         <p:nvSpPr>
-          <p:cNvPr id="102687658" name="Datumsplatzhalter 4" hidden="0"/>
-          <p:cNvSpPr>
-            <a:spLocks noGrp="1"/>
-          </p:cNvSpPr>
-          <p:nvPr isPhoto="0" userDrawn="0">
-            <p:ph type="dt" sz="half" idx="10" hasCustomPrompt="0"/>
+          <p:cNvPr id="102687658" name="Datumsplatzhalter 4"/>
+          <p:cNvSpPr>
+            <a:spLocks noGrp="1"/>
+          </p:cNvSpPr>
+          <p:nvPr>
+            <p:ph type="dt" sz="half" idx="10"/>
           </p:nvPr>
         </p:nvSpPr>
         <p:spPr bwMode="auto"/>
@@ -9337,11 +10530,11 @@
       </p:sp>
       <p:pic>
         <p:nvPicPr>
-          <p:cNvPr id="1076115293" name="" hidden="0"/>
+          <p:cNvPr id="1076115293" name="Grafik 1076115292"/>
           <p:cNvPicPr>
             <a:picLocks noChangeAspect="1"/>
           </p:cNvPicPr>
-          <p:nvPr isPhoto="0" userDrawn="0"/>
+          <p:nvPr/>
         </p:nvPicPr>
         <p:blipFill>
           <a:blip r:embed="rId2"/>
@@ -9362,32 +10555,25 @@
   <p:clrMapOvr>
     <a:masterClrMapping/>
   </p:clrMapOvr>
-  <mc:AlternateContent xmlns:mc="http://schemas.openxmlformats.org/markup-compatibility/2006">
-    <mc:Choice xmlns:p14="http://schemas.microsoft.com/office/powerpoint/2010/main" Requires="p14">
-      <p:transition p14:dur="2000" advClick="1"/>
-    </mc:Choice>
-    <mc:Fallback>
-      <p:transition advClick="1"/>
-    </mc:Fallback>
-  </mc:AlternateContent>
 </p:sld>
 </file>
 
 <file path=ppt/slides/slide6.xml><?xml version="1.0" encoding="utf-8"?>
-<p:sld xmlns:a="http://schemas.openxmlformats.org/drawingml/2006/main" xmlns:r="http://schemas.openxmlformats.org/officeDocument/2006/relationships" xmlns:p="http://schemas.openxmlformats.org/presentationml/2006/main" xmlns:m="http://schemas.openxmlformats.org/officeDocument/2006/math" xmlns:w="http://schemas.openxmlformats.org/wordprocessingml/2006/main" showMasterPhAnim="0" show="1">
-  <p:cSld name="">
+<p:sld xmlns:a="http://schemas.openxmlformats.org/drawingml/2006/main" xmlns:r="http://schemas.openxmlformats.org/officeDocument/2006/relationships" xmlns:p="http://schemas.openxmlformats.org/presentationml/2006/main" showMasterPhAnim="0">
+  <p:cSld>
     <p:bg>
-      <p:bgPr shadeToTitle="0">
+      <p:bgPr>
         <a:solidFill>
           <a:srgbClr val="22E298"/>
         </a:solidFill>
+        <a:effectLst/>
       </p:bgPr>
     </p:bg>
     <p:spTree>
       <p:nvGrpSpPr>
-        <p:cNvPr id="1" name="" hidden="0"/>
+        <p:cNvPr id="1" name=""/>
         <p:cNvGrpSpPr/>
-        <p:nvPr isPhoto="0" userDrawn="0"/>
+        <p:nvPr/>
       </p:nvGrpSpPr>
       <p:grpSpPr bwMode="auto">
         <a:xfrm>
@@ -9399,12 +10585,12 @@
       </p:grpSpPr>
       <p:sp>
         <p:nvSpPr>
-          <p:cNvPr id="4" name="Datumsplatzhalter 3" hidden="0"/>
-          <p:cNvSpPr>
-            <a:spLocks noGrp="1"/>
-          </p:cNvSpPr>
-          <p:nvPr isPhoto="0" userDrawn="0">
-            <p:ph type="dt" sz="half" idx="2" hasCustomPrompt="0"/>
+          <p:cNvPr id="4" name="Datumsplatzhalter 3"/>
+          <p:cNvSpPr>
+            <a:spLocks noGrp="1"/>
+          </p:cNvSpPr>
+          <p:nvPr>
+            <p:ph type="dt" sz="half" idx="2"/>
           </p:nvPr>
         </p:nvSpPr>
         <p:spPr bwMode="auto"/>
@@ -9425,12 +10611,12 @@
       </p:sp>
       <p:sp>
         <p:nvSpPr>
-          <p:cNvPr id="5" name="Fußzeilenplatzhalter 4" hidden="0"/>
-          <p:cNvSpPr>
-            <a:spLocks noGrp="1"/>
-          </p:cNvSpPr>
-          <p:nvPr isPhoto="0" userDrawn="0">
-            <p:ph type="ftr" sz="quarter" idx="3" hasCustomPrompt="0"/>
+          <p:cNvPr id="5" name="Fußzeilenplatzhalter 4"/>
+          <p:cNvSpPr>
+            <a:spLocks noGrp="1"/>
+          </p:cNvSpPr>
+          <p:nvPr>
+            <p:ph type="ftr" sz="quarter" idx="3"/>
           </p:nvPr>
         </p:nvSpPr>
         <p:spPr bwMode="auto"/>
@@ -9445,18 +10631,17 @@
               <a:rPr lang="en-US"/>
               <a:t>Control Center – zwei komponenten Monitoring Tool</a:t>
             </a:r>
-            <a:endParaRPr lang="en-US"/>
-          </a:p>
-        </p:txBody>
-      </p:sp>
-      <p:sp>
-        <p:nvSpPr>
-          <p:cNvPr id="6" name="Foliennummernplatzhalter 5" hidden="0"/>
-          <p:cNvSpPr>
-            <a:spLocks noGrp="1"/>
-          </p:cNvSpPr>
-          <p:nvPr isPhoto="0" userDrawn="0">
-            <p:ph type="sldNum" sz="quarter" idx="4" hasCustomPrompt="0"/>
+          </a:p>
+        </p:txBody>
+      </p:sp>
+      <p:sp>
+        <p:nvSpPr>
+          <p:cNvPr id="6" name="Foliennummernplatzhalter 5"/>
+          <p:cNvSpPr>
+            <a:spLocks noGrp="1"/>
+          </p:cNvSpPr>
+          <p:nvPr>
+            <p:ph type="sldNum" sz="quarter" idx="4"/>
           </p:nvPr>
         </p:nvSpPr>
         <p:spPr bwMode="auto"/>
@@ -9469,7 +10654,7 @@
             </a:pPr>
             <a:fld id="{3A98EE3D-8CD1-4C3F-BD1C-C98C9596463C}" type="slidenum">
               <a:rPr lang="en-US"/>
-              <a:t/>
+              <a:t>6</a:t>
             </a:fld>
             <a:endParaRPr lang="en-US"/>
           </a:p>
@@ -9477,9 +10662,9 @@
       </p:sp>
       <p:sp>
         <p:nvSpPr>
-          <p:cNvPr id="15" name="Text Placeholder 22" hidden="0"/>
+          <p:cNvPr id="15" name="Text Placeholder 22"/>
           <p:cNvSpPr txBox="1"/>
-          <p:nvPr isPhoto="0" userDrawn="0"/>
+          <p:nvPr/>
         </p:nvSpPr>
         <p:spPr bwMode="auto">
           <a:xfrm>
@@ -9746,11 +10931,11 @@
       </p:sp>
       <p:pic>
         <p:nvPicPr>
-          <p:cNvPr id="17" name="Grafik 16" hidden="0"/>
+          <p:cNvPr id="17" name="Grafik 16"/>
           <p:cNvPicPr>
             <a:picLocks noChangeAspect="1"/>
           </p:cNvPicPr>
-          <p:nvPr isPhoto="0" userDrawn="0"/>
+          <p:nvPr/>
         </p:nvPicPr>
         <p:blipFill>
           <a:blip r:embed="rId3"/>
@@ -9771,25 +10956,17 @@
   <p:clrMapOvr>
     <a:masterClrMapping/>
   </p:clrMapOvr>
-  <mc:AlternateContent xmlns:mc="http://schemas.openxmlformats.org/markup-compatibility/2006">
-    <mc:Choice xmlns:p14="http://schemas.microsoft.com/office/powerpoint/2010/main" Requires="p14">
-      <p:transition p14:dur="2000" advClick="1"/>
-    </mc:Choice>
-    <mc:Fallback>
-      <p:transition advClick="1"/>
-    </mc:Fallback>
-  </mc:AlternateContent>
 </p:sld>
 </file>
 
 <file path=ppt/slides/slide7.xml><?xml version="1.0" encoding="utf-8"?>
-<p:sld xmlns:a="http://schemas.openxmlformats.org/drawingml/2006/main" xmlns:r="http://schemas.openxmlformats.org/officeDocument/2006/relationships" xmlns:p="http://schemas.openxmlformats.org/presentationml/2006/main" xmlns:m="http://schemas.openxmlformats.org/officeDocument/2006/math" xmlns:w="http://schemas.openxmlformats.org/wordprocessingml/2006/main" showMasterPhAnim="0" show="1">
-  <p:cSld name="">
+<p:sld xmlns:a="http://schemas.openxmlformats.org/drawingml/2006/main" xmlns:r="http://schemas.openxmlformats.org/officeDocument/2006/relationships" xmlns:p="http://schemas.openxmlformats.org/presentationml/2006/main" showMasterPhAnim="0">
+  <p:cSld>
     <p:spTree>
       <p:nvGrpSpPr>
-        <p:cNvPr id="1" name="" hidden="0"/>
+        <p:cNvPr id="1" name=""/>
         <p:cNvGrpSpPr/>
-        <p:nvPr isPhoto="0" userDrawn="0"/>
+        <p:nvPr/>
       </p:nvGrpSpPr>
       <p:grpSpPr bwMode="auto">
         <a:xfrm>
@@ -9801,12 +10978,12 @@
       </p:grpSpPr>
       <p:sp>
         <p:nvSpPr>
-          <p:cNvPr id="19" name="Title 18" hidden="0"/>
-          <p:cNvSpPr>
-            <a:spLocks noGrp="1"/>
-          </p:cNvSpPr>
-          <p:nvPr isPhoto="0" userDrawn="0">
-            <p:ph type="title" hasCustomPrompt="0"/>
+          <p:cNvPr id="19" name="Title 18"/>
+          <p:cNvSpPr>
+            <a:spLocks noGrp="1"/>
+          </p:cNvSpPr>
+          <p:nvPr>
+            <p:ph type="title"/>
           </p:nvPr>
         </p:nvSpPr>
         <p:spPr bwMode="auto"/>
@@ -9825,22 +11002,17 @@
               </a:rPr>
               <a:t>Inhalt</a:t>
             </a:r>
-            <a:endParaRPr lang="en-US">
-              <a:solidFill>
-                <a:schemeClr val="tx1"/>
-              </a:solidFill>
-            </a:endParaRPr>
-          </a:p>
-        </p:txBody>
-      </p:sp>
-      <p:sp>
-        <p:nvSpPr>
-          <p:cNvPr id="17" name="Content Placeholder 16" hidden="0"/>
-          <p:cNvSpPr>
-            <a:spLocks noGrp="1"/>
-          </p:cNvSpPr>
-          <p:nvPr isPhoto="0" userDrawn="0">
-            <p:ph sz="half" idx="2" hasCustomPrompt="0"/>
+          </a:p>
+        </p:txBody>
+      </p:sp>
+      <p:sp>
+        <p:nvSpPr>
+          <p:cNvPr id="17" name="Content Placeholder 16"/>
+          <p:cNvSpPr>
+            <a:spLocks noGrp="1"/>
+          </p:cNvSpPr>
+          <p:nvPr>
+            <p:ph sz="half" idx="2"/>
           </p:nvPr>
         </p:nvSpPr>
         <p:spPr bwMode="auto"/>
@@ -9864,11 +11036,6 @@
               </a:rPr>
               <a:t>Vorstellung</a:t>
             </a:r>
-            <a:endParaRPr lang="en-US" sz="1800">
-              <a:solidFill>
-                <a:srgbClr val="D0D1D9"/>
-              </a:solidFill>
-            </a:endParaRPr>
           </a:p>
           <a:p>
             <a:pPr>
@@ -9885,11 +11052,6 @@
               </a:rPr>
               <a:t>Thematik</a:t>
             </a:r>
-            <a:endParaRPr lang="en-US" sz="1800">
-              <a:solidFill>
-                <a:srgbClr val="D0D1D9"/>
-              </a:solidFill>
-            </a:endParaRPr>
           </a:p>
           <a:p>
             <a:pPr>
@@ -9906,11 +11068,6 @@
               </a:rPr>
               <a:t>Analyse</a:t>
             </a:r>
-            <a:endParaRPr lang="en-US" sz="1800">
-              <a:solidFill>
-                <a:srgbClr val="22E298"/>
-              </a:solidFill>
-            </a:endParaRPr>
           </a:p>
           <a:p>
             <a:pPr>
@@ -9923,7 +11080,6 @@
               <a:rPr lang="en-US" sz="1800"/>
               <a:t>Entwurf</a:t>
             </a:r>
-            <a:endParaRPr lang="en-US" sz="1800"/>
           </a:p>
           <a:p>
             <a:pPr>
@@ -9936,7 +11092,6 @@
               <a:rPr lang="en-US" sz="1800"/>
               <a:t>Implementierung</a:t>
             </a:r>
-            <a:endParaRPr lang="en-US" sz="1800"/>
           </a:p>
           <a:p>
             <a:pPr>
@@ -9947,28 +11102,19 @@
             </a:pPr>
             <a:r>
               <a:rPr lang="en-US" sz="1800"/>
-              <a:t>Fazit</a:t>
-            </a:r>
-            <a:r>
-              <a:rPr lang="en-US" sz="1800"/>
-              <a:t> und </a:t>
-            </a:r>
-            <a:r>
-              <a:rPr lang="en-US" sz="1800"/>
-              <a:t>Ausblick</a:t>
-            </a:r>
-            <a:endParaRPr lang="en-US" sz="1800"/>
-          </a:p>
-        </p:txBody>
-      </p:sp>
-      <p:sp>
-        <p:nvSpPr>
-          <p:cNvPr id="2" name="Fußzeilenplatzhalter 1" hidden="0"/>
-          <p:cNvSpPr>
-            <a:spLocks noGrp="1"/>
-          </p:cNvSpPr>
-          <p:nvPr isPhoto="0" userDrawn="0">
-            <p:ph type="ftr" sz="quarter" idx="3" hasCustomPrompt="0"/>
+              <a:t>Fazit und Ausblick</a:t>
+            </a:r>
+          </a:p>
+        </p:txBody>
+      </p:sp>
+      <p:sp>
+        <p:nvSpPr>
+          <p:cNvPr id="2" name="Fußzeilenplatzhalter 1"/>
+          <p:cNvSpPr>
+            <a:spLocks noGrp="1"/>
+          </p:cNvSpPr>
+          <p:nvPr>
+            <p:ph type="ftr" sz="quarter" idx="3"/>
           </p:nvPr>
         </p:nvSpPr>
         <p:spPr bwMode="auto"/>
@@ -9983,7 +11129,6 @@
               <a:rPr lang="en-US"/>
               <a:t>Control Center – zwei komponenten Monitoring Tool</a:t>
             </a:r>
-            <a:endParaRPr lang="en-US"/>
           </a:p>
         </p:txBody>
       </p:sp>
@@ -9992,25 +11137,17 @@
   <p:clrMapOvr>
     <a:masterClrMapping/>
   </p:clrMapOvr>
-  <mc:AlternateContent xmlns:mc="http://schemas.openxmlformats.org/markup-compatibility/2006">
-    <mc:Choice xmlns:p14="http://schemas.microsoft.com/office/powerpoint/2010/main" Requires="p14">
-      <p:transition p14:dur="2000" advClick="1"/>
-    </mc:Choice>
-    <mc:Fallback>
-      <p:transition advClick="1"/>
-    </mc:Fallback>
-  </mc:AlternateContent>
 </p:sld>
 </file>
 
 <file path=ppt/slides/slide8.xml><?xml version="1.0" encoding="utf-8"?>
-<p:sld xmlns:a="http://schemas.openxmlformats.org/drawingml/2006/main" xmlns:r="http://schemas.openxmlformats.org/officeDocument/2006/relationships" xmlns:p="http://schemas.openxmlformats.org/presentationml/2006/main" xmlns:m="http://schemas.openxmlformats.org/officeDocument/2006/math" xmlns:w="http://schemas.openxmlformats.org/wordprocessingml/2006/main" showMasterPhAnim="0" show="1">
-  <p:cSld name="">
+<p:sld xmlns:a="http://schemas.openxmlformats.org/drawingml/2006/main" xmlns:r="http://schemas.openxmlformats.org/officeDocument/2006/relationships" xmlns:p="http://schemas.openxmlformats.org/presentationml/2006/main" showMasterPhAnim="0">
+  <p:cSld>
     <p:spTree>
       <p:nvGrpSpPr>
-        <p:cNvPr id="1" name="" hidden="0"/>
+        <p:cNvPr id="1" name=""/>
         <p:cNvGrpSpPr/>
-        <p:nvPr isPhoto="0" userDrawn="0"/>
+        <p:nvPr/>
       </p:nvGrpSpPr>
       <p:grpSpPr bwMode="auto">
         <a:xfrm>
@@ -10022,12 +11159,12 @@
       </p:grpSpPr>
       <p:sp>
         <p:nvSpPr>
-          <p:cNvPr id="9" name="Title 8" hidden="0"/>
-          <p:cNvSpPr>
-            <a:spLocks noGrp="1"/>
-          </p:cNvSpPr>
-          <p:nvPr isPhoto="0" userDrawn="0">
-            <p:ph type="title" hasCustomPrompt="0"/>
+          <p:cNvPr id="9" name="Title 8"/>
+          <p:cNvSpPr>
+            <a:spLocks noGrp="1"/>
+          </p:cNvSpPr>
+          <p:nvPr>
+            <p:ph type="title"/>
           </p:nvPr>
         </p:nvSpPr>
         <p:spPr bwMode="auto">
@@ -10047,18 +11184,17 @@
               <a:rPr lang="en-US"/>
               <a:t>Ist-zustand</a:t>
             </a:r>
-            <a:endParaRPr lang="en-US"/>
-          </a:p>
-        </p:txBody>
-      </p:sp>
-      <p:sp>
-        <p:nvSpPr>
-          <p:cNvPr id="19" name="Text Placeholder 18" hidden="0"/>
-          <p:cNvSpPr>
-            <a:spLocks noGrp="1"/>
-          </p:cNvSpPr>
-          <p:nvPr isPhoto="0" userDrawn="0">
-            <p:ph type="body" sz="half" idx="2" hasCustomPrompt="0"/>
+          </a:p>
+        </p:txBody>
+      </p:sp>
+      <p:sp>
+        <p:nvSpPr>
+          <p:cNvPr id="19" name="Text Placeholder 18"/>
+          <p:cNvSpPr>
+            <a:spLocks noGrp="1"/>
+          </p:cNvSpPr>
+          <p:nvPr>
+            <p:ph type="body" sz="half" idx="2"/>
           </p:nvPr>
         </p:nvSpPr>
         <p:spPr bwMode="auto">
@@ -10080,18 +11216,17 @@
               <a:rPr lang="en-US" sz="1800"/>
               <a:t>Kompliziert</a:t>
             </a:r>
-            <a:endParaRPr lang="en-US" sz="1800"/>
-          </a:p>
-        </p:txBody>
-      </p:sp>
-      <p:sp>
-        <p:nvSpPr>
-          <p:cNvPr id="23" name="Text Placeholder 22" hidden="0"/>
-          <p:cNvSpPr>
-            <a:spLocks noGrp="1"/>
-          </p:cNvSpPr>
-          <p:nvPr isPhoto="0" userDrawn="0">
-            <p:ph type="body" sz="half" idx="16" hasCustomPrompt="0"/>
+          </a:p>
+        </p:txBody>
+      </p:sp>
+      <p:sp>
+        <p:nvSpPr>
+          <p:cNvPr id="23" name="Text Placeholder 22"/>
+          <p:cNvSpPr>
+            <a:spLocks noGrp="1"/>
+          </p:cNvSpPr>
+          <p:nvPr>
+            <p:ph type="body" sz="half" idx="16"/>
           </p:nvPr>
         </p:nvSpPr>
         <p:spPr bwMode="auto">
@@ -10113,18 +11248,17 @@
               <a:rPr lang="en-US" sz="1800"/>
               <a:t>Unvollständig</a:t>
             </a:r>
-            <a:endParaRPr lang="en-US" sz="1800"/>
-          </a:p>
-        </p:txBody>
-      </p:sp>
-      <p:sp>
-        <p:nvSpPr>
-          <p:cNvPr id="24" name="Text Placeholder 23" hidden="0"/>
-          <p:cNvSpPr>
-            <a:spLocks noGrp="1"/>
-          </p:cNvSpPr>
-          <p:nvPr isPhoto="0" userDrawn="0">
-            <p:ph type="body" sz="half" idx="17" hasCustomPrompt="0"/>
+          </a:p>
+        </p:txBody>
+      </p:sp>
+      <p:sp>
+        <p:nvSpPr>
+          <p:cNvPr id="24" name="Text Placeholder 23"/>
+          <p:cNvSpPr>
+            <a:spLocks noGrp="1"/>
+          </p:cNvSpPr>
+          <p:nvPr>
+            <p:ph type="body" sz="half" idx="17"/>
           </p:nvPr>
         </p:nvSpPr>
         <p:spPr bwMode="auto">
@@ -10135,7 +11269,7 @@
         </p:spPr>
         <p:txBody>
           <a:bodyPr>
-            <a:normAutofit/>
+            <a:normAutofit fontScale="92500" lnSpcReduction="10000"/>
           </a:bodyPr>
           <a:lstStyle/>
           <a:p>
@@ -10143,25 +11277,25 @@
               <a:defRPr/>
             </a:pPr>
             <a:r>
-              <a:rPr lang="en-US" sz="1800"/>
+              <a:rPr lang="en-US" sz="1800" dirty="0"/>
               <a:t>DSGVO </a:t>
             </a:r>
             <a:r>
-              <a:rPr lang="en-US" sz="1800"/>
-              <a:t>Konform</a:t>
-            </a:r>
-            <a:endParaRPr lang="en-US" sz="1800"/>
-          </a:p>
-        </p:txBody>
-      </p:sp>
-      <p:sp>
-        <p:nvSpPr>
-          <p:cNvPr id="2" name="Fußzeilenplatzhalter 1" hidden="0"/>
-          <p:cNvSpPr>
-            <a:spLocks noGrp="1"/>
-          </p:cNvSpPr>
-          <p:nvPr isPhoto="0" userDrawn="0">
-            <p:ph type="ftr" sz="quarter" idx="3" hasCustomPrompt="0"/>
+              <a:rPr lang="en-US" sz="1800" dirty="0" err="1"/>
+              <a:t>nonkonform</a:t>
+            </a:r>
+            <a:endParaRPr lang="en-US" sz="1800" dirty="0"/>
+          </a:p>
+        </p:txBody>
+      </p:sp>
+      <p:sp>
+        <p:nvSpPr>
+          <p:cNvPr id="2" name="Fußzeilenplatzhalter 1"/>
+          <p:cNvSpPr>
+            <a:spLocks noGrp="1"/>
+          </p:cNvSpPr>
+          <p:nvPr>
+            <p:ph type="ftr" sz="quarter" idx="3"/>
           </p:nvPr>
         </p:nvSpPr>
         <p:spPr bwMode="auto"/>
@@ -10176,18 +11310,17 @@
               <a:rPr lang="en-US"/>
               <a:t>Control Center – zwei komponenten Monitoring Tool</a:t>
             </a:r>
-            <a:endParaRPr lang="en-US"/>
-          </a:p>
-        </p:txBody>
-      </p:sp>
-      <p:sp>
-        <p:nvSpPr>
-          <p:cNvPr id="4" name="Foliennummernplatzhalter 3" hidden="0"/>
-          <p:cNvSpPr>
-            <a:spLocks noGrp="1"/>
-          </p:cNvSpPr>
-          <p:nvPr isPhoto="0" userDrawn="0">
-            <p:ph type="sldNum" sz="quarter" idx="4" hasCustomPrompt="0"/>
+          </a:p>
+        </p:txBody>
+      </p:sp>
+      <p:sp>
+        <p:nvSpPr>
+          <p:cNvPr id="4" name="Foliennummernplatzhalter 3"/>
+          <p:cNvSpPr>
+            <a:spLocks noGrp="1"/>
+          </p:cNvSpPr>
+          <p:nvPr>
+            <p:ph type="sldNum" sz="quarter" idx="4"/>
           </p:nvPr>
         </p:nvSpPr>
         <p:spPr bwMode="auto"/>
@@ -10200,7 +11333,7 @@
             </a:pPr>
             <a:fld id="{3A98EE3D-8CD1-4C3F-BD1C-C98C9596463C}" type="slidenum">
               <a:rPr lang="en-US"/>
-              <a:t/>
+              <a:t>8</a:t>
             </a:fld>
             <a:endParaRPr lang="en-US"/>
           </a:p>
@@ -10208,12 +11341,12 @@
       </p:sp>
       <p:sp>
         <p:nvSpPr>
-          <p:cNvPr id="6" name="Datumsplatzhalter 5" hidden="0"/>
-          <p:cNvSpPr>
-            <a:spLocks noGrp="1"/>
-          </p:cNvSpPr>
-          <p:nvPr isPhoto="0" userDrawn="0">
-            <p:ph type="dt" sz="half" idx="18" hasCustomPrompt="0"/>
+          <p:cNvPr id="6" name="Datumsplatzhalter 5"/>
+          <p:cNvSpPr>
+            <a:spLocks noGrp="1"/>
+          </p:cNvSpPr>
+          <p:nvPr>
+            <p:ph type="dt" sz="half" idx="18"/>
           </p:nvPr>
         </p:nvSpPr>
         <p:spPr bwMode="auto"/>
@@ -10234,11 +11367,11 @@
       </p:sp>
       <p:pic>
         <p:nvPicPr>
-          <p:cNvPr id="25" name="Grafik 24" hidden="0"/>
+          <p:cNvPr id="25" name="Grafik 24"/>
           <p:cNvPicPr>
             <a:picLocks noChangeAspect="1"/>
           </p:cNvPicPr>
-          <p:nvPr isPhoto="0" userDrawn="0"/>
+          <p:nvPr/>
         </p:nvPicPr>
         <p:blipFill>
           <a:blip r:embed="rId3"/>
@@ -10256,11 +11389,11 @@
       </p:pic>
       <p:pic>
         <p:nvPicPr>
-          <p:cNvPr id="27" name="Grafik 26" hidden="0"/>
+          <p:cNvPr id="27" name="Grafik 26"/>
           <p:cNvPicPr>
             <a:picLocks noChangeAspect="1"/>
           </p:cNvPicPr>
-          <p:nvPr isPhoto="0" userDrawn="0"/>
+          <p:nvPr/>
         </p:nvPicPr>
         <p:blipFill>
           <a:blip r:embed="rId4"/>
@@ -10278,11 +11411,11 @@
       </p:pic>
       <p:pic>
         <p:nvPicPr>
-          <p:cNvPr id="29" name="Grafik 28" hidden="0"/>
+          <p:cNvPr id="29" name="Grafik 28"/>
           <p:cNvPicPr>
             <a:picLocks noChangeAspect="1"/>
           </p:cNvPicPr>
-          <p:nvPr isPhoto="0" userDrawn="0"/>
+          <p:nvPr/>
         </p:nvPicPr>
         <p:blipFill>
           <a:blip r:embed="rId5"/>
@@ -10303,32 +11436,25 @@
   <p:clrMapOvr>
     <a:masterClrMapping/>
   </p:clrMapOvr>
-  <mc:AlternateContent xmlns:mc="http://schemas.openxmlformats.org/markup-compatibility/2006">
-    <mc:Choice xmlns:p14="http://schemas.microsoft.com/office/powerpoint/2010/main" Requires="p14">
-      <p:transition p14:dur="2000" advClick="1"/>
-    </mc:Choice>
-    <mc:Fallback>
-      <p:transition advClick="1"/>
-    </mc:Fallback>
-  </mc:AlternateContent>
 </p:sld>
 </file>
 
 <file path=ppt/slides/slide9.xml><?xml version="1.0" encoding="utf-8"?>
-<p:sld xmlns:a="http://schemas.openxmlformats.org/drawingml/2006/main" xmlns:r="http://schemas.openxmlformats.org/officeDocument/2006/relationships" xmlns:p="http://schemas.openxmlformats.org/presentationml/2006/main" xmlns:m="http://schemas.openxmlformats.org/officeDocument/2006/math" xmlns:w="http://schemas.openxmlformats.org/wordprocessingml/2006/main" showMasterPhAnim="0" show="1">
-  <p:cSld name="">
+<p:sld xmlns:a="http://schemas.openxmlformats.org/drawingml/2006/main" xmlns:r="http://schemas.openxmlformats.org/officeDocument/2006/relationships" xmlns:p="http://schemas.openxmlformats.org/presentationml/2006/main" showMasterPhAnim="0">
+  <p:cSld>
     <p:bg>
-      <p:bgPr shadeToTitle="0">
+      <p:bgPr>
         <a:solidFill>
           <a:srgbClr val="22E298"/>
         </a:solidFill>
+        <a:effectLst/>
       </p:bgPr>
     </p:bg>
     <p:spTree>
       <p:nvGrpSpPr>
-        <p:cNvPr id="1" name="" hidden="0"/>
+        <p:cNvPr id="1" name=""/>
         <p:cNvGrpSpPr/>
-        <p:nvPr isPhoto="0" userDrawn="0"/>
+        <p:nvPr/>
       </p:nvGrpSpPr>
       <p:grpSpPr bwMode="auto">
         <a:xfrm>
@@ -10340,12 +11466,12 @@
       </p:grpSpPr>
       <p:sp>
         <p:nvSpPr>
-          <p:cNvPr id="4" name="Datumsplatzhalter 3" hidden="0"/>
-          <p:cNvSpPr>
-            <a:spLocks noGrp="1"/>
-          </p:cNvSpPr>
-          <p:nvPr isPhoto="0" userDrawn="0">
-            <p:ph type="dt" sz="half" idx="2" hasCustomPrompt="0"/>
+          <p:cNvPr id="4" name="Datumsplatzhalter 3"/>
+          <p:cNvSpPr>
+            <a:spLocks noGrp="1"/>
+          </p:cNvSpPr>
+          <p:nvPr>
+            <p:ph type="dt" sz="half" idx="2"/>
           </p:nvPr>
         </p:nvSpPr>
         <p:spPr bwMode="auto"/>
@@ -10366,12 +11492,12 @@
       </p:sp>
       <p:sp>
         <p:nvSpPr>
-          <p:cNvPr id="5" name="Fußzeilenplatzhalter 4" hidden="0"/>
-          <p:cNvSpPr>
-            <a:spLocks noGrp="1"/>
-          </p:cNvSpPr>
-          <p:nvPr isPhoto="0" userDrawn="0">
-            <p:ph type="ftr" sz="quarter" idx="3" hasCustomPrompt="0"/>
+          <p:cNvPr id="5" name="Fußzeilenplatzhalter 4"/>
+          <p:cNvSpPr>
+            <a:spLocks noGrp="1"/>
+          </p:cNvSpPr>
+          <p:nvPr>
+            <p:ph type="ftr" sz="quarter" idx="3"/>
           </p:nvPr>
         </p:nvSpPr>
         <p:spPr bwMode="auto"/>
@@ -10384,24 +11510,19 @@
             </a:pPr>
             <a:r>
               <a:rPr lang="en-US"/>
-              <a:t>Control Center – zwei</a:t>
-            </a:r>
-            <a:r>
-              <a:rPr lang="en-US"/>
-              <a:t> komponenten Monitoring Tool</a:t>
-            </a:r>
-            <a:endParaRPr lang="en-US"/>
-          </a:p>
-        </p:txBody>
-      </p:sp>
-      <p:sp>
-        <p:nvSpPr>
-          <p:cNvPr id="6" name="Foliennummernplatzhalter 5" hidden="0"/>
-          <p:cNvSpPr>
-            <a:spLocks noGrp="1"/>
-          </p:cNvSpPr>
-          <p:nvPr isPhoto="0" userDrawn="0">
-            <p:ph type="sldNum" sz="quarter" idx="4" hasCustomPrompt="0"/>
+              <a:t>Control Center – zwei komponenten Monitoring Tool</a:t>
+            </a:r>
+          </a:p>
+        </p:txBody>
+      </p:sp>
+      <p:sp>
+        <p:nvSpPr>
+          <p:cNvPr id="6" name="Foliennummernplatzhalter 5"/>
+          <p:cNvSpPr>
+            <a:spLocks noGrp="1"/>
+          </p:cNvSpPr>
+          <p:nvPr>
+            <p:ph type="sldNum" sz="quarter" idx="4"/>
           </p:nvPr>
         </p:nvSpPr>
         <p:spPr bwMode="auto"/>
@@ -10414,7 +11535,7 @@
             </a:pPr>
             <a:fld id="{3A98EE3D-8CD1-4C3F-BD1C-C98C9596463C}" type="slidenum">
               <a:rPr lang="en-US"/>
-              <a:t/>
+              <a:t>9</a:t>
             </a:fld>
             <a:endParaRPr lang="en-US"/>
           </a:p>
@@ -10422,12 +11543,12 @@
       </p:sp>
       <p:sp>
         <p:nvSpPr>
-          <p:cNvPr id="7" name="Title 8" hidden="0"/>
-          <p:cNvSpPr>
-            <a:spLocks noGrp="1"/>
-          </p:cNvSpPr>
-          <p:nvPr isPhoto="0" userDrawn="0">
-            <p:ph type="title" hasCustomPrompt="0"/>
+          <p:cNvPr id="7" name="Title 8"/>
+          <p:cNvSpPr>
+            <a:spLocks noGrp="1"/>
+          </p:cNvSpPr>
+          <p:nvPr>
+            <p:ph type="title"/>
           </p:nvPr>
         </p:nvSpPr>
         <p:spPr bwMode="auto">
@@ -10447,17 +11568,16 @@
               <a:rPr lang="en-US"/>
               <a:t>Soll-zustand</a:t>
             </a:r>
-            <a:endParaRPr lang="en-US"/>
           </a:p>
         </p:txBody>
       </p:sp>
       <p:pic>
         <p:nvPicPr>
-          <p:cNvPr id="11" name="Grafik 10" hidden="0"/>
+          <p:cNvPr id="11" name="Grafik 10"/>
           <p:cNvPicPr>
             <a:picLocks noChangeAspect="1"/>
           </p:cNvPicPr>
-          <p:nvPr isPhoto="0" userDrawn="0"/>
+          <p:nvPr/>
         </p:nvPicPr>
         <p:blipFill>
           <a:blip r:embed="rId3"/>
@@ -10475,11 +11595,11 @@
       </p:pic>
       <p:pic>
         <p:nvPicPr>
-          <p:cNvPr id="12" name="Grafik 11" hidden="0"/>
+          <p:cNvPr id="12" name="Grafik 11"/>
           <p:cNvPicPr>
             <a:picLocks noChangeAspect="1"/>
           </p:cNvPicPr>
-          <p:nvPr isPhoto="0" userDrawn="0"/>
+          <p:nvPr/>
         </p:nvPicPr>
         <p:blipFill>
           <a:blip r:embed="rId4"/>
@@ -10497,11 +11617,11 @@
       </p:pic>
       <p:pic>
         <p:nvPicPr>
-          <p:cNvPr id="13" name="Grafik 12" hidden="0"/>
+          <p:cNvPr id="13" name="Grafik 12"/>
           <p:cNvPicPr>
             <a:picLocks noChangeAspect="1"/>
           </p:cNvPicPr>
-          <p:nvPr isPhoto="0" userDrawn="0"/>
+          <p:nvPr/>
         </p:nvPicPr>
         <p:blipFill>
           <a:blip r:embed="rId5"/>
@@ -10519,9 +11639,9 @@
       </p:pic>
       <p:sp>
         <p:nvSpPr>
-          <p:cNvPr id="14" name="Text Placeholder 18" hidden="0"/>
+          <p:cNvPr id="14" name="Text Placeholder 18"/>
           <p:cNvSpPr txBox="1"/>
-          <p:nvPr isPhoto="0" userDrawn="0"/>
+          <p:nvPr/>
         </p:nvSpPr>
         <p:spPr bwMode="auto">
           <a:xfrm>
@@ -10645,9 +11765,9 @@
       </p:sp>
       <p:sp>
         <p:nvSpPr>
-          <p:cNvPr id="15" name="Text Placeholder 22" hidden="0"/>
+          <p:cNvPr id="15" name="Text Placeholder 22"/>
           <p:cNvSpPr txBox="1"/>
-          <p:nvPr isPhoto="0" userDrawn="0"/>
+          <p:nvPr/>
         </p:nvSpPr>
         <p:spPr bwMode="auto">
           <a:xfrm>
@@ -10914,9 +12034,9 @@
       </p:sp>
       <p:sp>
         <p:nvSpPr>
-          <p:cNvPr id="16" name="Text Placeholder 23" hidden="0"/>
+          <p:cNvPr id="16" name="Text Placeholder 23"/>
           <p:cNvSpPr txBox="1"/>
-          <p:nvPr isPhoto="0" userDrawn="0"/>
+          <p:nvPr/>
         </p:nvSpPr>
         <p:spPr bwMode="auto">
           <a:xfrm>
@@ -11186,19 +12306,11 @@
   <p:clrMapOvr>
     <a:masterClrMapping/>
   </p:clrMapOvr>
-  <mc:AlternateContent xmlns:mc="http://schemas.openxmlformats.org/markup-compatibility/2006">
-    <mc:Choice xmlns:p14="http://schemas.microsoft.com/office/powerpoint/2010/main" Requires="p14">
-      <p:transition p14:dur="2000" advClick="1"/>
-    </mc:Choice>
-    <mc:Fallback>
-      <p:transition advClick="1"/>
-    </mc:Fallback>
-  </mc:AlternateContent>
 </p:sld>
 </file>
 
 <file path=ppt/theme/theme1.xml><?xml version="1.0" encoding="utf-8"?>
-<a:theme xmlns:a="http://schemas.openxmlformats.org/drawingml/2006/main" xmlns:r="http://schemas.openxmlformats.org/officeDocument/2006/relationships" xmlns:p="http://schemas.openxmlformats.org/presentationml/2006/main" name="RetrospectVTI">
+<a:theme xmlns:a="http://schemas.openxmlformats.org/drawingml/2006/main" name="RetrospectVTI">
   <a:themeElements>
     <a:clrScheme name="MONO">
       <a:dk1>
@@ -11402,11 +12514,12 @@
     </a:fmtScheme>
   </a:themeElements>
   <a:objectDefaults/>
+  <a:extraClrSchemeLst/>
 </a:theme>
 </file>
 
 <file path=ppt/theme/theme2.xml><?xml version="1.0" encoding="utf-8"?>
-<a:theme xmlns:a="http://schemas.openxmlformats.org/drawingml/2006/main" xmlns:r="http://schemas.openxmlformats.org/officeDocument/2006/relationships" xmlns:p="http://schemas.openxmlformats.org/presentationml/2006/main" name="Office Theme">
+<a:theme xmlns:a="http://schemas.openxmlformats.org/drawingml/2006/main" name="Office Theme">
   <a:themeElements>
     <a:clrScheme name="Office">
       <a:dk1>
@@ -11609,5 +12722,6 @@
     </a:fmtScheme>
   </a:themeElements>
   <a:objectDefaults/>
+  <a:extraClrSchemeLst/>
 </a:theme>
 </file>
--- a/Abschluss_präsi.pptx
+++ b/Abschluss_präsi.pptx
@@ -5,7 +5,7 @@
     <p:sldMasterId id="2147483648" r:id="rId1"/>
   </p:sldMasterIdLst>
   <p:notesMasterIdLst>
-    <p:notesMasterId r:id="rId29"/>
+    <p:notesMasterId r:id="rId28"/>
   </p:notesMasterIdLst>
   <p:sldIdLst>
     <p:sldId id="256" r:id="rId2"/>
@@ -20,21 +20,20 @@
     <p:sldId id="278" r:id="rId11"/>
     <p:sldId id="279" r:id="rId12"/>
     <p:sldId id="265" r:id="rId13"/>
-    <p:sldId id="274" r:id="rId14"/>
-    <p:sldId id="275" r:id="rId15"/>
+    <p:sldId id="275" r:id="rId14"/>
+    <p:sldId id="274" r:id="rId15"/>
     <p:sldId id="266" r:id="rId16"/>
     <p:sldId id="277" r:id="rId17"/>
     <p:sldId id="281" r:id="rId18"/>
     <p:sldId id="282" r:id="rId19"/>
     <p:sldId id="280" r:id="rId20"/>
-    <p:sldId id="283" r:id="rId21"/>
-    <p:sldId id="284" r:id="rId22"/>
-    <p:sldId id="285" r:id="rId23"/>
-    <p:sldId id="267" r:id="rId24"/>
-    <p:sldId id="276" r:id="rId25"/>
-    <p:sldId id="269" r:id="rId26"/>
-    <p:sldId id="268" r:id="rId27"/>
-    <p:sldId id="272" r:id="rId28"/>
+    <p:sldId id="284" r:id="rId21"/>
+    <p:sldId id="285" r:id="rId22"/>
+    <p:sldId id="267" r:id="rId23"/>
+    <p:sldId id="276" r:id="rId24"/>
+    <p:sldId id="269" r:id="rId25"/>
+    <p:sldId id="268" r:id="rId26"/>
+    <p:sldId id="272" r:id="rId27"/>
   </p:sldIdLst>
   <p:sldSz cx="9144000" cy="6858000" type="screen4x3"/>
   <p:notesSz cx="9144000" cy="6858000"/>
@@ -6498,17 +6497,17 @@
               <a:defRPr/>
             </a:pPr>
             <a:r>
-              <a:rPr lang="en-US" sz="4500"/>
+              <a:rPr lang="en-US" sz="4500" dirty="0"/>
               <a:t>Control</a:t>
             </a:r>
             <a:br>
-              <a:rPr lang="en-US" sz="4500"/>
+              <a:rPr lang="en-US" sz="4500" dirty="0"/>
             </a:br>
             <a:r>
-              <a:rPr lang="en-US" sz="4500"/>
+              <a:rPr lang="en-US" sz="4500" dirty="0"/>
               <a:t>Center</a:t>
             </a:r>
-            <a:endParaRPr/>
+            <a:endParaRPr dirty="0"/>
           </a:p>
         </p:txBody>
       </p:sp>
@@ -7016,7 +7015,7 @@
           <p:nvPr>
             <p:extLst>
               <p:ext uri="{D42A27DB-BD31-4B8C-83A1-F6EECF244321}">
-                <p14:modId xmlns:p14="http://schemas.microsoft.com/office/powerpoint/2010/main" val="1084428198"/>
+                <p14:modId xmlns:p14="http://schemas.microsoft.com/office/powerpoint/2010/main" val="1290760156"/>
               </p:ext>
             </p:extLst>
           </p:nvPr>
@@ -7291,12 +7290,24 @@
                       </a:pPr>
                       <a:r>
                         <a:rPr lang="de-DE" sz="1400" dirty="0">
+                          <a:solidFill>
+                            <a:schemeClr val="tx1">
+                              <a:lumMod val="85000"/>
+                              <a:lumOff val="15000"/>
+                            </a:schemeClr>
+                          </a:solidFill>
                           <a:effectLst/>
                           <a:latin typeface="Nunito" panose="00000500000000000000" pitchFamily="2" charset="0"/>
                         </a:rPr>
                         <a:t>Fachgespräch</a:t>
                       </a:r>
                       <a:endParaRPr lang="de-DE" sz="1400" dirty="0">
+                        <a:solidFill>
+                          <a:schemeClr val="tx1">
+                            <a:lumMod val="85000"/>
+                            <a:lumOff val="15000"/>
+                          </a:schemeClr>
+                        </a:solidFill>
                         <a:effectLst/>
                         <a:latin typeface="Nunito" panose="00000500000000000000" pitchFamily="2" charset="0"/>
                         <a:ea typeface="Arial" panose="020B0604020202020204" pitchFamily="34" charset="0"/>
@@ -7321,12 +7332,24 @@
                       </a:pPr>
                       <a:r>
                         <a:rPr lang="de-DE" sz="1400" dirty="0">
+                          <a:solidFill>
+                            <a:schemeClr val="tx1">
+                              <a:lumMod val="85000"/>
+                              <a:lumOff val="15000"/>
+                            </a:schemeClr>
+                          </a:solidFill>
                           <a:effectLst/>
                           <a:latin typeface="Nunito" panose="00000500000000000000" pitchFamily="2" charset="0"/>
                         </a:rPr>
                         <a:t>2</a:t>
                       </a:r>
                       <a:endParaRPr lang="de-DE" sz="1400" dirty="0">
+                        <a:solidFill>
+                          <a:schemeClr val="tx1">
+                            <a:lumMod val="85000"/>
+                            <a:lumOff val="15000"/>
+                          </a:schemeClr>
+                        </a:solidFill>
                         <a:effectLst/>
                         <a:latin typeface="Nunito" panose="00000500000000000000" pitchFamily="2" charset="0"/>
                         <a:ea typeface="Arial" panose="020B0604020202020204" pitchFamily="34" charset="0"/>
@@ -7351,12 +7374,24 @@
                       </a:pPr>
                       <a:r>
                         <a:rPr lang="de-DE" sz="1400">
+                          <a:solidFill>
+                            <a:schemeClr val="tx1">
+                              <a:lumMod val="85000"/>
+                              <a:lumOff val="15000"/>
+                            </a:schemeClr>
+                          </a:solidFill>
                           <a:effectLst/>
                           <a:latin typeface="Nunito" panose="00000500000000000000" pitchFamily="2" charset="0"/>
                         </a:rPr>
                         <a:t> </a:t>
                       </a:r>
                       <a:endParaRPr lang="de-DE" sz="1400">
+                        <a:solidFill>
+                          <a:schemeClr val="tx1">
+                            <a:lumMod val="85000"/>
+                            <a:lumOff val="15000"/>
+                          </a:schemeClr>
+                        </a:solidFill>
                         <a:effectLst/>
                         <a:latin typeface="Nunito" panose="00000500000000000000" pitchFamily="2" charset="0"/>
                         <a:ea typeface="Arial" panose="020B0604020202020204" pitchFamily="34" charset="0"/>
@@ -7381,12 +7416,24 @@
                       </a:pPr>
                       <a:r>
                         <a:rPr lang="de-DE" sz="1400">
+                          <a:solidFill>
+                            <a:schemeClr val="tx1">
+                              <a:lumMod val="85000"/>
+                              <a:lumOff val="15000"/>
+                            </a:schemeClr>
+                          </a:solidFill>
                           <a:effectLst/>
                           <a:latin typeface="Nunito" panose="00000500000000000000" pitchFamily="2" charset="0"/>
                         </a:rPr>
                         <a:t>20 + 30</a:t>
                       </a:r>
                       <a:endParaRPr lang="de-DE" sz="1400">
+                        <a:solidFill>
+                          <a:schemeClr val="tx1">
+                            <a:lumMod val="85000"/>
+                            <a:lumOff val="15000"/>
+                          </a:schemeClr>
+                        </a:solidFill>
                         <a:effectLst/>
                         <a:latin typeface="Nunito" panose="00000500000000000000" pitchFamily="2" charset="0"/>
                         <a:ea typeface="Arial" panose="020B0604020202020204" pitchFamily="34" charset="0"/>
@@ -7411,12 +7458,24 @@
                       </a:pPr>
                       <a:r>
                         <a:rPr lang="de-DE" sz="1400" dirty="0">
+                          <a:solidFill>
+                            <a:schemeClr val="tx1">
+                              <a:lumMod val="85000"/>
+                              <a:lumOff val="15000"/>
+                            </a:schemeClr>
+                          </a:solidFill>
                           <a:effectLst/>
                           <a:latin typeface="Nunito" panose="00000500000000000000" pitchFamily="2" charset="0"/>
                         </a:rPr>
                         <a:t>100</a:t>
                       </a:r>
                       <a:endParaRPr lang="de-DE" sz="1400" dirty="0">
+                        <a:solidFill>
+                          <a:schemeClr val="tx1">
+                            <a:lumMod val="85000"/>
+                            <a:lumOff val="15000"/>
+                          </a:schemeClr>
+                        </a:solidFill>
                         <a:effectLst/>
                         <a:latin typeface="Nunito" panose="00000500000000000000" pitchFamily="2" charset="0"/>
                         <a:ea typeface="Arial" panose="020B0604020202020204" pitchFamily="34" charset="0"/>
@@ -7448,12 +7507,24 @@
                       </a:pPr>
                       <a:r>
                         <a:rPr lang="de-DE" sz="1400" dirty="0">
+                          <a:solidFill>
+                            <a:schemeClr val="tx1">
+                              <a:lumMod val="85000"/>
+                              <a:lumOff val="15000"/>
+                            </a:schemeClr>
+                          </a:solidFill>
                           <a:effectLst/>
                           <a:latin typeface="Nunito" panose="00000500000000000000" pitchFamily="2" charset="0"/>
                         </a:rPr>
                         <a:t>Projektdurchführung</a:t>
                       </a:r>
                       <a:endParaRPr lang="de-DE" sz="1400" dirty="0">
+                        <a:solidFill>
+                          <a:schemeClr val="tx1">
+                            <a:lumMod val="85000"/>
+                            <a:lumOff val="15000"/>
+                          </a:schemeClr>
+                        </a:solidFill>
                         <a:effectLst/>
                         <a:latin typeface="Nunito" panose="00000500000000000000" pitchFamily="2" charset="0"/>
                         <a:ea typeface="Arial" panose="020B0604020202020204" pitchFamily="34" charset="0"/>
@@ -7478,12 +7549,24 @@
                       </a:pPr>
                       <a:r>
                         <a:rPr lang="de-DE" sz="1400" dirty="0">
+                          <a:solidFill>
+                            <a:schemeClr val="tx1">
+                              <a:lumMod val="85000"/>
+                              <a:lumOff val="15000"/>
+                            </a:schemeClr>
+                          </a:solidFill>
                           <a:effectLst/>
                           <a:latin typeface="Nunito" panose="00000500000000000000" pitchFamily="2" charset="0"/>
                         </a:rPr>
                         <a:t>70</a:t>
                       </a:r>
                       <a:endParaRPr lang="de-DE" sz="1400" dirty="0">
+                        <a:solidFill>
+                          <a:schemeClr val="tx1">
+                            <a:lumMod val="85000"/>
+                            <a:lumOff val="15000"/>
+                          </a:schemeClr>
+                        </a:solidFill>
                         <a:effectLst/>
                         <a:latin typeface="Nunito" panose="00000500000000000000" pitchFamily="2" charset="0"/>
                         <a:ea typeface="Arial" panose="020B0604020202020204" pitchFamily="34" charset="0"/>
@@ -7508,12 +7591,24 @@
                       </a:pPr>
                       <a:r>
                         <a:rPr lang="de-DE" sz="1400">
+                          <a:solidFill>
+                            <a:schemeClr val="tx1">
+                              <a:lumMod val="85000"/>
+                              <a:lumOff val="15000"/>
+                            </a:schemeClr>
+                          </a:solidFill>
                           <a:effectLst/>
                           <a:latin typeface="Nunito" panose="00000500000000000000" pitchFamily="2" charset="0"/>
                         </a:rPr>
                         <a:t> </a:t>
                       </a:r>
                       <a:endParaRPr lang="de-DE" sz="1400">
+                        <a:solidFill>
+                          <a:schemeClr val="tx1">
+                            <a:lumMod val="85000"/>
+                            <a:lumOff val="15000"/>
+                          </a:schemeClr>
+                        </a:solidFill>
                         <a:effectLst/>
                         <a:latin typeface="Nunito" panose="00000500000000000000" pitchFamily="2" charset="0"/>
                         <a:ea typeface="Arial" panose="020B0604020202020204" pitchFamily="34" charset="0"/>
@@ -7538,12 +7633,24 @@
                       </a:pPr>
                       <a:r>
                         <a:rPr lang="de-DE" sz="1400">
+                          <a:solidFill>
+                            <a:schemeClr val="tx1">
+                              <a:lumMod val="85000"/>
+                              <a:lumOff val="15000"/>
+                            </a:schemeClr>
+                          </a:solidFill>
                           <a:effectLst/>
                           <a:latin typeface="Nunito" panose="00000500000000000000" pitchFamily="2" charset="0"/>
                         </a:rPr>
                         <a:t>4.81 + 20</a:t>
                       </a:r>
                       <a:endParaRPr lang="de-DE" sz="1400">
+                        <a:solidFill>
+                          <a:schemeClr val="tx1">
+                            <a:lumMod val="85000"/>
+                            <a:lumOff val="15000"/>
+                          </a:schemeClr>
+                        </a:solidFill>
                         <a:effectLst/>
                         <a:latin typeface="Nunito" panose="00000500000000000000" pitchFamily="2" charset="0"/>
                         <a:ea typeface="Arial" panose="020B0604020202020204" pitchFamily="34" charset="0"/>
@@ -7568,12 +7675,24 @@
                       </a:pPr>
                       <a:r>
                         <a:rPr lang="de-DE" sz="1400" dirty="0">
+                          <a:solidFill>
+                            <a:schemeClr val="tx1">
+                              <a:lumMod val="85000"/>
+                              <a:lumOff val="15000"/>
+                            </a:schemeClr>
+                          </a:solidFill>
                           <a:effectLst/>
                           <a:latin typeface="Nunito" panose="00000500000000000000" pitchFamily="2" charset="0"/>
                         </a:rPr>
                         <a:t>1.736,7</a:t>
                       </a:r>
                       <a:endParaRPr lang="de-DE" sz="1400" dirty="0">
+                        <a:solidFill>
+                          <a:schemeClr val="tx1">
+                            <a:lumMod val="85000"/>
+                            <a:lumOff val="15000"/>
+                          </a:schemeClr>
+                        </a:solidFill>
                         <a:effectLst/>
                         <a:latin typeface="Nunito" panose="00000500000000000000" pitchFamily="2" charset="0"/>
                         <a:ea typeface="Arial" panose="020B0604020202020204" pitchFamily="34" charset="0"/>
@@ -7605,12 +7724,24 @@
                       </a:pPr>
                       <a:r>
                         <a:rPr lang="de-DE" sz="1400" dirty="0">
+                          <a:solidFill>
+                            <a:schemeClr val="tx1">
+                              <a:lumMod val="85000"/>
+                              <a:lumOff val="15000"/>
+                            </a:schemeClr>
+                          </a:solidFill>
                           <a:effectLst/>
                           <a:latin typeface="Nunito" panose="00000500000000000000" pitchFamily="2" charset="0"/>
                         </a:rPr>
                         <a:t>Abnahme</a:t>
                       </a:r>
                       <a:endParaRPr lang="de-DE" sz="1400" dirty="0">
+                        <a:solidFill>
+                          <a:schemeClr val="tx1">
+                            <a:lumMod val="85000"/>
+                            <a:lumOff val="15000"/>
+                          </a:schemeClr>
+                        </a:solidFill>
                         <a:effectLst/>
                         <a:latin typeface="Nunito" panose="00000500000000000000" pitchFamily="2" charset="0"/>
                         <a:ea typeface="Arial" panose="020B0604020202020204" pitchFamily="34" charset="0"/>
@@ -7635,12 +7766,24 @@
                       </a:pPr>
                       <a:r>
                         <a:rPr lang="de-DE" sz="1400">
+                          <a:solidFill>
+                            <a:schemeClr val="tx1">
+                              <a:lumMod val="85000"/>
+                              <a:lumOff val="15000"/>
+                            </a:schemeClr>
+                          </a:solidFill>
                           <a:effectLst/>
                           <a:latin typeface="Nunito" panose="00000500000000000000" pitchFamily="2" charset="0"/>
                         </a:rPr>
                         <a:t>1</a:t>
                       </a:r>
                       <a:endParaRPr lang="de-DE" sz="1400">
+                        <a:solidFill>
+                          <a:schemeClr val="tx1">
+                            <a:lumMod val="85000"/>
+                            <a:lumOff val="15000"/>
+                          </a:schemeClr>
+                        </a:solidFill>
                         <a:effectLst/>
                         <a:latin typeface="Nunito" panose="00000500000000000000" pitchFamily="2" charset="0"/>
                         <a:ea typeface="Arial" panose="020B0604020202020204" pitchFamily="34" charset="0"/>
@@ -7665,12 +7808,24 @@
                       </a:pPr>
                       <a:r>
                         <a:rPr lang="de-DE" sz="1400" dirty="0">
+                          <a:solidFill>
+                            <a:schemeClr val="tx1">
+                              <a:lumMod val="85000"/>
+                              <a:lumOff val="15000"/>
+                            </a:schemeClr>
+                          </a:solidFill>
                           <a:effectLst/>
                           <a:latin typeface="Nunito" panose="00000500000000000000" pitchFamily="2" charset="0"/>
                         </a:rPr>
                         <a:t> </a:t>
                       </a:r>
                       <a:endParaRPr lang="de-DE" sz="1400" dirty="0">
+                        <a:solidFill>
+                          <a:schemeClr val="tx1">
+                            <a:lumMod val="85000"/>
+                            <a:lumOff val="15000"/>
+                          </a:schemeClr>
+                        </a:solidFill>
                         <a:effectLst/>
                         <a:latin typeface="Nunito" panose="00000500000000000000" pitchFamily="2" charset="0"/>
                         <a:ea typeface="Arial" panose="020B0604020202020204" pitchFamily="34" charset="0"/>
@@ -7695,12 +7850,24 @@
                       </a:pPr>
                       <a:r>
                         <a:rPr lang="de-DE" sz="1400">
+                          <a:solidFill>
+                            <a:schemeClr val="tx1">
+                              <a:lumMod val="85000"/>
+                              <a:lumOff val="15000"/>
+                            </a:schemeClr>
+                          </a:solidFill>
                           <a:effectLst/>
                           <a:latin typeface="Nunito" panose="00000500000000000000" pitchFamily="2" charset="0"/>
                         </a:rPr>
                         <a:t>20 + 30</a:t>
                       </a:r>
                       <a:endParaRPr lang="de-DE" sz="1400">
+                        <a:solidFill>
+                          <a:schemeClr val="tx1">
+                            <a:lumMod val="85000"/>
+                            <a:lumOff val="15000"/>
+                          </a:schemeClr>
+                        </a:solidFill>
                         <a:effectLst/>
                         <a:latin typeface="Nunito" panose="00000500000000000000" pitchFamily="2" charset="0"/>
                         <a:ea typeface="Arial" panose="020B0604020202020204" pitchFamily="34" charset="0"/>
@@ -7725,12 +7892,24 @@
                       </a:pPr>
                       <a:r>
                         <a:rPr lang="de-DE" sz="1400" dirty="0">
+                          <a:solidFill>
+                            <a:schemeClr val="tx1">
+                              <a:lumMod val="85000"/>
+                              <a:lumOff val="15000"/>
+                            </a:schemeClr>
+                          </a:solidFill>
                           <a:effectLst/>
                           <a:latin typeface="Nunito" panose="00000500000000000000" pitchFamily="2" charset="0"/>
                         </a:rPr>
                         <a:t>50</a:t>
                       </a:r>
                       <a:endParaRPr lang="de-DE" sz="1400" dirty="0">
+                        <a:solidFill>
+                          <a:schemeClr val="tx1">
+                            <a:lumMod val="85000"/>
+                            <a:lumOff val="15000"/>
+                          </a:schemeClr>
+                        </a:solidFill>
                         <a:effectLst/>
                         <a:latin typeface="Nunito" panose="00000500000000000000" pitchFamily="2" charset="0"/>
                         <a:ea typeface="Arial" panose="020B0604020202020204" pitchFamily="34" charset="0"/>
@@ -7762,12 +7941,24 @@
                       </a:pPr>
                       <a:r>
                         <a:rPr lang="de-DE" sz="1400" dirty="0">
+                          <a:solidFill>
+                            <a:schemeClr val="tx1">
+                              <a:lumMod val="85000"/>
+                              <a:lumOff val="15000"/>
+                            </a:schemeClr>
+                          </a:solidFill>
                           <a:effectLst/>
                           <a:latin typeface="Nunito" panose="00000500000000000000" pitchFamily="2" charset="0"/>
                         </a:rPr>
                         <a:t>Hosting</a:t>
                       </a:r>
                       <a:endParaRPr lang="de-DE" sz="1400" dirty="0">
+                        <a:solidFill>
+                          <a:schemeClr val="tx1">
+                            <a:lumMod val="85000"/>
+                            <a:lumOff val="15000"/>
+                          </a:schemeClr>
+                        </a:solidFill>
                         <a:effectLst/>
                         <a:latin typeface="Nunito" panose="00000500000000000000" pitchFamily="2" charset="0"/>
                         <a:ea typeface="Arial" panose="020B0604020202020204" pitchFamily="34" charset="0"/>
@@ -7792,12 +7983,24 @@
                       </a:pPr>
                       <a:r>
                         <a:rPr lang="de-DE" sz="1400">
+                          <a:solidFill>
+                            <a:schemeClr val="tx1">
+                              <a:lumMod val="85000"/>
+                              <a:lumOff val="15000"/>
+                            </a:schemeClr>
+                          </a:solidFill>
                           <a:effectLst/>
                           <a:latin typeface="Nunito" panose="00000500000000000000" pitchFamily="2" charset="0"/>
                         </a:rPr>
                         <a:t> </a:t>
                       </a:r>
                       <a:endParaRPr lang="de-DE" sz="1400">
+                        <a:solidFill>
+                          <a:schemeClr val="tx1">
+                            <a:lumMod val="85000"/>
+                            <a:lumOff val="15000"/>
+                          </a:schemeClr>
+                        </a:solidFill>
                         <a:effectLst/>
                         <a:latin typeface="Nunito" panose="00000500000000000000" pitchFamily="2" charset="0"/>
                         <a:ea typeface="Arial" panose="020B0604020202020204" pitchFamily="34" charset="0"/>
@@ -7822,12 +8025,24 @@
                       </a:pPr>
                       <a:r>
                         <a:rPr lang="de-DE" sz="1400">
+                          <a:solidFill>
+                            <a:schemeClr val="tx1">
+                              <a:lumMod val="85000"/>
+                              <a:lumOff val="15000"/>
+                            </a:schemeClr>
+                          </a:solidFill>
                           <a:effectLst/>
                           <a:latin typeface="Nunito" panose="00000500000000000000" pitchFamily="2" charset="0"/>
                         </a:rPr>
                         <a:t>1</a:t>
                       </a:r>
                       <a:endParaRPr lang="de-DE" sz="1400">
+                        <a:solidFill>
+                          <a:schemeClr val="tx1">
+                            <a:lumMod val="85000"/>
+                            <a:lumOff val="15000"/>
+                          </a:schemeClr>
+                        </a:solidFill>
                         <a:effectLst/>
                         <a:latin typeface="Nunito" panose="00000500000000000000" pitchFamily="2" charset="0"/>
                         <a:ea typeface="Arial" panose="020B0604020202020204" pitchFamily="34" charset="0"/>
@@ -7852,12 +8067,24 @@
                       </a:pPr>
                       <a:r>
                         <a:rPr lang="de-DE" sz="1400" dirty="0">
+                          <a:solidFill>
+                            <a:schemeClr val="tx1">
+                              <a:lumMod val="85000"/>
+                              <a:lumOff val="15000"/>
+                            </a:schemeClr>
+                          </a:solidFill>
                           <a:effectLst/>
                           <a:latin typeface="Nunito" panose="00000500000000000000" pitchFamily="2" charset="0"/>
                         </a:rPr>
                         <a:t> </a:t>
                       </a:r>
                       <a:endParaRPr lang="de-DE" sz="1400" dirty="0">
+                        <a:solidFill>
+                          <a:schemeClr val="tx1">
+                            <a:lumMod val="85000"/>
+                            <a:lumOff val="15000"/>
+                          </a:schemeClr>
+                        </a:solidFill>
                         <a:effectLst/>
                         <a:latin typeface="Nunito" panose="00000500000000000000" pitchFamily="2" charset="0"/>
                         <a:ea typeface="Arial" panose="020B0604020202020204" pitchFamily="34" charset="0"/>
@@ -7882,12 +8109,24 @@
                       </a:pPr>
                       <a:r>
                         <a:rPr lang="de-DE" sz="1400" dirty="0">
+                          <a:solidFill>
+                            <a:schemeClr val="tx1">
+                              <a:lumMod val="85000"/>
+                              <a:lumOff val="15000"/>
+                            </a:schemeClr>
+                          </a:solidFill>
                           <a:effectLst/>
                           <a:latin typeface="Nunito" panose="00000500000000000000" pitchFamily="2" charset="0"/>
                         </a:rPr>
                         <a:t>19,90</a:t>
                       </a:r>
                       <a:endParaRPr lang="de-DE" sz="1400" dirty="0">
+                        <a:solidFill>
+                          <a:schemeClr val="tx1">
+                            <a:lumMod val="85000"/>
+                            <a:lumOff val="15000"/>
+                          </a:schemeClr>
+                        </a:solidFill>
                         <a:effectLst/>
                         <a:latin typeface="Nunito" panose="00000500000000000000" pitchFamily="2" charset="0"/>
                         <a:ea typeface="Arial" panose="020B0604020202020204" pitchFamily="34" charset="0"/>
@@ -7919,12 +8158,24 @@
                       </a:pPr>
                       <a:r>
                         <a:rPr lang="de-DE" sz="1400" dirty="0">
+                          <a:solidFill>
+                            <a:schemeClr val="tx1">
+                              <a:lumMod val="85000"/>
+                              <a:lumOff val="15000"/>
+                            </a:schemeClr>
+                          </a:solidFill>
                           <a:effectLst/>
                           <a:latin typeface="Nunito" panose="00000500000000000000" pitchFamily="2" charset="0"/>
                         </a:rPr>
                         <a:t> </a:t>
                       </a:r>
                       <a:endParaRPr lang="de-DE" sz="1400" dirty="0">
+                        <a:solidFill>
+                          <a:schemeClr val="tx1">
+                            <a:lumMod val="85000"/>
+                            <a:lumOff val="15000"/>
+                          </a:schemeClr>
+                        </a:solidFill>
                         <a:effectLst/>
                         <a:latin typeface="Nunito" panose="00000500000000000000" pitchFamily="2" charset="0"/>
                         <a:ea typeface="Arial" panose="020B0604020202020204" pitchFamily="34" charset="0"/>
@@ -7949,12 +8200,24 @@
                       </a:pPr>
                       <a:r>
                         <a:rPr lang="de-DE" sz="1400">
+                          <a:solidFill>
+                            <a:schemeClr val="tx1">
+                              <a:lumMod val="85000"/>
+                              <a:lumOff val="15000"/>
+                            </a:schemeClr>
+                          </a:solidFill>
                           <a:effectLst/>
                           <a:latin typeface="Nunito" panose="00000500000000000000" pitchFamily="2" charset="0"/>
                         </a:rPr>
                         <a:t> </a:t>
                       </a:r>
                       <a:endParaRPr lang="de-DE" sz="1400">
+                        <a:solidFill>
+                          <a:schemeClr val="tx1">
+                            <a:lumMod val="85000"/>
+                            <a:lumOff val="15000"/>
+                          </a:schemeClr>
+                        </a:solidFill>
                         <a:effectLst/>
                         <a:latin typeface="Nunito" panose="00000500000000000000" pitchFamily="2" charset="0"/>
                         <a:ea typeface="Arial" panose="020B0604020202020204" pitchFamily="34" charset="0"/>
@@ -7979,12 +8242,24 @@
                       </a:pPr>
                       <a:r>
                         <a:rPr lang="de-DE" sz="1400" dirty="0">
+                          <a:solidFill>
+                            <a:schemeClr val="tx1">
+                              <a:lumMod val="85000"/>
+                              <a:lumOff val="15000"/>
+                            </a:schemeClr>
+                          </a:solidFill>
                           <a:effectLst/>
                           <a:latin typeface="Nunito" panose="00000500000000000000" pitchFamily="2" charset="0"/>
                         </a:rPr>
                         <a:t> </a:t>
                       </a:r>
                       <a:endParaRPr lang="de-DE" sz="1400" dirty="0">
+                        <a:solidFill>
+                          <a:schemeClr val="tx1">
+                            <a:lumMod val="85000"/>
+                            <a:lumOff val="15000"/>
+                          </a:schemeClr>
+                        </a:solidFill>
                         <a:effectLst/>
                         <a:latin typeface="Nunito" panose="00000500000000000000" pitchFamily="2" charset="0"/>
                         <a:ea typeface="Arial" panose="020B0604020202020204" pitchFamily="34" charset="0"/>
@@ -8009,12 +8284,24 @@
                       </a:pPr>
                       <a:r>
                         <a:rPr lang="de-DE" sz="1400" dirty="0">
+                          <a:solidFill>
+                            <a:schemeClr val="tx1">
+                              <a:lumMod val="85000"/>
+                              <a:lumOff val="15000"/>
+                            </a:schemeClr>
+                          </a:solidFill>
                           <a:effectLst/>
                           <a:latin typeface="Nunito" panose="00000500000000000000" pitchFamily="2" charset="0"/>
                         </a:rPr>
                         <a:t> </a:t>
                       </a:r>
                       <a:endParaRPr lang="de-DE" sz="1400" dirty="0">
+                        <a:solidFill>
+                          <a:schemeClr val="tx1">
+                            <a:lumMod val="85000"/>
+                            <a:lumOff val="15000"/>
+                          </a:schemeClr>
+                        </a:solidFill>
                         <a:effectLst/>
                         <a:latin typeface="Nunito" panose="00000500000000000000" pitchFamily="2" charset="0"/>
                         <a:ea typeface="Arial" panose="020B0604020202020204" pitchFamily="34" charset="0"/>
@@ -8039,12 +8326,24 @@
                       </a:pPr>
                       <a:r>
                         <a:rPr lang="de-DE" sz="1400" b="1" dirty="0">
+                          <a:solidFill>
+                            <a:schemeClr val="tx1">
+                              <a:lumMod val="85000"/>
+                              <a:lumOff val="15000"/>
+                            </a:schemeClr>
+                          </a:solidFill>
                           <a:effectLst/>
                           <a:latin typeface="Nunito" panose="00000500000000000000" pitchFamily="2" charset="0"/>
                         </a:rPr>
                         <a:t>1.906,6</a:t>
                       </a:r>
                       <a:endParaRPr lang="de-DE" sz="1400" b="1" dirty="0">
+                        <a:solidFill>
+                          <a:schemeClr val="tx1">
+                            <a:lumMod val="85000"/>
+                            <a:lumOff val="15000"/>
+                          </a:schemeClr>
+                        </a:solidFill>
                         <a:effectLst/>
                         <a:latin typeface="Nunito" panose="00000500000000000000" pitchFamily="2" charset="0"/>
                         <a:ea typeface="Arial" panose="020B0604020202020204" pitchFamily="34" charset="0"/>
@@ -8095,14 +8394,24 @@
             <a:r>
               <a:rPr lang="de-DE" dirty="0">
                 <a:solidFill>
-                  <a:srgbClr val="404040"/>
+                  <a:schemeClr val="tx1">
+                    <a:lumMod val="85000"/>
+                    <a:lumOff val="15000"/>
+                  </a:schemeClr>
                 </a:solidFill>
                 <a:effectLst/>
                 <a:latin typeface="Nunito" panose="00000500000000000000" pitchFamily="2" charset="0"/>
               </a:rPr>
               <a:t>Projektkosten</a:t>
             </a:r>
-            <a:endParaRPr lang="de-DE" dirty="0"/>
+            <a:endParaRPr lang="de-DE" dirty="0">
+              <a:solidFill>
+                <a:schemeClr val="tx1">
+                  <a:lumMod val="85000"/>
+                  <a:lumOff val="15000"/>
+                </a:schemeClr>
+              </a:solidFill>
+            </a:endParaRPr>
           </a:p>
         </p:txBody>
       </p:sp>
@@ -8165,7 +8474,10 @@
             <a:r>
               <a:rPr lang="de-DE" sz="2200" dirty="0">
                 <a:solidFill>
-                  <a:srgbClr val="000000"/>
+                  <a:schemeClr val="tx1">
+                    <a:lumMod val="85000"/>
+                    <a:lumOff val="15000"/>
+                  </a:schemeClr>
                 </a:solidFill>
                 <a:effectLst/>
                 <a:latin typeface="Nunito" panose="00000500000000000000" pitchFamily="2" charset="0"/>
@@ -8180,7 +8492,10 @@
             <a:r>
               <a:rPr lang="de-DE" sz="2200" dirty="0">
                 <a:solidFill>
-                  <a:srgbClr val="000000"/>
+                  <a:schemeClr val="tx1">
+                    <a:lumMod val="85000"/>
+                    <a:lumOff val="15000"/>
+                  </a:schemeClr>
                 </a:solidFill>
                 <a:effectLst/>
                 <a:latin typeface="Nunito" panose="00000500000000000000" pitchFamily="2" charset="0"/>
@@ -8190,7 +8505,10 @@
             <a:r>
               <a:rPr lang="de-DE" sz="2200" b="1" dirty="0">
                 <a:solidFill>
-                  <a:srgbClr val="000000"/>
+                  <a:schemeClr val="tx1">
+                    <a:lumMod val="85000"/>
+                    <a:lumOff val="15000"/>
+                  </a:schemeClr>
                 </a:solidFill>
                 <a:effectLst/>
                 <a:latin typeface="Nunito" panose="00000500000000000000" pitchFamily="2" charset="0"/>
@@ -8199,7 +8517,10 @@
             </a:r>
             <a:endParaRPr lang="de-DE" sz="2200" dirty="0">
               <a:solidFill>
-                <a:srgbClr val="000000"/>
+                <a:schemeClr val="tx1">
+                  <a:lumMod val="85000"/>
+                  <a:lumOff val="15000"/>
+                </a:schemeClr>
               </a:solidFill>
               <a:effectLst/>
               <a:latin typeface="Nunito" panose="00000500000000000000" pitchFamily="2" charset="0"/>
@@ -8212,7 +8533,10 @@
             <a:r>
               <a:rPr lang="de-DE" sz="2200" dirty="0">
                 <a:solidFill>
-                  <a:srgbClr val="000000"/>
+                  <a:schemeClr val="tx1">
+                    <a:lumMod val="85000"/>
+                    <a:lumOff val="15000"/>
+                  </a:schemeClr>
                 </a:solidFill>
                 <a:effectLst/>
                 <a:latin typeface="Nunito" panose="00000500000000000000" pitchFamily="2" charset="0"/>
@@ -8227,7 +8551,10 @@
             <a:r>
               <a:rPr lang="de-DE" sz="2200" dirty="0">
                 <a:solidFill>
-                  <a:srgbClr val="000000"/>
+                  <a:schemeClr val="tx1">
+                    <a:lumMod val="85000"/>
+                    <a:lumOff val="15000"/>
+                  </a:schemeClr>
                 </a:solidFill>
                 <a:effectLst/>
                 <a:latin typeface="Nunito" panose="00000500000000000000" pitchFamily="2" charset="0"/>
@@ -8242,7 +8569,10 @@
             <a:r>
               <a:rPr lang="de-DE" sz="2200" dirty="0">
                 <a:solidFill>
-                  <a:srgbClr val="000000"/>
+                  <a:schemeClr val="tx1">
+                    <a:lumMod val="85000"/>
+                    <a:lumOff val="15000"/>
+                  </a:schemeClr>
                 </a:solidFill>
                 <a:effectLst/>
                 <a:latin typeface="Nunito" panose="00000500000000000000" pitchFamily="2" charset="0"/>
@@ -8273,7 +8603,10 @@
             </a:pPr>
             <a:endParaRPr lang="de-DE" sz="2200" dirty="0">
               <a:solidFill>
-                <a:srgbClr val="000000"/>
+                <a:schemeClr val="tx1">
+                  <a:lumMod val="85000"/>
+                  <a:lumOff val="15000"/>
+                </a:schemeClr>
               </a:solidFill>
               <a:latin typeface="Nunito" panose="00000500000000000000" pitchFamily="2" charset="0"/>
             </a:endParaRPr>
@@ -8306,14 +8639,24 @@
             <a:r>
               <a:rPr lang="de-DE" dirty="0">
                 <a:solidFill>
-                  <a:srgbClr val="404040"/>
+                  <a:schemeClr val="tx1">
+                    <a:lumMod val="85000"/>
+                    <a:lumOff val="15000"/>
+                  </a:schemeClr>
                 </a:solidFill>
                 <a:effectLst/>
                 <a:latin typeface="Nunito" panose="00000500000000000000" pitchFamily="2" charset="0"/>
               </a:rPr>
               <a:t>Amortisationsdauer</a:t>
             </a:r>
-            <a:endParaRPr lang="de-DE" dirty="0"/>
+            <a:endParaRPr lang="de-DE" dirty="0">
+              <a:solidFill>
+                <a:schemeClr val="tx1">
+                  <a:lumMod val="85000"/>
+                  <a:lumOff val="15000"/>
+                </a:schemeClr>
+              </a:solidFill>
+            </a:endParaRPr>
           </a:p>
         </p:txBody>
       </p:sp>
@@ -8463,14 +8806,20 @@
             <a:r>
               <a:rPr lang="en-US" dirty="0" err="1">
                 <a:solidFill>
-                  <a:srgbClr val="000000"/>
+                  <a:schemeClr val="tx1">
+                    <a:lumMod val="85000"/>
+                    <a:lumOff val="15000"/>
+                  </a:schemeClr>
                 </a:solidFill>
               </a:rPr>
               <a:t>Inhalt</a:t>
             </a:r>
             <a:endParaRPr lang="en-US" dirty="0">
               <a:solidFill>
-                <a:srgbClr val="000000"/>
+                <a:schemeClr val="tx1">
+                  <a:lumMod val="85000"/>
+                  <a:lumOff val="15000"/>
+                </a:schemeClr>
               </a:solidFill>
             </a:endParaRPr>
           </a:p>
@@ -8500,13 +8849,18 @@
               <a:defRPr/>
             </a:pPr>
             <a:r>
-              <a:rPr lang="en-US" sz="1800">
+              <a:rPr lang="en-US" sz="1800" dirty="0" err="1">
                 <a:solidFill>
                   <a:srgbClr val="D0D1D9"/>
                 </a:solidFill>
               </a:rPr>
               <a:t>Vorstellung</a:t>
             </a:r>
+            <a:endParaRPr lang="en-US" sz="1800" dirty="0">
+              <a:solidFill>
+                <a:srgbClr val="D0D1D9"/>
+              </a:solidFill>
+            </a:endParaRPr>
           </a:p>
           <a:p>
             <a:pPr>
@@ -8516,13 +8870,18 @@
               <a:defRPr/>
             </a:pPr>
             <a:r>
-              <a:rPr lang="en-US" sz="1800">
+              <a:rPr lang="en-US" sz="1800" dirty="0" err="1">
                 <a:solidFill>
                   <a:srgbClr val="D0D1D9"/>
                 </a:solidFill>
               </a:rPr>
               <a:t>Thematik</a:t>
             </a:r>
+            <a:endParaRPr lang="en-US" sz="1800" dirty="0">
+              <a:solidFill>
+                <a:srgbClr val="D0D1D9"/>
+              </a:solidFill>
+            </a:endParaRPr>
           </a:p>
           <a:p>
             <a:pPr>
@@ -8532,14 +8891,35 @@
               <a:defRPr/>
             </a:pPr>
             <a:r>
-              <a:rPr lang="en-US" sz="1800">
+              <a:rPr lang="en-US" sz="1800" dirty="0" err="1">
                 <a:solidFill>
                   <a:srgbClr val="D0D1D9"/>
                 </a:solidFill>
               </a:rPr>
               <a:t>Analyse</a:t>
             </a:r>
-            <a:endParaRPr lang="en-US" sz="1800">
+            <a:endParaRPr lang="en-US" sz="1800" dirty="0">
+              <a:solidFill>
+                <a:srgbClr val="D0D1D9"/>
+              </a:solidFill>
+            </a:endParaRPr>
+          </a:p>
+          <a:p>
+            <a:pPr>
+              <a:lnSpc>
+                <a:spcPct val="150000"/>
+              </a:lnSpc>
+              <a:defRPr/>
+            </a:pPr>
+            <a:r>
+              <a:rPr lang="en-US" sz="1800" dirty="0" err="1">
+                <a:solidFill>
+                  <a:srgbClr val="22E298"/>
+                </a:solidFill>
+              </a:rPr>
+              <a:t>Entwurf</a:t>
+            </a:r>
+            <a:endParaRPr lang="en-US" sz="1800" dirty="0">
               <a:solidFill>
                 <a:srgbClr val="22E298"/>
               </a:solidFill>
@@ -8553,14 +8933,24 @@
               <a:defRPr/>
             </a:pPr>
             <a:r>
-              <a:rPr lang="en-US" sz="1800">
-                <a:solidFill>
-                  <a:srgbClr val="22E298"/>
+              <a:rPr lang="en-US" sz="1800" dirty="0" err="1">
+                <a:solidFill>
+                  <a:schemeClr val="tx1">
+                    <a:lumMod val="85000"/>
+                    <a:lumOff val="15000"/>
+                  </a:schemeClr>
                 </a:solidFill>
               </a:rPr>
-              <a:t>Entwurf</a:t>
-            </a:r>
-            <a:endParaRPr lang="en-US" sz="1800"/>
+              <a:t>Implementierung</a:t>
+            </a:r>
+            <a:endParaRPr lang="en-US" sz="1800" dirty="0">
+              <a:solidFill>
+                <a:schemeClr val="tx1">
+                  <a:lumMod val="85000"/>
+                  <a:lumOff val="15000"/>
+                </a:schemeClr>
+              </a:solidFill>
+            </a:endParaRPr>
           </a:p>
           <a:p>
             <a:pPr>
@@ -8570,21 +8960,46 @@
               <a:defRPr/>
             </a:pPr>
             <a:r>
-              <a:rPr lang="en-US" sz="1800"/>
-              <a:t>Implementierung</a:t>
-            </a:r>
-          </a:p>
-          <a:p>
-            <a:pPr>
-              <a:lnSpc>
-                <a:spcPct val="150000"/>
-              </a:lnSpc>
-              <a:defRPr/>
-            </a:pPr>
-            <a:r>
-              <a:rPr lang="en-US" sz="1800"/>
-              <a:t>Fazit und Ausblick</a:t>
-            </a:r>
+              <a:rPr lang="en-US" sz="1800" dirty="0" err="1">
+                <a:solidFill>
+                  <a:schemeClr val="tx1">
+                    <a:lumMod val="85000"/>
+                    <a:lumOff val="15000"/>
+                  </a:schemeClr>
+                </a:solidFill>
+              </a:rPr>
+              <a:t>Fazit</a:t>
+            </a:r>
+            <a:r>
+              <a:rPr lang="en-US" sz="1800" dirty="0">
+                <a:solidFill>
+                  <a:schemeClr val="tx1">
+                    <a:lumMod val="85000"/>
+                    <a:lumOff val="15000"/>
+                  </a:schemeClr>
+                </a:solidFill>
+              </a:rPr>
+              <a:t> und </a:t>
+            </a:r>
+            <a:r>
+              <a:rPr lang="en-US" sz="1800" dirty="0" err="1">
+                <a:solidFill>
+                  <a:schemeClr val="tx1">
+                    <a:lumMod val="85000"/>
+                    <a:lumOff val="15000"/>
+                  </a:schemeClr>
+                </a:solidFill>
+              </a:rPr>
+              <a:t>Ausblick</a:t>
+            </a:r>
+            <a:endParaRPr lang="en-US" sz="1800" dirty="0">
+              <a:solidFill>
+                <a:schemeClr val="tx1">
+                  <a:lumMod val="85000"/>
+                  <a:lumOff val="15000"/>
+                </a:schemeClr>
+              </a:solidFill>
+            </a:endParaRPr>
           </a:p>
         </p:txBody>
       </p:sp>
@@ -8622,188 +9037,6 @@
 </file>
 
 <file path=ppt/slides/slide13.xml><?xml version="1.0" encoding="utf-8"?>
-<p:sld xmlns:a="http://schemas.openxmlformats.org/drawingml/2006/main" xmlns:r="http://schemas.openxmlformats.org/officeDocument/2006/relationships" xmlns:p="http://schemas.openxmlformats.org/presentationml/2006/main">
-  <p:cSld>
-    <p:spTree>
-      <p:nvGrpSpPr>
-        <p:cNvPr id="1" name=""/>
-        <p:cNvGrpSpPr/>
-        <p:nvPr/>
-      </p:nvGrpSpPr>
-      <p:grpSpPr>
-        <a:xfrm>
-          <a:off x="0" y="0"/>
-          <a:ext cx="0" cy="0"/>
-          <a:chOff x="0" y="0"/>
-          <a:chExt cx="0" cy="0"/>
-        </a:xfrm>
-      </p:grpSpPr>
-      <p:pic>
-        <p:nvPicPr>
-          <p:cNvPr id="8" name="Inhaltsplatzhalter 7">
-            <a:extLst>
-              <a:ext uri="{FF2B5EF4-FFF2-40B4-BE49-F238E27FC236}">
-                <a16:creationId xmlns:a16="http://schemas.microsoft.com/office/drawing/2014/main" id="{4D725708-EF10-C9EA-A377-C4E84AAB9D5A}"/>
-              </a:ext>
-            </a:extLst>
-          </p:cNvPr>
-          <p:cNvPicPr>
-            <a:picLocks noGrp="1" noChangeAspect="1"/>
-          </p:cNvPicPr>
-          <p:nvPr>
-            <p:ph idx="1"/>
-          </p:nvPr>
-        </p:nvPicPr>
-        <p:blipFill>
-          <a:blip r:embed="rId2"/>
-          <a:stretch>
-            <a:fillRect/>
-          </a:stretch>
-        </p:blipFill>
-        <p:spPr>
-          <a:xfrm>
-            <a:off x="1306732" y="1882681"/>
-            <a:ext cx="6530536" cy="4032448"/>
-          </a:xfrm>
-        </p:spPr>
-      </p:pic>
-      <p:sp>
-        <p:nvSpPr>
-          <p:cNvPr id="3" name="Titel 2">
-            <a:extLst>
-              <a:ext uri="{FF2B5EF4-FFF2-40B4-BE49-F238E27FC236}">
-                <a16:creationId xmlns:a16="http://schemas.microsoft.com/office/drawing/2014/main" id="{9942A9EC-F73A-0662-68E8-67A59EEE8C5C}"/>
-              </a:ext>
-            </a:extLst>
-          </p:cNvPr>
-          <p:cNvSpPr>
-            <a:spLocks noGrp="1"/>
-          </p:cNvSpPr>
-          <p:nvPr>
-            <p:ph type="title"/>
-          </p:nvPr>
-        </p:nvSpPr>
-        <p:spPr/>
-        <p:txBody>
-          <a:bodyPr/>
-          <a:lstStyle/>
-          <a:p>
-            <a:r>
-              <a:rPr lang="de-DE" dirty="0"/>
-              <a:t>Entwurf</a:t>
-            </a:r>
-          </a:p>
-        </p:txBody>
-      </p:sp>
-      <p:sp>
-        <p:nvSpPr>
-          <p:cNvPr id="4" name="Datumsplatzhalter 3">
-            <a:extLst>
-              <a:ext uri="{FF2B5EF4-FFF2-40B4-BE49-F238E27FC236}">
-                <a16:creationId xmlns:a16="http://schemas.microsoft.com/office/drawing/2014/main" id="{8C9E7DE5-A1FF-F4B8-D57C-BA12144A4853}"/>
-              </a:ext>
-            </a:extLst>
-          </p:cNvPr>
-          <p:cNvSpPr>
-            <a:spLocks noGrp="1"/>
-          </p:cNvSpPr>
-          <p:nvPr>
-            <p:ph type="dt" sz="half" idx="2"/>
-          </p:nvPr>
-        </p:nvSpPr>
-        <p:spPr/>
-        <p:txBody>
-          <a:bodyPr/>
-          <a:lstStyle/>
-          <a:p>
-            <a:pPr>
-              <a:defRPr/>
-            </a:pPr>
-            <a:r>
-              <a:rPr lang="de-DE"/>
-              <a:t>Eduard Schwarzkopf </a:t>
-            </a:r>
-            <a:endParaRPr lang="en-US"/>
-          </a:p>
-        </p:txBody>
-      </p:sp>
-      <p:sp>
-        <p:nvSpPr>
-          <p:cNvPr id="5" name="Fußzeilenplatzhalter 4">
-            <a:extLst>
-              <a:ext uri="{FF2B5EF4-FFF2-40B4-BE49-F238E27FC236}">
-                <a16:creationId xmlns:a16="http://schemas.microsoft.com/office/drawing/2014/main" id="{B6B829F3-0C3C-EC39-6553-B1289AEB08C9}"/>
-              </a:ext>
-            </a:extLst>
-          </p:cNvPr>
-          <p:cNvSpPr>
-            <a:spLocks noGrp="1"/>
-          </p:cNvSpPr>
-          <p:nvPr>
-            <p:ph type="ftr" sz="quarter" idx="3"/>
-          </p:nvPr>
-        </p:nvSpPr>
-        <p:spPr/>
-        <p:txBody>
-          <a:bodyPr/>
-          <a:lstStyle/>
-          <a:p>
-            <a:pPr>
-              <a:defRPr/>
-            </a:pPr>
-            <a:r>
-              <a:rPr lang="nl-NL"/>
-              <a:t>Control Center – zwei komponenten Monitoring Tool</a:t>
-            </a:r>
-          </a:p>
-        </p:txBody>
-      </p:sp>
-      <p:sp>
-        <p:nvSpPr>
-          <p:cNvPr id="6" name="Foliennummernplatzhalter 5">
-            <a:extLst>
-              <a:ext uri="{FF2B5EF4-FFF2-40B4-BE49-F238E27FC236}">
-                <a16:creationId xmlns:a16="http://schemas.microsoft.com/office/drawing/2014/main" id="{1A982EEF-5B3E-BCA2-52C4-7A2024CB4A5B}"/>
-              </a:ext>
-            </a:extLst>
-          </p:cNvPr>
-          <p:cNvSpPr>
-            <a:spLocks noGrp="1"/>
-          </p:cNvSpPr>
-          <p:nvPr>
-            <p:ph type="sldNum" sz="quarter" idx="4"/>
-          </p:nvPr>
-        </p:nvSpPr>
-        <p:spPr/>
-        <p:txBody>
-          <a:bodyPr/>
-          <a:lstStyle/>
-          <a:p>
-            <a:pPr>
-              <a:defRPr/>
-            </a:pPr>
-            <a:fld id="{3A98EE3D-8CD1-4C3F-BD1C-C98C9596463C}" type="slidenum">
-              <a:rPr lang="en-US" smtClean="0"/>
-              <a:t>13</a:t>
-            </a:fld>
-            <a:endParaRPr lang="en-US"/>
-          </a:p>
-        </p:txBody>
-      </p:sp>
-    </p:spTree>
-    <p:extLst>
-      <p:ext uri="{BB962C8B-B14F-4D97-AF65-F5344CB8AC3E}">
-        <p14:creationId xmlns:p14="http://schemas.microsoft.com/office/powerpoint/2010/main" val="2890958246"/>
-      </p:ext>
-    </p:extLst>
-  </p:cSld>
-  <p:clrMapOvr>
-    <a:masterClrMapping/>
-  </p:clrMapOvr>
-</p:sld>
-</file>
-
-<file path=ppt/slides/slide14.xml><?xml version="1.0" encoding="utf-8"?>
 <p:sld xmlns:a="http://schemas.openxmlformats.org/drawingml/2006/main" xmlns:r="http://schemas.openxmlformats.org/officeDocument/2006/relationships" xmlns:p="http://schemas.openxmlformats.org/presentationml/2006/main" showMasterPhAnim="0">
   <p:cSld>
     <p:spTree>
@@ -8865,7 +9098,7 @@
             </a:pPr>
             <a:fld id="{3A98EE3D-8CD1-4C3F-BD1C-C98C9596463C}" type="slidenum">
               <a:rPr lang="en-US"/>
-              <a:t>14</a:t>
+              <a:t>13</a:t>
             </a:fld>
             <a:endParaRPr lang="en-US"/>
           </a:p>
@@ -9486,6 +9719,195 @@
 </p:sld>
 </file>
 
+<file path=ppt/slides/slide14.xml><?xml version="1.0" encoding="utf-8"?>
+<p:sld xmlns:a="http://schemas.openxmlformats.org/drawingml/2006/main" xmlns:r="http://schemas.openxmlformats.org/officeDocument/2006/relationships" xmlns:p="http://schemas.openxmlformats.org/presentationml/2006/main">
+  <p:cSld>
+    <p:spTree>
+      <p:nvGrpSpPr>
+        <p:cNvPr id="1" name=""/>
+        <p:cNvGrpSpPr/>
+        <p:nvPr/>
+      </p:nvGrpSpPr>
+      <p:grpSpPr>
+        <a:xfrm>
+          <a:off x="0" y="0"/>
+          <a:ext cx="0" cy="0"/>
+          <a:chOff x="0" y="0"/>
+          <a:chExt cx="0" cy="0"/>
+        </a:xfrm>
+      </p:grpSpPr>
+      <p:pic>
+        <p:nvPicPr>
+          <p:cNvPr id="8" name="Inhaltsplatzhalter 7">
+            <a:extLst>
+              <a:ext uri="{FF2B5EF4-FFF2-40B4-BE49-F238E27FC236}">
+                <a16:creationId xmlns:a16="http://schemas.microsoft.com/office/drawing/2014/main" id="{4D725708-EF10-C9EA-A377-C4E84AAB9D5A}"/>
+              </a:ext>
+            </a:extLst>
+          </p:cNvPr>
+          <p:cNvPicPr>
+            <a:picLocks noGrp="1" noChangeAspect="1"/>
+          </p:cNvPicPr>
+          <p:nvPr>
+            <p:ph idx="1"/>
+          </p:nvPr>
+        </p:nvPicPr>
+        <p:blipFill>
+          <a:blip r:embed="rId2"/>
+          <a:stretch>
+            <a:fillRect/>
+          </a:stretch>
+        </p:blipFill>
+        <p:spPr>
+          <a:xfrm>
+            <a:off x="1306732" y="1882681"/>
+            <a:ext cx="6530536" cy="4032448"/>
+          </a:xfrm>
+        </p:spPr>
+      </p:pic>
+      <p:sp>
+        <p:nvSpPr>
+          <p:cNvPr id="3" name="Titel 2">
+            <a:extLst>
+              <a:ext uri="{FF2B5EF4-FFF2-40B4-BE49-F238E27FC236}">
+                <a16:creationId xmlns:a16="http://schemas.microsoft.com/office/drawing/2014/main" id="{9942A9EC-F73A-0662-68E8-67A59EEE8C5C}"/>
+              </a:ext>
+            </a:extLst>
+          </p:cNvPr>
+          <p:cNvSpPr>
+            <a:spLocks noGrp="1"/>
+          </p:cNvSpPr>
+          <p:nvPr>
+            <p:ph type="title"/>
+          </p:nvPr>
+        </p:nvSpPr>
+        <p:spPr/>
+        <p:txBody>
+          <a:bodyPr/>
+          <a:lstStyle/>
+          <a:p>
+            <a:r>
+              <a:rPr lang="de-DE" dirty="0">
+                <a:solidFill>
+                  <a:schemeClr val="tx1">
+                    <a:lumMod val="85000"/>
+                    <a:lumOff val="15000"/>
+                  </a:schemeClr>
+                </a:solidFill>
+              </a:rPr>
+              <a:t>Entwurf</a:t>
+            </a:r>
+          </a:p>
+        </p:txBody>
+      </p:sp>
+      <p:sp>
+        <p:nvSpPr>
+          <p:cNvPr id="4" name="Datumsplatzhalter 3">
+            <a:extLst>
+              <a:ext uri="{FF2B5EF4-FFF2-40B4-BE49-F238E27FC236}">
+                <a16:creationId xmlns:a16="http://schemas.microsoft.com/office/drawing/2014/main" id="{8C9E7DE5-A1FF-F4B8-D57C-BA12144A4853}"/>
+              </a:ext>
+            </a:extLst>
+          </p:cNvPr>
+          <p:cNvSpPr>
+            <a:spLocks noGrp="1"/>
+          </p:cNvSpPr>
+          <p:nvPr>
+            <p:ph type="dt" sz="half" idx="2"/>
+          </p:nvPr>
+        </p:nvSpPr>
+        <p:spPr/>
+        <p:txBody>
+          <a:bodyPr/>
+          <a:lstStyle/>
+          <a:p>
+            <a:pPr>
+              <a:defRPr/>
+            </a:pPr>
+            <a:r>
+              <a:rPr lang="de-DE"/>
+              <a:t>Eduard Schwarzkopf </a:t>
+            </a:r>
+            <a:endParaRPr lang="en-US"/>
+          </a:p>
+        </p:txBody>
+      </p:sp>
+      <p:sp>
+        <p:nvSpPr>
+          <p:cNvPr id="5" name="Fußzeilenplatzhalter 4">
+            <a:extLst>
+              <a:ext uri="{FF2B5EF4-FFF2-40B4-BE49-F238E27FC236}">
+                <a16:creationId xmlns:a16="http://schemas.microsoft.com/office/drawing/2014/main" id="{B6B829F3-0C3C-EC39-6553-B1289AEB08C9}"/>
+              </a:ext>
+            </a:extLst>
+          </p:cNvPr>
+          <p:cNvSpPr>
+            <a:spLocks noGrp="1"/>
+          </p:cNvSpPr>
+          <p:nvPr>
+            <p:ph type="ftr" sz="quarter" idx="3"/>
+          </p:nvPr>
+        </p:nvSpPr>
+        <p:spPr/>
+        <p:txBody>
+          <a:bodyPr/>
+          <a:lstStyle/>
+          <a:p>
+            <a:pPr>
+              <a:defRPr/>
+            </a:pPr>
+            <a:r>
+              <a:rPr lang="nl-NL"/>
+              <a:t>Control Center – zwei komponenten Monitoring Tool</a:t>
+            </a:r>
+          </a:p>
+        </p:txBody>
+      </p:sp>
+      <p:sp>
+        <p:nvSpPr>
+          <p:cNvPr id="6" name="Foliennummernplatzhalter 5">
+            <a:extLst>
+              <a:ext uri="{FF2B5EF4-FFF2-40B4-BE49-F238E27FC236}">
+                <a16:creationId xmlns:a16="http://schemas.microsoft.com/office/drawing/2014/main" id="{1A982EEF-5B3E-BCA2-52C4-7A2024CB4A5B}"/>
+              </a:ext>
+            </a:extLst>
+          </p:cNvPr>
+          <p:cNvSpPr>
+            <a:spLocks noGrp="1"/>
+          </p:cNvSpPr>
+          <p:nvPr>
+            <p:ph type="sldNum" sz="quarter" idx="4"/>
+          </p:nvPr>
+        </p:nvSpPr>
+        <p:spPr/>
+        <p:txBody>
+          <a:bodyPr/>
+          <a:lstStyle/>
+          <a:p>
+            <a:pPr>
+              <a:defRPr/>
+            </a:pPr>
+            <a:fld id="{3A98EE3D-8CD1-4C3F-BD1C-C98C9596463C}" type="slidenum">
+              <a:rPr lang="en-US" smtClean="0"/>
+              <a:t>14</a:t>
+            </a:fld>
+            <a:endParaRPr lang="en-US"/>
+          </a:p>
+        </p:txBody>
+      </p:sp>
+    </p:spTree>
+    <p:extLst>
+      <p:ext uri="{BB962C8B-B14F-4D97-AF65-F5344CB8AC3E}">
+        <p14:creationId xmlns:p14="http://schemas.microsoft.com/office/powerpoint/2010/main" val="2890958246"/>
+      </p:ext>
+    </p:extLst>
+  </p:cSld>
+  <p:clrMapOvr>
+    <a:masterClrMapping/>
+  </p:clrMapOvr>
+</p:sld>
+</file>
+
 <file path=ppt/slides/slide15.xml><?xml version="1.0" encoding="utf-8"?>
 <p:sld xmlns:a="http://schemas.openxmlformats.org/drawingml/2006/main" xmlns:r="http://schemas.openxmlformats.org/officeDocument/2006/relationships" xmlns:p="http://schemas.openxmlformats.org/presentationml/2006/main" showMasterPhAnim="0">
   <p:cSld>
@@ -9522,13 +9944,24 @@
               <a:defRPr/>
             </a:pPr>
             <a:r>
-              <a:rPr lang="en-US">
-                <a:solidFill>
-                  <a:schemeClr val="tx1"/>
+              <a:rPr lang="en-US" dirty="0" err="1">
+                <a:solidFill>
+                  <a:schemeClr val="tx1">
+                    <a:lumMod val="85000"/>
+                    <a:lumOff val="15000"/>
+                  </a:schemeClr>
                 </a:solidFill>
               </a:rPr>
               <a:t>Inhalt</a:t>
             </a:r>
+            <a:endParaRPr lang="en-US" dirty="0">
+              <a:solidFill>
+                <a:schemeClr val="tx1">
+                  <a:lumMod val="85000"/>
+                  <a:lumOff val="15000"/>
+                </a:schemeClr>
+              </a:solidFill>
+            </a:endParaRPr>
           </a:p>
         </p:txBody>
       </p:sp>
@@ -9607,6 +10040,48 @@
             </a:r>
             <a:endParaRPr lang="en-US" sz="1800" dirty="0">
               <a:solidFill>
+                <a:srgbClr val="D0D1D9"/>
+              </a:solidFill>
+            </a:endParaRPr>
+          </a:p>
+          <a:p>
+            <a:pPr>
+              <a:lnSpc>
+                <a:spcPct val="150000"/>
+              </a:lnSpc>
+              <a:defRPr/>
+            </a:pPr>
+            <a:r>
+              <a:rPr lang="en-US" sz="1800" dirty="0" err="1">
+                <a:solidFill>
+                  <a:srgbClr val="D0D1D9"/>
+                </a:solidFill>
+              </a:rPr>
+              <a:t>Entwurf</a:t>
+            </a:r>
+            <a:endParaRPr lang="en-US" sz="1800" dirty="0">
+              <a:solidFill>
+                <a:srgbClr val="D0D1D9"/>
+              </a:solidFill>
+            </a:endParaRPr>
+          </a:p>
+          <a:p>
+            <a:pPr>
+              <a:lnSpc>
+                <a:spcPct val="150000"/>
+              </a:lnSpc>
+              <a:defRPr/>
+            </a:pPr>
+            <a:r>
+              <a:rPr lang="en-US" sz="1800" dirty="0" err="1">
+                <a:solidFill>
+                  <a:srgbClr val="22E298"/>
+                </a:solidFill>
+              </a:rPr>
+              <a:t>Implementierung</a:t>
+            </a:r>
+            <a:endParaRPr lang="en-US" sz="1800" dirty="0">
+              <a:solidFill>
                 <a:srgbClr val="22E298"/>
               </a:solidFill>
             </a:endParaRPr>
@@ -9621,50 +10096,44 @@
             <a:r>
               <a:rPr lang="en-US" sz="1800" dirty="0" err="1">
                 <a:solidFill>
-                  <a:srgbClr val="D0D1D9"/>
+                  <a:schemeClr val="tx1">
+                    <a:lumMod val="85000"/>
+                    <a:lumOff val="15000"/>
+                  </a:schemeClr>
                 </a:solidFill>
               </a:rPr>
-              <a:t>Entwurf</a:t>
-            </a:r>
-            <a:endParaRPr lang="en-US" sz="1800" dirty="0"/>
-          </a:p>
-          <a:p>
-            <a:pPr>
-              <a:lnSpc>
-                <a:spcPct val="150000"/>
-              </a:lnSpc>
-              <a:defRPr/>
-            </a:pPr>
+              <a:t>Fazit</a:t>
+            </a:r>
+            <a:r>
+              <a:rPr lang="en-US" sz="1800" dirty="0">
+                <a:solidFill>
+                  <a:schemeClr val="tx1">
+                    <a:lumMod val="85000"/>
+                    <a:lumOff val="15000"/>
+                  </a:schemeClr>
+                </a:solidFill>
+              </a:rPr>
+              <a:t> und </a:t>
+            </a:r>
             <a:r>
               <a:rPr lang="en-US" sz="1800" dirty="0" err="1">
                 <a:solidFill>
-                  <a:srgbClr val="22E298"/>
+                  <a:schemeClr val="tx1">
+                    <a:lumMod val="85000"/>
+                    <a:lumOff val="15000"/>
+                  </a:schemeClr>
                 </a:solidFill>
               </a:rPr>
-              <a:t>Implementierung</a:t>
-            </a:r>
-            <a:endParaRPr lang="en-US" sz="1800" dirty="0"/>
-          </a:p>
-          <a:p>
-            <a:pPr>
-              <a:lnSpc>
-                <a:spcPct val="150000"/>
-              </a:lnSpc>
-              <a:defRPr/>
-            </a:pPr>
-            <a:r>
-              <a:rPr lang="en-US" sz="1800" dirty="0" err="1"/>
-              <a:t>Fazit</a:t>
-            </a:r>
-            <a:r>
-              <a:rPr lang="en-US" sz="1800" dirty="0"/>
-              <a:t> und </a:t>
-            </a:r>
-            <a:r>
-              <a:rPr lang="en-US" sz="1800" dirty="0" err="1"/>
               <a:t>Ausblick</a:t>
             </a:r>
-            <a:endParaRPr lang="en-US" sz="1800" dirty="0"/>
+            <a:endParaRPr lang="en-US" sz="1800" dirty="0">
+              <a:solidFill>
+                <a:schemeClr val="tx1">
+                  <a:lumMod val="85000"/>
+                  <a:lumOff val="15000"/>
+                </a:schemeClr>
+              </a:solidFill>
+            </a:endParaRPr>
           </a:p>
         </p:txBody>
       </p:sp>
@@ -9741,14 +10210,24 @@
             <a:r>
               <a:rPr lang="de-DE" dirty="0">
                 <a:solidFill>
-                  <a:srgbClr val="404040"/>
+                  <a:schemeClr val="tx1">
+                    <a:lumMod val="85000"/>
+                    <a:lumOff val="15000"/>
+                  </a:schemeClr>
                 </a:solidFill>
                 <a:effectLst/>
                 <a:latin typeface="Nunito" panose="00000500000000000000" pitchFamily="2" charset="0"/>
               </a:rPr>
               <a:t>Anforderungen</a:t>
             </a:r>
-            <a:endParaRPr dirty="0"/>
+            <a:endParaRPr dirty="0">
+              <a:solidFill>
+                <a:schemeClr val="tx1">
+                  <a:lumMod val="85000"/>
+                  <a:lumOff val="15000"/>
+                </a:schemeClr>
+              </a:solidFill>
+            </a:endParaRPr>
           </a:p>
         </p:txBody>
       </p:sp>
@@ -9779,7 +10258,10 @@
             <a:r>
               <a:rPr lang="de-DE" sz="1800" dirty="0">
                 <a:solidFill>
-                  <a:srgbClr val="000000"/>
+                  <a:schemeClr val="tx1">
+                    <a:lumMod val="85000"/>
+                    <a:lumOff val="15000"/>
+                  </a:schemeClr>
                 </a:solidFill>
                 <a:effectLst/>
                 <a:latin typeface="Nunito" panose="00000500000000000000" pitchFamily="2" charset="0"/>
@@ -9787,6 +10269,12 @@
               <a:t>Webhoster-Unabhängig</a:t>
             </a:r>
             <a:endParaRPr lang="de-DE" sz="2800" dirty="0">
+              <a:solidFill>
+                <a:schemeClr val="tx1">
+                  <a:lumMod val="85000"/>
+                  <a:lumOff val="15000"/>
+                </a:schemeClr>
+              </a:solidFill>
               <a:effectLst/>
             </a:endParaRPr>
           </a:p>
@@ -9801,7 +10289,10 @@
             <a:r>
               <a:rPr lang="de-DE" sz="1800" dirty="0">
                 <a:solidFill>
-                  <a:srgbClr val="000000"/>
+                  <a:schemeClr val="tx1">
+                    <a:lumMod val="85000"/>
+                    <a:lumOff val="15000"/>
+                  </a:schemeClr>
                 </a:solidFill>
                 <a:effectLst/>
                 <a:latin typeface="Nunito" panose="00000500000000000000" pitchFamily="2" charset="0"/>
@@ -9809,6 +10300,12 @@
               <a:t>Backups</a:t>
             </a:r>
             <a:endParaRPr lang="de-DE" sz="2800" dirty="0">
+              <a:solidFill>
+                <a:schemeClr val="tx1">
+                  <a:lumMod val="85000"/>
+                  <a:lumOff val="15000"/>
+                </a:schemeClr>
+              </a:solidFill>
               <a:effectLst/>
             </a:endParaRPr>
           </a:p>
@@ -9823,7 +10320,10 @@
             <a:r>
               <a:rPr lang="de-DE" sz="1800" dirty="0">
                 <a:solidFill>
-                  <a:srgbClr val="000000"/>
+                  <a:schemeClr val="tx1">
+                    <a:lumMod val="85000"/>
+                    <a:lumOff val="15000"/>
+                  </a:schemeClr>
                 </a:solidFill>
                 <a:effectLst/>
                 <a:latin typeface="Nunito" panose="00000500000000000000" pitchFamily="2" charset="0"/>
@@ -9831,6 +10331,12 @@
               <a:t>Sicherheit</a:t>
             </a:r>
             <a:endParaRPr lang="de-DE" sz="2800" dirty="0">
+              <a:solidFill>
+                <a:schemeClr val="tx1">
+                  <a:lumMod val="85000"/>
+                  <a:lumOff val="15000"/>
+                </a:schemeClr>
+              </a:solidFill>
               <a:effectLst/>
             </a:endParaRPr>
           </a:p>
@@ -9845,7 +10351,10 @@
             <a:r>
               <a:rPr lang="de-DE" sz="1800" dirty="0">
                 <a:solidFill>
-                  <a:srgbClr val="000000"/>
+                  <a:schemeClr val="tx1">
+                    <a:lumMod val="85000"/>
+                    <a:lumOff val="15000"/>
+                  </a:schemeClr>
                 </a:solidFill>
                 <a:effectLst/>
                 <a:latin typeface="Nunito" panose="00000500000000000000" pitchFamily="2" charset="0"/>
@@ -9853,6 +10362,12 @@
               <a:t>Dashboard</a:t>
             </a:r>
             <a:endParaRPr lang="de-DE" sz="2800" dirty="0">
+              <a:solidFill>
+                <a:schemeClr val="tx1">
+                  <a:lumMod val="85000"/>
+                  <a:lumOff val="15000"/>
+                </a:schemeClr>
+              </a:solidFill>
               <a:effectLst/>
             </a:endParaRPr>
           </a:p>
@@ -9867,7 +10382,10 @@
             <a:r>
               <a:rPr lang="de-DE" sz="1800" dirty="0">
                 <a:solidFill>
-                  <a:srgbClr val="000000"/>
+                  <a:schemeClr val="tx1">
+                    <a:lumMod val="85000"/>
+                    <a:lumOff val="15000"/>
+                  </a:schemeClr>
                 </a:solidFill>
                 <a:effectLst/>
                 <a:latin typeface="Nunito" panose="00000500000000000000" pitchFamily="2" charset="0"/>
@@ -9875,6 +10393,12 @@
               <a:t>Monitoring</a:t>
             </a:r>
             <a:endParaRPr lang="de-DE" sz="2800" dirty="0">
+              <a:solidFill>
+                <a:schemeClr val="tx1">
+                  <a:lumMod val="85000"/>
+                  <a:lumOff val="15000"/>
+                </a:schemeClr>
+              </a:solidFill>
               <a:effectLst/>
             </a:endParaRPr>
           </a:p>
@@ -9889,7 +10413,10 @@
             <a:r>
               <a:rPr lang="de-DE" sz="1800" dirty="0">
                 <a:solidFill>
-                  <a:srgbClr val="000000"/>
+                  <a:schemeClr val="tx1">
+                    <a:lumMod val="85000"/>
+                    <a:lumOff val="15000"/>
+                  </a:schemeClr>
                 </a:solidFill>
                 <a:effectLst/>
                 <a:latin typeface="Nunito" panose="00000500000000000000" pitchFamily="2" charset="0"/>
@@ -9897,6 +10424,12 @@
               <a:t>E-Mail Benachrichtigung</a:t>
             </a:r>
             <a:endParaRPr lang="de-DE" sz="2800" dirty="0">
+              <a:solidFill>
+                <a:schemeClr val="tx1">
+                  <a:lumMod val="85000"/>
+                  <a:lumOff val="15000"/>
+                </a:schemeClr>
+              </a:solidFill>
               <a:effectLst/>
             </a:endParaRPr>
           </a:p>
@@ -10074,103 +10607,16 @@
               <a:defRPr/>
             </a:pPr>
             <a:r>
-              <a:rPr lang="en-US" dirty="0"/>
+              <a:rPr lang="en-US" dirty="0">
+                <a:solidFill>
+                  <a:schemeClr val="tx1">
+                    <a:lumMod val="85000"/>
+                    <a:lumOff val="15000"/>
+                  </a:schemeClr>
+                </a:solidFill>
+              </a:rPr>
               <a:t>KOMPONENTE 1 - CLIENT</a:t>
             </a:r>
-          </a:p>
-        </p:txBody>
-      </p:sp>
-      <p:sp>
-        <p:nvSpPr>
-          <p:cNvPr id="163238572" name="Content Placeholder 3"/>
-          <p:cNvSpPr>
-            <a:spLocks noGrp="1"/>
-          </p:cNvSpPr>
-          <p:nvPr>
-            <p:ph sz="half" idx="14"/>
-          </p:nvPr>
-        </p:nvSpPr>
-        <p:spPr bwMode="auto">
-          <a:xfrm>
-            <a:off x="453876" y="630936"/>
-            <a:ext cx="3441847" cy="5586983"/>
-          </a:xfrm>
-          <a:prstGeom prst="rect">
-            <a:avLst/>
-          </a:prstGeom>
-          <a:solidFill>
-            <a:srgbClr val="EDEFF7"/>
-          </a:solidFill>
-        </p:spPr>
-        <p:txBody>
-          <a:bodyPr>
-            <a:normAutofit/>
-          </a:bodyPr>
-          <a:lstStyle>
-            <a:lvl1pPr>
-              <a:buClr>
-                <a:schemeClr val="tx1"/>
-              </a:buClr>
-              <a:defRPr sz="1200">
-                <a:solidFill>
-                  <a:schemeClr val="tx1"/>
-                </a:solidFill>
-              </a:defRPr>
-            </a:lvl1pPr>
-            <a:lvl2pPr marL="288036" indent="-137160">
-              <a:buClr>
-                <a:schemeClr val="tx1"/>
-              </a:buClr>
-              <a:buFont typeface="Arial"/>
-              <a:buChar char="•"/>
-              <a:defRPr sz="1050">
-                <a:solidFill>
-                  <a:schemeClr val="tx1"/>
-                </a:solidFill>
-              </a:defRPr>
-            </a:lvl2pPr>
-            <a:lvl3pPr marL="425196" indent="-137160">
-              <a:buClr>
-                <a:schemeClr val="tx1"/>
-              </a:buClr>
-              <a:buFont typeface="Arial"/>
-              <a:buChar char="•"/>
-              <a:defRPr sz="850">
-                <a:solidFill>
-                  <a:schemeClr val="tx1"/>
-                </a:solidFill>
-              </a:defRPr>
-            </a:lvl3pPr>
-            <a:lvl4pPr marL="562356" indent="-137160">
-              <a:buClr>
-                <a:schemeClr val="tx1"/>
-              </a:buClr>
-              <a:buFont typeface="Arial"/>
-              <a:buChar char="•"/>
-              <a:defRPr sz="850">
-                <a:solidFill>
-                  <a:schemeClr val="tx1"/>
-                </a:solidFill>
-              </a:defRPr>
-            </a:lvl4pPr>
-            <a:lvl5pPr marL="699516" indent="-137160">
-              <a:buClr>
-                <a:schemeClr val="tx1"/>
-              </a:buClr>
-              <a:buFont typeface="Arial"/>
-              <a:buChar char="•"/>
-              <a:defRPr sz="850">
-                <a:solidFill>
-                  <a:schemeClr val="tx1"/>
-                </a:solidFill>
-              </a:defRPr>
-            </a:lvl5pPr>
-          </a:lstStyle>
-          <a:p>
-            <a:pPr>
-              <a:defRPr/>
-            </a:pPr>
-            <a:endParaRPr/>
           </a:p>
         </p:txBody>
       </p:sp>
@@ -10196,16 +10642,18 @@
           </a:bodyPr>
           <a:lstStyle/>
           <a:p>
-            <a:pPr marL="0" indent="0">
+            <a:pPr>
               <a:lnSpc>
                 <a:spcPct val="150000"/>
               </a:lnSpc>
-              <a:buNone/>
             </a:pPr>
             <a:r>
               <a:rPr lang="de-DE" sz="1800" dirty="0">
                 <a:solidFill>
-                  <a:srgbClr val="000000"/>
+                  <a:schemeClr val="tx1">
+                    <a:lumMod val="85000"/>
+                    <a:lumOff val="15000"/>
+                  </a:schemeClr>
                 </a:solidFill>
                 <a:effectLst/>
                 <a:latin typeface="Nunito" panose="00000500000000000000" pitchFamily="2" charset="0"/>
@@ -10213,20 +10661,28 @@
               <a:t>Rein in PHP</a:t>
             </a:r>
             <a:endParaRPr lang="de-DE" sz="1800" dirty="0">
+              <a:solidFill>
+                <a:schemeClr val="tx1">
+                  <a:lumMod val="85000"/>
+                  <a:lumOff val="15000"/>
+                </a:schemeClr>
+              </a:solidFill>
               <a:effectLst/>
             </a:endParaRPr>
           </a:p>
           <a:p>
-            <a:pPr marL="0" indent="0">
+            <a:pPr>
               <a:lnSpc>
                 <a:spcPct val="150000"/>
               </a:lnSpc>
-              <a:buNone/>
             </a:pPr>
             <a:r>
               <a:rPr lang="de-DE" sz="1800" dirty="0">
                 <a:solidFill>
-                  <a:srgbClr val="000000"/>
+                  <a:schemeClr val="tx1">
+                    <a:lumMod val="85000"/>
+                    <a:lumOff val="15000"/>
+                  </a:schemeClr>
                 </a:solidFill>
                 <a:effectLst/>
                 <a:latin typeface="Nunito" panose="00000500000000000000" pitchFamily="2" charset="0"/>
@@ -10234,20 +10690,28 @@
               <a:t>Micro-Service</a:t>
             </a:r>
             <a:endParaRPr lang="de-DE" sz="1800" dirty="0">
+              <a:solidFill>
+                <a:schemeClr val="tx1">
+                  <a:lumMod val="85000"/>
+                  <a:lumOff val="15000"/>
+                </a:schemeClr>
+              </a:solidFill>
               <a:effectLst/>
             </a:endParaRPr>
           </a:p>
           <a:p>
-            <a:pPr marL="0" indent="0">
+            <a:pPr>
               <a:lnSpc>
                 <a:spcPct val="150000"/>
               </a:lnSpc>
-              <a:buNone/>
             </a:pPr>
             <a:r>
               <a:rPr lang="de-DE" sz="1800" dirty="0">
                 <a:solidFill>
-                  <a:srgbClr val="000000"/>
+                  <a:schemeClr val="tx1">
+                    <a:lumMod val="85000"/>
+                    <a:lumOff val="15000"/>
+                  </a:schemeClr>
                 </a:solidFill>
                 <a:effectLst/>
                 <a:latin typeface="Nunito" panose="00000500000000000000" pitchFamily="2" charset="0"/>
@@ -10255,20 +10719,28 @@
               <a:t>CRUD API</a:t>
             </a:r>
             <a:endParaRPr lang="de-DE" sz="1800" dirty="0">
+              <a:solidFill>
+                <a:schemeClr val="tx1">
+                  <a:lumMod val="85000"/>
+                  <a:lumOff val="15000"/>
+                </a:schemeClr>
+              </a:solidFill>
               <a:effectLst/>
             </a:endParaRPr>
           </a:p>
           <a:p>
-            <a:pPr marL="0" indent="0">
+            <a:pPr>
               <a:lnSpc>
                 <a:spcPct val="150000"/>
               </a:lnSpc>
-              <a:buNone/>
             </a:pPr>
             <a:r>
               <a:rPr lang="de-DE" sz="1800" dirty="0">
                 <a:solidFill>
-                  <a:srgbClr val="000000"/>
+                  <a:schemeClr val="tx1">
+                    <a:lumMod val="85000"/>
+                    <a:lumOff val="15000"/>
+                  </a:schemeClr>
                 </a:solidFill>
                 <a:effectLst/>
                 <a:latin typeface="Nunito" panose="00000500000000000000" pitchFamily="2" charset="0"/>
@@ -10276,20 +10748,28 @@
               <a:t>Validierung des Tokens</a:t>
             </a:r>
             <a:endParaRPr lang="de-DE" sz="1800" dirty="0">
+              <a:solidFill>
+                <a:schemeClr val="tx1">
+                  <a:lumMod val="85000"/>
+                  <a:lumOff val="15000"/>
+                </a:schemeClr>
+              </a:solidFill>
               <a:effectLst/>
             </a:endParaRPr>
           </a:p>
           <a:p>
-            <a:pPr marL="0" indent="0">
+            <a:pPr>
               <a:lnSpc>
                 <a:spcPct val="150000"/>
               </a:lnSpc>
-              <a:buNone/>
             </a:pPr>
             <a:r>
               <a:rPr lang="de-DE" sz="1800" dirty="0">
                 <a:solidFill>
-                  <a:srgbClr val="000000"/>
+                  <a:schemeClr val="tx1">
+                    <a:lumMod val="85000"/>
+                    <a:lumOff val="15000"/>
+                  </a:schemeClr>
                 </a:solidFill>
                 <a:effectLst/>
                 <a:latin typeface="Nunito" panose="00000500000000000000" pitchFamily="2" charset="0"/>
@@ -10297,17 +10777,28 @@
               <a:t>Ausführende Instanz</a:t>
             </a:r>
             <a:endParaRPr lang="de-DE" sz="1800" dirty="0">
+              <a:solidFill>
+                <a:schemeClr val="tx1">
+                  <a:lumMod val="85000"/>
+                  <a:lumOff val="15000"/>
+                </a:schemeClr>
+              </a:solidFill>
               <a:effectLst/>
             </a:endParaRPr>
           </a:p>
           <a:p>
-            <a:pPr marL="0" indent="0">
+            <a:pPr>
               <a:lnSpc>
                 <a:spcPct val="150000"/>
               </a:lnSpc>
-              <a:buNone/>
             </a:pPr>
             <a:endParaRPr lang="de-DE" sz="1800" dirty="0">
+              <a:solidFill>
+                <a:schemeClr val="tx1">
+                  <a:lumMod val="85000"/>
+                  <a:lumOff val="15000"/>
+                </a:schemeClr>
+              </a:solidFill>
               <a:effectLst/>
             </a:endParaRPr>
           </a:p>
@@ -10390,6 +10881,42 @@
           </a:p>
         </p:txBody>
       </p:sp>
+      <p:pic>
+        <p:nvPicPr>
+          <p:cNvPr id="12" name="Grafik 11">
+            <a:extLst>
+              <a:ext uri="{FF2B5EF4-FFF2-40B4-BE49-F238E27FC236}">
+                <a16:creationId xmlns:a16="http://schemas.microsoft.com/office/drawing/2014/main" id="{804FB2CF-1089-BFF2-F49C-33E9B72A9B21}"/>
+              </a:ext>
+            </a:extLst>
+          </p:cNvPr>
+          <p:cNvPicPr>
+            <a:picLocks noChangeAspect="1"/>
+          </p:cNvPicPr>
+          <p:nvPr/>
+        </p:nvPicPr>
+        <p:blipFill>
+          <a:blip r:embed="rId2">
+            <a:extLst>
+              <a:ext uri="{96DAC541-7B7A-43D3-8B79-37D633B846F1}">
+                <asvg:svgBlip xmlns:asvg="http://schemas.microsoft.com/office/drawing/2016/SVG/main" r:embed="rId3"/>
+              </a:ext>
+            </a:extLst>
+          </a:blip>
+          <a:stretch>
+            <a:fillRect/>
+          </a:stretch>
+        </p:blipFill>
+        <p:spPr>
+          <a:xfrm>
+            <a:off x="1355649" y="2881312"/>
+            <a:ext cx="1638300" cy="1095375"/>
+          </a:xfrm>
+          <a:prstGeom prst="rect">
+            <a:avLst/>
+          </a:prstGeom>
+        </p:spPr>
+      </p:pic>
     </p:spTree>
     <p:extLst>
       <p:ext uri="{BB962C8B-B14F-4D97-AF65-F5344CB8AC3E}">
@@ -10603,103 +11130,16 @@
               <a:defRPr/>
             </a:pPr>
             <a:r>
-              <a:rPr lang="en-US" dirty="0"/>
+              <a:rPr lang="en-US" dirty="0">
+                <a:solidFill>
+                  <a:schemeClr val="tx1">
+                    <a:lumMod val="85000"/>
+                    <a:lumOff val="15000"/>
+                  </a:schemeClr>
+                </a:solidFill>
+              </a:rPr>
               <a:t>KOMPONENTE 2 - BACKEND</a:t>
             </a:r>
-          </a:p>
-        </p:txBody>
-      </p:sp>
-      <p:sp>
-        <p:nvSpPr>
-          <p:cNvPr id="163238572" name="Content Placeholder 3"/>
-          <p:cNvSpPr>
-            <a:spLocks noGrp="1"/>
-          </p:cNvSpPr>
-          <p:nvPr>
-            <p:ph sz="half" idx="14"/>
-          </p:nvPr>
-        </p:nvSpPr>
-        <p:spPr bwMode="auto">
-          <a:xfrm>
-            <a:off x="453876" y="630936"/>
-            <a:ext cx="3441847" cy="5586983"/>
-          </a:xfrm>
-          <a:prstGeom prst="rect">
-            <a:avLst/>
-          </a:prstGeom>
-          <a:solidFill>
-            <a:srgbClr val="EDEFF7"/>
-          </a:solidFill>
-        </p:spPr>
-        <p:txBody>
-          <a:bodyPr>
-            <a:normAutofit/>
-          </a:bodyPr>
-          <a:lstStyle>
-            <a:lvl1pPr>
-              <a:buClr>
-                <a:schemeClr val="tx1"/>
-              </a:buClr>
-              <a:defRPr sz="1200">
-                <a:solidFill>
-                  <a:schemeClr val="tx1"/>
-                </a:solidFill>
-              </a:defRPr>
-            </a:lvl1pPr>
-            <a:lvl2pPr marL="288036" indent="-137160">
-              <a:buClr>
-                <a:schemeClr val="tx1"/>
-              </a:buClr>
-              <a:buFont typeface="Arial"/>
-              <a:buChar char="•"/>
-              <a:defRPr sz="1050">
-                <a:solidFill>
-                  <a:schemeClr val="tx1"/>
-                </a:solidFill>
-              </a:defRPr>
-            </a:lvl2pPr>
-            <a:lvl3pPr marL="425196" indent="-137160">
-              <a:buClr>
-                <a:schemeClr val="tx1"/>
-              </a:buClr>
-              <a:buFont typeface="Arial"/>
-              <a:buChar char="•"/>
-              <a:defRPr sz="850">
-                <a:solidFill>
-                  <a:schemeClr val="tx1"/>
-                </a:solidFill>
-              </a:defRPr>
-            </a:lvl3pPr>
-            <a:lvl4pPr marL="562356" indent="-137160">
-              <a:buClr>
-                <a:schemeClr val="tx1"/>
-              </a:buClr>
-              <a:buFont typeface="Arial"/>
-              <a:buChar char="•"/>
-              <a:defRPr sz="850">
-                <a:solidFill>
-                  <a:schemeClr val="tx1"/>
-                </a:solidFill>
-              </a:defRPr>
-            </a:lvl4pPr>
-            <a:lvl5pPr marL="699516" indent="-137160">
-              <a:buClr>
-                <a:schemeClr val="tx1"/>
-              </a:buClr>
-              <a:buFont typeface="Arial"/>
-              <a:buChar char="•"/>
-              <a:defRPr sz="850">
-                <a:solidFill>
-                  <a:schemeClr val="tx1"/>
-                </a:solidFill>
-              </a:defRPr>
-            </a:lvl5pPr>
-          </a:lstStyle>
-          <a:p>
-            <a:pPr>
-              <a:defRPr/>
-            </a:pPr>
-            <a:endParaRPr/>
           </a:p>
         </p:txBody>
       </p:sp>
@@ -10725,6 +11165,125 @@
           </a:bodyPr>
           <a:lstStyle/>
           <a:p>
+            <a:pPr>
+              <a:lnSpc>
+                <a:spcPct val="150000"/>
+              </a:lnSpc>
+              <a:defRPr/>
+            </a:pPr>
+            <a:r>
+              <a:rPr lang="en-US" sz="1800" dirty="0" err="1">
+                <a:solidFill>
+                  <a:schemeClr val="tx1">
+                    <a:lumMod val="85000"/>
+                    <a:lumOff val="15000"/>
+                  </a:schemeClr>
+                </a:solidFill>
+              </a:rPr>
+              <a:t>Larevel</a:t>
+            </a:r>
+            <a:endParaRPr lang="en-US" sz="1800" dirty="0">
+              <a:solidFill>
+                <a:schemeClr val="tx1">
+                  <a:lumMod val="85000"/>
+                  <a:lumOff val="15000"/>
+                </a:schemeClr>
+              </a:solidFill>
+            </a:endParaRPr>
+          </a:p>
+          <a:p>
+            <a:pPr>
+              <a:lnSpc>
+                <a:spcPct val="150000"/>
+              </a:lnSpc>
+              <a:defRPr/>
+            </a:pPr>
+            <a:r>
+              <a:rPr lang="en-US" sz="1800" dirty="0" err="1">
+                <a:solidFill>
+                  <a:schemeClr val="tx1">
+                    <a:lumMod val="85000"/>
+                    <a:lumOff val="15000"/>
+                  </a:schemeClr>
+                </a:solidFill>
+              </a:rPr>
+              <a:t>VueJs</a:t>
+            </a:r>
+            <a:endParaRPr lang="en-US" sz="1800" dirty="0">
+              <a:solidFill>
+                <a:schemeClr val="tx1">
+                  <a:lumMod val="85000"/>
+                  <a:lumOff val="15000"/>
+                </a:schemeClr>
+              </a:solidFill>
+            </a:endParaRPr>
+          </a:p>
+          <a:p>
+            <a:pPr>
+              <a:lnSpc>
+                <a:spcPct val="150000"/>
+              </a:lnSpc>
+              <a:defRPr/>
+            </a:pPr>
+            <a:r>
+              <a:rPr lang="en-US" sz="1800" dirty="0">
+                <a:solidFill>
+                  <a:schemeClr val="tx1">
+                    <a:lumMod val="85000"/>
+                    <a:lumOff val="15000"/>
+                  </a:schemeClr>
+                </a:solidFill>
+              </a:rPr>
+              <a:t>Tailwind</a:t>
+            </a:r>
+          </a:p>
+          <a:p>
+            <a:pPr>
+              <a:lnSpc>
+                <a:spcPct val="150000"/>
+              </a:lnSpc>
+              <a:defRPr/>
+            </a:pPr>
+            <a:r>
+              <a:rPr lang="en-US" sz="1800" dirty="0">
+                <a:solidFill>
+                  <a:schemeClr val="tx1">
+                    <a:lumMod val="85000"/>
+                    <a:lumOff val="15000"/>
+                  </a:schemeClr>
+                </a:solidFill>
+              </a:rPr>
+              <a:t>Micro-Service</a:t>
+            </a:r>
+          </a:p>
+          <a:p>
+            <a:pPr>
+              <a:lnSpc>
+                <a:spcPct val="150000"/>
+              </a:lnSpc>
+              <a:defRPr/>
+            </a:pPr>
+            <a:r>
+              <a:rPr lang="en-US" sz="1800" dirty="0" err="1">
+                <a:solidFill>
+                  <a:schemeClr val="tx1">
+                    <a:lumMod val="85000"/>
+                    <a:lumOff val="15000"/>
+                  </a:schemeClr>
+                </a:solidFill>
+              </a:rPr>
+              <a:t>Kontrollinstanz</a:t>
+            </a:r>
+            <a:endParaRPr lang="en-US" sz="1800" dirty="0">
+              <a:solidFill>
+                <a:schemeClr val="tx1">
+                  <a:lumMod val="85000"/>
+                  <a:lumOff val="15000"/>
+                </a:schemeClr>
+              </a:solidFill>
+            </a:endParaRPr>
+          </a:p>
+          <a:p>
             <a:pPr marL="214313" indent="-214313">
               <a:lnSpc>
                 <a:spcPct val="150000"/>
@@ -10733,80 +11292,14 @@
               <a:buChar char="•"/>
               <a:defRPr/>
             </a:pPr>
-            <a:r>
-              <a:rPr lang="en-US" sz="1800" dirty="0" err="1"/>
-              <a:t>Larevel</a:t>
-            </a:r>
-            <a:endParaRPr lang="en-US" sz="1800" dirty="0"/>
-          </a:p>
-          <a:p>
-            <a:pPr marL="214313" indent="-214313">
-              <a:lnSpc>
-                <a:spcPct val="150000"/>
-              </a:lnSpc>
-              <a:buFont typeface="Arial"/>
-              <a:buChar char="•"/>
-              <a:defRPr/>
-            </a:pPr>
-            <a:r>
-              <a:rPr lang="en-US" sz="1800" dirty="0" err="1"/>
-              <a:t>VueJs</a:t>
-            </a:r>
-            <a:endParaRPr lang="en-US" sz="1800" dirty="0"/>
-          </a:p>
-          <a:p>
-            <a:pPr marL="214313" indent="-214313">
-              <a:lnSpc>
-                <a:spcPct val="150000"/>
-              </a:lnSpc>
-              <a:buFont typeface="Arial"/>
-              <a:buChar char="•"/>
-              <a:defRPr/>
-            </a:pPr>
-            <a:r>
-              <a:rPr lang="en-US" sz="1800" dirty="0"/>
-              <a:t>Tailwind</a:t>
-            </a:r>
-          </a:p>
-          <a:p>
-            <a:pPr marL="214313" indent="-214313">
-              <a:lnSpc>
-                <a:spcPct val="150000"/>
-              </a:lnSpc>
-              <a:buFont typeface="Arial"/>
-              <a:buChar char="•"/>
-              <a:defRPr/>
-            </a:pPr>
-            <a:r>
-              <a:rPr lang="en-US" sz="1800" dirty="0"/>
-              <a:t>Micro-Service</a:t>
-            </a:r>
-          </a:p>
-          <a:p>
-            <a:pPr marL="214313" indent="-214313">
-              <a:lnSpc>
-                <a:spcPct val="150000"/>
-              </a:lnSpc>
-              <a:buFont typeface="Arial"/>
-              <a:buChar char="•"/>
-              <a:defRPr/>
-            </a:pPr>
-            <a:r>
-              <a:rPr lang="en-US" sz="1800" dirty="0" err="1"/>
-              <a:t>Kontrollinstanz</a:t>
-            </a:r>
-            <a:endParaRPr lang="en-US" sz="1800" dirty="0"/>
-          </a:p>
-          <a:p>
-            <a:pPr marL="214313" indent="-214313">
-              <a:lnSpc>
-                <a:spcPct val="150000"/>
-              </a:lnSpc>
-              <a:buFont typeface="Arial"/>
-              <a:buChar char="•"/>
-              <a:defRPr/>
-            </a:pPr>
-            <a:endParaRPr lang="en-US" sz="1800" dirty="0"/>
+            <a:endParaRPr lang="en-US" sz="1800" dirty="0">
+              <a:solidFill>
+                <a:schemeClr val="tx1">
+                  <a:lumMod val="85000"/>
+                  <a:lumOff val="15000"/>
+                </a:schemeClr>
+              </a:solidFill>
+            </a:endParaRPr>
           </a:p>
         </p:txBody>
       </p:sp>
@@ -10887,6 +11380,42 @@
           </a:p>
         </p:txBody>
       </p:sp>
+      <p:pic>
+        <p:nvPicPr>
+          <p:cNvPr id="10" name="Grafik 9">
+            <a:extLst>
+              <a:ext uri="{FF2B5EF4-FFF2-40B4-BE49-F238E27FC236}">
+                <a16:creationId xmlns:a16="http://schemas.microsoft.com/office/drawing/2014/main" id="{0C0FB002-AD98-F1FD-2F74-855BA54393D7}"/>
+              </a:ext>
+            </a:extLst>
+          </p:cNvPr>
+          <p:cNvPicPr>
+            <a:picLocks noChangeAspect="1"/>
+          </p:cNvPicPr>
+          <p:nvPr/>
+        </p:nvPicPr>
+        <p:blipFill>
+          <a:blip r:embed="rId2">
+            <a:extLst>
+              <a:ext uri="{96DAC541-7B7A-43D3-8B79-37D633B846F1}">
+                <asvg:svgBlip xmlns:asvg="http://schemas.microsoft.com/office/drawing/2016/SVG/main" r:embed="rId3"/>
+              </a:ext>
+            </a:extLst>
+          </a:blip>
+          <a:stretch>
+            <a:fillRect/>
+          </a:stretch>
+        </p:blipFill>
+        <p:spPr>
+          <a:xfrm>
+            <a:off x="1355649" y="2881312"/>
+            <a:ext cx="1638300" cy="1095375"/>
+          </a:xfrm>
+          <a:prstGeom prst="rect">
+            <a:avLst/>
+          </a:prstGeom>
+        </p:spPr>
+      </p:pic>
     </p:spTree>
     <p:extLst>
       <p:ext uri="{BB962C8B-B14F-4D97-AF65-F5344CB8AC3E}">
@@ -10938,7 +11467,10 @@
             <a:r>
               <a:rPr lang="en-US">
                 <a:solidFill>
-                  <a:schemeClr val="tx1"/>
+                  <a:schemeClr val="tx1">
+                    <a:lumMod val="85000"/>
+                    <a:lumOff val="15000"/>
+                  </a:schemeClr>
                 </a:solidFill>
               </a:rPr>
               <a:t>Inhalt</a:t>
@@ -10970,13 +11502,18 @@
               <a:defRPr/>
             </a:pPr>
             <a:r>
-              <a:rPr lang="en-US" sz="1800">
+              <a:rPr lang="en-US" sz="1800" dirty="0" err="1">
                 <a:solidFill>
                   <a:srgbClr val="22E298"/>
                 </a:solidFill>
               </a:rPr>
               <a:t>Vorstellung</a:t>
             </a:r>
+            <a:endParaRPr lang="en-US" sz="1800" dirty="0">
+              <a:solidFill>
+                <a:srgbClr val="22E298"/>
+              </a:solidFill>
+            </a:endParaRPr>
           </a:p>
           <a:p>
             <a:pPr>
@@ -10986,9 +11523,24 @@
               <a:defRPr/>
             </a:pPr>
             <a:r>
-              <a:rPr lang="en-US" sz="1800"/>
+              <a:rPr lang="en-US" sz="1800" dirty="0" err="1">
+                <a:solidFill>
+                  <a:schemeClr val="tx1">
+                    <a:lumMod val="85000"/>
+                    <a:lumOff val="15000"/>
+                  </a:schemeClr>
+                </a:solidFill>
+              </a:rPr>
               <a:t>Thematik</a:t>
             </a:r>
+            <a:endParaRPr lang="en-US" sz="1800" dirty="0">
+              <a:solidFill>
+                <a:schemeClr val="tx1">
+                  <a:lumMod val="85000"/>
+                  <a:lumOff val="15000"/>
+                </a:schemeClr>
+              </a:solidFill>
+            </a:endParaRPr>
           </a:p>
           <a:p>
             <a:pPr>
@@ -10998,9 +11550,24 @@
               <a:defRPr/>
             </a:pPr>
             <a:r>
-              <a:rPr lang="en-US" sz="1800"/>
+              <a:rPr lang="en-US" sz="1800" dirty="0" err="1">
+                <a:solidFill>
+                  <a:schemeClr val="tx1">
+                    <a:lumMod val="85000"/>
+                    <a:lumOff val="15000"/>
+                  </a:schemeClr>
+                </a:solidFill>
+              </a:rPr>
               <a:t>Analyse</a:t>
             </a:r>
+            <a:endParaRPr lang="en-US" sz="1800" dirty="0">
+              <a:solidFill>
+                <a:schemeClr val="tx1">
+                  <a:lumMod val="85000"/>
+                  <a:lumOff val="15000"/>
+                </a:schemeClr>
+              </a:solidFill>
+            </a:endParaRPr>
           </a:p>
           <a:p>
             <a:pPr>
@@ -11010,9 +11577,24 @@
               <a:defRPr/>
             </a:pPr>
             <a:r>
-              <a:rPr lang="en-US" sz="1800"/>
+              <a:rPr lang="en-US" sz="1800" dirty="0" err="1">
+                <a:solidFill>
+                  <a:schemeClr val="tx1">
+                    <a:lumMod val="85000"/>
+                    <a:lumOff val="15000"/>
+                  </a:schemeClr>
+                </a:solidFill>
+              </a:rPr>
               <a:t>Entwurf</a:t>
             </a:r>
+            <a:endParaRPr lang="en-US" sz="1800" dirty="0">
+              <a:solidFill>
+                <a:schemeClr val="tx1">
+                  <a:lumMod val="85000"/>
+                  <a:lumOff val="15000"/>
+                </a:schemeClr>
+              </a:solidFill>
+            </a:endParaRPr>
           </a:p>
           <a:p>
             <a:pPr>
@@ -11022,9 +11604,24 @@
               <a:defRPr/>
             </a:pPr>
             <a:r>
-              <a:rPr lang="en-US" sz="1800"/>
+              <a:rPr lang="en-US" sz="1800" dirty="0" err="1">
+                <a:solidFill>
+                  <a:schemeClr val="tx1">
+                    <a:lumMod val="85000"/>
+                    <a:lumOff val="15000"/>
+                  </a:schemeClr>
+                </a:solidFill>
+              </a:rPr>
               <a:t>Implementierung</a:t>
             </a:r>
+            <a:endParaRPr lang="en-US" sz="1800" dirty="0">
+              <a:solidFill>
+                <a:schemeClr val="tx1">
+                  <a:lumMod val="85000"/>
+                  <a:lumOff val="15000"/>
+                </a:schemeClr>
+              </a:solidFill>
+            </a:endParaRPr>
           </a:p>
           <a:p>
             <a:pPr>
@@ -11034,9 +11631,46 @@
               <a:defRPr/>
             </a:pPr>
             <a:r>
-              <a:rPr lang="en-US" sz="1800"/>
-              <a:t>Fazit und Ausblick</a:t>
-            </a:r>
+              <a:rPr lang="en-US" sz="1800" dirty="0" err="1">
+                <a:solidFill>
+                  <a:schemeClr val="tx1">
+                    <a:lumMod val="85000"/>
+                    <a:lumOff val="15000"/>
+                  </a:schemeClr>
+                </a:solidFill>
+              </a:rPr>
+              <a:t>Fazit</a:t>
+            </a:r>
+            <a:r>
+              <a:rPr lang="en-US" sz="1800" dirty="0">
+                <a:solidFill>
+                  <a:schemeClr val="tx1">
+                    <a:lumMod val="85000"/>
+                    <a:lumOff val="15000"/>
+                  </a:schemeClr>
+                </a:solidFill>
+              </a:rPr>
+              <a:t> und </a:t>
+            </a:r>
+            <a:r>
+              <a:rPr lang="en-US" sz="1800" dirty="0" err="1">
+                <a:solidFill>
+                  <a:schemeClr val="tx1">
+                    <a:lumMod val="85000"/>
+                    <a:lumOff val="15000"/>
+                  </a:schemeClr>
+                </a:solidFill>
+              </a:rPr>
+              <a:t>Ausblick</a:t>
+            </a:r>
+            <a:endParaRPr lang="en-US" sz="1800" dirty="0">
+              <a:solidFill>
+                <a:schemeClr val="tx1">
+                  <a:lumMod val="85000"/>
+                  <a:lumOff val="15000"/>
+                </a:schemeClr>
+              </a:solidFill>
+            </a:endParaRPr>
           </a:p>
         </p:txBody>
       </p:sp>
@@ -11100,7 +11734,12 @@
             <p:ph type="title"/>
           </p:nvPr>
         </p:nvSpPr>
-        <p:spPr bwMode="auto"/>
+        <p:spPr bwMode="auto">
+          <a:xfrm>
+            <a:off x="822960" y="4725144"/>
+            <a:ext cx="7585234" cy="743682"/>
+          </a:xfrm>
+        </p:spPr>
         <p:txBody>
           <a:bodyPr/>
           <a:lstStyle/>
@@ -11109,41 +11748,30 @@
               <a:defRPr/>
             </a:pPr>
             <a:r>
-              <a:rPr lang="en-US"/>
-              <a:t>Fragen?</a:t>
-            </a:r>
-            <a:endParaRPr/>
-          </a:p>
-        </p:txBody>
-      </p:sp>
-      <p:sp>
-        <p:nvSpPr>
-          <p:cNvPr id="20" name="Text Placeholder 19"/>
-          <p:cNvSpPr>
-            <a:spLocks noGrp="1"/>
-          </p:cNvSpPr>
-          <p:nvPr>
-            <p:ph type="body" sz="half" idx="2"/>
-          </p:nvPr>
-        </p:nvSpPr>
-        <p:spPr bwMode="auto"/>
-        <p:txBody>
-          <a:bodyPr>
-            <a:normAutofit/>
-          </a:bodyPr>
-          <a:lstStyle/>
-          <a:p>
-            <a:pPr>
-              <a:lnSpc>
-                <a:spcPts val="1500"/>
-              </a:lnSpc>
-              <a:defRPr/>
-            </a:pPr>
-            <a:r>
-              <a:rPr lang="en-US" sz="1200"/>
-              <a:t>Subtitle goes here</a:t>
-            </a:r>
-            <a:endParaRPr/>
+              <a:rPr lang="en-US" dirty="0"/>
+              <a:t>Dashboard – </a:t>
+            </a:r>
+            <a:r>
+              <a:rPr lang="en-US" dirty="0" err="1"/>
+              <a:t>Übersicht</a:t>
+            </a:r>
+            <a:r>
+              <a:rPr lang="en-US" dirty="0"/>
+              <a:t> </a:t>
+            </a:r>
+            <a:r>
+              <a:rPr lang="en-US" dirty="0" err="1"/>
+              <a:t>aller</a:t>
+            </a:r>
+            <a:r>
+              <a:rPr lang="en-US" dirty="0"/>
+              <a:t> </a:t>
+            </a:r>
+            <a:r>
+              <a:rPr lang="en-US" dirty="0" err="1"/>
+              <a:t>Webseiten</a:t>
+            </a:r>
+            <a:endParaRPr dirty="0"/>
           </a:p>
         </p:txBody>
       </p:sp>
@@ -11263,234 +11891,6 @@
             <a:fld id="{3A98EE3D-8CD1-4C3F-BD1C-C98C9596463C}" type="slidenum">
               <a:rPr lang="en-US"/>
               <a:t>20</a:t>
-            </a:fld>
-            <a:endParaRPr lang="en-US"/>
-          </a:p>
-        </p:txBody>
-      </p:sp>
-      <p:sp>
-        <p:nvSpPr>
-          <p:cNvPr id="5" name="Datumsplatzhalter 4"/>
-          <p:cNvSpPr>
-            <a:spLocks noGrp="1"/>
-          </p:cNvSpPr>
-          <p:nvPr>
-            <p:ph type="dt" sz="half" idx="10"/>
-          </p:nvPr>
-        </p:nvSpPr>
-        <p:spPr bwMode="auto"/>
-        <p:txBody>
-          <a:bodyPr/>
-          <a:lstStyle/>
-          <a:p>
-            <a:pPr>
-              <a:defRPr/>
-            </a:pPr>
-            <a:r>
-              <a:rPr lang="de-DE"/>
-              <a:t>Eduard Schwarzkopf </a:t>
-            </a:r>
-            <a:endParaRPr lang="en-US"/>
-          </a:p>
-        </p:txBody>
-      </p:sp>
-    </p:spTree>
-    <p:extLst>
-      <p:ext uri="{BB962C8B-B14F-4D97-AF65-F5344CB8AC3E}">
-        <p14:creationId xmlns:p14="http://schemas.microsoft.com/office/powerpoint/2010/main" val="2816473560"/>
-      </p:ext>
-    </p:extLst>
-  </p:cSld>
-  <p:clrMapOvr>
-    <a:masterClrMapping/>
-  </p:clrMapOvr>
-</p:sld>
-</file>
-
-<file path=ppt/slides/slide21.xml><?xml version="1.0" encoding="utf-8"?>
-<p:sld xmlns:a="http://schemas.openxmlformats.org/drawingml/2006/main" xmlns:r="http://schemas.openxmlformats.org/officeDocument/2006/relationships" xmlns:p="http://schemas.openxmlformats.org/presentationml/2006/main" showMasterPhAnim="0">
-  <p:cSld>
-    <p:spTree>
-      <p:nvGrpSpPr>
-        <p:cNvPr id="1" name=""/>
-        <p:cNvGrpSpPr/>
-        <p:nvPr/>
-      </p:nvGrpSpPr>
-      <p:grpSpPr bwMode="auto">
-        <a:xfrm>
-          <a:off x="0" y="0"/>
-          <a:ext cx="0" cy="0"/>
-          <a:chOff x="0" y="0"/>
-          <a:chExt cx="0" cy="0"/>
-        </a:xfrm>
-      </p:grpSpPr>
-      <p:sp>
-        <p:nvSpPr>
-          <p:cNvPr id="2" name="Title 1"/>
-          <p:cNvSpPr>
-            <a:spLocks noGrp="1"/>
-          </p:cNvSpPr>
-          <p:nvPr>
-            <p:ph type="title"/>
-          </p:nvPr>
-        </p:nvSpPr>
-        <p:spPr bwMode="auto">
-          <a:xfrm>
-            <a:off x="822960" y="4725144"/>
-            <a:ext cx="7585234" cy="743682"/>
-          </a:xfrm>
-        </p:spPr>
-        <p:txBody>
-          <a:bodyPr/>
-          <a:lstStyle/>
-          <a:p>
-            <a:pPr>
-              <a:defRPr/>
-            </a:pPr>
-            <a:r>
-              <a:rPr lang="en-US" dirty="0"/>
-              <a:t>Dashboard – </a:t>
-            </a:r>
-            <a:r>
-              <a:rPr lang="en-US" dirty="0" err="1"/>
-              <a:t>Übersicht</a:t>
-            </a:r>
-            <a:r>
-              <a:rPr lang="en-US" dirty="0"/>
-              <a:t> </a:t>
-            </a:r>
-            <a:r>
-              <a:rPr lang="en-US" dirty="0" err="1"/>
-              <a:t>aller</a:t>
-            </a:r>
-            <a:r>
-              <a:rPr lang="en-US" dirty="0"/>
-              <a:t> </a:t>
-            </a:r>
-            <a:r>
-              <a:rPr lang="en-US" dirty="0" err="1"/>
-              <a:t>Webseiten</a:t>
-            </a:r>
-            <a:endParaRPr dirty="0"/>
-          </a:p>
-        </p:txBody>
-      </p:sp>
-      <p:sp>
-        <p:nvSpPr>
-          <p:cNvPr id="954232242" name="Picture Placeholder 2"/>
-          <p:cNvSpPr>
-            <a:spLocks noGrp="1" noChangeAspect="1"/>
-          </p:cNvSpPr>
-          <p:nvPr>
-            <p:ph type="pic" idx="1"/>
-          </p:nvPr>
-        </p:nvSpPr>
-        <p:spPr bwMode="auto">
-          <a:xfrm>
-            <a:off x="476250" y="630936"/>
-            <a:ext cx="8191498" cy="3294018"/>
-          </a:xfrm>
-          <a:prstGeom prst="rect">
-            <a:avLst/>
-          </a:prstGeom>
-          <a:solidFill>
-            <a:schemeClr val="bg1"/>
-          </a:solidFill>
-        </p:spPr>
-        <p:txBody>
-          <a:bodyPr lIns="457200" tIns="457200" anchor="t"/>
-          <a:lstStyle>
-            <a:lvl1pPr marL="0" indent="0">
-              <a:buNone/>
-              <a:defRPr sz="2400"/>
-            </a:lvl1pPr>
-            <a:lvl2pPr marL="342900" indent="0">
-              <a:buNone/>
-              <a:defRPr sz="2100"/>
-            </a:lvl2pPr>
-            <a:lvl3pPr marL="685800" indent="0">
-              <a:buNone/>
-              <a:defRPr sz="1800"/>
-            </a:lvl3pPr>
-            <a:lvl4pPr marL="1028700" indent="0">
-              <a:buNone/>
-              <a:defRPr sz="1500"/>
-            </a:lvl4pPr>
-            <a:lvl5pPr marL="1371600" indent="0">
-              <a:buNone/>
-              <a:defRPr sz="1500"/>
-            </a:lvl5pPr>
-            <a:lvl6pPr marL="1714500" indent="0">
-              <a:buNone/>
-              <a:defRPr sz="1500"/>
-            </a:lvl6pPr>
-            <a:lvl7pPr marL="2057400" indent="0">
-              <a:buNone/>
-              <a:defRPr sz="1500"/>
-            </a:lvl7pPr>
-            <a:lvl8pPr marL="2400300" indent="0">
-              <a:buNone/>
-              <a:defRPr sz="1500"/>
-            </a:lvl8pPr>
-            <a:lvl9pPr marL="2743200" indent="0">
-              <a:buNone/>
-              <a:defRPr sz="1500"/>
-            </a:lvl9pPr>
-          </a:lstStyle>
-          <a:p>
-            <a:pPr>
-              <a:defRPr/>
-            </a:pPr>
-            <a:endParaRPr/>
-          </a:p>
-        </p:txBody>
-      </p:sp>
-      <p:sp>
-        <p:nvSpPr>
-          <p:cNvPr id="3" name="Fußzeilenplatzhalter 2"/>
-          <p:cNvSpPr>
-            <a:spLocks noGrp="1"/>
-          </p:cNvSpPr>
-          <p:nvPr>
-            <p:ph type="ftr" sz="quarter" idx="3"/>
-          </p:nvPr>
-        </p:nvSpPr>
-        <p:spPr bwMode="auto"/>
-        <p:txBody>
-          <a:bodyPr/>
-          <a:lstStyle/>
-          <a:p>
-            <a:pPr>
-              <a:defRPr/>
-            </a:pPr>
-            <a:r>
-              <a:rPr lang="en-US"/>
-              <a:t>Control Center – zwei komponenten Monitoring Tool</a:t>
-            </a:r>
-          </a:p>
-        </p:txBody>
-      </p:sp>
-      <p:sp>
-        <p:nvSpPr>
-          <p:cNvPr id="4" name="Foliennummernplatzhalter 3"/>
-          <p:cNvSpPr>
-            <a:spLocks noGrp="1"/>
-          </p:cNvSpPr>
-          <p:nvPr>
-            <p:ph type="sldNum" sz="quarter" idx="4"/>
-          </p:nvPr>
-        </p:nvSpPr>
-        <p:spPr bwMode="auto"/>
-        <p:txBody>
-          <a:bodyPr/>
-          <a:lstStyle/>
-          <a:p>
-            <a:pPr>
-              <a:defRPr/>
-            </a:pPr>
-            <a:fld id="{3A98EE3D-8CD1-4C3F-BD1C-C98C9596463C}" type="slidenum">
-              <a:rPr lang="en-US"/>
-              <a:t>21</a:t>
             </a:fld>
             <a:endParaRPr lang="en-US"/>
           </a:p>
@@ -11569,7 +11969,7 @@
 </p:sld>
 </file>
 
-<file path=ppt/slides/slide22.xml><?xml version="1.0" encoding="utf-8"?>
+<file path=ppt/slides/slide21.xml><?xml version="1.0" encoding="utf-8"?>
 <p:sld xmlns:a="http://schemas.openxmlformats.org/drawingml/2006/main" xmlns:r="http://schemas.openxmlformats.org/officeDocument/2006/relationships" xmlns:p="http://schemas.openxmlformats.org/presentationml/2006/main" showMasterPhAnim="0">
   <p:cSld>
     <p:spTree>
@@ -11736,7 +12136,7 @@
             </a:pPr>
             <a:fld id="{3A98EE3D-8CD1-4C3F-BD1C-C98C9596463C}" type="slidenum">
               <a:rPr lang="en-US"/>
-              <a:t>22</a:t>
+              <a:t>21</a:t>
             </a:fld>
             <a:endParaRPr lang="en-US"/>
           </a:p>
@@ -11815,6 +12215,256 @@
 </p:sld>
 </file>
 
+<file path=ppt/slides/slide22.xml><?xml version="1.0" encoding="utf-8"?>
+<p:sld xmlns:a="http://schemas.openxmlformats.org/drawingml/2006/main" xmlns:r="http://schemas.openxmlformats.org/officeDocument/2006/relationships" xmlns:p="http://schemas.openxmlformats.org/presentationml/2006/main" showMasterPhAnim="0">
+  <p:cSld>
+    <p:spTree>
+      <p:nvGrpSpPr>
+        <p:cNvPr id="1" name=""/>
+        <p:cNvGrpSpPr/>
+        <p:nvPr/>
+      </p:nvGrpSpPr>
+      <p:grpSpPr bwMode="auto">
+        <a:xfrm>
+          <a:off x="0" y="0"/>
+          <a:ext cx="0" cy="0"/>
+          <a:chOff x="0" y="0"/>
+          <a:chExt cx="0" cy="0"/>
+        </a:xfrm>
+      </p:grpSpPr>
+      <p:sp>
+        <p:nvSpPr>
+          <p:cNvPr id="812698438" name="Title 18"/>
+          <p:cNvSpPr>
+            <a:spLocks noGrp="1"/>
+          </p:cNvSpPr>
+          <p:nvPr>
+            <p:ph type="title"/>
+          </p:nvPr>
+        </p:nvSpPr>
+        <p:spPr bwMode="auto"/>
+        <p:txBody>
+          <a:bodyPr/>
+          <a:lstStyle/>
+          <a:p>
+            <a:pPr>
+              <a:defRPr/>
+            </a:pPr>
+            <a:r>
+              <a:rPr lang="en-US" dirty="0" err="1">
+                <a:solidFill>
+                  <a:schemeClr val="tx1">
+                    <a:lumMod val="85000"/>
+                    <a:lumOff val="15000"/>
+                  </a:schemeClr>
+                </a:solidFill>
+              </a:rPr>
+              <a:t>Inhalt</a:t>
+            </a:r>
+            <a:endParaRPr lang="en-US" dirty="0">
+              <a:solidFill>
+                <a:schemeClr val="tx1">
+                  <a:lumMod val="85000"/>
+                  <a:lumOff val="15000"/>
+                </a:schemeClr>
+              </a:solidFill>
+            </a:endParaRPr>
+          </a:p>
+        </p:txBody>
+      </p:sp>
+      <p:sp>
+        <p:nvSpPr>
+          <p:cNvPr id="959296412" name="Content Placeholder 16"/>
+          <p:cNvSpPr>
+            <a:spLocks noGrp="1"/>
+          </p:cNvSpPr>
+          <p:nvPr>
+            <p:ph sz="half" idx="2"/>
+          </p:nvPr>
+        </p:nvSpPr>
+        <p:spPr bwMode="auto"/>
+        <p:txBody>
+          <a:bodyPr>
+            <a:normAutofit/>
+          </a:bodyPr>
+          <a:lstStyle/>
+          <a:p>
+            <a:pPr>
+              <a:lnSpc>
+                <a:spcPct val="150000"/>
+              </a:lnSpc>
+              <a:defRPr/>
+            </a:pPr>
+            <a:r>
+              <a:rPr lang="en-US" sz="1800" dirty="0" err="1">
+                <a:solidFill>
+                  <a:srgbClr val="D0D1D9"/>
+                </a:solidFill>
+              </a:rPr>
+              <a:t>Vorstellung</a:t>
+            </a:r>
+            <a:endParaRPr lang="en-US" sz="1800" dirty="0">
+              <a:solidFill>
+                <a:srgbClr val="D0D1D9"/>
+              </a:solidFill>
+            </a:endParaRPr>
+          </a:p>
+          <a:p>
+            <a:pPr>
+              <a:lnSpc>
+                <a:spcPct val="150000"/>
+              </a:lnSpc>
+              <a:defRPr/>
+            </a:pPr>
+            <a:r>
+              <a:rPr lang="en-US" sz="1800" dirty="0" err="1">
+                <a:solidFill>
+                  <a:srgbClr val="D0D1D9"/>
+                </a:solidFill>
+              </a:rPr>
+              <a:t>Thematik</a:t>
+            </a:r>
+            <a:endParaRPr lang="en-US" sz="1800" dirty="0">
+              <a:solidFill>
+                <a:srgbClr val="D0D1D9"/>
+              </a:solidFill>
+            </a:endParaRPr>
+          </a:p>
+          <a:p>
+            <a:pPr>
+              <a:lnSpc>
+                <a:spcPct val="150000"/>
+              </a:lnSpc>
+              <a:defRPr/>
+            </a:pPr>
+            <a:r>
+              <a:rPr lang="en-US" sz="1800" dirty="0" err="1">
+                <a:solidFill>
+                  <a:srgbClr val="D0D1D9"/>
+                </a:solidFill>
+              </a:rPr>
+              <a:t>Analyse</a:t>
+            </a:r>
+            <a:endParaRPr lang="en-US" sz="1800" dirty="0">
+              <a:solidFill>
+                <a:srgbClr val="D0D1D9"/>
+              </a:solidFill>
+            </a:endParaRPr>
+          </a:p>
+          <a:p>
+            <a:pPr>
+              <a:lnSpc>
+                <a:spcPct val="150000"/>
+              </a:lnSpc>
+              <a:defRPr/>
+            </a:pPr>
+            <a:r>
+              <a:rPr lang="en-US" sz="1800" dirty="0" err="1">
+                <a:solidFill>
+                  <a:srgbClr val="D0D1D9"/>
+                </a:solidFill>
+              </a:rPr>
+              <a:t>Entwurf</a:t>
+            </a:r>
+            <a:endParaRPr sz="1800" dirty="0">
+              <a:solidFill>
+                <a:srgbClr val="D0D1D9"/>
+              </a:solidFill>
+            </a:endParaRPr>
+          </a:p>
+          <a:p>
+            <a:pPr>
+              <a:lnSpc>
+                <a:spcPct val="150000"/>
+              </a:lnSpc>
+              <a:defRPr/>
+            </a:pPr>
+            <a:r>
+              <a:rPr lang="en-US" sz="1800" dirty="0" err="1">
+                <a:solidFill>
+                  <a:srgbClr val="D0D1D9"/>
+                </a:solidFill>
+              </a:rPr>
+              <a:t>Implementierung</a:t>
+            </a:r>
+            <a:endParaRPr sz="1800" dirty="0">
+              <a:solidFill>
+                <a:srgbClr val="D0D1D9"/>
+              </a:solidFill>
+            </a:endParaRPr>
+          </a:p>
+          <a:p>
+            <a:pPr>
+              <a:lnSpc>
+                <a:spcPct val="150000"/>
+              </a:lnSpc>
+              <a:defRPr/>
+            </a:pPr>
+            <a:r>
+              <a:rPr lang="en-US" sz="1800" dirty="0" err="1">
+                <a:solidFill>
+                  <a:srgbClr val="22E298"/>
+                </a:solidFill>
+              </a:rPr>
+              <a:t>Fazit</a:t>
+            </a:r>
+            <a:r>
+              <a:rPr lang="en-US" sz="1800" dirty="0">
+                <a:solidFill>
+                  <a:srgbClr val="22E298"/>
+                </a:solidFill>
+              </a:rPr>
+              <a:t> und </a:t>
+            </a:r>
+            <a:r>
+              <a:rPr lang="en-US" sz="1800" dirty="0" err="1">
+                <a:solidFill>
+                  <a:srgbClr val="22E298"/>
+                </a:solidFill>
+              </a:rPr>
+              <a:t>Ausblick</a:t>
+            </a:r>
+            <a:endParaRPr sz="1800" dirty="0">
+              <a:solidFill>
+                <a:srgbClr val="22E298"/>
+              </a:solidFill>
+            </a:endParaRPr>
+          </a:p>
+        </p:txBody>
+      </p:sp>
+      <p:sp>
+        <p:nvSpPr>
+          <p:cNvPr id="847358779" name="Fußzeilenplatzhalter 1"/>
+          <p:cNvSpPr>
+            <a:spLocks noGrp="1"/>
+          </p:cNvSpPr>
+          <p:nvPr>
+            <p:ph type="ftr" sz="quarter" idx="3"/>
+          </p:nvPr>
+        </p:nvSpPr>
+        <p:spPr bwMode="auto"/>
+        <p:txBody>
+          <a:bodyPr/>
+          <a:lstStyle/>
+          <a:p>
+            <a:pPr>
+              <a:defRPr/>
+            </a:pPr>
+            <a:r>
+              <a:rPr lang="en-US"/>
+              <a:t>Control Center – zwei komponenten Monitoring Tool</a:t>
+            </a:r>
+          </a:p>
+        </p:txBody>
+      </p:sp>
+    </p:spTree>
+  </p:cSld>
+  <p:clrMapOvr>
+    <a:masterClrMapping/>
+  </p:clrMapOvr>
+</p:sld>
+</file>
+
 <file path=ppt/slides/slide23.xml><?xml version="1.0" encoding="utf-8"?>
 <p:sld xmlns:a="http://schemas.openxmlformats.org/drawingml/2006/main" xmlns:r="http://schemas.openxmlformats.org/officeDocument/2006/relationships" xmlns:p="http://schemas.openxmlformats.org/presentationml/2006/main" showMasterPhAnim="0">
   <p:cSld>
@@ -11834,7 +12484,7 @@
       </p:grpSpPr>
       <p:sp>
         <p:nvSpPr>
-          <p:cNvPr id="812698438" name="Title 18"/>
+          <p:cNvPr id="8" name="Title 7"/>
           <p:cNvSpPr>
             <a:spLocks noGrp="1"/>
           </p:cNvSpPr>
@@ -11851,16 +12501,55 @@
               <a:defRPr/>
             </a:pPr>
             <a:r>
+              <a:rPr lang="en-US" dirty="0">
+                <a:solidFill>
+                  <a:schemeClr val="tx1">
+                    <a:lumMod val="85000"/>
+                    <a:lumOff val="15000"/>
+                  </a:schemeClr>
+                </a:solidFill>
+              </a:rPr>
+              <a:t>Soll / </a:t>
+            </a:r>
+            <a:r>
               <a:rPr lang="en-US" dirty="0" err="1">
                 <a:solidFill>
-                  <a:schemeClr val="tx1"/>
+                  <a:schemeClr val="tx1">
+                    <a:lumMod val="85000"/>
+                    <a:lumOff val="15000"/>
+                  </a:schemeClr>
                 </a:solidFill>
               </a:rPr>
-              <a:t>Inhalt</a:t>
+              <a:t>Ist</a:t>
+            </a:r>
+            <a:r>
+              <a:rPr lang="en-US" dirty="0">
+                <a:solidFill>
+                  <a:schemeClr val="tx1">
+                    <a:lumMod val="85000"/>
+                    <a:lumOff val="15000"/>
+                  </a:schemeClr>
+                </a:solidFill>
+              </a:rPr>
+              <a:t> </a:t>
+            </a:r>
+            <a:r>
+              <a:rPr lang="en-US" dirty="0" err="1">
+                <a:solidFill>
+                  <a:schemeClr val="tx1">
+                    <a:lumMod val="85000"/>
+                    <a:lumOff val="15000"/>
+                  </a:schemeClr>
+                </a:solidFill>
+              </a:rPr>
+              <a:t>Vergleich</a:t>
             </a:r>
             <a:endParaRPr lang="en-US" dirty="0">
               <a:solidFill>
-                <a:schemeClr val="tx1"/>
+                <a:schemeClr val="tx1">
+                  <a:lumMod val="85000"/>
+                  <a:lumOff val="15000"/>
+                </a:schemeClr>
               </a:solidFill>
             </a:endParaRPr>
           </a:p>
@@ -11868,7 +12557,7 @@
       </p:sp>
       <p:sp>
         <p:nvSpPr>
-          <p:cNvPr id="959296412" name="Content Placeholder 16"/>
+          <p:cNvPr id="12" name="Content Placeholder 11"/>
           <p:cNvSpPr>
             <a:spLocks noGrp="1"/>
           </p:cNvSpPr>
@@ -11883,126 +12572,114 @@
           </a:bodyPr>
           <a:lstStyle/>
           <a:p>
-            <a:pPr>
+            <a:pPr marL="214313" indent="-214313">
               <a:lnSpc>
                 <a:spcPct val="150000"/>
               </a:lnSpc>
-              <a:defRPr/>
-            </a:pPr>
-            <a:r>
-              <a:rPr lang="en-US" sz="1800">
-                <a:solidFill>
-                  <a:srgbClr val="D0D1D9"/>
+              <a:buFont typeface="Arial"/>
+              <a:buChar char="•"/>
+              <a:defRPr/>
+            </a:pPr>
+            <a:r>
+              <a:rPr lang="de-DE" sz="1800" dirty="0">
+                <a:solidFill>
+                  <a:schemeClr val="tx1">
+                    <a:lumMod val="85000"/>
+                    <a:lumOff val="15000"/>
+                  </a:schemeClr>
                 </a:solidFill>
               </a:rPr>
-              <a:t>Vorstellung</a:t>
-            </a:r>
-          </a:p>
-          <a:p>
-            <a:pPr>
+              <a:t>Projektziel erreicht</a:t>
+            </a:r>
+          </a:p>
+          <a:p>
+            <a:pPr marL="214313" indent="-214313">
               <a:lnSpc>
                 <a:spcPct val="150000"/>
               </a:lnSpc>
-              <a:defRPr/>
-            </a:pPr>
-            <a:r>
-              <a:rPr lang="en-US" sz="1800">
-                <a:solidFill>
-                  <a:srgbClr val="D0D1D9"/>
+              <a:buFont typeface="Arial"/>
+              <a:buChar char="•"/>
+              <a:defRPr/>
+            </a:pPr>
+            <a:r>
+              <a:rPr lang="de-DE" sz="1800" dirty="0">
+                <a:solidFill>
+                  <a:schemeClr val="tx1">
+                    <a:lumMod val="85000"/>
+                    <a:lumOff val="15000"/>
+                  </a:schemeClr>
                 </a:solidFill>
               </a:rPr>
-              <a:t>Thematik</a:t>
-            </a:r>
-          </a:p>
-          <a:p>
-            <a:pPr>
+              <a:t>Zeitplan eingehalten</a:t>
+            </a:r>
+          </a:p>
+          <a:p>
+            <a:pPr marL="214313" indent="-214313">
               <a:lnSpc>
                 <a:spcPct val="150000"/>
               </a:lnSpc>
-              <a:defRPr/>
-            </a:pPr>
-            <a:r>
-              <a:rPr lang="en-US" sz="1800">
-                <a:solidFill>
-                  <a:srgbClr val="D0D1D9"/>
+              <a:buFont typeface="Arial"/>
+              <a:buChar char="•"/>
+              <a:defRPr/>
+            </a:pPr>
+            <a:r>
+              <a:rPr lang="de-DE" sz="1800" dirty="0">
+                <a:solidFill>
+                  <a:schemeClr val="tx1">
+                    <a:lumMod val="85000"/>
+                    <a:lumOff val="15000"/>
+                  </a:schemeClr>
                 </a:solidFill>
               </a:rPr>
-              <a:t>Analyse</a:t>
-            </a:r>
-            <a:endParaRPr lang="en-US" sz="1800">
-              <a:solidFill>
-                <a:srgbClr val="22E298"/>
-              </a:solidFill>
-            </a:endParaRPr>
-          </a:p>
-          <a:p>
-            <a:pPr>
-              <a:lnSpc>
-                <a:spcPct val="150000"/>
-              </a:lnSpc>
-              <a:defRPr/>
-            </a:pPr>
-            <a:r>
-              <a:rPr lang="en-US" sz="1800">
-                <a:solidFill>
-                  <a:srgbClr val="D0D1D9"/>
-                </a:solidFill>
-              </a:rPr>
-              <a:t>Entwurf</a:t>
-            </a:r>
-            <a:endParaRPr sz="1800">
-              <a:solidFill>
-                <a:srgbClr val="D0D1D9"/>
-              </a:solidFill>
-            </a:endParaRPr>
-          </a:p>
-          <a:p>
-            <a:pPr>
-              <a:lnSpc>
-                <a:spcPct val="150000"/>
-              </a:lnSpc>
-              <a:defRPr/>
-            </a:pPr>
-            <a:r>
-              <a:rPr lang="en-US" sz="1800">
-                <a:solidFill>
-                  <a:srgbClr val="D0D1D9"/>
-                </a:solidFill>
-              </a:rPr>
-              <a:t>Implementierung</a:t>
-            </a:r>
-            <a:endParaRPr sz="1800">
-              <a:solidFill>
-                <a:srgbClr val="D0D1D9"/>
-              </a:solidFill>
-            </a:endParaRPr>
-          </a:p>
-          <a:p>
-            <a:pPr>
-              <a:lnSpc>
-                <a:spcPct val="150000"/>
-              </a:lnSpc>
-              <a:defRPr/>
-            </a:pPr>
-            <a:r>
-              <a:rPr lang="en-US" sz="1800">
-                <a:solidFill>
-                  <a:srgbClr val="22E298"/>
-                </a:solidFill>
-              </a:rPr>
-              <a:t>Fazit und Ausblick</a:t>
-            </a:r>
-            <a:endParaRPr sz="1800">
-              <a:solidFill>
-                <a:srgbClr val="22E298"/>
-              </a:solidFill>
-            </a:endParaRPr>
-          </a:p>
-        </p:txBody>
-      </p:sp>
-      <p:sp>
-        <p:nvSpPr>
-          <p:cNvPr id="847358779" name="Fußzeilenplatzhalter 1"/>
+              <a:t>Weitere Anforderungen</a:t>
+            </a:r>
+          </a:p>
+        </p:txBody>
+      </p:sp>
+      <p:sp>
+        <p:nvSpPr>
+          <p:cNvPr id="61500539" name="Picture Placeholder 8"/>
+          <p:cNvSpPr>
+            <a:spLocks noGrp="1"/>
+          </p:cNvSpPr>
+          <p:nvPr>
+            <p:ph type="pic" sz="quarter" idx="13"/>
+          </p:nvPr>
+        </p:nvSpPr>
+        <p:spPr bwMode="auto">
+          <a:xfrm>
+            <a:off x="4443411" y="633875"/>
+            <a:ext cx="4224337" cy="5591174"/>
+          </a:xfrm>
+          <a:prstGeom prst="rect">
+            <a:avLst/>
+          </a:prstGeom>
+          <a:solidFill>
+            <a:srgbClr val="22E298"/>
+          </a:solidFill>
+        </p:spPr>
+        <p:txBody>
+          <a:bodyPr anchor="ctr"/>
+          <a:lstStyle>
+            <a:lvl1pPr algn="ctr">
+              <a:defRPr>
+                <a:solidFill>
+                  <a:schemeClr val="bg1"/>
+                </a:solidFill>
+              </a:defRPr>
+            </a:lvl1pPr>
+          </a:lstStyle>
+          <a:p>
+            <a:pPr>
+              <a:defRPr/>
+            </a:pPr>
+            <a:endParaRPr/>
+          </a:p>
+        </p:txBody>
+      </p:sp>
+      <p:sp>
+        <p:nvSpPr>
+          <p:cNvPr id="2" name="Fußzeilenplatzhalter 1"/>
           <p:cNvSpPr>
             <a:spLocks noGrp="1"/>
           </p:cNvSpPr>
@@ -12025,7 +12702,64 @@
           </a:p>
         </p:txBody>
       </p:sp>
+      <p:sp>
+        <p:nvSpPr>
+          <p:cNvPr id="3" name="Foliennummernplatzhalter 2"/>
+          <p:cNvSpPr>
+            <a:spLocks noGrp="1"/>
+          </p:cNvSpPr>
+          <p:nvPr>
+            <p:ph type="sldNum" sz="quarter" idx="4"/>
+          </p:nvPr>
+        </p:nvSpPr>
+        <p:spPr bwMode="auto"/>
+        <p:txBody>
+          <a:bodyPr/>
+          <a:lstStyle/>
+          <a:p>
+            <a:pPr>
+              <a:defRPr/>
+            </a:pPr>
+            <a:fld id="{3A98EE3D-8CD1-4C3F-BD1C-C98C9596463C}" type="slidenum">
+              <a:rPr lang="en-US"/>
+              <a:t>23</a:t>
+            </a:fld>
+            <a:endParaRPr lang="en-US"/>
+          </a:p>
+        </p:txBody>
+      </p:sp>
+      <p:sp>
+        <p:nvSpPr>
+          <p:cNvPr id="4" name="Datumsplatzhalter 3"/>
+          <p:cNvSpPr>
+            <a:spLocks noGrp="1"/>
+          </p:cNvSpPr>
+          <p:nvPr>
+            <p:ph type="dt" sz="half" idx="14"/>
+          </p:nvPr>
+        </p:nvSpPr>
+        <p:spPr bwMode="auto"/>
+        <p:txBody>
+          <a:bodyPr/>
+          <a:lstStyle/>
+          <a:p>
+            <a:pPr>
+              <a:defRPr/>
+            </a:pPr>
+            <a:r>
+              <a:rPr lang="de-DE"/>
+              <a:t>Eduard Schwarzkopf </a:t>
+            </a:r>
+            <a:endParaRPr lang="en-US"/>
+          </a:p>
+        </p:txBody>
+      </p:sp>
     </p:spTree>
+    <p:extLst>
+      <p:ext uri="{BB962C8B-B14F-4D97-AF65-F5344CB8AC3E}">
+        <p14:creationId xmlns:p14="http://schemas.microsoft.com/office/powerpoint/2010/main" val="2973029928"/>
+      </p:ext>
+    </p:extLst>
   </p:cSld>
   <p:clrMapOvr>
     <a:masterClrMapping/>
@@ -12052,7 +12786,7 @@
       </p:grpSpPr>
       <p:sp>
         <p:nvSpPr>
-          <p:cNvPr id="8" name="Title 7"/>
+          <p:cNvPr id="4" name="Title 3"/>
           <p:cNvSpPr>
             <a:spLocks noGrp="1"/>
           </p:cNvSpPr>
@@ -12060,37 +12794,47 @@
             <p:ph type="title"/>
           </p:nvPr>
         </p:nvSpPr>
-        <p:spPr bwMode="auto"/>
+        <p:spPr bwMode="auto">
+          <a:xfrm>
+            <a:off x="695749" y="3135207"/>
+            <a:ext cx="4095744" cy="587584"/>
+          </a:xfrm>
+        </p:spPr>
         <p:txBody>
           <a:bodyPr/>
           <a:lstStyle/>
           <a:p>
             <a:pPr>
-              <a:defRPr/>
-            </a:pPr>
-            <a:r>
-              <a:rPr lang="en-US" dirty="0"/>
-              <a:t>Soll / </a:t>
-            </a:r>
-            <a:r>
-              <a:rPr lang="en-US" dirty="0" err="1"/>
-              <a:t>Ist</a:t>
-            </a:r>
-            <a:r>
-              <a:rPr lang="en-US" dirty="0"/>
-              <a:t> </a:t>
-            </a:r>
-            <a:r>
-              <a:rPr lang="en-US" dirty="0" err="1"/>
-              <a:t>Vergleich</a:t>
-            </a:r>
-            <a:endParaRPr lang="en-US" dirty="0"/>
-          </a:p>
-        </p:txBody>
-      </p:sp>
-      <p:sp>
-        <p:nvSpPr>
-          <p:cNvPr id="12" name="Content Placeholder 11"/>
+              <a:tabLst>
+                <a:tab pos="2481263" algn="l"/>
+              </a:tabLst>
+              <a:defRPr/>
+            </a:pPr>
+            <a:r>
+              <a:rPr lang="en-US" dirty="0" err="1">
+                <a:solidFill>
+                  <a:schemeClr val="tx1">
+                    <a:lumMod val="85000"/>
+                    <a:lumOff val="15000"/>
+                  </a:schemeClr>
+                </a:solidFill>
+              </a:rPr>
+              <a:t>Ausblick</a:t>
+            </a:r>
+            <a:endParaRPr dirty="0">
+              <a:solidFill>
+                <a:schemeClr val="tx1">
+                  <a:lumMod val="85000"/>
+                  <a:lumOff val="15000"/>
+                </a:schemeClr>
+              </a:solidFill>
+            </a:endParaRPr>
+          </a:p>
+        </p:txBody>
+      </p:sp>
+      <p:sp>
+        <p:nvSpPr>
+          <p:cNvPr id="5" name="Content Placeholder 4"/>
           <p:cNvSpPr>
             <a:spLocks noGrp="1"/>
           </p:cNvSpPr>
@@ -12098,180 +12842,99 @@
             <p:ph sz="half" idx="2"/>
           </p:nvPr>
         </p:nvSpPr>
-        <p:spPr bwMode="auto"/>
+        <p:spPr bwMode="auto">
+          <a:xfrm>
+            <a:off x="5436096" y="831287"/>
+            <a:ext cx="3012155" cy="5195424"/>
+          </a:xfrm>
+        </p:spPr>
         <p:txBody>
           <a:bodyPr>
             <a:normAutofit/>
           </a:bodyPr>
           <a:lstStyle/>
           <a:p>
-            <a:pPr marL="214313" indent="-214313">
+            <a:pPr marL="0" indent="0">
               <a:lnSpc>
                 <a:spcPct val="150000"/>
               </a:lnSpc>
-              <a:buFont typeface="Arial"/>
-              <a:buChar char="•"/>
-              <a:defRPr/>
-            </a:pPr>
-            <a:r>
-              <a:rPr lang="de-DE" sz="1800" dirty="0"/>
-              <a:t>Projektziel erreicht</a:t>
-            </a:r>
-          </a:p>
-          <a:p>
-            <a:pPr marL="214313" indent="-214313">
+              <a:buNone/>
+              <a:defRPr/>
+            </a:pPr>
+            <a:r>
+              <a:rPr lang="de-DE" sz="2000" spc="150" dirty="0">
+                <a:solidFill>
+                  <a:schemeClr val="tx1">
+                    <a:lumMod val="85000"/>
+                    <a:lumOff val="15000"/>
+                  </a:schemeClr>
+                </a:solidFill>
+              </a:rPr>
+              <a:t>Dashboard ausbauen</a:t>
+            </a:r>
+          </a:p>
+          <a:p>
+            <a:pPr marL="0" indent="0">
               <a:lnSpc>
                 <a:spcPct val="150000"/>
               </a:lnSpc>
-              <a:buFont typeface="Arial"/>
-              <a:buChar char="•"/>
-              <a:defRPr/>
-            </a:pPr>
-            <a:r>
-              <a:rPr lang="de-DE" sz="1800" dirty="0"/>
-              <a:t>Zeitplan eingehalten</a:t>
-            </a:r>
-          </a:p>
-          <a:p>
-            <a:pPr marL="214313" indent="-214313">
+              <a:buNone/>
+              <a:defRPr/>
+            </a:pPr>
+            <a:r>
+              <a:rPr lang="de-DE" sz="2000" spc="150" dirty="0">
+                <a:solidFill>
+                  <a:schemeClr val="tx1">
+                    <a:lumMod val="85000"/>
+                    <a:lumOff val="15000"/>
+                  </a:schemeClr>
+                </a:solidFill>
+              </a:rPr>
+              <a:t>Wunsch-Features implementieren</a:t>
+            </a:r>
+          </a:p>
+          <a:p>
+            <a:pPr marL="0" indent="0">
               <a:lnSpc>
                 <a:spcPct val="150000"/>
               </a:lnSpc>
-              <a:buFont typeface="Arial"/>
-              <a:buChar char="•"/>
-              <a:defRPr/>
-            </a:pPr>
-            <a:r>
-              <a:rPr lang="de-DE" sz="1800" dirty="0"/>
-              <a:t>Weitere Anforderungen</a:t>
-            </a:r>
-          </a:p>
-        </p:txBody>
-      </p:sp>
-      <p:sp>
-        <p:nvSpPr>
-          <p:cNvPr id="61500539" name="Picture Placeholder 8"/>
-          <p:cNvSpPr>
-            <a:spLocks noGrp="1"/>
-          </p:cNvSpPr>
-          <p:nvPr>
-            <p:ph type="pic" sz="quarter" idx="13"/>
-          </p:nvPr>
-        </p:nvSpPr>
-        <p:spPr bwMode="auto">
-          <a:xfrm>
-            <a:off x="4443411" y="633875"/>
-            <a:ext cx="4224337" cy="5591174"/>
-          </a:xfrm>
-          <a:prstGeom prst="rect">
-            <a:avLst/>
-          </a:prstGeom>
-          <a:solidFill>
-            <a:srgbClr val="22E298"/>
-          </a:solidFill>
-        </p:spPr>
-        <p:txBody>
-          <a:bodyPr anchor="ctr"/>
-          <a:lstStyle>
-            <a:lvl1pPr algn="ctr">
-              <a:defRPr>
-                <a:solidFill>
-                  <a:schemeClr val="bg1"/>
-                </a:solidFill>
-              </a:defRPr>
-            </a:lvl1pPr>
-          </a:lstStyle>
-          <a:p>
-            <a:pPr>
-              <a:defRPr/>
-            </a:pPr>
-            <a:endParaRPr/>
-          </a:p>
-        </p:txBody>
-      </p:sp>
-      <p:sp>
-        <p:nvSpPr>
-          <p:cNvPr id="2" name="Fußzeilenplatzhalter 1"/>
-          <p:cNvSpPr>
-            <a:spLocks noGrp="1"/>
-          </p:cNvSpPr>
-          <p:nvPr>
-            <p:ph type="ftr" sz="quarter" idx="3"/>
-          </p:nvPr>
-        </p:nvSpPr>
-        <p:spPr bwMode="auto"/>
-        <p:txBody>
-          <a:bodyPr/>
-          <a:lstStyle/>
-          <a:p>
-            <a:pPr>
-              <a:defRPr/>
-            </a:pPr>
-            <a:r>
-              <a:rPr lang="en-US"/>
-              <a:t>Control Center – zwei komponenten Monitoring Tool</a:t>
-            </a:r>
-          </a:p>
-        </p:txBody>
-      </p:sp>
-      <p:sp>
-        <p:nvSpPr>
-          <p:cNvPr id="3" name="Foliennummernplatzhalter 2"/>
-          <p:cNvSpPr>
-            <a:spLocks noGrp="1"/>
-          </p:cNvSpPr>
-          <p:nvPr>
-            <p:ph type="sldNum" sz="quarter" idx="4"/>
-          </p:nvPr>
-        </p:nvSpPr>
-        <p:spPr bwMode="auto"/>
-        <p:txBody>
-          <a:bodyPr/>
-          <a:lstStyle/>
-          <a:p>
-            <a:pPr>
-              <a:defRPr/>
-            </a:pPr>
-            <a:fld id="{3A98EE3D-8CD1-4C3F-BD1C-C98C9596463C}" type="slidenum">
-              <a:rPr lang="en-US"/>
-              <a:t>24</a:t>
-            </a:fld>
-            <a:endParaRPr lang="en-US"/>
-          </a:p>
-        </p:txBody>
-      </p:sp>
-      <p:sp>
-        <p:nvSpPr>
-          <p:cNvPr id="4" name="Datumsplatzhalter 3"/>
-          <p:cNvSpPr>
-            <a:spLocks noGrp="1"/>
-          </p:cNvSpPr>
-          <p:nvPr>
-            <p:ph type="dt" sz="half" idx="14"/>
-          </p:nvPr>
-        </p:nvSpPr>
-        <p:spPr bwMode="auto"/>
-        <p:txBody>
-          <a:bodyPr/>
-          <a:lstStyle/>
-          <a:p>
-            <a:pPr>
-              <a:defRPr/>
-            </a:pPr>
-            <a:r>
-              <a:rPr lang="de-DE"/>
-              <a:t>Eduard Schwarzkopf </a:t>
-            </a:r>
-            <a:endParaRPr lang="en-US"/>
+              <a:buNone/>
+              <a:defRPr/>
+            </a:pPr>
+            <a:r>
+              <a:rPr lang="de-DE" sz="2000" spc="150" dirty="0">
+                <a:solidFill>
+                  <a:schemeClr val="tx1">
+                    <a:lumMod val="85000"/>
+                    <a:lumOff val="15000"/>
+                  </a:schemeClr>
+                </a:solidFill>
+              </a:rPr>
+              <a:t>Frontend </a:t>
+            </a:r>
+            <a:r>
+              <a:rPr lang="de-DE" sz="2000" spc="150" dirty="0" err="1">
+                <a:solidFill>
+                  <a:schemeClr val="tx1">
+                    <a:lumMod val="85000"/>
+                    <a:lumOff val="15000"/>
+                  </a:schemeClr>
+                </a:solidFill>
+              </a:rPr>
+              <a:t>refaktorieren</a:t>
+            </a:r>
+            <a:endParaRPr lang="de-DE" sz="2000" spc="150" dirty="0">
+              <a:solidFill>
+                <a:schemeClr val="tx1">
+                  <a:lumMod val="85000"/>
+                  <a:lumOff val="15000"/>
+                </a:schemeClr>
+              </a:solidFill>
+            </a:endParaRPr>
           </a:p>
         </p:txBody>
       </p:sp>
     </p:spTree>
-    <p:extLst>
-      <p:ext uri="{BB962C8B-B14F-4D97-AF65-F5344CB8AC3E}">
-        <p14:creationId xmlns:p14="http://schemas.microsoft.com/office/powerpoint/2010/main" val="2973029928"/>
-      </p:ext>
-    </p:extLst>
   </p:cSld>
   <p:clrMapOvr>
     <a:masterClrMapping/>
@@ -12280,139 +12943,6 @@
 </file>
 
 <file path=ppt/slides/slide25.xml><?xml version="1.0" encoding="utf-8"?>
-<p:sld xmlns:a="http://schemas.openxmlformats.org/drawingml/2006/main" xmlns:r="http://schemas.openxmlformats.org/officeDocument/2006/relationships" xmlns:p="http://schemas.openxmlformats.org/presentationml/2006/main" showMasterPhAnim="0">
-  <p:cSld>
-    <p:spTree>
-      <p:nvGrpSpPr>
-        <p:cNvPr id="1" name=""/>
-        <p:cNvGrpSpPr/>
-        <p:nvPr/>
-      </p:nvGrpSpPr>
-      <p:grpSpPr bwMode="auto">
-        <a:xfrm>
-          <a:off x="0" y="0"/>
-          <a:ext cx="0" cy="0"/>
-          <a:chOff x="0" y="0"/>
-          <a:chExt cx="0" cy="0"/>
-        </a:xfrm>
-      </p:grpSpPr>
-      <p:sp>
-        <p:nvSpPr>
-          <p:cNvPr id="4" name="Title 3"/>
-          <p:cNvSpPr>
-            <a:spLocks noGrp="1"/>
-          </p:cNvSpPr>
-          <p:nvPr>
-            <p:ph type="title"/>
-          </p:nvPr>
-        </p:nvSpPr>
-        <p:spPr bwMode="auto">
-          <a:xfrm>
-            <a:off x="695749" y="3135207"/>
-            <a:ext cx="4095744" cy="587584"/>
-          </a:xfrm>
-        </p:spPr>
-        <p:txBody>
-          <a:bodyPr/>
-          <a:lstStyle/>
-          <a:p>
-            <a:pPr>
-              <a:tabLst>
-                <a:tab pos="2481263" algn="l"/>
-              </a:tabLst>
-              <a:defRPr/>
-            </a:pPr>
-            <a:r>
-              <a:rPr lang="en-US" dirty="0" err="1">
-                <a:solidFill>
-                  <a:schemeClr val="tx1">
-                    <a:lumMod val="85000"/>
-                    <a:lumOff val="15000"/>
-                  </a:schemeClr>
-                </a:solidFill>
-              </a:rPr>
-              <a:t>Ausblick</a:t>
-            </a:r>
-            <a:endParaRPr dirty="0"/>
-          </a:p>
-        </p:txBody>
-      </p:sp>
-      <p:sp>
-        <p:nvSpPr>
-          <p:cNvPr id="5" name="Content Placeholder 4"/>
-          <p:cNvSpPr>
-            <a:spLocks noGrp="1"/>
-          </p:cNvSpPr>
-          <p:nvPr>
-            <p:ph sz="half" idx="2"/>
-          </p:nvPr>
-        </p:nvSpPr>
-        <p:spPr bwMode="auto">
-          <a:xfrm>
-            <a:off x="5436096" y="831287"/>
-            <a:ext cx="3012155" cy="5195424"/>
-          </a:xfrm>
-        </p:spPr>
-        <p:txBody>
-          <a:bodyPr>
-            <a:normAutofit/>
-          </a:bodyPr>
-          <a:lstStyle/>
-          <a:p>
-            <a:pPr marL="0" indent="0">
-              <a:lnSpc>
-                <a:spcPct val="150000"/>
-              </a:lnSpc>
-              <a:buNone/>
-              <a:defRPr/>
-            </a:pPr>
-            <a:r>
-              <a:rPr lang="de-DE" sz="2000" spc="150" dirty="0"/>
-              <a:t>Dashboard ausbauen</a:t>
-            </a:r>
-          </a:p>
-          <a:p>
-            <a:pPr marL="0" indent="0">
-              <a:lnSpc>
-                <a:spcPct val="150000"/>
-              </a:lnSpc>
-              <a:buNone/>
-              <a:defRPr/>
-            </a:pPr>
-            <a:r>
-              <a:rPr lang="de-DE" sz="2000" spc="150" dirty="0"/>
-              <a:t>Wunsch-Features implementieren</a:t>
-            </a:r>
-          </a:p>
-          <a:p>
-            <a:pPr marL="0" indent="0">
-              <a:lnSpc>
-                <a:spcPct val="150000"/>
-              </a:lnSpc>
-              <a:buNone/>
-              <a:defRPr/>
-            </a:pPr>
-            <a:r>
-              <a:rPr lang="de-DE" sz="2000" spc="150" dirty="0"/>
-              <a:t>Frontend </a:t>
-            </a:r>
-            <a:r>
-              <a:rPr lang="de-DE" sz="2000" spc="150" dirty="0" err="1"/>
-              <a:t>refaktorieren</a:t>
-            </a:r>
-            <a:endParaRPr lang="de-DE" sz="2000" spc="150" dirty="0"/>
-          </a:p>
-        </p:txBody>
-      </p:sp>
-    </p:spTree>
-  </p:cSld>
-  <p:clrMapOvr>
-    <a:masterClrMapping/>
-  </p:clrMapOvr>
-</p:sld>
-</file>
-
-<file path=ppt/slides/slide26.xml><?xml version="1.0" encoding="utf-8"?>
 <p:sld xmlns:a="http://schemas.openxmlformats.org/drawingml/2006/main" xmlns:r="http://schemas.openxmlformats.org/officeDocument/2006/relationships" xmlns:p="http://schemas.openxmlformats.org/presentationml/2006/main" showMasterPhAnim="0">
   <p:cSld>
     <p:bg>
@@ -12458,12 +12988,22 @@
             <a:r>
               <a:rPr lang="en-US" dirty="0" err="1">
                 <a:solidFill>
-                  <a:schemeClr val="tx1"/>
+                  <a:schemeClr val="tx1">
+                    <a:lumMod val="85000"/>
+                    <a:lumOff val="15000"/>
+                  </a:schemeClr>
                 </a:solidFill>
               </a:rPr>
               <a:t>Quellen</a:t>
             </a:r>
-            <a:endParaRPr dirty="0"/>
+            <a:endParaRPr dirty="0">
+              <a:solidFill>
+                <a:schemeClr val="tx1">
+                  <a:lumMod val="85000"/>
+                  <a:lumOff val="15000"/>
+                </a:schemeClr>
+              </a:solidFill>
+            </a:endParaRPr>
           </a:p>
         </p:txBody>
       </p:sp>
@@ -12486,36 +13026,396 @@
               <a:defRPr/>
             </a:pPr>
             <a:r>
-              <a:rPr lang="en-US" dirty="0"/>
-              <a:t>Explain why [subject] is your favorite movie.</a:t>
-            </a:r>
-            <a:endParaRPr dirty="0"/>
-          </a:p>
-          <a:p>
-            <a:pPr>
-              <a:defRPr/>
-            </a:pPr>
-            <a:r>
-              <a:rPr lang="en-US" dirty="0"/>
-              <a:t>Teach about a famous person in history.</a:t>
-            </a:r>
-            <a:endParaRPr dirty="0"/>
-          </a:p>
-          <a:p>
-            <a:pPr>
-              <a:defRPr/>
-            </a:pPr>
-            <a:r>
-              <a:rPr lang="en-US" dirty="0"/>
-              <a:t>Introduce the group to your hidden talent.</a:t>
-            </a:r>
-            <a:endParaRPr dirty="0"/>
-          </a:p>
-          <a:p>
-            <a:pPr>
-              <a:defRPr/>
-            </a:pPr>
-            <a:endParaRPr lang="en-US" dirty="0"/>
+              <a:rPr lang="de-DE" dirty="0">
+                <a:solidFill>
+                  <a:schemeClr val="tx1">
+                    <a:lumMod val="85000"/>
+                    <a:lumOff val="15000"/>
+                  </a:schemeClr>
+                </a:solidFill>
+                <a:hlinkClick r:id="rId2">
+                  <a:extLst>
+                    <a:ext uri="{A12FA001-AC4F-418D-AE19-62706E023703}">
+                      <ahyp:hlinkClr xmlns:ahyp="http://schemas.microsoft.com/office/drawing/2018/hyperlinkcolor" val="tx"/>
+                    </a:ext>
+                  </a:extLst>
+                </a:hlinkClick>
+              </a:rPr>
+              <a:t>https://fontawesome.com/icons/php?s=brands</a:t>
+            </a:r>
+            <a:endParaRPr lang="de-DE" dirty="0">
+              <a:solidFill>
+                <a:schemeClr val="tx1">
+                  <a:lumMod val="85000"/>
+                  <a:lumOff val="15000"/>
+                </a:schemeClr>
+              </a:solidFill>
+            </a:endParaRPr>
+          </a:p>
+          <a:p>
+            <a:pPr>
+              <a:defRPr/>
+            </a:pPr>
+            <a:r>
+              <a:rPr lang="de-DE" dirty="0">
+                <a:solidFill>
+                  <a:schemeClr val="tx1">
+                    <a:lumMod val="85000"/>
+                    <a:lumOff val="15000"/>
+                  </a:schemeClr>
+                </a:solidFill>
+                <a:hlinkClick r:id="rId3">
+                  <a:extLst>
+                    <a:ext uri="{A12FA001-AC4F-418D-AE19-62706E023703}">
+                      <ahyp:hlinkClr xmlns:ahyp="http://schemas.microsoft.com/office/drawing/2018/hyperlinkcolor" val="tx"/>
+                    </a:ext>
+                  </a:extLst>
+                </a:hlinkClick>
+              </a:rPr>
+              <a:t>https://fontawesome.com/icons/laravel?s=brands</a:t>
+            </a:r>
+            <a:endParaRPr lang="de-DE" dirty="0">
+              <a:solidFill>
+                <a:schemeClr val="tx1">
+                  <a:lumMod val="85000"/>
+                  <a:lumOff val="15000"/>
+                </a:schemeClr>
+              </a:solidFill>
+            </a:endParaRPr>
+          </a:p>
+          <a:p>
+            <a:pPr>
+              <a:defRPr/>
+            </a:pPr>
+            <a:r>
+              <a:rPr lang="de-DE" dirty="0">
+                <a:solidFill>
+                  <a:schemeClr val="tx1">
+                    <a:lumMod val="85000"/>
+                    <a:lumOff val="15000"/>
+                  </a:schemeClr>
+                </a:solidFill>
+                <a:hlinkClick r:id="rId4">
+                  <a:extLst>
+                    <a:ext uri="{A12FA001-AC4F-418D-AE19-62706E023703}">
+                      <ahyp:hlinkClr xmlns:ahyp="http://schemas.microsoft.com/office/drawing/2018/hyperlinkcolor" val="tx"/>
+                    </a:ext>
+                  </a:extLst>
+                </a:hlinkClick>
+              </a:rPr>
+              <a:t>https://fontawesome.com/icons/vuejs?s=brands</a:t>
+            </a:r>
+            <a:endParaRPr lang="de-DE" dirty="0">
+              <a:solidFill>
+                <a:schemeClr val="tx1">
+                  <a:lumMod val="85000"/>
+                  <a:lumOff val="15000"/>
+                </a:schemeClr>
+              </a:solidFill>
+            </a:endParaRPr>
+          </a:p>
+          <a:p>
+            <a:pPr>
+              <a:defRPr/>
+            </a:pPr>
+            <a:r>
+              <a:rPr lang="de-DE" dirty="0">
+                <a:solidFill>
+                  <a:schemeClr val="tx1">
+                    <a:lumMod val="85000"/>
+                    <a:lumOff val="15000"/>
+                  </a:schemeClr>
+                </a:solidFill>
+                <a:hlinkClick r:id="rId5">
+                  <a:extLst>
+                    <a:ext uri="{A12FA001-AC4F-418D-AE19-62706E023703}">
+                      <ahyp:hlinkClr xmlns:ahyp="http://schemas.microsoft.com/office/drawing/2018/hyperlinkcolor" val="tx"/>
+                    </a:ext>
+                  </a:extLst>
+                </a:hlinkClick>
+              </a:rPr>
+              <a:t>https://tailwindcss.com/brand</a:t>
+            </a:r>
+            <a:endParaRPr lang="de-DE" dirty="0">
+              <a:solidFill>
+                <a:schemeClr val="tx1">
+                  <a:lumMod val="85000"/>
+                  <a:lumOff val="15000"/>
+                </a:schemeClr>
+              </a:solidFill>
+            </a:endParaRPr>
+          </a:p>
+          <a:p>
+            <a:pPr>
+              <a:defRPr/>
+            </a:pPr>
+            <a:r>
+              <a:rPr lang="de-DE" dirty="0">
+                <a:solidFill>
+                  <a:schemeClr val="tx1">
+                    <a:lumMod val="85000"/>
+                    <a:lumOff val="15000"/>
+                  </a:schemeClr>
+                </a:solidFill>
+                <a:hlinkClick r:id="rId6">
+                  <a:extLst>
+                    <a:ext uri="{A12FA001-AC4F-418D-AE19-62706E023703}">
+                      <ahyp:hlinkClr xmlns:ahyp="http://schemas.microsoft.com/office/drawing/2018/hyperlinkcolor" val="tx"/>
+                    </a:ext>
+                  </a:extLst>
+                </a:hlinkClick>
+              </a:rPr>
+              <a:t>https://mariadb.com/about-us/logos/</a:t>
+            </a:r>
+            <a:endParaRPr lang="de-DE" dirty="0">
+              <a:solidFill>
+                <a:schemeClr val="tx1">
+                  <a:lumMod val="85000"/>
+                  <a:lumOff val="15000"/>
+                </a:schemeClr>
+              </a:solidFill>
+            </a:endParaRPr>
+          </a:p>
+          <a:p>
+            <a:pPr>
+              <a:defRPr/>
+            </a:pPr>
+            <a:r>
+              <a:rPr lang="de-DE" dirty="0">
+                <a:solidFill>
+                  <a:schemeClr val="tx1">
+                    <a:lumMod val="85000"/>
+                    <a:lumOff val="15000"/>
+                  </a:schemeClr>
+                </a:solidFill>
+                <a:hlinkClick r:id="rId7">
+                  <a:extLst>
+                    <a:ext uri="{A12FA001-AC4F-418D-AE19-62706E023703}">
+                      <ahyp:hlinkClr xmlns:ahyp="http://schemas.microsoft.com/office/drawing/2018/hyperlinkcolor" val="tx"/>
+                    </a:ext>
+                  </a:extLst>
+                </a:hlinkClick>
+              </a:rPr>
+              <a:t>https://fontawesome.com/icons/cubes-stacked?s=solid</a:t>
+            </a:r>
+            <a:endParaRPr lang="de-DE" dirty="0">
+              <a:solidFill>
+                <a:schemeClr val="tx1">
+                  <a:lumMod val="85000"/>
+                  <a:lumOff val="15000"/>
+                </a:schemeClr>
+              </a:solidFill>
+            </a:endParaRPr>
+          </a:p>
+          <a:p>
+            <a:pPr>
+              <a:defRPr/>
+            </a:pPr>
+            <a:r>
+              <a:rPr lang="de-DE" dirty="0">
+                <a:solidFill>
+                  <a:schemeClr val="tx1">
+                    <a:lumMod val="85000"/>
+                    <a:lumOff val="15000"/>
+                  </a:schemeClr>
+                </a:solidFill>
+                <a:hlinkClick r:id="rId8">
+                  <a:extLst>
+                    <a:ext uri="{A12FA001-AC4F-418D-AE19-62706E023703}">
+                      <ahyp:hlinkClr xmlns:ahyp="http://schemas.microsoft.com/office/drawing/2018/hyperlinkcolor" val="tx"/>
+                    </a:ext>
+                  </a:extLst>
+                </a:hlinkClick>
+              </a:rPr>
+              <a:t>https://fontawesome.com/icons/circle-half-stroke?s=solid</a:t>
+            </a:r>
+            <a:endParaRPr lang="de-DE" dirty="0">
+              <a:solidFill>
+                <a:schemeClr val="tx1">
+                  <a:lumMod val="85000"/>
+                  <a:lumOff val="15000"/>
+                </a:schemeClr>
+              </a:solidFill>
+            </a:endParaRPr>
+          </a:p>
+          <a:p>
+            <a:pPr>
+              <a:defRPr/>
+            </a:pPr>
+            <a:r>
+              <a:rPr lang="de-DE" dirty="0">
+                <a:solidFill>
+                  <a:schemeClr val="tx1">
+                    <a:lumMod val="85000"/>
+                    <a:lumOff val="15000"/>
+                  </a:schemeClr>
+                </a:solidFill>
+                <a:hlinkClick r:id="rId9">
+                  <a:extLst>
+                    <a:ext uri="{A12FA001-AC4F-418D-AE19-62706E023703}">
+                      <ahyp:hlinkClr xmlns:ahyp="http://schemas.microsoft.com/office/drawing/2018/hyperlinkcolor" val="tx"/>
+                    </a:ext>
+                  </a:extLst>
+                </a:hlinkClick>
+              </a:rPr>
+              <a:t>https://fontawesome.com/icons/shield-halved?s=solid</a:t>
+            </a:r>
+            <a:endParaRPr lang="de-DE" dirty="0">
+              <a:solidFill>
+                <a:schemeClr val="tx1">
+                  <a:lumMod val="85000"/>
+                  <a:lumOff val="15000"/>
+                </a:schemeClr>
+              </a:solidFill>
+            </a:endParaRPr>
+          </a:p>
+          <a:p>
+            <a:pPr>
+              <a:defRPr/>
+            </a:pPr>
+            <a:r>
+              <a:rPr lang="en-US" dirty="0">
+                <a:solidFill>
+                  <a:schemeClr val="tx1">
+                    <a:lumMod val="85000"/>
+                    <a:lumOff val="15000"/>
+                  </a:schemeClr>
+                </a:solidFill>
+                <a:hlinkClick r:id="rId10">
+                  <a:extLst>
+                    <a:ext uri="{A12FA001-AC4F-418D-AE19-62706E023703}">
+                      <ahyp:hlinkClr xmlns:ahyp="http://schemas.microsoft.com/office/drawing/2018/hyperlinkcolor" val="tx"/>
+                    </a:ext>
+                  </a:extLst>
+                </a:hlinkClick>
+              </a:rPr>
+              <a:t>https://fontawesome.com/icons/shield?s=solid</a:t>
+            </a:r>
+            <a:endParaRPr lang="en-US" dirty="0">
+              <a:solidFill>
+                <a:schemeClr val="tx1">
+                  <a:lumMod val="85000"/>
+                  <a:lumOff val="15000"/>
+                </a:schemeClr>
+              </a:solidFill>
+            </a:endParaRPr>
+          </a:p>
+          <a:p>
+            <a:pPr>
+              <a:defRPr/>
+            </a:pPr>
+            <a:r>
+              <a:rPr lang="en-US" dirty="0">
+                <a:solidFill>
+                  <a:schemeClr val="tx1">
+                    <a:lumMod val="85000"/>
+                    <a:lumOff val="15000"/>
+                  </a:schemeClr>
+                </a:solidFill>
+                <a:hlinkClick r:id="rId11">
+                  <a:extLst>
+                    <a:ext uri="{A12FA001-AC4F-418D-AE19-62706E023703}">
+                      <ahyp:hlinkClr xmlns:ahyp="http://schemas.microsoft.com/office/drawing/2018/hyperlinkcolor" val="tx"/>
+                    </a:ext>
+                  </a:extLst>
+                </a:hlinkClick>
+              </a:rPr>
+              <a:t>https://fontawesome.com/icons/list-check?s=solid</a:t>
+            </a:r>
+            <a:endParaRPr lang="en-US" dirty="0">
+              <a:solidFill>
+                <a:schemeClr val="tx1">
+                  <a:lumMod val="85000"/>
+                  <a:lumOff val="15000"/>
+                </a:schemeClr>
+              </a:solidFill>
+            </a:endParaRPr>
+          </a:p>
+          <a:p>
+            <a:pPr>
+              <a:defRPr/>
+            </a:pPr>
+            <a:r>
+              <a:rPr lang="en-US" dirty="0">
+                <a:solidFill>
+                  <a:schemeClr val="tx1">
+                    <a:lumMod val="85000"/>
+                    <a:lumOff val="15000"/>
+                  </a:schemeClr>
+                </a:solidFill>
+                <a:hlinkClick r:id="rId12">
+                  <a:extLst>
+                    <a:ext uri="{A12FA001-AC4F-418D-AE19-62706E023703}">
+                      <ahyp:hlinkClr xmlns:ahyp="http://schemas.microsoft.com/office/drawing/2018/hyperlinkcolor" val="tx"/>
+                    </a:ext>
+                  </a:extLst>
+                </a:hlinkClick>
+              </a:rPr>
+              <a:t>https://fontawesome.com/icons/circle-check?s=solid</a:t>
+            </a:r>
+            <a:endParaRPr lang="en-US" dirty="0">
+              <a:solidFill>
+                <a:schemeClr val="tx1">
+                  <a:lumMod val="85000"/>
+                  <a:lumOff val="15000"/>
+                </a:schemeClr>
+              </a:solidFill>
+            </a:endParaRPr>
+          </a:p>
+          <a:p>
+            <a:pPr>
+              <a:defRPr/>
+            </a:pPr>
+            <a:r>
+              <a:rPr lang="de-DE" dirty="0">
+                <a:solidFill>
+                  <a:schemeClr val="tx1">
+                    <a:lumMod val="85000"/>
+                    <a:lumOff val="15000"/>
+                  </a:schemeClr>
+                </a:solidFill>
+                <a:hlinkClick r:id="rId13">
+                  <a:extLst>
+                    <a:ext uri="{A12FA001-AC4F-418D-AE19-62706E023703}">
+                      <ahyp:hlinkClr xmlns:ahyp="http://schemas.microsoft.com/office/drawing/2018/hyperlinkcolor" val="tx"/>
+                    </a:ext>
+                  </a:extLst>
+                </a:hlinkClick>
+              </a:rPr>
+              <a:t>https://www.wrkbeat.com/</a:t>
+            </a:r>
+            <a:r>
+              <a:rPr lang="de-DE" dirty="0">
+                <a:solidFill>
+                  <a:schemeClr val="tx1">
+                    <a:lumMod val="85000"/>
+                    <a:lumOff val="15000"/>
+                  </a:schemeClr>
+                </a:solidFill>
+              </a:rPr>
+              <a:t> </a:t>
+            </a:r>
+            <a:endParaRPr dirty="0">
+              <a:solidFill>
+                <a:schemeClr val="tx1">
+                  <a:lumMod val="85000"/>
+                  <a:lumOff val="15000"/>
+                </a:schemeClr>
+              </a:solidFill>
+            </a:endParaRPr>
+          </a:p>
+          <a:p>
+            <a:pPr>
+              <a:defRPr/>
+            </a:pPr>
+            <a:endParaRPr lang="en-US" dirty="0">
+              <a:solidFill>
+                <a:schemeClr val="tx1">
+                  <a:lumMod val="85000"/>
+                  <a:lumOff val="15000"/>
+                </a:schemeClr>
+              </a:solidFill>
+            </a:endParaRPr>
           </a:p>
         </p:txBody>
       </p:sp>
@@ -12552,7 +13452,7 @@
 </p:sld>
 </file>
 
-<file path=ppt/slides/slide27.xml><?xml version="1.0" encoding="utf-8"?>
+<file path=ppt/slides/slide26.xml><?xml version="1.0" encoding="utf-8"?>
 <p:sld xmlns:a="http://schemas.openxmlformats.org/drawingml/2006/main" xmlns:r="http://schemas.openxmlformats.org/officeDocument/2006/relationships" xmlns:p="http://schemas.openxmlformats.org/presentationml/2006/main" showMasterPhAnim="0">
   <p:cSld>
     <p:spTree>
@@ -12588,31 +13488,65 @@
               <a:defRPr/>
             </a:pPr>
             <a:r>
-              <a:rPr lang="en-US" dirty="0" err="1"/>
+              <a:rPr lang="en-US" dirty="0" err="1">
+                <a:solidFill>
+                  <a:schemeClr val="tx1">
+                    <a:lumMod val="85000"/>
+                    <a:lumOff val="15000"/>
+                  </a:schemeClr>
+                </a:solidFill>
+              </a:rPr>
               <a:t>Vielen</a:t>
             </a:r>
             <a:r>
-              <a:rPr lang="en-US" dirty="0"/>
+              <a:rPr lang="en-US" dirty="0">
+                <a:solidFill>
+                  <a:schemeClr val="tx1">
+                    <a:lumMod val="85000"/>
+                    <a:lumOff val="15000"/>
+                  </a:schemeClr>
+                </a:solidFill>
+              </a:rPr>
               <a:t> Dank</a:t>
             </a:r>
-            <a:endParaRPr dirty="0"/>
-          </a:p>
-        </p:txBody>
-      </p:sp>
-      <p:sp>
-        <p:nvSpPr>
-          <p:cNvPr id="954232242" name="Picture Placeholder 2"/>
-          <p:cNvSpPr>
-            <a:spLocks noGrp="1" noChangeAspect="1"/>
-          </p:cNvSpPr>
+            <a:endParaRPr dirty="0">
+              <a:solidFill>
+                <a:schemeClr val="tx1">
+                  <a:lumMod val="85000"/>
+                  <a:lumOff val="15000"/>
+                </a:schemeClr>
+              </a:solidFill>
+            </a:endParaRPr>
+          </a:p>
+        </p:txBody>
+      </p:sp>
+      <p:pic>
+        <p:nvPicPr>
+          <p:cNvPr id="9" name="Bildplatzhalter 8">
+            <a:extLst>
+              <a:ext uri="{FF2B5EF4-FFF2-40B4-BE49-F238E27FC236}">
+                <a16:creationId xmlns:a16="http://schemas.microsoft.com/office/drawing/2014/main" id="{D66D9025-5EC7-4FDF-8E93-29B45BC73DC2}"/>
+              </a:ext>
+            </a:extLst>
+          </p:cNvPr>
+          <p:cNvPicPr>
+            <a:picLocks noGrp="1" noChangeAspect="1"/>
+          </p:cNvPicPr>
           <p:nvPr>
             <p:ph type="pic" idx="1"/>
           </p:nvPr>
-        </p:nvSpPr>
+        </p:nvPicPr>
+        <p:blipFill>
+          <a:blip r:embed="rId2"/>
+          <a:srcRect t="22866" b="22866"/>
+          <a:stretch>
+            <a:fillRect/>
+          </a:stretch>
+        </p:blipFill>
         <p:spPr bwMode="auto">
           <a:xfrm>
-            <a:off x="476250" y="630936"/>
-            <a:ext cx="8191498" cy="3294018"/>
+            <a:off x="476250" y="630238"/>
+            <a:ext cx="8191500" cy="3294062"/>
           </a:xfrm>
           <a:prstGeom prst="rect">
             <a:avLst/>
@@ -12621,54 +13555,7 @@
             <a:schemeClr val="bg1"/>
           </a:solidFill>
         </p:spPr>
-        <p:txBody>
-          <a:bodyPr lIns="457200" tIns="457200" anchor="t"/>
-          <a:lstStyle>
-            <a:lvl1pPr marL="0" indent="0">
-              <a:buNone/>
-              <a:defRPr sz="2400"/>
-            </a:lvl1pPr>
-            <a:lvl2pPr marL="342900" indent="0">
-              <a:buNone/>
-              <a:defRPr sz="2100"/>
-            </a:lvl2pPr>
-            <a:lvl3pPr marL="685800" indent="0">
-              <a:buNone/>
-              <a:defRPr sz="1800"/>
-            </a:lvl3pPr>
-            <a:lvl4pPr marL="1028700" indent="0">
-              <a:buNone/>
-              <a:defRPr sz="1500"/>
-            </a:lvl4pPr>
-            <a:lvl5pPr marL="1371600" indent="0">
-              <a:buNone/>
-              <a:defRPr sz="1500"/>
-            </a:lvl5pPr>
-            <a:lvl6pPr marL="1714500" indent="0">
-              <a:buNone/>
-              <a:defRPr sz="1500"/>
-            </a:lvl6pPr>
-            <a:lvl7pPr marL="2057400" indent="0">
-              <a:buNone/>
-              <a:defRPr sz="1500"/>
-            </a:lvl7pPr>
-            <a:lvl8pPr marL="2400300" indent="0">
-              <a:buNone/>
-              <a:defRPr sz="1500"/>
-            </a:lvl8pPr>
-            <a:lvl9pPr marL="2743200" indent="0">
-              <a:buNone/>
-              <a:defRPr sz="1500"/>
-            </a:lvl9pPr>
-          </a:lstStyle>
-          <a:p>
-            <a:pPr>
-              <a:defRPr/>
-            </a:pPr>
-            <a:endParaRPr/>
-          </a:p>
-        </p:txBody>
-      </p:sp>
+      </p:pic>
       <p:sp>
         <p:nvSpPr>
           <p:cNvPr id="3" name="Fußzeilenplatzhalter 2"/>
@@ -12714,7 +13601,7 @@
             </a:pPr>
             <a:fld id="{3A98EE3D-8CD1-4C3F-BD1C-C98C9596463C}" type="slidenum">
               <a:rPr lang="en-US"/>
-              <a:t>27</a:t>
+              <a:t>26</a:t>
             </a:fld>
             <a:endParaRPr lang="en-US"/>
           </a:p>
@@ -12771,6 +13658,34 @@
           </a:p>
         </p:txBody>
       </p:sp>
+      <p:pic>
+        <p:nvPicPr>
+          <p:cNvPr id="10" name="Grafik 9">
+            <a:extLst>
+              <a:ext uri="{FF2B5EF4-FFF2-40B4-BE49-F238E27FC236}">
+                <a16:creationId xmlns:a16="http://schemas.microsoft.com/office/drawing/2014/main" id="{F8231941-6C63-86F6-EA89-8F82FD53ACE5}"/>
+              </a:ext>
+            </a:extLst>
+          </p:cNvPr>
+          <p:cNvPicPr>
+            <a:picLocks noChangeAspect="1"/>
+          </p:cNvPicPr>
+          <p:nvPr/>
+        </p:nvPicPr>
+        <p:blipFill>
+          <a:blip r:embed="rId3"/>
+          <a:stretch/>
+        </p:blipFill>
+        <p:spPr bwMode="auto">
+          <a:xfrm>
+            <a:off x="6709269" y="4292533"/>
+            <a:ext cx="1071034" cy="1071034"/>
+          </a:xfrm>
+          <a:prstGeom prst="rect">
+            <a:avLst/>
+          </a:prstGeom>
+        </p:spPr>
+      </p:pic>
     </p:spTree>
   </p:cSld>
   <p:clrMapOvr>
@@ -12836,10 +13751,24 @@
               <a:defRPr/>
             </a:pPr>
             <a:r>
-              <a:rPr lang="de-DE"/>
+              <a:rPr lang="de-DE" dirty="0">
+                <a:solidFill>
+                  <a:schemeClr val="tx1">
+                    <a:lumMod val="85000"/>
+                    <a:lumOff val="15000"/>
+                  </a:schemeClr>
+                </a:solidFill>
+              </a:rPr>
               <a:t>Wrkbeat</a:t>
             </a:r>
-            <a:endParaRPr/>
+            <a:endParaRPr dirty="0">
+              <a:solidFill>
+                <a:schemeClr val="tx1">
+                  <a:lumMod val="85000"/>
+                  <a:lumOff val="15000"/>
+                </a:schemeClr>
+              </a:solidFill>
+            </a:endParaRPr>
           </a:p>
         </p:txBody>
       </p:sp>
@@ -12853,7 +13782,12 @@
             <p:ph sz="half" idx="2"/>
           </p:nvPr>
         </p:nvSpPr>
-        <p:spPr bwMode="auto"/>
+        <p:spPr bwMode="auto">
+          <a:xfrm>
+            <a:off x="822960" y="2263571"/>
+            <a:ext cx="3117972" cy="3633471"/>
+          </a:xfrm>
+        </p:spPr>
         <p:txBody>
           <a:bodyPr>
             <a:normAutofit/>
@@ -12864,36 +13798,85 @@
               <a:defRPr/>
             </a:pPr>
             <a:r>
-              <a:rPr lang="de-DE" sz="1800"/>
+              <a:rPr lang="de-DE" sz="1800" dirty="0">
+                <a:solidFill>
+                  <a:schemeClr val="tx1">
+                    <a:lumMod val="85000"/>
+                    <a:lumOff val="15000"/>
+                  </a:schemeClr>
+                </a:solidFill>
+              </a:rPr>
               <a:t>Agentur </a:t>
             </a:r>
-            <a:endParaRPr/>
-          </a:p>
-          <a:p>
-            <a:pPr>
-              <a:defRPr/>
-            </a:pPr>
-            <a:r>
-              <a:rPr lang="de-DE" sz="1800"/>
+            <a:endParaRPr dirty="0">
+              <a:solidFill>
+                <a:schemeClr val="tx1">
+                  <a:lumMod val="85000"/>
+                  <a:lumOff val="15000"/>
+                </a:schemeClr>
+              </a:solidFill>
+            </a:endParaRPr>
+          </a:p>
+          <a:p>
+            <a:pPr>
+              <a:defRPr/>
+            </a:pPr>
+            <a:r>
+              <a:rPr lang="de-DE" sz="1800" dirty="0">
+                <a:solidFill>
+                  <a:schemeClr val="tx1">
+                    <a:lumMod val="85000"/>
+                    <a:lumOff val="15000"/>
+                  </a:schemeClr>
+                </a:solidFill>
+              </a:rPr>
               <a:t>Field Service Management</a:t>
             </a:r>
-            <a:endParaRPr/>
-          </a:p>
-          <a:p>
-            <a:pPr>
-              <a:defRPr/>
-            </a:pPr>
-            <a:r>
-              <a:rPr lang="de-DE" sz="1800"/>
+            <a:endParaRPr dirty="0">
+              <a:solidFill>
+                <a:schemeClr val="tx1">
+                  <a:lumMod val="85000"/>
+                  <a:lumOff val="15000"/>
+                </a:schemeClr>
+              </a:solidFill>
+            </a:endParaRPr>
+          </a:p>
+          <a:p>
+            <a:pPr>
+              <a:defRPr/>
+            </a:pPr>
+            <a:r>
+              <a:rPr lang="de-DE" sz="1800" dirty="0">
+                <a:solidFill>
+                  <a:schemeClr val="tx1">
+                    <a:lumMod val="85000"/>
+                    <a:lumOff val="15000"/>
+                  </a:schemeClr>
+                </a:solidFill>
+              </a:rPr>
               <a:t>Kran- und Schwerlastbranche</a:t>
             </a:r>
-            <a:endParaRPr/>
-          </a:p>
-          <a:p>
-            <a:pPr>
-              <a:defRPr/>
-            </a:pPr>
-            <a:endParaRPr lang="de-DE" sz="1800"/>
+            <a:endParaRPr dirty="0">
+              <a:solidFill>
+                <a:schemeClr val="tx1">
+                  <a:lumMod val="85000"/>
+                  <a:lumOff val="15000"/>
+                </a:schemeClr>
+              </a:solidFill>
+            </a:endParaRPr>
+          </a:p>
+          <a:p>
+            <a:pPr>
+              <a:defRPr/>
+            </a:pPr>
+            <a:endParaRPr lang="de-DE" sz="1800" dirty="0">
+              <a:solidFill>
+                <a:schemeClr val="tx1">
+                  <a:lumMod val="85000"/>
+                  <a:lumOff val="15000"/>
+                </a:schemeClr>
+              </a:solidFill>
+            </a:endParaRPr>
           </a:p>
         </p:txBody>
       </p:sp>
@@ -13042,7 +14025,10 @@
             <a:r>
               <a:rPr lang="en-US">
                 <a:solidFill>
-                  <a:schemeClr val="tx1"/>
+                  <a:schemeClr val="tx1">
+                    <a:lumMod val="85000"/>
+                    <a:lumOff val="15000"/>
+                  </a:schemeClr>
                 </a:solidFill>
               </a:rPr>
               <a:t>Inhalt</a:t>
@@ -13074,13 +14060,18 @@
               <a:defRPr/>
             </a:pPr>
             <a:r>
-              <a:rPr lang="en-US" sz="1800">
+              <a:rPr lang="en-US" sz="1800" dirty="0" err="1">
                 <a:solidFill>
                   <a:srgbClr val="D0D1D9"/>
                 </a:solidFill>
               </a:rPr>
               <a:t>Vorstellung</a:t>
             </a:r>
+            <a:endParaRPr lang="en-US" sz="1800" dirty="0">
+              <a:solidFill>
+                <a:srgbClr val="D0D1D9"/>
+              </a:solidFill>
+            </a:endParaRPr>
           </a:p>
           <a:p>
             <a:pPr>
@@ -13090,13 +14081,18 @@
               <a:defRPr/>
             </a:pPr>
             <a:r>
-              <a:rPr lang="en-US" sz="1800">
+              <a:rPr lang="en-US" sz="1800" dirty="0" err="1">
                 <a:solidFill>
                   <a:srgbClr val="22E298"/>
                 </a:solidFill>
               </a:rPr>
               <a:t>Thematik</a:t>
             </a:r>
+            <a:endParaRPr lang="en-US" sz="1800" dirty="0">
+              <a:solidFill>
+                <a:srgbClr val="22E298"/>
+              </a:solidFill>
+            </a:endParaRPr>
           </a:p>
           <a:p>
             <a:pPr>
@@ -13106,9 +14102,24 @@
               <a:defRPr/>
             </a:pPr>
             <a:r>
-              <a:rPr lang="en-US" sz="1800"/>
+              <a:rPr lang="en-US" sz="1800" dirty="0" err="1">
+                <a:solidFill>
+                  <a:schemeClr val="tx1">
+                    <a:lumMod val="85000"/>
+                    <a:lumOff val="15000"/>
+                  </a:schemeClr>
+                </a:solidFill>
+              </a:rPr>
               <a:t>Analyse</a:t>
             </a:r>
+            <a:endParaRPr lang="en-US" sz="1800" dirty="0">
+              <a:solidFill>
+                <a:schemeClr val="tx1">
+                  <a:lumMod val="85000"/>
+                  <a:lumOff val="15000"/>
+                </a:schemeClr>
+              </a:solidFill>
+            </a:endParaRPr>
           </a:p>
           <a:p>
             <a:pPr>
@@ -13118,9 +14129,24 @@
               <a:defRPr/>
             </a:pPr>
             <a:r>
-              <a:rPr lang="en-US" sz="1800"/>
+              <a:rPr lang="en-US" sz="1800" dirty="0" err="1">
+                <a:solidFill>
+                  <a:schemeClr val="tx1">
+                    <a:lumMod val="85000"/>
+                    <a:lumOff val="15000"/>
+                  </a:schemeClr>
+                </a:solidFill>
+              </a:rPr>
               <a:t>Entwurf</a:t>
             </a:r>
+            <a:endParaRPr lang="en-US" sz="1800" dirty="0">
+              <a:solidFill>
+                <a:schemeClr val="tx1">
+                  <a:lumMod val="85000"/>
+                  <a:lumOff val="15000"/>
+                </a:schemeClr>
+              </a:solidFill>
+            </a:endParaRPr>
           </a:p>
           <a:p>
             <a:pPr>
@@ -13130,9 +14156,24 @@
               <a:defRPr/>
             </a:pPr>
             <a:r>
-              <a:rPr lang="en-US" sz="1800"/>
+              <a:rPr lang="en-US" sz="1800" dirty="0" err="1">
+                <a:solidFill>
+                  <a:schemeClr val="tx1">
+                    <a:lumMod val="85000"/>
+                    <a:lumOff val="15000"/>
+                  </a:schemeClr>
+                </a:solidFill>
+              </a:rPr>
               <a:t>Implementierung</a:t>
             </a:r>
+            <a:endParaRPr lang="en-US" sz="1800" dirty="0">
+              <a:solidFill>
+                <a:schemeClr val="tx1">
+                  <a:lumMod val="85000"/>
+                  <a:lumOff val="15000"/>
+                </a:schemeClr>
+              </a:solidFill>
+            </a:endParaRPr>
           </a:p>
           <a:p>
             <a:pPr>
@@ -13142,9 +14183,46 @@
               <a:defRPr/>
             </a:pPr>
             <a:r>
-              <a:rPr lang="en-US" sz="1800"/>
-              <a:t>Fazit und Ausblick</a:t>
-            </a:r>
+              <a:rPr lang="en-US" sz="1800" dirty="0" err="1">
+                <a:solidFill>
+                  <a:schemeClr val="tx1">
+                    <a:lumMod val="85000"/>
+                    <a:lumOff val="15000"/>
+                  </a:schemeClr>
+                </a:solidFill>
+              </a:rPr>
+              <a:t>Fazit</a:t>
+            </a:r>
+            <a:r>
+              <a:rPr lang="en-US" sz="1800" dirty="0">
+                <a:solidFill>
+                  <a:schemeClr val="tx1">
+                    <a:lumMod val="85000"/>
+                    <a:lumOff val="15000"/>
+                  </a:schemeClr>
+                </a:solidFill>
+              </a:rPr>
+              <a:t> und </a:t>
+            </a:r>
+            <a:r>
+              <a:rPr lang="en-US" sz="1800" dirty="0" err="1">
+                <a:solidFill>
+                  <a:schemeClr val="tx1">
+                    <a:lumMod val="85000"/>
+                    <a:lumOff val="15000"/>
+                  </a:schemeClr>
+                </a:solidFill>
+              </a:rPr>
+              <a:t>Ausblick</a:t>
+            </a:r>
+            <a:endParaRPr lang="en-US" sz="1800" dirty="0">
+              <a:solidFill>
+                <a:schemeClr val="tx1">
+                  <a:lumMod val="85000"/>
+                  <a:lumOff val="15000"/>
+                </a:schemeClr>
+              </a:solidFill>
+            </a:endParaRPr>
           </a:p>
         </p:txBody>
       </p:sp>
@@ -13669,10 +14747,24 @@
               <a:defRPr/>
             </a:pPr>
             <a:r>
-              <a:rPr lang="en-US" sz="4500"/>
+              <a:rPr lang="en-US" sz="4500" dirty="0">
+                <a:solidFill>
+                  <a:schemeClr val="tx1">
+                    <a:lumMod val="85000"/>
+                    <a:lumOff val="15000"/>
+                  </a:schemeClr>
+                </a:solidFill>
+              </a:rPr>
               <a:t>CONTROL CENTER</a:t>
             </a:r>
-            <a:endParaRPr/>
+            <a:endParaRPr dirty="0">
+              <a:solidFill>
+                <a:schemeClr val="tx1">
+                  <a:lumMod val="85000"/>
+                  <a:lumOff val="15000"/>
+                </a:schemeClr>
+              </a:solidFill>
+            </a:endParaRPr>
           </a:p>
         </p:txBody>
       </p:sp>
@@ -13744,7 +14836,10 @@
             <a:r>
               <a:rPr lang="en-US">
                 <a:solidFill>
-                  <a:schemeClr val="tx1"/>
+                  <a:schemeClr val="tx1">
+                    <a:lumMod val="85000"/>
+                    <a:lumOff val="15000"/>
+                  </a:schemeClr>
                 </a:solidFill>
               </a:rPr>
               <a:t>Inhalt</a:t>
@@ -13776,13 +14871,18 @@
               <a:defRPr/>
             </a:pPr>
             <a:r>
-              <a:rPr lang="en-US" sz="1800">
+              <a:rPr lang="en-US" sz="1800" dirty="0" err="1">
                 <a:solidFill>
                   <a:srgbClr val="D0D1D9"/>
                 </a:solidFill>
               </a:rPr>
               <a:t>Vorstellung</a:t>
             </a:r>
+            <a:endParaRPr lang="en-US" sz="1800" dirty="0">
+              <a:solidFill>
+                <a:srgbClr val="D0D1D9"/>
+              </a:solidFill>
+            </a:endParaRPr>
           </a:p>
           <a:p>
             <a:pPr>
@@ -13792,13 +14892,18 @@
               <a:defRPr/>
             </a:pPr>
             <a:r>
-              <a:rPr lang="en-US" sz="1800">
+              <a:rPr lang="en-US" sz="1800" dirty="0" err="1">
                 <a:solidFill>
                   <a:srgbClr val="D0D1D9"/>
                 </a:solidFill>
               </a:rPr>
               <a:t>Thematik</a:t>
             </a:r>
+            <a:endParaRPr lang="en-US" sz="1800" dirty="0">
+              <a:solidFill>
+                <a:srgbClr val="D0D1D9"/>
+              </a:solidFill>
+            </a:endParaRPr>
           </a:p>
           <a:p>
             <a:pPr>
@@ -13808,13 +14913,18 @@
               <a:defRPr/>
             </a:pPr>
             <a:r>
-              <a:rPr lang="en-US" sz="1800">
+              <a:rPr lang="en-US" sz="1800" dirty="0" err="1">
                 <a:solidFill>
                   <a:srgbClr val="22E298"/>
                 </a:solidFill>
               </a:rPr>
               <a:t>Analyse</a:t>
             </a:r>
+            <a:endParaRPr lang="en-US" sz="1800" dirty="0">
+              <a:solidFill>
+                <a:srgbClr val="22E298"/>
+              </a:solidFill>
+            </a:endParaRPr>
           </a:p>
           <a:p>
             <a:pPr>
@@ -13824,9 +14934,24 @@
               <a:defRPr/>
             </a:pPr>
             <a:r>
-              <a:rPr lang="en-US" sz="1800"/>
+              <a:rPr lang="en-US" sz="1800" dirty="0" err="1">
+                <a:solidFill>
+                  <a:schemeClr val="tx1">
+                    <a:lumMod val="85000"/>
+                    <a:lumOff val="15000"/>
+                  </a:schemeClr>
+                </a:solidFill>
+              </a:rPr>
               <a:t>Entwurf</a:t>
             </a:r>
+            <a:endParaRPr lang="en-US" sz="1800" dirty="0">
+              <a:solidFill>
+                <a:schemeClr val="tx1">
+                  <a:lumMod val="85000"/>
+                  <a:lumOff val="15000"/>
+                </a:schemeClr>
+              </a:solidFill>
+            </a:endParaRPr>
           </a:p>
           <a:p>
             <a:pPr>
@@ -13836,9 +14961,24 @@
               <a:defRPr/>
             </a:pPr>
             <a:r>
-              <a:rPr lang="en-US" sz="1800"/>
+              <a:rPr lang="en-US" sz="1800" dirty="0" err="1">
+                <a:solidFill>
+                  <a:schemeClr val="tx1">
+                    <a:lumMod val="85000"/>
+                    <a:lumOff val="15000"/>
+                  </a:schemeClr>
+                </a:solidFill>
+              </a:rPr>
               <a:t>Implementierung</a:t>
             </a:r>
+            <a:endParaRPr lang="en-US" sz="1800" dirty="0">
+              <a:solidFill>
+                <a:schemeClr val="tx1">
+                  <a:lumMod val="85000"/>
+                  <a:lumOff val="15000"/>
+                </a:schemeClr>
+              </a:solidFill>
+            </a:endParaRPr>
           </a:p>
           <a:p>
             <a:pPr>
@@ -13848,9 +14988,46 @@
               <a:defRPr/>
             </a:pPr>
             <a:r>
-              <a:rPr lang="en-US" sz="1800"/>
-              <a:t>Fazit und Ausblick</a:t>
-            </a:r>
+              <a:rPr lang="en-US" sz="1800" dirty="0" err="1">
+                <a:solidFill>
+                  <a:schemeClr val="tx1">
+                    <a:lumMod val="85000"/>
+                    <a:lumOff val="15000"/>
+                  </a:schemeClr>
+                </a:solidFill>
+              </a:rPr>
+              <a:t>Fazit</a:t>
+            </a:r>
+            <a:r>
+              <a:rPr lang="en-US" sz="1800" dirty="0">
+                <a:solidFill>
+                  <a:schemeClr val="tx1">
+                    <a:lumMod val="85000"/>
+                    <a:lumOff val="15000"/>
+                  </a:schemeClr>
+                </a:solidFill>
+              </a:rPr>
+              <a:t> und </a:t>
+            </a:r>
+            <a:r>
+              <a:rPr lang="en-US" sz="1800" dirty="0" err="1">
+                <a:solidFill>
+                  <a:schemeClr val="tx1">
+                    <a:lumMod val="85000"/>
+                    <a:lumOff val="15000"/>
+                  </a:schemeClr>
+                </a:solidFill>
+              </a:rPr>
+              <a:t>Ausblick</a:t>
+            </a:r>
+            <a:endParaRPr lang="en-US" sz="1800" dirty="0">
+              <a:solidFill>
+                <a:schemeClr val="tx1">
+                  <a:lumMod val="85000"/>
+                  <a:lumOff val="15000"/>
+                </a:schemeClr>
+              </a:solidFill>
+            </a:endParaRPr>
           </a:p>
         </p:txBody>
       </p:sp>
@@ -13928,9 +15105,24 @@
               <a:defRPr/>
             </a:pPr>
             <a:r>
-              <a:rPr lang="en-US"/>
+              <a:rPr lang="en-US" dirty="0" err="1">
+                <a:solidFill>
+                  <a:schemeClr val="tx1">
+                    <a:lumMod val="85000"/>
+                    <a:lumOff val="15000"/>
+                  </a:schemeClr>
+                </a:solidFill>
+              </a:rPr>
               <a:t>Ist-zustand</a:t>
             </a:r>
+            <a:endParaRPr lang="en-US" dirty="0">
+              <a:solidFill>
+                <a:schemeClr val="tx1">
+                  <a:lumMod val="85000"/>
+                  <a:lumOff val="15000"/>
+                </a:schemeClr>
+              </a:solidFill>
+            </a:endParaRPr>
           </a:p>
         </p:txBody>
       </p:sp>
@@ -13962,14 +15154,20 @@
             <a:r>
               <a:rPr lang="en-US" sz="1800" dirty="0" err="1">
                 <a:solidFill>
-                  <a:srgbClr val="444547"/>
+                  <a:schemeClr val="tx1">
+                    <a:lumMod val="85000"/>
+                    <a:lumOff val="15000"/>
+                  </a:schemeClr>
                 </a:solidFill>
               </a:rPr>
               <a:t>Kompliziert</a:t>
             </a:r>
             <a:endParaRPr lang="en-US" sz="1800" dirty="0">
               <a:solidFill>
-                <a:srgbClr val="444547"/>
+                <a:schemeClr val="tx1">
+                  <a:lumMod val="85000"/>
+                  <a:lumOff val="15000"/>
+                </a:schemeClr>
               </a:solidFill>
             </a:endParaRPr>
           </a:p>
@@ -14001,7 +15199,14 @@
               <a:defRPr/>
             </a:pPr>
             <a:r>
-              <a:rPr lang="en-US" sz="1800"/>
+              <a:rPr lang="en-US" sz="1800">
+                <a:solidFill>
+                  <a:schemeClr val="tx1">
+                    <a:lumMod val="85000"/>
+                    <a:lumOff val="15000"/>
+                  </a:schemeClr>
+                </a:solidFill>
+              </a:rPr>
               <a:t>Unvollständig</a:t>
             </a:r>
           </a:p>
@@ -14025,7 +15230,7 @@
         </p:spPr>
         <p:txBody>
           <a:bodyPr>
-            <a:normAutofit fontScale="92500" lnSpcReduction="10000"/>
+            <a:noAutofit/>
           </a:bodyPr>
           <a:lstStyle/>
           <a:p>
@@ -14033,14 +15238,35 @@
               <a:defRPr/>
             </a:pPr>
             <a:r>
-              <a:rPr lang="en-US" sz="1800" dirty="0"/>
+              <a:rPr lang="en-US" sz="1800" dirty="0">
+                <a:solidFill>
+                  <a:schemeClr val="tx1">
+                    <a:lumMod val="85000"/>
+                    <a:lumOff val="15000"/>
+                  </a:schemeClr>
+                </a:solidFill>
+              </a:rPr>
               <a:t>DSGVO </a:t>
             </a:r>
             <a:r>
-              <a:rPr lang="en-US" sz="1800" dirty="0" err="1"/>
+              <a:rPr lang="en-US" sz="1800" dirty="0" err="1">
+                <a:solidFill>
+                  <a:schemeClr val="tx1">
+                    <a:lumMod val="85000"/>
+                    <a:lumOff val="15000"/>
+                  </a:schemeClr>
+                </a:solidFill>
+              </a:rPr>
               <a:t>nonkonform</a:t>
             </a:r>
-            <a:endParaRPr lang="en-US" sz="1800" dirty="0"/>
+            <a:endParaRPr lang="en-US" sz="1800" dirty="0">
+              <a:solidFill>
+                <a:schemeClr val="tx1">
+                  <a:lumMod val="85000"/>
+                  <a:lumOff val="15000"/>
+                </a:schemeClr>
+              </a:solidFill>
+            </a:endParaRPr>
           </a:p>
         </p:txBody>
       </p:sp>
@@ -14321,7 +15547,14 @@
               <a:defRPr/>
             </a:pPr>
             <a:r>
-              <a:rPr lang="en-US"/>
+              <a:rPr lang="en-US">
+                <a:solidFill>
+                  <a:schemeClr val="tx1">
+                    <a:lumMod val="85000"/>
+                    <a:lumOff val="15000"/>
+                  </a:schemeClr>
+                </a:solidFill>
+              </a:rPr>
               <a:t>Soll-zustand</a:t>
             </a:r>
           </a:p>
@@ -14512,10 +15745,24 @@
               <a:defRPr/>
             </a:pPr>
             <a:r>
-              <a:rPr lang="en-US" sz="1800"/>
+              <a:rPr lang="en-US" sz="1800" dirty="0">
+                <a:solidFill>
+                  <a:schemeClr val="tx1">
+                    <a:lumMod val="85000"/>
+                    <a:lumOff val="15000"/>
+                  </a:schemeClr>
+                </a:solidFill>
+              </a:rPr>
               <a:t>EINFACH</a:t>
             </a:r>
-            <a:endParaRPr/>
+            <a:endParaRPr dirty="0">
+              <a:solidFill>
+                <a:schemeClr val="tx1">
+                  <a:lumMod val="85000"/>
+                  <a:lumOff val="15000"/>
+                </a:schemeClr>
+              </a:solidFill>
+            </a:endParaRPr>
           </a:p>
         </p:txBody>
       </p:sp>
@@ -14781,10 +16028,24 @@
               <a:defRPr/>
             </a:pPr>
             <a:r>
-              <a:rPr lang="en-US" sz="1800"/>
+              <a:rPr lang="en-US" sz="1800">
+                <a:solidFill>
+                  <a:schemeClr val="tx1">
+                    <a:lumMod val="85000"/>
+                    <a:lumOff val="15000"/>
+                  </a:schemeClr>
+                </a:solidFill>
+              </a:rPr>
               <a:t>VOLLSTÄNDIG</a:t>
             </a:r>
-            <a:endParaRPr/>
+            <a:endParaRPr>
+              <a:solidFill>
+                <a:schemeClr val="tx1">
+                  <a:lumMod val="85000"/>
+                  <a:lumOff val="15000"/>
+                </a:schemeClr>
+              </a:solidFill>
+            </a:endParaRPr>
           </a:p>
         </p:txBody>
       </p:sp>
@@ -15050,10 +16311,24 @@
               <a:defRPr/>
             </a:pPr>
             <a:r>
-              <a:rPr lang="en-US" sz="1800"/>
+              <a:rPr lang="en-US" sz="1800">
+                <a:solidFill>
+                  <a:schemeClr val="tx1">
+                    <a:lumMod val="85000"/>
+                    <a:lumOff val="15000"/>
+                  </a:schemeClr>
+                </a:solidFill>
+              </a:rPr>
               <a:t>DSGVO KONFORM</a:t>
             </a:r>
-            <a:endParaRPr/>
+            <a:endParaRPr>
+              <a:solidFill>
+                <a:schemeClr val="tx1">
+                  <a:lumMod val="85000"/>
+                  <a:lumOff val="15000"/>
+                </a:schemeClr>
+              </a:solidFill>
+            </a:endParaRPr>
           </a:p>
         </p:txBody>
       </p:sp>

--- a/Abschluss_präsi.pptx
+++ b/Abschluss_präsi.pptx
@@ -238,7 +238,7 @@
             </a:pPr>
             <a:fld id="{FA086365-1DE3-4206-8631-568DB8EFC2CA}" type="datetimeFigureOut">
               <a:rPr lang="en-US"/>
-              <a:t>6/19/2022</a:t>
+              <a:t>6/28/2022</a:t>
             </a:fld>
             <a:endParaRPr lang="en-US"/>
           </a:p>
@@ -1761,6 +1761,39 @@
             </a:r>
           </a:p>
           <a:p>
+            <a:pPr marL="628650" lvl="1" indent="-171450">
+              <a:buFontTx/>
+              <a:buChar char="-"/>
+              <a:defRPr/>
+            </a:pPr>
+            <a:r>
+              <a:rPr lang="de-DE" dirty="0"/>
+              <a:t>Monitoring der Seite</a:t>
+            </a:r>
+          </a:p>
+          <a:p>
+            <a:pPr marL="628650" lvl="1" indent="-171450">
+              <a:buFontTx/>
+              <a:buChar char="-"/>
+              <a:defRPr/>
+            </a:pPr>
+            <a:r>
+              <a:rPr lang="de-DE" dirty="0"/>
+              <a:t>Überwachung des Servers</a:t>
+            </a:r>
+          </a:p>
+          <a:p>
+            <a:pPr marL="628650" lvl="1" indent="-171450">
+              <a:buFontTx/>
+              <a:buChar char="-"/>
+              <a:defRPr/>
+            </a:pPr>
+            <a:r>
+              <a:rPr lang="de-DE" dirty="0"/>
+              <a:t>Backups</a:t>
+            </a:r>
+          </a:p>
+          <a:p>
             <a:pPr marL="171450" indent="-171450">
               <a:buFontTx/>
               <a:buChar char="-"/>
@@ -2272,7 +2305,7 @@
             </a:pPr>
             <a:r>
               <a:rPr lang="de-DE" dirty="0"/>
-              <a:t>75€ Abokosten für jetzige Tools</a:t>
+              <a:t>75€ Abokosten sind mehrere genutzte Tools</a:t>
             </a:r>
           </a:p>
           <a:p>
@@ -8340,13 +8373,13 @@
   <p:clrMapOvr>
     <a:masterClrMapping/>
   </p:clrMapOvr>
-  <mc:AlternateContent xmlns:mc="http://schemas.openxmlformats.org/markup-compatibility/2006">
-    <mc:Choice xmlns:p14="http://schemas.microsoft.com/office/powerpoint/2010/main" Requires="p14">
+  <mc:AlternateContent xmlns:mc="http://schemas.openxmlformats.org/markup-compatibility/2006" xmlns:p14="http://schemas.microsoft.com/office/powerpoint/2010/main">
+    <mc:Choice Requires="p14">
       <p:transition spd="med" p14:dur="700">
         <p:fade/>
       </p:transition>
     </mc:Choice>
-    <mc:Fallback>
+    <mc:Fallback xmlns="">
       <p:transition spd="med">
         <p:fade/>
       </p:transition>
@@ -8692,13 +8725,13 @@
   <p:clrMapOvr>
     <a:masterClrMapping/>
   </p:clrMapOvr>
-  <mc:AlternateContent xmlns:mc="http://schemas.openxmlformats.org/markup-compatibility/2006">
-    <mc:Choice xmlns:p14="http://schemas.microsoft.com/office/powerpoint/2010/main" Requires="p14">
+  <mc:AlternateContent xmlns:mc="http://schemas.openxmlformats.org/markup-compatibility/2006" xmlns:p14="http://schemas.microsoft.com/office/powerpoint/2010/main">
+    <mc:Choice Requires="p14">
       <p:transition spd="med" p14:dur="700">
         <p:fade/>
       </p:transition>
     </mc:Choice>
-    <mc:Fallback>
+    <mc:Fallback xmlns="">
       <p:transition spd="med">
         <p:fade/>
       </p:transition>
@@ -8972,13 +9005,13 @@
   <p:clrMapOvr>
     <a:masterClrMapping/>
   </p:clrMapOvr>
-  <mc:AlternateContent xmlns:mc="http://schemas.openxmlformats.org/markup-compatibility/2006">
-    <mc:Choice xmlns:p14="http://schemas.microsoft.com/office/powerpoint/2010/main" Requires="p14">
+  <mc:AlternateContent xmlns:mc="http://schemas.openxmlformats.org/markup-compatibility/2006" xmlns:p14="http://schemas.microsoft.com/office/powerpoint/2010/main">
+    <mc:Choice Requires="p14">
       <p:transition spd="med" p14:dur="700">
         <p:fade/>
       </p:transition>
     </mc:Choice>
-    <mc:Fallback>
+    <mc:Fallback xmlns="">
       <p:transition spd="med">
         <p:fade/>
       </p:transition>
@@ -9078,138 +9111,6 @@
               <a:t>Eduard Schwarzkopf </a:t>
             </a:r>
             <a:endParaRPr lang="en-US"/>
-          </a:p>
-        </p:txBody>
-      </p:sp>
-      <p:sp>
-        <p:nvSpPr>
-          <p:cNvPr id="41" name="Text Placeholder 18">
-            <a:extLst>
-              <a:ext uri="{FF2B5EF4-FFF2-40B4-BE49-F238E27FC236}">
-                <a16:creationId xmlns:a16="http://schemas.microsoft.com/office/drawing/2014/main" id="{10C441DB-EF9F-520A-CCF3-9F88C4966BBF}"/>
-              </a:ext>
-            </a:extLst>
-          </p:cNvPr>
-          <p:cNvSpPr txBox="1"/>
-          <p:nvPr/>
-        </p:nvSpPr>
-        <p:spPr bwMode="auto">
-          <a:xfrm>
-            <a:off x="3407008" y="2842108"/>
-            <a:ext cx="2189560" cy="583534"/>
-          </a:xfrm>
-          <a:prstGeom prst="rect">
-            <a:avLst/>
-          </a:prstGeom>
-        </p:spPr>
-        <p:txBody>
-          <a:bodyPr vert="horz" lIns="91440" tIns="45720" rIns="91440" bIns="45720" rtlCol="0" anchor="ctr">
-            <a:normAutofit/>
-          </a:bodyPr>
-          <a:lstStyle>
-            <a:defPPr>
-              <a:defRPr lang="en-US"/>
-            </a:defPPr>
-            <a:lvl1pPr marL="0" algn="r" defTabSz="914400">
-              <a:defRPr sz="700">
-                <a:solidFill>
-                  <a:srgbClr val="191919"/>
-                </a:solidFill>
-                <a:latin typeface="Nunito"/>
-                <a:ea typeface="+mn-ea"/>
-                <a:cs typeface="+mn-cs"/>
-              </a:defRPr>
-            </a:lvl1pPr>
-            <a:lvl2pPr marL="457200" algn="l" defTabSz="914400">
-              <a:defRPr sz="1800">
-                <a:solidFill>
-                  <a:schemeClr val="tx1"/>
-                </a:solidFill>
-                <a:latin typeface="+mn-lt"/>
-                <a:ea typeface="+mn-ea"/>
-                <a:cs typeface="+mn-cs"/>
-              </a:defRPr>
-            </a:lvl2pPr>
-            <a:lvl3pPr marL="914400" algn="l" defTabSz="914400">
-              <a:defRPr sz="1800">
-                <a:solidFill>
-                  <a:schemeClr val="tx1"/>
-                </a:solidFill>
-                <a:latin typeface="+mn-lt"/>
-                <a:ea typeface="+mn-ea"/>
-                <a:cs typeface="+mn-cs"/>
-              </a:defRPr>
-            </a:lvl3pPr>
-            <a:lvl4pPr marL="1371600" algn="l" defTabSz="914400">
-              <a:defRPr sz="1800">
-                <a:solidFill>
-                  <a:schemeClr val="tx1"/>
-                </a:solidFill>
-                <a:latin typeface="+mn-lt"/>
-                <a:ea typeface="+mn-ea"/>
-                <a:cs typeface="+mn-cs"/>
-              </a:defRPr>
-            </a:lvl4pPr>
-            <a:lvl5pPr marL="1828800" algn="l" defTabSz="914400">
-              <a:defRPr sz="1800">
-                <a:solidFill>
-                  <a:schemeClr val="tx1"/>
-                </a:solidFill>
-                <a:latin typeface="+mn-lt"/>
-                <a:ea typeface="+mn-ea"/>
-                <a:cs typeface="+mn-cs"/>
-              </a:defRPr>
-            </a:lvl5pPr>
-            <a:lvl6pPr marL="2286000" algn="l" defTabSz="914400">
-              <a:defRPr sz="1800">
-                <a:solidFill>
-                  <a:schemeClr val="tx1"/>
-                </a:solidFill>
-                <a:latin typeface="+mn-lt"/>
-                <a:ea typeface="+mn-ea"/>
-                <a:cs typeface="+mn-cs"/>
-              </a:defRPr>
-            </a:lvl6pPr>
-            <a:lvl7pPr marL="2743200" algn="l" defTabSz="914400">
-              <a:defRPr sz="1800">
-                <a:solidFill>
-                  <a:schemeClr val="tx1"/>
-                </a:solidFill>
-                <a:latin typeface="+mn-lt"/>
-                <a:ea typeface="+mn-ea"/>
-                <a:cs typeface="+mn-cs"/>
-              </a:defRPr>
-            </a:lvl7pPr>
-            <a:lvl8pPr marL="3200400" algn="l" defTabSz="914400">
-              <a:defRPr sz="1800">
-                <a:solidFill>
-                  <a:schemeClr val="tx1"/>
-                </a:solidFill>
-                <a:latin typeface="+mn-lt"/>
-                <a:ea typeface="+mn-ea"/>
-                <a:cs typeface="+mn-cs"/>
-              </a:defRPr>
-            </a:lvl8pPr>
-            <a:lvl9pPr marL="3657600" algn="l" defTabSz="914400">
-              <a:defRPr sz="1800">
-                <a:solidFill>
-                  <a:schemeClr val="tx1"/>
-                </a:solidFill>
-                <a:latin typeface="+mn-lt"/>
-                <a:ea typeface="+mn-ea"/>
-                <a:cs typeface="+mn-cs"/>
-              </a:defRPr>
-            </a:lvl9pPr>
-          </a:lstStyle>
-          <a:p>
-            <a:pPr algn="ctr">
-              <a:defRPr/>
-            </a:pPr>
-            <a:r>
-              <a:rPr lang="en-US" sz="1800" dirty="0"/>
-              <a:t>TAILWINDCSS</a:t>
-            </a:r>
-            <a:endParaRPr dirty="0"/>
           </a:p>
         </p:txBody>
       </p:sp>
@@ -9241,7 +9142,7 @@
         </p:blipFill>
         <p:spPr bwMode="auto">
           <a:xfrm>
-            <a:off x="3851920" y="1643301"/>
+            <a:off x="3851920" y="2045414"/>
             <a:ext cx="1299735" cy="794283"/>
           </a:xfrm>
           <a:prstGeom prst="rect">
@@ -9249,138 +9150,6 @@
           </a:prstGeom>
         </p:spPr>
       </p:pic>
-      <p:sp>
-        <p:nvSpPr>
-          <p:cNvPr id="43" name="Text Placeholder 18">
-            <a:extLst>
-              <a:ext uri="{FF2B5EF4-FFF2-40B4-BE49-F238E27FC236}">
-                <a16:creationId xmlns:a16="http://schemas.microsoft.com/office/drawing/2014/main" id="{51B58529-B6A8-F62E-9145-8DEBC389863C}"/>
-              </a:ext>
-            </a:extLst>
-          </p:cNvPr>
-          <p:cNvSpPr txBox="1"/>
-          <p:nvPr/>
-        </p:nvSpPr>
-        <p:spPr bwMode="auto">
-          <a:xfrm>
-            <a:off x="752747" y="2845466"/>
-            <a:ext cx="2189560" cy="583534"/>
-          </a:xfrm>
-          <a:prstGeom prst="rect">
-            <a:avLst/>
-          </a:prstGeom>
-        </p:spPr>
-        <p:txBody>
-          <a:bodyPr vert="horz" lIns="91440" tIns="45720" rIns="91440" bIns="45720" rtlCol="0" anchor="ctr">
-            <a:normAutofit/>
-          </a:bodyPr>
-          <a:lstStyle>
-            <a:defPPr>
-              <a:defRPr lang="en-US"/>
-            </a:defPPr>
-            <a:lvl1pPr marL="0" algn="r" defTabSz="914400">
-              <a:defRPr sz="700">
-                <a:solidFill>
-                  <a:srgbClr val="191919"/>
-                </a:solidFill>
-                <a:latin typeface="Nunito"/>
-                <a:ea typeface="+mn-ea"/>
-                <a:cs typeface="+mn-cs"/>
-              </a:defRPr>
-            </a:lvl1pPr>
-            <a:lvl2pPr marL="457200" algn="l" defTabSz="914400">
-              <a:defRPr sz="1800">
-                <a:solidFill>
-                  <a:schemeClr val="tx1"/>
-                </a:solidFill>
-                <a:latin typeface="+mn-lt"/>
-                <a:ea typeface="+mn-ea"/>
-                <a:cs typeface="+mn-cs"/>
-              </a:defRPr>
-            </a:lvl2pPr>
-            <a:lvl3pPr marL="914400" algn="l" defTabSz="914400">
-              <a:defRPr sz="1800">
-                <a:solidFill>
-                  <a:schemeClr val="tx1"/>
-                </a:solidFill>
-                <a:latin typeface="+mn-lt"/>
-                <a:ea typeface="+mn-ea"/>
-                <a:cs typeface="+mn-cs"/>
-              </a:defRPr>
-            </a:lvl3pPr>
-            <a:lvl4pPr marL="1371600" algn="l" defTabSz="914400">
-              <a:defRPr sz="1800">
-                <a:solidFill>
-                  <a:schemeClr val="tx1"/>
-                </a:solidFill>
-                <a:latin typeface="+mn-lt"/>
-                <a:ea typeface="+mn-ea"/>
-                <a:cs typeface="+mn-cs"/>
-              </a:defRPr>
-            </a:lvl4pPr>
-            <a:lvl5pPr marL="1828800" algn="l" defTabSz="914400">
-              <a:defRPr sz="1800">
-                <a:solidFill>
-                  <a:schemeClr val="tx1"/>
-                </a:solidFill>
-                <a:latin typeface="+mn-lt"/>
-                <a:ea typeface="+mn-ea"/>
-                <a:cs typeface="+mn-cs"/>
-              </a:defRPr>
-            </a:lvl5pPr>
-            <a:lvl6pPr marL="2286000" algn="l" defTabSz="914400">
-              <a:defRPr sz="1800">
-                <a:solidFill>
-                  <a:schemeClr val="tx1"/>
-                </a:solidFill>
-                <a:latin typeface="+mn-lt"/>
-                <a:ea typeface="+mn-ea"/>
-                <a:cs typeface="+mn-cs"/>
-              </a:defRPr>
-            </a:lvl6pPr>
-            <a:lvl7pPr marL="2743200" algn="l" defTabSz="914400">
-              <a:defRPr sz="1800">
-                <a:solidFill>
-                  <a:schemeClr val="tx1"/>
-                </a:solidFill>
-                <a:latin typeface="+mn-lt"/>
-                <a:ea typeface="+mn-ea"/>
-                <a:cs typeface="+mn-cs"/>
-              </a:defRPr>
-            </a:lvl7pPr>
-            <a:lvl8pPr marL="3200400" algn="l" defTabSz="914400">
-              <a:defRPr sz="1800">
-                <a:solidFill>
-                  <a:schemeClr val="tx1"/>
-                </a:solidFill>
-                <a:latin typeface="+mn-lt"/>
-                <a:ea typeface="+mn-ea"/>
-                <a:cs typeface="+mn-cs"/>
-              </a:defRPr>
-            </a:lvl8pPr>
-            <a:lvl9pPr marL="3657600" algn="l" defTabSz="914400">
-              <a:defRPr sz="1800">
-                <a:solidFill>
-                  <a:schemeClr val="tx1"/>
-                </a:solidFill>
-                <a:latin typeface="+mn-lt"/>
-                <a:ea typeface="+mn-ea"/>
-                <a:cs typeface="+mn-cs"/>
-              </a:defRPr>
-            </a:lvl9pPr>
-          </a:lstStyle>
-          <a:p>
-            <a:pPr algn="ctr">
-              <a:defRPr/>
-            </a:pPr>
-            <a:r>
-              <a:rPr lang="en-US" sz="1800" dirty="0"/>
-              <a:t>VUE</a:t>
-            </a:r>
-            <a:endParaRPr dirty="0"/>
-          </a:p>
-        </p:txBody>
-      </p:sp>
       <p:pic>
         <p:nvPicPr>
           <p:cNvPr id="44" name="Grafik 43">
@@ -9409,7 +9178,7 @@
         </p:blipFill>
         <p:spPr bwMode="auto">
           <a:xfrm>
-            <a:off x="5410774" y="4009251"/>
+            <a:off x="5410774" y="3678911"/>
             <a:ext cx="1299735" cy="1039788"/>
           </a:xfrm>
           <a:prstGeom prst="rect">
@@ -9445,7 +9214,7 @@
         </p:blipFill>
         <p:spPr bwMode="auto">
           <a:xfrm>
-            <a:off x="2291759" y="3998215"/>
+            <a:off x="2291759" y="3667875"/>
             <a:ext cx="1301095" cy="1061861"/>
           </a:xfrm>
           <a:prstGeom prst="rect">
@@ -9481,7 +9250,7 @@
         </p:blipFill>
         <p:spPr bwMode="auto">
           <a:xfrm>
-            <a:off x="1324512" y="1442711"/>
+            <a:off x="1324512" y="1844824"/>
             <a:ext cx="1046029" cy="1195462"/>
           </a:xfrm>
           <a:prstGeom prst="rect">
@@ -9517,7 +9286,7 @@
         </p:blipFill>
         <p:spPr bwMode="auto">
           <a:xfrm>
-            <a:off x="6633034" y="1464378"/>
+            <a:off x="6633034" y="1866491"/>
             <a:ext cx="1152128" cy="1152128"/>
           </a:xfrm>
           <a:prstGeom prst="rect">
@@ -9525,138 +9294,6 @@
           </a:prstGeom>
         </p:spPr>
       </p:pic>
-      <p:sp>
-        <p:nvSpPr>
-          <p:cNvPr id="48" name="Text Placeholder 18">
-            <a:extLst>
-              <a:ext uri="{FF2B5EF4-FFF2-40B4-BE49-F238E27FC236}">
-                <a16:creationId xmlns:a16="http://schemas.microsoft.com/office/drawing/2014/main" id="{3AC2BF28-F9A6-7A2E-4553-F0CA24FE4AB4}"/>
-              </a:ext>
-            </a:extLst>
-          </p:cNvPr>
-          <p:cNvSpPr txBox="1"/>
-          <p:nvPr/>
-        </p:nvSpPr>
-        <p:spPr bwMode="auto">
-          <a:xfrm>
-            <a:off x="6060642" y="2835903"/>
-            <a:ext cx="2189560" cy="583534"/>
-          </a:xfrm>
-          <a:prstGeom prst="rect">
-            <a:avLst/>
-          </a:prstGeom>
-        </p:spPr>
-        <p:txBody>
-          <a:bodyPr vert="horz" lIns="91440" tIns="45720" rIns="91440" bIns="45720" rtlCol="0" anchor="ctr">
-            <a:normAutofit/>
-          </a:bodyPr>
-          <a:lstStyle>
-            <a:defPPr>
-              <a:defRPr lang="en-US"/>
-            </a:defPPr>
-            <a:lvl1pPr marL="0" algn="r" defTabSz="914400">
-              <a:defRPr sz="700">
-                <a:solidFill>
-                  <a:srgbClr val="191919"/>
-                </a:solidFill>
-                <a:latin typeface="Nunito"/>
-                <a:ea typeface="+mn-ea"/>
-                <a:cs typeface="+mn-cs"/>
-              </a:defRPr>
-            </a:lvl1pPr>
-            <a:lvl2pPr marL="457200" algn="l" defTabSz="914400">
-              <a:defRPr sz="1800">
-                <a:solidFill>
-                  <a:schemeClr val="tx1"/>
-                </a:solidFill>
-                <a:latin typeface="+mn-lt"/>
-                <a:ea typeface="+mn-ea"/>
-                <a:cs typeface="+mn-cs"/>
-              </a:defRPr>
-            </a:lvl2pPr>
-            <a:lvl3pPr marL="914400" algn="l" defTabSz="914400">
-              <a:defRPr sz="1800">
-                <a:solidFill>
-                  <a:schemeClr val="tx1"/>
-                </a:solidFill>
-                <a:latin typeface="+mn-lt"/>
-                <a:ea typeface="+mn-ea"/>
-                <a:cs typeface="+mn-cs"/>
-              </a:defRPr>
-            </a:lvl3pPr>
-            <a:lvl4pPr marL="1371600" algn="l" defTabSz="914400">
-              <a:defRPr sz="1800">
-                <a:solidFill>
-                  <a:schemeClr val="tx1"/>
-                </a:solidFill>
-                <a:latin typeface="+mn-lt"/>
-                <a:ea typeface="+mn-ea"/>
-                <a:cs typeface="+mn-cs"/>
-              </a:defRPr>
-            </a:lvl4pPr>
-            <a:lvl5pPr marL="1828800" algn="l" defTabSz="914400">
-              <a:defRPr sz="1800">
-                <a:solidFill>
-                  <a:schemeClr val="tx1"/>
-                </a:solidFill>
-                <a:latin typeface="+mn-lt"/>
-                <a:ea typeface="+mn-ea"/>
-                <a:cs typeface="+mn-cs"/>
-              </a:defRPr>
-            </a:lvl5pPr>
-            <a:lvl6pPr marL="2286000" algn="l" defTabSz="914400">
-              <a:defRPr sz="1800">
-                <a:solidFill>
-                  <a:schemeClr val="tx1"/>
-                </a:solidFill>
-                <a:latin typeface="+mn-lt"/>
-                <a:ea typeface="+mn-ea"/>
-                <a:cs typeface="+mn-cs"/>
-              </a:defRPr>
-            </a:lvl6pPr>
-            <a:lvl7pPr marL="2743200" algn="l" defTabSz="914400">
-              <a:defRPr sz="1800">
-                <a:solidFill>
-                  <a:schemeClr val="tx1"/>
-                </a:solidFill>
-                <a:latin typeface="+mn-lt"/>
-                <a:ea typeface="+mn-ea"/>
-                <a:cs typeface="+mn-cs"/>
-              </a:defRPr>
-            </a:lvl7pPr>
-            <a:lvl8pPr marL="3200400" algn="l" defTabSz="914400">
-              <a:defRPr sz="1800">
-                <a:solidFill>
-                  <a:schemeClr val="tx1"/>
-                </a:solidFill>
-                <a:latin typeface="+mn-lt"/>
-                <a:ea typeface="+mn-ea"/>
-                <a:cs typeface="+mn-cs"/>
-              </a:defRPr>
-            </a:lvl8pPr>
-            <a:lvl9pPr marL="3657600" algn="l" defTabSz="914400">
-              <a:defRPr sz="1800">
-                <a:solidFill>
-                  <a:schemeClr val="tx1"/>
-                </a:solidFill>
-                <a:latin typeface="+mn-lt"/>
-                <a:ea typeface="+mn-ea"/>
-                <a:cs typeface="+mn-cs"/>
-              </a:defRPr>
-            </a:lvl9pPr>
-          </a:lstStyle>
-          <a:p>
-            <a:pPr algn="ctr">
-              <a:defRPr/>
-            </a:pPr>
-            <a:r>
-              <a:rPr lang="en-US" sz="1800" dirty="0"/>
-              <a:t>LARAVEL</a:t>
-            </a:r>
-            <a:endParaRPr dirty="0"/>
-          </a:p>
-        </p:txBody>
-      </p:sp>
     </p:spTree>
     <p:extLst>
       <p:ext uri="{BB962C8B-B14F-4D97-AF65-F5344CB8AC3E}">
@@ -9667,13 +9304,13 @@
   <p:clrMapOvr>
     <a:masterClrMapping/>
   </p:clrMapOvr>
-  <mc:AlternateContent xmlns:mc="http://schemas.openxmlformats.org/markup-compatibility/2006">
-    <mc:Choice xmlns:p14="http://schemas.microsoft.com/office/powerpoint/2010/main" Requires="p14">
+  <mc:AlternateContent xmlns:mc="http://schemas.openxmlformats.org/markup-compatibility/2006" xmlns:p14="http://schemas.microsoft.com/office/powerpoint/2010/main">
+    <mc:Choice Requires="p14">
       <p:transition spd="med" p14:dur="700">
         <p:fade/>
       </p:transition>
     </mc:Choice>
-    <mc:Fallback>
+    <mc:Fallback xmlns="">
       <p:transition spd="med">
         <p:fade/>
       </p:transition>
@@ -9803,13 +9440,13 @@
   <p:clrMapOvr>
     <a:masterClrMapping/>
   </p:clrMapOvr>
-  <mc:AlternateContent xmlns:mc="http://schemas.openxmlformats.org/markup-compatibility/2006">
-    <mc:Choice xmlns:p14="http://schemas.microsoft.com/office/powerpoint/2010/main" Requires="p14">
+  <mc:AlternateContent xmlns:mc="http://schemas.openxmlformats.org/markup-compatibility/2006" xmlns:p14="http://schemas.microsoft.com/office/powerpoint/2010/main">
+    <mc:Choice Requires="p14">
       <p:transition spd="med" p14:dur="700">
         <p:fade/>
       </p:transition>
     </mc:Choice>
-    <mc:Fallback>
+    <mc:Fallback xmlns="">
       <p:transition spd="med">
         <p:fade/>
       </p:transition>
@@ -10004,13 +9641,13 @@
   <p:clrMapOvr>
     <a:masterClrMapping/>
   </p:clrMapOvr>
-  <mc:AlternateContent xmlns:mc="http://schemas.openxmlformats.org/markup-compatibility/2006">
-    <mc:Choice xmlns:p14="http://schemas.microsoft.com/office/powerpoint/2010/main" Requires="p14">
+  <mc:AlternateContent xmlns:mc="http://schemas.openxmlformats.org/markup-compatibility/2006" xmlns:p14="http://schemas.microsoft.com/office/powerpoint/2010/main">
+    <mc:Choice Requires="p14">
       <p:transition spd="med" p14:dur="700">
         <p:fade/>
       </p:transition>
     </mc:Choice>
-    <mc:Fallback>
+    <mc:Fallback xmlns="">
       <p:transition spd="med">
         <p:fade/>
       </p:transition>
@@ -10278,13 +9915,13 @@
   <p:clrMapOvr>
     <a:masterClrMapping/>
   </p:clrMapOvr>
-  <mc:AlternateContent xmlns:mc="http://schemas.openxmlformats.org/markup-compatibility/2006">
-    <mc:Choice xmlns:p14="http://schemas.microsoft.com/office/powerpoint/2010/main" Requires="p14">
+  <mc:AlternateContent xmlns:mc="http://schemas.openxmlformats.org/markup-compatibility/2006" xmlns:p14="http://schemas.microsoft.com/office/powerpoint/2010/main">
+    <mc:Choice Requires="p14">
       <p:transition spd="med" p14:dur="700">
         <p:fade/>
       </p:transition>
     </mc:Choice>
-    <mc:Fallback>
+    <mc:Fallback xmlns="">
       <p:transition spd="med">
         <p:fade/>
       </p:transition>
@@ -10686,13 +10323,13 @@
   <p:clrMapOvr>
     <a:masterClrMapping/>
   </p:clrMapOvr>
-  <mc:AlternateContent xmlns:mc="http://schemas.openxmlformats.org/markup-compatibility/2006">
-    <mc:Choice xmlns:p14="http://schemas.microsoft.com/office/powerpoint/2010/main" Requires="p14">
+  <mc:AlternateContent xmlns:mc="http://schemas.openxmlformats.org/markup-compatibility/2006" xmlns:p14="http://schemas.microsoft.com/office/powerpoint/2010/main">
+    <mc:Choice Requires="p14">
       <p:transition spd="med" p14:dur="700">
         <p:fade/>
       </p:transition>
     </mc:Choice>
-    <mc:Fallback>
+    <mc:Fallback xmlns="">
       <p:transition spd="med">
         <p:fade/>
       </p:transition>
@@ -11062,13 +10699,13 @@
   <p:clrMapOvr>
     <a:masterClrMapping/>
   </p:clrMapOvr>
-  <mc:AlternateContent xmlns:mc="http://schemas.openxmlformats.org/markup-compatibility/2006">
-    <mc:Choice xmlns:p14="http://schemas.microsoft.com/office/powerpoint/2010/main" Requires="p14">
+  <mc:AlternateContent xmlns:mc="http://schemas.openxmlformats.org/markup-compatibility/2006" xmlns:p14="http://schemas.microsoft.com/office/powerpoint/2010/main">
+    <mc:Choice Requires="p14">
       <p:transition spd="med" p14:dur="700">
         <p:fade/>
       </p:transition>
     </mc:Choice>
-    <mc:Fallback>
+    <mc:Fallback xmlns="">
       <p:transition spd="med">
         <p:fade/>
       </p:transition>
@@ -11181,7 +10818,7 @@
               <a:defRPr/>
             </a:pPr>
             <a:r>
-              <a:rPr lang="en-US" sz="1800" dirty="0" err="1">
+              <a:rPr lang="en-US" sz="1800" dirty="0">
                 <a:solidFill>
                   <a:schemeClr val="tx1">
                     <a:lumMod val="85000"/>
@@ -11189,16 +10826,8 @@
                   </a:schemeClr>
                 </a:solidFill>
               </a:rPr>
-              <a:t>Larevel</a:t>
-            </a:r>
-            <a:endParaRPr lang="en-US" sz="1800" dirty="0">
-              <a:solidFill>
-                <a:schemeClr val="tx1">
-                  <a:lumMod val="85000"/>
-                  <a:lumOff val="15000"/>
-                </a:schemeClr>
-              </a:solidFill>
-            </a:endParaRPr>
+              <a:t>Laravel</a:t>
+            </a:r>
           </a:p>
           <a:p>
             <a:pPr>
@@ -11435,13 +11064,13 @@
   <p:clrMapOvr>
     <a:masterClrMapping/>
   </p:clrMapOvr>
-  <mc:AlternateContent xmlns:mc="http://schemas.openxmlformats.org/markup-compatibility/2006">
-    <mc:Choice xmlns:p14="http://schemas.microsoft.com/office/powerpoint/2010/main" Requires="p14">
+  <mc:AlternateContent xmlns:mc="http://schemas.openxmlformats.org/markup-compatibility/2006" xmlns:p14="http://schemas.microsoft.com/office/powerpoint/2010/main">
+    <mc:Choice Requires="p14">
       <p:transition spd="med" p14:dur="700">
         <p:fade/>
       </p:transition>
     </mc:Choice>
-    <mc:Fallback>
+    <mc:Fallback xmlns="">
       <p:transition spd="med">
         <p:fade/>
       </p:transition>
@@ -11709,13 +11338,13 @@
   <p:clrMapOvr>
     <a:masterClrMapping/>
   </p:clrMapOvr>
-  <mc:AlternateContent xmlns:mc="http://schemas.openxmlformats.org/markup-compatibility/2006">
-    <mc:Choice xmlns:p14="http://schemas.microsoft.com/office/powerpoint/2010/main" Requires="p14">
+  <mc:AlternateContent xmlns:mc="http://schemas.openxmlformats.org/markup-compatibility/2006" xmlns:p14="http://schemas.microsoft.com/office/powerpoint/2010/main">
+    <mc:Choice Requires="p14">
       <p:transition spd="med" p14:dur="700">
         <p:fade/>
       </p:transition>
     </mc:Choice>
-    <mc:Fallback>
+    <mc:Fallback xmlns="">
       <p:transition spd="med">
         <p:fade/>
       </p:transition>
@@ -11999,13 +11628,13 @@
   <p:clrMapOvr>
     <a:masterClrMapping/>
   </p:clrMapOvr>
-  <mc:AlternateContent xmlns:mc="http://schemas.openxmlformats.org/markup-compatibility/2006">
-    <mc:Choice xmlns:p14="http://schemas.microsoft.com/office/powerpoint/2010/main" Requires="p14">
+  <mc:AlternateContent xmlns:mc="http://schemas.openxmlformats.org/markup-compatibility/2006" xmlns:p14="http://schemas.microsoft.com/office/powerpoint/2010/main">
+    <mc:Choice Requires="p14">
       <p:transition spd="med" p14:dur="700">
         <p:fade/>
       </p:transition>
     </mc:Choice>
-    <mc:Fallback>
+    <mc:Fallback xmlns="">
       <p:transition spd="med">
         <p:fade/>
       </p:transition>
@@ -12257,13 +11886,13 @@
   <p:clrMapOvr>
     <a:masterClrMapping/>
   </p:clrMapOvr>
-  <mc:AlternateContent xmlns:mc="http://schemas.openxmlformats.org/markup-compatibility/2006">
-    <mc:Choice xmlns:p14="http://schemas.microsoft.com/office/powerpoint/2010/main" Requires="p14">
+  <mc:AlternateContent xmlns:mc="http://schemas.openxmlformats.org/markup-compatibility/2006" xmlns:p14="http://schemas.microsoft.com/office/powerpoint/2010/main">
+    <mc:Choice Requires="p14">
       <p:transition spd="med" p14:dur="700">
         <p:fade/>
       </p:transition>
     </mc:Choice>
-    <mc:Fallback>
+    <mc:Fallback xmlns="">
       <p:transition spd="med">
         <p:fade/>
       </p:transition>
@@ -12519,13 +12148,13 @@
   <p:clrMapOvr>
     <a:masterClrMapping/>
   </p:clrMapOvr>
-  <mc:AlternateContent xmlns:mc="http://schemas.openxmlformats.org/markup-compatibility/2006">
-    <mc:Choice xmlns:p14="http://schemas.microsoft.com/office/powerpoint/2010/main" Requires="p14">
+  <mc:AlternateContent xmlns:mc="http://schemas.openxmlformats.org/markup-compatibility/2006" xmlns:p14="http://schemas.microsoft.com/office/powerpoint/2010/main">
+    <mc:Choice Requires="p14">
       <p:transition spd="med" p14:dur="700">
         <p:fade/>
       </p:transition>
     </mc:Choice>
-    <mc:Fallback>
+    <mc:Fallback xmlns="">
       <p:transition spd="med">
         <p:fade/>
       </p:transition>
@@ -12833,13 +12462,13 @@
   <p:clrMapOvr>
     <a:masterClrMapping/>
   </p:clrMapOvr>
-  <mc:AlternateContent xmlns:mc="http://schemas.openxmlformats.org/markup-compatibility/2006">
-    <mc:Choice xmlns:p14="http://schemas.microsoft.com/office/powerpoint/2010/main" Requires="p14">
+  <mc:AlternateContent xmlns:mc="http://schemas.openxmlformats.org/markup-compatibility/2006" xmlns:p14="http://schemas.microsoft.com/office/powerpoint/2010/main">
+    <mc:Choice Requires="p14">
       <p:transition spd="med" p14:dur="700">
         <p:fade/>
       </p:transition>
     </mc:Choice>
-    <mc:Fallback>
+    <mc:Fallback xmlns="">
       <p:transition spd="med">
         <p:fade/>
       </p:transition>
@@ -13020,13 +12649,13 @@
   <p:clrMapOvr>
     <a:masterClrMapping/>
   </p:clrMapOvr>
-  <mc:AlternateContent xmlns:mc="http://schemas.openxmlformats.org/markup-compatibility/2006">
-    <mc:Choice xmlns:p14="http://schemas.microsoft.com/office/powerpoint/2010/main" Requires="p14">
+  <mc:AlternateContent xmlns:mc="http://schemas.openxmlformats.org/markup-compatibility/2006" xmlns:p14="http://schemas.microsoft.com/office/powerpoint/2010/main">
+    <mc:Choice Requires="p14">
       <p:transition spd="med" p14:dur="700">
         <p:fade/>
       </p:transition>
     </mc:Choice>
-    <mc:Fallback>
+    <mc:Fallback xmlns="">
       <p:transition spd="med">
         <p:fade/>
       </p:transition>
@@ -13542,13 +13171,13 @@
   <p:clrMapOvr>
     <a:masterClrMapping/>
   </p:clrMapOvr>
-  <mc:AlternateContent xmlns:mc="http://schemas.openxmlformats.org/markup-compatibility/2006">
-    <mc:Choice xmlns:p14="http://schemas.microsoft.com/office/powerpoint/2010/main" Requires="p14">
+  <mc:AlternateContent xmlns:mc="http://schemas.openxmlformats.org/markup-compatibility/2006" xmlns:p14="http://schemas.microsoft.com/office/powerpoint/2010/main">
+    <mc:Choice Requires="p14">
       <p:transition spd="med" p14:dur="700">
         <p:fade/>
       </p:transition>
     </mc:Choice>
-    <mc:Fallback>
+    <mc:Fallback xmlns="">
       <p:transition spd="med">
         <p:fade/>
       </p:transition>
@@ -13796,13 +13425,13 @@
   <p:clrMapOvr>
     <a:masterClrMapping/>
   </p:clrMapOvr>
-  <mc:AlternateContent xmlns:mc="http://schemas.openxmlformats.org/markup-compatibility/2006">
-    <mc:Choice xmlns:p14="http://schemas.microsoft.com/office/powerpoint/2010/main" Requires="p14">
+  <mc:AlternateContent xmlns:mc="http://schemas.openxmlformats.org/markup-compatibility/2006" xmlns:p14="http://schemas.microsoft.com/office/powerpoint/2010/main">
+    <mc:Choice Requires="p14">
       <p:transition spd="med" p14:dur="700">
         <p:fade/>
       </p:transition>
     </mc:Choice>
-    <mc:Fallback>
+    <mc:Fallback xmlns="">
       <p:transition spd="med">
         <p:fade/>
       </p:transition>
@@ -13868,7 +13497,7 @@
               <a:defRPr/>
             </a:pPr>
             <a:r>
-              <a:rPr lang="de-DE" dirty="0">
+              <a:rPr lang="de-DE" cap="none" dirty="0">
                 <a:solidFill>
                   <a:schemeClr val="tx1">
                     <a:lumMod val="85000"/>
@@ -13876,16 +13505,8 @@
                   </a:schemeClr>
                 </a:solidFill>
               </a:rPr>
-              <a:t>Wrkbeat</a:t>
-            </a:r>
-            <a:endParaRPr dirty="0">
-              <a:solidFill>
-                <a:schemeClr val="tx1">
-                  <a:lumMod val="85000"/>
-                  <a:lumOff val="15000"/>
-                </a:schemeClr>
-              </a:solidFill>
-            </a:endParaRPr>
+              <a:t>wrkbeat GmbH</a:t>
+            </a:r>
           </a:p>
         </p:txBody>
       </p:sp>
@@ -14101,13 +13722,13 @@
   <p:clrMapOvr>
     <a:masterClrMapping/>
   </p:clrMapOvr>
-  <mc:AlternateContent xmlns:mc="http://schemas.openxmlformats.org/markup-compatibility/2006">
-    <mc:Choice xmlns:p14="http://schemas.microsoft.com/office/powerpoint/2010/main" Requires="p14">
+  <mc:AlternateContent xmlns:mc="http://schemas.openxmlformats.org/markup-compatibility/2006" xmlns:p14="http://schemas.microsoft.com/office/powerpoint/2010/main">
+    <mc:Choice Requires="p14">
       <p:transition spd="med" p14:dur="700">
         <p:fade/>
       </p:transition>
     </mc:Choice>
-    <mc:Fallback>
+    <mc:Fallback xmlns="">
       <p:transition spd="med">
         <p:fade/>
       </p:transition>
@@ -14385,13 +14006,13 @@
   <p:clrMapOvr>
     <a:masterClrMapping/>
   </p:clrMapOvr>
-  <mc:AlternateContent xmlns:mc="http://schemas.openxmlformats.org/markup-compatibility/2006">
-    <mc:Choice xmlns:p14="http://schemas.microsoft.com/office/powerpoint/2010/main" Requires="p14">
+  <mc:AlternateContent xmlns:mc="http://schemas.openxmlformats.org/markup-compatibility/2006" xmlns:p14="http://schemas.microsoft.com/office/powerpoint/2010/main">
+    <mc:Choice Requires="p14">
       <p:transition spd="med" p14:dur="700">
         <p:fade/>
       </p:transition>
     </mc:Choice>
-    <mc:Fallback>
+    <mc:Fallback xmlns="">
       <p:transition spd="med">
         <p:fade/>
       </p:transition>
@@ -14812,13 +14433,13 @@
   <p:clrMapOvr>
     <a:masterClrMapping/>
   </p:clrMapOvr>
-  <mc:AlternateContent xmlns:mc="http://schemas.openxmlformats.org/markup-compatibility/2006">
-    <mc:Choice xmlns:p14="http://schemas.microsoft.com/office/powerpoint/2010/main" Requires="p14">
+  <mc:AlternateContent xmlns:mc="http://schemas.openxmlformats.org/markup-compatibility/2006" xmlns:p14="http://schemas.microsoft.com/office/powerpoint/2010/main">
+    <mc:Choice Requires="p14">
       <p:transition spd="med" p14:dur="700">
         <p:fade/>
       </p:transition>
     </mc:Choice>
-    <mc:Fallback>
+    <mc:Fallback xmlns="">
       <p:transition spd="med">
         <p:fade/>
       </p:transition>
@@ -15090,13 +14711,13 @@
   <p:clrMapOvr>
     <a:masterClrMapping/>
   </p:clrMapOvr>
-  <mc:AlternateContent xmlns:mc="http://schemas.openxmlformats.org/markup-compatibility/2006">
-    <mc:Choice xmlns:p14="http://schemas.microsoft.com/office/powerpoint/2010/main" Requires="p14">
+  <mc:AlternateContent xmlns:mc="http://schemas.openxmlformats.org/markup-compatibility/2006" xmlns:p14="http://schemas.microsoft.com/office/powerpoint/2010/main">
+    <mc:Choice Requires="p14">
       <p:transition spd="med" p14:dur="700">
         <p:fade/>
       </p:transition>
     </mc:Choice>
-    <mc:Fallback>
+    <mc:Fallback xmlns="">
       <p:transition spd="med">
         <p:fade/>
       </p:transition>
@@ -15287,27 +14908,8 @@
                   </a:schemeClr>
                 </a:solidFill>
               </a:rPr>
-              <a:t>DSGVO </a:t>
-            </a:r>
-            <a:r>
-              <a:rPr lang="en-US" sz="1800" dirty="0" err="1">
-                <a:solidFill>
-                  <a:schemeClr val="tx1">
-                    <a:lumMod val="85000"/>
-                    <a:lumOff val="15000"/>
-                  </a:schemeClr>
-                </a:solidFill>
-              </a:rPr>
-              <a:t>nonkonform</a:t>
-            </a:r>
-            <a:endParaRPr lang="en-US" sz="1800" dirty="0">
-              <a:solidFill>
-                <a:schemeClr val="tx1">
-                  <a:lumMod val="85000"/>
-                  <a:lumOff val="15000"/>
-                </a:schemeClr>
-              </a:solidFill>
-            </a:endParaRPr>
+              <a:t>DSGVO</a:t>
+            </a:r>
           </a:p>
         </p:txBody>
       </p:sp>
@@ -15459,13 +15061,13 @@
   <p:clrMapOvr>
     <a:masterClrMapping/>
   </p:clrMapOvr>
-  <mc:AlternateContent xmlns:mc="http://schemas.openxmlformats.org/markup-compatibility/2006">
-    <mc:Choice xmlns:p14="http://schemas.microsoft.com/office/powerpoint/2010/main" Requires="p14">
+  <mc:AlternateContent xmlns:mc="http://schemas.openxmlformats.org/markup-compatibility/2006" xmlns:p14="http://schemas.microsoft.com/office/powerpoint/2010/main">
+    <mc:Choice Requires="p14">
       <p:transition spd="med" p14:dur="700">
         <p:fade/>
       </p:transition>
     </mc:Choice>
-    <mc:Fallback>
+    <mc:Fallback xmlns="">
       <p:transition spd="med">
         <p:fade/>
       </p:transition>
@@ -16390,13 +15992,13 @@
   <p:clrMapOvr>
     <a:masterClrMapping/>
   </p:clrMapOvr>
-  <mc:AlternateContent xmlns:mc="http://schemas.openxmlformats.org/markup-compatibility/2006">
-    <mc:Choice xmlns:p14="http://schemas.microsoft.com/office/powerpoint/2010/main" Requires="p14">
+  <mc:AlternateContent xmlns:mc="http://schemas.openxmlformats.org/markup-compatibility/2006" xmlns:p14="http://schemas.microsoft.com/office/powerpoint/2010/main">
+    <mc:Choice Requires="p14">
       <p:transition spd="med" p14:dur="700">
         <p:fade/>
       </p:transition>
     </mc:Choice>
-    <mc:Fallback>
+    <mc:Fallback xmlns="">
       <p:transition spd="med">
         <p:fade/>
       </p:transition>
@@ -17942,13 +17544,13 @@
   <p:clrMapOvr>
     <a:masterClrMapping/>
   </p:clrMapOvr>
-  <mc:AlternateContent xmlns:mc="http://schemas.openxmlformats.org/markup-compatibility/2006">
-    <mc:Choice xmlns:p14="http://schemas.microsoft.com/office/powerpoint/2010/main" Requires="p14">
+  <mc:AlternateContent xmlns:mc="http://schemas.openxmlformats.org/markup-compatibility/2006" xmlns:p14="http://schemas.microsoft.com/office/powerpoint/2010/main">
+    <mc:Choice Requires="p14">
       <p:transition spd="med" p14:dur="700">
         <p:fade/>
       </p:transition>
     </mc:Choice>
-    <mc:Fallback>
+    <mc:Fallback xmlns="">
       <p:transition spd="med">
         <p:fade/>
       </p:transition>

--- a/Abschluss_präsi.pptx
+++ b/Abschluss_präsi.pptx
@@ -5,7 +5,7 @@
     <p:sldMasterId id="2147483648" r:id="rId1"/>
   </p:sldMasterIdLst>
   <p:notesMasterIdLst>
-    <p:notesMasterId r:id="rId27"/>
+    <p:notesMasterId r:id="rId26"/>
   </p:notesMasterIdLst>
   <p:sldIdLst>
     <p:sldId id="256" r:id="rId2"/>
@@ -21,18 +21,17 @@
     <p:sldId id="265" r:id="rId12"/>
     <p:sldId id="275" r:id="rId13"/>
     <p:sldId id="260" r:id="rId14"/>
-    <p:sldId id="274" r:id="rId15"/>
-    <p:sldId id="266" r:id="rId16"/>
-    <p:sldId id="277" r:id="rId17"/>
-    <p:sldId id="281" r:id="rId18"/>
-    <p:sldId id="280" r:id="rId19"/>
-    <p:sldId id="284" r:id="rId20"/>
-    <p:sldId id="285" r:id="rId21"/>
-    <p:sldId id="267" r:id="rId22"/>
-    <p:sldId id="276" r:id="rId23"/>
-    <p:sldId id="269" r:id="rId24"/>
-    <p:sldId id="268" r:id="rId25"/>
-    <p:sldId id="272" r:id="rId26"/>
+    <p:sldId id="266" r:id="rId15"/>
+    <p:sldId id="277" r:id="rId16"/>
+    <p:sldId id="281" r:id="rId17"/>
+    <p:sldId id="280" r:id="rId18"/>
+    <p:sldId id="284" r:id="rId19"/>
+    <p:sldId id="285" r:id="rId20"/>
+    <p:sldId id="267" r:id="rId21"/>
+    <p:sldId id="276" r:id="rId22"/>
+    <p:sldId id="269" r:id="rId23"/>
+    <p:sldId id="268" r:id="rId24"/>
+    <p:sldId id="272" r:id="rId25"/>
   </p:sldIdLst>
   <p:sldSz cx="9144000" cy="6858000" type="screen4x3"/>
   <p:notesSz cx="9144000" cy="6858000"/>
@@ -238,7 +237,7 @@
             </a:pPr>
             <a:fld id="{FA086365-1DE3-4206-8631-568DB8EFC2CA}" type="datetimeFigureOut">
               <a:rPr lang="en-US"/>
-              <a:t>6/28/2022</a:t>
+              <a:t>6/29/2022</a:t>
             </a:fld>
             <a:endParaRPr lang="en-US"/>
           </a:p>
@@ -576,30 +575,7 @@
               <a:buFontTx/>
               <a:buChar char="-"/>
             </a:pPr>
-            <a:r>
-              <a:rPr lang="de-DE" dirty="0"/>
-              <a:t>Eduard Schwarzkopf</a:t>
-            </a:r>
-          </a:p>
-          <a:p>
-            <a:pPr marL="171450" indent="-171450">
-              <a:buFontTx/>
-              <a:buChar char="-"/>
-            </a:pPr>
-            <a:r>
-              <a:rPr lang="de-DE" dirty="0"/>
-              <a:t>Auszubildender wrkbeat GmbH</a:t>
-            </a:r>
-          </a:p>
-          <a:p>
-            <a:pPr marL="171450" indent="-171450">
-              <a:buFontTx/>
-              <a:buChar char="-"/>
-            </a:pPr>
-            <a:r>
-              <a:rPr lang="de-DE" dirty="0"/>
-              <a:t>Vorstellung des Control Center</a:t>
-            </a:r>
+            <a:endParaRPr lang="de-DE" dirty="0"/>
           </a:p>
         </p:txBody>
       </p:sp>
@@ -625,7 +601,7 @@
         <p:cNvGrpSpPr/>
         <p:nvPr/>
       </p:nvGrpSpPr>
-      <p:grpSpPr>
+      <p:grpSpPr bwMode="auto">
         <a:xfrm>
           <a:off x="0" y="0"/>
           <a:ext cx="0" cy="0"/>
@@ -643,7 +619,7 @@
             <p:ph type="sldImg"/>
           </p:nvPr>
         </p:nvSpPr>
-        <p:spPr/>
+        <p:spPr bwMode="auto"/>
       </p:sp>
       <p:sp>
         <p:nvSpPr>
@@ -655,7 +631,7 @@
             <p:ph type="body" idx="1"/>
           </p:nvPr>
         </p:nvSpPr>
-        <p:spPr/>
+        <p:spPr bwMode="auto"/>
         <p:txBody>
           <a:bodyPr/>
           <a:lstStyle/>
@@ -663,50 +639,90 @@
             <a:pPr marL="171450" indent="-171450">
               <a:buFontTx/>
               <a:buChar char="-"/>
+              <a:defRPr/>
             </a:pPr>
             <a:r>
               <a:rPr lang="de-DE" dirty="0"/>
-              <a:t>Zwei Komponenten: Client und Control Center</a:t>
+              <a:t>Technologien, die verwendet werden sollen</a:t>
             </a:r>
           </a:p>
           <a:p>
             <a:pPr marL="171450" indent="-171450">
               <a:buFontTx/>
               <a:buChar char="-"/>
-            </a:pPr>
+              <a:defRPr/>
+            </a:pPr>
+            <a:r>
+              <a:rPr lang="de-DE" dirty="0" err="1"/>
+              <a:t>VueJs</a:t>
+            </a:r>
             <a:r>
               <a:rPr lang="de-DE" dirty="0"/>
-              <a:t>Kommunikation über HTTPS</a:t>
+              <a:t> (Frontend)</a:t>
             </a:r>
           </a:p>
           <a:p>
             <a:pPr marL="171450" indent="-171450">
               <a:buFontTx/>
               <a:buChar char="-"/>
-            </a:pPr>
+              <a:defRPr/>
+            </a:pPr>
+            <a:r>
+              <a:rPr lang="de-DE" dirty="0" err="1"/>
+              <a:t>Tailwind</a:t>
+            </a:r>
             <a:r>
               <a:rPr lang="de-DE" dirty="0"/>
-              <a:t>Client ist CRUD API</a:t>
+              <a:t> (CSS Framework)</a:t>
             </a:r>
           </a:p>
           <a:p>
             <a:pPr marL="171450" indent="-171450">
               <a:buFontTx/>
               <a:buChar char="-"/>
-            </a:pPr>
+              <a:defRPr/>
+            </a:pPr>
+            <a:r>
+              <a:rPr lang="de-DE" dirty="0" err="1"/>
+              <a:t>Laravel</a:t>
+            </a:r>
             <a:r>
               <a:rPr lang="de-DE" dirty="0"/>
-              <a:t>Client selbst tut nix von sich aus</a:t>
+              <a:t> (Backend)</a:t>
             </a:r>
           </a:p>
           <a:p>
             <a:pPr marL="171450" indent="-171450">
               <a:buFontTx/>
               <a:buChar char="-"/>
-            </a:pPr>
+              <a:defRPr/>
+            </a:pPr>
+            <a:r>
+              <a:rPr lang="de-DE" dirty="0" err="1"/>
+              <a:t>MariaDB</a:t>
+            </a:r>
             <a:r>
               <a:rPr lang="de-DE" dirty="0"/>
-              <a:t>Validierung der Anfragen</a:t>
+              <a:t> (SQL Datenbank)</a:t>
+            </a:r>
+          </a:p>
+          <a:p>
+            <a:pPr marL="171450" indent="-171450">
+              <a:buFontTx/>
+              <a:buChar char="-"/>
+              <a:defRPr/>
+            </a:pPr>
+            <a:r>
+              <a:rPr lang="de-DE" dirty="0"/>
+              <a:t>PHP (Client und </a:t>
+            </a:r>
+            <a:r>
+              <a:rPr lang="de-DE" dirty="0" err="1"/>
+              <a:t>Laravel</a:t>
+            </a:r>
+            <a:r>
+              <a:rPr lang="de-DE" dirty="0"/>
+              <a:t>)</a:t>
             </a:r>
           </a:p>
         </p:txBody>
@@ -714,7 +730,7 @@
     </p:spTree>
     <p:extLst>
       <p:ext uri="{BB962C8B-B14F-4D97-AF65-F5344CB8AC3E}">
-        <p14:creationId xmlns:p14="http://schemas.microsoft.com/office/powerpoint/2010/main" val="1502781107"/>
+        <p14:creationId xmlns:p14="http://schemas.microsoft.com/office/powerpoint/2010/main" val="2087071544"/>
       </p:ext>
     </p:extLst>
   </p:cSld>
@@ -774,7 +790,7 @@
             </a:pPr>
             <a:r>
               <a:rPr lang="de-DE" dirty="0"/>
-              <a:t>Anforderungen: Einfache Nutzung, auch als Nicht Fachkraft</a:t>
+              <a:t>Zwei Komponenten: Client und Control Center</a:t>
             </a:r>
           </a:p>
           <a:p>
@@ -784,7 +800,7 @@
             </a:pPr>
             <a:r>
               <a:rPr lang="de-DE" dirty="0"/>
-              <a:t>Übersichtlich</a:t>
+              <a:t>Kommunikation über HTTPS</a:t>
             </a:r>
           </a:p>
           <a:p>
@@ -794,7 +810,7 @@
             </a:pPr>
             <a:r>
               <a:rPr lang="de-DE" dirty="0"/>
-              <a:t>Leichtes anlegen neuer Dienste</a:t>
+              <a:t>Client ist CRUD API</a:t>
             </a:r>
           </a:p>
           <a:p>
@@ -804,7 +820,17 @@
             </a:pPr>
             <a:r>
               <a:rPr lang="de-DE" dirty="0"/>
-              <a:t>Personifizierter Zugang</a:t>
+              <a:t>Client selbst tut nix von sich aus</a:t>
+            </a:r>
+          </a:p>
+          <a:p>
+            <a:pPr marL="171450" indent="-171450">
+              <a:buFontTx/>
+              <a:buChar char="-"/>
+            </a:pPr>
+            <a:r>
+              <a:rPr lang="de-DE" dirty="0"/>
+              <a:t>Validierung der Anfragen</a:t>
             </a:r>
           </a:p>
         </p:txBody>
@@ -812,7 +838,7 @@
     </p:spTree>
     <p:extLst>
       <p:ext uri="{BB962C8B-B14F-4D97-AF65-F5344CB8AC3E}">
-        <p14:creationId xmlns:p14="http://schemas.microsoft.com/office/powerpoint/2010/main" val="2758061344"/>
+        <p14:creationId xmlns:p14="http://schemas.microsoft.com/office/powerpoint/2010/main" val="1502781107"/>
       </p:ext>
     </p:extLst>
   </p:cSld>
@@ -1636,7 +1662,7 @@
             </a:pPr>
             <a:r>
               <a:rPr lang="de-DE" dirty="0"/>
-              <a:t>Wrkbeat GmbH</a:t>
+              <a:t>Leitfaden dieser Präsentation</a:t>
             </a:r>
           </a:p>
           <a:p>
@@ -1646,7 +1672,7 @@
             </a:pPr>
             <a:r>
               <a:rPr lang="de-DE" dirty="0"/>
-              <a:t>Agentur</a:t>
+              <a:t>Vorstellung von mir und dem Unternehmen</a:t>
             </a:r>
           </a:p>
           <a:p>
@@ -1656,7 +1682,7 @@
             </a:pPr>
             <a:r>
               <a:rPr lang="de-DE" dirty="0"/>
-              <a:t>Hauptprodukt: Field Service Management</a:t>
+              <a:t>Thematik: Worum geht es in dieser Präsentation</a:t>
             </a:r>
           </a:p>
           <a:p>
@@ -1666,15 +1692,73 @@
             </a:pPr>
             <a:r>
               <a:rPr lang="de-DE" dirty="0"/>
-              <a:t>Umfasst u.a. Zeiterfassung, Personalverwaltung, Disposition</a:t>
-            </a:r>
+              <a:t>Analyse: Was das Problem ist und wie die Lösung aussehen soll</a:t>
+            </a:r>
+          </a:p>
+          <a:p>
+            <a:pPr marL="171450" indent="-171450">
+              <a:buFontTx/>
+              <a:buChar char="-"/>
+            </a:pPr>
+            <a:r>
+              <a:rPr lang="de-DE" dirty="0"/>
+              <a:t>Entwurf: Wie das Projekt aufgebaut werden soll</a:t>
+            </a:r>
+          </a:p>
+          <a:p>
+            <a:pPr marL="171450" indent="-171450">
+              <a:buFontTx/>
+              <a:buChar char="-"/>
+            </a:pPr>
+            <a:r>
+              <a:rPr lang="de-DE" dirty="0"/>
+              <a:t>Implementierung: Wie das Projekt umgesetzt wurde</a:t>
+            </a:r>
+          </a:p>
+          <a:p>
+            <a:pPr marL="171450" indent="-171450">
+              <a:buFontTx/>
+              <a:buChar char="-"/>
+            </a:pPr>
+            <a:r>
+              <a:rPr lang="de-DE" dirty="0"/>
+              <a:t>Fazit und Ausblick: Was der Stand ist und wohin es gehen wird mit dem Projekt</a:t>
+            </a:r>
+          </a:p>
+          <a:p>
+            <a:pPr marL="171450" indent="-171450">
+              <a:buFontTx/>
+              <a:buChar char="-"/>
+            </a:pPr>
+            <a:endParaRPr lang="de-DE" dirty="0"/>
+          </a:p>
+          <a:p>
+            <a:pPr marL="171450" indent="-171450">
+              <a:buFontTx/>
+              <a:buChar char="-"/>
+            </a:pPr>
+            <a:endParaRPr lang="de-DE" dirty="0"/>
+          </a:p>
+          <a:p>
+            <a:pPr marL="171450" indent="-171450">
+              <a:buFontTx/>
+              <a:buChar char="-"/>
+            </a:pPr>
+            <a:endParaRPr lang="de-DE" dirty="0"/>
+          </a:p>
+          <a:p>
+            <a:pPr marL="171450" indent="-171450">
+              <a:buFontTx/>
+              <a:buChar char="-"/>
+            </a:pPr>
+            <a:endParaRPr lang="de-DE" dirty="0"/>
           </a:p>
         </p:txBody>
       </p:sp>
     </p:spTree>
     <p:extLst>
       <p:ext uri="{BB962C8B-B14F-4D97-AF65-F5344CB8AC3E}">
-        <p14:creationId xmlns:p14="http://schemas.microsoft.com/office/powerpoint/2010/main" val="2200468585"/>
+        <p14:creationId xmlns:p14="http://schemas.microsoft.com/office/powerpoint/2010/main" val="2200009447"/>
       </p:ext>
     </p:extLst>
   </p:cSld>
@@ -1693,7 +1777,7 @@
         <p:cNvGrpSpPr/>
         <p:nvPr/>
       </p:nvGrpSpPr>
-      <p:grpSpPr bwMode="auto">
+      <p:grpSpPr>
         <a:xfrm>
           <a:off x="0" y="0"/>
           <a:ext cx="0" cy="0"/>
@@ -1711,7 +1795,7 @@
             <p:ph type="sldImg"/>
           </p:nvPr>
         </p:nvSpPr>
-        <p:spPr bwMode="auto"/>
+        <p:spPr/>
       </p:sp>
       <p:sp>
         <p:nvSpPr>
@@ -1723,7 +1807,7 @@
             <p:ph type="body" idx="1"/>
           </p:nvPr>
         </p:nvSpPr>
-        <p:spPr bwMode="auto"/>
+        <p:spPr/>
         <p:txBody>
           <a:bodyPr/>
           <a:lstStyle/>
@@ -1731,79 +1815,70 @@
             <a:pPr marL="171450" indent="-171450">
               <a:buFontTx/>
               <a:buChar char="-"/>
-              <a:defRPr/>
             </a:pPr>
             <a:r>
               <a:rPr lang="de-DE" dirty="0"/>
-              <a:t>Monitoring Tool</a:t>
+              <a:t>Eduard Schwarzkopf</a:t>
             </a:r>
           </a:p>
           <a:p>
             <a:pPr marL="171450" indent="-171450">
               <a:buFontTx/>
               <a:buChar char="-"/>
-              <a:defRPr/>
             </a:pPr>
             <a:r>
               <a:rPr lang="de-DE" dirty="0"/>
-              <a:t>Zwei Komponenten</a:t>
+              <a:t>Auszubildender bei wrkbeat GmbH zum Fachinformatiker zum Anwendungsentwickler</a:t>
             </a:r>
           </a:p>
           <a:p>
             <a:pPr marL="171450" indent="-171450">
               <a:buFontTx/>
               <a:buChar char="-"/>
-              <a:defRPr/>
             </a:pPr>
             <a:r>
               <a:rPr lang="de-DE" dirty="0"/>
-              <a:t>Mehr Funktionen zu einem klassischen Monitoring Tool</a:t>
-            </a:r>
-          </a:p>
-          <a:p>
-            <a:pPr marL="628650" lvl="1" indent="-171450">
-              <a:buFontTx/>
-              <a:buChar char="-"/>
-              <a:defRPr/>
-            </a:pPr>
-            <a:r>
-              <a:rPr lang="de-DE" dirty="0"/>
-              <a:t>Monitoring der Seite</a:t>
-            </a:r>
-          </a:p>
-          <a:p>
-            <a:pPr marL="628650" lvl="1" indent="-171450">
-              <a:buFontTx/>
-              <a:buChar char="-"/>
-              <a:defRPr/>
-            </a:pPr>
-            <a:r>
-              <a:rPr lang="de-DE" dirty="0"/>
-              <a:t>Überwachung des Servers</a:t>
-            </a:r>
-          </a:p>
-          <a:p>
-            <a:pPr marL="628650" lvl="1" indent="-171450">
-              <a:buFontTx/>
-              <a:buChar char="-"/>
-              <a:defRPr/>
-            </a:pPr>
-            <a:r>
-              <a:rPr lang="de-DE" dirty="0"/>
-              <a:t>Backups</a:t>
+              <a:t>Wrkbeat GmbH</a:t>
             </a:r>
           </a:p>
           <a:p>
             <a:pPr marL="171450" indent="-171450">
               <a:buFontTx/>
               <a:buChar char="-"/>
-              <a:defRPr/>
-            </a:pPr>
-            <a:endParaRPr lang="de-DE" dirty="0"/>
+            </a:pPr>
+            <a:r>
+              <a:rPr lang="de-DE" dirty="0"/>
+              <a:t>Agentur</a:t>
+            </a:r>
+          </a:p>
+          <a:p>
+            <a:pPr marL="171450" indent="-171450">
+              <a:buFontTx/>
+              <a:buChar char="-"/>
+            </a:pPr>
+            <a:r>
+              <a:rPr lang="de-DE" dirty="0"/>
+              <a:t>Hauptprodukt: Field Service Management</a:t>
+            </a:r>
+          </a:p>
+          <a:p>
+            <a:pPr marL="171450" indent="-171450">
+              <a:buFontTx/>
+              <a:buChar char="-"/>
+            </a:pPr>
+            <a:r>
+              <a:rPr lang="de-DE" dirty="0"/>
+              <a:t>Umfasst u.a. Zeiterfassung, Personalverwaltung, Disposition</a:t>
+            </a:r>
           </a:p>
         </p:txBody>
       </p:sp>
     </p:spTree>
+    <p:extLst>
+      <p:ext uri="{BB962C8B-B14F-4D97-AF65-F5344CB8AC3E}">
+        <p14:creationId xmlns:p14="http://schemas.microsoft.com/office/powerpoint/2010/main" val="2200468585"/>
+      </p:ext>
+    </p:extLst>
   </p:cSld>
   <p:clrMapOvr>
     <a:masterClrMapping/>
@@ -1830,7 +1905,7 @@
       </p:grpSpPr>
       <p:sp>
         <p:nvSpPr>
-          <p:cNvPr id="2" name="Slide Image Placeholder 1"/>
+          <p:cNvPr id="2" name="Folienbildplatzhalter 1"/>
           <p:cNvSpPr>
             <a:spLocks noGrp="1" noRot="1" noChangeAspect="1"/>
           </p:cNvSpPr>
@@ -1842,7 +1917,7 @@
       </p:sp>
       <p:sp>
         <p:nvSpPr>
-          <p:cNvPr id="3" name="Notes Placeholder 2"/>
+          <p:cNvPr id="3" name="Notizenplatzhalter 2"/>
           <p:cNvSpPr>
             <a:spLocks noGrp="1"/>
           </p:cNvSpPr>
@@ -1855,32 +1930,78 @@
           <a:bodyPr/>
           <a:lstStyle/>
           <a:p>
-            <a:pPr>
-              <a:defRPr/>
-            </a:pPr>
-            <a:endParaRPr dirty="0"/>
-          </a:p>
-        </p:txBody>
-      </p:sp>
-      <p:sp>
-        <p:nvSpPr>
-          <p:cNvPr id="4" name="Slide Number Placeholder 3"/>
-          <p:cNvSpPr>
-            <a:spLocks noGrp="1"/>
-          </p:cNvSpPr>
-          <p:nvPr>
-            <p:ph type="sldNum" sz="quarter" idx="10"/>
-          </p:nvPr>
-        </p:nvSpPr>
-        <p:spPr bwMode="auto"/>
-        <p:txBody>
-          <a:bodyPr/>
-          <a:lstStyle/>
-          <a:p>
-            <a:pPr>
-              <a:defRPr/>
-            </a:pPr>
-            <a:endParaRPr/>
+            <a:pPr marL="171450" indent="-171450">
+              <a:buFontTx/>
+              <a:buChar char="-"/>
+              <a:defRPr/>
+            </a:pPr>
+            <a:r>
+              <a:rPr lang="de-DE" dirty="0"/>
+              <a:t>Monitoring Tool</a:t>
+            </a:r>
+          </a:p>
+          <a:p>
+            <a:pPr marL="171450" indent="-171450">
+              <a:buFontTx/>
+              <a:buChar char="-"/>
+              <a:defRPr/>
+            </a:pPr>
+            <a:r>
+              <a:rPr lang="de-DE" dirty="0"/>
+              <a:t>Zwei Komponenten</a:t>
+            </a:r>
+          </a:p>
+          <a:p>
+            <a:pPr marL="171450" indent="-171450">
+              <a:buFontTx/>
+              <a:buChar char="-"/>
+              <a:defRPr/>
+            </a:pPr>
+            <a:r>
+              <a:rPr lang="de-DE" dirty="0"/>
+              <a:t>Mehr Funktionen zu einem klassischen Monitoring Tool</a:t>
+            </a:r>
+          </a:p>
+          <a:p>
+            <a:pPr marL="628650" lvl="1" indent="-171450">
+              <a:buFontTx/>
+              <a:buChar char="-"/>
+              <a:defRPr/>
+            </a:pPr>
+            <a:r>
+              <a:rPr lang="de-DE" dirty="0"/>
+              <a:t>Monitoring der Seite</a:t>
+            </a:r>
+          </a:p>
+          <a:p>
+            <a:pPr marL="628650" lvl="1" indent="-171450">
+              <a:buFontTx/>
+              <a:buChar char="-"/>
+              <a:defRPr/>
+            </a:pPr>
+            <a:r>
+              <a:rPr lang="de-DE" dirty="0"/>
+              <a:t>Überwachung des Servers</a:t>
+            </a:r>
+          </a:p>
+          <a:p>
+            <a:pPr marL="628650" lvl="1" indent="-171450">
+              <a:buFontTx/>
+              <a:buChar char="-"/>
+              <a:defRPr/>
+            </a:pPr>
+            <a:r>
+              <a:rPr lang="de-DE" dirty="0"/>
+              <a:t>Backups</a:t>
+            </a:r>
+          </a:p>
+          <a:p>
+            <a:pPr marL="171450" indent="-171450">
+              <a:buFontTx/>
+              <a:buChar char="-"/>
+              <a:defRPr/>
+            </a:pPr>
+            <a:endParaRPr lang="de-DE" dirty="0"/>
           </a:p>
         </p:txBody>
       </p:sp>
@@ -1911,7 +2032,7 @@
       </p:grpSpPr>
       <p:sp>
         <p:nvSpPr>
-          <p:cNvPr id="2" name="Folienbildplatzhalter 1"/>
+          <p:cNvPr id="2" name="Slide Image Placeholder 1"/>
           <p:cNvSpPr>
             <a:spLocks noGrp="1" noRot="1" noChangeAspect="1"/>
           </p:cNvSpPr>
@@ -1923,7 +2044,7 @@
       </p:sp>
       <p:sp>
         <p:nvSpPr>
-          <p:cNvPr id="3" name="Notizenplatzhalter 2"/>
+          <p:cNvPr id="3" name="Notes Placeholder 2"/>
           <p:cNvSpPr>
             <a:spLocks noGrp="1"/>
           </p:cNvSpPr>
@@ -1936,59 +2057,32 @@
           <a:bodyPr/>
           <a:lstStyle/>
           <a:p>
-            <a:pPr marL="171450" indent="-171450">
-              <a:buFontTx/>
-              <a:buChar char="-"/>
-              <a:defRPr/>
-            </a:pPr>
-            <a:r>
-              <a:rPr lang="de-DE" dirty="0"/>
-              <a:t>Komplizierte Überwachung, da mehrere Elemente</a:t>
-            </a:r>
-          </a:p>
-          <a:p>
-            <a:pPr marL="171450" indent="-171450">
-              <a:buFontTx/>
-              <a:buChar char="-"/>
-              <a:defRPr/>
-            </a:pPr>
-            <a:r>
-              <a:rPr lang="de-DE" dirty="0"/>
-              <a:t>Kein Tool bietet vollständige Lösung</a:t>
-            </a:r>
-          </a:p>
-          <a:p>
-            <a:pPr marL="171450" indent="-171450">
-              <a:buFontTx/>
-              <a:buChar char="-"/>
-              <a:defRPr/>
-            </a:pPr>
-            <a:r>
-              <a:rPr lang="de-DE" dirty="0"/>
-              <a:t>DSGVO nonkonform, da Dienste oft in USA</a:t>
-            </a:r>
-          </a:p>
-          <a:p>
-            <a:pPr marL="171450" indent="-171450">
-              <a:buFontTx/>
-              <a:buChar char="-"/>
-              <a:defRPr/>
-            </a:pPr>
-            <a:r>
-              <a:rPr lang="de-DE" dirty="0"/>
-              <a:t>Vor allem Backups und Serverinformationen können nicht überwacht werden</a:t>
-            </a:r>
-          </a:p>
-          <a:p>
-            <a:pPr marL="171450" indent="-171450">
-              <a:buFontTx/>
-              <a:buChar char="-"/>
-              <a:defRPr/>
-            </a:pPr>
-            <a:r>
-              <a:rPr lang="de-DE" dirty="0"/>
-              <a:t>Bei Ausfall, schwere Folgen, vor allem Shops</a:t>
-            </a:r>
+            <a:pPr>
+              <a:defRPr/>
+            </a:pPr>
+            <a:endParaRPr dirty="0"/>
+          </a:p>
+        </p:txBody>
+      </p:sp>
+      <p:sp>
+        <p:nvSpPr>
+          <p:cNvPr id="4" name="Slide Number Placeholder 3"/>
+          <p:cNvSpPr>
+            <a:spLocks noGrp="1"/>
+          </p:cNvSpPr>
+          <p:nvPr>
+            <p:ph type="sldNum" sz="quarter" idx="10"/>
+          </p:nvPr>
+        </p:nvSpPr>
+        <p:spPr bwMode="auto"/>
+        <p:txBody>
+          <a:bodyPr/>
+          <a:lstStyle/>
+          <a:p>
+            <a:pPr>
+              <a:defRPr/>
+            </a:pPr>
+            <a:endParaRPr/>
           </a:p>
         </p:txBody>
       </p:sp>
@@ -2044,29 +2138,6 @@
           <a:bodyPr/>
           <a:lstStyle/>
           <a:p>
-            <a:pPr marL="171450" marR="0" lvl="0" indent="-171450" algn="l" defTabSz="914400" eaLnBrk="1" fontAlgn="auto" latinLnBrk="0" hangingPunct="1">
-              <a:lnSpc>
-                <a:spcPct val="100000"/>
-              </a:lnSpc>
-              <a:spcBef>
-                <a:spcPts val="0"/>
-              </a:spcBef>
-              <a:spcAft>
-                <a:spcPts val="0"/>
-              </a:spcAft>
-              <a:buClrTx/>
-              <a:buSzTx/>
-              <a:buFontTx/>
-              <a:buChar char="-"/>
-              <a:tabLst/>
-              <a:defRPr/>
-            </a:pPr>
-            <a:r>
-              <a:rPr lang="de-DE" dirty="0"/>
-              <a:t>Einfache Bedienung (auch für Laien möglich)</a:t>
-            </a:r>
-          </a:p>
-          <a:p>
             <a:pPr marL="171450" indent="-171450">
               <a:buFontTx/>
               <a:buChar char="-"/>
@@ -2074,23 +2145,7 @@
             </a:pPr>
             <a:r>
               <a:rPr lang="de-DE" dirty="0"/>
-              <a:t>Eine </a:t>
-            </a:r>
-            <a:r>
-              <a:rPr lang="de-DE" dirty="0" err="1"/>
-              <a:t>One</a:t>
-            </a:r>
-            <a:r>
-              <a:rPr lang="de-DE" dirty="0"/>
-              <a:t>-</a:t>
-            </a:r>
-            <a:r>
-              <a:rPr lang="de-DE" dirty="0" err="1"/>
-              <a:t>Stop</a:t>
-            </a:r>
-            <a:r>
-              <a:rPr lang="de-DE" dirty="0"/>
-              <a:t>-Shop Lösung</a:t>
+              <a:t>Komplizierte Überwachung, da mehrere Elemente</a:t>
             </a:r>
           </a:p>
           <a:p>
@@ -2101,15 +2156,7 @@
             </a:pPr>
             <a:r>
               <a:rPr lang="de-DE" dirty="0"/>
-              <a:t>DSGVO </a:t>
-            </a:r>
-            <a:r>
-              <a:rPr lang="de-DE" dirty="0" err="1"/>
-              <a:t>konfrom</a:t>
-            </a:r>
-            <a:r>
-              <a:rPr lang="de-DE" dirty="0"/>
-              <a:t>, da eigener Dienst und eigener Server</a:t>
+              <a:t>Kein Tool bietet vollständige Lösung</a:t>
             </a:r>
           </a:p>
           <a:p>
@@ -2119,12 +2166,30 @@
               <a:defRPr/>
             </a:pPr>
             <a:r>
-              <a:rPr lang="de-DE" dirty="0" err="1"/>
-              <a:t>Reduntante</a:t>
-            </a:r>
-            <a:r>
               <a:rPr lang="de-DE" dirty="0"/>
-              <a:t> Backups</a:t>
+              <a:t>DSGVO nonkonform, da Dienste oft in USA</a:t>
+            </a:r>
+          </a:p>
+          <a:p>
+            <a:pPr marL="171450" indent="-171450">
+              <a:buFontTx/>
+              <a:buChar char="-"/>
+              <a:defRPr/>
+            </a:pPr>
+            <a:r>
+              <a:rPr lang="de-DE" dirty="0"/>
+              <a:t>Vor allem Backups und Serverinformationen können nicht überwacht werden</a:t>
+            </a:r>
+          </a:p>
+          <a:p>
+            <a:pPr marL="171450" indent="-171450">
+              <a:buFontTx/>
+              <a:buChar char="-"/>
+              <a:defRPr/>
+            </a:pPr>
+            <a:r>
+              <a:rPr lang="de-DE" dirty="0"/>
+              <a:t>Bei Ausfall, schwere Folgen, vor allem Shops</a:t>
             </a:r>
           </a:p>
         </p:txBody>
@@ -2146,7 +2211,7 @@
         <p:cNvGrpSpPr/>
         <p:nvPr/>
       </p:nvGrpSpPr>
-      <p:grpSpPr>
+      <p:grpSpPr bwMode="auto">
         <a:xfrm>
           <a:off x="0" y="0"/>
           <a:ext cx="0" cy="0"/>
@@ -2164,7 +2229,7 @@
             <p:ph type="sldImg"/>
           </p:nvPr>
         </p:nvSpPr>
-        <p:spPr/>
+        <p:spPr bwMode="auto"/>
       </p:sp>
       <p:sp>
         <p:nvSpPr>
@@ -2176,58 +2241,97 @@
             <p:ph type="body" idx="1"/>
           </p:nvPr>
         </p:nvSpPr>
-        <p:spPr/>
+        <p:spPr bwMode="auto"/>
         <p:txBody>
           <a:bodyPr/>
           <a:lstStyle/>
+          <a:p>
+            <a:pPr marL="171450" marR="0" lvl="0" indent="-171450" algn="l" defTabSz="914400" eaLnBrk="1" fontAlgn="auto" latinLnBrk="0" hangingPunct="1">
+              <a:lnSpc>
+                <a:spcPct val="100000"/>
+              </a:lnSpc>
+              <a:spcBef>
+                <a:spcPts val="0"/>
+              </a:spcBef>
+              <a:spcAft>
+                <a:spcPts val="0"/>
+              </a:spcAft>
+              <a:buClrTx/>
+              <a:buSzTx/>
+              <a:buFontTx/>
+              <a:buChar char="-"/>
+              <a:tabLst/>
+              <a:defRPr/>
+            </a:pPr>
+            <a:r>
+              <a:rPr lang="de-DE" dirty="0"/>
+              <a:t>Einfache Bedienung (auch für Laien möglich)</a:t>
+            </a:r>
+          </a:p>
           <a:p>
             <a:pPr marL="171450" indent="-171450">
               <a:buFontTx/>
               <a:buChar char="-"/>
+              <a:defRPr/>
             </a:pPr>
             <a:r>
               <a:rPr lang="de-DE" dirty="0"/>
-              <a:t>30€ Stundenlohn Mitarbeiter</a:t>
+              <a:t>Eine </a:t>
+            </a:r>
+            <a:r>
+              <a:rPr lang="de-DE" dirty="0" err="1"/>
+              <a:t>One</a:t>
+            </a:r>
+            <a:r>
+              <a:rPr lang="de-DE" dirty="0"/>
+              <a:t>-</a:t>
+            </a:r>
+            <a:r>
+              <a:rPr lang="de-DE" dirty="0" err="1"/>
+              <a:t>Stop</a:t>
+            </a:r>
+            <a:r>
+              <a:rPr lang="de-DE" dirty="0"/>
+              <a:t>-Shop Lösung</a:t>
             </a:r>
           </a:p>
           <a:p>
             <a:pPr marL="171450" indent="-171450">
               <a:buFontTx/>
               <a:buChar char="-"/>
+              <a:defRPr/>
             </a:pPr>
             <a:r>
               <a:rPr lang="de-DE" dirty="0"/>
-              <a:t>20€ Pauschale für Ressourcen</a:t>
+              <a:t>DSGVO </a:t>
+            </a:r>
+            <a:r>
+              <a:rPr lang="de-DE" dirty="0" err="1"/>
+              <a:t>konfrom</a:t>
+            </a:r>
+            <a:r>
+              <a:rPr lang="de-DE" dirty="0"/>
+              <a:t>, da eigener Dienst und eigener Server</a:t>
             </a:r>
           </a:p>
           <a:p>
             <a:pPr marL="171450" indent="-171450">
               <a:buFontTx/>
               <a:buChar char="-"/>
-            </a:pPr>
+              <a:defRPr/>
+            </a:pPr>
+            <a:r>
+              <a:rPr lang="de-DE" dirty="0" err="1"/>
+              <a:t>Reduntante</a:t>
+            </a:r>
             <a:r>
               <a:rPr lang="de-DE" dirty="0"/>
-              <a:t>4,81€ Stundensatz eines Auszubildenden</a:t>
-            </a:r>
-          </a:p>
-          <a:p>
-            <a:pPr marL="171450" indent="-171450">
-              <a:buFontTx/>
-              <a:buChar char="-"/>
-            </a:pPr>
-            <a:r>
-              <a:rPr lang="de-DE" dirty="0"/>
-              <a:t>Projektkosten 1.906,6€</a:t>
+              <a:t> Backups</a:t>
             </a:r>
           </a:p>
         </p:txBody>
       </p:sp>
     </p:spTree>
-    <p:extLst>
-      <p:ext uri="{BB962C8B-B14F-4D97-AF65-F5344CB8AC3E}">
-        <p14:creationId xmlns:p14="http://schemas.microsoft.com/office/powerpoint/2010/main" val="663016364"/>
-      </p:ext>
-    </p:extLst>
   </p:cSld>
   <p:clrMapOvr>
     <a:masterClrMapping/>
@@ -2285,7 +2389,7 @@
             </a:pPr>
             <a:r>
               <a:rPr lang="de-DE" dirty="0"/>
-              <a:t>250 Arbeitstage</a:t>
+              <a:t>30€ Stundenlohn Mitarbeiter</a:t>
             </a:r>
           </a:p>
           <a:p>
@@ -2295,7 +2399,7 @@
             </a:pPr>
             <a:r>
               <a:rPr lang="de-DE" dirty="0"/>
-              <a:t>30€ Stundenlohn</a:t>
+              <a:t>20€ Pauschale für Ressourcen</a:t>
             </a:r>
           </a:p>
           <a:p>
@@ -2305,7 +2409,7 @@
             </a:pPr>
             <a:r>
               <a:rPr lang="de-DE" dirty="0"/>
-              <a:t>75€ Abokosten sind mehrere genutzte Tools</a:t>
+              <a:t>4,81€ Stundensatz eines Auszubildenden</a:t>
             </a:r>
           </a:p>
           <a:p>
@@ -2315,7 +2419,7 @@
             </a:pPr>
             <a:r>
               <a:rPr lang="de-DE" dirty="0"/>
-              <a:t>Amortisationszeit: 21 Wochen</a:t>
+              <a:t>Projektkosten 1.906,6€</a:t>
             </a:r>
           </a:p>
         </p:txBody>
@@ -2323,7 +2427,7 @@
     </p:spTree>
     <p:extLst>
       <p:ext uri="{BB962C8B-B14F-4D97-AF65-F5344CB8AC3E}">
-        <p14:creationId xmlns:p14="http://schemas.microsoft.com/office/powerpoint/2010/main" val="2939274310"/>
+        <p14:creationId xmlns:p14="http://schemas.microsoft.com/office/powerpoint/2010/main" val="663016364"/>
       </p:ext>
     </p:extLst>
   </p:cSld>
@@ -2342,7 +2446,7 @@
         <p:cNvGrpSpPr/>
         <p:nvPr/>
       </p:nvGrpSpPr>
-      <p:grpSpPr bwMode="auto">
+      <p:grpSpPr>
         <a:xfrm>
           <a:off x="0" y="0"/>
           <a:ext cx="0" cy="0"/>
@@ -2360,7 +2464,7 @@
             <p:ph type="sldImg"/>
           </p:nvPr>
         </p:nvSpPr>
-        <p:spPr bwMode="auto"/>
+        <p:spPr/>
       </p:sp>
       <p:sp>
         <p:nvSpPr>
@@ -2372,7 +2476,7 @@
             <p:ph type="body" idx="1"/>
           </p:nvPr>
         </p:nvSpPr>
-        <p:spPr bwMode="auto"/>
+        <p:spPr/>
         <p:txBody>
           <a:bodyPr/>
           <a:lstStyle/>
@@ -2380,90 +2484,40 @@
             <a:pPr marL="171450" indent="-171450">
               <a:buFontTx/>
               <a:buChar char="-"/>
-              <a:defRPr/>
             </a:pPr>
             <a:r>
               <a:rPr lang="de-DE" dirty="0"/>
-              <a:t>Technologien, die verwendet werden sollen</a:t>
+              <a:t>250 Arbeitstage</a:t>
             </a:r>
           </a:p>
           <a:p>
             <a:pPr marL="171450" indent="-171450">
               <a:buFontTx/>
               <a:buChar char="-"/>
-              <a:defRPr/>
-            </a:pPr>
-            <a:r>
-              <a:rPr lang="de-DE" dirty="0" err="1"/>
-              <a:t>VueJs</a:t>
-            </a:r>
+            </a:pPr>
             <a:r>
               <a:rPr lang="de-DE" dirty="0"/>
-              <a:t> (Frontend)</a:t>
+              <a:t>30€ Stundenlohn</a:t>
             </a:r>
           </a:p>
           <a:p>
             <a:pPr marL="171450" indent="-171450">
               <a:buFontTx/>
               <a:buChar char="-"/>
-              <a:defRPr/>
-            </a:pPr>
-            <a:r>
-              <a:rPr lang="de-DE" dirty="0" err="1"/>
-              <a:t>Tailwind</a:t>
-            </a:r>
+            </a:pPr>
             <a:r>
               <a:rPr lang="de-DE" dirty="0"/>
-              <a:t> (CSS Framework)</a:t>
+              <a:t>75€ Abokosten sind mehrere genutzte Tools</a:t>
             </a:r>
           </a:p>
           <a:p>
             <a:pPr marL="171450" indent="-171450">
               <a:buFontTx/>
               <a:buChar char="-"/>
-              <a:defRPr/>
-            </a:pPr>
-            <a:r>
-              <a:rPr lang="de-DE" dirty="0" err="1"/>
-              <a:t>Laravel</a:t>
-            </a:r>
+            </a:pPr>
             <a:r>
               <a:rPr lang="de-DE" dirty="0"/>
-              <a:t> (Backend)</a:t>
-            </a:r>
-          </a:p>
-          <a:p>
-            <a:pPr marL="171450" indent="-171450">
-              <a:buFontTx/>
-              <a:buChar char="-"/>
-              <a:defRPr/>
-            </a:pPr>
-            <a:r>
-              <a:rPr lang="de-DE" dirty="0" err="1"/>
-              <a:t>MariaDB</a:t>
-            </a:r>
-            <a:r>
-              <a:rPr lang="de-DE" dirty="0"/>
-              <a:t> (SQL Datenbank)</a:t>
-            </a:r>
-          </a:p>
-          <a:p>
-            <a:pPr marL="171450" indent="-171450">
-              <a:buFontTx/>
-              <a:buChar char="-"/>
-              <a:defRPr/>
-            </a:pPr>
-            <a:r>
-              <a:rPr lang="de-DE" dirty="0"/>
-              <a:t>PHP (Client und </a:t>
-            </a:r>
-            <a:r>
-              <a:rPr lang="de-DE" dirty="0" err="1"/>
-              <a:t>Laravel</a:t>
-            </a:r>
-            <a:r>
-              <a:rPr lang="de-DE" dirty="0"/>
-              <a:t>)</a:t>
+              <a:t>Amortisationszeit: 21 Wochen</a:t>
             </a:r>
           </a:p>
         </p:txBody>
@@ -2471,7 +2525,7 @@
     </p:spTree>
     <p:extLst>
       <p:ext uri="{BB962C8B-B14F-4D97-AF65-F5344CB8AC3E}">
-        <p14:creationId xmlns:p14="http://schemas.microsoft.com/office/powerpoint/2010/main" val="2087071544"/>
+        <p14:creationId xmlns:p14="http://schemas.microsoft.com/office/powerpoint/2010/main" val="2939274310"/>
       </p:ext>
     </p:extLst>
   </p:cSld>
@@ -9456,7 +9510,7 @@
 </file>
 
 <file path=ppt/slides/slide14.xml><?xml version="1.0" encoding="utf-8"?>
-<p:sld xmlns:a="http://schemas.openxmlformats.org/drawingml/2006/main" xmlns:r="http://schemas.openxmlformats.org/officeDocument/2006/relationships" xmlns:p="http://schemas.openxmlformats.org/presentationml/2006/main">
+<p:sld xmlns:a="http://schemas.openxmlformats.org/drawingml/2006/main" xmlns:r="http://schemas.openxmlformats.org/officeDocument/2006/relationships" xmlns:p="http://schemas.openxmlformats.org/presentationml/2006/main" showMasterPhAnim="0">
   <p:cSld>
     <p:spTree>
       <p:nvGrpSpPr>
@@ -9464,7 +9518,7 @@
         <p:cNvGrpSpPr/>
         <p:nvPr/>
       </p:nvGrpSpPr>
-      <p:grpSpPr>
+      <p:grpSpPr bwMode="auto">
         <a:xfrm>
           <a:off x="0" y="0"/>
           <a:ext cx="0" cy="0"/>
@@ -9472,44 +9526,9 @@
           <a:chExt cx="0" cy="0"/>
         </a:xfrm>
       </p:grpSpPr>
-      <p:pic>
-        <p:nvPicPr>
-          <p:cNvPr id="8" name="Inhaltsplatzhalter 7">
-            <a:extLst>
-              <a:ext uri="{FF2B5EF4-FFF2-40B4-BE49-F238E27FC236}">
-                <a16:creationId xmlns:a16="http://schemas.microsoft.com/office/drawing/2014/main" id="{4D725708-EF10-C9EA-A377-C4E84AAB9D5A}"/>
-              </a:ext>
-            </a:extLst>
-          </p:cNvPr>
-          <p:cNvPicPr>
-            <a:picLocks noGrp="1" noChangeAspect="1"/>
-          </p:cNvPicPr>
-          <p:nvPr>
-            <p:ph idx="1"/>
-          </p:nvPr>
-        </p:nvPicPr>
-        <p:blipFill>
-          <a:blip r:embed="rId3"/>
-          <a:stretch>
-            <a:fillRect/>
-          </a:stretch>
-        </p:blipFill>
-        <p:spPr>
-          <a:xfrm>
-            <a:off x="1306732" y="1882681"/>
-            <a:ext cx="6530536" cy="4032448"/>
-          </a:xfrm>
-        </p:spPr>
-      </p:pic>
-      <p:sp>
-        <p:nvSpPr>
-          <p:cNvPr id="3" name="Titel 2">
-            <a:extLst>
-              <a:ext uri="{FF2B5EF4-FFF2-40B4-BE49-F238E27FC236}">
-                <a16:creationId xmlns:a16="http://schemas.microsoft.com/office/drawing/2014/main" id="{9942A9EC-F73A-0662-68E8-67A59EEE8C5C}"/>
-              </a:ext>
-            </a:extLst>
-          </p:cNvPr>
+      <p:sp>
+        <p:nvSpPr>
+          <p:cNvPr id="343558477" name="Title 18"/>
           <p:cNvSpPr>
             <a:spLocks noGrp="1"/>
           </p:cNvSpPr>
@@ -9517,13 +9536,16 @@
             <p:ph type="title"/>
           </p:nvPr>
         </p:nvSpPr>
-        <p:spPr/>
+        <p:spPr bwMode="auto"/>
         <p:txBody>
           <a:bodyPr/>
           <a:lstStyle/>
           <a:p>
-            <a:r>
-              <a:rPr lang="de-DE" dirty="0">
+            <a:pPr>
+              <a:defRPr/>
+            </a:pPr>
+            <a:r>
+              <a:rPr lang="en-US" dirty="0" err="1">
                 <a:solidFill>
                   <a:schemeClr val="tx1">
                     <a:lumMod val="85000"/>
@@ -9531,28 +9553,202 @@
                   </a:schemeClr>
                 </a:solidFill>
               </a:rPr>
+              <a:t>Inhalt</a:t>
+            </a:r>
+            <a:endParaRPr lang="en-US" dirty="0">
+              <a:solidFill>
+                <a:schemeClr val="tx1">
+                  <a:lumMod val="85000"/>
+                  <a:lumOff val="15000"/>
+                </a:schemeClr>
+              </a:solidFill>
+            </a:endParaRPr>
+          </a:p>
+        </p:txBody>
+      </p:sp>
+      <p:sp>
+        <p:nvSpPr>
+          <p:cNvPr id="2022981892" name="Content Placeholder 16"/>
+          <p:cNvSpPr>
+            <a:spLocks noGrp="1"/>
+          </p:cNvSpPr>
+          <p:nvPr>
+            <p:ph sz="half" idx="2"/>
+          </p:nvPr>
+        </p:nvSpPr>
+        <p:spPr bwMode="auto"/>
+        <p:txBody>
+          <a:bodyPr>
+            <a:normAutofit/>
+          </a:bodyPr>
+          <a:lstStyle/>
+          <a:p>
+            <a:pPr>
+              <a:lnSpc>
+                <a:spcPct val="150000"/>
+              </a:lnSpc>
+              <a:defRPr/>
+            </a:pPr>
+            <a:r>
+              <a:rPr lang="en-US" sz="1800" dirty="0" err="1">
+                <a:solidFill>
+                  <a:srgbClr val="D0D1D9"/>
+                </a:solidFill>
+              </a:rPr>
+              <a:t>Vorstellung</a:t>
+            </a:r>
+            <a:endParaRPr lang="en-US" sz="1800" dirty="0">
+              <a:solidFill>
+                <a:srgbClr val="D0D1D9"/>
+              </a:solidFill>
+            </a:endParaRPr>
+          </a:p>
+          <a:p>
+            <a:pPr>
+              <a:lnSpc>
+                <a:spcPct val="150000"/>
+              </a:lnSpc>
+              <a:defRPr/>
+            </a:pPr>
+            <a:r>
+              <a:rPr lang="en-US" sz="1800" dirty="0" err="1">
+                <a:solidFill>
+                  <a:srgbClr val="D0D1D9"/>
+                </a:solidFill>
+              </a:rPr>
+              <a:t>Thematik</a:t>
+            </a:r>
+            <a:endParaRPr lang="en-US" sz="1800" dirty="0">
+              <a:solidFill>
+                <a:srgbClr val="D0D1D9"/>
+              </a:solidFill>
+            </a:endParaRPr>
+          </a:p>
+          <a:p>
+            <a:pPr>
+              <a:lnSpc>
+                <a:spcPct val="150000"/>
+              </a:lnSpc>
+              <a:defRPr/>
+            </a:pPr>
+            <a:r>
+              <a:rPr lang="en-US" sz="1800" dirty="0" err="1">
+                <a:solidFill>
+                  <a:srgbClr val="D0D1D9"/>
+                </a:solidFill>
+              </a:rPr>
+              <a:t>Analyse</a:t>
+            </a:r>
+            <a:endParaRPr lang="en-US" sz="1800" dirty="0">
+              <a:solidFill>
+                <a:srgbClr val="D0D1D9"/>
+              </a:solidFill>
+            </a:endParaRPr>
+          </a:p>
+          <a:p>
+            <a:pPr>
+              <a:lnSpc>
+                <a:spcPct val="150000"/>
+              </a:lnSpc>
+              <a:defRPr/>
+            </a:pPr>
+            <a:r>
+              <a:rPr lang="en-US" sz="1800" dirty="0" err="1">
+                <a:solidFill>
+                  <a:srgbClr val="D0D1D9"/>
+                </a:solidFill>
+              </a:rPr>
               <a:t>Entwurf</a:t>
             </a:r>
-          </a:p>
-        </p:txBody>
-      </p:sp>
-      <p:sp>
-        <p:nvSpPr>
-          <p:cNvPr id="4" name="Datumsplatzhalter 3">
-            <a:extLst>
-              <a:ext uri="{FF2B5EF4-FFF2-40B4-BE49-F238E27FC236}">
-                <a16:creationId xmlns:a16="http://schemas.microsoft.com/office/drawing/2014/main" id="{8C9E7DE5-A1FF-F4B8-D57C-BA12144A4853}"/>
-              </a:ext>
-            </a:extLst>
-          </p:cNvPr>
+            <a:endParaRPr lang="en-US" sz="1800" dirty="0">
+              <a:solidFill>
+                <a:srgbClr val="D0D1D9"/>
+              </a:solidFill>
+            </a:endParaRPr>
+          </a:p>
+          <a:p>
+            <a:pPr>
+              <a:lnSpc>
+                <a:spcPct val="150000"/>
+              </a:lnSpc>
+              <a:defRPr/>
+            </a:pPr>
+            <a:r>
+              <a:rPr lang="en-US" sz="1800" dirty="0" err="1">
+                <a:solidFill>
+                  <a:srgbClr val="22E298"/>
+                </a:solidFill>
+              </a:rPr>
+              <a:t>Implementierung</a:t>
+            </a:r>
+            <a:endParaRPr lang="en-US" sz="1800" dirty="0">
+              <a:solidFill>
+                <a:srgbClr val="22E298"/>
+              </a:solidFill>
+            </a:endParaRPr>
+          </a:p>
+          <a:p>
+            <a:pPr>
+              <a:lnSpc>
+                <a:spcPct val="150000"/>
+              </a:lnSpc>
+              <a:defRPr/>
+            </a:pPr>
+            <a:r>
+              <a:rPr lang="en-US" sz="1800" dirty="0" err="1">
+                <a:solidFill>
+                  <a:schemeClr val="tx1">
+                    <a:lumMod val="85000"/>
+                    <a:lumOff val="15000"/>
+                  </a:schemeClr>
+                </a:solidFill>
+              </a:rPr>
+              <a:t>Fazit</a:t>
+            </a:r>
+            <a:r>
+              <a:rPr lang="en-US" sz="1800" dirty="0">
+                <a:solidFill>
+                  <a:schemeClr val="tx1">
+                    <a:lumMod val="85000"/>
+                    <a:lumOff val="15000"/>
+                  </a:schemeClr>
+                </a:solidFill>
+              </a:rPr>
+              <a:t> und </a:t>
+            </a:r>
+            <a:r>
+              <a:rPr lang="en-US" sz="1800" dirty="0" err="1">
+                <a:solidFill>
+                  <a:schemeClr val="tx1">
+                    <a:lumMod val="85000"/>
+                    <a:lumOff val="15000"/>
+                  </a:schemeClr>
+                </a:solidFill>
+              </a:rPr>
+              <a:t>Ausblick</a:t>
+            </a:r>
+            <a:endParaRPr lang="en-US" sz="1800" dirty="0">
+              <a:solidFill>
+                <a:schemeClr val="tx1">
+                  <a:lumMod val="85000"/>
+                  <a:lumOff val="15000"/>
+                </a:schemeClr>
+              </a:solidFill>
+            </a:endParaRPr>
+          </a:p>
+        </p:txBody>
+      </p:sp>
+      <p:sp>
+        <p:nvSpPr>
+          <p:cNvPr id="1199490996" name="Fußzeilenplatzhalter 1"/>
           <p:cNvSpPr>
             <a:spLocks noGrp="1"/>
           </p:cNvSpPr>
           <p:nvPr>
-            <p:ph type="dt" sz="half" idx="2"/>
-          </p:nvPr>
-        </p:nvSpPr>
-        <p:spPr/>
+            <p:ph type="ftr" sz="quarter" idx="3"/>
+          </p:nvPr>
+        </p:nvSpPr>
+        <p:spPr bwMode="auto"/>
         <p:txBody>
           <a:bodyPr/>
           <a:lstStyle/>
@@ -9561,82 +9757,13 @@
               <a:defRPr/>
             </a:pPr>
             <a:r>
-              <a:rPr lang="de-DE"/>
-              <a:t>Eduard Schwarzkopf </a:t>
-            </a:r>
-            <a:endParaRPr lang="en-US"/>
-          </a:p>
-        </p:txBody>
-      </p:sp>
-      <p:sp>
-        <p:nvSpPr>
-          <p:cNvPr id="5" name="Fußzeilenplatzhalter 4">
-            <a:extLst>
-              <a:ext uri="{FF2B5EF4-FFF2-40B4-BE49-F238E27FC236}">
-                <a16:creationId xmlns:a16="http://schemas.microsoft.com/office/drawing/2014/main" id="{B6B829F3-0C3C-EC39-6553-B1289AEB08C9}"/>
-              </a:ext>
-            </a:extLst>
-          </p:cNvPr>
-          <p:cNvSpPr>
-            <a:spLocks noGrp="1"/>
-          </p:cNvSpPr>
-          <p:nvPr>
-            <p:ph type="ftr" sz="quarter" idx="3"/>
-          </p:nvPr>
-        </p:nvSpPr>
-        <p:spPr/>
-        <p:txBody>
-          <a:bodyPr/>
-          <a:lstStyle/>
-          <a:p>
-            <a:pPr>
-              <a:defRPr/>
-            </a:pPr>
-            <a:r>
-              <a:rPr lang="nl-NL"/>
+              <a:rPr lang="en-US"/>
               <a:t>Control Center – zwei komponenten Monitoring Tool</a:t>
             </a:r>
           </a:p>
         </p:txBody>
       </p:sp>
-      <p:sp>
-        <p:nvSpPr>
-          <p:cNvPr id="6" name="Foliennummernplatzhalter 5">
-            <a:extLst>
-              <a:ext uri="{FF2B5EF4-FFF2-40B4-BE49-F238E27FC236}">
-                <a16:creationId xmlns:a16="http://schemas.microsoft.com/office/drawing/2014/main" id="{1A982EEF-5B3E-BCA2-52C4-7A2024CB4A5B}"/>
-              </a:ext>
-            </a:extLst>
-          </p:cNvPr>
-          <p:cNvSpPr>
-            <a:spLocks noGrp="1"/>
-          </p:cNvSpPr>
-          <p:nvPr>
-            <p:ph type="sldNum" sz="quarter" idx="4"/>
-          </p:nvPr>
-        </p:nvSpPr>
-        <p:spPr/>
-        <p:txBody>
-          <a:bodyPr/>
-          <a:lstStyle/>
-          <a:p>
-            <a:pPr>
-              <a:defRPr/>
-            </a:pPr>
-            <a:fld id="{3A98EE3D-8CD1-4C3F-BD1C-C98C9596463C}" type="slidenum">
-              <a:rPr lang="en-US" smtClean="0"/>
-              <a:t>14</a:t>
-            </a:fld>
-            <a:endParaRPr lang="en-US"/>
-          </a:p>
-        </p:txBody>
-      </p:sp>
     </p:spTree>
-    <p:extLst>
-      <p:ext uri="{BB962C8B-B14F-4D97-AF65-F5344CB8AC3E}">
-        <p14:creationId xmlns:p14="http://schemas.microsoft.com/office/powerpoint/2010/main" val="2890958246"/>
-      </p:ext>
-    </p:extLst>
   </p:cSld>
   <p:clrMapOvr>
     <a:masterClrMapping/>
@@ -9675,7 +9802,7 @@
       </p:grpSpPr>
       <p:sp>
         <p:nvSpPr>
-          <p:cNvPr id="343558477" name="Title 18"/>
+          <p:cNvPr id="8" name="Title 7"/>
           <p:cNvSpPr>
             <a:spLocks noGrp="1"/>
           </p:cNvSpPr>
@@ -9685,24 +9812,28 @@
         </p:nvSpPr>
         <p:spPr bwMode="auto"/>
         <p:txBody>
-          <a:bodyPr/>
+          <a:bodyPr>
+            <a:normAutofit/>
+          </a:bodyPr>
           <a:lstStyle/>
           <a:p>
             <a:pPr>
               <a:defRPr/>
             </a:pPr>
             <a:r>
-              <a:rPr lang="en-US" dirty="0" err="1">
+              <a:rPr lang="de-DE" dirty="0">
                 <a:solidFill>
                   <a:schemeClr val="tx1">
                     <a:lumMod val="85000"/>
                     <a:lumOff val="15000"/>
                   </a:schemeClr>
                 </a:solidFill>
+                <a:effectLst/>
+                <a:latin typeface="Nunito" panose="00000500000000000000" pitchFamily="2" charset="0"/>
               </a:rPr>
-              <a:t>Inhalt</a:t>
-            </a:r>
-            <a:endParaRPr lang="en-US" dirty="0">
+              <a:t>Anforderungen</a:t>
+            </a:r>
+            <a:endParaRPr dirty="0">
               <a:solidFill>
                 <a:schemeClr val="tx1">
                   <a:lumMod val="85000"/>
@@ -9715,7 +9846,7 @@
       </p:sp>
       <p:sp>
         <p:nvSpPr>
-          <p:cNvPr id="2022981892" name="Content Placeholder 16"/>
+          <p:cNvPr id="12" name="Content Placeholder 11"/>
           <p:cNvSpPr>
             <a:spLocks noGrp="1"/>
           </p:cNvSpPr>
@@ -9730,164 +9861,237 @@
           </a:bodyPr>
           <a:lstStyle/>
           <a:p>
-            <a:pPr>
+            <a:pPr marL="285750" indent="-285750">
               <a:lnSpc>
                 <a:spcPct val="150000"/>
               </a:lnSpc>
-              <a:defRPr/>
-            </a:pPr>
-            <a:r>
-              <a:rPr lang="en-US" sz="1800" dirty="0" err="1">
-                <a:solidFill>
-                  <a:srgbClr val="D0D1D9"/>
-                </a:solidFill>
-              </a:rPr>
-              <a:t>Vorstellung</a:t>
-            </a:r>
-            <a:endParaRPr lang="en-US" sz="1800" dirty="0">
-              <a:solidFill>
-                <a:srgbClr val="D0D1D9"/>
-              </a:solidFill>
-            </a:endParaRPr>
-          </a:p>
-          <a:p>
-            <a:pPr>
-              <a:lnSpc>
-                <a:spcPct val="150000"/>
-              </a:lnSpc>
-              <a:defRPr/>
-            </a:pPr>
-            <a:r>
-              <a:rPr lang="en-US" sz="1800" dirty="0" err="1">
-                <a:solidFill>
-                  <a:srgbClr val="D0D1D9"/>
-                </a:solidFill>
-              </a:rPr>
-              <a:t>Thematik</a:t>
-            </a:r>
-            <a:endParaRPr lang="en-US" sz="1800" dirty="0">
-              <a:solidFill>
-                <a:srgbClr val="D0D1D9"/>
-              </a:solidFill>
-            </a:endParaRPr>
-          </a:p>
-          <a:p>
-            <a:pPr>
-              <a:lnSpc>
-                <a:spcPct val="150000"/>
-              </a:lnSpc>
-              <a:defRPr/>
-            </a:pPr>
-            <a:r>
-              <a:rPr lang="en-US" sz="1800" dirty="0" err="1">
-                <a:solidFill>
-                  <a:srgbClr val="D0D1D9"/>
-                </a:solidFill>
-              </a:rPr>
-              <a:t>Analyse</a:t>
-            </a:r>
-            <a:endParaRPr lang="en-US" sz="1800" dirty="0">
-              <a:solidFill>
-                <a:srgbClr val="D0D1D9"/>
-              </a:solidFill>
-            </a:endParaRPr>
-          </a:p>
-          <a:p>
-            <a:pPr>
-              <a:lnSpc>
-                <a:spcPct val="150000"/>
-              </a:lnSpc>
-              <a:defRPr/>
-            </a:pPr>
-            <a:r>
-              <a:rPr lang="en-US" sz="1800" dirty="0" err="1">
-                <a:solidFill>
-                  <a:srgbClr val="D0D1D9"/>
-                </a:solidFill>
-              </a:rPr>
-              <a:t>Entwurf</a:t>
-            </a:r>
-            <a:endParaRPr lang="en-US" sz="1800" dirty="0">
-              <a:solidFill>
-                <a:srgbClr val="D0D1D9"/>
-              </a:solidFill>
-            </a:endParaRPr>
-          </a:p>
-          <a:p>
-            <a:pPr>
-              <a:lnSpc>
-                <a:spcPct val="150000"/>
-              </a:lnSpc>
-              <a:defRPr/>
-            </a:pPr>
-            <a:r>
-              <a:rPr lang="en-US" sz="1800" dirty="0" err="1">
-                <a:solidFill>
-                  <a:srgbClr val="22E298"/>
-                </a:solidFill>
-              </a:rPr>
-              <a:t>Implementierung</a:t>
-            </a:r>
-            <a:endParaRPr lang="en-US" sz="1800" dirty="0">
-              <a:solidFill>
-                <a:srgbClr val="22E298"/>
-              </a:solidFill>
-            </a:endParaRPr>
-          </a:p>
-          <a:p>
-            <a:pPr>
-              <a:lnSpc>
-                <a:spcPct val="150000"/>
-              </a:lnSpc>
-              <a:defRPr/>
-            </a:pPr>
-            <a:r>
-              <a:rPr lang="en-US" sz="1800" dirty="0" err="1">
+              <a:buFont typeface="Arial" panose="020B0604020202020204" pitchFamily="34" charset="0"/>
+              <a:buChar char="•"/>
+            </a:pPr>
+            <a:r>
+              <a:rPr lang="de-DE" sz="1800" dirty="0">
                 <a:solidFill>
                   <a:schemeClr val="tx1">
                     <a:lumMod val="85000"/>
                     <a:lumOff val="15000"/>
                   </a:schemeClr>
                 </a:solidFill>
+                <a:effectLst/>
+                <a:latin typeface="Nunito" panose="00000500000000000000" pitchFamily="2" charset="0"/>
               </a:rPr>
-              <a:t>Fazit</a:t>
-            </a:r>
-            <a:r>
-              <a:rPr lang="en-US" sz="1800" dirty="0">
-                <a:solidFill>
-                  <a:schemeClr val="tx1">
-                    <a:lumMod val="85000"/>
-                    <a:lumOff val="15000"/>
-                  </a:schemeClr>
-                </a:solidFill>
-              </a:rPr>
-              <a:t> und </a:t>
-            </a:r>
-            <a:r>
-              <a:rPr lang="en-US" sz="1800" dirty="0" err="1">
-                <a:solidFill>
-                  <a:schemeClr val="tx1">
-                    <a:lumMod val="85000"/>
-                    <a:lumOff val="15000"/>
-                  </a:schemeClr>
-                </a:solidFill>
-              </a:rPr>
-              <a:t>Ausblick</a:t>
-            </a:r>
-            <a:endParaRPr lang="en-US" sz="1800" dirty="0">
+              <a:t>Webhoster-Unabhängig</a:t>
+            </a:r>
+            <a:endParaRPr lang="de-DE" sz="2800" dirty="0">
               <a:solidFill>
                 <a:schemeClr val="tx1">
                   <a:lumMod val="85000"/>
                   <a:lumOff val="15000"/>
                 </a:schemeClr>
               </a:solidFill>
+              <a:effectLst/>
             </a:endParaRPr>
           </a:p>
-        </p:txBody>
-      </p:sp>
-      <p:sp>
-        <p:nvSpPr>
-          <p:cNvPr id="1199490996" name="Fußzeilenplatzhalter 1"/>
+          <a:p>
+            <a:pPr marL="285750" indent="-285750">
+              <a:lnSpc>
+                <a:spcPct val="150000"/>
+              </a:lnSpc>
+              <a:buFont typeface="Arial" panose="020B0604020202020204" pitchFamily="34" charset="0"/>
+              <a:buChar char="•"/>
+            </a:pPr>
+            <a:r>
+              <a:rPr lang="de-DE" sz="1800" dirty="0">
+                <a:solidFill>
+                  <a:schemeClr val="tx1">
+                    <a:lumMod val="85000"/>
+                    <a:lumOff val="15000"/>
+                  </a:schemeClr>
+                </a:solidFill>
+                <a:effectLst/>
+                <a:latin typeface="Nunito" panose="00000500000000000000" pitchFamily="2" charset="0"/>
+              </a:rPr>
+              <a:t>Backups</a:t>
+            </a:r>
+            <a:endParaRPr lang="de-DE" sz="2800" dirty="0">
+              <a:solidFill>
+                <a:schemeClr val="tx1">
+                  <a:lumMod val="85000"/>
+                  <a:lumOff val="15000"/>
+                </a:schemeClr>
+              </a:solidFill>
+              <a:effectLst/>
+            </a:endParaRPr>
+          </a:p>
+          <a:p>
+            <a:pPr marL="285750" indent="-285750">
+              <a:lnSpc>
+                <a:spcPct val="150000"/>
+              </a:lnSpc>
+              <a:buFont typeface="Arial" panose="020B0604020202020204" pitchFamily="34" charset="0"/>
+              <a:buChar char="•"/>
+            </a:pPr>
+            <a:r>
+              <a:rPr lang="de-DE" sz="1800" dirty="0">
+                <a:solidFill>
+                  <a:schemeClr val="tx1">
+                    <a:lumMod val="85000"/>
+                    <a:lumOff val="15000"/>
+                  </a:schemeClr>
+                </a:solidFill>
+                <a:effectLst/>
+                <a:latin typeface="Nunito" panose="00000500000000000000" pitchFamily="2" charset="0"/>
+              </a:rPr>
+              <a:t>Sicherheit</a:t>
+            </a:r>
+            <a:endParaRPr lang="de-DE" sz="2800" dirty="0">
+              <a:solidFill>
+                <a:schemeClr val="tx1">
+                  <a:lumMod val="85000"/>
+                  <a:lumOff val="15000"/>
+                </a:schemeClr>
+              </a:solidFill>
+              <a:effectLst/>
+            </a:endParaRPr>
+          </a:p>
+          <a:p>
+            <a:pPr marL="285750" indent="-285750">
+              <a:lnSpc>
+                <a:spcPct val="150000"/>
+              </a:lnSpc>
+              <a:buFont typeface="Arial" panose="020B0604020202020204" pitchFamily="34" charset="0"/>
+              <a:buChar char="•"/>
+            </a:pPr>
+            <a:r>
+              <a:rPr lang="de-DE" sz="1800" dirty="0">
+                <a:solidFill>
+                  <a:schemeClr val="tx1">
+                    <a:lumMod val="85000"/>
+                    <a:lumOff val="15000"/>
+                  </a:schemeClr>
+                </a:solidFill>
+                <a:effectLst/>
+                <a:latin typeface="Nunito" panose="00000500000000000000" pitchFamily="2" charset="0"/>
+              </a:rPr>
+              <a:t>Dashboard</a:t>
+            </a:r>
+            <a:endParaRPr lang="de-DE" sz="2800" dirty="0">
+              <a:solidFill>
+                <a:schemeClr val="tx1">
+                  <a:lumMod val="85000"/>
+                  <a:lumOff val="15000"/>
+                </a:schemeClr>
+              </a:solidFill>
+              <a:effectLst/>
+            </a:endParaRPr>
+          </a:p>
+          <a:p>
+            <a:pPr marL="285750" indent="-285750">
+              <a:lnSpc>
+                <a:spcPct val="150000"/>
+              </a:lnSpc>
+              <a:buFont typeface="Arial" panose="020B0604020202020204" pitchFamily="34" charset="0"/>
+              <a:buChar char="•"/>
+            </a:pPr>
+            <a:r>
+              <a:rPr lang="de-DE" sz="1800" dirty="0">
+                <a:solidFill>
+                  <a:schemeClr val="tx1">
+                    <a:lumMod val="85000"/>
+                    <a:lumOff val="15000"/>
+                  </a:schemeClr>
+                </a:solidFill>
+                <a:effectLst/>
+                <a:latin typeface="Nunito" panose="00000500000000000000" pitchFamily="2" charset="0"/>
+              </a:rPr>
+              <a:t>Monitoring</a:t>
+            </a:r>
+            <a:endParaRPr lang="de-DE" sz="2800" dirty="0">
+              <a:solidFill>
+                <a:schemeClr val="tx1">
+                  <a:lumMod val="85000"/>
+                  <a:lumOff val="15000"/>
+                </a:schemeClr>
+              </a:solidFill>
+              <a:effectLst/>
+            </a:endParaRPr>
+          </a:p>
+          <a:p>
+            <a:pPr marL="285750" indent="-285750">
+              <a:lnSpc>
+                <a:spcPct val="150000"/>
+              </a:lnSpc>
+              <a:buFont typeface="Arial" panose="020B0604020202020204" pitchFamily="34" charset="0"/>
+              <a:buChar char="•"/>
+            </a:pPr>
+            <a:r>
+              <a:rPr lang="de-DE" sz="1800" dirty="0">
+                <a:solidFill>
+                  <a:schemeClr val="tx1">
+                    <a:lumMod val="85000"/>
+                    <a:lumOff val="15000"/>
+                  </a:schemeClr>
+                </a:solidFill>
+                <a:effectLst/>
+                <a:latin typeface="Nunito" panose="00000500000000000000" pitchFamily="2" charset="0"/>
+              </a:rPr>
+              <a:t>E-Mail Benachrichtigung</a:t>
+            </a:r>
+            <a:endParaRPr lang="de-DE" sz="2800" dirty="0">
+              <a:solidFill>
+                <a:schemeClr val="tx1">
+                  <a:lumMod val="85000"/>
+                  <a:lumOff val="15000"/>
+                </a:schemeClr>
+              </a:solidFill>
+              <a:effectLst/>
+            </a:endParaRPr>
+          </a:p>
+        </p:txBody>
+      </p:sp>
+      <p:sp>
+        <p:nvSpPr>
+          <p:cNvPr id="61500539" name="Picture Placeholder 8"/>
+          <p:cNvSpPr>
+            <a:spLocks noGrp="1"/>
+          </p:cNvSpPr>
+          <p:nvPr>
+            <p:ph type="pic" sz="quarter" idx="13"/>
+          </p:nvPr>
+        </p:nvSpPr>
+        <p:spPr bwMode="auto">
+          <a:xfrm>
+            <a:off x="4443411" y="633875"/>
+            <a:ext cx="4224337" cy="5591174"/>
+          </a:xfrm>
+          <a:prstGeom prst="rect">
+            <a:avLst/>
+          </a:prstGeom>
+          <a:solidFill>
+            <a:srgbClr val="22E298"/>
+          </a:solidFill>
+        </p:spPr>
+        <p:txBody>
+          <a:bodyPr anchor="ctr"/>
+          <a:lstStyle>
+            <a:lvl1pPr algn="ctr">
+              <a:defRPr>
+                <a:solidFill>
+                  <a:schemeClr val="bg1"/>
+                </a:solidFill>
+              </a:defRPr>
+            </a:lvl1pPr>
+          </a:lstStyle>
+          <a:p>
+            <a:pPr>
+              <a:defRPr/>
+            </a:pPr>
+            <a:endParaRPr/>
+          </a:p>
+        </p:txBody>
+      </p:sp>
+      <p:sp>
+        <p:nvSpPr>
+          <p:cNvPr id="2" name="Fußzeilenplatzhalter 1"/>
           <p:cNvSpPr>
             <a:spLocks noGrp="1"/>
           </p:cNvSpPr>
@@ -9910,7 +10114,64 @@
           </a:p>
         </p:txBody>
       </p:sp>
+      <p:sp>
+        <p:nvSpPr>
+          <p:cNvPr id="3" name="Foliennummernplatzhalter 2"/>
+          <p:cNvSpPr>
+            <a:spLocks noGrp="1"/>
+          </p:cNvSpPr>
+          <p:nvPr>
+            <p:ph type="sldNum" sz="quarter" idx="4"/>
+          </p:nvPr>
+        </p:nvSpPr>
+        <p:spPr bwMode="auto"/>
+        <p:txBody>
+          <a:bodyPr/>
+          <a:lstStyle/>
+          <a:p>
+            <a:pPr>
+              <a:defRPr/>
+            </a:pPr>
+            <a:fld id="{3A98EE3D-8CD1-4C3F-BD1C-C98C9596463C}" type="slidenum">
+              <a:rPr lang="en-US"/>
+              <a:t>15</a:t>
+            </a:fld>
+            <a:endParaRPr lang="en-US"/>
+          </a:p>
+        </p:txBody>
+      </p:sp>
+      <p:sp>
+        <p:nvSpPr>
+          <p:cNvPr id="4" name="Datumsplatzhalter 3"/>
+          <p:cNvSpPr>
+            <a:spLocks noGrp="1"/>
+          </p:cNvSpPr>
+          <p:nvPr>
+            <p:ph type="dt" sz="half" idx="14"/>
+          </p:nvPr>
+        </p:nvSpPr>
+        <p:spPr bwMode="auto"/>
+        <p:txBody>
+          <a:bodyPr/>
+          <a:lstStyle/>
+          <a:p>
+            <a:pPr>
+              <a:defRPr/>
+            </a:pPr>
+            <a:r>
+              <a:rPr lang="de-DE"/>
+              <a:t>Eduard Schwarzkopf </a:t>
+            </a:r>
+            <a:endParaRPr lang="en-US"/>
+          </a:p>
+        </p:txBody>
+      </p:sp>
     </p:spTree>
+    <p:extLst>
+      <p:ext uri="{BB962C8B-B14F-4D97-AF65-F5344CB8AC3E}">
+        <p14:creationId xmlns:p14="http://schemas.microsoft.com/office/powerpoint/2010/main" val="3952315707"/>
+      </p:ext>
+    </p:extLst>
   </p:cSld>
   <p:clrMapOvr>
     <a:masterClrMapping/>
@@ -9949,414 +10210,6 @@
       </p:grpSpPr>
       <p:sp>
         <p:nvSpPr>
-          <p:cNvPr id="8" name="Title 7"/>
-          <p:cNvSpPr>
-            <a:spLocks noGrp="1"/>
-          </p:cNvSpPr>
-          <p:nvPr>
-            <p:ph type="title"/>
-          </p:nvPr>
-        </p:nvSpPr>
-        <p:spPr bwMode="auto"/>
-        <p:txBody>
-          <a:bodyPr>
-            <a:normAutofit/>
-          </a:bodyPr>
-          <a:lstStyle/>
-          <a:p>
-            <a:pPr>
-              <a:defRPr/>
-            </a:pPr>
-            <a:r>
-              <a:rPr lang="de-DE" dirty="0">
-                <a:solidFill>
-                  <a:schemeClr val="tx1">
-                    <a:lumMod val="85000"/>
-                    <a:lumOff val="15000"/>
-                  </a:schemeClr>
-                </a:solidFill>
-                <a:effectLst/>
-                <a:latin typeface="Nunito" panose="00000500000000000000" pitchFamily="2" charset="0"/>
-              </a:rPr>
-              <a:t>Anforderungen</a:t>
-            </a:r>
-            <a:endParaRPr dirty="0">
-              <a:solidFill>
-                <a:schemeClr val="tx1">
-                  <a:lumMod val="85000"/>
-                  <a:lumOff val="15000"/>
-                </a:schemeClr>
-              </a:solidFill>
-            </a:endParaRPr>
-          </a:p>
-        </p:txBody>
-      </p:sp>
-      <p:sp>
-        <p:nvSpPr>
-          <p:cNvPr id="12" name="Content Placeholder 11"/>
-          <p:cNvSpPr>
-            <a:spLocks noGrp="1"/>
-          </p:cNvSpPr>
-          <p:nvPr>
-            <p:ph sz="half" idx="2"/>
-          </p:nvPr>
-        </p:nvSpPr>
-        <p:spPr bwMode="auto"/>
-        <p:txBody>
-          <a:bodyPr>
-            <a:normAutofit/>
-          </a:bodyPr>
-          <a:lstStyle/>
-          <a:p>
-            <a:pPr marL="285750" indent="-285750">
-              <a:lnSpc>
-                <a:spcPct val="150000"/>
-              </a:lnSpc>
-              <a:buFont typeface="Arial" panose="020B0604020202020204" pitchFamily="34" charset="0"/>
-              <a:buChar char="•"/>
-            </a:pPr>
-            <a:r>
-              <a:rPr lang="de-DE" sz="1800" dirty="0">
-                <a:solidFill>
-                  <a:schemeClr val="tx1">
-                    <a:lumMod val="85000"/>
-                    <a:lumOff val="15000"/>
-                  </a:schemeClr>
-                </a:solidFill>
-                <a:effectLst/>
-                <a:latin typeface="Nunito" panose="00000500000000000000" pitchFamily="2" charset="0"/>
-              </a:rPr>
-              <a:t>Webhoster-Unabhängig</a:t>
-            </a:r>
-            <a:endParaRPr lang="de-DE" sz="2800" dirty="0">
-              <a:solidFill>
-                <a:schemeClr val="tx1">
-                  <a:lumMod val="85000"/>
-                  <a:lumOff val="15000"/>
-                </a:schemeClr>
-              </a:solidFill>
-              <a:effectLst/>
-            </a:endParaRPr>
-          </a:p>
-          <a:p>
-            <a:pPr marL="285750" indent="-285750">
-              <a:lnSpc>
-                <a:spcPct val="150000"/>
-              </a:lnSpc>
-              <a:buFont typeface="Arial" panose="020B0604020202020204" pitchFamily="34" charset="0"/>
-              <a:buChar char="•"/>
-            </a:pPr>
-            <a:r>
-              <a:rPr lang="de-DE" sz="1800" dirty="0">
-                <a:solidFill>
-                  <a:schemeClr val="tx1">
-                    <a:lumMod val="85000"/>
-                    <a:lumOff val="15000"/>
-                  </a:schemeClr>
-                </a:solidFill>
-                <a:effectLst/>
-                <a:latin typeface="Nunito" panose="00000500000000000000" pitchFamily="2" charset="0"/>
-              </a:rPr>
-              <a:t>Backups</a:t>
-            </a:r>
-            <a:endParaRPr lang="de-DE" sz="2800" dirty="0">
-              <a:solidFill>
-                <a:schemeClr val="tx1">
-                  <a:lumMod val="85000"/>
-                  <a:lumOff val="15000"/>
-                </a:schemeClr>
-              </a:solidFill>
-              <a:effectLst/>
-            </a:endParaRPr>
-          </a:p>
-          <a:p>
-            <a:pPr marL="285750" indent="-285750">
-              <a:lnSpc>
-                <a:spcPct val="150000"/>
-              </a:lnSpc>
-              <a:buFont typeface="Arial" panose="020B0604020202020204" pitchFamily="34" charset="0"/>
-              <a:buChar char="•"/>
-            </a:pPr>
-            <a:r>
-              <a:rPr lang="de-DE" sz="1800" dirty="0">
-                <a:solidFill>
-                  <a:schemeClr val="tx1">
-                    <a:lumMod val="85000"/>
-                    <a:lumOff val="15000"/>
-                  </a:schemeClr>
-                </a:solidFill>
-                <a:effectLst/>
-                <a:latin typeface="Nunito" panose="00000500000000000000" pitchFamily="2" charset="0"/>
-              </a:rPr>
-              <a:t>Sicherheit</a:t>
-            </a:r>
-            <a:endParaRPr lang="de-DE" sz="2800" dirty="0">
-              <a:solidFill>
-                <a:schemeClr val="tx1">
-                  <a:lumMod val="85000"/>
-                  <a:lumOff val="15000"/>
-                </a:schemeClr>
-              </a:solidFill>
-              <a:effectLst/>
-            </a:endParaRPr>
-          </a:p>
-          <a:p>
-            <a:pPr marL="285750" indent="-285750">
-              <a:lnSpc>
-                <a:spcPct val="150000"/>
-              </a:lnSpc>
-              <a:buFont typeface="Arial" panose="020B0604020202020204" pitchFamily="34" charset="0"/>
-              <a:buChar char="•"/>
-            </a:pPr>
-            <a:r>
-              <a:rPr lang="de-DE" sz="1800" dirty="0">
-                <a:solidFill>
-                  <a:schemeClr val="tx1">
-                    <a:lumMod val="85000"/>
-                    <a:lumOff val="15000"/>
-                  </a:schemeClr>
-                </a:solidFill>
-                <a:effectLst/>
-                <a:latin typeface="Nunito" panose="00000500000000000000" pitchFamily="2" charset="0"/>
-              </a:rPr>
-              <a:t>Dashboard</a:t>
-            </a:r>
-            <a:endParaRPr lang="de-DE" sz="2800" dirty="0">
-              <a:solidFill>
-                <a:schemeClr val="tx1">
-                  <a:lumMod val="85000"/>
-                  <a:lumOff val="15000"/>
-                </a:schemeClr>
-              </a:solidFill>
-              <a:effectLst/>
-            </a:endParaRPr>
-          </a:p>
-          <a:p>
-            <a:pPr marL="285750" indent="-285750">
-              <a:lnSpc>
-                <a:spcPct val="150000"/>
-              </a:lnSpc>
-              <a:buFont typeface="Arial" panose="020B0604020202020204" pitchFamily="34" charset="0"/>
-              <a:buChar char="•"/>
-            </a:pPr>
-            <a:r>
-              <a:rPr lang="de-DE" sz="1800" dirty="0">
-                <a:solidFill>
-                  <a:schemeClr val="tx1">
-                    <a:lumMod val="85000"/>
-                    <a:lumOff val="15000"/>
-                  </a:schemeClr>
-                </a:solidFill>
-                <a:effectLst/>
-                <a:latin typeface="Nunito" panose="00000500000000000000" pitchFamily="2" charset="0"/>
-              </a:rPr>
-              <a:t>Monitoring</a:t>
-            </a:r>
-            <a:endParaRPr lang="de-DE" sz="2800" dirty="0">
-              <a:solidFill>
-                <a:schemeClr val="tx1">
-                  <a:lumMod val="85000"/>
-                  <a:lumOff val="15000"/>
-                </a:schemeClr>
-              </a:solidFill>
-              <a:effectLst/>
-            </a:endParaRPr>
-          </a:p>
-          <a:p>
-            <a:pPr marL="285750" indent="-285750">
-              <a:lnSpc>
-                <a:spcPct val="150000"/>
-              </a:lnSpc>
-              <a:buFont typeface="Arial" panose="020B0604020202020204" pitchFamily="34" charset="0"/>
-              <a:buChar char="•"/>
-            </a:pPr>
-            <a:r>
-              <a:rPr lang="de-DE" sz="1800" dirty="0">
-                <a:solidFill>
-                  <a:schemeClr val="tx1">
-                    <a:lumMod val="85000"/>
-                    <a:lumOff val="15000"/>
-                  </a:schemeClr>
-                </a:solidFill>
-                <a:effectLst/>
-                <a:latin typeface="Nunito" panose="00000500000000000000" pitchFamily="2" charset="0"/>
-              </a:rPr>
-              <a:t>E-Mail Benachrichtigung</a:t>
-            </a:r>
-            <a:endParaRPr lang="de-DE" sz="2800" dirty="0">
-              <a:solidFill>
-                <a:schemeClr val="tx1">
-                  <a:lumMod val="85000"/>
-                  <a:lumOff val="15000"/>
-                </a:schemeClr>
-              </a:solidFill>
-              <a:effectLst/>
-            </a:endParaRPr>
-          </a:p>
-        </p:txBody>
-      </p:sp>
-      <p:sp>
-        <p:nvSpPr>
-          <p:cNvPr id="61500539" name="Picture Placeholder 8"/>
-          <p:cNvSpPr>
-            <a:spLocks noGrp="1"/>
-          </p:cNvSpPr>
-          <p:nvPr>
-            <p:ph type="pic" sz="quarter" idx="13"/>
-          </p:nvPr>
-        </p:nvSpPr>
-        <p:spPr bwMode="auto">
-          <a:xfrm>
-            <a:off x="4443411" y="633875"/>
-            <a:ext cx="4224337" cy="5591174"/>
-          </a:xfrm>
-          <a:prstGeom prst="rect">
-            <a:avLst/>
-          </a:prstGeom>
-          <a:solidFill>
-            <a:srgbClr val="22E298"/>
-          </a:solidFill>
-        </p:spPr>
-        <p:txBody>
-          <a:bodyPr anchor="ctr"/>
-          <a:lstStyle>
-            <a:lvl1pPr algn="ctr">
-              <a:defRPr>
-                <a:solidFill>
-                  <a:schemeClr val="bg1"/>
-                </a:solidFill>
-              </a:defRPr>
-            </a:lvl1pPr>
-          </a:lstStyle>
-          <a:p>
-            <a:pPr>
-              <a:defRPr/>
-            </a:pPr>
-            <a:endParaRPr/>
-          </a:p>
-        </p:txBody>
-      </p:sp>
-      <p:sp>
-        <p:nvSpPr>
-          <p:cNvPr id="2" name="Fußzeilenplatzhalter 1"/>
-          <p:cNvSpPr>
-            <a:spLocks noGrp="1"/>
-          </p:cNvSpPr>
-          <p:nvPr>
-            <p:ph type="ftr" sz="quarter" idx="3"/>
-          </p:nvPr>
-        </p:nvSpPr>
-        <p:spPr bwMode="auto"/>
-        <p:txBody>
-          <a:bodyPr/>
-          <a:lstStyle/>
-          <a:p>
-            <a:pPr>
-              <a:defRPr/>
-            </a:pPr>
-            <a:r>
-              <a:rPr lang="en-US"/>
-              <a:t>Control Center – zwei komponenten Monitoring Tool</a:t>
-            </a:r>
-          </a:p>
-        </p:txBody>
-      </p:sp>
-      <p:sp>
-        <p:nvSpPr>
-          <p:cNvPr id="3" name="Foliennummernplatzhalter 2"/>
-          <p:cNvSpPr>
-            <a:spLocks noGrp="1"/>
-          </p:cNvSpPr>
-          <p:nvPr>
-            <p:ph type="sldNum" sz="quarter" idx="4"/>
-          </p:nvPr>
-        </p:nvSpPr>
-        <p:spPr bwMode="auto"/>
-        <p:txBody>
-          <a:bodyPr/>
-          <a:lstStyle/>
-          <a:p>
-            <a:pPr>
-              <a:defRPr/>
-            </a:pPr>
-            <a:fld id="{3A98EE3D-8CD1-4C3F-BD1C-C98C9596463C}" type="slidenum">
-              <a:rPr lang="en-US"/>
-              <a:t>16</a:t>
-            </a:fld>
-            <a:endParaRPr lang="en-US"/>
-          </a:p>
-        </p:txBody>
-      </p:sp>
-      <p:sp>
-        <p:nvSpPr>
-          <p:cNvPr id="4" name="Datumsplatzhalter 3"/>
-          <p:cNvSpPr>
-            <a:spLocks noGrp="1"/>
-          </p:cNvSpPr>
-          <p:nvPr>
-            <p:ph type="dt" sz="half" idx="14"/>
-          </p:nvPr>
-        </p:nvSpPr>
-        <p:spPr bwMode="auto"/>
-        <p:txBody>
-          <a:bodyPr/>
-          <a:lstStyle/>
-          <a:p>
-            <a:pPr>
-              <a:defRPr/>
-            </a:pPr>
-            <a:r>
-              <a:rPr lang="de-DE"/>
-              <a:t>Eduard Schwarzkopf </a:t>
-            </a:r>
-            <a:endParaRPr lang="en-US"/>
-          </a:p>
-        </p:txBody>
-      </p:sp>
-    </p:spTree>
-    <p:extLst>
-      <p:ext uri="{BB962C8B-B14F-4D97-AF65-F5344CB8AC3E}">
-        <p14:creationId xmlns:p14="http://schemas.microsoft.com/office/powerpoint/2010/main" val="3952315707"/>
-      </p:ext>
-    </p:extLst>
-  </p:cSld>
-  <p:clrMapOvr>
-    <a:masterClrMapping/>
-  </p:clrMapOvr>
-  <mc:AlternateContent xmlns:mc="http://schemas.openxmlformats.org/markup-compatibility/2006" xmlns:p14="http://schemas.microsoft.com/office/powerpoint/2010/main">
-    <mc:Choice Requires="p14">
-      <p:transition spd="med" p14:dur="700">
-        <p:fade/>
-      </p:transition>
-    </mc:Choice>
-    <mc:Fallback xmlns="">
-      <p:transition spd="med">
-        <p:fade/>
-      </p:transition>
-    </mc:Fallback>
-  </mc:AlternateContent>
-</p:sld>
-</file>
-
-<file path=ppt/slides/slide17.xml><?xml version="1.0" encoding="utf-8"?>
-<p:sld xmlns:a="http://schemas.openxmlformats.org/drawingml/2006/main" xmlns:r="http://schemas.openxmlformats.org/officeDocument/2006/relationships" xmlns:p="http://schemas.openxmlformats.org/presentationml/2006/main" showMasterPhAnim="0">
-  <p:cSld>
-    <p:spTree>
-      <p:nvGrpSpPr>
-        <p:cNvPr id="1" name=""/>
-        <p:cNvGrpSpPr/>
-        <p:nvPr/>
-      </p:nvGrpSpPr>
-      <p:grpSpPr bwMode="auto">
-        <a:xfrm>
-          <a:off x="0" y="0"/>
-          <a:ext cx="0" cy="0"/>
-          <a:chOff x="0" y="0"/>
-          <a:chExt cx="0" cy="0"/>
-        </a:xfrm>
-      </p:grpSpPr>
-      <p:sp>
-        <p:nvSpPr>
           <p:cNvPr id="2" name="Title 1"/>
           <p:cNvSpPr>
             <a:spLocks noGrp="1"/>
@@ -10621,7 +10474,7 @@
             </a:pPr>
             <a:fld id="{3A98EE3D-8CD1-4C3F-BD1C-C98C9596463C}" type="slidenum">
               <a:rPr lang="en-US"/>
-              <a:t>17</a:t>
+              <a:t>16</a:t>
             </a:fld>
             <a:endParaRPr lang="en-US"/>
           </a:p>
@@ -10714,7 +10567,7 @@
 </p:sld>
 </file>
 
-<file path=ppt/slides/slide18.xml><?xml version="1.0" encoding="utf-8"?>
+<file path=ppt/slides/slide17.xml><?xml version="1.0" encoding="utf-8"?>
 <p:sld xmlns:a="http://schemas.openxmlformats.org/drawingml/2006/main" xmlns:r="http://schemas.openxmlformats.org/officeDocument/2006/relationships" xmlns:p="http://schemas.openxmlformats.org/presentationml/2006/main" showMasterPhAnim="0">
   <p:cSld>
     <p:spTree>
@@ -10986,7 +10839,7 @@
             </a:pPr>
             <a:fld id="{3A98EE3D-8CD1-4C3F-BD1C-C98C9596463C}" type="slidenum">
               <a:rPr lang="en-US"/>
-              <a:t>18</a:t>
+              <a:t>17</a:t>
             </a:fld>
             <a:endParaRPr lang="en-US"/>
           </a:p>
@@ -11079,7 +10932,7 @@
 </p:sld>
 </file>
 
-<file path=ppt/slides/slide19.xml><?xml version="1.0" encoding="utf-8"?>
+<file path=ppt/slides/slide18.xml><?xml version="1.0" encoding="utf-8"?>
 <p:sld xmlns:a="http://schemas.openxmlformats.org/drawingml/2006/main" xmlns:r="http://schemas.openxmlformats.org/officeDocument/2006/relationships" xmlns:p="http://schemas.openxmlformats.org/presentationml/2006/main" showMasterPhAnim="0">
   <p:cSld>
     <p:spTree>
@@ -11262,7 +11115,7 @@
             </a:pPr>
             <a:fld id="{3A98EE3D-8CD1-4C3F-BD1C-C98C9596463C}" type="slidenum">
               <a:rPr lang="en-US"/>
-              <a:t>19</a:t>
+              <a:t>18</a:t>
             </a:fld>
             <a:endParaRPr lang="en-US"/>
           </a:p>
@@ -11353,297 +11206,7 @@
 </p:sld>
 </file>
 
-<file path=ppt/slides/slide2.xml><?xml version="1.0" encoding="utf-8"?>
-<p:sld xmlns:a="http://schemas.openxmlformats.org/drawingml/2006/main" xmlns:r="http://schemas.openxmlformats.org/officeDocument/2006/relationships" xmlns:p="http://schemas.openxmlformats.org/presentationml/2006/main" showMasterPhAnim="0">
-  <p:cSld>
-    <p:spTree>
-      <p:nvGrpSpPr>
-        <p:cNvPr id="1" name=""/>
-        <p:cNvGrpSpPr/>
-        <p:nvPr/>
-      </p:nvGrpSpPr>
-      <p:grpSpPr bwMode="auto">
-        <a:xfrm>
-          <a:off x="0" y="0"/>
-          <a:ext cx="0" cy="0"/>
-          <a:chOff x="0" y="0"/>
-          <a:chExt cx="0" cy="0"/>
-        </a:xfrm>
-      </p:grpSpPr>
-      <p:sp>
-        <p:nvSpPr>
-          <p:cNvPr id="19" name="Title 18"/>
-          <p:cNvSpPr>
-            <a:spLocks noGrp="1"/>
-          </p:cNvSpPr>
-          <p:nvPr>
-            <p:ph type="title"/>
-          </p:nvPr>
-        </p:nvSpPr>
-        <p:spPr bwMode="auto"/>
-        <p:txBody>
-          <a:bodyPr/>
-          <a:lstStyle/>
-          <a:p>
-            <a:pPr>
-              <a:defRPr/>
-            </a:pPr>
-            <a:r>
-              <a:rPr lang="en-US">
-                <a:solidFill>
-                  <a:schemeClr val="tx1">
-                    <a:lumMod val="85000"/>
-                    <a:lumOff val="15000"/>
-                  </a:schemeClr>
-                </a:solidFill>
-              </a:rPr>
-              <a:t>Inhalt</a:t>
-            </a:r>
-          </a:p>
-        </p:txBody>
-      </p:sp>
-      <p:sp>
-        <p:nvSpPr>
-          <p:cNvPr id="17" name="Content Placeholder 16"/>
-          <p:cNvSpPr>
-            <a:spLocks noGrp="1"/>
-          </p:cNvSpPr>
-          <p:nvPr>
-            <p:ph sz="half" idx="2"/>
-          </p:nvPr>
-        </p:nvSpPr>
-        <p:spPr bwMode="auto"/>
-        <p:txBody>
-          <a:bodyPr>
-            <a:normAutofit/>
-          </a:bodyPr>
-          <a:lstStyle/>
-          <a:p>
-            <a:pPr>
-              <a:lnSpc>
-                <a:spcPct val="150000"/>
-              </a:lnSpc>
-              <a:defRPr/>
-            </a:pPr>
-            <a:r>
-              <a:rPr lang="en-US" sz="1800" dirty="0" err="1">
-                <a:solidFill>
-                  <a:srgbClr val="22E298"/>
-                </a:solidFill>
-              </a:rPr>
-              <a:t>Vorstellung</a:t>
-            </a:r>
-            <a:endParaRPr lang="en-US" sz="1800" dirty="0">
-              <a:solidFill>
-                <a:srgbClr val="22E298"/>
-              </a:solidFill>
-            </a:endParaRPr>
-          </a:p>
-          <a:p>
-            <a:pPr>
-              <a:lnSpc>
-                <a:spcPct val="150000"/>
-              </a:lnSpc>
-              <a:defRPr/>
-            </a:pPr>
-            <a:r>
-              <a:rPr lang="en-US" sz="1800" dirty="0" err="1">
-                <a:solidFill>
-                  <a:schemeClr val="tx1">
-                    <a:lumMod val="85000"/>
-                    <a:lumOff val="15000"/>
-                  </a:schemeClr>
-                </a:solidFill>
-              </a:rPr>
-              <a:t>Thematik</a:t>
-            </a:r>
-            <a:endParaRPr lang="en-US" sz="1800" dirty="0">
-              <a:solidFill>
-                <a:schemeClr val="tx1">
-                  <a:lumMod val="85000"/>
-                  <a:lumOff val="15000"/>
-                </a:schemeClr>
-              </a:solidFill>
-            </a:endParaRPr>
-          </a:p>
-          <a:p>
-            <a:pPr>
-              <a:lnSpc>
-                <a:spcPct val="150000"/>
-              </a:lnSpc>
-              <a:defRPr/>
-            </a:pPr>
-            <a:r>
-              <a:rPr lang="en-US" sz="1800" dirty="0" err="1">
-                <a:solidFill>
-                  <a:schemeClr val="tx1">
-                    <a:lumMod val="85000"/>
-                    <a:lumOff val="15000"/>
-                  </a:schemeClr>
-                </a:solidFill>
-              </a:rPr>
-              <a:t>Analyse</a:t>
-            </a:r>
-            <a:endParaRPr lang="en-US" sz="1800" dirty="0">
-              <a:solidFill>
-                <a:schemeClr val="tx1">
-                  <a:lumMod val="85000"/>
-                  <a:lumOff val="15000"/>
-                </a:schemeClr>
-              </a:solidFill>
-            </a:endParaRPr>
-          </a:p>
-          <a:p>
-            <a:pPr>
-              <a:lnSpc>
-                <a:spcPct val="150000"/>
-              </a:lnSpc>
-              <a:defRPr/>
-            </a:pPr>
-            <a:r>
-              <a:rPr lang="en-US" sz="1800" dirty="0" err="1">
-                <a:solidFill>
-                  <a:schemeClr val="tx1">
-                    <a:lumMod val="85000"/>
-                    <a:lumOff val="15000"/>
-                  </a:schemeClr>
-                </a:solidFill>
-              </a:rPr>
-              <a:t>Entwurf</a:t>
-            </a:r>
-            <a:endParaRPr lang="en-US" sz="1800" dirty="0">
-              <a:solidFill>
-                <a:schemeClr val="tx1">
-                  <a:lumMod val="85000"/>
-                  <a:lumOff val="15000"/>
-                </a:schemeClr>
-              </a:solidFill>
-            </a:endParaRPr>
-          </a:p>
-          <a:p>
-            <a:pPr>
-              <a:lnSpc>
-                <a:spcPct val="150000"/>
-              </a:lnSpc>
-              <a:defRPr/>
-            </a:pPr>
-            <a:r>
-              <a:rPr lang="en-US" sz="1800" dirty="0" err="1">
-                <a:solidFill>
-                  <a:schemeClr val="tx1">
-                    <a:lumMod val="85000"/>
-                    <a:lumOff val="15000"/>
-                  </a:schemeClr>
-                </a:solidFill>
-              </a:rPr>
-              <a:t>Implementierung</a:t>
-            </a:r>
-            <a:endParaRPr lang="en-US" sz="1800" dirty="0">
-              <a:solidFill>
-                <a:schemeClr val="tx1">
-                  <a:lumMod val="85000"/>
-                  <a:lumOff val="15000"/>
-                </a:schemeClr>
-              </a:solidFill>
-            </a:endParaRPr>
-          </a:p>
-          <a:p>
-            <a:pPr>
-              <a:lnSpc>
-                <a:spcPct val="150000"/>
-              </a:lnSpc>
-              <a:defRPr/>
-            </a:pPr>
-            <a:r>
-              <a:rPr lang="en-US" sz="1800" dirty="0" err="1">
-                <a:solidFill>
-                  <a:schemeClr val="tx1">
-                    <a:lumMod val="85000"/>
-                    <a:lumOff val="15000"/>
-                  </a:schemeClr>
-                </a:solidFill>
-              </a:rPr>
-              <a:t>Fazit</a:t>
-            </a:r>
-            <a:r>
-              <a:rPr lang="en-US" sz="1800" dirty="0">
-                <a:solidFill>
-                  <a:schemeClr val="tx1">
-                    <a:lumMod val="85000"/>
-                    <a:lumOff val="15000"/>
-                  </a:schemeClr>
-                </a:solidFill>
-              </a:rPr>
-              <a:t> und </a:t>
-            </a:r>
-            <a:r>
-              <a:rPr lang="en-US" sz="1800" dirty="0" err="1">
-                <a:solidFill>
-                  <a:schemeClr val="tx1">
-                    <a:lumMod val="85000"/>
-                    <a:lumOff val="15000"/>
-                  </a:schemeClr>
-                </a:solidFill>
-              </a:rPr>
-              <a:t>Ausblick</a:t>
-            </a:r>
-            <a:endParaRPr lang="en-US" sz="1800" dirty="0">
-              <a:solidFill>
-                <a:schemeClr val="tx1">
-                  <a:lumMod val="85000"/>
-                  <a:lumOff val="15000"/>
-                </a:schemeClr>
-              </a:solidFill>
-            </a:endParaRPr>
-          </a:p>
-        </p:txBody>
-      </p:sp>
-      <p:sp>
-        <p:nvSpPr>
-          <p:cNvPr id="2" name="Fußzeilenplatzhalter 1"/>
-          <p:cNvSpPr>
-            <a:spLocks noGrp="1"/>
-          </p:cNvSpPr>
-          <p:nvPr>
-            <p:ph type="ftr" sz="quarter" idx="3"/>
-          </p:nvPr>
-        </p:nvSpPr>
-        <p:spPr bwMode="auto"/>
-        <p:txBody>
-          <a:bodyPr/>
-          <a:lstStyle/>
-          <a:p>
-            <a:pPr>
-              <a:defRPr/>
-            </a:pPr>
-            <a:r>
-              <a:rPr lang="en-US"/>
-              <a:t>Control Center – zwei komponenten Monitoring Tool</a:t>
-            </a:r>
-          </a:p>
-        </p:txBody>
-      </p:sp>
-    </p:spTree>
-  </p:cSld>
-  <p:clrMapOvr>
-    <a:masterClrMapping/>
-  </p:clrMapOvr>
-  <mc:AlternateContent xmlns:mc="http://schemas.openxmlformats.org/markup-compatibility/2006" xmlns:p14="http://schemas.microsoft.com/office/powerpoint/2010/main">
-    <mc:Choice Requires="p14">
-      <p:transition spd="med" p14:dur="700">
-        <p:fade/>
-      </p:transition>
-    </mc:Choice>
-    <mc:Fallback xmlns="">
-      <p:transition spd="med">
-        <p:fade/>
-      </p:transition>
-    </mc:Fallback>
-  </mc:AlternateContent>
-</p:sld>
-</file>
-
-<file path=ppt/slides/slide20.xml><?xml version="1.0" encoding="utf-8"?>
+<file path=ppt/slides/slide19.xml><?xml version="1.0" encoding="utf-8"?>
 <p:sld xmlns:a="http://schemas.openxmlformats.org/drawingml/2006/main" xmlns:r="http://schemas.openxmlformats.org/officeDocument/2006/relationships" xmlns:p="http://schemas.openxmlformats.org/presentationml/2006/main" showMasterPhAnim="0">
   <p:cSld>
     <p:spTree>
@@ -11810,7 +11373,7 @@
             </a:pPr>
             <a:fld id="{3A98EE3D-8CD1-4C3F-BD1C-C98C9596463C}" type="slidenum">
               <a:rPr lang="en-US"/>
-              <a:t>20</a:t>
+              <a:t>19</a:t>
             </a:fld>
             <a:endParaRPr lang="en-US"/>
           </a:p>
@@ -11901,6 +11464,558 @@
 </p:sld>
 </file>
 
+<file path=ppt/slides/slide2.xml><?xml version="1.0" encoding="utf-8"?>
+<p:sld xmlns:a="http://schemas.openxmlformats.org/drawingml/2006/main" xmlns:r="http://schemas.openxmlformats.org/officeDocument/2006/relationships" xmlns:p="http://schemas.openxmlformats.org/presentationml/2006/main" showMasterPhAnim="0">
+  <p:cSld>
+    <p:spTree>
+      <p:nvGrpSpPr>
+        <p:cNvPr id="1" name=""/>
+        <p:cNvGrpSpPr/>
+        <p:nvPr/>
+      </p:nvGrpSpPr>
+      <p:grpSpPr bwMode="auto">
+        <a:xfrm>
+          <a:off x="0" y="0"/>
+          <a:ext cx="0" cy="0"/>
+          <a:chOff x="0" y="0"/>
+          <a:chExt cx="0" cy="0"/>
+        </a:xfrm>
+      </p:grpSpPr>
+      <p:sp>
+        <p:nvSpPr>
+          <p:cNvPr id="19" name="Title 18"/>
+          <p:cNvSpPr>
+            <a:spLocks noGrp="1"/>
+          </p:cNvSpPr>
+          <p:nvPr>
+            <p:ph type="title"/>
+          </p:nvPr>
+        </p:nvSpPr>
+        <p:spPr bwMode="auto"/>
+        <p:txBody>
+          <a:bodyPr/>
+          <a:lstStyle/>
+          <a:p>
+            <a:pPr>
+              <a:defRPr/>
+            </a:pPr>
+            <a:r>
+              <a:rPr lang="en-US">
+                <a:solidFill>
+                  <a:schemeClr val="tx1">
+                    <a:lumMod val="85000"/>
+                    <a:lumOff val="15000"/>
+                  </a:schemeClr>
+                </a:solidFill>
+              </a:rPr>
+              <a:t>Inhalt</a:t>
+            </a:r>
+          </a:p>
+        </p:txBody>
+      </p:sp>
+      <p:sp>
+        <p:nvSpPr>
+          <p:cNvPr id="17" name="Content Placeholder 16"/>
+          <p:cNvSpPr>
+            <a:spLocks noGrp="1"/>
+          </p:cNvSpPr>
+          <p:nvPr>
+            <p:ph sz="half" idx="2"/>
+          </p:nvPr>
+        </p:nvSpPr>
+        <p:spPr bwMode="auto"/>
+        <p:txBody>
+          <a:bodyPr>
+            <a:normAutofit/>
+          </a:bodyPr>
+          <a:lstStyle/>
+          <a:p>
+            <a:pPr>
+              <a:lnSpc>
+                <a:spcPct val="150000"/>
+              </a:lnSpc>
+              <a:defRPr/>
+            </a:pPr>
+            <a:r>
+              <a:rPr lang="en-US" sz="1800" dirty="0" err="1">
+                <a:solidFill>
+                  <a:srgbClr val="22E298"/>
+                </a:solidFill>
+              </a:rPr>
+              <a:t>Vorstellung</a:t>
+            </a:r>
+            <a:endParaRPr lang="en-US" sz="1800" dirty="0">
+              <a:solidFill>
+                <a:srgbClr val="22E298"/>
+              </a:solidFill>
+            </a:endParaRPr>
+          </a:p>
+          <a:p>
+            <a:pPr>
+              <a:lnSpc>
+                <a:spcPct val="150000"/>
+              </a:lnSpc>
+              <a:defRPr/>
+            </a:pPr>
+            <a:r>
+              <a:rPr lang="en-US" sz="1800" dirty="0" err="1">
+                <a:solidFill>
+                  <a:schemeClr val="tx1">
+                    <a:lumMod val="85000"/>
+                    <a:lumOff val="15000"/>
+                  </a:schemeClr>
+                </a:solidFill>
+              </a:rPr>
+              <a:t>Thematik</a:t>
+            </a:r>
+            <a:endParaRPr lang="en-US" sz="1800" dirty="0">
+              <a:solidFill>
+                <a:schemeClr val="tx1">
+                  <a:lumMod val="85000"/>
+                  <a:lumOff val="15000"/>
+                </a:schemeClr>
+              </a:solidFill>
+            </a:endParaRPr>
+          </a:p>
+          <a:p>
+            <a:pPr>
+              <a:lnSpc>
+                <a:spcPct val="150000"/>
+              </a:lnSpc>
+              <a:defRPr/>
+            </a:pPr>
+            <a:r>
+              <a:rPr lang="en-US" sz="1800" dirty="0" err="1">
+                <a:solidFill>
+                  <a:schemeClr val="tx1">
+                    <a:lumMod val="85000"/>
+                    <a:lumOff val="15000"/>
+                  </a:schemeClr>
+                </a:solidFill>
+              </a:rPr>
+              <a:t>Analyse</a:t>
+            </a:r>
+            <a:endParaRPr lang="en-US" sz="1800" dirty="0">
+              <a:solidFill>
+                <a:schemeClr val="tx1">
+                  <a:lumMod val="85000"/>
+                  <a:lumOff val="15000"/>
+                </a:schemeClr>
+              </a:solidFill>
+            </a:endParaRPr>
+          </a:p>
+          <a:p>
+            <a:pPr>
+              <a:lnSpc>
+                <a:spcPct val="150000"/>
+              </a:lnSpc>
+              <a:defRPr/>
+            </a:pPr>
+            <a:r>
+              <a:rPr lang="en-US" sz="1800" dirty="0" err="1">
+                <a:solidFill>
+                  <a:schemeClr val="tx1">
+                    <a:lumMod val="85000"/>
+                    <a:lumOff val="15000"/>
+                  </a:schemeClr>
+                </a:solidFill>
+              </a:rPr>
+              <a:t>Entwurf</a:t>
+            </a:r>
+            <a:endParaRPr lang="en-US" sz="1800" dirty="0">
+              <a:solidFill>
+                <a:schemeClr val="tx1">
+                  <a:lumMod val="85000"/>
+                  <a:lumOff val="15000"/>
+                </a:schemeClr>
+              </a:solidFill>
+            </a:endParaRPr>
+          </a:p>
+          <a:p>
+            <a:pPr>
+              <a:lnSpc>
+                <a:spcPct val="150000"/>
+              </a:lnSpc>
+              <a:defRPr/>
+            </a:pPr>
+            <a:r>
+              <a:rPr lang="en-US" sz="1800" dirty="0" err="1">
+                <a:solidFill>
+                  <a:schemeClr val="tx1">
+                    <a:lumMod val="85000"/>
+                    <a:lumOff val="15000"/>
+                  </a:schemeClr>
+                </a:solidFill>
+              </a:rPr>
+              <a:t>Implementierung</a:t>
+            </a:r>
+            <a:endParaRPr lang="en-US" sz="1800" dirty="0">
+              <a:solidFill>
+                <a:schemeClr val="tx1">
+                  <a:lumMod val="85000"/>
+                  <a:lumOff val="15000"/>
+                </a:schemeClr>
+              </a:solidFill>
+            </a:endParaRPr>
+          </a:p>
+          <a:p>
+            <a:pPr>
+              <a:lnSpc>
+                <a:spcPct val="150000"/>
+              </a:lnSpc>
+              <a:defRPr/>
+            </a:pPr>
+            <a:r>
+              <a:rPr lang="en-US" sz="1800" dirty="0" err="1">
+                <a:solidFill>
+                  <a:schemeClr val="tx1">
+                    <a:lumMod val="85000"/>
+                    <a:lumOff val="15000"/>
+                  </a:schemeClr>
+                </a:solidFill>
+              </a:rPr>
+              <a:t>Fazit</a:t>
+            </a:r>
+            <a:r>
+              <a:rPr lang="en-US" sz="1800" dirty="0">
+                <a:solidFill>
+                  <a:schemeClr val="tx1">
+                    <a:lumMod val="85000"/>
+                    <a:lumOff val="15000"/>
+                  </a:schemeClr>
+                </a:solidFill>
+              </a:rPr>
+              <a:t> und </a:t>
+            </a:r>
+            <a:r>
+              <a:rPr lang="en-US" sz="1800" dirty="0" err="1">
+                <a:solidFill>
+                  <a:schemeClr val="tx1">
+                    <a:lumMod val="85000"/>
+                    <a:lumOff val="15000"/>
+                  </a:schemeClr>
+                </a:solidFill>
+              </a:rPr>
+              <a:t>Ausblick</a:t>
+            </a:r>
+            <a:endParaRPr lang="en-US" sz="1800" dirty="0">
+              <a:solidFill>
+                <a:schemeClr val="tx1">
+                  <a:lumMod val="85000"/>
+                  <a:lumOff val="15000"/>
+                </a:schemeClr>
+              </a:solidFill>
+            </a:endParaRPr>
+          </a:p>
+        </p:txBody>
+      </p:sp>
+      <p:sp>
+        <p:nvSpPr>
+          <p:cNvPr id="2" name="Fußzeilenplatzhalter 1"/>
+          <p:cNvSpPr>
+            <a:spLocks noGrp="1"/>
+          </p:cNvSpPr>
+          <p:nvPr>
+            <p:ph type="ftr" sz="quarter" idx="3"/>
+          </p:nvPr>
+        </p:nvSpPr>
+        <p:spPr bwMode="auto"/>
+        <p:txBody>
+          <a:bodyPr/>
+          <a:lstStyle/>
+          <a:p>
+            <a:pPr>
+              <a:defRPr/>
+            </a:pPr>
+            <a:r>
+              <a:rPr lang="en-US"/>
+              <a:t>Control Center – zwei komponenten Monitoring Tool</a:t>
+            </a:r>
+          </a:p>
+        </p:txBody>
+      </p:sp>
+    </p:spTree>
+  </p:cSld>
+  <p:clrMapOvr>
+    <a:masterClrMapping/>
+  </p:clrMapOvr>
+  <mc:AlternateContent xmlns:mc="http://schemas.openxmlformats.org/markup-compatibility/2006" xmlns:p14="http://schemas.microsoft.com/office/powerpoint/2010/main">
+    <mc:Choice Requires="p14">
+      <p:transition spd="med" p14:dur="700">
+        <p:fade/>
+      </p:transition>
+    </mc:Choice>
+    <mc:Fallback xmlns="">
+      <p:transition spd="med">
+        <p:fade/>
+      </p:transition>
+    </mc:Fallback>
+  </mc:AlternateContent>
+</p:sld>
+</file>
+
+<file path=ppt/slides/slide20.xml><?xml version="1.0" encoding="utf-8"?>
+<p:sld xmlns:a="http://schemas.openxmlformats.org/drawingml/2006/main" xmlns:r="http://schemas.openxmlformats.org/officeDocument/2006/relationships" xmlns:p="http://schemas.openxmlformats.org/presentationml/2006/main" showMasterPhAnim="0">
+  <p:cSld>
+    <p:spTree>
+      <p:nvGrpSpPr>
+        <p:cNvPr id="1" name=""/>
+        <p:cNvGrpSpPr/>
+        <p:nvPr/>
+      </p:nvGrpSpPr>
+      <p:grpSpPr bwMode="auto">
+        <a:xfrm>
+          <a:off x="0" y="0"/>
+          <a:ext cx="0" cy="0"/>
+          <a:chOff x="0" y="0"/>
+          <a:chExt cx="0" cy="0"/>
+        </a:xfrm>
+      </p:grpSpPr>
+      <p:sp>
+        <p:nvSpPr>
+          <p:cNvPr id="812698438" name="Title 18"/>
+          <p:cNvSpPr>
+            <a:spLocks noGrp="1"/>
+          </p:cNvSpPr>
+          <p:nvPr>
+            <p:ph type="title"/>
+          </p:nvPr>
+        </p:nvSpPr>
+        <p:spPr bwMode="auto"/>
+        <p:txBody>
+          <a:bodyPr/>
+          <a:lstStyle/>
+          <a:p>
+            <a:pPr>
+              <a:defRPr/>
+            </a:pPr>
+            <a:r>
+              <a:rPr lang="en-US" dirty="0" err="1">
+                <a:solidFill>
+                  <a:schemeClr val="tx1">
+                    <a:lumMod val="85000"/>
+                    <a:lumOff val="15000"/>
+                  </a:schemeClr>
+                </a:solidFill>
+              </a:rPr>
+              <a:t>Inhalt</a:t>
+            </a:r>
+            <a:endParaRPr lang="en-US" dirty="0">
+              <a:solidFill>
+                <a:schemeClr val="tx1">
+                  <a:lumMod val="85000"/>
+                  <a:lumOff val="15000"/>
+                </a:schemeClr>
+              </a:solidFill>
+            </a:endParaRPr>
+          </a:p>
+        </p:txBody>
+      </p:sp>
+      <p:sp>
+        <p:nvSpPr>
+          <p:cNvPr id="959296412" name="Content Placeholder 16"/>
+          <p:cNvSpPr>
+            <a:spLocks noGrp="1"/>
+          </p:cNvSpPr>
+          <p:nvPr>
+            <p:ph sz="half" idx="2"/>
+          </p:nvPr>
+        </p:nvSpPr>
+        <p:spPr bwMode="auto"/>
+        <p:txBody>
+          <a:bodyPr>
+            <a:normAutofit/>
+          </a:bodyPr>
+          <a:lstStyle/>
+          <a:p>
+            <a:pPr>
+              <a:lnSpc>
+                <a:spcPct val="150000"/>
+              </a:lnSpc>
+              <a:defRPr/>
+            </a:pPr>
+            <a:r>
+              <a:rPr lang="en-US" sz="1800" dirty="0" err="1">
+                <a:solidFill>
+                  <a:srgbClr val="D0D1D9"/>
+                </a:solidFill>
+              </a:rPr>
+              <a:t>Vorstellung</a:t>
+            </a:r>
+            <a:endParaRPr lang="en-US" sz="1800" dirty="0">
+              <a:solidFill>
+                <a:srgbClr val="D0D1D9"/>
+              </a:solidFill>
+            </a:endParaRPr>
+          </a:p>
+          <a:p>
+            <a:pPr>
+              <a:lnSpc>
+                <a:spcPct val="150000"/>
+              </a:lnSpc>
+              <a:defRPr/>
+            </a:pPr>
+            <a:r>
+              <a:rPr lang="en-US" sz="1800" dirty="0" err="1">
+                <a:solidFill>
+                  <a:srgbClr val="D0D1D9"/>
+                </a:solidFill>
+              </a:rPr>
+              <a:t>Thematik</a:t>
+            </a:r>
+            <a:endParaRPr lang="en-US" sz="1800" dirty="0">
+              <a:solidFill>
+                <a:srgbClr val="D0D1D9"/>
+              </a:solidFill>
+            </a:endParaRPr>
+          </a:p>
+          <a:p>
+            <a:pPr>
+              <a:lnSpc>
+                <a:spcPct val="150000"/>
+              </a:lnSpc>
+              <a:defRPr/>
+            </a:pPr>
+            <a:r>
+              <a:rPr lang="en-US" sz="1800" dirty="0" err="1">
+                <a:solidFill>
+                  <a:srgbClr val="D0D1D9"/>
+                </a:solidFill>
+              </a:rPr>
+              <a:t>Analyse</a:t>
+            </a:r>
+            <a:endParaRPr lang="en-US" sz="1800" dirty="0">
+              <a:solidFill>
+                <a:srgbClr val="D0D1D9"/>
+              </a:solidFill>
+            </a:endParaRPr>
+          </a:p>
+          <a:p>
+            <a:pPr>
+              <a:lnSpc>
+                <a:spcPct val="150000"/>
+              </a:lnSpc>
+              <a:defRPr/>
+            </a:pPr>
+            <a:r>
+              <a:rPr lang="en-US" sz="1800" dirty="0" err="1">
+                <a:solidFill>
+                  <a:srgbClr val="D0D1D9"/>
+                </a:solidFill>
+              </a:rPr>
+              <a:t>Entwurf</a:t>
+            </a:r>
+            <a:endParaRPr sz="1800" dirty="0">
+              <a:solidFill>
+                <a:srgbClr val="D0D1D9"/>
+              </a:solidFill>
+            </a:endParaRPr>
+          </a:p>
+          <a:p>
+            <a:pPr>
+              <a:lnSpc>
+                <a:spcPct val="150000"/>
+              </a:lnSpc>
+              <a:defRPr/>
+            </a:pPr>
+            <a:r>
+              <a:rPr lang="en-US" sz="1800" dirty="0" err="1">
+                <a:solidFill>
+                  <a:srgbClr val="D0D1D9"/>
+                </a:solidFill>
+              </a:rPr>
+              <a:t>Implementierung</a:t>
+            </a:r>
+            <a:endParaRPr sz="1800" dirty="0">
+              <a:solidFill>
+                <a:srgbClr val="D0D1D9"/>
+              </a:solidFill>
+            </a:endParaRPr>
+          </a:p>
+          <a:p>
+            <a:pPr>
+              <a:lnSpc>
+                <a:spcPct val="150000"/>
+              </a:lnSpc>
+              <a:defRPr/>
+            </a:pPr>
+            <a:r>
+              <a:rPr lang="en-US" sz="1800" dirty="0" err="1">
+                <a:solidFill>
+                  <a:srgbClr val="22E298"/>
+                </a:solidFill>
+              </a:rPr>
+              <a:t>Fazit</a:t>
+            </a:r>
+            <a:r>
+              <a:rPr lang="en-US" sz="1800" dirty="0">
+                <a:solidFill>
+                  <a:srgbClr val="22E298"/>
+                </a:solidFill>
+              </a:rPr>
+              <a:t> und </a:t>
+            </a:r>
+            <a:r>
+              <a:rPr lang="en-US" sz="1800" dirty="0" err="1">
+                <a:solidFill>
+                  <a:srgbClr val="22E298"/>
+                </a:solidFill>
+              </a:rPr>
+              <a:t>Ausblick</a:t>
+            </a:r>
+            <a:endParaRPr sz="1800" dirty="0">
+              <a:solidFill>
+                <a:srgbClr val="22E298"/>
+              </a:solidFill>
+            </a:endParaRPr>
+          </a:p>
+        </p:txBody>
+      </p:sp>
+      <p:sp>
+        <p:nvSpPr>
+          <p:cNvPr id="847358779" name="Fußzeilenplatzhalter 1"/>
+          <p:cNvSpPr>
+            <a:spLocks noGrp="1"/>
+          </p:cNvSpPr>
+          <p:nvPr>
+            <p:ph type="ftr" sz="quarter" idx="3"/>
+          </p:nvPr>
+        </p:nvSpPr>
+        <p:spPr bwMode="auto"/>
+        <p:txBody>
+          <a:bodyPr/>
+          <a:lstStyle/>
+          <a:p>
+            <a:pPr>
+              <a:defRPr/>
+            </a:pPr>
+            <a:r>
+              <a:rPr lang="en-US"/>
+              <a:t>Control Center – zwei komponenten Monitoring Tool</a:t>
+            </a:r>
+          </a:p>
+        </p:txBody>
+      </p:sp>
+    </p:spTree>
+  </p:cSld>
+  <p:clrMapOvr>
+    <a:masterClrMapping/>
+  </p:clrMapOvr>
+  <mc:AlternateContent xmlns:mc="http://schemas.openxmlformats.org/markup-compatibility/2006" xmlns:p14="http://schemas.microsoft.com/office/powerpoint/2010/main">
+    <mc:Choice Requires="p14">
+      <p:transition spd="med" p14:dur="700">
+        <p:fade/>
+      </p:transition>
+    </mc:Choice>
+    <mc:Fallback xmlns="">
+      <p:transition spd="med">
+        <p:fade/>
+      </p:transition>
+    </mc:Fallback>
+  </mc:AlternateContent>
+</p:sld>
+</file>
+
 <file path=ppt/slides/slide21.xml><?xml version="1.0" encoding="utf-8"?>
 <p:sld xmlns:a="http://schemas.openxmlformats.org/drawingml/2006/main" xmlns:r="http://schemas.openxmlformats.org/officeDocument/2006/relationships" xmlns:p="http://schemas.openxmlformats.org/presentationml/2006/main" showMasterPhAnim="0">
   <p:cSld>
@@ -11920,7 +12035,7 @@
       </p:grpSpPr>
       <p:sp>
         <p:nvSpPr>
-          <p:cNvPr id="812698438" name="Title 18"/>
+          <p:cNvPr id="8" name="Title 7"/>
           <p:cNvSpPr>
             <a:spLocks noGrp="1"/>
           </p:cNvSpPr>
@@ -11937,7 +12052,7 @@
               <a:defRPr/>
             </a:pPr>
             <a:r>
-              <a:rPr lang="en-US" dirty="0" err="1">
+              <a:rPr lang="en-US" dirty="0">
                 <a:solidFill>
                   <a:schemeClr val="tx1">
                     <a:lumMod val="85000"/>
@@ -11945,7 +12060,40 @@
                   </a:schemeClr>
                 </a:solidFill>
               </a:rPr>
-              <a:t>Inhalt</a:t>
+              <a:t>Soll / </a:t>
+            </a:r>
+            <a:r>
+              <a:rPr lang="en-US" dirty="0" err="1">
+                <a:solidFill>
+                  <a:schemeClr val="tx1">
+                    <a:lumMod val="85000"/>
+                    <a:lumOff val="15000"/>
+                  </a:schemeClr>
+                </a:solidFill>
+              </a:rPr>
+              <a:t>Ist</a:t>
+            </a:r>
+            <a:r>
+              <a:rPr lang="en-US" dirty="0">
+                <a:solidFill>
+                  <a:schemeClr val="tx1">
+                    <a:lumMod val="85000"/>
+                    <a:lumOff val="15000"/>
+                  </a:schemeClr>
+                </a:solidFill>
+              </a:rPr>
+              <a:t> </a:t>
+            </a:r>
+            <a:r>
+              <a:rPr lang="en-US" dirty="0" err="1">
+                <a:solidFill>
+                  <a:schemeClr val="tx1">
+                    <a:lumMod val="85000"/>
+                    <a:lumOff val="15000"/>
+                  </a:schemeClr>
+                </a:solidFill>
+              </a:rPr>
+              <a:t>Vergleich</a:t>
             </a:r>
             <a:endParaRPr lang="en-US" dirty="0">
               <a:solidFill>
@@ -11960,7 +12108,7 @@
       </p:sp>
       <p:sp>
         <p:nvSpPr>
-          <p:cNvPr id="959296412" name="Content Placeholder 16"/>
+          <p:cNvPr id="12" name="Content Placeholder 11"/>
           <p:cNvSpPr>
             <a:spLocks noGrp="1"/>
           </p:cNvSpPr>
@@ -11975,152 +12123,114 @@
           </a:bodyPr>
           <a:lstStyle/>
           <a:p>
-            <a:pPr>
+            <a:pPr marL="214313" indent="-214313">
               <a:lnSpc>
                 <a:spcPct val="150000"/>
               </a:lnSpc>
-              <a:defRPr/>
-            </a:pPr>
-            <a:r>
-              <a:rPr lang="en-US" sz="1800" dirty="0" err="1">
-                <a:solidFill>
-                  <a:srgbClr val="D0D1D9"/>
+              <a:buFont typeface="Arial"/>
+              <a:buChar char="•"/>
+              <a:defRPr/>
+            </a:pPr>
+            <a:r>
+              <a:rPr lang="de-DE" sz="1800" dirty="0">
+                <a:solidFill>
+                  <a:schemeClr val="tx1">
+                    <a:lumMod val="85000"/>
+                    <a:lumOff val="15000"/>
+                  </a:schemeClr>
                 </a:solidFill>
               </a:rPr>
-              <a:t>Vorstellung</a:t>
-            </a:r>
-            <a:endParaRPr lang="en-US" sz="1800" dirty="0">
-              <a:solidFill>
-                <a:srgbClr val="D0D1D9"/>
-              </a:solidFill>
-            </a:endParaRPr>
-          </a:p>
-          <a:p>
-            <a:pPr>
+              <a:t>Projektziel erreicht</a:t>
+            </a:r>
+          </a:p>
+          <a:p>
+            <a:pPr marL="214313" indent="-214313">
               <a:lnSpc>
                 <a:spcPct val="150000"/>
               </a:lnSpc>
-              <a:defRPr/>
-            </a:pPr>
-            <a:r>
-              <a:rPr lang="en-US" sz="1800" dirty="0" err="1">
-                <a:solidFill>
-                  <a:srgbClr val="D0D1D9"/>
+              <a:buFont typeface="Arial"/>
+              <a:buChar char="•"/>
+              <a:defRPr/>
+            </a:pPr>
+            <a:r>
+              <a:rPr lang="de-DE" sz="1800" dirty="0">
+                <a:solidFill>
+                  <a:schemeClr val="tx1">
+                    <a:lumMod val="85000"/>
+                    <a:lumOff val="15000"/>
+                  </a:schemeClr>
                 </a:solidFill>
               </a:rPr>
-              <a:t>Thematik</a:t>
-            </a:r>
-            <a:endParaRPr lang="en-US" sz="1800" dirty="0">
-              <a:solidFill>
-                <a:srgbClr val="D0D1D9"/>
-              </a:solidFill>
-            </a:endParaRPr>
-          </a:p>
-          <a:p>
-            <a:pPr>
+              <a:t>Zeitplan eingehalten</a:t>
+            </a:r>
+          </a:p>
+          <a:p>
+            <a:pPr marL="214313" indent="-214313">
               <a:lnSpc>
                 <a:spcPct val="150000"/>
               </a:lnSpc>
-              <a:defRPr/>
-            </a:pPr>
-            <a:r>
-              <a:rPr lang="en-US" sz="1800" dirty="0" err="1">
-                <a:solidFill>
-                  <a:srgbClr val="D0D1D9"/>
+              <a:buFont typeface="Arial"/>
+              <a:buChar char="•"/>
+              <a:defRPr/>
+            </a:pPr>
+            <a:r>
+              <a:rPr lang="de-DE" sz="1800" dirty="0">
+                <a:solidFill>
+                  <a:schemeClr val="tx1">
+                    <a:lumMod val="85000"/>
+                    <a:lumOff val="15000"/>
+                  </a:schemeClr>
                 </a:solidFill>
               </a:rPr>
-              <a:t>Analyse</a:t>
-            </a:r>
-            <a:endParaRPr lang="en-US" sz="1800" dirty="0">
-              <a:solidFill>
-                <a:srgbClr val="D0D1D9"/>
-              </a:solidFill>
-            </a:endParaRPr>
-          </a:p>
-          <a:p>
-            <a:pPr>
-              <a:lnSpc>
-                <a:spcPct val="150000"/>
-              </a:lnSpc>
-              <a:defRPr/>
-            </a:pPr>
-            <a:r>
-              <a:rPr lang="en-US" sz="1800" dirty="0" err="1">
-                <a:solidFill>
-                  <a:srgbClr val="D0D1D9"/>
-                </a:solidFill>
-              </a:rPr>
-              <a:t>Entwurf</a:t>
-            </a:r>
-            <a:endParaRPr sz="1800" dirty="0">
-              <a:solidFill>
-                <a:srgbClr val="D0D1D9"/>
-              </a:solidFill>
-            </a:endParaRPr>
-          </a:p>
-          <a:p>
-            <a:pPr>
-              <a:lnSpc>
-                <a:spcPct val="150000"/>
-              </a:lnSpc>
-              <a:defRPr/>
-            </a:pPr>
-            <a:r>
-              <a:rPr lang="en-US" sz="1800" dirty="0" err="1">
-                <a:solidFill>
-                  <a:srgbClr val="D0D1D9"/>
-                </a:solidFill>
-              </a:rPr>
-              <a:t>Implementierung</a:t>
-            </a:r>
-            <a:endParaRPr sz="1800" dirty="0">
-              <a:solidFill>
-                <a:srgbClr val="D0D1D9"/>
-              </a:solidFill>
-            </a:endParaRPr>
-          </a:p>
-          <a:p>
-            <a:pPr>
-              <a:lnSpc>
-                <a:spcPct val="150000"/>
-              </a:lnSpc>
-              <a:defRPr/>
-            </a:pPr>
-            <a:r>
-              <a:rPr lang="en-US" sz="1800" dirty="0" err="1">
-                <a:solidFill>
-                  <a:srgbClr val="22E298"/>
-                </a:solidFill>
-              </a:rPr>
-              <a:t>Fazit</a:t>
-            </a:r>
-            <a:r>
-              <a:rPr lang="en-US" sz="1800" dirty="0">
-                <a:solidFill>
-                  <a:srgbClr val="22E298"/>
-                </a:solidFill>
-              </a:rPr>
-              <a:t> und </a:t>
-            </a:r>
-            <a:r>
-              <a:rPr lang="en-US" sz="1800" dirty="0" err="1">
-                <a:solidFill>
-                  <a:srgbClr val="22E298"/>
-                </a:solidFill>
-              </a:rPr>
-              <a:t>Ausblick</a:t>
-            </a:r>
-            <a:endParaRPr sz="1800" dirty="0">
-              <a:solidFill>
-                <a:srgbClr val="22E298"/>
-              </a:solidFill>
-            </a:endParaRPr>
-          </a:p>
-        </p:txBody>
-      </p:sp>
-      <p:sp>
-        <p:nvSpPr>
-          <p:cNvPr id="847358779" name="Fußzeilenplatzhalter 1"/>
+              <a:t>Weitere Anforderungen</a:t>
+            </a:r>
+          </a:p>
+        </p:txBody>
+      </p:sp>
+      <p:sp>
+        <p:nvSpPr>
+          <p:cNvPr id="61500539" name="Picture Placeholder 8"/>
+          <p:cNvSpPr>
+            <a:spLocks noGrp="1"/>
+          </p:cNvSpPr>
+          <p:nvPr>
+            <p:ph type="pic" sz="quarter" idx="13"/>
+          </p:nvPr>
+        </p:nvSpPr>
+        <p:spPr bwMode="auto">
+          <a:xfrm>
+            <a:off x="4443411" y="633875"/>
+            <a:ext cx="4224337" cy="5591174"/>
+          </a:xfrm>
+          <a:prstGeom prst="rect">
+            <a:avLst/>
+          </a:prstGeom>
+          <a:solidFill>
+            <a:srgbClr val="22E298"/>
+          </a:solidFill>
+        </p:spPr>
+        <p:txBody>
+          <a:bodyPr anchor="ctr"/>
+          <a:lstStyle>
+            <a:lvl1pPr algn="ctr">
+              <a:defRPr>
+                <a:solidFill>
+                  <a:schemeClr val="bg1"/>
+                </a:solidFill>
+              </a:defRPr>
+            </a:lvl1pPr>
+          </a:lstStyle>
+          <a:p>
+            <a:pPr>
+              <a:defRPr/>
+            </a:pPr>
+            <a:endParaRPr/>
+          </a:p>
+        </p:txBody>
+      </p:sp>
+      <p:sp>
+        <p:nvSpPr>
+          <p:cNvPr id="2" name="Fußzeilenplatzhalter 1"/>
           <p:cNvSpPr>
             <a:spLocks noGrp="1"/>
           </p:cNvSpPr>
@@ -12143,7 +12253,64 @@
           </a:p>
         </p:txBody>
       </p:sp>
+      <p:sp>
+        <p:nvSpPr>
+          <p:cNvPr id="3" name="Foliennummernplatzhalter 2"/>
+          <p:cNvSpPr>
+            <a:spLocks noGrp="1"/>
+          </p:cNvSpPr>
+          <p:nvPr>
+            <p:ph type="sldNum" sz="quarter" idx="4"/>
+          </p:nvPr>
+        </p:nvSpPr>
+        <p:spPr bwMode="auto"/>
+        <p:txBody>
+          <a:bodyPr/>
+          <a:lstStyle/>
+          <a:p>
+            <a:pPr>
+              <a:defRPr/>
+            </a:pPr>
+            <a:fld id="{3A98EE3D-8CD1-4C3F-BD1C-C98C9596463C}" type="slidenum">
+              <a:rPr lang="en-US"/>
+              <a:t>21</a:t>
+            </a:fld>
+            <a:endParaRPr lang="en-US"/>
+          </a:p>
+        </p:txBody>
+      </p:sp>
+      <p:sp>
+        <p:nvSpPr>
+          <p:cNvPr id="4" name="Datumsplatzhalter 3"/>
+          <p:cNvSpPr>
+            <a:spLocks noGrp="1"/>
+          </p:cNvSpPr>
+          <p:nvPr>
+            <p:ph type="dt" sz="half" idx="14"/>
+          </p:nvPr>
+        </p:nvSpPr>
+        <p:spPr bwMode="auto"/>
+        <p:txBody>
+          <a:bodyPr/>
+          <a:lstStyle/>
+          <a:p>
+            <a:pPr>
+              <a:defRPr/>
+            </a:pPr>
+            <a:r>
+              <a:rPr lang="de-DE"/>
+              <a:t>Eduard Schwarzkopf </a:t>
+            </a:r>
+            <a:endParaRPr lang="en-US"/>
+          </a:p>
+        </p:txBody>
+      </p:sp>
     </p:spTree>
+    <p:extLst>
+      <p:ext uri="{BB962C8B-B14F-4D97-AF65-F5344CB8AC3E}">
+        <p14:creationId xmlns:p14="http://schemas.microsoft.com/office/powerpoint/2010/main" val="2973029928"/>
+      </p:ext>
+    </p:extLst>
   </p:cSld>
   <p:clrMapOvr>
     <a:masterClrMapping/>
@@ -12182,7 +12349,7 @@
       </p:grpSpPr>
       <p:sp>
         <p:nvSpPr>
-          <p:cNvPr id="8" name="Title 7"/>
+          <p:cNvPr id="4" name="Title 3"/>
           <p:cNvSpPr>
             <a:spLocks noGrp="1"/>
           </p:cNvSpPr>
@@ -12190,16 +12357,24 @@
             <p:ph type="title"/>
           </p:nvPr>
         </p:nvSpPr>
-        <p:spPr bwMode="auto"/>
+        <p:spPr bwMode="auto">
+          <a:xfrm>
+            <a:off x="695749" y="3135207"/>
+            <a:ext cx="4095744" cy="587584"/>
+          </a:xfrm>
+        </p:spPr>
         <p:txBody>
           <a:bodyPr/>
           <a:lstStyle/>
           <a:p>
             <a:pPr>
-              <a:defRPr/>
-            </a:pPr>
-            <a:r>
-              <a:rPr lang="en-US" dirty="0">
+              <a:tabLst>
+                <a:tab pos="2481263" algn="l"/>
+              </a:tabLst>
+              <a:defRPr/>
+            </a:pPr>
+            <a:r>
+              <a:rPr lang="en-US" dirty="0" err="1">
                 <a:solidFill>
                   <a:schemeClr val="tx1">
                     <a:lumMod val="85000"/>
@@ -12207,42 +12382,9 @@
                   </a:schemeClr>
                 </a:solidFill>
               </a:rPr>
-              <a:t>Soll / </a:t>
-            </a:r>
-            <a:r>
-              <a:rPr lang="en-US" dirty="0" err="1">
-                <a:solidFill>
-                  <a:schemeClr val="tx1">
-                    <a:lumMod val="85000"/>
-                    <a:lumOff val="15000"/>
-                  </a:schemeClr>
-                </a:solidFill>
-              </a:rPr>
-              <a:t>Ist</a:t>
-            </a:r>
-            <a:r>
-              <a:rPr lang="en-US" dirty="0">
-                <a:solidFill>
-                  <a:schemeClr val="tx1">
-                    <a:lumMod val="85000"/>
-                    <a:lumOff val="15000"/>
-                  </a:schemeClr>
-                </a:solidFill>
-              </a:rPr>
-              <a:t> </a:t>
-            </a:r>
-            <a:r>
-              <a:rPr lang="en-US" dirty="0" err="1">
-                <a:solidFill>
-                  <a:schemeClr val="tx1">
-                    <a:lumMod val="85000"/>
-                    <a:lumOff val="15000"/>
-                  </a:schemeClr>
-                </a:solidFill>
-              </a:rPr>
-              <a:t>Vergleich</a:t>
-            </a:r>
-            <a:endParaRPr lang="en-US" dirty="0">
+              <a:t>Ausblick</a:t>
+            </a:r>
+            <a:endParaRPr dirty="0">
               <a:solidFill>
                 <a:schemeClr val="tx1">
                   <a:lumMod val="85000"/>
@@ -12255,7 +12397,7 @@
       </p:sp>
       <p:sp>
         <p:nvSpPr>
-          <p:cNvPr id="12" name="Content Placeholder 11"/>
+          <p:cNvPr id="5" name="Content Placeholder 4"/>
           <p:cNvSpPr>
             <a:spLocks noGrp="1"/>
           </p:cNvSpPr>
@@ -12263,23 +12405,27 @@
             <p:ph sz="half" idx="2"/>
           </p:nvPr>
         </p:nvSpPr>
-        <p:spPr bwMode="auto"/>
+        <p:spPr bwMode="auto">
+          <a:xfrm>
+            <a:off x="5436096" y="831287"/>
+            <a:ext cx="3012155" cy="5195424"/>
+          </a:xfrm>
+        </p:spPr>
         <p:txBody>
           <a:bodyPr>
             <a:normAutofit/>
           </a:bodyPr>
           <a:lstStyle/>
           <a:p>
-            <a:pPr marL="214313" indent="-214313">
+            <a:pPr marL="0" indent="0">
               <a:lnSpc>
                 <a:spcPct val="150000"/>
               </a:lnSpc>
-              <a:buFont typeface="Arial"/>
-              <a:buChar char="•"/>
-              <a:defRPr/>
-            </a:pPr>
-            <a:r>
-              <a:rPr lang="de-DE" sz="1800" dirty="0">
+              <a:buNone/>
+              <a:defRPr/>
+            </a:pPr>
+            <a:r>
+              <a:rPr lang="de-DE" sz="2000" spc="150" dirty="0">
                 <a:solidFill>
                   <a:schemeClr val="tx1">
                     <a:lumMod val="85000"/>
@@ -12287,20 +12433,19 @@
                   </a:schemeClr>
                 </a:solidFill>
               </a:rPr>
-              <a:t>Projektziel erreicht</a:t>
-            </a:r>
-          </a:p>
-          <a:p>
-            <a:pPr marL="214313" indent="-214313">
+              <a:t>Dashboard ausbauen</a:t>
+            </a:r>
+          </a:p>
+          <a:p>
+            <a:pPr marL="0" indent="0">
               <a:lnSpc>
                 <a:spcPct val="150000"/>
               </a:lnSpc>
-              <a:buFont typeface="Arial"/>
-              <a:buChar char="•"/>
-              <a:defRPr/>
-            </a:pPr>
-            <a:r>
-              <a:rPr lang="de-DE" sz="1800" dirty="0">
+              <a:buNone/>
+              <a:defRPr/>
+            </a:pPr>
+            <a:r>
+              <a:rPr lang="de-DE" sz="2000" spc="150" dirty="0">
                 <a:solidFill>
                   <a:schemeClr val="tx1">
                     <a:lumMod val="85000"/>
@@ -12308,20 +12453,19 @@
                   </a:schemeClr>
                 </a:solidFill>
               </a:rPr>
-              <a:t>Zeitplan eingehalten</a:t>
-            </a:r>
-          </a:p>
-          <a:p>
-            <a:pPr marL="214313" indent="-214313">
+              <a:t>Wunsch-Features implementieren</a:t>
+            </a:r>
+          </a:p>
+          <a:p>
+            <a:pPr marL="0" indent="0">
               <a:lnSpc>
                 <a:spcPct val="150000"/>
               </a:lnSpc>
-              <a:buFont typeface="Arial"/>
-              <a:buChar char="•"/>
-              <a:defRPr/>
-            </a:pPr>
-            <a:r>
-              <a:rPr lang="de-DE" sz="1800" dirty="0">
+              <a:buNone/>
+              <a:defRPr/>
+            </a:pPr>
+            <a:r>
+              <a:rPr lang="de-DE" sz="2000" spc="150" dirty="0">
                 <a:solidFill>
                   <a:schemeClr val="tx1">
                     <a:lumMod val="85000"/>
@@ -12329,135 +12473,31 @@
                   </a:schemeClr>
                 </a:solidFill>
               </a:rPr>
-              <a:t>Weitere Anforderungen</a:t>
-            </a:r>
-          </a:p>
-        </p:txBody>
-      </p:sp>
-      <p:sp>
-        <p:nvSpPr>
-          <p:cNvPr id="61500539" name="Picture Placeholder 8"/>
-          <p:cNvSpPr>
-            <a:spLocks noGrp="1"/>
-          </p:cNvSpPr>
-          <p:nvPr>
-            <p:ph type="pic" sz="quarter" idx="13"/>
-          </p:nvPr>
-        </p:nvSpPr>
-        <p:spPr bwMode="auto">
-          <a:xfrm>
-            <a:off x="4443411" y="633875"/>
-            <a:ext cx="4224337" cy="5591174"/>
-          </a:xfrm>
-          <a:prstGeom prst="rect">
-            <a:avLst/>
-          </a:prstGeom>
-          <a:solidFill>
-            <a:srgbClr val="22E298"/>
-          </a:solidFill>
-        </p:spPr>
-        <p:txBody>
-          <a:bodyPr anchor="ctr"/>
-          <a:lstStyle>
-            <a:lvl1pPr algn="ctr">
-              <a:defRPr>
-                <a:solidFill>
-                  <a:schemeClr val="bg1"/>
-                </a:solidFill>
-              </a:defRPr>
-            </a:lvl1pPr>
-          </a:lstStyle>
-          <a:p>
-            <a:pPr>
-              <a:defRPr/>
-            </a:pPr>
-            <a:endParaRPr/>
-          </a:p>
-        </p:txBody>
-      </p:sp>
-      <p:sp>
-        <p:nvSpPr>
-          <p:cNvPr id="2" name="Fußzeilenplatzhalter 1"/>
-          <p:cNvSpPr>
-            <a:spLocks noGrp="1"/>
-          </p:cNvSpPr>
-          <p:nvPr>
-            <p:ph type="ftr" sz="quarter" idx="3"/>
-          </p:nvPr>
-        </p:nvSpPr>
-        <p:spPr bwMode="auto"/>
-        <p:txBody>
-          <a:bodyPr/>
-          <a:lstStyle/>
-          <a:p>
-            <a:pPr>
-              <a:defRPr/>
-            </a:pPr>
-            <a:r>
-              <a:rPr lang="en-US"/>
-              <a:t>Control Center – zwei komponenten Monitoring Tool</a:t>
-            </a:r>
-          </a:p>
-        </p:txBody>
-      </p:sp>
-      <p:sp>
-        <p:nvSpPr>
-          <p:cNvPr id="3" name="Foliennummernplatzhalter 2"/>
-          <p:cNvSpPr>
-            <a:spLocks noGrp="1"/>
-          </p:cNvSpPr>
-          <p:nvPr>
-            <p:ph type="sldNum" sz="quarter" idx="4"/>
-          </p:nvPr>
-        </p:nvSpPr>
-        <p:spPr bwMode="auto"/>
-        <p:txBody>
-          <a:bodyPr/>
-          <a:lstStyle/>
-          <a:p>
-            <a:pPr>
-              <a:defRPr/>
-            </a:pPr>
-            <a:fld id="{3A98EE3D-8CD1-4C3F-BD1C-C98C9596463C}" type="slidenum">
-              <a:rPr lang="en-US"/>
-              <a:t>22</a:t>
-            </a:fld>
-            <a:endParaRPr lang="en-US"/>
-          </a:p>
-        </p:txBody>
-      </p:sp>
-      <p:sp>
-        <p:nvSpPr>
-          <p:cNvPr id="4" name="Datumsplatzhalter 3"/>
-          <p:cNvSpPr>
-            <a:spLocks noGrp="1"/>
-          </p:cNvSpPr>
-          <p:nvPr>
-            <p:ph type="dt" sz="half" idx="14"/>
-          </p:nvPr>
-        </p:nvSpPr>
-        <p:spPr bwMode="auto"/>
-        <p:txBody>
-          <a:bodyPr/>
-          <a:lstStyle/>
-          <a:p>
-            <a:pPr>
-              <a:defRPr/>
-            </a:pPr>
-            <a:r>
-              <a:rPr lang="de-DE"/>
-              <a:t>Eduard Schwarzkopf </a:t>
-            </a:r>
-            <a:endParaRPr lang="en-US"/>
+              <a:t>Frontend </a:t>
+            </a:r>
+            <a:r>
+              <a:rPr lang="de-DE" sz="2000" spc="150" dirty="0" err="1">
+                <a:solidFill>
+                  <a:schemeClr val="tx1">
+                    <a:lumMod val="85000"/>
+                    <a:lumOff val="15000"/>
+                  </a:schemeClr>
+                </a:solidFill>
+              </a:rPr>
+              <a:t>refaktorieren</a:t>
+            </a:r>
+            <a:endParaRPr lang="de-DE" sz="2000" spc="150" dirty="0">
+              <a:solidFill>
+                <a:schemeClr val="tx1">
+                  <a:lumMod val="85000"/>
+                  <a:lumOff val="15000"/>
+                </a:schemeClr>
+              </a:solidFill>
+            </a:endParaRPr>
           </a:p>
         </p:txBody>
       </p:sp>
     </p:spTree>
-    <p:extLst>
-      <p:ext uri="{BB962C8B-B14F-4D97-AF65-F5344CB8AC3E}">
-        <p14:creationId xmlns:p14="http://schemas.microsoft.com/office/powerpoint/2010/main" val="2973029928"/>
-      </p:ext>
-    </p:extLst>
   </p:cSld>
   <p:clrMapOvr>
     <a:masterClrMapping/>
@@ -12478,193 +12518,6 @@
 </file>
 
 <file path=ppt/slides/slide23.xml><?xml version="1.0" encoding="utf-8"?>
-<p:sld xmlns:a="http://schemas.openxmlformats.org/drawingml/2006/main" xmlns:r="http://schemas.openxmlformats.org/officeDocument/2006/relationships" xmlns:p="http://schemas.openxmlformats.org/presentationml/2006/main" showMasterPhAnim="0">
-  <p:cSld>
-    <p:spTree>
-      <p:nvGrpSpPr>
-        <p:cNvPr id="1" name=""/>
-        <p:cNvGrpSpPr/>
-        <p:nvPr/>
-      </p:nvGrpSpPr>
-      <p:grpSpPr bwMode="auto">
-        <a:xfrm>
-          <a:off x="0" y="0"/>
-          <a:ext cx="0" cy="0"/>
-          <a:chOff x="0" y="0"/>
-          <a:chExt cx="0" cy="0"/>
-        </a:xfrm>
-      </p:grpSpPr>
-      <p:sp>
-        <p:nvSpPr>
-          <p:cNvPr id="4" name="Title 3"/>
-          <p:cNvSpPr>
-            <a:spLocks noGrp="1"/>
-          </p:cNvSpPr>
-          <p:nvPr>
-            <p:ph type="title"/>
-          </p:nvPr>
-        </p:nvSpPr>
-        <p:spPr bwMode="auto">
-          <a:xfrm>
-            <a:off x="695749" y="3135207"/>
-            <a:ext cx="4095744" cy="587584"/>
-          </a:xfrm>
-        </p:spPr>
-        <p:txBody>
-          <a:bodyPr/>
-          <a:lstStyle/>
-          <a:p>
-            <a:pPr>
-              <a:tabLst>
-                <a:tab pos="2481263" algn="l"/>
-              </a:tabLst>
-              <a:defRPr/>
-            </a:pPr>
-            <a:r>
-              <a:rPr lang="en-US" dirty="0" err="1">
-                <a:solidFill>
-                  <a:schemeClr val="tx1">
-                    <a:lumMod val="85000"/>
-                    <a:lumOff val="15000"/>
-                  </a:schemeClr>
-                </a:solidFill>
-              </a:rPr>
-              <a:t>Ausblick</a:t>
-            </a:r>
-            <a:endParaRPr dirty="0">
-              <a:solidFill>
-                <a:schemeClr val="tx1">
-                  <a:lumMod val="85000"/>
-                  <a:lumOff val="15000"/>
-                </a:schemeClr>
-              </a:solidFill>
-            </a:endParaRPr>
-          </a:p>
-        </p:txBody>
-      </p:sp>
-      <p:sp>
-        <p:nvSpPr>
-          <p:cNvPr id="5" name="Content Placeholder 4"/>
-          <p:cNvSpPr>
-            <a:spLocks noGrp="1"/>
-          </p:cNvSpPr>
-          <p:nvPr>
-            <p:ph sz="half" idx="2"/>
-          </p:nvPr>
-        </p:nvSpPr>
-        <p:spPr bwMode="auto">
-          <a:xfrm>
-            <a:off x="5436096" y="831287"/>
-            <a:ext cx="3012155" cy="5195424"/>
-          </a:xfrm>
-        </p:spPr>
-        <p:txBody>
-          <a:bodyPr>
-            <a:normAutofit/>
-          </a:bodyPr>
-          <a:lstStyle/>
-          <a:p>
-            <a:pPr marL="0" indent="0">
-              <a:lnSpc>
-                <a:spcPct val="150000"/>
-              </a:lnSpc>
-              <a:buNone/>
-              <a:defRPr/>
-            </a:pPr>
-            <a:r>
-              <a:rPr lang="de-DE" sz="2000" spc="150" dirty="0">
-                <a:solidFill>
-                  <a:schemeClr val="tx1">
-                    <a:lumMod val="85000"/>
-                    <a:lumOff val="15000"/>
-                  </a:schemeClr>
-                </a:solidFill>
-              </a:rPr>
-              <a:t>Dashboard ausbauen</a:t>
-            </a:r>
-          </a:p>
-          <a:p>
-            <a:pPr marL="0" indent="0">
-              <a:lnSpc>
-                <a:spcPct val="150000"/>
-              </a:lnSpc>
-              <a:buNone/>
-              <a:defRPr/>
-            </a:pPr>
-            <a:r>
-              <a:rPr lang="de-DE" sz="2000" spc="150" dirty="0">
-                <a:solidFill>
-                  <a:schemeClr val="tx1">
-                    <a:lumMod val="85000"/>
-                    <a:lumOff val="15000"/>
-                  </a:schemeClr>
-                </a:solidFill>
-              </a:rPr>
-              <a:t>Wunsch-Features implementieren</a:t>
-            </a:r>
-          </a:p>
-          <a:p>
-            <a:pPr marL="0" indent="0">
-              <a:lnSpc>
-                <a:spcPct val="150000"/>
-              </a:lnSpc>
-              <a:buNone/>
-              <a:defRPr/>
-            </a:pPr>
-            <a:r>
-              <a:rPr lang="de-DE" sz="2000" spc="150" dirty="0">
-                <a:solidFill>
-                  <a:schemeClr val="tx1">
-                    <a:lumMod val="85000"/>
-                    <a:lumOff val="15000"/>
-                  </a:schemeClr>
-                </a:solidFill>
-              </a:rPr>
-              <a:t>Frontend </a:t>
-            </a:r>
-            <a:r>
-              <a:rPr lang="de-DE" sz="2000" spc="150" dirty="0" err="1">
-                <a:solidFill>
-                  <a:schemeClr val="tx1">
-                    <a:lumMod val="85000"/>
-                    <a:lumOff val="15000"/>
-                  </a:schemeClr>
-                </a:solidFill>
-              </a:rPr>
-              <a:t>refaktorieren</a:t>
-            </a:r>
-            <a:endParaRPr lang="de-DE" sz="2000" spc="150" dirty="0">
-              <a:solidFill>
-                <a:schemeClr val="tx1">
-                  <a:lumMod val="85000"/>
-                  <a:lumOff val="15000"/>
-                </a:schemeClr>
-              </a:solidFill>
-            </a:endParaRPr>
-          </a:p>
-        </p:txBody>
-      </p:sp>
-    </p:spTree>
-  </p:cSld>
-  <p:clrMapOvr>
-    <a:masterClrMapping/>
-  </p:clrMapOvr>
-  <mc:AlternateContent xmlns:mc="http://schemas.openxmlformats.org/markup-compatibility/2006" xmlns:p14="http://schemas.microsoft.com/office/powerpoint/2010/main">
-    <mc:Choice Requires="p14">
-      <p:transition spd="med" p14:dur="700">
-        <p:fade/>
-      </p:transition>
-    </mc:Choice>
-    <mc:Fallback xmlns="">
-      <p:transition spd="med">
-        <p:fade/>
-      </p:transition>
-    </mc:Fallback>
-  </mc:AlternateContent>
-</p:sld>
-</file>
-
-<file path=ppt/slides/slide24.xml><?xml version="1.0" encoding="utf-8"?>
 <p:sld xmlns:a="http://schemas.openxmlformats.org/drawingml/2006/main" xmlns:r="http://schemas.openxmlformats.org/officeDocument/2006/relationships" xmlns:p="http://schemas.openxmlformats.org/presentationml/2006/main" showMasterPhAnim="0">
   <p:cSld>
     <p:bg>
@@ -13186,7 +13039,7 @@
 </p:sld>
 </file>
 
-<file path=ppt/slides/slide25.xml><?xml version="1.0" encoding="utf-8"?>
+<file path=ppt/slides/slide24.xml><?xml version="1.0" encoding="utf-8"?>
 <p:sld xmlns:a="http://schemas.openxmlformats.org/drawingml/2006/main" xmlns:r="http://schemas.openxmlformats.org/officeDocument/2006/relationships" xmlns:p="http://schemas.openxmlformats.org/presentationml/2006/main" showMasterPhAnim="0">
   <p:cSld>
     <p:spTree>
@@ -13335,7 +13188,7 @@
             </a:pPr>
             <a:fld id="{3A98EE3D-8CD1-4C3F-BD1C-C98C9596463C}" type="slidenum">
               <a:rPr lang="en-US"/>
-              <a:t>25</a:t>
+              <a:t>24</a:t>
             </a:fld>
             <a:endParaRPr lang="en-US"/>
           </a:p>

--- a/Abschluss_präsi.pptx
+++ b/Abschluss_präsi.pptx
@@ -2518,6 +2518,24 @@
             <a:r>
               <a:rPr lang="de-DE" dirty="0"/>
               <a:t>Amortisationszeit: 21 Wochen</a:t>
+            </a:r>
+          </a:p>
+          <a:p>
+            <a:pPr marL="171450" indent="-171450">
+              <a:buFontTx/>
+              <a:buChar char="-"/>
+            </a:pPr>
+            <a:r>
+              <a:rPr lang="de-DE" dirty="0"/>
+              <a:t>Somit wurde die </a:t>
+            </a:r>
+            <a:r>
+              <a:rPr lang="de-DE" dirty="0" err="1"/>
+              <a:t>Make</a:t>
+            </a:r>
+            <a:r>
+              <a:rPr lang="de-DE" dirty="0"/>
+              <a:t> Entscheidung getroffen</a:t>
             </a:r>
           </a:p>
         </p:txBody>
@@ -8875,16 +8893,16 @@
               <a:defRPr/>
             </a:pPr>
             <a:r>
-              <a:rPr lang="en-US" sz="1800" dirty="0" err="1">
-                <a:solidFill>
-                  <a:srgbClr val="D0D1D9"/>
+              <a:rPr lang="en-US" sz="1400" dirty="0" err="1">
+                <a:solidFill>
+                  <a:srgbClr val="000000"/>
                 </a:solidFill>
               </a:rPr>
               <a:t>Vorstellung</a:t>
             </a:r>
-            <a:endParaRPr lang="en-US" sz="1800" dirty="0">
+            <a:endParaRPr lang="en-US" sz="1400" dirty="0">
               <a:solidFill>
-                <a:srgbClr val="D0D1D9"/>
+                <a:srgbClr val="000000"/>
               </a:solidFill>
             </a:endParaRPr>
           </a:p>
@@ -8896,16 +8914,16 @@
               <a:defRPr/>
             </a:pPr>
             <a:r>
-              <a:rPr lang="en-US" sz="1800" dirty="0" err="1">
-                <a:solidFill>
-                  <a:srgbClr val="D0D1D9"/>
+              <a:rPr lang="en-US" sz="1400" dirty="0" err="1">
+                <a:solidFill>
+                  <a:srgbClr val="000000"/>
                 </a:solidFill>
               </a:rPr>
               <a:t>Thematik</a:t>
             </a:r>
-            <a:endParaRPr lang="en-US" sz="1800" dirty="0">
+            <a:endParaRPr lang="en-US" sz="1400" dirty="0">
               <a:solidFill>
-                <a:srgbClr val="D0D1D9"/>
+                <a:srgbClr val="000000"/>
               </a:solidFill>
             </a:endParaRPr>
           </a:p>
@@ -8917,16 +8935,16 @@
               <a:defRPr/>
             </a:pPr>
             <a:r>
-              <a:rPr lang="en-US" sz="1800" dirty="0" err="1">
-                <a:solidFill>
-                  <a:srgbClr val="D0D1D9"/>
+              <a:rPr lang="en-US" sz="1400" dirty="0" err="1">
+                <a:solidFill>
+                  <a:srgbClr val="000000"/>
                 </a:solidFill>
               </a:rPr>
               <a:t>Analyse</a:t>
             </a:r>
-            <a:endParaRPr lang="en-US" sz="1800" dirty="0">
+            <a:endParaRPr lang="en-US" sz="1400" dirty="0">
               <a:solidFill>
-                <a:srgbClr val="D0D1D9"/>
+                <a:srgbClr val="000000"/>
               </a:solidFill>
             </a:endParaRPr>
           </a:p>
@@ -8959,7 +8977,7 @@
               <a:defRPr/>
             </a:pPr>
             <a:r>
-              <a:rPr lang="en-US" sz="1800" dirty="0" err="1">
+              <a:rPr lang="en-US" sz="1400" dirty="0" err="1">
                 <a:solidFill>
                   <a:schemeClr val="tx1">
                     <a:lumMod val="85000"/>
@@ -8969,7 +8987,7 @@
               </a:rPr>
               <a:t>Implementierung</a:t>
             </a:r>
-            <a:endParaRPr lang="en-US" sz="1800" dirty="0">
+            <a:endParaRPr lang="en-US" sz="1400" dirty="0">
               <a:solidFill>
                 <a:schemeClr val="tx1">
                   <a:lumMod val="85000"/>
@@ -8986,7 +9004,7 @@
               <a:defRPr/>
             </a:pPr>
             <a:r>
-              <a:rPr lang="en-US" sz="1800" dirty="0" err="1">
+              <a:rPr lang="en-US" sz="1400" dirty="0" err="1">
                 <a:solidFill>
                   <a:schemeClr val="tx1">
                     <a:lumMod val="85000"/>
@@ -8997,7 +9015,7 @@
               <a:t>Fazit</a:t>
             </a:r>
             <a:r>
-              <a:rPr lang="en-US" sz="1800" dirty="0">
+              <a:rPr lang="en-US" sz="1400" dirty="0">
                 <a:solidFill>
                   <a:schemeClr val="tx1">
                     <a:lumMod val="85000"/>
@@ -9008,7 +9026,7 @@
               <a:t> und </a:t>
             </a:r>
             <a:r>
-              <a:rPr lang="en-US" sz="1800" dirty="0" err="1">
+              <a:rPr lang="en-US" sz="1400" dirty="0" err="1">
                 <a:solidFill>
                   <a:schemeClr val="tx1">
                     <a:lumMod val="85000"/>
@@ -9018,7 +9036,7 @@
               </a:rPr>
               <a:t>Ausblick</a:t>
             </a:r>
-            <a:endParaRPr lang="en-US" sz="1800" dirty="0">
+            <a:endParaRPr lang="en-US" sz="1400" dirty="0">
               <a:solidFill>
                 <a:schemeClr val="tx1">
                   <a:lumMod val="85000"/>
@@ -9590,16 +9608,16 @@
               <a:defRPr/>
             </a:pPr>
             <a:r>
-              <a:rPr lang="en-US" sz="1800" dirty="0" err="1">
-                <a:solidFill>
-                  <a:srgbClr val="D0D1D9"/>
+              <a:rPr lang="en-US" sz="1400" dirty="0" err="1">
+                <a:solidFill>
+                  <a:srgbClr val="000000"/>
                 </a:solidFill>
               </a:rPr>
               <a:t>Vorstellung</a:t>
             </a:r>
-            <a:endParaRPr lang="en-US" sz="1800" dirty="0">
+            <a:endParaRPr lang="en-US" sz="1400" dirty="0">
               <a:solidFill>
-                <a:srgbClr val="D0D1D9"/>
+                <a:srgbClr val="000000"/>
               </a:solidFill>
             </a:endParaRPr>
           </a:p>
@@ -9611,16 +9629,16 @@
               <a:defRPr/>
             </a:pPr>
             <a:r>
-              <a:rPr lang="en-US" sz="1800" dirty="0" err="1">
-                <a:solidFill>
-                  <a:srgbClr val="D0D1D9"/>
+              <a:rPr lang="en-US" sz="1400" dirty="0" err="1">
+                <a:solidFill>
+                  <a:srgbClr val="000000"/>
                 </a:solidFill>
               </a:rPr>
               <a:t>Thematik</a:t>
             </a:r>
-            <a:endParaRPr lang="en-US" sz="1800" dirty="0">
+            <a:endParaRPr lang="en-US" sz="1400" dirty="0">
               <a:solidFill>
-                <a:srgbClr val="D0D1D9"/>
+                <a:srgbClr val="000000"/>
               </a:solidFill>
             </a:endParaRPr>
           </a:p>
@@ -9632,16 +9650,16 @@
               <a:defRPr/>
             </a:pPr>
             <a:r>
-              <a:rPr lang="en-US" sz="1800" dirty="0" err="1">
-                <a:solidFill>
-                  <a:srgbClr val="D0D1D9"/>
+              <a:rPr lang="en-US" sz="1400" dirty="0" err="1">
+                <a:solidFill>
+                  <a:srgbClr val="000000"/>
                 </a:solidFill>
               </a:rPr>
               <a:t>Analyse</a:t>
             </a:r>
-            <a:endParaRPr lang="en-US" sz="1800" dirty="0">
+            <a:endParaRPr lang="en-US" sz="1400" dirty="0">
               <a:solidFill>
-                <a:srgbClr val="D0D1D9"/>
+                <a:srgbClr val="000000"/>
               </a:solidFill>
             </a:endParaRPr>
           </a:p>
@@ -9653,16 +9671,16 @@
               <a:defRPr/>
             </a:pPr>
             <a:r>
-              <a:rPr lang="en-US" sz="1800" dirty="0" err="1">
-                <a:solidFill>
-                  <a:srgbClr val="D0D1D9"/>
+              <a:rPr lang="en-US" sz="1400" dirty="0" err="1">
+                <a:solidFill>
+                  <a:srgbClr val="000000"/>
                 </a:solidFill>
               </a:rPr>
               <a:t>Entwurf</a:t>
             </a:r>
-            <a:endParaRPr lang="en-US" sz="1800" dirty="0">
+            <a:endParaRPr lang="en-US" sz="1400" dirty="0">
               <a:solidFill>
-                <a:srgbClr val="D0D1D9"/>
+                <a:srgbClr val="000000"/>
               </a:solidFill>
             </a:endParaRPr>
           </a:p>
@@ -9695,7 +9713,7 @@
               <a:defRPr/>
             </a:pPr>
             <a:r>
-              <a:rPr lang="en-US" sz="1800" dirty="0" err="1">
+              <a:rPr lang="en-US" sz="1400" dirty="0" err="1">
                 <a:solidFill>
                   <a:schemeClr val="tx1">
                     <a:lumMod val="85000"/>
@@ -9706,7 +9724,7 @@
               <a:t>Fazit</a:t>
             </a:r>
             <a:r>
-              <a:rPr lang="en-US" sz="1800" dirty="0">
+              <a:rPr lang="en-US" sz="1400" dirty="0">
                 <a:solidFill>
                   <a:schemeClr val="tx1">
                     <a:lumMod val="85000"/>
@@ -9717,7 +9735,7 @@
               <a:t> und </a:t>
             </a:r>
             <a:r>
-              <a:rPr lang="en-US" sz="1800" dirty="0" err="1">
+              <a:rPr lang="en-US" sz="1400" dirty="0" err="1">
                 <a:solidFill>
                   <a:schemeClr val="tx1">
                     <a:lumMod val="85000"/>
@@ -9727,7 +9745,7 @@
               </a:rPr>
               <a:t>Ausblick</a:t>
             </a:r>
-            <a:endParaRPr lang="en-US" sz="1800" dirty="0">
+            <a:endParaRPr lang="en-US" sz="1400" dirty="0">
               <a:solidFill>
                 <a:schemeClr val="tx1">
                   <a:lumMod val="85000"/>
@@ -10166,6 +10184,42 @@
           </a:p>
         </p:txBody>
       </p:sp>
+      <p:pic>
+        <p:nvPicPr>
+          <p:cNvPr id="9" name="Grafik 8">
+            <a:extLst>
+              <a:ext uri="{FF2B5EF4-FFF2-40B4-BE49-F238E27FC236}">
+                <a16:creationId xmlns:a16="http://schemas.microsoft.com/office/drawing/2014/main" id="{C8FFE25B-BFFC-DEFE-8D6F-CA0F9FF2D5B1}"/>
+              </a:ext>
+            </a:extLst>
+          </p:cNvPr>
+          <p:cNvPicPr>
+            <a:picLocks noChangeAspect="1"/>
+          </p:cNvPicPr>
+          <p:nvPr/>
+        </p:nvPicPr>
+        <p:blipFill>
+          <a:blip r:embed="rId3">
+            <a:extLst>
+              <a:ext uri="{96DAC541-7B7A-43D3-8B79-37D633B846F1}">
+                <asvg:svgBlip xmlns:asvg="http://schemas.microsoft.com/office/drawing/2016/SVG/main" r:embed="rId4"/>
+              </a:ext>
+            </a:extLst>
+          </a:blip>
+          <a:stretch>
+            <a:fillRect/>
+          </a:stretch>
+        </p:blipFill>
+        <p:spPr>
+          <a:xfrm>
+            <a:off x="5141116" y="2486025"/>
+            <a:ext cx="2828925" cy="1885950"/>
+          </a:xfrm>
+          <a:prstGeom prst="rect">
+            <a:avLst/>
+          </a:prstGeom>
+        </p:spPr>
+      </p:pic>
     </p:spTree>
     <p:extLst>
       <p:ext uri="{BB962C8B-B14F-4D97-AF65-F5344CB8AC3E}">
@@ -10508,10 +10562,10 @@
       </p:sp>
       <p:pic>
         <p:nvPicPr>
-          <p:cNvPr id="12" name="Grafik 11">
+          <p:cNvPr id="10" name="Grafik 9">
             <a:extLst>
               <a:ext uri="{FF2B5EF4-FFF2-40B4-BE49-F238E27FC236}">
-                <a16:creationId xmlns:a16="http://schemas.microsoft.com/office/drawing/2014/main" id="{804FB2CF-1089-BFF2-F49C-33E9B72A9B21}"/>
+                <a16:creationId xmlns:a16="http://schemas.microsoft.com/office/drawing/2014/main" id="{621BE1DB-9504-2348-55CB-0C3B614AC308}"/>
               </a:ext>
             </a:extLst>
           </p:cNvPr>
@@ -10534,8 +10588,8 @@
         </p:blipFill>
         <p:spPr>
           <a:xfrm>
-            <a:off x="1355649" y="2881312"/>
-            <a:ext cx="1638300" cy="1095375"/>
+            <a:off x="1131810" y="2733675"/>
+            <a:ext cx="2085975" cy="1390650"/>
           </a:xfrm>
           <a:prstGeom prst="rect">
             <a:avLst/>
@@ -10584,299 +10638,12 @@
           <a:chExt cx="0" cy="0"/>
         </a:xfrm>
       </p:grpSpPr>
-      <p:sp>
-        <p:nvSpPr>
-          <p:cNvPr id="2" name="Title 1"/>
-          <p:cNvSpPr>
-            <a:spLocks noGrp="1"/>
-          </p:cNvSpPr>
-          <p:nvPr>
-            <p:ph type="title"/>
-          </p:nvPr>
-        </p:nvSpPr>
-        <p:spPr bwMode="auto">
-          <a:xfrm>
-            <a:off x="4082902" y="1564403"/>
-            <a:ext cx="4283858" cy="966977"/>
-          </a:xfrm>
-        </p:spPr>
-        <p:txBody>
-          <a:bodyPr/>
-          <a:lstStyle/>
-          <a:p>
-            <a:pPr>
-              <a:defRPr/>
-            </a:pPr>
-            <a:r>
-              <a:rPr lang="en-US" dirty="0">
-                <a:solidFill>
-                  <a:schemeClr val="tx1">
-                    <a:lumMod val="85000"/>
-                    <a:lumOff val="15000"/>
-                  </a:schemeClr>
-                </a:solidFill>
-              </a:rPr>
-              <a:t>KOMPONENTE 2 – </a:t>
-            </a:r>
-            <a:br>
-              <a:rPr lang="en-US" dirty="0">
-                <a:solidFill>
-                  <a:schemeClr val="tx1">
-                    <a:lumMod val="85000"/>
-                    <a:lumOff val="15000"/>
-                  </a:schemeClr>
-                </a:solidFill>
-              </a:rPr>
-            </a:br>
-            <a:r>
-              <a:rPr lang="en-US" dirty="0">
-                <a:solidFill>
-                  <a:schemeClr val="tx1">
-                    <a:lumMod val="85000"/>
-                    <a:lumOff val="15000"/>
-                  </a:schemeClr>
-                </a:solidFill>
-              </a:rPr>
-              <a:t>CONTROL CENTER</a:t>
-            </a:r>
-          </a:p>
-        </p:txBody>
-      </p:sp>
-      <p:sp>
-        <p:nvSpPr>
-          <p:cNvPr id="3" name="Content Placeholder 2"/>
-          <p:cNvSpPr>
-            <a:spLocks noGrp="1"/>
-          </p:cNvSpPr>
-          <p:nvPr>
-            <p:ph sz="half" idx="2"/>
-          </p:nvPr>
-        </p:nvSpPr>
-        <p:spPr bwMode="auto">
-          <a:xfrm>
-            <a:off x="4082902" y="2571750"/>
-            <a:ext cx="4283858" cy="2722626"/>
-          </a:xfrm>
-        </p:spPr>
-        <p:txBody>
-          <a:bodyPr>
-            <a:noAutofit/>
-          </a:bodyPr>
-          <a:lstStyle/>
-          <a:p>
-            <a:pPr>
-              <a:lnSpc>
-                <a:spcPct val="150000"/>
-              </a:lnSpc>
-              <a:defRPr/>
-            </a:pPr>
-            <a:r>
-              <a:rPr lang="en-US" sz="1800" dirty="0">
-                <a:solidFill>
-                  <a:schemeClr val="tx1">
-                    <a:lumMod val="85000"/>
-                    <a:lumOff val="15000"/>
-                  </a:schemeClr>
-                </a:solidFill>
-              </a:rPr>
-              <a:t>Laravel</a:t>
-            </a:r>
-          </a:p>
-          <a:p>
-            <a:pPr>
-              <a:lnSpc>
-                <a:spcPct val="150000"/>
-              </a:lnSpc>
-              <a:defRPr/>
-            </a:pPr>
-            <a:r>
-              <a:rPr lang="en-US" sz="1800" dirty="0" err="1">
-                <a:solidFill>
-                  <a:schemeClr val="tx1">
-                    <a:lumMod val="85000"/>
-                    <a:lumOff val="15000"/>
-                  </a:schemeClr>
-                </a:solidFill>
-              </a:rPr>
-              <a:t>VueJs</a:t>
-            </a:r>
-            <a:endParaRPr lang="en-US" sz="1800" dirty="0">
-              <a:solidFill>
-                <a:schemeClr val="tx1">
-                  <a:lumMod val="85000"/>
-                  <a:lumOff val="15000"/>
-                </a:schemeClr>
-              </a:solidFill>
-            </a:endParaRPr>
-          </a:p>
-          <a:p>
-            <a:pPr>
-              <a:lnSpc>
-                <a:spcPct val="150000"/>
-              </a:lnSpc>
-              <a:defRPr/>
-            </a:pPr>
-            <a:r>
-              <a:rPr lang="en-US" sz="1800" dirty="0">
-                <a:solidFill>
-                  <a:schemeClr val="tx1">
-                    <a:lumMod val="85000"/>
-                    <a:lumOff val="15000"/>
-                  </a:schemeClr>
-                </a:solidFill>
-              </a:rPr>
-              <a:t>Tailwind</a:t>
-            </a:r>
-          </a:p>
-          <a:p>
-            <a:pPr>
-              <a:lnSpc>
-                <a:spcPct val="150000"/>
-              </a:lnSpc>
-              <a:defRPr/>
-            </a:pPr>
-            <a:r>
-              <a:rPr lang="en-US" sz="1800" dirty="0">
-                <a:solidFill>
-                  <a:schemeClr val="tx1">
-                    <a:lumMod val="85000"/>
-                    <a:lumOff val="15000"/>
-                  </a:schemeClr>
-                </a:solidFill>
-              </a:rPr>
-              <a:t>Micro-Service</a:t>
-            </a:r>
-          </a:p>
-          <a:p>
-            <a:pPr>
-              <a:lnSpc>
-                <a:spcPct val="150000"/>
-              </a:lnSpc>
-              <a:defRPr/>
-            </a:pPr>
-            <a:r>
-              <a:rPr lang="en-US" sz="1800" dirty="0" err="1">
-                <a:solidFill>
-                  <a:schemeClr val="tx1">
-                    <a:lumMod val="85000"/>
-                    <a:lumOff val="15000"/>
-                  </a:schemeClr>
-                </a:solidFill>
-              </a:rPr>
-              <a:t>Kontrollinstanz</a:t>
-            </a:r>
-            <a:endParaRPr lang="en-US" sz="1800" dirty="0">
-              <a:solidFill>
-                <a:schemeClr val="tx1">
-                  <a:lumMod val="85000"/>
-                  <a:lumOff val="15000"/>
-                </a:schemeClr>
-              </a:solidFill>
-            </a:endParaRPr>
-          </a:p>
-          <a:p>
-            <a:pPr marL="214313" indent="-214313">
-              <a:lnSpc>
-                <a:spcPct val="150000"/>
-              </a:lnSpc>
-              <a:buFont typeface="Arial"/>
-              <a:buChar char="•"/>
-              <a:defRPr/>
-            </a:pPr>
-            <a:endParaRPr lang="en-US" sz="1800" dirty="0">
-              <a:solidFill>
-                <a:schemeClr val="tx1">
-                  <a:lumMod val="85000"/>
-                  <a:lumOff val="15000"/>
-                </a:schemeClr>
-              </a:solidFill>
-            </a:endParaRPr>
-          </a:p>
-        </p:txBody>
-      </p:sp>
-      <p:sp>
-        <p:nvSpPr>
-          <p:cNvPr id="4" name="Fußzeilenplatzhalter 3"/>
-          <p:cNvSpPr>
-            <a:spLocks noGrp="1"/>
-          </p:cNvSpPr>
-          <p:nvPr>
-            <p:ph type="ftr" sz="quarter" idx="3"/>
-          </p:nvPr>
-        </p:nvSpPr>
-        <p:spPr bwMode="auto"/>
-        <p:txBody>
-          <a:bodyPr/>
-          <a:lstStyle/>
-          <a:p>
-            <a:pPr>
-              <a:defRPr/>
-            </a:pPr>
-            <a:r>
-              <a:rPr lang="en-US"/>
-              <a:t>Control Center – zwei komponenten Monitoring Tool</a:t>
-            </a:r>
-          </a:p>
-        </p:txBody>
-      </p:sp>
-      <p:sp>
-        <p:nvSpPr>
-          <p:cNvPr id="5" name="Foliennummernplatzhalter 4"/>
-          <p:cNvSpPr>
-            <a:spLocks noGrp="1"/>
-          </p:cNvSpPr>
-          <p:nvPr>
-            <p:ph type="sldNum" sz="quarter" idx="4"/>
-          </p:nvPr>
-        </p:nvSpPr>
-        <p:spPr bwMode="auto"/>
-        <p:txBody>
-          <a:bodyPr/>
-          <a:lstStyle/>
-          <a:p>
-            <a:pPr>
-              <a:defRPr/>
-            </a:pPr>
-            <a:fld id="{3A98EE3D-8CD1-4C3F-BD1C-C98C9596463C}" type="slidenum">
-              <a:rPr lang="en-US"/>
-              <a:t>17</a:t>
-            </a:fld>
-            <a:endParaRPr lang="en-US"/>
-          </a:p>
-        </p:txBody>
-      </p:sp>
-      <p:sp>
-        <p:nvSpPr>
-          <p:cNvPr id="6" name="Datumsplatzhalter 5"/>
-          <p:cNvSpPr>
-            <a:spLocks noGrp="1"/>
-          </p:cNvSpPr>
-          <p:nvPr>
-            <p:ph type="dt" sz="half" idx="15"/>
-          </p:nvPr>
-        </p:nvSpPr>
-        <p:spPr bwMode="auto"/>
-        <p:txBody>
-          <a:bodyPr/>
-          <a:lstStyle/>
-          <a:p>
-            <a:pPr>
-              <a:defRPr/>
-            </a:pPr>
-            <a:r>
-              <a:rPr lang="de-DE"/>
-              <a:t>Eduard Schwarzkopf </a:t>
-            </a:r>
-            <a:endParaRPr lang="en-US"/>
-          </a:p>
-        </p:txBody>
-      </p:sp>
       <p:pic>
         <p:nvPicPr>
-          <p:cNvPr id="10" name="Grafik 9">
+          <p:cNvPr id="8" name="Grafik 7">
             <a:extLst>
               <a:ext uri="{FF2B5EF4-FFF2-40B4-BE49-F238E27FC236}">
-                <a16:creationId xmlns:a16="http://schemas.microsoft.com/office/drawing/2014/main" id="{0C0FB002-AD98-F1FD-2F74-855BA54393D7}"/>
+                <a16:creationId xmlns:a16="http://schemas.microsoft.com/office/drawing/2014/main" id="{43FFBED7-1D86-FF20-DC69-995AB919F09D}"/>
               </a:ext>
             </a:extLst>
           </p:cNvPr>
@@ -10899,14 +10666,301 @@
         </p:blipFill>
         <p:spPr>
           <a:xfrm>
-            <a:off x="1355649" y="2881312"/>
-            <a:ext cx="1638300" cy="1095375"/>
+            <a:off x="1131811" y="2733675"/>
+            <a:ext cx="2085975" cy="1390650"/>
           </a:xfrm>
           <a:prstGeom prst="rect">
             <a:avLst/>
           </a:prstGeom>
         </p:spPr>
       </p:pic>
+      <p:sp>
+        <p:nvSpPr>
+          <p:cNvPr id="2" name="Title 1"/>
+          <p:cNvSpPr>
+            <a:spLocks noGrp="1"/>
+          </p:cNvSpPr>
+          <p:nvPr>
+            <p:ph type="title"/>
+          </p:nvPr>
+        </p:nvSpPr>
+        <p:spPr bwMode="auto">
+          <a:xfrm>
+            <a:off x="4082902" y="1564403"/>
+            <a:ext cx="4283858" cy="966977"/>
+          </a:xfrm>
+        </p:spPr>
+        <p:txBody>
+          <a:bodyPr/>
+          <a:lstStyle/>
+          <a:p>
+            <a:pPr>
+              <a:defRPr/>
+            </a:pPr>
+            <a:r>
+              <a:rPr lang="en-US" dirty="0">
+                <a:solidFill>
+                  <a:schemeClr val="tx1">
+                    <a:lumMod val="85000"/>
+                    <a:lumOff val="15000"/>
+                  </a:schemeClr>
+                </a:solidFill>
+              </a:rPr>
+              <a:t>KOMPONENTE 2 – </a:t>
+            </a:r>
+            <a:br>
+              <a:rPr lang="en-US" dirty="0">
+                <a:solidFill>
+                  <a:schemeClr val="tx1">
+                    <a:lumMod val="85000"/>
+                    <a:lumOff val="15000"/>
+                  </a:schemeClr>
+                </a:solidFill>
+              </a:rPr>
+            </a:br>
+            <a:r>
+              <a:rPr lang="en-US" dirty="0">
+                <a:solidFill>
+                  <a:schemeClr val="tx1">
+                    <a:lumMod val="85000"/>
+                    <a:lumOff val="15000"/>
+                  </a:schemeClr>
+                </a:solidFill>
+              </a:rPr>
+              <a:t>CONTROL CENTER</a:t>
+            </a:r>
+          </a:p>
+        </p:txBody>
+      </p:sp>
+      <p:sp>
+        <p:nvSpPr>
+          <p:cNvPr id="3" name="Content Placeholder 2"/>
+          <p:cNvSpPr>
+            <a:spLocks noGrp="1"/>
+          </p:cNvSpPr>
+          <p:nvPr>
+            <p:ph sz="half" idx="2"/>
+          </p:nvPr>
+        </p:nvSpPr>
+        <p:spPr bwMode="auto">
+          <a:xfrm>
+            <a:off x="4082902" y="2571750"/>
+            <a:ext cx="4283858" cy="2722626"/>
+          </a:xfrm>
+        </p:spPr>
+        <p:txBody>
+          <a:bodyPr>
+            <a:noAutofit/>
+          </a:bodyPr>
+          <a:lstStyle/>
+          <a:p>
+            <a:pPr>
+              <a:lnSpc>
+                <a:spcPct val="150000"/>
+              </a:lnSpc>
+              <a:defRPr/>
+            </a:pPr>
+            <a:r>
+              <a:rPr lang="en-US" sz="1800" dirty="0">
+                <a:solidFill>
+                  <a:schemeClr val="tx1">
+                    <a:lumMod val="85000"/>
+                    <a:lumOff val="15000"/>
+                  </a:schemeClr>
+                </a:solidFill>
+              </a:rPr>
+              <a:t>Laravel</a:t>
+            </a:r>
+          </a:p>
+          <a:p>
+            <a:pPr>
+              <a:lnSpc>
+                <a:spcPct val="150000"/>
+              </a:lnSpc>
+              <a:defRPr/>
+            </a:pPr>
+            <a:r>
+              <a:rPr lang="en-US" sz="1800" dirty="0" err="1">
+                <a:solidFill>
+                  <a:schemeClr val="tx1">
+                    <a:lumMod val="85000"/>
+                    <a:lumOff val="15000"/>
+                  </a:schemeClr>
+                </a:solidFill>
+              </a:rPr>
+              <a:t>VueJs</a:t>
+            </a:r>
+            <a:endParaRPr lang="en-US" sz="1800" dirty="0">
+              <a:solidFill>
+                <a:schemeClr val="tx1">
+                  <a:lumMod val="85000"/>
+                  <a:lumOff val="15000"/>
+                </a:schemeClr>
+              </a:solidFill>
+            </a:endParaRPr>
+          </a:p>
+          <a:p>
+            <a:pPr>
+              <a:lnSpc>
+                <a:spcPct val="150000"/>
+              </a:lnSpc>
+              <a:defRPr/>
+            </a:pPr>
+            <a:r>
+              <a:rPr lang="en-US" sz="1800" dirty="0">
+                <a:solidFill>
+                  <a:schemeClr val="tx1">
+                    <a:lumMod val="85000"/>
+                    <a:lumOff val="15000"/>
+                  </a:schemeClr>
+                </a:solidFill>
+              </a:rPr>
+              <a:t>Tailwind</a:t>
+            </a:r>
+          </a:p>
+          <a:p>
+            <a:pPr>
+              <a:lnSpc>
+                <a:spcPct val="150000"/>
+              </a:lnSpc>
+              <a:defRPr/>
+            </a:pPr>
+            <a:r>
+              <a:rPr lang="en-US" sz="1800" dirty="0">
+                <a:solidFill>
+                  <a:schemeClr val="tx1">
+                    <a:lumMod val="85000"/>
+                    <a:lumOff val="15000"/>
+                  </a:schemeClr>
+                </a:solidFill>
+              </a:rPr>
+              <a:t>Micro-Service</a:t>
+            </a:r>
+          </a:p>
+          <a:p>
+            <a:pPr>
+              <a:lnSpc>
+                <a:spcPct val="150000"/>
+              </a:lnSpc>
+              <a:defRPr/>
+            </a:pPr>
+            <a:r>
+              <a:rPr lang="en-US" sz="1800" dirty="0" err="1">
+                <a:solidFill>
+                  <a:schemeClr val="tx1">
+                    <a:lumMod val="85000"/>
+                    <a:lumOff val="15000"/>
+                  </a:schemeClr>
+                </a:solidFill>
+              </a:rPr>
+              <a:t>Kontrollinstanz</a:t>
+            </a:r>
+            <a:endParaRPr lang="en-US" sz="1800" dirty="0">
+              <a:solidFill>
+                <a:schemeClr val="tx1">
+                  <a:lumMod val="85000"/>
+                  <a:lumOff val="15000"/>
+                </a:schemeClr>
+              </a:solidFill>
+            </a:endParaRPr>
+          </a:p>
+          <a:p>
+            <a:pPr marL="214313" indent="-214313">
+              <a:lnSpc>
+                <a:spcPct val="150000"/>
+              </a:lnSpc>
+              <a:buFont typeface="Arial"/>
+              <a:buChar char="•"/>
+              <a:defRPr/>
+            </a:pPr>
+            <a:endParaRPr lang="en-US" sz="1800" dirty="0">
+              <a:solidFill>
+                <a:schemeClr val="tx1">
+                  <a:lumMod val="85000"/>
+                  <a:lumOff val="15000"/>
+                </a:schemeClr>
+              </a:solidFill>
+            </a:endParaRPr>
+          </a:p>
+        </p:txBody>
+      </p:sp>
+      <p:sp>
+        <p:nvSpPr>
+          <p:cNvPr id="4" name="Fußzeilenplatzhalter 3"/>
+          <p:cNvSpPr>
+            <a:spLocks noGrp="1"/>
+          </p:cNvSpPr>
+          <p:nvPr>
+            <p:ph type="ftr" sz="quarter" idx="3"/>
+          </p:nvPr>
+        </p:nvSpPr>
+        <p:spPr bwMode="auto"/>
+        <p:txBody>
+          <a:bodyPr/>
+          <a:lstStyle/>
+          <a:p>
+            <a:pPr>
+              <a:defRPr/>
+            </a:pPr>
+            <a:r>
+              <a:rPr lang="en-US"/>
+              <a:t>Control Center – zwei komponenten Monitoring Tool</a:t>
+            </a:r>
+          </a:p>
+        </p:txBody>
+      </p:sp>
+      <p:sp>
+        <p:nvSpPr>
+          <p:cNvPr id="5" name="Foliennummernplatzhalter 4"/>
+          <p:cNvSpPr>
+            <a:spLocks noGrp="1"/>
+          </p:cNvSpPr>
+          <p:nvPr>
+            <p:ph type="sldNum" sz="quarter" idx="4"/>
+          </p:nvPr>
+        </p:nvSpPr>
+        <p:spPr bwMode="auto"/>
+        <p:txBody>
+          <a:bodyPr/>
+          <a:lstStyle/>
+          <a:p>
+            <a:pPr>
+              <a:defRPr/>
+            </a:pPr>
+            <a:fld id="{3A98EE3D-8CD1-4C3F-BD1C-C98C9596463C}" type="slidenum">
+              <a:rPr lang="en-US"/>
+              <a:t>17</a:t>
+            </a:fld>
+            <a:endParaRPr lang="en-US"/>
+          </a:p>
+        </p:txBody>
+      </p:sp>
+      <p:sp>
+        <p:nvSpPr>
+          <p:cNvPr id="6" name="Datumsplatzhalter 5"/>
+          <p:cNvSpPr>
+            <a:spLocks noGrp="1"/>
+          </p:cNvSpPr>
+          <p:nvPr>
+            <p:ph type="dt" sz="half" idx="15"/>
+          </p:nvPr>
+        </p:nvSpPr>
+        <p:spPr bwMode="auto"/>
+        <p:txBody>
+          <a:bodyPr/>
+          <a:lstStyle/>
+          <a:p>
+            <a:pPr>
+              <a:defRPr/>
+            </a:pPr>
+            <a:r>
+              <a:rPr lang="de-DE"/>
+              <a:t>Eduard Schwarzkopf </a:t>
+            </a:r>
+            <a:endParaRPr lang="en-US"/>
+          </a:p>
+        </p:txBody>
+      </p:sp>
     </p:spTree>
     <p:extLst>
       <p:ext uri="{BB962C8B-B14F-4D97-AF65-F5344CB8AC3E}">
@@ -11835,16 +11889,16 @@
               <a:defRPr/>
             </a:pPr>
             <a:r>
-              <a:rPr lang="en-US" sz="1800" dirty="0" err="1">
-                <a:solidFill>
-                  <a:srgbClr val="D0D1D9"/>
+              <a:rPr lang="en-US" sz="1400" dirty="0" err="1">
+                <a:solidFill>
+                  <a:srgbClr val="000000"/>
                 </a:solidFill>
               </a:rPr>
               <a:t>Vorstellung</a:t>
             </a:r>
-            <a:endParaRPr lang="en-US" sz="1800" dirty="0">
+            <a:endParaRPr lang="en-US" sz="1400" dirty="0">
               <a:solidFill>
-                <a:srgbClr val="D0D1D9"/>
+                <a:srgbClr val="000000"/>
               </a:solidFill>
             </a:endParaRPr>
           </a:p>
@@ -11856,16 +11910,16 @@
               <a:defRPr/>
             </a:pPr>
             <a:r>
-              <a:rPr lang="en-US" sz="1800" dirty="0" err="1">
-                <a:solidFill>
-                  <a:srgbClr val="D0D1D9"/>
+              <a:rPr lang="en-US" sz="1400" dirty="0" err="1">
+                <a:solidFill>
+                  <a:srgbClr val="000000"/>
                 </a:solidFill>
               </a:rPr>
               <a:t>Thematik</a:t>
             </a:r>
-            <a:endParaRPr lang="en-US" sz="1800" dirty="0">
+            <a:endParaRPr lang="en-US" sz="1400" dirty="0">
               <a:solidFill>
-                <a:srgbClr val="D0D1D9"/>
+                <a:srgbClr val="000000"/>
               </a:solidFill>
             </a:endParaRPr>
           </a:p>
@@ -11877,16 +11931,16 @@
               <a:defRPr/>
             </a:pPr>
             <a:r>
-              <a:rPr lang="en-US" sz="1800" dirty="0" err="1">
-                <a:solidFill>
-                  <a:srgbClr val="D0D1D9"/>
+              <a:rPr lang="en-US" sz="1400" dirty="0" err="1">
+                <a:solidFill>
+                  <a:srgbClr val="000000"/>
                 </a:solidFill>
               </a:rPr>
               <a:t>Analyse</a:t>
             </a:r>
-            <a:endParaRPr lang="en-US" sz="1800" dirty="0">
+            <a:endParaRPr lang="en-US" sz="1400" dirty="0">
               <a:solidFill>
-                <a:srgbClr val="D0D1D9"/>
+                <a:srgbClr val="000000"/>
               </a:solidFill>
             </a:endParaRPr>
           </a:p>
@@ -11898,16 +11952,16 @@
               <a:defRPr/>
             </a:pPr>
             <a:r>
-              <a:rPr lang="en-US" sz="1800" dirty="0" err="1">
-                <a:solidFill>
-                  <a:srgbClr val="D0D1D9"/>
+              <a:rPr lang="en-US" sz="1400" dirty="0" err="1">
+                <a:solidFill>
+                  <a:srgbClr val="000000"/>
                 </a:solidFill>
               </a:rPr>
               <a:t>Entwurf</a:t>
             </a:r>
-            <a:endParaRPr sz="1800" dirty="0">
+            <a:endParaRPr sz="1400" dirty="0">
               <a:solidFill>
-                <a:srgbClr val="D0D1D9"/>
+                <a:srgbClr val="000000"/>
               </a:solidFill>
             </a:endParaRPr>
           </a:p>
@@ -11919,16 +11973,16 @@
               <a:defRPr/>
             </a:pPr>
             <a:r>
-              <a:rPr lang="en-US" sz="1800" dirty="0" err="1">
-                <a:solidFill>
-                  <a:srgbClr val="D0D1D9"/>
+              <a:rPr lang="en-US" sz="1400" dirty="0" err="1">
+                <a:solidFill>
+                  <a:srgbClr val="000000"/>
                 </a:solidFill>
               </a:rPr>
               <a:t>Implementierung</a:t>
             </a:r>
-            <a:endParaRPr sz="1800" dirty="0">
+            <a:endParaRPr sz="1400" dirty="0">
               <a:solidFill>
-                <a:srgbClr val="D0D1D9"/>
+                <a:srgbClr val="22E298"/>
               </a:solidFill>
             </a:endParaRPr>
           </a:p>
@@ -12305,6 +12359,42 @@
           </a:p>
         </p:txBody>
       </p:sp>
+      <p:pic>
+        <p:nvPicPr>
+          <p:cNvPr id="9" name="Grafik 8">
+            <a:extLst>
+              <a:ext uri="{FF2B5EF4-FFF2-40B4-BE49-F238E27FC236}">
+                <a16:creationId xmlns:a16="http://schemas.microsoft.com/office/drawing/2014/main" id="{435A5498-B72A-DE4E-97B5-55590E318D2D}"/>
+              </a:ext>
+            </a:extLst>
+          </p:cNvPr>
+          <p:cNvPicPr>
+            <a:picLocks noChangeAspect="1"/>
+          </p:cNvPicPr>
+          <p:nvPr/>
+        </p:nvPicPr>
+        <p:blipFill>
+          <a:blip r:embed="rId3">
+            <a:extLst>
+              <a:ext uri="{96DAC541-7B7A-43D3-8B79-37D633B846F1}">
+                <asvg:svgBlip xmlns:asvg="http://schemas.microsoft.com/office/drawing/2016/SVG/main" r:embed="rId4"/>
+              </a:ext>
+            </a:extLst>
+          </a:blip>
+          <a:stretch>
+            <a:fillRect/>
+          </a:stretch>
+        </p:blipFill>
+        <p:spPr>
+          <a:xfrm>
+            <a:off x="5141116" y="2486025"/>
+            <a:ext cx="2828925" cy="1885950"/>
+          </a:xfrm>
+          <a:prstGeom prst="rect">
+            <a:avLst/>
+          </a:prstGeom>
+        </p:spPr>
+      </p:pic>
     </p:spTree>
     <p:extLst>
       <p:ext uri="{BB962C8B-B14F-4D97-AF65-F5344CB8AC3E}">
@@ -13663,16 +13753,16 @@
               <a:defRPr/>
             </a:pPr>
             <a:r>
-              <a:rPr lang="en-US" sz="1800" dirty="0" err="1">
-                <a:solidFill>
-                  <a:srgbClr val="D0D1D9"/>
+              <a:rPr lang="en-US" sz="1400" dirty="0" err="1">
+                <a:solidFill>
+                  <a:srgbClr val="505153"/>
                 </a:solidFill>
               </a:rPr>
               <a:t>Vorstellung</a:t>
             </a:r>
-            <a:endParaRPr lang="en-US" sz="1800" dirty="0">
+            <a:endParaRPr lang="en-US" sz="1400" dirty="0">
               <a:solidFill>
-                <a:srgbClr val="D0D1D9"/>
+                <a:srgbClr val="505153"/>
               </a:solidFill>
             </a:endParaRPr>
           </a:p>
@@ -13705,7 +13795,7 @@
               <a:defRPr/>
             </a:pPr>
             <a:r>
-              <a:rPr lang="en-US" sz="1800" dirty="0" err="1">
+              <a:rPr lang="en-US" sz="1400" dirty="0" err="1">
                 <a:solidFill>
                   <a:schemeClr val="tx1">
                     <a:lumMod val="85000"/>
@@ -13715,7 +13805,7 @@
               </a:rPr>
               <a:t>Analyse</a:t>
             </a:r>
-            <a:endParaRPr lang="en-US" sz="1800" dirty="0">
+            <a:endParaRPr lang="en-US" sz="1400" dirty="0">
               <a:solidFill>
                 <a:schemeClr val="tx1">
                   <a:lumMod val="85000"/>
@@ -13732,7 +13822,7 @@
               <a:defRPr/>
             </a:pPr>
             <a:r>
-              <a:rPr lang="en-US" sz="1800" dirty="0" err="1">
+              <a:rPr lang="en-US" sz="1400" dirty="0" err="1">
                 <a:solidFill>
                   <a:schemeClr val="tx1">
                     <a:lumMod val="85000"/>
@@ -13742,7 +13832,7 @@
               </a:rPr>
               <a:t>Entwurf</a:t>
             </a:r>
-            <a:endParaRPr lang="en-US" sz="1800" dirty="0">
+            <a:endParaRPr lang="en-US" sz="1400" dirty="0">
               <a:solidFill>
                 <a:schemeClr val="tx1">
                   <a:lumMod val="85000"/>
@@ -13759,7 +13849,7 @@
               <a:defRPr/>
             </a:pPr>
             <a:r>
-              <a:rPr lang="en-US" sz="1800" dirty="0" err="1">
+              <a:rPr lang="en-US" sz="1400" dirty="0" err="1">
                 <a:solidFill>
                   <a:schemeClr val="tx1">
                     <a:lumMod val="85000"/>
@@ -13769,7 +13859,7 @@
               </a:rPr>
               <a:t>Implementierung</a:t>
             </a:r>
-            <a:endParaRPr lang="en-US" sz="1800" dirty="0">
+            <a:endParaRPr lang="en-US" sz="1400" dirty="0">
               <a:solidFill>
                 <a:schemeClr val="tx1">
                   <a:lumMod val="85000"/>
@@ -13786,7 +13876,7 @@
               <a:defRPr/>
             </a:pPr>
             <a:r>
-              <a:rPr lang="en-US" sz="1800" dirty="0" err="1">
+              <a:rPr lang="en-US" sz="1400" dirty="0" err="1">
                 <a:solidFill>
                   <a:schemeClr val="tx1">
                     <a:lumMod val="85000"/>
@@ -13797,7 +13887,7 @@
               <a:t>Fazit</a:t>
             </a:r>
             <a:r>
-              <a:rPr lang="en-US" sz="1800" dirty="0">
+              <a:rPr lang="en-US" sz="1400" dirty="0">
                 <a:solidFill>
                   <a:schemeClr val="tx1">
                     <a:lumMod val="85000"/>
@@ -13808,7 +13898,7 @@
               <a:t> und </a:t>
             </a:r>
             <a:r>
-              <a:rPr lang="en-US" sz="1800" dirty="0" err="1">
+              <a:rPr lang="en-US" sz="1400" dirty="0" err="1">
                 <a:solidFill>
                   <a:schemeClr val="tx1">
                     <a:lumMod val="85000"/>
@@ -13818,7 +13908,7 @@
               </a:rPr>
               <a:t>Ausblick</a:t>
             </a:r>
-            <a:endParaRPr lang="en-US" sz="1800" dirty="0">
+            <a:endParaRPr lang="en-US" sz="1400" dirty="0">
               <a:solidFill>
                 <a:schemeClr val="tx1">
                   <a:lumMod val="85000"/>
@@ -14374,16 +14464,16 @@
               <a:defRPr/>
             </a:pPr>
             <a:r>
-              <a:rPr lang="en-US" sz="1800" dirty="0" err="1">
-                <a:solidFill>
-                  <a:srgbClr val="D0D1D9"/>
+              <a:rPr lang="en-US" sz="1400" dirty="0" err="1">
+                <a:solidFill>
+                  <a:srgbClr val="000000"/>
                 </a:solidFill>
               </a:rPr>
               <a:t>Vorstellung</a:t>
             </a:r>
-            <a:endParaRPr lang="en-US" sz="1800" dirty="0">
+            <a:endParaRPr lang="en-US" sz="1400" dirty="0">
               <a:solidFill>
-                <a:srgbClr val="D0D1D9"/>
+                <a:srgbClr val="000000"/>
               </a:solidFill>
             </a:endParaRPr>
           </a:p>
@@ -14395,16 +14485,16 @@
               <a:defRPr/>
             </a:pPr>
             <a:r>
-              <a:rPr lang="en-US" sz="1800" dirty="0" err="1">
-                <a:solidFill>
-                  <a:srgbClr val="D0D1D9"/>
+              <a:rPr lang="en-US" sz="1400" dirty="0" err="1">
+                <a:solidFill>
+                  <a:srgbClr val="000000"/>
                 </a:solidFill>
               </a:rPr>
               <a:t>Thematik</a:t>
             </a:r>
-            <a:endParaRPr lang="en-US" sz="1800" dirty="0">
+            <a:endParaRPr lang="en-US" sz="1400" dirty="0">
               <a:solidFill>
-                <a:srgbClr val="D0D1D9"/>
+                <a:srgbClr val="000000"/>
               </a:solidFill>
             </a:endParaRPr>
           </a:p>
@@ -14437,7 +14527,7 @@
               <a:defRPr/>
             </a:pPr>
             <a:r>
-              <a:rPr lang="en-US" sz="1800" dirty="0" err="1">
+              <a:rPr lang="en-US" sz="1400" dirty="0" err="1">
                 <a:solidFill>
                   <a:schemeClr val="tx1">
                     <a:lumMod val="85000"/>
@@ -14447,7 +14537,7 @@
               </a:rPr>
               <a:t>Entwurf</a:t>
             </a:r>
-            <a:endParaRPr lang="en-US" sz="1800" dirty="0">
+            <a:endParaRPr lang="en-US" sz="1400" dirty="0">
               <a:solidFill>
                 <a:schemeClr val="tx1">
                   <a:lumMod val="85000"/>
@@ -14464,7 +14554,7 @@
               <a:defRPr/>
             </a:pPr>
             <a:r>
-              <a:rPr lang="en-US" sz="1800" dirty="0" err="1">
+              <a:rPr lang="en-US" sz="1400" dirty="0" err="1">
                 <a:solidFill>
                   <a:schemeClr val="tx1">
                     <a:lumMod val="85000"/>
@@ -14474,7 +14564,7 @@
               </a:rPr>
               <a:t>Implementierung</a:t>
             </a:r>
-            <a:endParaRPr lang="en-US" sz="1800" dirty="0">
+            <a:endParaRPr lang="en-US" sz="1400" dirty="0">
               <a:solidFill>
                 <a:schemeClr val="tx1">
                   <a:lumMod val="85000"/>
@@ -14491,7 +14581,7 @@
               <a:defRPr/>
             </a:pPr>
             <a:r>
-              <a:rPr lang="en-US" sz="1800" dirty="0" err="1">
+              <a:rPr lang="en-US" sz="1400" dirty="0" err="1">
                 <a:solidFill>
                   <a:schemeClr val="tx1">
                     <a:lumMod val="85000"/>
@@ -14502,7 +14592,7 @@
               <a:t>Fazit</a:t>
             </a:r>
             <a:r>
-              <a:rPr lang="en-US" sz="1800" dirty="0">
+              <a:rPr lang="en-US" sz="1400" dirty="0">
                 <a:solidFill>
                   <a:schemeClr val="tx1">
                     <a:lumMod val="85000"/>
@@ -14513,7 +14603,7 @@
               <a:t> und </a:t>
             </a:r>
             <a:r>
-              <a:rPr lang="en-US" sz="1800" dirty="0" err="1">
+              <a:rPr lang="en-US" sz="1400" dirty="0" err="1">
                 <a:solidFill>
                   <a:schemeClr val="tx1">
                     <a:lumMod val="85000"/>
@@ -14523,7 +14613,7 @@
               </a:rPr>
               <a:t>Ausblick</a:t>
             </a:r>
-            <a:endParaRPr lang="en-US" sz="1800" dirty="0">
+            <a:endParaRPr lang="en-US" sz="1400" dirty="0">
               <a:solidFill>
                 <a:schemeClr val="tx1">
                   <a:lumMod val="85000"/>

--- a/Abschluss_präsi.pptx
+++ b/Abschluss_präsi.pptx
@@ -1959,7 +1959,7 @@
             </a:pPr>
             <a:r>
               <a:rPr lang="de-DE" dirty="0"/>
-              <a:t>Mehr Funktionen zu einem klassischen Monitoring Tool</a:t>
+              <a:t>Zusätzlich mehr Funktionen zu einem gängigem Monitoring Tool</a:t>
             </a:r>
           </a:p>
           <a:p>
@@ -1994,6 +1994,14 @@
               <a:rPr lang="de-DE" dirty="0"/>
               <a:t>Backups</a:t>
             </a:r>
+          </a:p>
+          <a:p>
+            <a:pPr marL="628650" lvl="1" indent="-171450">
+              <a:buFontTx/>
+              <a:buChar char="-"/>
+              <a:defRPr/>
+            </a:pPr>
+            <a:endParaRPr lang="de-DE" dirty="0"/>
           </a:p>
           <a:p>
             <a:pPr marL="171450" indent="-171450">
@@ -2145,7 +2153,7 @@
             </a:pPr>
             <a:r>
               <a:rPr lang="de-DE" dirty="0"/>
-              <a:t>Komplizierte Überwachung, da mehrere Elemente</a:t>
+              <a:t>Komplizierte Überwachung, da mehrere Systeme verwendet werden</a:t>
             </a:r>
           </a:p>
           <a:p>
@@ -8893,14 +8901,14 @@
               <a:defRPr/>
             </a:pPr>
             <a:r>
-              <a:rPr lang="en-US" sz="1400" dirty="0" err="1">
+              <a:rPr lang="en-US" dirty="0" err="1">
                 <a:solidFill>
                   <a:srgbClr val="000000"/>
                 </a:solidFill>
               </a:rPr>
               <a:t>Vorstellung</a:t>
             </a:r>
-            <a:endParaRPr lang="en-US" sz="1400" dirty="0">
+            <a:endParaRPr lang="en-US" dirty="0">
               <a:solidFill>
                 <a:srgbClr val="000000"/>
               </a:solidFill>
@@ -8914,14 +8922,14 @@
               <a:defRPr/>
             </a:pPr>
             <a:r>
-              <a:rPr lang="en-US" sz="1400" dirty="0" err="1">
+              <a:rPr lang="en-US" dirty="0" err="1">
                 <a:solidFill>
                   <a:srgbClr val="000000"/>
                 </a:solidFill>
               </a:rPr>
               <a:t>Thematik</a:t>
             </a:r>
-            <a:endParaRPr lang="en-US" sz="1400" dirty="0">
+            <a:endParaRPr lang="en-US" dirty="0">
               <a:solidFill>
                 <a:srgbClr val="000000"/>
               </a:solidFill>
@@ -8935,14 +8943,14 @@
               <a:defRPr/>
             </a:pPr>
             <a:r>
-              <a:rPr lang="en-US" sz="1400" dirty="0" err="1">
+              <a:rPr lang="en-US" dirty="0" err="1">
                 <a:solidFill>
                   <a:srgbClr val="000000"/>
                 </a:solidFill>
               </a:rPr>
               <a:t>Analyse</a:t>
             </a:r>
-            <a:endParaRPr lang="en-US" sz="1400" dirty="0">
+            <a:endParaRPr lang="en-US" dirty="0">
               <a:solidFill>
                 <a:srgbClr val="000000"/>
               </a:solidFill>
@@ -8977,7 +8985,7 @@
               <a:defRPr/>
             </a:pPr>
             <a:r>
-              <a:rPr lang="en-US" sz="1400" dirty="0" err="1">
+              <a:rPr lang="en-US" dirty="0" err="1">
                 <a:solidFill>
                   <a:schemeClr val="tx1">
                     <a:lumMod val="85000"/>
@@ -8987,7 +8995,7 @@
               </a:rPr>
               <a:t>Implementierung</a:t>
             </a:r>
-            <a:endParaRPr lang="en-US" sz="1400" dirty="0">
+            <a:endParaRPr lang="en-US" dirty="0">
               <a:solidFill>
                 <a:schemeClr val="tx1">
                   <a:lumMod val="85000"/>
@@ -9004,7 +9012,7 @@
               <a:defRPr/>
             </a:pPr>
             <a:r>
-              <a:rPr lang="en-US" sz="1400" dirty="0" err="1">
+              <a:rPr lang="en-US" dirty="0" err="1">
                 <a:solidFill>
                   <a:schemeClr val="tx1">
                     <a:lumMod val="85000"/>
@@ -9015,7 +9023,7 @@
               <a:t>Fazit</a:t>
             </a:r>
             <a:r>
-              <a:rPr lang="en-US" sz="1400" dirty="0">
+              <a:rPr lang="en-US" dirty="0">
                 <a:solidFill>
                   <a:schemeClr val="tx1">
                     <a:lumMod val="85000"/>
@@ -9026,7 +9034,7 @@
               <a:t> und </a:t>
             </a:r>
             <a:r>
-              <a:rPr lang="en-US" sz="1400" dirty="0" err="1">
+              <a:rPr lang="en-US" dirty="0" err="1">
                 <a:solidFill>
                   <a:schemeClr val="tx1">
                     <a:lumMod val="85000"/>
@@ -9036,7 +9044,7 @@
               </a:rPr>
               <a:t>Ausblick</a:t>
             </a:r>
-            <a:endParaRPr lang="en-US" sz="1400" dirty="0">
+            <a:endParaRPr lang="en-US" dirty="0">
               <a:solidFill>
                 <a:schemeClr val="tx1">
                   <a:lumMod val="85000"/>
@@ -9608,14 +9616,14 @@
               <a:defRPr/>
             </a:pPr>
             <a:r>
-              <a:rPr lang="en-US" sz="1400" dirty="0" err="1">
+              <a:rPr lang="en-US" dirty="0" err="1">
                 <a:solidFill>
                   <a:srgbClr val="000000"/>
                 </a:solidFill>
               </a:rPr>
               <a:t>Vorstellung</a:t>
             </a:r>
-            <a:endParaRPr lang="en-US" sz="1400" dirty="0">
+            <a:endParaRPr lang="en-US" dirty="0">
               <a:solidFill>
                 <a:srgbClr val="000000"/>
               </a:solidFill>
@@ -9629,14 +9637,14 @@
               <a:defRPr/>
             </a:pPr>
             <a:r>
-              <a:rPr lang="en-US" sz="1400" dirty="0" err="1">
+              <a:rPr lang="en-US" dirty="0" err="1">
                 <a:solidFill>
                   <a:srgbClr val="000000"/>
                 </a:solidFill>
               </a:rPr>
               <a:t>Thematik</a:t>
             </a:r>
-            <a:endParaRPr lang="en-US" sz="1400" dirty="0">
+            <a:endParaRPr lang="en-US" dirty="0">
               <a:solidFill>
                 <a:srgbClr val="000000"/>
               </a:solidFill>
@@ -9650,14 +9658,14 @@
               <a:defRPr/>
             </a:pPr>
             <a:r>
-              <a:rPr lang="en-US" sz="1400" dirty="0" err="1">
+              <a:rPr lang="en-US" dirty="0" err="1">
                 <a:solidFill>
                   <a:srgbClr val="000000"/>
                 </a:solidFill>
               </a:rPr>
               <a:t>Analyse</a:t>
             </a:r>
-            <a:endParaRPr lang="en-US" sz="1400" dirty="0">
+            <a:endParaRPr lang="en-US" dirty="0">
               <a:solidFill>
                 <a:srgbClr val="000000"/>
               </a:solidFill>
@@ -9671,14 +9679,14 @@
               <a:defRPr/>
             </a:pPr>
             <a:r>
-              <a:rPr lang="en-US" sz="1400" dirty="0" err="1">
+              <a:rPr lang="en-US" dirty="0" err="1">
                 <a:solidFill>
                   <a:srgbClr val="000000"/>
                 </a:solidFill>
               </a:rPr>
               <a:t>Entwurf</a:t>
             </a:r>
-            <a:endParaRPr lang="en-US" sz="1400" dirty="0">
+            <a:endParaRPr lang="en-US" dirty="0">
               <a:solidFill>
                 <a:srgbClr val="000000"/>
               </a:solidFill>
@@ -9713,7 +9721,7 @@
               <a:defRPr/>
             </a:pPr>
             <a:r>
-              <a:rPr lang="en-US" sz="1400" dirty="0" err="1">
+              <a:rPr lang="en-US" dirty="0" err="1">
                 <a:solidFill>
                   <a:schemeClr val="tx1">
                     <a:lumMod val="85000"/>
@@ -9724,7 +9732,7 @@
               <a:t>Fazit</a:t>
             </a:r>
             <a:r>
-              <a:rPr lang="en-US" sz="1400" dirty="0">
+              <a:rPr lang="en-US" dirty="0">
                 <a:solidFill>
                   <a:schemeClr val="tx1">
                     <a:lumMod val="85000"/>
@@ -9735,7 +9743,7 @@
               <a:t> und </a:t>
             </a:r>
             <a:r>
-              <a:rPr lang="en-US" sz="1400" dirty="0" err="1">
+              <a:rPr lang="en-US" dirty="0" err="1">
                 <a:solidFill>
                   <a:schemeClr val="tx1">
                     <a:lumMod val="85000"/>
@@ -9745,7 +9753,7 @@
               </a:rPr>
               <a:t>Ausblick</a:t>
             </a:r>
-            <a:endParaRPr lang="en-US" sz="1400" dirty="0">
+            <a:endParaRPr lang="en-US" dirty="0">
               <a:solidFill>
                 <a:schemeClr val="tx1">
                   <a:lumMod val="85000"/>
@@ -11889,14 +11897,14 @@
               <a:defRPr/>
             </a:pPr>
             <a:r>
-              <a:rPr lang="en-US" sz="1400" dirty="0" err="1">
+              <a:rPr lang="en-US" dirty="0" err="1">
                 <a:solidFill>
                   <a:srgbClr val="000000"/>
                 </a:solidFill>
               </a:rPr>
               <a:t>Vorstellung</a:t>
             </a:r>
-            <a:endParaRPr lang="en-US" sz="1400" dirty="0">
+            <a:endParaRPr lang="en-US" dirty="0">
               <a:solidFill>
                 <a:srgbClr val="000000"/>
               </a:solidFill>
@@ -11910,14 +11918,14 @@
               <a:defRPr/>
             </a:pPr>
             <a:r>
-              <a:rPr lang="en-US" sz="1400" dirty="0" err="1">
+              <a:rPr lang="en-US" dirty="0" err="1">
                 <a:solidFill>
                   <a:srgbClr val="000000"/>
                 </a:solidFill>
               </a:rPr>
               <a:t>Thematik</a:t>
             </a:r>
-            <a:endParaRPr lang="en-US" sz="1400" dirty="0">
+            <a:endParaRPr lang="en-US" dirty="0">
               <a:solidFill>
                 <a:srgbClr val="000000"/>
               </a:solidFill>
@@ -11931,14 +11939,14 @@
               <a:defRPr/>
             </a:pPr>
             <a:r>
-              <a:rPr lang="en-US" sz="1400" dirty="0" err="1">
+              <a:rPr lang="en-US" dirty="0" err="1">
                 <a:solidFill>
                   <a:srgbClr val="000000"/>
                 </a:solidFill>
               </a:rPr>
               <a:t>Analyse</a:t>
             </a:r>
-            <a:endParaRPr lang="en-US" sz="1400" dirty="0">
+            <a:endParaRPr lang="en-US" dirty="0">
               <a:solidFill>
                 <a:srgbClr val="000000"/>
               </a:solidFill>
@@ -11952,14 +11960,14 @@
               <a:defRPr/>
             </a:pPr>
             <a:r>
-              <a:rPr lang="en-US" sz="1400" dirty="0" err="1">
+              <a:rPr lang="en-US" dirty="0" err="1">
                 <a:solidFill>
                   <a:srgbClr val="000000"/>
                 </a:solidFill>
               </a:rPr>
               <a:t>Entwurf</a:t>
             </a:r>
-            <a:endParaRPr sz="1400" dirty="0">
+            <a:endParaRPr dirty="0">
               <a:solidFill>
                 <a:srgbClr val="000000"/>
               </a:solidFill>
@@ -11973,14 +11981,14 @@
               <a:defRPr/>
             </a:pPr>
             <a:r>
-              <a:rPr lang="en-US" sz="1400" dirty="0" err="1">
+              <a:rPr lang="en-US" dirty="0" err="1">
                 <a:solidFill>
                   <a:srgbClr val="000000"/>
                 </a:solidFill>
               </a:rPr>
               <a:t>Implementierung</a:t>
             </a:r>
-            <a:endParaRPr sz="1400" dirty="0">
+            <a:endParaRPr dirty="0">
               <a:solidFill>
                 <a:srgbClr val="22E298"/>
               </a:solidFill>
@@ -13753,14 +13761,14 @@
               <a:defRPr/>
             </a:pPr>
             <a:r>
-              <a:rPr lang="en-US" sz="1400" dirty="0" err="1">
+              <a:rPr lang="en-US" dirty="0" err="1">
                 <a:solidFill>
                   <a:srgbClr val="505153"/>
                 </a:solidFill>
               </a:rPr>
               <a:t>Vorstellung</a:t>
             </a:r>
-            <a:endParaRPr lang="en-US" sz="1400" dirty="0">
+            <a:endParaRPr lang="en-US" dirty="0">
               <a:solidFill>
                 <a:srgbClr val="505153"/>
               </a:solidFill>
@@ -13795,7 +13803,7 @@
               <a:defRPr/>
             </a:pPr>
             <a:r>
-              <a:rPr lang="en-US" sz="1400" dirty="0" err="1">
+              <a:rPr lang="en-US" dirty="0" err="1">
                 <a:solidFill>
                   <a:schemeClr val="tx1">
                     <a:lumMod val="85000"/>
@@ -13805,7 +13813,7 @@
               </a:rPr>
               <a:t>Analyse</a:t>
             </a:r>
-            <a:endParaRPr lang="en-US" sz="1400" dirty="0">
+            <a:endParaRPr lang="en-US" dirty="0">
               <a:solidFill>
                 <a:schemeClr val="tx1">
                   <a:lumMod val="85000"/>
@@ -13822,7 +13830,7 @@
               <a:defRPr/>
             </a:pPr>
             <a:r>
-              <a:rPr lang="en-US" sz="1400" dirty="0" err="1">
+              <a:rPr lang="en-US" dirty="0" err="1">
                 <a:solidFill>
                   <a:schemeClr val="tx1">
                     <a:lumMod val="85000"/>
@@ -13832,7 +13840,7 @@
               </a:rPr>
               <a:t>Entwurf</a:t>
             </a:r>
-            <a:endParaRPr lang="en-US" sz="1400" dirty="0">
+            <a:endParaRPr lang="en-US" dirty="0">
               <a:solidFill>
                 <a:schemeClr val="tx1">
                   <a:lumMod val="85000"/>
@@ -13849,7 +13857,7 @@
               <a:defRPr/>
             </a:pPr>
             <a:r>
-              <a:rPr lang="en-US" sz="1400" dirty="0" err="1">
+              <a:rPr lang="en-US" dirty="0" err="1">
                 <a:solidFill>
                   <a:schemeClr val="tx1">
                     <a:lumMod val="85000"/>
@@ -13859,7 +13867,7 @@
               </a:rPr>
               <a:t>Implementierung</a:t>
             </a:r>
-            <a:endParaRPr lang="en-US" sz="1400" dirty="0">
+            <a:endParaRPr lang="en-US" dirty="0">
               <a:solidFill>
                 <a:schemeClr val="tx1">
                   <a:lumMod val="85000"/>
@@ -13876,7 +13884,7 @@
               <a:defRPr/>
             </a:pPr>
             <a:r>
-              <a:rPr lang="en-US" sz="1400" dirty="0" err="1">
+              <a:rPr lang="en-US" dirty="0" err="1">
                 <a:solidFill>
                   <a:schemeClr val="tx1">
                     <a:lumMod val="85000"/>
@@ -13887,7 +13895,7 @@
               <a:t>Fazit</a:t>
             </a:r>
             <a:r>
-              <a:rPr lang="en-US" sz="1400" dirty="0">
+              <a:rPr lang="en-US" dirty="0">
                 <a:solidFill>
                   <a:schemeClr val="tx1">
                     <a:lumMod val="85000"/>
@@ -13898,7 +13906,7 @@
               <a:t> und </a:t>
             </a:r>
             <a:r>
-              <a:rPr lang="en-US" sz="1400" dirty="0" err="1">
+              <a:rPr lang="en-US" dirty="0" err="1">
                 <a:solidFill>
                   <a:schemeClr val="tx1">
                     <a:lumMod val="85000"/>
@@ -13908,7 +13916,7 @@
               </a:rPr>
               <a:t>Ausblick</a:t>
             </a:r>
-            <a:endParaRPr lang="en-US" sz="1400" dirty="0">
+            <a:endParaRPr lang="en-US" dirty="0">
               <a:solidFill>
                 <a:schemeClr val="tx1">
                   <a:lumMod val="85000"/>
@@ -14464,14 +14472,14 @@
               <a:defRPr/>
             </a:pPr>
             <a:r>
-              <a:rPr lang="en-US" sz="1400" dirty="0" err="1">
+              <a:rPr lang="en-US" dirty="0" err="1">
                 <a:solidFill>
                   <a:srgbClr val="000000"/>
                 </a:solidFill>
               </a:rPr>
               <a:t>Vorstellung</a:t>
             </a:r>
-            <a:endParaRPr lang="en-US" sz="1400" dirty="0">
+            <a:endParaRPr lang="en-US" dirty="0">
               <a:solidFill>
                 <a:srgbClr val="000000"/>
               </a:solidFill>
@@ -14485,14 +14493,14 @@
               <a:defRPr/>
             </a:pPr>
             <a:r>
-              <a:rPr lang="en-US" sz="1400" dirty="0" err="1">
+              <a:rPr lang="en-US" dirty="0" err="1">
                 <a:solidFill>
                   <a:srgbClr val="000000"/>
                 </a:solidFill>
               </a:rPr>
               <a:t>Thematik</a:t>
             </a:r>
-            <a:endParaRPr lang="en-US" sz="1400" dirty="0">
+            <a:endParaRPr lang="en-US" dirty="0">
               <a:solidFill>
                 <a:srgbClr val="000000"/>
               </a:solidFill>
@@ -14527,7 +14535,7 @@
               <a:defRPr/>
             </a:pPr>
             <a:r>
-              <a:rPr lang="en-US" sz="1400" dirty="0" err="1">
+              <a:rPr lang="en-US" dirty="0" err="1">
                 <a:solidFill>
                   <a:schemeClr val="tx1">
                     <a:lumMod val="85000"/>
@@ -14537,7 +14545,7 @@
               </a:rPr>
               <a:t>Entwurf</a:t>
             </a:r>
-            <a:endParaRPr lang="en-US" sz="1400" dirty="0">
+            <a:endParaRPr lang="en-US" dirty="0">
               <a:solidFill>
                 <a:schemeClr val="tx1">
                   <a:lumMod val="85000"/>
@@ -14554,7 +14562,7 @@
               <a:defRPr/>
             </a:pPr>
             <a:r>
-              <a:rPr lang="en-US" sz="1400" dirty="0" err="1">
+              <a:rPr lang="en-US" dirty="0" err="1">
                 <a:solidFill>
                   <a:schemeClr val="tx1">
                     <a:lumMod val="85000"/>
@@ -14564,7 +14572,7 @@
               </a:rPr>
               <a:t>Implementierung</a:t>
             </a:r>
-            <a:endParaRPr lang="en-US" sz="1400" dirty="0">
+            <a:endParaRPr lang="en-US" dirty="0">
               <a:solidFill>
                 <a:schemeClr val="tx1">
                   <a:lumMod val="85000"/>
@@ -14581,7 +14589,7 @@
               <a:defRPr/>
             </a:pPr>
             <a:r>
-              <a:rPr lang="en-US" sz="1400" dirty="0" err="1">
+              <a:rPr lang="en-US" dirty="0" err="1">
                 <a:solidFill>
                   <a:schemeClr val="tx1">
                     <a:lumMod val="85000"/>
@@ -14592,7 +14600,7 @@
               <a:t>Fazit</a:t>
             </a:r>
             <a:r>
-              <a:rPr lang="en-US" sz="1400" dirty="0">
+              <a:rPr lang="en-US" dirty="0">
                 <a:solidFill>
                   <a:schemeClr val="tx1">
                     <a:lumMod val="85000"/>
@@ -14603,7 +14611,7 @@
               <a:t> und </a:t>
             </a:r>
             <a:r>
-              <a:rPr lang="en-US" sz="1400" dirty="0" err="1">
+              <a:rPr lang="en-US" dirty="0" err="1">
                 <a:solidFill>
                   <a:schemeClr val="tx1">
                     <a:lumMod val="85000"/>
@@ -14613,7 +14621,7 @@
               </a:rPr>
               <a:t>Ausblick</a:t>
             </a:r>
-            <a:endParaRPr lang="en-US" sz="1400" dirty="0">
+            <a:endParaRPr lang="en-US" dirty="0">
               <a:solidFill>
                 <a:schemeClr val="tx1">
                   <a:lumMod val="85000"/>

--- a/Abschluss_präsi.pptx
+++ b/Abschluss_präsi.pptx
@@ -16085,7 +16085,7 @@
           <p:nvPr>
             <p:extLst>
               <p:ext uri="{D42A27DB-BD31-4B8C-83A1-F6EECF244321}">
-                <p14:modId xmlns:p14="http://schemas.microsoft.com/office/powerpoint/2010/main" val="3024560215"/>
+                <p14:modId xmlns:p14="http://schemas.microsoft.com/office/powerpoint/2010/main" val="2762704096"/>
               </p:ext>
             </p:extLst>
           </p:nvPr>
@@ -16754,7 +16754,7 @@
                           <a:effectLst/>
                           <a:latin typeface="Nunito" panose="00000500000000000000" pitchFamily="2" charset="0"/>
                         </a:rPr>
-                        <a:t>1.736,7</a:t>
+                        <a:t>1.736,70</a:t>
                       </a:r>
                       <a:endParaRPr lang="de-DE" sz="1400" dirty="0">
                         <a:solidFill>
@@ -17405,7 +17405,7 @@
                           <a:effectLst/>
                           <a:latin typeface="Nunito" panose="00000500000000000000" pitchFamily="2" charset="0"/>
                         </a:rPr>
-                        <a:t>1.906,6</a:t>
+                        <a:t>1.906,60</a:t>
                       </a:r>
                       <a:endParaRPr lang="de-DE" sz="1400" b="1" dirty="0">
                         <a:solidFill>

--- a/Abschluss_präsi.pptx
+++ b/Abschluss_präsi.pptx
@@ -898,7 +898,7 @@
             </a:pPr>
             <a:r>
               <a:rPr lang="de-DE" dirty="0"/>
-              <a:t>Alle Webhoster, einfach hochladen, fertig</a:t>
+              <a:t>Der Client soll auf allen Hostern ohne weitere Anpassungen laufen</a:t>
             </a:r>
           </a:p>
           <a:p>
@@ -907,8 +907,12 @@
               <a:buChar char="-"/>
             </a:pPr>
             <a:r>
+              <a:rPr lang="de-DE" dirty="0" err="1"/>
+              <a:t>Reduntante</a:t>
+            </a:r>
+            <a:r>
               <a:rPr lang="de-DE" dirty="0"/>
-              <a:t>Backups, sowohl auf Client als auch auf Control Center</a:t>
+              <a:t> Backups, sowohl auf Client Server als auch Control Center</a:t>
             </a:r>
           </a:p>
           <a:p>
@@ -938,7 +942,7 @@
             </a:pPr>
             <a:r>
               <a:rPr lang="de-DE" dirty="0"/>
-              <a:t>Leicht bedienbares Dashboard</a:t>
+              <a:t>Ein leicht bedienbares Dashboard, vor allem für nicht Fachkräfte</a:t>
             </a:r>
           </a:p>
           <a:p>
@@ -948,7 +952,17 @@
             </a:pPr>
             <a:r>
               <a:rPr lang="de-DE" dirty="0"/>
-              <a:t>Monitoring der Dienste</a:t>
+              <a:t>Das normale Monitoring der Systeme sowie weitere Serverinfos</a:t>
+            </a:r>
+          </a:p>
+          <a:p>
+            <a:pPr marL="628650" lvl="1" indent="-171450">
+              <a:buFontTx/>
+              <a:buChar char="-"/>
+            </a:pPr>
+            <a:r>
+              <a:rPr lang="de-DE" dirty="0"/>
+              <a:t>Bspw. Speicherplatznutzung, Datenbankversion</a:t>
             </a:r>
           </a:p>
           <a:p>
@@ -958,18 +972,13 @@
             </a:pPr>
             <a:r>
               <a:rPr lang="de-DE" dirty="0"/>
-              <a:t>Klassisches Monitoring auch ermöglichen</a:t>
-            </a:r>
-          </a:p>
-          <a:p>
-            <a:pPr marL="171450" indent="-171450">
-              <a:buFontTx/>
-              <a:buChar char="-"/>
-            </a:pPr>
-            <a:r>
-              <a:rPr lang="de-DE" dirty="0"/>
-              <a:t>Benachrichtigung über E-Mail</a:t>
-            </a:r>
+              <a:t>Benachrichtigung über E-Mail im Falle </a:t>
+            </a:r>
+            <a:r>
+              <a:rPr lang="de-DE"/>
+              <a:t>eines Ausfalls</a:t>
+            </a:r>
+            <a:endParaRPr lang="de-DE" dirty="0"/>
           </a:p>
           <a:p>
             <a:pPr marL="171450" indent="-171450">
@@ -2515,7 +2524,7 @@
             </a:pPr>
             <a:r>
               <a:rPr lang="de-DE" dirty="0"/>
-              <a:t>75€ Abokosten sind mehrere genutzte Tools</a:t>
+              <a:t>75€ Abokosten der mehreren genutzte Tools</a:t>
             </a:r>
           </a:p>
           <a:p>

--- a/Abschluss_präsi.pptx
+++ b/Abschluss_präsi.pptx
@@ -972,13 +972,8 @@
             </a:pPr>
             <a:r>
               <a:rPr lang="de-DE" dirty="0"/>
-              <a:t>Benachrichtigung über E-Mail im Falle </a:t>
-            </a:r>
-            <a:r>
-              <a:rPr lang="de-DE"/>
-              <a:t>eines Ausfalls</a:t>
-            </a:r>
-            <a:endParaRPr lang="de-DE" dirty="0"/>
+              <a:t>Benachrichtigung über E-Mail im Falle eines Ausfalls</a:t>
+            </a:r>
           </a:p>
           <a:p>
             <a:pPr marL="171450" indent="-171450">
@@ -1481,15 +1476,8 @@
             </a:pPr>
             <a:r>
               <a:rPr lang="de-DE" dirty="0"/>
-              <a:t>Ziel ist erreicht und bereits im Einsatz</a:t>
-            </a:r>
-          </a:p>
-          <a:p>
-            <a:pPr marL="0" indent="0">
-              <a:buFontTx/>
-              <a:buNone/>
-            </a:pPr>
-            <a:endParaRPr lang="de-DE" dirty="0"/>
+              <a:t>Leichte Abweichung in einzelnen Phasen Zeitplan</a:t>
+            </a:r>
           </a:p>
           <a:p>
             <a:pPr marL="171450" indent="-171450">
@@ -1498,7 +1486,7 @@
             </a:pPr>
             <a:r>
               <a:rPr lang="de-DE" dirty="0"/>
-              <a:t>Leichte Abweichung in einzelnen Phasen Zeitplan</a:t>
+              <a:t>Ziel konnte erreicht werden</a:t>
             </a:r>
           </a:p>
           <a:p>
@@ -1506,36 +1494,9 @@
               <a:buFontTx/>
               <a:buChar char="-"/>
             </a:pPr>
-            <a:endParaRPr lang="de-DE" dirty="0"/>
-          </a:p>
-          <a:p>
-            <a:pPr marL="171450" indent="-171450">
-              <a:buFontTx/>
-              <a:buChar char="-"/>
-            </a:pPr>
             <a:r>
               <a:rPr lang="de-DE" dirty="0"/>
-              <a:t>Alle Webseitenchecks laufen bereits auf dem Control Center</a:t>
-            </a:r>
-          </a:p>
-          <a:p>
-            <a:pPr marL="171450" indent="-171450">
-              <a:buFontTx/>
-              <a:buChar char="-"/>
-            </a:pPr>
-            <a:r>
-              <a:rPr lang="de-DE" dirty="0"/>
-              <a:t>Weitere Anforderungen während Entwicklung</a:t>
-            </a:r>
-          </a:p>
-          <a:p>
-            <a:pPr marL="628650" lvl="1" indent="-171450">
-              <a:buFontTx/>
-              <a:buChar char="-"/>
-            </a:pPr>
-            <a:r>
-              <a:rPr lang="de-DE" dirty="0"/>
-              <a:t>Im Ticket System festgehalten für die Zukunft</a:t>
+              <a:t>Alle Webseiten laufen bereits auf dem Control Center</a:t>
             </a:r>
           </a:p>
           <a:p>
@@ -1604,7 +1565,24 @@
           <a:bodyPr/>
           <a:lstStyle/>
           <a:p>
-            <a:endParaRPr lang="de-DE" dirty="0"/>
+            <a:pPr marL="171450" indent="-171450">
+              <a:buFontTx/>
+              <a:buChar char="-"/>
+            </a:pPr>
+            <a:r>
+              <a:rPr lang="de-DE" dirty="0"/>
+              <a:t>Weitere Anforderungen während Entwicklung</a:t>
+            </a:r>
+          </a:p>
+          <a:p>
+            <a:pPr marL="171450" lvl="0" indent="-171450">
+              <a:buFontTx/>
+              <a:buChar char="-"/>
+            </a:pPr>
+            <a:r>
+              <a:rPr lang="de-DE" dirty="0"/>
+              <a:t>Im Ticket System festgehalten für die Zukunft</a:t>
+            </a:r>
           </a:p>
         </p:txBody>
       </p:sp>
@@ -12211,7 +12189,7 @@
                   </a:schemeClr>
                 </a:solidFill>
               </a:rPr>
-              <a:t>Projektziel erreicht</a:t>
+              <a:t>Zeitplan eingehalten</a:t>
             </a:r>
           </a:p>
           <a:p>
@@ -12232,7 +12210,7 @@
                   </a:schemeClr>
                 </a:solidFill>
               </a:rPr>
-              <a:t>Zeitplan eingehalten</a:t>
+              <a:t>Projektziel erreicht</a:t>
             </a:r>
           </a:p>
           <a:p>
@@ -12253,7 +12231,7 @@
                   </a:schemeClr>
                 </a:solidFill>
               </a:rPr>
-              <a:t>Weitere Anforderungen</a:t>
+              <a:t>Bereits im vollen Einsatz</a:t>
             </a:r>
           </a:p>
         </p:txBody>
@@ -12560,26 +12538,6 @@
                   </a:schemeClr>
                 </a:solidFill>
               </a:rPr>
-              <a:t>Wunsch-Features implementieren</a:t>
-            </a:r>
-          </a:p>
-          <a:p>
-            <a:pPr marL="0" indent="0">
-              <a:lnSpc>
-                <a:spcPct val="150000"/>
-              </a:lnSpc>
-              <a:buNone/>
-              <a:defRPr/>
-            </a:pPr>
-            <a:r>
-              <a:rPr lang="de-DE" sz="2000" spc="150" dirty="0">
-                <a:solidFill>
-                  <a:schemeClr val="tx1">
-                    <a:lumMod val="85000"/>
-                    <a:lumOff val="15000"/>
-                  </a:schemeClr>
-                </a:solidFill>
-              </a:rPr>
               <a:t>Frontend </a:t>
             </a:r>
             <a:r>
@@ -12601,6 +12559,26 @@
                 </a:schemeClr>
               </a:solidFill>
             </a:endParaRPr>
+          </a:p>
+          <a:p>
+            <a:pPr marL="0" indent="0">
+              <a:lnSpc>
+                <a:spcPct val="150000"/>
+              </a:lnSpc>
+              <a:buNone/>
+              <a:defRPr/>
+            </a:pPr>
+            <a:r>
+              <a:rPr lang="de-DE" sz="2000" spc="150" dirty="0">
+                <a:solidFill>
+                  <a:schemeClr val="tx1">
+                    <a:lumMod val="85000"/>
+                    <a:lumOff val="15000"/>
+                  </a:schemeClr>
+                </a:solidFill>
+              </a:rPr>
+              <a:t>Wunsch-Features implementieren</a:t>
+            </a:r>
           </a:p>
         </p:txBody>
       </p:sp>
@@ -13324,31 +13302,6 @@
               <a:t>Eduard Schwarzkopf </a:t>
             </a:r>
             <a:endParaRPr lang="en-US"/>
-          </a:p>
-        </p:txBody>
-      </p:sp>
-      <p:sp>
-        <p:nvSpPr>
-          <p:cNvPr id="7" name="Textplatzhalter 6">
-            <a:extLst>
-              <a:ext uri="{FF2B5EF4-FFF2-40B4-BE49-F238E27FC236}">
-                <a16:creationId xmlns:a16="http://schemas.microsoft.com/office/drawing/2014/main" id="{E10E42F1-8EC0-2500-ABA6-E4B2DFDBD4D5}"/>
-              </a:ext>
-            </a:extLst>
-          </p:cNvPr>
-          <p:cNvSpPr>
-            <a:spLocks noGrp="1"/>
-          </p:cNvSpPr>
-          <p:nvPr>
-            <p:ph type="body" sz="half" idx="2"/>
-          </p:nvPr>
-        </p:nvSpPr>
-        <p:spPr/>
-        <p:txBody>
-          <a:bodyPr/>
-          <a:lstStyle/>
-          <a:p>
-            <a:endParaRPr lang="de-DE"/>
           </a:p>
         </p:txBody>
       </p:sp>
@@ -16094,7 +16047,7 @@
           <p:nvPr>
             <p:extLst>
               <p:ext uri="{D42A27DB-BD31-4B8C-83A1-F6EECF244321}">
-                <p14:modId xmlns:p14="http://schemas.microsoft.com/office/powerpoint/2010/main" val="2762704096"/>
+                <p14:modId xmlns:p14="http://schemas.microsoft.com/office/powerpoint/2010/main" val="1662149145"/>
               </p:ext>
             </p:extLst>
           </p:nvPr>
@@ -16494,7 +16447,7 @@
                         </a:spcAft>
                       </a:pPr>
                       <a:r>
-                        <a:rPr lang="de-DE" sz="1400">
+                        <a:rPr lang="de-DE" sz="1400" dirty="0">
                           <a:solidFill>
                             <a:schemeClr val="tx1">
                               <a:lumMod val="85000"/>
@@ -16506,7 +16459,7 @@
                         </a:rPr>
                         <a:t>20 + 30</a:t>
                       </a:r>
-                      <a:endParaRPr lang="de-DE" sz="1400">
+                      <a:endParaRPr lang="de-DE" sz="1400" dirty="0">
                         <a:solidFill>
                           <a:schemeClr val="tx1">
                             <a:lumMod val="85000"/>
@@ -16928,7 +16881,7 @@
                         </a:spcAft>
                       </a:pPr>
                       <a:r>
-                        <a:rPr lang="de-DE" sz="1400">
+                        <a:rPr lang="de-DE" sz="1400" dirty="0">
                           <a:solidFill>
                             <a:schemeClr val="tx1">
                               <a:lumMod val="85000"/>
@@ -16940,7 +16893,7 @@
                         </a:rPr>
                         <a:t>20 + 30</a:t>
                       </a:r>
-                      <a:endParaRPr lang="de-DE" sz="1400">
+                      <a:endParaRPr lang="de-DE" sz="1400" dirty="0">
                         <a:solidFill>
                           <a:schemeClr val="tx1">
                             <a:lumMod val="85000"/>

--- a/Abschluss_präsi.pptx
+++ b/Abschluss_präsi.pptx
@@ -907,12 +907,12 @@
               <a:buChar char="-"/>
             </a:pPr>
             <a:r>
-              <a:rPr lang="de-DE" dirty="0" err="1"/>
-              <a:t>Reduntante</a:t>
+              <a:rPr lang="de-DE"/>
+              <a:t>Redundante </a:t>
             </a:r>
             <a:r>
               <a:rPr lang="de-DE" dirty="0"/>
-              <a:t> Backups, sowohl auf Client Server als auch Control Center</a:t>
+              <a:t>Backups, sowohl auf Client Server als auch Control Center</a:t>
             </a:r>
           </a:p>
           <a:p>
@@ -1084,15 +1084,7 @@
             </a:pPr>
             <a:r>
               <a:rPr lang="de-DE" dirty="0"/>
-              <a:t>Bspw. Datenbank Version, PHP Version, </a:t>
-            </a:r>
-            <a:r>
-              <a:rPr lang="de-DE" dirty="0" err="1"/>
-              <a:t>Platform</a:t>
-            </a:r>
-            <a:r>
-              <a:rPr lang="de-DE" dirty="0"/>
-              <a:t> Version</a:t>
+              <a:t>Bspw. Datenbank Version, PHP Version, Plattform Version</a:t>
             </a:r>
           </a:p>
         </p:txBody>
@@ -1294,12 +1286,8 @@
               <a:buChar char="-"/>
             </a:pPr>
             <a:r>
-              <a:rPr lang="de-DE" dirty="0" err="1"/>
-              <a:t>Platform</a:t>
-            </a:r>
-            <a:r>
               <a:rPr lang="de-DE" dirty="0"/>
-              <a:t>: Magento 2</a:t>
+              <a:t>Plattform: Magento 2</a:t>
             </a:r>
           </a:p>
           <a:p>
@@ -1402,14 +1390,7 @@
               <a:buFontTx/>
               <a:buNone/>
             </a:pPr>
-            <a:r>
-              <a:rPr lang="de-DE" dirty="0" err="1"/>
-              <a:t>Expected</a:t>
-            </a:r>
-            <a:r>
-              <a:rPr lang="de-DE" dirty="0"/>
-              <a:t> Status code ermöglicht klassisches Monitoring</a:t>
-            </a:r>
+            <a:endParaRPr lang="de-DE" dirty="0"/>
           </a:p>
         </p:txBody>
       </p:sp>
@@ -1835,7 +1816,7 @@
             </a:pPr>
             <a:r>
               <a:rPr lang="de-DE" dirty="0"/>
-              <a:t>Agentur</a:t>
+              <a:t>Agentur im Web-Bereich</a:t>
             </a:r>
           </a:p>
           <a:p>
@@ -1846,16 +1827,6 @@
             <a:r>
               <a:rPr lang="de-DE" dirty="0"/>
               <a:t>Hauptprodukt: Field Service Management</a:t>
-            </a:r>
-          </a:p>
-          <a:p>
-            <a:pPr marL="171450" indent="-171450">
-              <a:buFontTx/>
-              <a:buChar char="-"/>
-            </a:pPr>
-            <a:r>
-              <a:rPr lang="de-DE" dirty="0"/>
-              <a:t>Umfasst u.a. Zeiterfassung, Personalverwaltung, Disposition</a:t>
             </a:r>
           </a:p>
         </p:txBody>
@@ -13459,7 +13430,7 @@
               </a:rPr>
               <a:t>Agentur </a:t>
             </a:r>
-            <a:endParaRPr dirty="0">
+            <a:endParaRPr lang="de-DE" dirty="0">
               <a:solidFill>
                 <a:schemeClr val="tx1">
                   <a:lumMod val="85000"/>
@@ -13483,7 +13454,7 @@
               </a:rPr>
               <a:t>Field Service Management</a:t>
             </a:r>
-            <a:endParaRPr dirty="0">
+            <a:endParaRPr lang="de-DE" dirty="0">
               <a:solidFill>
                 <a:schemeClr val="tx1">
                   <a:lumMod val="85000"/>
@@ -13507,7 +13478,7 @@
               </a:rPr>
               <a:t>Kran- und Schwerlastbranche</a:t>
             </a:r>
-            <a:endParaRPr dirty="0">
+            <a:endParaRPr lang="de-DE" dirty="0">
               <a:solidFill>
                 <a:schemeClr val="tx1">
                   <a:lumMod val="85000"/>

--- a/Abschluss_präsi.pptx
+++ b/Abschluss_präsi.pptx
@@ -237,7 +237,7 @@
             </a:pPr>
             <a:fld id="{FA086365-1DE3-4206-8631-568DB8EFC2CA}" type="datetimeFigureOut">
               <a:rPr lang="en-US"/>
-              <a:t>6/29/2022</a:t>
+              <a:t>6/30/2022</a:t>
             </a:fld>
             <a:endParaRPr lang="en-US"/>
           </a:p>
@@ -1796,7 +1796,7 @@
             </a:pPr>
             <a:r>
               <a:rPr lang="de-DE" dirty="0"/>
-              <a:t>Auszubildender bei wrkbeat GmbH zum Fachinformatiker zum Anwendungsentwickler</a:t>
+              <a:t>Auszubildender bei wrkbeat GmbH zum Fachinformatiker für Anwendungsentwickler</a:t>
             </a:r>
           </a:p>
           <a:p>
@@ -1816,7 +1816,7 @@
             </a:pPr>
             <a:r>
               <a:rPr lang="de-DE" dirty="0"/>
-              <a:t>Agentur im Web-Bereich</a:t>
+              <a:t>Software Unternehmen im Webbereich</a:t>
             </a:r>
           </a:p>
           <a:p>
@@ -13428,7 +13428,7 @@
                   </a:schemeClr>
                 </a:solidFill>
               </a:rPr>
-              <a:t>Agentur </a:t>
+              <a:t>Software Unternehmen </a:t>
             </a:r>
             <a:endParaRPr lang="de-DE" dirty="0">
               <a:solidFill>

--- a/Abschluss_präsi.pptx
+++ b/Abschluss_präsi.pptx
@@ -4788,6 +4788,34 @@
           </a:p>
         </p:txBody>
       </p:sp>
+      <p:pic>
+        <p:nvPicPr>
+          <p:cNvPr id="16" name="Grafik 15">
+            <a:extLst>
+              <a:ext uri="{FF2B5EF4-FFF2-40B4-BE49-F238E27FC236}">
+                <a16:creationId xmlns:a16="http://schemas.microsoft.com/office/drawing/2014/main" id="{299CCFE2-2E01-DC0B-DC70-5C29AEB1C8BF}"/>
+              </a:ext>
+            </a:extLst>
+          </p:cNvPr>
+          <p:cNvPicPr>
+            <a:picLocks noChangeAspect="1"/>
+          </p:cNvPicPr>
+          <p:nvPr userDrawn="1"/>
+        </p:nvPicPr>
+        <p:blipFill>
+          <a:blip r:embed="rId2"/>
+          <a:stretch/>
+        </p:blipFill>
+        <p:spPr bwMode="auto">
+          <a:xfrm>
+            <a:off x="8069352" y="804136"/>
+            <a:ext cx="414133" cy="277469"/>
+          </a:xfrm>
+          <a:prstGeom prst="rect">
+            <a:avLst/>
+          </a:prstGeom>
+        </p:spPr>
+      </p:pic>
     </p:spTree>
   </p:cSld>
   <p:clrMapOvr>
@@ -7260,6 +7288,34 @@
           </a:p>
         </p:txBody>
       </p:sp>
+      <p:pic>
+        <p:nvPicPr>
+          <p:cNvPr id="11" name="Grafik 10">
+            <a:extLst>
+              <a:ext uri="{FF2B5EF4-FFF2-40B4-BE49-F238E27FC236}">
+                <a16:creationId xmlns:a16="http://schemas.microsoft.com/office/drawing/2014/main" id="{D74ECDB2-1E16-7DBE-B6E9-E39A28DE4AD2}"/>
+              </a:ext>
+            </a:extLst>
+          </p:cNvPr>
+          <p:cNvPicPr>
+            <a:picLocks noChangeAspect="1"/>
+          </p:cNvPicPr>
+          <p:nvPr userDrawn="1"/>
+        </p:nvPicPr>
+        <p:blipFill>
+          <a:blip r:embed="rId2"/>
+          <a:stretch/>
+        </p:blipFill>
+        <p:spPr bwMode="auto">
+          <a:xfrm>
+            <a:off x="8069352" y="804136"/>
+            <a:ext cx="414133" cy="277469"/>
+          </a:xfrm>
+          <a:prstGeom prst="rect">
+            <a:avLst/>
+          </a:prstGeom>
+        </p:spPr>
+      </p:pic>
     </p:spTree>
   </p:cSld>
   <p:clrMapOvr>
@@ -9465,14 +9521,51 @@
         </p:blipFill>
         <p:spPr bwMode="auto">
           <a:xfrm>
-            <a:off x="1138237" y="1281112"/>
-            <a:ext cx="6867524" cy="4295774"/>
+            <a:off x="1558975" y="836712"/>
+            <a:ext cx="6026049" cy="3769415"/>
           </a:xfrm>
           <a:prstGeom prst="rect">
             <a:avLst/>
           </a:prstGeom>
         </p:spPr>
       </p:pic>
+      <p:sp>
+        <p:nvSpPr>
+          <p:cNvPr id="6" name="Title 1">
+            <a:extLst>
+              <a:ext uri="{FF2B5EF4-FFF2-40B4-BE49-F238E27FC236}">
+                <a16:creationId xmlns:a16="http://schemas.microsoft.com/office/drawing/2014/main" id="{F3F4C247-BC84-3DB0-026C-4517747E15FC}"/>
+              </a:ext>
+            </a:extLst>
+          </p:cNvPr>
+          <p:cNvSpPr>
+            <a:spLocks noGrp="1"/>
+          </p:cNvSpPr>
+          <p:nvPr>
+            <p:ph type="title"/>
+          </p:nvPr>
+        </p:nvSpPr>
+        <p:spPr bwMode="auto">
+          <a:xfrm>
+            <a:off x="822960" y="4725144"/>
+            <a:ext cx="7585234" cy="743682"/>
+          </a:xfrm>
+        </p:spPr>
+        <p:txBody>
+          <a:bodyPr/>
+          <a:lstStyle/>
+          <a:p>
+            <a:pPr>
+              <a:defRPr/>
+            </a:pPr>
+            <a:r>
+              <a:rPr lang="en-US" dirty="0" err="1"/>
+              <a:t>Datenfluss</a:t>
+            </a:r>
+            <a:endParaRPr dirty="0"/>
+          </a:p>
+        </p:txBody>
+      </p:sp>
     </p:spTree>
   </p:cSld>
   <p:clrMapOvr>
@@ -10180,6 +10273,42 @@
           <a:xfrm>
             <a:off x="5141116" y="2486025"/>
             <a:ext cx="2828925" cy="1885950"/>
+          </a:xfrm>
+          <a:prstGeom prst="rect">
+            <a:avLst/>
+          </a:prstGeom>
+        </p:spPr>
+      </p:pic>
+      <p:pic>
+        <p:nvPicPr>
+          <p:cNvPr id="10" name="Grafik 9">
+            <a:extLst>
+              <a:ext uri="{FF2B5EF4-FFF2-40B4-BE49-F238E27FC236}">
+                <a16:creationId xmlns:a16="http://schemas.microsoft.com/office/drawing/2014/main" id="{0982A6F6-509F-05C4-412F-5FED84845DD0}"/>
+              </a:ext>
+            </a:extLst>
+          </p:cNvPr>
+          <p:cNvPicPr>
+            <a:picLocks noChangeAspect="1"/>
+          </p:cNvPicPr>
+          <p:nvPr/>
+        </p:nvPicPr>
+        <p:blipFill>
+          <a:blip r:embed="rId5">
+            <a:extLst>
+              <a:ext uri="{96DAC541-7B7A-43D3-8B79-37D633B846F1}">
+                <asvg:svgBlip xmlns:asvg="http://schemas.microsoft.com/office/drawing/2016/SVG/main" r:embed="rId6"/>
+              </a:ext>
+            </a:extLst>
+          </a:blip>
+          <a:stretch>
+            <a:fillRect/>
+          </a:stretch>
+        </p:blipFill>
+        <p:spPr bwMode="auto">
+          <a:xfrm>
+            <a:off x="8069352" y="805516"/>
+            <a:ext cx="414133" cy="276089"/>
           </a:xfrm>
           <a:prstGeom prst="rect">
             <a:avLst/>
@@ -12355,6 +12484,42 @@
           <a:xfrm>
             <a:off x="5141116" y="2486025"/>
             <a:ext cx="2828925" cy="1885950"/>
+          </a:xfrm>
+          <a:prstGeom prst="rect">
+            <a:avLst/>
+          </a:prstGeom>
+        </p:spPr>
+      </p:pic>
+      <p:pic>
+        <p:nvPicPr>
+          <p:cNvPr id="11" name="Grafik 10">
+            <a:extLst>
+              <a:ext uri="{FF2B5EF4-FFF2-40B4-BE49-F238E27FC236}">
+                <a16:creationId xmlns:a16="http://schemas.microsoft.com/office/drawing/2014/main" id="{AD29F6C3-4112-86AB-F7EC-8FE065A638DE}"/>
+              </a:ext>
+            </a:extLst>
+          </p:cNvPr>
+          <p:cNvPicPr>
+            <a:picLocks noChangeAspect="1"/>
+          </p:cNvPicPr>
+          <p:nvPr/>
+        </p:nvPicPr>
+        <p:blipFill>
+          <a:blip r:embed="rId3">
+            <a:extLst>
+              <a:ext uri="{96DAC541-7B7A-43D3-8B79-37D633B846F1}">
+                <asvg:svgBlip xmlns:asvg="http://schemas.microsoft.com/office/drawing/2016/SVG/main" r:embed="rId4"/>
+              </a:ext>
+            </a:extLst>
+          </a:blip>
+          <a:stretch>
+            <a:fillRect/>
+          </a:stretch>
+        </p:blipFill>
+        <p:spPr bwMode="auto">
+          <a:xfrm>
+            <a:off x="8069352" y="805516"/>
+            <a:ext cx="414133" cy="276089"/>
           </a:xfrm>
           <a:prstGeom prst="rect">
             <a:avLst/>

--- a/Abschluss_präsi.pptx
+++ b/Abschluss_präsi.pptx
@@ -601,7 +601,7 @@
         <p:cNvGrpSpPr/>
         <p:nvPr/>
       </p:nvGrpSpPr>
-      <p:grpSpPr bwMode="auto">
+      <p:grpSpPr>
         <a:xfrm>
           <a:off x="0" y="0"/>
           <a:ext cx="0" cy="0"/>
@@ -619,7 +619,7 @@
             <p:ph type="sldImg"/>
           </p:nvPr>
         </p:nvSpPr>
-        <p:spPr bwMode="auto"/>
+        <p:spPr/>
       </p:sp>
       <p:sp>
         <p:nvSpPr>
@@ -631,98 +631,96 @@
             <p:ph type="body" idx="1"/>
           </p:nvPr>
         </p:nvSpPr>
-        <p:spPr bwMode="auto"/>
+        <p:spPr/>
         <p:txBody>
           <a:bodyPr/>
           <a:lstStyle/>
+          <a:p>
+            <a:pPr marL="0" marR="0" lvl="0" indent="0" algn="l" defTabSz="914400" eaLnBrk="1" fontAlgn="auto" latinLnBrk="0" hangingPunct="1">
+              <a:lnSpc>
+                <a:spcPct val="100000"/>
+              </a:lnSpc>
+              <a:spcBef>
+                <a:spcPts val="0"/>
+              </a:spcBef>
+              <a:spcAft>
+                <a:spcPts val="0"/>
+              </a:spcAft>
+              <a:buClrTx/>
+              <a:buSzTx/>
+              <a:buFontTx/>
+              <a:buNone/>
+              <a:tabLst/>
+              <a:defRPr/>
+            </a:pPr>
+            <a:r>
+              <a:rPr lang="de-DE" dirty="0"/>
+              <a:t>ZEIT: 06:11</a:t>
+            </a:r>
+          </a:p>
+          <a:p>
+            <a:pPr marL="0" indent="0">
+              <a:buFontTx/>
+              <a:buNone/>
+            </a:pPr>
+            <a:endParaRPr lang="de-DE" dirty="0"/>
+          </a:p>
           <a:p>
             <a:pPr marL="171450" indent="-171450">
               <a:buFontTx/>
               <a:buChar char="-"/>
-              <a:defRPr/>
             </a:pPr>
             <a:r>
               <a:rPr lang="de-DE" dirty="0"/>
-              <a:t>Technologien, die verwendet werden sollen</a:t>
+              <a:t>250 Arbeitstage</a:t>
             </a:r>
           </a:p>
           <a:p>
             <a:pPr marL="171450" indent="-171450">
               <a:buFontTx/>
               <a:buChar char="-"/>
-              <a:defRPr/>
-            </a:pPr>
-            <a:r>
-              <a:rPr lang="de-DE" dirty="0" err="1"/>
-              <a:t>VueJs</a:t>
-            </a:r>
+            </a:pPr>
             <a:r>
               <a:rPr lang="de-DE" dirty="0"/>
-              <a:t> (Frontend)</a:t>
+              <a:t>30€ Stundenlohn</a:t>
             </a:r>
           </a:p>
           <a:p>
             <a:pPr marL="171450" indent="-171450">
               <a:buFontTx/>
               <a:buChar char="-"/>
-              <a:defRPr/>
-            </a:pPr>
-            <a:r>
-              <a:rPr lang="de-DE" dirty="0" err="1"/>
-              <a:t>Tailwind</a:t>
-            </a:r>
+            </a:pPr>
             <a:r>
               <a:rPr lang="de-DE" dirty="0"/>
-              <a:t> (CSS Framework)</a:t>
+              <a:t>75€ Abokosten der mehreren genutzte Tools</a:t>
             </a:r>
           </a:p>
           <a:p>
             <a:pPr marL="171450" indent="-171450">
               <a:buFontTx/>
               <a:buChar char="-"/>
-              <a:defRPr/>
-            </a:pPr>
-            <a:r>
-              <a:rPr lang="de-DE" dirty="0" err="1"/>
-              <a:t>Laravel</a:t>
-            </a:r>
+            </a:pPr>
             <a:r>
               <a:rPr lang="de-DE" dirty="0"/>
-              <a:t> (Backend)</a:t>
+              <a:t>Amortisationszeit: 21 Wochen</a:t>
             </a:r>
           </a:p>
           <a:p>
             <a:pPr marL="171450" indent="-171450">
               <a:buFontTx/>
               <a:buChar char="-"/>
-              <a:defRPr/>
-            </a:pPr>
+            </a:pPr>
+            <a:r>
+              <a:rPr lang="de-DE" dirty="0"/>
+              <a:t>Somit wurde die </a:t>
+            </a:r>
             <a:r>
               <a:rPr lang="de-DE" dirty="0" err="1"/>
-              <a:t>MariaDB</a:t>
+              <a:t>Make</a:t>
             </a:r>
             <a:r>
               <a:rPr lang="de-DE" dirty="0"/>
-              <a:t> (SQL Datenbank)</a:t>
-            </a:r>
-          </a:p>
-          <a:p>
-            <a:pPr marL="171450" indent="-171450">
-              <a:buFontTx/>
-              <a:buChar char="-"/>
-              <a:defRPr/>
-            </a:pPr>
-            <a:r>
-              <a:rPr lang="de-DE" dirty="0"/>
-              <a:t>PHP (Client und </a:t>
-            </a:r>
-            <a:r>
-              <a:rPr lang="de-DE" dirty="0" err="1"/>
-              <a:t>Laravel</a:t>
-            </a:r>
-            <a:r>
-              <a:rPr lang="de-DE" dirty="0"/>
-              <a:t>)</a:t>
+              <a:t> Entscheidung getroffen</a:t>
             </a:r>
           </a:p>
         </p:txBody>
@@ -730,7 +728,7 @@
     </p:spTree>
     <p:extLst>
       <p:ext uri="{BB962C8B-B14F-4D97-AF65-F5344CB8AC3E}">
-        <p14:creationId xmlns:p14="http://schemas.microsoft.com/office/powerpoint/2010/main" val="2087071544"/>
+        <p14:creationId xmlns:p14="http://schemas.microsoft.com/office/powerpoint/2010/main" val="2939274310"/>
       </p:ext>
     </p:extLst>
   </p:cSld>
@@ -784,53 +782,9 @@
           <a:bodyPr/>
           <a:lstStyle/>
           <a:p>
-            <a:pPr marL="171450" indent="-171450">
-              <a:buFontTx/>
-              <a:buChar char="-"/>
-            </a:pPr>
             <a:r>
               <a:rPr lang="de-DE" dirty="0"/>
-              <a:t>Zwei Komponenten: Client und Control Center</a:t>
-            </a:r>
-          </a:p>
-          <a:p>
-            <a:pPr marL="171450" indent="-171450">
-              <a:buFontTx/>
-              <a:buChar char="-"/>
-            </a:pPr>
-            <a:r>
-              <a:rPr lang="de-DE" dirty="0"/>
-              <a:t>Kommunikation über HTTPS</a:t>
-            </a:r>
-          </a:p>
-          <a:p>
-            <a:pPr marL="171450" indent="-171450">
-              <a:buFontTx/>
-              <a:buChar char="-"/>
-            </a:pPr>
-            <a:r>
-              <a:rPr lang="de-DE" dirty="0"/>
-              <a:t>Client ist CRUD API</a:t>
-            </a:r>
-          </a:p>
-          <a:p>
-            <a:pPr marL="171450" indent="-171450">
-              <a:buFontTx/>
-              <a:buChar char="-"/>
-            </a:pPr>
-            <a:r>
-              <a:rPr lang="de-DE" dirty="0"/>
-              <a:t>Client selbst tut nix von sich aus</a:t>
-            </a:r>
-          </a:p>
-          <a:p>
-            <a:pPr marL="171450" indent="-171450">
-              <a:buFontTx/>
-              <a:buChar char="-"/>
-            </a:pPr>
-            <a:r>
-              <a:rPr lang="de-DE" dirty="0"/>
-              <a:t>Validierung der Anfragen</a:t>
+              <a:t>ZEIT: 8:49</a:t>
             </a:r>
           </a:p>
         </p:txBody>
@@ -838,7 +792,7 @@
     </p:spTree>
     <p:extLst>
       <p:ext uri="{BB962C8B-B14F-4D97-AF65-F5344CB8AC3E}">
-        <p14:creationId xmlns:p14="http://schemas.microsoft.com/office/powerpoint/2010/main" val="1502781107"/>
+        <p14:creationId xmlns:p14="http://schemas.microsoft.com/office/powerpoint/2010/main" val="2441475496"/>
       </p:ext>
     </p:extLst>
   </p:cSld>
@@ -857,7 +811,7 @@
         <p:cNvGrpSpPr/>
         <p:nvPr/>
       </p:nvGrpSpPr>
-      <p:grpSpPr>
+      <p:grpSpPr bwMode="auto">
         <a:xfrm>
           <a:off x="0" y="0"/>
           <a:ext cx="0" cy="0"/>
@@ -875,7 +829,7 @@
             <p:ph type="sldImg"/>
           </p:nvPr>
         </p:nvSpPr>
-        <p:spPr/>
+        <p:spPr bwMode="auto"/>
       </p:sp>
       <p:sp>
         <p:nvSpPr>
@@ -887,114 +841,125 @@
             <p:ph type="body" idx="1"/>
           </p:nvPr>
         </p:nvSpPr>
-        <p:spPr/>
+        <p:spPr bwMode="auto"/>
         <p:txBody>
           <a:bodyPr/>
           <a:lstStyle/>
+          <a:p>
+            <a:pPr marL="0" indent="0">
+              <a:buFontTx/>
+              <a:buNone/>
+              <a:defRPr/>
+            </a:pPr>
+            <a:r>
+              <a:rPr lang="de-DE" dirty="0"/>
+              <a:t>ZEIT: 8:49</a:t>
+            </a:r>
+          </a:p>
+          <a:p>
+            <a:pPr marL="0" indent="0">
+              <a:buFontTx/>
+              <a:buNone/>
+              <a:defRPr/>
+            </a:pPr>
+            <a:endParaRPr lang="de-DE" dirty="0"/>
+          </a:p>
           <a:p>
             <a:pPr marL="171450" indent="-171450">
               <a:buFontTx/>
               <a:buChar char="-"/>
+              <a:defRPr/>
             </a:pPr>
             <a:r>
               <a:rPr lang="de-DE" dirty="0"/>
-              <a:t>Der Client soll auf allen Hostern ohne weitere Anpassungen laufen</a:t>
+              <a:t>Technologien, die verwendet werden sollen</a:t>
             </a:r>
           </a:p>
           <a:p>
             <a:pPr marL="171450" indent="-171450">
               <a:buFontTx/>
               <a:buChar char="-"/>
-            </a:pPr>
-            <a:r>
-              <a:rPr lang="de-DE"/>
-              <a:t>Redundante </a:t>
+              <a:defRPr/>
+            </a:pPr>
+            <a:r>
+              <a:rPr lang="de-DE" dirty="0" err="1"/>
+              <a:t>VueJs</a:t>
             </a:r>
             <a:r>
               <a:rPr lang="de-DE" dirty="0"/>
-              <a:t>Backups, sowohl auf Client Server als auch Control Center</a:t>
+              <a:t> (Frontend)</a:t>
             </a:r>
           </a:p>
           <a:p>
             <a:pPr marL="171450" indent="-171450">
               <a:buFontTx/>
               <a:buChar char="-"/>
-            </a:pPr>
+              <a:defRPr/>
+            </a:pPr>
+            <a:r>
+              <a:rPr lang="de-DE" dirty="0" err="1"/>
+              <a:t>Tailwind</a:t>
+            </a:r>
             <a:r>
               <a:rPr lang="de-DE" dirty="0"/>
-              <a:t>Zugriff von Backups von außen verbieten</a:t>
+              <a:t> (CSS Framework)</a:t>
             </a:r>
           </a:p>
           <a:p>
             <a:pPr marL="171450" indent="-171450">
               <a:buFontTx/>
               <a:buChar char="-"/>
-            </a:pPr>
+              <a:defRPr/>
+            </a:pPr>
+            <a:r>
+              <a:rPr lang="de-DE" dirty="0" err="1"/>
+              <a:t>Laravel</a:t>
+            </a:r>
             <a:r>
               <a:rPr lang="de-DE" dirty="0"/>
-              <a:t>Nur valide Anfragen erlauben</a:t>
+              <a:t> (Backend)</a:t>
             </a:r>
           </a:p>
           <a:p>
             <a:pPr marL="171450" indent="-171450">
               <a:buFontTx/>
               <a:buChar char="-"/>
-            </a:pPr>
+              <a:defRPr/>
+            </a:pPr>
+            <a:r>
+              <a:rPr lang="de-DE" dirty="0" err="1"/>
+              <a:t>MariaDB</a:t>
+            </a:r>
             <a:r>
               <a:rPr lang="de-DE" dirty="0"/>
-              <a:t>Ein leicht bedienbares Dashboard, vor allem für nicht Fachkräfte</a:t>
+              <a:t> (SQL Datenbank)</a:t>
             </a:r>
           </a:p>
           <a:p>
             <a:pPr marL="171450" indent="-171450">
               <a:buFontTx/>
               <a:buChar char="-"/>
+              <a:defRPr/>
             </a:pPr>
             <a:r>
               <a:rPr lang="de-DE" dirty="0"/>
-              <a:t>Das normale Monitoring der Systeme sowie weitere Serverinfos</a:t>
-            </a:r>
-          </a:p>
-          <a:p>
-            <a:pPr marL="628650" lvl="1" indent="-171450">
-              <a:buFontTx/>
-              <a:buChar char="-"/>
-            </a:pPr>
+              <a:t>PHP (Client und </a:t>
+            </a:r>
+            <a:r>
+              <a:rPr lang="de-DE" dirty="0" err="1"/>
+              <a:t>Laravel</a:t>
+            </a:r>
             <a:r>
               <a:rPr lang="de-DE" dirty="0"/>
-              <a:t>Bspw. Speicherplatznutzung, Datenbankversion</a:t>
-            </a:r>
-          </a:p>
-          <a:p>
-            <a:pPr marL="171450" indent="-171450">
-              <a:buFontTx/>
-              <a:buChar char="-"/>
-            </a:pPr>
-            <a:r>
-              <a:rPr lang="de-DE" dirty="0"/>
-              <a:t>Benachrichtigung über E-Mail im Falle eines Ausfalls</a:t>
-            </a:r>
-          </a:p>
-          <a:p>
-            <a:pPr marL="171450" indent="-171450">
-              <a:buFontTx/>
-              <a:buChar char="-"/>
-            </a:pPr>
-            <a:endParaRPr lang="de-DE" dirty="0"/>
-          </a:p>
-          <a:p>
-            <a:pPr marL="171450" indent="-171450">
-              <a:buFontTx/>
-              <a:buChar char="-"/>
-            </a:pPr>
-            <a:endParaRPr lang="de-DE" dirty="0"/>
+              <a:t>)</a:t>
+            </a:r>
           </a:p>
         </p:txBody>
       </p:sp>
     </p:spTree>
     <p:extLst>
       <p:ext uri="{BB962C8B-B14F-4D97-AF65-F5344CB8AC3E}">
-        <p14:creationId xmlns:p14="http://schemas.microsoft.com/office/powerpoint/2010/main" val="2427134969"/>
+        <p14:creationId xmlns:p14="http://schemas.microsoft.com/office/powerpoint/2010/main" val="2087071544"/>
       </p:ext>
     </p:extLst>
   </p:cSld>
@@ -1048,13 +1013,30 @@
           <a:bodyPr/>
           <a:lstStyle/>
           <a:p>
+            <a:pPr marL="0" indent="0">
+              <a:buFontTx/>
+              <a:buNone/>
+            </a:pPr>
+            <a:r>
+              <a:rPr lang="de-DE" dirty="0"/>
+              <a:t>ZEIT: 8:49</a:t>
+            </a:r>
+          </a:p>
+          <a:p>
+            <a:pPr marL="0" indent="0">
+              <a:buFontTx/>
+              <a:buNone/>
+            </a:pPr>
+            <a:endParaRPr lang="de-DE" dirty="0"/>
+          </a:p>
+          <a:p>
             <a:pPr marL="171450" indent="-171450">
               <a:buFontTx/>
               <a:buChar char="-"/>
             </a:pPr>
             <a:r>
               <a:rPr lang="de-DE" dirty="0"/>
-              <a:t>Schnittstelle zum Server</a:t>
+              <a:t>Zwei Komponenten: Client und Control Center</a:t>
             </a:r>
           </a:p>
           <a:p>
@@ -1064,7 +1046,7 @@
             </a:pPr>
             <a:r>
               <a:rPr lang="de-DE" dirty="0"/>
-              <a:t>Erstellt Backups</a:t>
+              <a:t>Kommunikation über HTTPS</a:t>
             </a:r>
           </a:p>
           <a:p>
@@ -1074,7 +1056,7 @@
             </a:pPr>
             <a:r>
               <a:rPr lang="de-DE" dirty="0"/>
-              <a:t>Gibt zusätzliche Informationen über Plattform und Server</a:t>
+              <a:t>Client ist CRUD API</a:t>
             </a:r>
           </a:p>
           <a:p>
@@ -1084,7 +1066,17 @@
             </a:pPr>
             <a:r>
               <a:rPr lang="de-DE" dirty="0"/>
-              <a:t>Bspw. Datenbank Version, PHP Version, Plattform Version</a:t>
+              <a:t>Client selbst tut nix von sich aus</a:t>
+            </a:r>
+          </a:p>
+          <a:p>
+            <a:pPr marL="171450" indent="-171450">
+              <a:buFontTx/>
+              <a:buChar char="-"/>
+            </a:pPr>
+            <a:r>
+              <a:rPr lang="de-DE" dirty="0"/>
+              <a:t>Validierung der Anfragen</a:t>
             </a:r>
           </a:p>
         </p:txBody>
@@ -1092,7 +1084,7 @@
     </p:spTree>
     <p:extLst>
       <p:ext uri="{BB962C8B-B14F-4D97-AF65-F5344CB8AC3E}">
-        <p14:creationId xmlns:p14="http://schemas.microsoft.com/office/powerpoint/2010/main" val="1900251356"/>
+        <p14:creationId xmlns:p14="http://schemas.microsoft.com/office/powerpoint/2010/main" val="1502781107"/>
       </p:ext>
     </p:extLst>
   </p:cSld>
@@ -1146,58 +1138,17 @@
           <a:bodyPr/>
           <a:lstStyle/>
           <a:p>
-            <a:pPr marL="171450" indent="-171450">
-              <a:buFontTx/>
-              <a:buChar char="-"/>
-            </a:pPr>
             <a:r>
               <a:rPr lang="de-DE" dirty="0"/>
-              <a:t>Dashboard</a:t>
-            </a:r>
-          </a:p>
-          <a:p>
-            <a:pPr marL="171450" indent="-171450">
-              <a:buFontTx/>
-              <a:buChar char="-"/>
-            </a:pPr>
-            <a:r>
-              <a:rPr lang="de-DE" dirty="0"/>
-              <a:t>Versenden der Warnungen</a:t>
-            </a:r>
-          </a:p>
-          <a:p>
-            <a:pPr marL="171450" indent="-171450">
-              <a:buFontTx/>
-              <a:buChar char="-"/>
-            </a:pPr>
-            <a:r>
-              <a:rPr lang="de-DE" dirty="0"/>
-              <a:t>Anfragen an Clients</a:t>
-            </a:r>
-          </a:p>
-          <a:p>
-            <a:pPr marL="171450" indent="-171450">
-              <a:buFontTx/>
-              <a:buChar char="-"/>
-            </a:pPr>
-            <a:r>
-              <a:rPr lang="de-DE" dirty="0"/>
-              <a:t>Verwaltung der Backups (Client und lokal)</a:t>
-            </a:r>
-          </a:p>
-          <a:p>
-            <a:pPr marL="171450" indent="-171450">
-              <a:buFontTx/>
-              <a:buChar char="-"/>
-            </a:pPr>
-            <a:endParaRPr lang="de-DE" dirty="0"/>
+              <a:t>ZEIT: 13:14</a:t>
+            </a:r>
           </a:p>
         </p:txBody>
       </p:sp>
     </p:spTree>
     <p:extLst>
       <p:ext uri="{BB962C8B-B14F-4D97-AF65-F5344CB8AC3E}">
-        <p14:creationId xmlns:p14="http://schemas.microsoft.com/office/powerpoint/2010/main" val="2790762355"/>
+        <p14:creationId xmlns:p14="http://schemas.microsoft.com/office/powerpoint/2010/main" val="2649768236"/>
       </p:ext>
     </p:extLst>
   </p:cSld>
@@ -1251,13 +1202,30 @@
           <a:bodyPr/>
           <a:lstStyle/>
           <a:p>
+            <a:pPr marL="0" indent="0">
+              <a:buFontTx/>
+              <a:buNone/>
+            </a:pPr>
+            <a:r>
+              <a:rPr lang="de-DE" dirty="0"/>
+              <a:t>ZEIT: 13:14</a:t>
+            </a:r>
+          </a:p>
+          <a:p>
+            <a:pPr marL="0" indent="0">
+              <a:buFontTx/>
+              <a:buNone/>
+            </a:pPr>
+            <a:endParaRPr lang="de-DE" dirty="0"/>
+          </a:p>
+          <a:p>
             <a:pPr marL="171450" indent="-171450">
               <a:buFontTx/>
               <a:buChar char="-"/>
             </a:pPr>
             <a:r>
               <a:rPr lang="de-DE" dirty="0"/>
-              <a:t>Linker Block: Auflistung aller Webseiten</a:t>
+              <a:t>Der Client soll auf allen Hostern ohne weitere Anpassungen laufen</a:t>
             </a:r>
           </a:p>
           <a:p>
@@ -1267,7 +1235,7 @@
             </a:pPr>
             <a:r>
               <a:rPr lang="de-DE" dirty="0"/>
-              <a:t>Rechte Seite: Detaillierte Informationen über Webseite</a:t>
+              <a:t>Redundante Backups, sowohl auf Client Server als auch Control Center</a:t>
             </a:r>
           </a:p>
           <a:p>
@@ -1277,7 +1245,7 @@
             </a:pPr>
             <a:r>
               <a:rPr lang="de-DE" dirty="0"/>
-              <a:t>Name </a:t>
+              <a:t>Zugriff von Backups von außen verbieten</a:t>
             </a:r>
           </a:p>
           <a:p>
@@ -1287,7 +1255,7 @@
             </a:pPr>
             <a:r>
               <a:rPr lang="de-DE" dirty="0"/>
-              <a:t>Plattform: Magento 2</a:t>
+              <a:t>Nur valide Anfragen erlauben</a:t>
             </a:r>
           </a:p>
           <a:p>
@@ -1297,7 +1265,7 @@
             </a:pPr>
             <a:r>
               <a:rPr lang="de-DE" dirty="0"/>
-              <a:t>URL</a:t>
+              <a:t>Ein leicht bedienbares Dashboard, vor allem für nicht Fachkräfte</a:t>
             </a:r>
           </a:p>
           <a:p>
@@ -1307,7 +1275,17 @@
             </a:pPr>
             <a:r>
               <a:rPr lang="de-DE" dirty="0"/>
-              <a:t>Status Badges</a:t>
+              <a:t>Das normale Monitoring der Systeme sowie weitere Serverinfos</a:t>
+            </a:r>
+          </a:p>
+          <a:p>
+            <a:pPr marL="628650" lvl="1" indent="-171450">
+              <a:buFontTx/>
+              <a:buChar char="-"/>
+            </a:pPr>
+            <a:r>
+              <a:rPr lang="de-DE" dirty="0"/>
+              <a:t>Bspw. Speicherplatznutzung, Datenbankversion</a:t>
             </a:r>
           </a:p>
           <a:p>
@@ -1317,7 +1295,7 @@
             </a:pPr>
             <a:r>
               <a:rPr lang="de-DE" dirty="0"/>
-              <a:t>Check alle 900 Sekunden</a:t>
+              <a:t>Benachrichtigung über E-Mail im Falle eines Ausfalls</a:t>
             </a:r>
           </a:p>
           <a:p>
@@ -1327,12 +1305,19 @@
             </a:pPr>
             <a:endParaRPr lang="de-DE" dirty="0"/>
           </a:p>
+          <a:p>
+            <a:pPr marL="171450" indent="-171450">
+              <a:buFontTx/>
+              <a:buChar char="-"/>
+            </a:pPr>
+            <a:endParaRPr lang="de-DE" dirty="0"/>
+          </a:p>
         </p:txBody>
       </p:sp>
     </p:spTree>
     <p:extLst>
       <p:ext uri="{BB962C8B-B14F-4D97-AF65-F5344CB8AC3E}">
-        <p14:creationId xmlns:p14="http://schemas.microsoft.com/office/powerpoint/2010/main" val="1356951006"/>
+        <p14:creationId xmlns:p14="http://schemas.microsoft.com/office/powerpoint/2010/main" val="2427134969"/>
       </p:ext>
     </p:extLst>
   </p:cSld>
@@ -1390,14 +1375,57 @@
               <a:buFontTx/>
               <a:buNone/>
             </a:pPr>
-            <a:endParaRPr lang="de-DE" dirty="0"/>
+            <a:r>
+              <a:rPr lang="de-DE" dirty="0"/>
+              <a:t>ZEIT: 13:14</a:t>
+            </a:r>
+          </a:p>
+          <a:p>
+            <a:pPr marL="171450" indent="-171450">
+              <a:buFontTx/>
+              <a:buChar char="-"/>
+            </a:pPr>
+            <a:r>
+              <a:rPr lang="de-DE" dirty="0"/>
+              <a:t>Schnittstelle zum Server</a:t>
+            </a:r>
+          </a:p>
+          <a:p>
+            <a:pPr marL="171450" indent="-171450">
+              <a:buFontTx/>
+              <a:buChar char="-"/>
+            </a:pPr>
+            <a:r>
+              <a:rPr lang="de-DE" dirty="0"/>
+              <a:t>Erstellt Backups</a:t>
+            </a:r>
+          </a:p>
+          <a:p>
+            <a:pPr marL="171450" indent="-171450">
+              <a:buFontTx/>
+              <a:buChar char="-"/>
+            </a:pPr>
+            <a:r>
+              <a:rPr lang="de-DE" dirty="0"/>
+              <a:t>Gibt zusätzliche Informationen über Plattform und Server</a:t>
+            </a:r>
+          </a:p>
+          <a:p>
+            <a:pPr marL="171450" indent="-171450">
+              <a:buFontTx/>
+              <a:buChar char="-"/>
+            </a:pPr>
+            <a:r>
+              <a:rPr lang="de-DE" dirty="0"/>
+              <a:t>Bspw. Datenbank Version, PHP Version, Plattform Version</a:t>
+            </a:r>
           </a:p>
         </p:txBody>
       </p:sp>
     </p:spTree>
     <p:extLst>
       <p:ext uri="{BB962C8B-B14F-4D97-AF65-F5344CB8AC3E}">
-        <p14:creationId xmlns:p14="http://schemas.microsoft.com/office/powerpoint/2010/main" val="1633866113"/>
+        <p14:creationId xmlns:p14="http://schemas.microsoft.com/office/powerpoint/2010/main" val="1900251356"/>
       </p:ext>
     </p:extLst>
   </p:cSld>
@@ -1451,13 +1479,30 @@
           <a:bodyPr/>
           <a:lstStyle/>
           <a:p>
+            <a:pPr marL="0" indent="0">
+              <a:buFontTx/>
+              <a:buNone/>
+            </a:pPr>
+            <a:r>
+              <a:rPr lang="de-DE" dirty="0"/>
+              <a:t>ZEIT: 13:14</a:t>
+            </a:r>
+          </a:p>
+          <a:p>
+            <a:pPr marL="0" indent="0">
+              <a:buFontTx/>
+              <a:buNone/>
+            </a:pPr>
+            <a:endParaRPr lang="de-DE" dirty="0"/>
+          </a:p>
+          <a:p>
             <a:pPr marL="171450" indent="-171450">
               <a:buFontTx/>
               <a:buChar char="-"/>
             </a:pPr>
             <a:r>
               <a:rPr lang="de-DE" dirty="0"/>
-              <a:t>Leichte Abweichung in einzelnen Phasen Zeitplan</a:t>
+              <a:t>Dashboard</a:t>
             </a:r>
           </a:p>
           <a:p>
@@ -1467,7 +1512,7 @@
             </a:pPr>
             <a:r>
               <a:rPr lang="de-DE" dirty="0"/>
-              <a:t>Ziel konnte erreicht werden</a:t>
+              <a:t>Versenden der Warnungen</a:t>
             </a:r>
           </a:p>
           <a:p>
@@ -1477,11 +1522,21 @@
             </a:pPr>
             <a:r>
               <a:rPr lang="de-DE" dirty="0"/>
-              <a:t>Alle Webseiten laufen bereits auf dem Control Center</a:t>
-            </a:r>
-          </a:p>
-          <a:p>
-            <a:pPr marL="171450" lvl="0" indent="-171450">
+              <a:t>Anfragen an Clients</a:t>
+            </a:r>
+          </a:p>
+          <a:p>
+            <a:pPr marL="171450" indent="-171450">
+              <a:buFontTx/>
+              <a:buChar char="-"/>
+            </a:pPr>
+            <a:r>
+              <a:rPr lang="de-DE" dirty="0"/>
+              <a:t>Verwaltung der Backups (Client und lokal)</a:t>
+            </a:r>
+          </a:p>
+          <a:p>
+            <a:pPr marL="171450" indent="-171450">
               <a:buFontTx/>
               <a:buChar char="-"/>
             </a:pPr>
@@ -1492,7 +1547,7 @@
     </p:spTree>
     <p:extLst>
       <p:ext uri="{BB962C8B-B14F-4D97-AF65-F5344CB8AC3E}">
-        <p14:creationId xmlns:p14="http://schemas.microsoft.com/office/powerpoint/2010/main" val="3202660616"/>
+        <p14:creationId xmlns:p14="http://schemas.microsoft.com/office/powerpoint/2010/main" val="2790762355"/>
       </p:ext>
     </p:extLst>
   </p:cSld>
@@ -1546,31 +1601,166 @@
           <a:bodyPr/>
           <a:lstStyle/>
           <a:p>
+            <a:pPr marL="0" indent="0">
+              <a:buFontTx/>
+              <a:buNone/>
+            </a:pPr>
+            <a:r>
+              <a:rPr lang="de-DE" dirty="0"/>
+              <a:t>ZEIT: 13:14</a:t>
+            </a:r>
+          </a:p>
+          <a:p>
             <a:pPr marL="171450" indent="-171450">
               <a:buFontTx/>
               <a:buChar char="-"/>
             </a:pPr>
             <a:r>
               <a:rPr lang="de-DE" dirty="0"/>
-              <a:t>Weitere Anforderungen während Entwicklung</a:t>
-            </a:r>
-          </a:p>
-          <a:p>
-            <a:pPr marL="171450" lvl="0" indent="-171450">
+              <a:t>Linker Block: Auflistung aller Webseiten</a:t>
+            </a:r>
+          </a:p>
+          <a:p>
+            <a:pPr marL="171450" indent="-171450">
               <a:buFontTx/>
               <a:buChar char="-"/>
             </a:pPr>
             <a:r>
               <a:rPr lang="de-DE" dirty="0"/>
-              <a:t>Im Ticket System festgehalten für die Zukunft</a:t>
-            </a:r>
+              <a:t>Rechte Seite: Detaillierte Informationen über Webseite</a:t>
+            </a:r>
+          </a:p>
+          <a:p>
+            <a:pPr marL="171450" indent="-171450">
+              <a:buFontTx/>
+              <a:buChar char="-"/>
+            </a:pPr>
+            <a:r>
+              <a:rPr lang="de-DE" dirty="0"/>
+              <a:t>Name </a:t>
+            </a:r>
+          </a:p>
+          <a:p>
+            <a:pPr marL="171450" indent="-171450">
+              <a:buFontTx/>
+              <a:buChar char="-"/>
+            </a:pPr>
+            <a:r>
+              <a:rPr lang="de-DE" dirty="0"/>
+              <a:t>Plattform: Magento 2</a:t>
+            </a:r>
+          </a:p>
+          <a:p>
+            <a:pPr marL="171450" indent="-171450">
+              <a:buFontTx/>
+              <a:buChar char="-"/>
+            </a:pPr>
+            <a:r>
+              <a:rPr lang="de-DE" dirty="0"/>
+              <a:t>URL</a:t>
+            </a:r>
+          </a:p>
+          <a:p>
+            <a:pPr marL="171450" indent="-171450">
+              <a:buFontTx/>
+              <a:buChar char="-"/>
+            </a:pPr>
+            <a:r>
+              <a:rPr lang="de-DE" dirty="0"/>
+              <a:t>Status Badges</a:t>
+            </a:r>
+          </a:p>
+          <a:p>
+            <a:pPr marL="171450" indent="-171450">
+              <a:buFontTx/>
+              <a:buChar char="-"/>
+            </a:pPr>
+            <a:r>
+              <a:rPr lang="de-DE" dirty="0"/>
+              <a:t>Check alle 900 Sekunden</a:t>
+            </a:r>
+          </a:p>
+          <a:p>
+            <a:pPr marL="171450" indent="-171450">
+              <a:buFontTx/>
+              <a:buChar char="-"/>
+            </a:pPr>
+            <a:endParaRPr lang="de-DE" dirty="0"/>
           </a:p>
         </p:txBody>
       </p:sp>
     </p:spTree>
     <p:extLst>
       <p:ext uri="{BB962C8B-B14F-4D97-AF65-F5344CB8AC3E}">
-        <p14:creationId xmlns:p14="http://schemas.microsoft.com/office/powerpoint/2010/main" val="2543962626"/>
+        <p14:creationId xmlns:p14="http://schemas.microsoft.com/office/powerpoint/2010/main" val="1356951006"/>
+      </p:ext>
+    </p:extLst>
+  </p:cSld>
+  <p:clrMapOvr>
+    <a:masterClrMapping/>
+  </p:clrMapOvr>
+</p:notes>
+</file>
+
+<file path=ppt/notesSlides/notesSlide19.xml><?xml version="1.0" encoding="utf-8"?>
+<p:notes xmlns:a="http://schemas.openxmlformats.org/drawingml/2006/main" xmlns:r="http://schemas.openxmlformats.org/officeDocument/2006/relationships" xmlns:p="http://schemas.openxmlformats.org/presentationml/2006/main">
+  <p:cSld>
+    <p:spTree>
+      <p:nvGrpSpPr>
+        <p:cNvPr id="1" name=""/>
+        <p:cNvGrpSpPr/>
+        <p:nvPr/>
+      </p:nvGrpSpPr>
+      <p:grpSpPr>
+        <a:xfrm>
+          <a:off x="0" y="0"/>
+          <a:ext cx="0" cy="0"/>
+          <a:chOff x="0" y="0"/>
+          <a:chExt cx="0" cy="0"/>
+        </a:xfrm>
+      </p:grpSpPr>
+      <p:sp>
+        <p:nvSpPr>
+          <p:cNvPr id="2" name="Folienbildplatzhalter 1"/>
+          <p:cNvSpPr>
+            <a:spLocks noGrp="1" noRot="1" noChangeAspect="1"/>
+          </p:cNvSpPr>
+          <p:nvPr>
+            <p:ph type="sldImg"/>
+          </p:nvPr>
+        </p:nvSpPr>
+        <p:spPr/>
+      </p:sp>
+      <p:sp>
+        <p:nvSpPr>
+          <p:cNvPr id="3" name="Notizenplatzhalter 2"/>
+          <p:cNvSpPr>
+            <a:spLocks noGrp="1"/>
+          </p:cNvSpPr>
+          <p:nvPr>
+            <p:ph type="body" idx="1"/>
+          </p:nvPr>
+        </p:nvSpPr>
+        <p:spPr/>
+        <p:txBody>
+          <a:bodyPr/>
+          <a:lstStyle/>
+          <a:p>
+            <a:pPr marL="0" indent="0">
+              <a:buFontTx/>
+              <a:buNone/>
+            </a:pPr>
+            <a:r>
+              <a:rPr lang="de-DE" dirty="0"/>
+              <a:t>ZEIT: 13:14</a:t>
+            </a:r>
+          </a:p>
+        </p:txBody>
+      </p:sp>
+    </p:spTree>
+    <p:extLst>
+      <p:ext uri="{BB962C8B-B14F-4D97-AF65-F5344CB8AC3E}">
+        <p14:creationId xmlns:p14="http://schemas.microsoft.com/office/powerpoint/2010/main" val="1633866113"/>
       </p:ext>
     </p:extLst>
   </p:cSld>
@@ -1624,6 +1814,29 @@
           <a:bodyPr/>
           <a:lstStyle/>
           <a:p>
+            <a:pPr marL="0" marR="0" lvl="0" indent="0" algn="l" defTabSz="914400" eaLnBrk="1" fontAlgn="auto" latinLnBrk="0" hangingPunct="1">
+              <a:lnSpc>
+                <a:spcPct val="100000"/>
+              </a:lnSpc>
+              <a:spcBef>
+                <a:spcPts val="0"/>
+              </a:spcBef>
+              <a:spcAft>
+                <a:spcPts val="0"/>
+              </a:spcAft>
+              <a:buClrTx/>
+              <a:buSzTx/>
+              <a:buFontTx/>
+              <a:buNone/>
+              <a:tabLst/>
+              <a:defRPr/>
+            </a:pPr>
+            <a:r>
+              <a:rPr lang="de-DE" dirty="0"/>
+              <a:t>ZEIT: 01:46</a:t>
+            </a:r>
+          </a:p>
+          <a:p>
             <a:pPr marL="171450" indent="-171450">
               <a:buFontTx/>
               <a:buChar char="-"/>
@@ -1727,6 +1940,484 @@
     <p:extLst>
       <p:ext uri="{BB962C8B-B14F-4D97-AF65-F5344CB8AC3E}">
         <p14:creationId xmlns:p14="http://schemas.microsoft.com/office/powerpoint/2010/main" val="2200009447"/>
+      </p:ext>
+    </p:extLst>
+  </p:cSld>
+  <p:clrMapOvr>
+    <a:masterClrMapping/>
+  </p:clrMapOvr>
+</p:notes>
+</file>
+
+<file path=ppt/notesSlides/notesSlide20.xml><?xml version="1.0" encoding="utf-8"?>
+<p:notes xmlns:a="http://schemas.openxmlformats.org/drawingml/2006/main" xmlns:r="http://schemas.openxmlformats.org/officeDocument/2006/relationships" xmlns:p="http://schemas.openxmlformats.org/presentationml/2006/main">
+  <p:cSld>
+    <p:spTree>
+      <p:nvGrpSpPr>
+        <p:cNvPr id="1" name=""/>
+        <p:cNvGrpSpPr/>
+        <p:nvPr/>
+      </p:nvGrpSpPr>
+      <p:grpSpPr>
+        <a:xfrm>
+          <a:off x="0" y="0"/>
+          <a:ext cx="0" cy="0"/>
+          <a:chOff x="0" y="0"/>
+          <a:chExt cx="0" cy="0"/>
+        </a:xfrm>
+      </p:grpSpPr>
+      <p:sp>
+        <p:nvSpPr>
+          <p:cNvPr id="2" name="Folienbildplatzhalter 1"/>
+          <p:cNvSpPr>
+            <a:spLocks noGrp="1" noRot="1" noChangeAspect="1"/>
+          </p:cNvSpPr>
+          <p:nvPr>
+            <p:ph type="sldImg"/>
+          </p:nvPr>
+        </p:nvSpPr>
+        <p:spPr/>
+      </p:sp>
+      <p:sp>
+        <p:nvSpPr>
+          <p:cNvPr id="3" name="Notizenplatzhalter 2"/>
+          <p:cNvSpPr>
+            <a:spLocks noGrp="1"/>
+          </p:cNvSpPr>
+          <p:nvPr>
+            <p:ph type="body" idx="1"/>
+          </p:nvPr>
+        </p:nvSpPr>
+        <p:spPr/>
+        <p:txBody>
+          <a:bodyPr/>
+          <a:lstStyle/>
+          <a:p>
+            <a:r>
+              <a:rPr lang="de-DE" dirty="0"/>
+              <a:t>ZEIT: 15:00</a:t>
+            </a:r>
+          </a:p>
+        </p:txBody>
+      </p:sp>
+    </p:spTree>
+    <p:extLst>
+      <p:ext uri="{BB962C8B-B14F-4D97-AF65-F5344CB8AC3E}">
+        <p14:creationId xmlns:p14="http://schemas.microsoft.com/office/powerpoint/2010/main" val="32007893"/>
+      </p:ext>
+    </p:extLst>
+  </p:cSld>
+  <p:clrMapOvr>
+    <a:masterClrMapping/>
+  </p:clrMapOvr>
+</p:notes>
+</file>
+
+<file path=ppt/notesSlides/notesSlide21.xml><?xml version="1.0" encoding="utf-8"?>
+<p:notes xmlns:a="http://schemas.openxmlformats.org/drawingml/2006/main" xmlns:r="http://schemas.openxmlformats.org/officeDocument/2006/relationships" xmlns:p="http://schemas.openxmlformats.org/presentationml/2006/main">
+  <p:cSld>
+    <p:spTree>
+      <p:nvGrpSpPr>
+        <p:cNvPr id="1" name=""/>
+        <p:cNvGrpSpPr/>
+        <p:nvPr/>
+      </p:nvGrpSpPr>
+      <p:grpSpPr>
+        <a:xfrm>
+          <a:off x="0" y="0"/>
+          <a:ext cx="0" cy="0"/>
+          <a:chOff x="0" y="0"/>
+          <a:chExt cx="0" cy="0"/>
+        </a:xfrm>
+      </p:grpSpPr>
+      <p:sp>
+        <p:nvSpPr>
+          <p:cNvPr id="2" name="Folienbildplatzhalter 1"/>
+          <p:cNvSpPr>
+            <a:spLocks noGrp="1" noRot="1" noChangeAspect="1"/>
+          </p:cNvSpPr>
+          <p:nvPr>
+            <p:ph type="sldImg"/>
+          </p:nvPr>
+        </p:nvSpPr>
+        <p:spPr/>
+      </p:sp>
+      <p:sp>
+        <p:nvSpPr>
+          <p:cNvPr id="3" name="Notizenplatzhalter 2"/>
+          <p:cNvSpPr>
+            <a:spLocks noGrp="1"/>
+          </p:cNvSpPr>
+          <p:nvPr>
+            <p:ph type="body" idx="1"/>
+          </p:nvPr>
+        </p:nvSpPr>
+        <p:spPr/>
+        <p:txBody>
+          <a:bodyPr/>
+          <a:lstStyle/>
+          <a:p>
+            <a:pPr marL="0" marR="0" lvl="0" indent="0" algn="l" defTabSz="914400" eaLnBrk="1" fontAlgn="auto" latinLnBrk="0" hangingPunct="1">
+              <a:lnSpc>
+                <a:spcPct val="100000"/>
+              </a:lnSpc>
+              <a:spcBef>
+                <a:spcPts val="0"/>
+              </a:spcBef>
+              <a:spcAft>
+                <a:spcPts val="0"/>
+              </a:spcAft>
+              <a:buClrTx/>
+              <a:buSzTx/>
+              <a:buFontTx/>
+              <a:buNone/>
+              <a:tabLst/>
+              <a:defRPr/>
+            </a:pPr>
+            <a:r>
+              <a:rPr lang="de-DE" dirty="0"/>
+              <a:t>ZEIT: 15:00</a:t>
+            </a:r>
+          </a:p>
+          <a:p>
+            <a:pPr marL="0" indent="0">
+              <a:buFontTx/>
+              <a:buNone/>
+            </a:pPr>
+            <a:endParaRPr lang="de-DE" dirty="0"/>
+          </a:p>
+          <a:p>
+            <a:pPr marL="171450" indent="-171450">
+              <a:buFontTx/>
+              <a:buChar char="-"/>
+            </a:pPr>
+            <a:r>
+              <a:rPr lang="de-DE" dirty="0"/>
+              <a:t>Leichte Abweichung in einzelnen Phasen Zeitplan</a:t>
+            </a:r>
+          </a:p>
+          <a:p>
+            <a:pPr marL="171450" indent="-171450">
+              <a:buFontTx/>
+              <a:buChar char="-"/>
+            </a:pPr>
+            <a:r>
+              <a:rPr lang="de-DE" dirty="0"/>
+              <a:t>Ziel konnte erreicht werden</a:t>
+            </a:r>
+          </a:p>
+          <a:p>
+            <a:pPr marL="171450" indent="-171450">
+              <a:buFontTx/>
+              <a:buChar char="-"/>
+            </a:pPr>
+            <a:r>
+              <a:rPr lang="de-DE" dirty="0"/>
+              <a:t>Alle Webseiten laufen bereits auf dem Control Center</a:t>
+            </a:r>
+          </a:p>
+          <a:p>
+            <a:pPr marL="171450" lvl="0" indent="-171450">
+              <a:buFontTx/>
+              <a:buChar char="-"/>
+            </a:pPr>
+            <a:endParaRPr lang="de-DE" dirty="0"/>
+          </a:p>
+        </p:txBody>
+      </p:sp>
+    </p:spTree>
+    <p:extLst>
+      <p:ext uri="{BB962C8B-B14F-4D97-AF65-F5344CB8AC3E}">
+        <p14:creationId xmlns:p14="http://schemas.microsoft.com/office/powerpoint/2010/main" val="3202660616"/>
+      </p:ext>
+    </p:extLst>
+  </p:cSld>
+  <p:clrMapOvr>
+    <a:masterClrMapping/>
+  </p:clrMapOvr>
+</p:notes>
+</file>
+
+<file path=ppt/notesSlides/notesSlide22.xml><?xml version="1.0" encoding="utf-8"?>
+<p:notes xmlns:a="http://schemas.openxmlformats.org/drawingml/2006/main" xmlns:r="http://schemas.openxmlformats.org/officeDocument/2006/relationships" xmlns:p="http://schemas.openxmlformats.org/presentationml/2006/main">
+  <p:cSld>
+    <p:spTree>
+      <p:nvGrpSpPr>
+        <p:cNvPr id="1" name=""/>
+        <p:cNvGrpSpPr/>
+        <p:nvPr/>
+      </p:nvGrpSpPr>
+      <p:grpSpPr>
+        <a:xfrm>
+          <a:off x="0" y="0"/>
+          <a:ext cx="0" cy="0"/>
+          <a:chOff x="0" y="0"/>
+          <a:chExt cx="0" cy="0"/>
+        </a:xfrm>
+      </p:grpSpPr>
+      <p:sp>
+        <p:nvSpPr>
+          <p:cNvPr id="2" name="Folienbildplatzhalter 1"/>
+          <p:cNvSpPr>
+            <a:spLocks noGrp="1" noRot="1" noChangeAspect="1"/>
+          </p:cNvSpPr>
+          <p:nvPr>
+            <p:ph type="sldImg"/>
+          </p:nvPr>
+        </p:nvSpPr>
+        <p:spPr/>
+      </p:sp>
+      <p:sp>
+        <p:nvSpPr>
+          <p:cNvPr id="3" name="Notizenplatzhalter 2"/>
+          <p:cNvSpPr>
+            <a:spLocks noGrp="1"/>
+          </p:cNvSpPr>
+          <p:nvPr>
+            <p:ph type="body" idx="1"/>
+          </p:nvPr>
+        </p:nvSpPr>
+        <p:spPr/>
+        <p:txBody>
+          <a:bodyPr/>
+          <a:lstStyle/>
+          <a:p>
+            <a:pPr marL="0" marR="0" lvl="0" indent="0" algn="l" defTabSz="914400" eaLnBrk="1" fontAlgn="auto" latinLnBrk="0" hangingPunct="1">
+              <a:lnSpc>
+                <a:spcPct val="100000"/>
+              </a:lnSpc>
+              <a:spcBef>
+                <a:spcPts val="0"/>
+              </a:spcBef>
+              <a:spcAft>
+                <a:spcPts val="0"/>
+              </a:spcAft>
+              <a:buClrTx/>
+              <a:buSzTx/>
+              <a:buFontTx/>
+              <a:buNone/>
+              <a:tabLst/>
+              <a:defRPr/>
+            </a:pPr>
+            <a:r>
+              <a:rPr lang="de-DE" dirty="0"/>
+              <a:t>ZEIT: 15:00</a:t>
+            </a:r>
+          </a:p>
+          <a:p>
+            <a:pPr marL="0" marR="0" lvl="0" indent="0" algn="l" defTabSz="914400" eaLnBrk="1" fontAlgn="auto" latinLnBrk="0" hangingPunct="1">
+              <a:lnSpc>
+                <a:spcPct val="100000"/>
+              </a:lnSpc>
+              <a:spcBef>
+                <a:spcPts val="0"/>
+              </a:spcBef>
+              <a:spcAft>
+                <a:spcPts val="0"/>
+              </a:spcAft>
+              <a:buClrTx/>
+              <a:buSzTx/>
+              <a:buFontTx/>
+              <a:buNone/>
+              <a:tabLst/>
+              <a:defRPr/>
+            </a:pPr>
+            <a:endParaRPr lang="de-DE" dirty="0"/>
+          </a:p>
+          <a:p>
+            <a:pPr marL="171450" indent="-171450">
+              <a:buFontTx/>
+              <a:buChar char="-"/>
+            </a:pPr>
+            <a:r>
+              <a:rPr lang="de-DE" dirty="0"/>
+              <a:t>Weitere Anforderungen während Entwicklung</a:t>
+            </a:r>
+          </a:p>
+          <a:p>
+            <a:pPr marL="171450" lvl="0" indent="-171450">
+              <a:buFontTx/>
+              <a:buChar char="-"/>
+            </a:pPr>
+            <a:r>
+              <a:rPr lang="de-DE" dirty="0"/>
+              <a:t>Im Ticket System festgehalten für die Zukunft</a:t>
+            </a:r>
+          </a:p>
+        </p:txBody>
+      </p:sp>
+    </p:spTree>
+    <p:extLst>
+      <p:ext uri="{BB962C8B-B14F-4D97-AF65-F5344CB8AC3E}">
+        <p14:creationId xmlns:p14="http://schemas.microsoft.com/office/powerpoint/2010/main" val="2543962626"/>
+      </p:ext>
+    </p:extLst>
+  </p:cSld>
+  <p:clrMapOvr>
+    <a:masterClrMapping/>
+  </p:clrMapOvr>
+</p:notes>
+</file>
+
+<file path=ppt/notesSlides/notesSlide23.xml><?xml version="1.0" encoding="utf-8"?>
+<p:notes xmlns:a="http://schemas.openxmlformats.org/drawingml/2006/main" xmlns:r="http://schemas.openxmlformats.org/officeDocument/2006/relationships" xmlns:p="http://schemas.openxmlformats.org/presentationml/2006/main">
+  <p:cSld>
+    <p:spTree>
+      <p:nvGrpSpPr>
+        <p:cNvPr id="1" name=""/>
+        <p:cNvGrpSpPr/>
+        <p:nvPr/>
+      </p:nvGrpSpPr>
+      <p:grpSpPr>
+        <a:xfrm>
+          <a:off x="0" y="0"/>
+          <a:ext cx="0" cy="0"/>
+          <a:chOff x="0" y="0"/>
+          <a:chExt cx="0" cy="0"/>
+        </a:xfrm>
+      </p:grpSpPr>
+      <p:sp>
+        <p:nvSpPr>
+          <p:cNvPr id="2" name="Folienbildplatzhalter 1"/>
+          <p:cNvSpPr>
+            <a:spLocks noGrp="1" noRot="1" noChangeAspect="1"/>
+          </p:cNvSpPr>
+          <p:nvPr>
+            <p:ph type="sldImg"/>
+          </p:nvPr>
+        </p:nvSpPr>
+        <p:spPr/>
+      </p:sp>
+      <p:sp>
+        <p:nvSpPr>
+          <p:cNvPr id="3" name="Notizenplatzhalter 2"/>
+          <p:cNvSpPr>
+            <a:spLocks noGrp="1"/>
+          </p:cNvSpPr>
+          <p:nvPr>
+            <p:ph type="body" idx="1"/>
+          </p:nvPr>
+        </p:nvSpPr>
+        <p:spPr/>
+        <p:txBody>
+          <a:bodyPr/>
+          <a:lstStyle/>
+          <a:p>
+            <a:pPr marL="0" marR="0" lvl="0" indent="0" algn="l" defTabSz="914400" eaLnBrk="1" fontAlgn="auto" latinLnBrk="0" hangingPunct="1">
+              <a:lnSpc>
+                <a:spcPct val="100000"/>
+              </a:lnSpc>
+              <a:spcBef>
+                <a:spcPts val="0"/>
+              </a:spcBef>
+              <a:spcAft>
+                <a:spcPts val="0"/>
+              </a:spcAft>
+              <a:buClrTx/>
+              <a:buSzTx/>
+              <a:buFontTx/>
+              <a:buNone/>
+              <a:tabLst/>
+              <a:defRPr/>
+            </a:pPr>
+            <a:r>
+              <a:rPr lang="de-DE" dirty="0"/>
+              <a:t>ZEIT: 15:00</a:t>
+            </a:r>
+          </a:p>
+          <a:p>
+            <a:endParaRPr lang="de-DE" dirty="0"/>
+          </a:p>
+        </p:txBody>
+      </p:sp>
+    </p:spTree>
+    <p:extLst>
+      <p:ext uri="{BB962C8B-B14F-4D97-AF65-F5344CB8AC3E}">
+        <p14:creationId xmlns:p14="http://schemas.microsoft.com/office/powerpoint/2010/main" val="19458271"/>
+      </p:ext>
+    </p:extLst>
+  </p:cSld>
+  <p:clrMapOvr>
+    <a:masterClrMapping/>
+  </p:clrMapOvr>
+</p:notes>
+</file>
+
+<file path=ppt/notesSlides/notesSlide24.xml><?xml version="1.0" encoding="utf-8"?>
+<p:notes xmlns:a="http://schemas.openxmlformats.org/drawingml/2006/main" xmlns:r="http://schemas.openxmlformats.org/officeDocument/2006/relationships" xmlns:p="http://schemas.openxmlformats.org/presentationml/2006/main">
+  <p:cSld>
+    <p:spTree>
+      <p:nvGrpSpPr>
+        <p:cNvPr id="1" name=""/>
+        <p:cNvGrpSpPr/>
+        <p:nvPr/>
+      </p:nvGrpSpPr>
+      <p:grpSpPr>
+        <a:xfrm>
+          <a:off x="0" y="0"/>
+          <a:ext cx="0" cy="0"/>
+          <a:chOff x="0" y="0"/>
+          <a:chExt cx="0" cy="0"/>
+        </a:xfrm>
+      </p:grpSpPr>
+      <p:sp>
+        <p:nvSpPr>
+          <p:cNvPr id="2" name="Folienbildplatzhalter 1"/>
+          <p:cNvSpPr>
+            <a:spLocks noGrp="1" noRot="1" noChangeAspect="1"/>
+          </p:cNvSpPr>
+          <p:nvPr>
+            <p:ph type="sldImg"/>
+          </p:nvPr>
+        </p:nvSpPr>
+        <p:spPr/>
+      </p:sp>
+      <p:sp>
+        <p:nvSpPr>
+          <p:cNvPr id="3" name="Notizenplatzhalter 2"/>
+          <p:cNvSpPr>
+            <a:spLocks noGrp="1"/>
+          </p:cNvSpPr>
+          <p:nvPr>
+            <p:ph type="body" idx="1"/>
+          </p:nvPr>
+        </p:nvSpPr>
+        <p:spPr/>
+        <p:txBody>
+          <a:bodyPr/>
+          <a:lstStyle/>
+          <a:p>
+            <a:pPr marL="0" marR="0" lvl="0" indent="0" algn="l" defTabSz="914400" eaLnBrk="1" fontAlgn="auto" latinLnBrk="0" hangingPunct="1">
+              <a:lnSpc>
+                <a:spcPct val="100000"/>
+              </a:lnSpc>
+              <a:spcBef>
+                <a:spcPts val="0"/>
+              </a:spcBef>
+              <a:spcAft>
+                <a:spcPts val="0"/>
+              </a:spcAft>
+              <a:buClrTx/>
+              <a:buSzTx/>
+              <a:buFontTx/>
+              <a:buNone/>
+              <a:tabLst/>
+              <a:defRPr/>
+            </a:pPr>
+            <a:r>
+              <a:rPr lang="de-DE"/>
+              <a:t>ZEIT: 15:00</a:t>
+            </a:r>
+          </a:p>
+          <a:p>
+            <a:endParaRPr lang="de-DE" dirty="0"/>
+          </a:p>
+        </p:txBody>
+      </p:sp>
+    </p:spTree>
+    <p:extLst>
+      <p:ext uri="{BB962C8B-B14F-4D97-AF65-F5344CB8AC3E}">
+        <p14:creationId xmlns:p14="http://schemas.microsoft.com/office/powerpoint/2010/main" val="3907441594"/>
       </p:ext>
     </p:extLst>
   </p:cSld>
@@ -1853,7 +2544,7 @@
         <p:cNvGrpSpPr/>
         <p:nvPr/>
       </p:nvGrpSpPr>
-      <p:grpSpPr bwMode="auto">
+      <p:grpSpPr>
         <a:xfrm>
           <a:off x="0" y="0"/>
           <a:ext cx="0" cy="0"/>
@@ -1871,7 +2562,7 @@
             <p:ph type="sldImg"/>
           </p:nvPr>
         </p:nvSpPr>
-        <p:spPr bwMode="auto"/>
+        <p:spPr/>
       </p:sp>
       <p:sp>
         <p:nvSpPr>
@@ -1883,95 +2574,24 @@
             <p:ph type="body" idx="1"/>
           </p:nvPr>
         </p:nvSpPr>
-        <p:spPr bwMode="auto"/>
+        <p:spPr/>
         <p:txBody>
           <a:bodyPr/>
           <a:lstStyle/>
           <a:p>
-            <a:pPr marL="171450" indent="-171450">
-              <a:buFontTx/>
-              <a:buChar char="-"/>
-              <a:defRPr/>
-            </a:pPr>
             <a:r>
               <a:rPr lang="de-DE" dirty="0"/>
-              <a:t>Monitoring Tool</a:t>
-            </a:r>
-          </a:p>
-          <a:p>
-            <a:pPr marL="171450" indent="-171450">
-              <a:buFontTx/>
-              <a:buChar char="-"/>
-              <a:defRPr/>
-            </a:pPr>
-            <a:r>
-              <a:rPr lang="de-DE" dirty="0"/>
-              <a:t>Zwei Komponenten</a:t>
-            </a:r>
-          </a:p>
-          <a:p>
-            <a:pPr marL="171450" indent="-171450">
-              <a:buFontTx/>
-              <a:buChar char="-"/>
-              <a:defRPr/>
-            </a:pPr>
-            <a:r>
-              <a:rPr lang="de-DE" dirty="0"/>
-              <a:t>Zusätzlich mehr Funktionen zu einem gängigem Monitoring Tool</a:t>
-            </a:r>
-          </a:p>
-          <a:p>
-            <a:pPr marL="628650" lvl="1" indent="-171450">
-              <a:buFontTx/>
-              <a:buChar char="-"/>
-              <a:defRPr/>
-            </a:pPr>
-            <a:r>
-              <a:rPr lang="de-DE" dirty="0"/>
-              <a:t>Monitoring der Seite</a:t>
-            </a:r>
-          </a:p>
-          <a:p>
-            <a:pPr marL="628650" lvl="1" indent="-171450">
-              <a:buFontTx/>
-              <a:buChar char="-"/>
-              <a:defRPr/>
-            </a:pPr>
-            <a:r>
-              <a:rPr lang="de-DE" dirty="0"/>
-              <a:t>Überwachung des Servers</a:t>
-            </a:r>
-          </a:p>
-          <a:p>
-            <a:pPr marL="628650" lvl="1" indent="-171450">
-              <a:buFontTx/>
-              <a:buChar char="-"/>
-              <a:defRPr/>
-            </a:pPr>
-            <a:r>
-              <a:rPr lang="de-DE" dirty="0"/>
-              <a:t>Backups</a:t>
-            </a:r>
-          </a:p>
-          <a:p>
-            <a:pPr marL="628650" lvl="1" indent="-171450">
-              <a:buFontTx/>
-              <a:buChar char="-"/>
-              <a:defRPr/>
-            </a:pPr>
-            <a:endParaRPr lang="de-DE" dirty="0"/>
-          </a:p>
-          <a:p>
-            <a:pPr marL="171450" indent="-171450">
-              <a:buFontTx/>
-              <a:buChar char="-"/>
-              <a:defRPr/>
-            </a:pPr>
-            <a:endParaRPr lang="de-DE" dirty="0"/>
+              <a:t>ZEIT: 02:39</a:t>
+            </a:r>
           </a:p>
         </p:txBody>
       </p:sp>
     </p:spTree>
+    <p:extLst>
+      <p:ext uri="{BB962C8B-B14F-4D97-AF65-F5344CB8AC3E}">
+        <p14:creationId xmlns:p14="http://schemas.microsoft.com/office/powerpoint/2010/main" val="954922227"/>
+      </p:ext>
+    </p:extLst>
   </p:cSld>
   <p:clrMapOvr>
     <a:masterClrMapping/>
@@ -1998,7 +2618,7 @@
       </p:grpSpPr>
       <p:sp>
         <p:nvSpPr>
-          <p:cNvPr id="2" name="Slide Image Placeholder 1"/>
+          <p:cNvPr id="2" name="Folienbildplatzhalter 1"/>
           <p:cNvSpPr>
             <a:spLocks noGrp="1" noRot="1" noChangeAspect="1"/>
           </p:cNvSpPr>
@@ -2010,7 +2630,7 @@
       </p:sp>
       <p:sp>
         <p:nvSpPr>
-          <p:cNvPr id="3" name="Notes Placeholder 2"/>
+          <p:cNvPr id="3" name="Notizenplatzhalter 2"/>
           <p:cNvSpPr>
             <a:spLocks noGrp="1"/>
           </p:cNvSpPr>
@@ -2023,32 +2643,117 @@
           <a:bodyPr/>
           <a:lstStyle/>
           <a:p>
-            <a:pPr>
-              <a:defRPr/>
-            </a:pPr>
-            <a:endParaRPr dirty="0"/>
-          </a:p>
-        </p:txBody>
-      </p:sp>
-      <p:sp>
-        <p:nvSpPr>
-          <p:cNvPr id="4" name="Slide Number Placeholder 3"/>
-          <p:cNvSpPr>
-            <a:spLocks noGrp="1"/>
-          </p:cNvSpPr>
-          <p:nvPr>
-            <p:ph type="sldNum" sz="quarter" idx="10"/>
-          </p:nvPr>
-        </p:nvSpPr>
-        <p:spPr bwMode="auto"/>
-        <p:txBody>
-          <a:bodyPr/>
-          <a:lstStyle/>
-          <a:p>
-            <a:pPr>
-              <a:defRPr/>
-            </a:pPr>
-            <a:endParaRPr/>
+            <a:pPr marL="0" marR="0" lvl="0" indent="0" algn="l" defTabSz="914400" eaLnBrk="1" fontAlgn="auto" latinLnBrk="0" hangingPunct="1">
+              <a:lnSpc>
+                <a:spcPct val="100000"/>
+              </a:lnSpc>
+              <a:spcBef>
+                <a:spcPts val="0"/>
+              </a:spcBef>
+              <a:spcAft>
+                <a:spcPts val="0"/>
+              </a:spcAft>
+              <a:buClrTx/>
+              <a:buSzTx/>
+              <a:buFontTx/>
+              <a:buNone/>
+              <a:tabLst/>
+              <a:defRPr/>
+            </a:pPr>
+            <a:r>
+              <a:rPr lang="de-DE" dirty="0"/>
+              <a:t>ZEIT: 02:39</a:t>
+            </a:r>
+          </a:p>
+          <a:p>
+            <a:pPr marL="0" indent="0">
+              <a:buFontTx/>
+              <a:buNone/>
+              <a:defRPr/>
+            </a:pPr>
+            <a:endParaRPr lang="de-DE" dirty="0"/>
+          </a:p>
+          <a:p>
+            <a:pPr marL="171450" indent="-171450">
+              <a:buFontTx/>
+              <a:buChar char="-"/>
+              <a:defRPr/>
+            </a:pPr>
+            <a:r>
+              <a:rPr lang="de-DE" dirty="0"/>
+              <a:t>Monitoring Tool</a:t>
+            </a:r>
+          </a:p>
+          <a:p>
+            <a:pPr marL="171450" indent="-171450">
+              <a:buFontTx/>
+              <a:buChar char="-"/>
+              <a:defRPr/>
+            </a:pPr>
+            <a:r>
+              <a:rPr lang="de-DE" dirty="0"/>
+              <a:t>Zwei Komponenten</a:t>
+            </a:r>
+          </a:p>
+          <a:p>
+            <a:pPr marL="171450" indent="-171450">
+              <a:buFontTx/>
+              <a:buChar char="-"/>
+              <a:defRPr/>
+            </a:pPr>
+            <a:r>
+              <a:rPr lang="de-DE" dirty="0"/>
+              <a:t>Zusätzlich mehr Funktionen zu einem gängigem Monitoring Tool</a:t>
+            </a:r>
+          </a:p>
+          <a:p>
+            <a:pPr marL="628650" lvl="1" indent="-171450">
+              <a:buFontTx/>
+              <a:buChar char="-"/>
+              <a:defRPr/>
+            </a:pPr>
+            <a:r>
+              <a:rPr lang="de-DE" dirty="0"/>
+              <a:t>Monitoring der Seite</a:t>
+            </a:r>
+          </a:p>
+          <a:p>
+            <a:pPr marL="628650" lvl="1" indent="-171450">
+              <a:buFontTx/>
+              <a:buChar char="-"/>
+              <a:defRPr/>
+            </a:pPr>
+            <a:r>
+              <a:rPr lang="de-DE" dirty="0"/>
+              <a:t>Überwachung des Servers</a:t>
+            </a:r>
+          </a:p>
+          <a:p>
+            <a:pPr marL="628650" lvl="1" indent="-171450">
+              <a:buFontTx/>
+              <a:buChar char="-"/>
+              <a:defRPr/>
+            </a:pPr>
+            <a:r>
+              <a:rPr lang="de-DE" dirty="0"/>
+              <a:t>Backups</a:t>
+            </a:r>
+          </a:p>
+          <a:p>
+            <a:pPr marL="628650" lvl="1" indent="-171450">
+              <a:buFontTx/>
+              <a:buChar char="-"/>
+              <a:defRPr/>
+            </a:pPr>
+            <a:endParaRPr lang="de-DE" dirty="0"/>
+          </a:p>
+          <a:p>
+            <a:pPr marL="171450" indent="-171450">
+              <a:buFontTx/>
+              <a:buChar char="-"/>
+              <a:defRPr/>
+            </a:pPr>
+            <a:endParaRPr lang="de-DE" dirty="0"/>
           </a:p>
         </p:txBody>
       </p:sp>
@@ -2079,7 +2784,7 @@
       </p:grpSpPr>
       <p:sp>
         <p:nvSpPr>
-          <p:cNvPr id="2" name="Folienbildplatzhalter 1"/>
+          <p:cNvPr id="2" name="Slide Image Placeholder 1"/>
           <p:cNvSpPr>
             <a:spLocks noGrp="1" noRot="1" noChangeAspect="1"/>
           </p:cNvSpPr>
@@ -2091,7 +2796,7 @@
       </p:sp>
       <p:sp>
         <p:nvSpPr>
-          <p:cNvPr id="3" name="Notizenplatzhalter 2"/>
+          <p:cNvPr id="3" name="Notes Placeholder 2"/>
           <p:cNvSpPr>
             <a:spLocks noGrp="1"/>
           </p:cNvSpPr>
@@ -2104,59 +2809,36 @@
           <a:bodyPr/>
           <a:lstStyle/>
           <a:p>
-            <a:pPr marL="171450" indent="-171450">
-              <a:buFontTx/>
-              <a:buChar char="-"/>
+            <a:pPr>
               <a:defRPr/>
             </a:pPr>
             <a:r>
               <a:rPr lang="de-DE" dirty="0"/>
-              <a:t>Komplizierte Überwachung, da mehrere Systeme verwendet werden</a:t>
-            </a:r>
-          </a:p>
-          <a:p>
-            <a:pPr marL="171450" indent="-171450">
-              <a:buFontTx/>
-              <a:buChar char="-"/>
-              <a:defRPr/>
-            </a:pPr>
-            <a:r>
-              <a:rPr lang="de-DE" dirty="0"/>
-              <a:t>Kein Tool bietet vollständige Lösung</a:t>
-            </a:r>
-          </a:p>
-          <a:p>
-            <a:pPr marL="171450" indent="-171450">
-              <a:buFontTx/>
-              <a:buChar char="-"/>
-              <a:defRPr/>
-            </a:pPr>
-            <a:r>
-              <a:rPr lang="de-DE" dirty="0"/>
-              <a:t>DSGVO nonkonform, da Dienste oft in USA</a:t>
-            </a:r>
-          </a:p>
-          <a:p>
-            <a:pPr marL="171450" indent="-171450">
-              <a:buFontTx/>
-              <a:buChar char="-"/>
-              <a:defRPr/>
-            </a:pPr>
-            <a:r>
-              <a:rPr lang="de-DE" dirty="0"/>
-              <a:t>Vor allem Backups und Serverinformationen können nicht überwacht werden</a:t>
-            </a:r>
-          </a:p>
-          <a:p>
-            <a:pPr marL="171450" indent="-171450">
-              <a:buFontTx/>
-              <a:buChar char="-"/>
-              <a:defRPr/>
-            </a:pPr>
-            <a:r>
-              <a:rPr lang="de-DE" dirty="0"/>
-              <a:t>Bei Ausfall, schwere Folgen, vor allem Shops</a:t>
-            </a:r>
+              <a:t>ZEIT: 06:11</a:t>
+            </a:r>
+            <a:endParaRPr dirty="0"/>
+          </a:p>
+        </p:txBody>
+      </p:sp>
+      <p:sp>
+        <p:nvSpPr>
+          <p:cNvPr id="4" name="Slide Number Placeholder 3"/>
+          <p:cNvSpPr>
+            <a:spLocks noGrp="1"/>
+          </p:cNvSpPr>
+          <p:nvPr>
+            <p:ph type="sldNum" sz="quarter" idx="10"/>
+          </p:nvPr>
+        </p:nvSpPr>
+        <p:spPr bwMode="auto"/>
+        <p:txBody>
+          <a:bodyPr/>
+          <a:lstStyle/>
+          <a:p>
+            <a:pPr>
+              <a:defRPr/>
+            </a:pPr>
+            <a:endParaRPr/>
           </a:p>
         </p:txBody>
       </p:sp>
@@ -2212,7 +2894,7 @@
           <a:bodyPr/>
           <a:lstStyle/>
           <a:p>
-            <a:pPr marL="171450" marR="0" lvl="0" indent="-171450" algn="l" defTabSz="914400" eaLnBrk="1" fontAlgn="auto" latinLnBrk="0" hangingPunct="1">
+            <a:pPr marL="0" marR="0" lvl="0" indent="0" algn="l" defTabSz="914400" eaLnBrk="1" fontAlgn="auto" latinLnBrk="0" hangingPunct="1">
               <a:lnSpc>
                 <a:spcPct val="100000"/>
               </a:lnSpc>
@@ -2225,14 +2907,22 @@
               <a:buClrTx/>
               <a:buSzTx/>
               <a:buFontTx/>
-              <a:buChar char="-"/>
+              <a:buNone/>
               <a:tabLst/>
               <a:defRPr/>
             </a:pPr>
             <a:r>
               <a:rPr lang="de-DE" dirty="0"/>
-              <a:t>Einfache Bedienung (auch für Laien möglich)</a:t>
-            </a:r>
+              <a:t>ZEIT: 06:11</a:t>
+            </a:r>
+          </a:p>
+          <a:p>
+            <a:pPr marL="0" indent="0">
+              <a:buFontTx/>
+              <a:buNone/>
+              <a:defRPr/>
+            </a:pPr>
+            <a:endParaRPr lang="de-DE" dirty="0"/>
           </a:p>
           <a:p>
             <a:pPr marL="171450" indent="-171450">
@@ -2242,23 +2932,7 @@
             </a:pPr>
             <a:r>
               <a:rPr lang="de-DE" dirty="0"/>
-              <a:t>Eine </a:t>
-            </a:r>
-            <a:r>
-              <a:rPr lang="de-DE" dirty="0" err="1"/>
-              <a:t>One</a:t>
-            </a:r>
-            <a:r>
-              <a:rPr lang="de-DE" dirty="0"/>
-              <a:t>-</a:t>
-            </a:r>
-            <a:r>
-              <a:rPr lang="de-DE" dirty="0" err="1"/>
-              <a:t>Stop</a:t>
-            </a:r>
-            <a:r>
-              <a:rPr lang="de-DE" dirty="0"/>
-              <a:t>-Shop Lösung</a:t>
+              <a:t>Komplizierte Überwachung, da mehrere Systeme verwendet werden</a:t>
             </a:r>
           </a:p>
           <a:p>
@@ -2269,15 +2943,7 @@
             </a:pPr>
             <a:r>
               <a:rPr lang="de-DE" dirty="0"/>
-              <a:t>DSGVO </a:t>
-            </a:r>
-            <a:r>
-              <a:rPr lang="de-DE" dirty="0" err="1"/>
-              <a:t>konfrom</a:t>
-            </a:r>
-            <a:r>
-              <a:rPr lang="de-DE" dirty="0"/>
-              <a:t>, da eigener Dienst und eigener Server</a:t>
+              <a:t>Kein Tool bietet vollständige Lösung</a:t>
             </a:r>
           </a:p>
           <a:p>
@@ -2287,12 +2953,30 @@
               <a:defRPr/>
             </a:pPr>
             <a:r>
-              <a:rPr lang="de-DE" dirty="0" err="1"/>
-              <a:t>Reduntante</a:t>
-            </a:r>
-            <a:r>
               <a:rPr lang="de-DE" dirty="0"/>
-              <a:t> Backups</a:t>
+              <a:t>DSGVO nonkonform, da Dienste oft in USA</a:t>
+            </a:r>
+          </a:p>
+          <a:p>
+            <a:pPr marL="171450" indent="-171450">
+              <a:buFontTx/>
+              <a:buChar char="-"/>
+              <a:defRPr/>
+            </a:pPr>
+            <a:r>
+              <a:rPr lang="de-DE" dirty="0"/>
+              <a:t>Vor allem Backups und Serverinformationen können nicht überwacht werden</a:t>
+            </a:r>
+          </a:p>
+          <a:p>
+            <a:pPr marL="171450" indent="-171450">
+              <a:buFontTx/>
+              <a:buChar char="-"/>
+              <a:defRPr/>
+            </a:pPr>
+            <a:r>
+              <a:rPr lang="de-DE" dirty="0"/>
+              <a:t>Bei Ausfall, schwere Folgen, vor allem Shops</a:t>
             </a:r>
           </a:p>
         </p:txBody>
@@ -2314,7 +2998,7 @@
         <p:cNvGrpSpPr/>
         <p:nvPr/>
       </p:nvGrpSpPr>
-      <p:grpSpPr>
+      <p:grpSpPr bwMode="auto">
         <a:xfrm>
           <a:off x="0" y="0"/>
           <a:ext cx="0" cy="0"/>
@@ -2332,7 +3016,7 @@
             <p:ph type="sldImg"/>
           </p:nvPr>
         </p:nvSpPr>
-        <p:spPr/>
+        <p:spPr bwMode="auto"/>
       </p:sp>
       <p:sp>
         <p:nvSpPr>
@@ -2344,58 +3028,140 @@
             <p:ph type="body" idx="1"/>
           </p:nvPr>
         </p:nvSpPr>
-        <p:spPr/>
+        <p:spPr bwMode="auto"/>
         <p:txBody>
           <a:bodyPr/>
           <a:lstStyle/>
+          <a:p>
+            <a:pPr marL="0" marR="0" lvl="0" indent="0" algn="l" defTabSz="914400" eaLnBrk="1" fontAlgn="auto" latinLnBrk="0" hangingPunct="1">
+              <a:lnSpc>
+                <a:spcPct val="100000"/>
+              </a:lnSpc>
+              <a:spcBef>
+                <a:spcPts val="0"/>
+              </a:spcBef>
+              <a:spcAft>
+                <a:spcPts val="0"/>
+              </a:spcAft>
+              <a:buClrTx/>
+              <a:buSzTx/>
+              <a:buFontTx/>
+              <a:buNone/>
+              <a:tabLst/>
+              <a:defRPr/>
+            </a:pPr>
+            <a:r>
+              <a:rPr lang="de-DE" dirty="0"/>
+              <a:t>ZEIT: 06:11</a:t>
+            </a:r>
+          </a:p>
+          <a:p>
+            <a:pPr marL="0" marR="0" lvl="0" indent="0" algn="l" defTabSz="914400" eaLnBrk="1" fontAlgn="auto" latinLnBrk="0" hangingPunct="1">
+              <a:lnSpc>
+                <a:spcPct val="100000"/>
+              </a:lnSpc>
+              <a:spcBef>
+                <a:spcPts val="0"/>
+              </a:spcBef>
+              <a:spcAft>
+                <a:spcPts val="0"/>
+              </a:spcAft>
+              <a:buClrTx/>
+              <a:buSzTx/>
+              <a:buFontTx/>
+              <a:buNone/>
+              <a:tabLst/>
+              <a:defRPr/>
+            </a:pPr>
+            <a:endParaRPr lang="de-DE" dirty="0"/>
+          </a:p>
+          <a:p>
+            <a:pPr marL="171450" marR="0" lvl="0" indent="-171450" algn="l" defTabSz="914400" eaLnBrk="1" fontAlgn="auto" latinLnBrk="0" hangingPunct="1">
+              <a:lnSpc>
+                <a:spcPct val="100000"/>
+              </a:lnSpc>
+              <a:spcBef>
+                <a:spcPts val="0"/>
+              </a:spcBef>
+              <a:spcAft>
+                <a:spcPts val="0"/>
+              </a:spcAft>
+              <a:buClrTx/>
+              <a:buSzTx/>
+              <a:buFontTx/>
+              <a:buChar char="-"/>
+              <a:tabLst/>
+              <a:defRPr/>
+            </a:pPr>
+            <a:r>
+              <a:rPr lang="de-DE" dirty="0"/>
+              <a:t>Einfache Bedienung (auch für Laien möglich)</a:t>
+            </a:r>
+          </a:p>
           <a:p>
             <a:pPr marL="171450" indent="-171450">
               <a:buFontTx/>
               <a:buChar char="-"/>
+              <a:defRPr/>
             </a:pPr>
             <a:r>
               <a:rPr lang="de-DE" dirty="0"/>
-              <a:t>30€ Stundenlohn Mitarbeiter</a:t>
+              <a:t>Eine </a:t>
+            </a:r>
+            <a:r>
+              <a:rPr lang="de-DE" dirty="0" err="1"/>
+              <a:t>One</a:t>
+            </a:r>
+            <a:r>
+              <a:rPr lang="de-DE" dirty="0"/>
+              <a:t>-</a:t>
+            </a:r>
+            <a:r>
+              <a:rPr lang="de-DE" dirty="0" err="1"/>
+              <a:t>Stop</a:t>
+            </a:r>
+            <a:r>
+              <a:rPr lang="de-DE" dirty="0"/>
+              <a:t>-Shop Lösung</a:t>
             </a:r>
           </a:p>
           <a:p>
             <a:pPr marL="171450" indent="-171450">
               <a:buFontTx/>
               <a:buChar char="-"/>
+              <a:defRPr/>
             </a:pPr>
             <a:r>
               <a:rPr lang="de-DE" dirty="0"/>
-              <a:t>20€ Pauschale für Ressourcen</a:t>
+              <a:t>DSGVO </a:t>
+            </a:r>
+            <a:r>
+              <a:rPr lang="de-DE" dirty="0" err="1"/>
+              <a:t>konfrom</a:t>
+            </a:r>
+            <a:r>
+              <a:rPr lang="de-DE" dirty="0"/>
+              <a:t>, da eigener Dienst und eigener Server</a:t>
             </a:r>
           </a:p>
           <a:p>
             <a:pPr marL="171450" indent="-171450">
               <a:buFontTx/>
               <a:buChar char="-"/>
-            </a:pPr>
+              <a:defRPr/>
+            </a:pPr>
+            <a:r>
+              <a:rPr lang="de-DE" dirty="0" err="1"/>
+              <a:t>Reduntante</a:t>
+            </a:r>
             <a:r>
               <a:rPr lang="de-DE" dirty="0"/>
-              <a:t>4,81€ Stundensatz eines Auszubildenden</a:t>
-            </a:r>
-          </a:p>
-          <a:p>
-            <a:pPr marL="171450" indent="-171450">
-              <a:buFontTx/>
-              <a:buChar char="-"/>
-            </a:pPr>
-            <a:r>
-              <a:rPr lang="de-DE" dirty="0"/>
-              <a:t>Projektkosten 1.906,6€</a:t>
+              <a:t> Backups</a:t>
             </a:r>
           </a:p>
         </p:txBody>
       </p:sp>
     </p:spTree>
-    <p:extLst>
-      <p:ext uri="{BB962C8B-B14F-4D97-AF65-F5344CB8AC3E}">
-        <p14:creationId xmlns:p14="http://schemas.microsoft.com/office/powerpoint/2010/main" val="663016364"/>
-      </p:ext>
-    </p:extLst>
   </p:cSld>
   <p:clrMapOvr>
     <a:masterClrMapping/>
@@ -2447,13 +3213,43 @@
           <a:bodyPr/>
           <a:lstStyle/>
           <a:p>
+            <a:pPr marL="0" marR="0" lvl="0" indent="0" algn="l" defTabSz="914400" eaLnBrk="1" fontAlgn="auto" latinLnBrk="0" hangingPunct="1">
+              <a:lnSpc>
+                <a:spcPct val="100000"/>
+              </a:lnSpc>
+              <a:spcBef>
+                <a:spcPts val="0"/>
+              </a:spcBef>
+              <a:spcAft>
+                <a:spcPts val="0"/>
+              </a:spcAft>
+              <a:buClrTx/>
+              <a:buSzTx/>
+              <a:buFontTx/>
+              <a:buNone/>
+              <a:tabLst/>
+              <a:defRPr/>
+            </a:pPr>
+            <a:r>
+              <a:rPr lang="de-DE" dirty="0"/>
+              <a:t>ZEIT: 06:11</a:t>
+            </a:r>
+          </a:p>
+          <a:p>
+            <a:pPr marL="0" indent="0">
+              <a:buFontTx/>
+              <a:buNone/>
+            </a:pPr>
+            <a:endParaRPr lang="de-DE" dirty="0"/>
+          </a:p>
+          <a:p>
             <a:pPr marL="171450" indent="-171450">
               <a:buFontTx/>
               <a:buChar char="-"/>
             </a:pPr>
             <a:r>
               <a:rPr lang="de-DE" dirty="0"/>
-              <a:t>250 Arbeitstage</a:t>
+              <a:t>30€ Stundenlohn Mitarbeiter</a:t>
             </a:r>
           </a:p>
           <a:p>
@@ -2463,7 +3259,7 @@
             </a:pPr>
             <a:r>
               <a:rPr lang="de-DE" dirty="0"/>
-              <a:t>30€ Stundenlohn</a:t>
+              <a:t>20€ Pauschale für Ressourcen</a:t>
             </a:r>
           </a:p>
           <a:p>
@@ -2473,7 +3269,7 @@
             </a:pPr>
             <a:r>
               <a:rPr lang="de-DE" dirty="0"/>
-              <a:t>75€ Abokosten der mehreren genutzte Tools</a:t>
+              <a:t>4,81€ Stundensatz eines Auszubildenden</a:t>
             </a:r>
           </a:p>
           <a:p>
@@ -2483,25 +3279,7 @@
             </a:pPr>
             <a:r>
               <a:rPr lang="de-DE" dirty="0"/>
-              <a:t>Amortisationszeit: 21 Wochen</a:t>
-            </a:r>
-          </a:p>
-          <a:p>
-            <a:pPr marL="171450" indent="-171450">
-              <a:buFontTx/>
-              <a:buChar char="-"/>
-            </a:pPr>
-            <a:r>
-              <a:rPr lang="de-DE" dirty="0"/>
-              <a:t>Somit wurde die </a:t>
-            </a:r>
-            <a:r>
-              <a:rPr lang="de-DE" dirty="0" err="1"/>
-              <a:t>Make</a:t>
-            </a:r>
-            <a:r>
-              <a:rPr lang="de-DE" dirty="0"/>
-              <a:t> Entscheidung getroffen</a:t>
+              <a:t>Projektkosten 1.906,6€</a:t>
             </a:r>
           </a:p>
         </p:txBody>
@@ -2509,7 +3287,7 @@
     </p:spTree>
     <p:extLst>
       <p:ext uri="{BB962C8B-B14F-4D97-AF65-F5344CB8AC3E}">
-        <p14:creationId xmlns:p14="http://schemas.microsoft.com/office/powerpoint/2010/main" val="2939274310"/>
+        <p14:creationId xmlns:p14="http://schemas.microsoft.com/office/powerpoint/2010/main" val="663016364"/>
       </p:ext>
     </p:extLst>
   </p:cSld>
@@ -10245,10 +11023,10 @@
       </p:sp>
       <p:pic>
         <p:nvPicPr>
-          <p:cNvPr id="9" name="Grafik 8">
+          <p:cNvPr id="10" name="Grafik 9">
             <a:extLst>
               <a:ext uri="{FF2B5EF4-FFF2-40B4-BE49-F238E27FC236}">
-                <a16:creationId xmlns:a16="http://schemas.microsoft.com/office/drawing/2014/main" id="{C8FFE25B-BFFC-DEFE-8D6F-CA0F9FF2D5B1}"/>
+                <a16:creationId xmlns:a16="http://schemas.microsoft.com/office/drawing/2014/main" id="{0982A6F6-509F-05C4-412F-5FED84845DD0}"/>
               </a:ext>
             </a:extLst>
           </p:cNvPr>
@@ -10269,10 +11047,10 @@
             <a:fillRect/>
           </a:stretch>
         </p:blipFill>
-        <p:spPr>
+        <p:spPr bwMode="auto">
           <a:xfrm>
-            <a:off x="5141116" y="2486025"/>
-            <a:ext cx="2828925" cy="1885950"/>
+            <a:off x="8069352" y="805516"/>
+            <a:ext cx="414133" cy="276089"/>
           </a:xfrm>
           <a:prstGeom prst="rect">
             <a:avLst/>
@@ -10281,10 +11059,10 @@
       </p:pic>
       <p:pic>
         <p:nvPicPr>
-          <p:cNvPr id="10" name="Grafik 9">
+          <p:cNvPr id="13" name="Grafik 12">
             <a:extLst>
               <a:ext uri="{FF2B5EF4-FFF2-40B4-BE49-F238E27FC236}">
-                <a16:creationId xmlns:a16="http://schemas.microsoft.com/office/drawing/2014/main" id="{0982A6F6-509F-05C4-412F-5FED84845DD0}"/>
+                <a16:creationId xmlns:a16="http://schemas.microsoft.com/office/drawing/2014/main" id="{50262B40-23C6-1EA1-5A30-CCD8E303868D}"/>
               </a:ext>
             </a:extLst>
           </p:cNvPr>
@@ -10307,8 +11085,8 @@
         </p:blipFill>
         <p:spPr bwMode="auto">
           <a:xfrm>
-            <a:off x="8069352" y="805516"/>
-            <a:ext cx="414133" cy="276089"/>
+            <a:off x="5141116" y="2486025"/>
+            <a:ext cx="2828925" cy="1885950"/>
           </a:xfrm>
           <a:prstGeom prst="rect">
             <a:avLst/>
@@ -12456,10 +13234,10 @@
       </p:sp>
       <p:pic>
         <p:nvPicPr>
-          <p:cNvPr id="9" name="Grafik 8">
+          <p:cNvPr id="10" name="Grafik 9">
             <a:extLst>
               <a:ext uri="{FF2B5EF4-FFF2-40B4-BE49-F238E27FC236}">
-                <a16:creationId xmlns:a16="http://schemas.microsoft.com/office/drawing/2014/main" id="{435A5498-B72A-DE4E-97B5-55590E318D2D}"/>
+                <a16:creationId xmlns:a16="http://schemas.microsoft.com/office/drawing/2014/main" id="{82265CBE-6072-8CA3-CAAC-CB9DE66311FD}"/>
               </a:ext>
             </a:extLst>
           </p:cNvPr>
@@ -12469,57 +13247,13 @@
           <p:nvPr/>
         </p:nvPicPr>
         <p:blipFill>
-          <a:blip r:embed="rId3">
-            <a:extLst>
-              <a:ext uri="{96DAC541-7B7A-43D3-8B79-37D633B846F1}">
-                <asvg:svgBlip xmlns:asvg="http://schemas.microsoft.com/office/drawing/2016/SVG/main" r:embed="rId4"/>
-              </a:ext>
-            </a:extLst>
-          </a:blip>
-          <a:stretch>
-            <a:fillRect/>
-          </a:stretch>
-        </p:blipFill>
-        <p:spPr>
-          <a:xfrm>
-            <a:off x="5141116" y="2486025"/>
-            <a:ext cx="2828925" cy="1885950"/>
-          </a:xfrm>
-          <a:prstGeom prst="rect">
-            <a:avLst/>
-          </a:prstGeom>
-        </p:spPr>
-      </p:pic>
-      <p:pic>
-        <p:nvPicPr>
-          <p:cNvPr id="11" name="Grafik 10">
-            <a:extLst>
-              <a:ext uri="{FF2B5EF4-FFF2-40B4-BE49-F238E27FC236}">
-                <a16:creationId xmlns:a16="http://schemas.microsoft.com/office/drawing/2014/main" id="{AD29F6C3-4112-86AB-F7EC-8FE065A638DE}"/>
-              </a:ext>
-            </a:extLst>
-          </p:cNvPr>
-          <p:cNvPicPr>
-            <a:picLocks noChangeAspect="1"/>
-          </p:cNvPicPr>
-          <p:nvPr/>
-        </p:nvPicPr>
-        <p:blipFill>
-          <a:blip r:embed="rId3">
-            <a:extLst>
-              <a:ext uri="{96DAC541-7B7A-43D3-8B79-37D633B846F1}">
-                <asvg:svgBlip xmlns:asvg="http://schemas.microsoft.com/office/drawing/2016/SVG/main" r:embed="rId4"/>
-              </a:ext>
-            </a:extLst>
-          </a:blip>
-          <a:stretch>
-            <a:fillRect/>
-          </a:stretch>
+          <a:blip r:embed="rId3"/>
+          <a:stretch/>
         </p:blipFill>
         <p:spPr bwMode="auto">
           <a:xfrm>
-            <a:off x="8069352" y="805516"/>
-            <a:ext cx="414133" cy="276089"/>
+            <a:off x="4860032" y="807896"/>
+            <a:ext cx="3391578" cy="5242207"/>
           </a:xfrm>
           <a:prstGeom prst="rect">
             <a:avLst/>
@@ -12580,7 +13314,7 @@
         </p:nvSpPr>
         <p:spPr bwMode="auto">
           <a:xfrm>
-            <a:off x="695749" y="3135207"/>
+            <a:off x="755576" y="3212976"/>
             <a:ext cx="4095744" cy="587584"/>
           </a:xfrm>
         </p:spPr>
@@ -12713,7 +13447,7 @@
                   </a:schemeClr>
                 </a:solidFill>
               </a:rPr>
-              <a:t>Wunsch-Features implementieren</a:t>
+              <a:t>Wunsch-Features</a:t>
             </a:r>
           </a:p>
         </p:txBody>
@@ -12829,7 +13563,7 @@
                     <a:lumOff val="15000"/>
                   </a:schemeClr>
                 </a:solidFill>
-                <a:hlinkClick r:id="rId2">
+                <a:hlinkClick r:id="rId3">
                   <a:extLst>
                     <a:ext uri="{A12FA001-AC4F-418D-AE19-62706E023703}">
                       <ahyp:hlinkClr xmlns:ahyp="http://schemas.microsoft.com/office/drawing/2018/hyperlinkcolor" val="tx"/>
@@ -12860,7 +13594,7 @@
                     <a:lumOff val="15000"/>
                   </a:schemeClr>
                 </a:solidFill>
-                <a:hlinkClick r:id="rId3">
+                <a:hlinkClick r:id="rId4">
                   <a:extLst>
                     <a:ext uri="{A12FA001-AC4F-418D-AE19-62706E023703}">
                       <ahyp:hlinkClr xmlns:ahyp="http://schemas.microsoft.com/office/drawing/2018/hyperlinkcolor" val="tx"/>
@@ -12891,7 +13625,7 @@
                     <a:lumOff val="15000"/>
                   </a:schemeClr>
                 </a:solidFill>
-                <a:hlinkClick r:id="rId4">
+                <a:hlinkClick r:id="rId5">
                   <a:extLst>
                     <a:ext uri="{A12FA001-AC4F-418D-AE19-62706E023703}">
                       <ahyp:hlinkClr xmlns:ahyp="http://schemas.microsoft.com/office/drawing/2018/hyperlinkcolor" val="tx"/>
@@ -12922,7 +13656,7 @@
                     <a:lumOff val="15000"/>
                   </a:schemeClr>
                 </a:solidFill>
-                <a:hlinkClick r:id="rId5">
+                <a:hlinkClick r:id="rId6">
                   <a:extLst>
                     <a:ext uri="{A12FA001-AC4F-418D-AE19-62706E023703}">
                       <ahyp:hlinkClr xmlns:ahyp="http://schemas.microsoft.com/office/drawing/2018/hyperlinkcolor" val="tx"/>
@@ -12953,7 +13687,7 @@
                     <a:lumOff val="15000"/>
                   </a:schemeClr>
                 </a:solidFill>
-                <a:hlinkClick r:id="rId6">
+                <a:hlinkClick r:id="rId7">
                   <a:extLst>
                     <a:ext uri="{A12FA001-AC4F-418D-AE19-62706E023703}">
                       <ahyp:hlinkClr xmlns:ahyp="http://schemas.microsoft.com/office/drawing/2018/hyperlinkcolor" val="tx"/>
@@ -12984,7 +13718,7 @@
                     <a:lumOff val="15000"/>
                   </a:schemeClr>
                 </a:solidFill>
-                <a:hlinkClick r:id="rId7">
+                <a:hlinkClick r:id="rId8">
                   <a:extLst>
                     <a:ext uri="{A12FA001-AC4F-418D-AE19-62706E023703}">
                       <ahyp:hlinkClr xmlns:ahyp="http://schemas.microsoft.com/office/drawing/2018/hyperlinkcolor" val="tx"/>
@@ -13015,7 +13749,7 @@
                     <a:lumOff val="15000"/>
                   </a:schemeClr>
                 </a:solidFill>
-                <a:hlinkClick r:id="rId8">
+                <a:hlinkClick r:id="rId9">
                   <a:extLst>
                     <a:ext uri="{A12FA001-AC4F-418D-AE19-62706E023703}">
                       <ahyp:hlinkClr xmlns:ahyp="http://schemas.microsoft.com/office/drawing/2018/hyperlinkcolor" val="tx"/>
@@ -13046,7 +13780,7 @@
                     <a:lumOff val="15000"/>
                   </a:schemeClr>
                 </a:solidFill>
-                <a:hlinkClick r:id="rId9">
+                <a:hlinkClick r:id="rId10">
                   <a:extLst>
                     <a:ext uri="{A12FA001-AC4F-418D-AE19-62706E023703}">
                       <ahyp:hlinkClr xmlns:ahyp="http://schemas.microsoft.com/office/drawing/2018/hyperlinkcolor" val="tx"/>
@@ -13077,7 +13811,7 @@
                     <a:lumOff val="15000"/>
                   </a:schemeClr>
                 </a:solidFill>
-                <a:hlinkClick r:id="rId10">
+                <a:hlinkClick r:id="rId11">
                   <a:extLst>
                     <a:ext uri="{A12FA001-AC4F-418D-AE19-62706E023703}">
                       <ahyp:hlinkClr xmlns:ahyp="http://schemas.microsoft.com/office/drawing/2018/hyperlinkcolor" val="tx"/>
@@ -13108,7 +13842,7 @@
                     <a:lumOff val="15000"/>
                   </a:schemeClr>
                 </a:solidFill>
-                <a:hlinkClick r:id="rId11">
+                <a:hlinkClick r:id="rId12">
                   <a:extLst>
                     <a:ext uri="{A12FA001-AC4F-418D-AE19-62706E023703}">
                       <ahyp:hlinkClr xmlns:ahyp="http://schemas.microsoft.com/office/drawing/2018/hyperlinkcolor" val="tx"/>
@@ -13139,7 +13873,7 @@
                     <a:lumOff val="15000"/>
                   </a:schemeClr>
                 </a:solidFill>
-                <a:hlinkClick r:id="rId12">
+                <a:hlinkClick r:id="rId13">
                   <a:extLst>
                     <a:ext uri="{A12FA001-AC4F-418D-AE19-62706E023703}">
                       <ahyp:hlinkClr xmlns:ahyp="http://schemas.microsoft.com/office/drawing/2018/hyperlinkcolor" val="tx"/>
@@ -13170,7 +13904,7 @@
                     <a:lumOff val="15000"/>
                   </a:schemeClr>
                 </a:solidFill>
-                <a:hlinkClick r:id="rId13">
+                <a:hlinkClick r:id="rId14">
                   <a:extLst>
                     <a:ext uri="{A12FA001-AC4F-418D-AE19-62706E023703}">
                       <ahyp:hlinkClr xmlns:ahyp="http://schemas.microsoft.com/office/drawing/2018/hyperlinkcolor" val="tx"/>
@@ -13345,7 +14079,7 @@
           </p:nvPr>
         </p:nvPicPr>
         <p:blipFill>
-          <a:blip r:embed="rId2"/>
+          <a:blip r:embed="rId3"/>
           <a:srcRect t="22866" b="22866"/>
           <a:stretch>
             <a:fillRect/>
@@ -13456,7 +14190,7 @@
           <p:nvPr/>
         </p:nvPicPr>
         <p:blipFill>
-          <a:blip r:embed="rId3"/>
+          <a:blip r:embed="rId4"/>
           <a:stretch/>
         </p:blipFill>
         <p:spPr bwMode="auto">

--- a/Abschluss_präsi.pptx
+++ b/Abschluss_präsi.pptx
@@ -655,7 +655,7 @@
             </a:pPr>
             <a:r>
               <a:rPr lang="de-DE" dirty="0"/>
-              <a:t>ZEIT: 06:11</a:t>
+              <a:t>ZEIT: 06:11  - 4/4</a:t>
             </a:r>
           </a:p>
           <a:p>
@@ -853,7 +853,7 @@
             </a:pPr>
             <a:r>
               <a:rPr lang="de-DE" dirty="0"/>
-              <a:t>ZEIT: 8:49</a:t>
+              <a:t>ZEIT: 8:49 - 1/2</a:t>
             </a:r>
           </a:p>
           <a:p>
@@ -1019,7 +1019,7 @@
             </a:pPr>
             <a:r>
               <a:rPr lang="de-DE" dirty="0"/>
-              <a:t>ZEIT: 8:49</a:t>
+              <a:t>ZEIT: 8:49 - 2/2</a:t>
             </a:r>
           </a:p>
           <a:p>
@@ -1208,7 +1208,7 @@
             </a:pPr>
             <a:r>
               <a:rPr lang="de-DE" dirty="0"/>
-              <a:t>ZEIT: 13:14</a:t>
+              <a:t>ZEIT: 13:14 - 1/5</a:t>
             </a:r>
           </a:p>
           <a:p>
@@ -1371,14 +1371,34 @@
           <a:bodyPr/>
           <a:lstStyle/>
           <a:p>
+            <a:pPr marL="0" marR="0" lvl="0" indent="0" algn="l" defTabSz="914400" eaLnBrk="1" fontAlgn="auto" latinLnBrk="0" hangingPunct="1">
+              <a:lnSpc>
+                <a:spcPct val="100000"/>
+              </a:lnSpc>
+              <a:spcBef>
+                <a:spcPts val="0"/>
+              </a:spcBef>
+              <a:spcAft>
+                <a:spcPts val="0"/>
+              </a:spcAft>
+              <a:buClrTx/>
+              <a:buSzTx/>
+              <a:buFontTx/>
+              <a:buNone/>
+              <a:tabLst/>
+              <a:defRPr/>
+            </a:pPr>
+            <a:r>
+              <a:rPr lang="de-DE" dirty="0"/>
+              <a:t>ZEIT: 13:14 - 2/5</a:t>
+            </a:r>
+          </a:p>
+          <a:p>
             <a:pPr marL="0" indent="0">
               <a:buFontTx/>
               <a:buNone/>
             </a:pPr>
-            <a:r>
-              <a:rPr lang="de-DE" dirty="0"/>
-              <a:t>ZEIT: 13:14</a:t>
-            </a:r>
+            <a:endParaRPr lang="de-DE" dirty="0"/>
           </a:p>
           <a:p>
             <a:pPr marL="171450" indent="-171450">
@@ -1479,13 +1499,26 @@
           <a:bodyPr/>
           <a:lstStyle/>
           <a:p>
-            <a:pPr marL="0" indent="0">
+            <a:pPr marL="0" marR="0" lvl="0" indent="0" algn="l" defTabSz="914400" eaLnBrk="1" fontAlgn="auto" latinLnBrk="0" hangingPunct="1">
+              <a:lnSpc>
+                <a:spcPct val="100000"/>
+              </a:lnSpc>
+              <a:spcBef>
+                <a:spcPts val="0"/>
+              </a:spcBef>
+              <a:spcAft>
+                <a:spcPts val="0"/>
+              </a:spcAft>
+              <a:buClrTx/>
+              <a:buSzTx/>
               <a:buFontTx/>
               <a:buNone/>
+              <a:tabLst/>
+              <a:defRPr/>
             </a:pPr>
             <a:r>
               <a:rPr lang="de-DE" dirty="0"/>
-              <a:t>ZEIT: 13:14</a:t>
+              <a:t>ZEIT: 13:14 - 3/5</a:t>
             </a:r>
           </a:p>
           <a:p>
@@ -1607,7 +1640,7 @@
             </a:pPr>
             <a:r>
               <a:rPr lang="de-DE" dirty="0"/>
-              <a:t>ZEIT: 13:14</a:t>
+              <a:t>ZEIT: 13:14 - 4/5</a:t>
             </a:r>
           </a:p>
           <a:p>
@@ -1752,7 +1785,7 @@
             </a:pPr>
             <a:r>
               <a:rPr lang="de-DE" dirty="0"/>
-              <a:t>ZEIT: 13:14</a:t>
+              <a:t>ZEIT: 13:14 – 5/5</a:t>
             </a:r>
           </a:p>
         </p:txBody>
@@ -1833,8 +1866,28 @@
             </a:pPr>
             <a:r>
               <a:rPr lang="de-DE" dirty="0"/>
-              <a:t>ZEIT: 01:46</a:t>
-            </a:r>
+              <a:t>ZEIT: 01:46 - 1/2</a:t>
+            </a:r>
+          </a:p>
+          <a:p>
+            <a:pPr marL="0" marR="0" lvl="0" indent="0" algn="l" defTabSz="914400" eaLnBrk="1" fontAlgn="auto" latinLnBrk="0" hangingPunct="1">
+              <a:lnSpc>
+                <a:spcPct val="100000"/>
+              </a:lnSpc>
+              <a:spcBef>
+                <a:spcPts val="0"/>
+              </a:spcBef>
+              <a:spcAft>
+                <a:spcPts val="0"/>
+              </a:spcAft>
+              <a:buClrTx/>
+              <a:buSzTx/>
+              <a:buFontTx/>
+              <a:buNone/>
+              <a:tabLst/>
+              <a:defRPr/>
+            </a:pPr>
+            <a:endParaRPr lang="de-DE" dirty="0"/>
           </a:p>
           <a:p>
             <a:pPr marL="171450" indent="-171450">
@@ -2076,7 +2129,7 @@
             </a:pPr>
             <a:r>
               <a:rPr lang="de-DE" dirty="0"/>
-              <a:t>ZEIT: 15:00</a:t>
+              <a:t>ZEIT: 15:00 – 1/2</a:t>
             </a:r>
           </a:p>
           <a:p>
@@ -2201,7 +2254,7 @@
             </a:pPr>
             <a:r>
               <a:rPr lang="de-DE" dirty="0"/>
-              <a:t>ZEIT: 15:00</a:t>
+              <a:t>ZEIT: 15:00 - 2/2</a:t>
             </a:r>
           </a:p>
           <a:p>
@@ -2405,7 +2458,7 @@
               <a:defRPr/>
             </a:pPr>
             <a:r>
-              <a:rPr lang="de-DE"/>
+              <a:rPr lang="de-DE" dirty="0"/>
               <a:t>ZEIT: 15:00</a:t>
             </a:r>
           </a:p>
@@ -2471,6 +2524,49 @@
           <a:bodyPr/>
           <a:lstStyle/>
           <a:p>
+            <a:pPr marL="0" marR="0" lvl="0" indent="0" algn="l" defTabSz="914400" eaLnBrk="1" fontAlgn="auto" latinLnBrk="0" hangingPunct="1">
+              <a:lnSpc>
+                <a:spcPct val="100000"/>
+              </a:lnSpc>
+              <a:spcBef>
+                <a:spcPts val="0"/>
+              </a:spcBef>
+              <a:spcAft>
+                <a:spcPts val="0"/>
+              </a:spcAft>
+              <a:buClrTx/>
+              <a:buSzTx/>
+              <a:buFontTx/>
+              <a:buNone/>
+              <a:tabLst/>
+              <a:defRPr/>
+            </a:pPr>
+            <a:r>
+              <a:rPr lang="de-DE" dirty="0"/>
+              <a:t>ZEIT: 01:46 - 2/2</a:t>
+            </a:r>
+          </a:p>
+          <a:p>
+            <a:pPr marL="0" marR="0" lvl="0" indent="0" algn="l" defTabSz="914400" eaLnBrk="1" fontAlgn="auto" latinLnBrk="0" hangingPunct="1">
+              <a:lnSpc>
+                <a:spcPct val="100000"/>
+              </a:lnSpc>
+              <a:spcBef>
+                <a:spcPts val="0"/>
+              </a:spcBef>
+              <a:spcAft>
+                <a:spcPts val="0"/>
+              </a:spcAft>
+              <a:buClrTx/>
+              <a:buSzTx/>
+              <a:buFontTx/>
+              <a:buNone/>
+              <a:tabLst/>
+              <a:defRPr/>
+            </a:pPr>
+            <a:endParaRPr lang="de-DE" dirty="0"/>
+          </a:p>
+          <a:p>
             <a:pPr marL="171450" indent="-171450">
               <a:buFontTx/>
               <a:buChar char="-"/>
@@ -2662,13 +2758,25 @@
             </a:pPr>
             <a:r>
               <a:rPr lang="de-DE" dirty="0"/>
-              <a:t>ZEIT: 02:39</a:t>
-            </a:r>
-          </a:p>
-          <a:p>
-            <a:pPr marL="0" indent="0">
+              <a:t>ZEIT: 02:39 - 1/1</a:t>
+            </a:r>
+          </a:p>
+          <a:p>
+            <a:pPr marL="0" marR="0" lvl="0" indent="0" algn="l" defTabSz="914400" eaLnBrk="1" fontAlgn="auto" latinLnBrk="0" hangingPunct="1">
+              <a:lnSpc>
+                <a:spcPct val="100000"/>
+              </a:lnSpc>
+              <a:spcBef>
+                <a:spcPts val="0"/>
+              </a:spcBef>
+              <a:spcAft>
+                <a:spcPts val="0"/>
+              </a:spcAft>
+              <a:buClrTx/>
+              <a:buSzTx/>
               <a:buFontTx/>
               <a:buNone/>
+              <a:tabLst/>
               <a:defRPr/>
             </a:pPr>
             <a:endParaRPr lang="de-DE" dirty="0"/>
@@ -2913,7 +3021,7 @@
             </a:pPr>
             <a:r>
               <a:rPr lang="de-DE" dirty="0"/>
-              <a:t>ZEIT: 06:11</a:t>
+              <a:t>ZEIT: 06:11 - 1/4</a:t>
             </a:r>
           </a:p>
           <a:p>
@@ -3052,7 +3160,7 @@
             </a:pPr>
             <a:r>
               <a:rPr lang="de-DE" dirty="0"/>
-              <a:t>ZEIT: 06:11</a:t>
+              <a:t>ZEIT: 06:11 - 2/4</a:t>
             </a:r>
           </a:p>
           <a:p>
@@ -3232,7 +3340,7 @@
             </a:pPr>
             <a:r>
               <a:rPr lang="de-DE" dirty="0"/>
-              <a:t>ZEIT: 06:11</a:t>
+              <a:t>ZEIT: 06:11 - 3/4</a:t>
             </a:r>
           </a:p>
           <a:p>
